--- a/K-means clustering.pptx
+++ b/K-means clustering.pptx
@@ -6,11 +6,13 @@
   </p:sldMasterIdLst>
   <p:sldIdLst>
     <p:sldId id="256" r:id="rId2"/>
-    <p:sldId id="257" r:id="rId3"/>
-    <p:sldId id="268" r:id="rId4"/>
-    <p:sldId id="258" r:id="rId5"/>
-    <p:sldId id="266" r:id="rId6"/>
-    <p:sldId id="267" r:id="rId7"/>
+    <p:sldId id="268" r:id="rId3"/>
+    <p:sldId id="258" r:id="rId4"/>
+    <p:sldId id="266" r:id="rId5"/>
+    <p:sldId id="267" r:id="rId6"/>
+    <p:sldId id="257" r:id="rId7"/>
+    <p:sldId id="269" r:id="rId8"/>
+    <p:sldId id="270" r:id="rId9"/>
   </p:sldIdLst>
   <p:sldSz cx="12192000" cy="6858000"/>
   <p:notesSz cx="6858000" cy="9144000"/>
@@ -276,7 +278,7 @@
           <a:p>
             <a:fld id="{E6FE9C01-2251-4C27-A0B3-46E23D2CEB74}" type="datetimeFigureOut">
               <a:rPr lang="de-DE" smtClean="0"/>
-              <a:t>12.05.2019</a:t>
+              <a:t>13.05.2019</a:t>
             </a:fld>
             <a:endParaRPr lang="de-DE"/>
           </a:p>
@@ -474,7 +476,7 @@
           <a:p>
             <a:fld id="{E6FE9C01-2251-4C27-A0B3-46E23D2CEB74}" type="datetimeFigureOut">
               <a:rPr lang="de-DE" smtClean="0"/>
-              <a:t>12.05.2019</a:t>
+              <a:t>13.05.2019</a:t>
             </a:fld>
             <a:endParaRPr lang="de-DE"/>
           </a:p>
@@ -682,7 +684,7 @@
           <a:p>
             <a:fld id="{E6FE9C01-2251-4C27-A0B3-46E23D2CEB74}" type="datetimeFigureOut">
               <a:rPr lang="de-DE" smtClean="0"/>
-              <a:t>12.05.2019</a:t>
+              <a:t>13.05.2019</a:t>
             </a:fld>
             <a:endParaRPr lang="de-DE"/>
           </a:p>
@@ -880,7 +882,7 @@
           <a:p>
             <a:fld id="{E6FE9C01-2251-4C27-A0B3-46E23D2CEB74}" type="datetimeFigureOut">
               <a:rPr lang="de-DE" smtClean="0"/>
-              <a:t>12.05.2019</a:t>
+              <a:t>13.05.2019</a:t>
             </a:fld>
             <a:endParaRPr lang="de-DE"/>
           </a:p>
@@ -1155,7 +1157,7 @@
           <a:p>
             <a:fld id="{E6FE9C01-2251-4C27-A0B3-46E23D2CEB74}" type="datetimeFigureOut">
               <a:rPr lang="de-DE" smtClean="0"/>
-              <a:t>12.05.2019</a:t>
+              <a:t>13.05.2019</a:t>
             </a:fld>
             <a:endParaRPr lang="de-DE"/>
           </a:p>
@@ -1420,7 +1422,7 @@
           <a:p>
             <a:fld id="{E6FE9C01-2251-4C27-A0B3-46E23D2CEB74}" type="datetimeFigureOut">
               <a:rPr lang="de-DE" smtClean="0"/>
-              <a:t>12.05.2019</a:t>
+              <a:t>13.05.2019</a:t>
             </a:fld>
             <a:endParaRPr lang="de-DE"/>
           </a:p>
@@ -1832,7 +1834,7 @@
           <a:p>
             <a:fld id="{E6FE9C01-2251-4C27-A0B3-46E23D2CEB74}" type="datetimeFigureOut">
               <a:rPr lang="de-DE" smtClean="0"/>
-              <a:t>12.05.2019</a:t>
+              <a:t>13.05.2019</a:t>
             </a:fld>
             <a:endParaRPr lang="de-DE"/>
           </a:p>
@@ -1973,7 +1975,7 @@
           <a:p>
             <a:fld id="{E6FE9C01-2251-4C27-A0B3-46E23D2CEB74}" type="datetimeFigureOut">
               <a:rPr lang="de-DE" smtClean="0"/>
-              <a:t>12.05.2019</a:t>
+              <a:t>13.05.2019</a:t>
             </a:fld>
             <a:endParaRPr lang="de-DE"/>
           </a:p>
@@ -2086,7 +2088,7 @@
           <a:p>
             <a:fld id="{E6FE9C01-2251-4C27-A0B3-46E23D2CEB74}" type="datetimeFigureOut">
               <a:rPr lang="de-DE" smtClean="0"/>
-              <a:t>12.05.2019</a:t>
+              <a:t>13.05.2019</a:t>
             </a:fld>
             <a:endParaRPr lang="de-DE"/>
           </a:p>
@@ -2397,7 +2399,7 @@
           <a:p>
             <a:fld id="{E6FE9C01-2251-4C27-A0B3-46E23D2CEB74}" type="datetimeFigureOut">
               <a:rPr lang="de-DE" smtClean="0"/>
-              <a:t>12.05.2019</a:t>
+              <a:t>13.05.2019</a:t>
             </a:fld>
             <a:endParaRPr lang="de-DE"/>
           </a:p>
@@ -2685,7 +2687,7 @@
           <a:p>
             <a:fld id="{E6FE9C01-2251-4C27-A0B3-46E23D2CEB74}" type="datetimeFigureOut">
               <a:rPr lang="de-DE" smtClean="0"/>
-              <a:t>12.05.2019</a:t>
+              <a:t>13.05.2019</a:t>
             </a:fld>
             <a:endParaRPr lang="de-DE"/>
           </a:p>
@@ -2926,7 +2928,7 @@
           <a:p>
             <a:fld id="{E6FE9C01-2251-4C27-A0B3-46E23D2CEB74}" type="datetimeFigureOut">
               <a:rPr lang="de-DE" smtClean="0"/>
-              <a:t>12.05.2019</a:t>
+              <a:t>13.05.2019</a:t>
             </a:fld>
             <a:endParaRPr lang="de-DE"/>
           </a:p>
@@ -3725,264 +3727,6 @@
           <p:cNvPr id="2" name="Titel 1">
             <a:extLst>
               <a:ext uri="{FF2B5EF4-FFF2-40B4-BE49-F238E27FC236}">
-                <a16:creationId xmlns:a16="http://schemas.microsoft.com/office/drawing/2014/main" id="{DDEDAB5F-1E57-4603-9A9A-E9FF5357EC96}"/>
-              </a:ext>
-            </a:extLst>
-          </p:cNvPr>
-          <p:cNvSpPr>
-            <a:spLocks noGrp="1"/>
-          </p:cNvSpPr>
-          <p:nvPr>
-            <p:ph type="title"/>
-          </p:nvPr>
-        </p:nvSpPr>
-        <p:spPr/>
-        <p:txBody>
-          <a:bodyPr/>
-          <a:lstStyle/>
-          <a:p>
-            <a:r>
-              <a:rPr lang="de-DE" b="1" dirty="0"/>
-              <a:t>A </a:t>
-            </a:r>
-            <a:r>
-              <a:rPr lang="de-DE" b="1" dirty="0" err="1"/>
-              <a:t>few</a:t>
-            </a:r>
-            <a:r>
-              <a:rPr lang="de-DE" b="1" dirty="0"/>
-              <a:t> </a:t>
-            </a:r>
-            <a:r>
-              <a:rPr lang="de-DE" b="1" dirty="0" err="1"/>
-              <a:t>questions</a:t>
-            </a:r>
-            <a:endParaRPr lang="de-DE" b="1" dirty="0"/>
-          </a:p>
-        </p:txBody>
-      </p:sp>
-      <p:sp>
-        <p:nvSpPr>
-          <p:cNvPr id="3" name="Inhaltsplatzhalter 2">
-            <a:extLst>
-              <a:ext uri="{FF2B5EF4-FFF2-40B4-BE49-F238E27FC236}">
-                <a16:creationId xmlns:a16="http://schemas.microsoft.com/office/drawing/2014/main" id="{50952922-1ADC-4E31-BC53-3FE09D6A3762}"/>
-              </a:ext>
-            </a:extLst>
-          </p:cNvPr>
-          <p:cNvSpPr>
-            <a:spLocks noGrp="1"/>
-          </p:cNvSpPr>
-          <p:nvPr>
-            <p:ph idx="1"/>
-          </p:nvPr>
-        </p:nvSpPr>
-        <p:spPr/>
-        <p:txBody>
-          <a:bodyPr/>
-          <a:lstStyle/>
-          <a:p>
-            <a:r>
-              <a:rPr lang="de-DE" dirty="0" err="1"/>
-              <a:t>Which</a:t>
-            </a:r>
-            <a:r>
-              <a:rPr lang="de-DE" dirty="0"/>
-              <a:t> </a:t>
-            </a:r>
-            <a:r>
-              <a:rPr lang="de-DE" dirty="0" err="1"/>
-              <a:t>algorithm</a:t>
-            </a:r>
-            <a:r>
-              <a:rPr lang="de-DE" dirty="0"/>
-              <a:t> </a:t>
-            </a:r>
-            <a:r>
-              <a:rPr lang="de-DE" dirty="0" err="1"/>
-              <a:t>for</a:t>
-            </a:r>
-            <a:r>
-              <a:rPr lang="de-DE" dirty="0"/>
-              <a:t> </a:t>
-            </a:r>
-            <a:r>
-              <a:rPr lang="de-DE" dirty="0" err="1"/>
-              <a:t>which</a:t>
-            </a:r>
-            <a:r>
-              <a:rPr lang="de-DE" dirty="0"/>
-              <a:t> type/ </a:t>
-            </a:r>
-            <a:r>
-              <a:rPr lang="de-DE" dirty="0" err="1"/>
-              <a:t>size</a:t>
-            </a:r>
-            <a:r>
-              <a:rPr lang="de-DE" dirty="0"/>
-              <a:t> </a:t>
-            </a:r>
-            <a:r>
-              <a:rPr lang="de-DE" dirty="0" err="1"/>
-              <a:t>of</a:t>
-            </a:r>
-            <a:r>
-              <a:rPr lang="de-DE" dirty="0"/>
-              <a:t> </a:t>
-            </a:r>
-            <a:r>
-              <a:rPr lang="de-DE" dirty="0" err="1"/>
-              <a:t>data</a:t>
-            </a:r>
-            <a:r>
-              <a:rPr lang="de-DE" dirty="0"/>
-              <a:t>?</a:t>
-            </a:r>
-          </a:p>
-          <a:p>
-            <a:r>
-              <a:rPr lang="de-DE" dirty="0"/>
-              <a:t>Limits </a:t>
-            </a:r>
-            <a:r>
-              <a:rPr lang="de-DE" dirty="0" err="1"/>
-              <a:t>of</a:t>
-            </a:r>
-            <a:r>
-              <a:rPr lang="de-DE" dirty="0"/>
-              <a:t> </a:t>
-            </a:r>
-            <a:r>
-              <a:rPr lang="de-DE" dirty="0" err="1"/>
-              <a:t>several</a:t>
-            </a:r>
-            <a:r>
-              <a:rPr lang="de-DE" dirty="0"/>
-              <a:t> </a:t>
-            </a:r>
-            <a:r>
-              <a:rPr lang="de-DE" dirty="0" err="1"/>
-              <a:t>algorithms</a:t>
-            </a:r>
-            <a:r>
-              <a:rPr lang="de-DE" dirty="0"/>
-              <a:t>?</a:t>
-            </a:r>
-          </a:p>
-          <a:p>
-            <a:r>
-              <a:rPr lang="de-DE" dirty="0" err="1"/>
-              <a:t>What</a:t>
-            </a:r>
-            <a:r>
-              <a:rPr lang="de-DE" dirty="0"/>
-              <a:t> </a:t>
-            </a:r>
-            <a:r>
-              <a:rPr lang="de-DE" dirty="0" err="1"/>
-              <a:t>could</a:t>
-            </a:r>
-            <a:r>
-              <a:rPr lang="de-DE" dirty="0"/>
-              <a:t> </a:t>
-            </a:r>
-            <a:r>
-              <a:rPr lang="de-DE" dirty="0" err="1"/>
-              <a:t>we</a:t>
-            </a:r>
-            <a:r>
-              <a:rPr lang="de-DE" dirty="0"/>
-              <a:t> </a:t>
-            </a:r>
-            <a:r>
-              <a:rPr lang="de-DE" dirty="0" err="1"/>
-              <a:t>predict</a:t>
-            </a:r>
-            <a:r>
-              <a:rPr lang="de-DE" dirty="0"/>
-              <a:t> </a:t>
-            </a:r>
-            <a:r>
-              <a:rPr lang="de-DE" dirty="0" err="1"/>
-              <a:t>if</a:t>
-            </a:r>
-            <a:r>
-              <a:rPr lang="de-DE" dirty="0"/>
-              <a:t> </a:t>
-            </a:r>
-            <a:r>
-              <a:rPr lang="de-DE" dirty="0" err="1"/>
-              <a:t>the</a:t>
-            </a:r>
-            <a:r>
-              <a:rPr lang="de-DE" dirty="0"/>
-              <a:t> </a:t>
-            </a:r>
-            <a:r>
-              <a:rPr lang="de-DE" dirty="0" err="1"/>
-              <a:t>clustered</a:t>
-            </a:r>
-            <a:r>
-              <a:rPr lang="de-DE" dirty="0"/>
-              <a:t> </a:t>
-            </a:r>
-            <a:r>
-              <a:rPr lang="de-DE" dirty="0" err="1"/>
-              <a:t>the</a:t>
-            </a:r>
-            <a:r>
-              <a:rPr lang="de-DE" dirty="0"/>
-              <a:t> </a:t>
-            </a:r>
-            <a:r>
-              <a:rPr lang="de-DE" dirty="0" err="1"/>
-              <a:t>data</a:t>
-            </a:r>
-            <a:r>
-              <a:rPr lang="de-DE" dirty="0"/>
-              <a:t>?</a:t>
-            </a:r>
-          </a:p>
-          <a:p>
-            <a:endParaRPr lang="de-DE" dirty="0"/>
-          </a:p>
-        </p:txBody>
-      </p:sp>
-    </p:spTree>
-    <p:extLst>
-      <p:ext uri="{BB962C8B-B14F-4D97-AF65-F5344CB8AC3E}">
-        <p14:creationId xmlns:p14="http://schemas.microsoft.com/office/powerpoint/2010/main" val="3170896875"/>
-      </p:ext>
-    </p:extLst>
-  </p:cSld>
-  <p:clrMapOvr>
-    <a:masterClrMapping/>
-  </p:clrMapOvr>
-</p:sld>
-</file>
-
-<file path=ppt/slides/slide3.xml><?xml version="1.0" encoding="utf-8"?>
-<p:sld xmlns:a="http://schemas.openxmlformats.org/drawingml/2006/main" xmlns:r="http://schemas.openxmlformats.org/officeDocument/2006/relationships" xmlns:p="http://schemas.openxmlformats.org/presentationml/2006/main">
-  <p:cSld>
-    <p:spTree>
-      <p:nvGrpSpPr>
-        <p:cNvPr id="1" name=""/>
-        <p:cNvGrpSpPr/>
-        <p:nvPr/>
-      </p:nvGrpSpPr>
-      <p:grpSpPr>
-        <a:xfrm>
-          <a:off x="0" y="0"/>
-          <a:ext cx="0" cy="0"/>
-          <a:chOff x="0" y="0"/>
-          <a:chExt cx="0" cy="0"/>
-        </a:xfrm>
-      </p:grpSpPr>
-      <p:sp>
-        <p:nvSpPr>
-          <p:cNvPr id="2" name="Titel 1">
-            <a:extLst>
-              <a:ext uri="{FF2B5EF4-FFF2-40B4-BE49-F238E27FC236}">
                 <a16:creationId xmlns:a16="http://schemas.microsoft.com/office/drawing/2014/main" id="{33ED1F11-19B0-41DC-A031-E104D7BA918D}"/>
               </a:ext>
             </a:extLst>
@@ -4048,36 +3792,6 @@
           </a:prstGeom>
         </p:spPr>
       </p:pic>
-      <p:pic>
-        <p:nvPicPr>
-          <p:cNvPr id="5" name="Grafik 4">
-            <a:extLst>
-              <a:ext uri="{FF2B5EF4-FFF2-40B4-BE49-F238E27FC236}">
-                <a16:creationId xmlns:a16="http://schemas.microsoft.com/office/drawing/2014/main" id="{F4F43442-B7E1-412B-B4B5-BBB43B00E02D}"/>
-              </a:ext>
-            </a:extLst>
-          </p:cNvPr>
-          <p:cNvPicPr>
-            <a:picLocks noChangeAspect="1"/>
-          </p:cNvPicPr>
-          <p:nvPr/>
-        </p:nvPicPr>
-        <p:blipFill>
-          <a:blip r:embed="rId3"/>
-          <a:stretch>
-            <a:fillRect/>
-          </a:stretch>
-        </p:blipFill>
-        <p:spPr>
-          <a:xfrm>
-            <a:off x="4871070" y="511606"/>
-            <a:ext cx="6123901" cy="5679424"/>
-          </a:xfrm>
-          <a:prstGeom prst="rect">
-            <a:avLst/>
-          </a:prstGeom>
-        </p:spPr>
-      </p:pic>
     </p:spTree>
     <p:extLst>
       <p:ext uri="{BB962C8B-B14F-4D97-AF65-F5344CB8AC3E}">
@@ -4091,7 +3805,7 @@
 </p:sld>
 </file>
 
-<file path=ppt/slides/slide4.xml><?xml version="1.0" encoding="utf-8"?>
+<file path=ppt/slides/slide3.xml><?xml version="1.0" encoding="utf-8"?>
 <p:sld xmlns:a="http://schemas.openxmlformats.org/drawingml/2006/main" xmlns:r="http://schemas.openxmlformats.org/officeDocument/2006/relationships" xmlns:p="http://schemas.openxmlformats.org/presentationml/2006/main">
   <p:cSld>
     <p:spTree>
@@ -5185,8 +4899,8 @@
           </a:p>
         </p:txBody>
       </p:sp>
-      <mc:AlternateContent xmlns:mc="http://schemas.openxmlformats.org/markup-compatibility/2006">
-        <mc:Choice xmlns:pslz="http://schemas.microsoft.com/office/powerpoint/2016/slidezoom" Requires="pslz">
+      <mc:AlternateContent xmlns:mc="http://schemas.openxmlformats.org/markup-compatibility/2006" xmlns:pslz="http://schemas.microsoft.com/office/powerpoint/2016/slidezoom">
+        <mc:Choice Requires="pslz">
           <p:graphicFrame>
             <p:nvGraphicFramePr>
               <p:cNvPr id="9" name="Folienzoom 8">
@@ -5243,7 +4957,7 @@
             </a:graphic>
           </p:graphicFrame>
         </mc:Choice>
-        <mc:Fallback>
+        <mc:Fallback xmlns="">
           <p:pic>
             <p:nvPicPr>
               <p:cNvPr id="9" name="Folienzoom 8">
@@ -5260,7 +4974,7 @@
               <p:nvPr/>
             </p:nvPicPr>
             <p:blipFill>
-              <a:blip r:embed="rId2"/>
+              <a:blip r:embed="rId4"/>
               <a:stretch>
                 <a:fillRect/>
               </a:stretch>
@@ -6541,7 +6255,7 @@
 </p:sld>
 </file>
 
-<file path=ppt/slides/slide5.xml><?xml version="1.0" encoding="utf-8"?>
+<file path=ppt/slides/slide4.xml><?xml version="1.0" encoding="utf-8"?>
 <p:sld xmlns:a="http://schemas.openxmlformats.org/drawingml/2006/main" xmlns:r="http://schemas.openxmlformats.org/officeDocument/2006/relationships" xmlns:p="http://schemas.openxmlformats.org/presentationml/2006/main">
   <p:cSld>
     <p:spTree>
@@ -7466,7 +7180,7 @@
 </p:sld>
 </file>
 
-<file path=ppt/slides/slide6.xml><?xml version="1.0" encoding="utf-8"?>
+<file path=ppt/slides/slide5.xml><?xml version="1.0" encoding="utf-8"?>
 <p:sld xmlns:a="http://schemas.openxmlformats.org/drawingml/2006/main" xmlns:r="http://schemas.openxmlformats.org/officeDocument/2006/relationships" xmlns:p="http://schemas.openxmlformats.org/presentationml/2006/main">
   <p:cSld>
     <p:spTree>
@@ -15346,6 +15060,1308 @@
       <p:bldP spid="72" grpId="0"/>
       <p:bldP spid="73" grpId="0"/>
     </p:bldLst>
+  </p:timing>
+</p:sld>
+</file>
+
+<file path=ppt/slides/slide6.xml><?xml version="1.0" encoding="utf-8"?>
+<p:sld xmlns:a="http://schemas.openxmlformats.org/drawingml/2006/main" xmlns:r="http://schemas.openxmlformats.org/officeDocument/2006/relationships" xmlns:p="http://schemas.openxmlformats.org/presentationml/2006/main">
+  <p:cSld>
+    <p:spTree>
+      <p:nvGrpSpPr>
+        <p:cNvPr id="1" name=""/>
+        <p:cNvGrpSpPr/>
+        <p:nvPr/>
+      </p:nvGrpSpPr>
+      <p:grpSpPr>
+        <a:xfrm>
+          <a:off x="0" y="0"/>
+          <a:ext cx="0" cy="0"/>
+          <a:chOff x="0" y="0"/>
+          <a:chExt cx="0" cy="0"/>
+        </a:xfrm>
+      </p:grpSpPr>
+      <p:sp>
+        <p:nvSpPr>
+          <p:cNvPr id="2" name="Titel 1">
+            <a:extLst>
+              <a:ext uri="{FF2B5EF4-FFF2-40B4-BE49-F238E27FC236}">
+                <a16:creationId xmlns:a16="http://schemas.microsoft.com/office/drawing/2014/main" id="{DDEDAB5F-1E57-4603-9A9A-E9FF5357EC96}"/>
+              </a:ext>
+            </a:extLst>
+          </p:cNvPr>
+          <p:cNvSpPr>
+            <a:spLocks noGrp="1"/>
+          </p:cNvSpPr>
+          <p:nvPr>
+            <p:ph type="title"/>
+          </p:nvPr>
+        </p:nvSpPr>
+        <p:spPr/>
+        <p:txBody>
+          <a:bodyPr/>
+          <a:lstStyle/>
+          <a:p>
+            <a:r>
+              <a:rPr lang="de-DE" b="1" dirty="0"/>
+              <a:t>A </a:t>
+            </a:r>
+            <a:r>
+              <a:rPr lang="de-DE" b="1" dirty="0" err="1"/>
+              <a:t>few</a:t>
+            </a:r>
+            <a:r>
+              <a:rPr lang="de-DE" b="1" dirty="0"/>
+              <a:t> </a:t>
+            </a:r>
+            <a:r>
+              <a:rPr lang="de-DE" b="1" dirty="0" err="1"/>
+              <a:t>questions</a:t>
+            </a:r>
+            <a:endParaRPr lang="de-DE" b="1" dirty="0"/>
+          </a:p>
+        </p:txBody>
+      </p:sp>
+      <p:sp>
+        <p:nvSpPr>
+          <p:cNvPr id="3" name="Inhaltsplatzhalter 2">
+            <a:extLst>
+              <a:ext uri="{FF2B5EF4-FFF2-40B4-BE49-F238E27FC236}">
+                <a16:creationId xmlns:a16="http://schemas.microsoft.com/office/drawing/2014/main" id="{50952922-1ADC-4E31-BC53-3FE09D6A3762}"/>
+              </a:ext>
+            </a:extLst>
+          </p:cNvPr>
+          <p:cNvSpPr>
+            <a:spLocks noGrp="1"/>
+          </p:cNvSpPr>
+          <p:nvPr>
+            <p:ph idx="1"/>
+          </p:nvPr>
+        </p:nvSpPr>
+        <p:spPr/>
+        <p:txBody>
+          <a:bodyPr/>
+          <a:lstStyle/>
+          <a:p>
+            <a:pPr>
+              <a:lnSpc>
+                <a:spcPct val="150000"/>
+              </a:lnSpc>
+            </a:pPr>
+            <a:r>
+              <a:rPr lang="de-DE" dirty="0" err="1"/>
+              <a:t>Which</a:t>
+            </a:r>
+            <a:r>
+              <a:rPr lang="de-DE" dirty="0"/>
+              <a:t> </a:t>
+            </a:r>
+            <a:r>
+              <a:rPr lang="de-DE" dirty="0" err="1"/>
+              <a:t>algorithm</a:t>
+            </a:r>
+            <a:r>
+              <a:rPr lang="de-DE" dirty="0"/>
+              <a:t> </a:t>
+            </a:r>
+            <a:r>
+              <a:rPr lang="de-DE" dirty="0" err="1"/>
+              <a:t>for</a:t>
+            </a:r>
+            <a:r>
+              <a:rPr lang="de-DE" dirty="0"/>
+              <a:t> </a:t>
+            </a:r>
+            <a:r>
+              <a:rPr lang="de-DE" dirty="0" err="1"/>
+              <a:t>which</a:t>
+            </a:r>
+            <a:r>
+              <a:rPr lang="de-DE" dirty="0"/>
+              <a:t> type/ </a:t>
+            </a:r>
+            <a:r>
+              <a:rPr lang="de-DE" dirty="0" err="1"/>
+              <a:t>size</a:t>
+            </a:r>
+            <a:r>
+              <a:rPr lang="de-DE" dirty="0"/>
+              <a:t> </a:t>
+            </a:r>
+            <a:r>
+              <a:rPr lang="de-DE" dirty="0" err="1"/>
+              <a:t>of</a:t>
+            </a:r>
+            <a:r>
+              <a:rPr lang="de-DE" dirty="0"/>
+              <a:t> </a:t>
+            </a:r>
+            <a:r>
+              <a:rPr lang="de-DE" dirty="0" err="1"/>
+              <a:t>data</a:t>
+            </a:r>
+            <a:r>
+              <a:rPr lang="de-DE" dirty="0"/>
+              <a:t>?</a:t>
+            </a:r>
+          </a:p>
+          <a:p>
+            <a:pPr>
+              <a:lnSpc>
+                <a:spcPct val="150000"/>
+              </a:lnSpc>
+            </a:pPr>
+            <a:r>
+              <a:rPr lang="de-DE" dirty="0"/>
+              <a:t>Limits </a:t>
+            </a:r>
+            <a:r>
+              <a:rPr lang="de-DE" dirty="0" err="1"/>
+              <a:t>of</a:t>
+            </a:r>
+            <a:r>
+              <a:rPr lang="de-DE" dirty="0"/>
+              <a:t> </a:t>
+            </a:r>
+            <a:r>
+              <a:rPr lang="de-DE" dirty="0" err="1"/>
+              <a:t>several</a:t>
+            </a:r>
+            <a:r>
+              <a:rPr lang="de-DE" dirty="0"/>
+              <a:t> </a:t>
+            </a:r>
+            <a:r>
+              <a:rPr lang="de-DE" dirty="0" err="1"/>
+              <a:t>algorithms</a:t>
+            </a:r>
+            <a:r>
+              <a:rPr lang="de-DE" dirty="0"/>
+              <a:t>?</a:t>
+            </a:r>
+          </a:p>
+          <a:p>
+            <a:pPr>
+              <a:lnSpc>
+                <a:spcPct val="150000"/>
+              </a:lnSpc>
+            </a:pPr>
+            <a:r>
+              <a:rPr lang="de-DE" dirty="0" err="1"/>
+              <a:t>What</a:t>
+            </a:r>
+            <a:r>
+              <a:rPr lang="de-DE" dirty="0"/>
+              <a:t> </a:t>
+            </a:r>
+            <a:r>
+              <a:rPr lang="de-DE" dirty="0" err="1"/>
+              <a:t>could</a:t>
+            </a:r>
+            <a:r>
+              <a:rPr lang="de-DE" dirty="0"/>
+              <a:t> </a:t>
+            </a:r>
+            <a:r>
+              <a:rPr lang="de-DE" dirty="0" err="1"/>
+              <a:t>we</a:t>
+            </a:r>
+            <a:r>
+              <a:rPr lang="de-DE" dirty="0"/>
+              <a:t> </a:t>
+            </a:r>
+            <a:r>
+              <a:rPr lang="de-DE" dirty="0" err="1"/>
+              <a:t>predict</a:t>
+            </a:r>
+            <a:r>
+              <a:rPr lang="de-DE" dirty="0"/>
+              <a:t> </a:t>
+            </a:r>
+            <a:r>
+              <a:rPr lang="de-DE" dirty="0" err="1"/>
+              <a:t>if</a:t>
+            </a:r>
+            <a:r>
+              <a:rPr lang="de-DE" dirty="0"/>
+              <a:t> </a:t>
+            </a:r>
+            <a:r>
+              <a:rPr lang="de-DE" dirty="0" err="1"/>
+              <a:t>we</a:t>
+            </a:r>
+            <a:r>
+              <a:rPr lang="de-DE" dirty="0"/>
+              <a:t> </a:t>
+            </a:r>
+            <a:r>
+              <a:rPr lang="de-DE" dirty="0" err="1"/>
+              <a:t>clustered</a:t>
+            </a:r>
+            <a:r>
+              <a:rPr lang="de-DE" dirty="0"/>
+              <a:t> </a:t>
+            </a:r>
+            <a:r>
+              <a:rPr lang="de-DE" dirty="0" err="1"/>
+              <a:t>the</a:t>
+            </a:r>
+            <a:r>
+              <a:rPr lang="de-DE" dirty="0"/>
+              <a:t> </a:t>
+            </a:r>
+            <a:r>
+              <a:rPr lang="de-DE" dirty="0" err="1"/>
+              <a:t>data</a:t>
+            </a:r>
+            <a:r>
+              <a:rPr lang="de-DE" dirty="0"/>
+              <a:t>?</a:t>
+            </a:r>
+          </a:p>
+          <a:p>
+            <a:endParaRPr lang="de-DE" dirty="0"/>
+          </a:p>
+          <a:p>
+            <a:endParaRPr lang="de-DE" dirty="0"/>
+          </a:p>
+          <a:p>
+            <a:endParaRPr lang="de-DE" dirty="0"/>
+          </a:p>
+        </p:txBody>
+      </p:sp>
+    </p:spTree>
+    <p:extLst>
+      <p:ext uri="{BB962C8B-B14F-4D97-AF65-F5344CB8AC3E}">
+        <p14:creationId xmlns:p14="http://schemas.microsoft.com/office/powerpoint/2010/main" val="3170896875"/>
+      </p:ext>
+    </p:extLst>
+  </p:cSld>
+  <p:clrMapOvr>
+    <a:masterClrMapping/>
+  </p:clrMapOvr>
+  <p:timing>
+    <p:tnLst>
+      <p:par>
+        <p:cTn id="1" dur="indefinite" restart="never" nodeType="tmRoot">
+          <p:childTnLst>
+            <p:seq concurrent="1" nextAc="seek">
+              <p:cTn id="2" dur="indefinite" nodeType="mainSeq">
+                <p:childTnLst>
+                  <p:par>
+                    <p:cTn id="3" fill="hold">
+                      <p:stCondLst>
+                        <p:cond delay="indefinite"/>
+                      </p:stCondLst>
+                      <p:childTnLst>
+                        <p:par>
+                          <p:cTn id="4" fill="hold">
+                            <p:stCondLst>
+                              <p:cond delay="0"/>
+                            </p:stCondLst>
+                            <p:childTnLst>
+                              <p:par>
+                                <p:cTn id="5" presetID="1" presetClass="entr" presetSubtype="0" fill="hold" grpId="0" nodeType="clickEffect">
+                                  <p:stCondLst>
+                                    <p:cond delay="0"/>
+                                  </p:stCondLst>
+                                  <p:childTnLst>
+                                    <p:set>
+                                      <p:cBhvr>
+                                        <p:cTn id="6" dur="1" fill="hold">
+                                          <p:stCondLst>
+                                            <p:cond delay="0"/>
+                                          </p:stCondLst>
+                                        </p:cTn>
+                                        <p:tgtEl>
+                                          <p:spTgt spid="3">
+                                            <p:txEl>
+                                              <p:pRg st="0" end="0"/>
+                                            </p:txEl>
+                                          </p:spTgt>
+                                        </p:tgtEl>
+                                        <p:attrNameLst>
+                                          <p:attrName>style.visibility</p:attrName>
+                                        </p:attrNameLst>
+                                      </p:cBhvr>
+                                      <p:to>
+                                        <p:strVal val="visible"/>
+                                      </p:to>
+                                    </p:set>
+                                  </p:childTnLst>
+                                </p:cTn>
+                              </p:par>
+                            </p:childTnLst>
+                          </p:cTn>
+                        </p:par>
+                      </p:childTnLst>
+                    </p:cTn>
+                  </p:par>
+                  <p:par>
+                    <p:cTn id="7" fill="hold">
+                      <p:stCondLst>
+                        <p:cond delay="indefinite"/>
+                      </p:stCondLst>
+                      <p:childTnLst>
+                        <p:par>
+                          <p:cTn id="8" fill="hold">
+                            <p:stCondLst>
+                              <p:cond delay="0"/>
+                            </p:stCondLst>
+                            <p:childTnLst>
+                              <p:par>
+                                <p:cTn id="9" presetID="1" presetClass="entr" presetSubtype="0" fill="hold" grpId="0" nodeType="clickEffect">
+                                  <p:stCondLst>
+                                    <p:cond delay="0"/>
+                                  </p:stCondLst>
+                                  <p:childTnLst>
+                                    <p:set>
+                                      <p:cBhvr>
+                                        <p:cTn id="10" dur="1" fill="hold">
+                                          <p:stCondLst>
+                                            <p:cond delay="0"/>
+                                          </p:stCondLst>
+                                        </p:cTn>
+                                        <p:tgtEl>
+                                          <p:spTgt spid="3">
+                                            <p:txEl>
+                                              <p:pRg st="1" end="1"/>
+                                            </p:txEl>
+                                          </p:spTgt>
+                                        </p:tgtEl>
+                                        <p:attrNameLst>
+                                          <p:attrName>style.visibility</p:attrName>
+                                        </p:attrNameLst>
+                                      </p:cBhvr>
+                                      <p:to>
+                                        <p:strVal val="visible"/>
+                                      </p:to>
+                                    </p:set>
+                                  </p:childTnLst>
+                                </p:cTn>
+                              </p:par>
+                            </p:childTnLst>
+                          </p:cTn>
+                        </p:par>
+                      </p:childTnLst>
+                    </p:cTn>
+                  </p:par>
+                  <p:par>
+                    <p:cTn id="11" fill="hold">
+                      <p:stCondLst>
+                        <p:cond delay="indefinite"/>
+                      </p:stCondLst>
+                      <p:childTnLst>
+                        <p:par>
+                          <p:cTn id="12" fill="hold">
+                            <p:stCondLst>
+                              <p:cond delay="0"/>
+                            </p:stCondLst>
+                            <p:childTnLst>
+                              <p:par>
+                                <p:cTn id="13" presetID="1" presetClass="entr" presetSubtype="0" fill="hold" grpId="0" nodeType="clickEffect">
+                                  <p:stCondLst>
+                                    <p:cond delay="0"/>
+                                  </p:stCondLst>
+                                  <p:childTnLst>
+                                    <p:set>
+                                      <p:cBhvr>
+                                        <p:cTn id="14" dur="1" fill="hold">
+                                          <p:stCondLst>
+                                            <p:cond delay="0"/>
+                                          </p:stCondLst>
+                                        </p:cTn>
+                                        <p:tgtEl>
+                                          <p:spTgt spid="3">
+                                            <p:txEl>
+                                              <p:pRg st="2" end="2"/>
+                                            </p:txEl>
+                                          </p:spTgt>
+                                        </p:tgtEl>
+                                        <p:attrNameLst>
+                                          <p:attrName>style.visibility</p:attrName>
+                                        </p:attrNameLst>
+                                      </p:cBhvr>
+                                      <p:to>
+                                        <p:strVal val="visible"/>
+                                      </p:to>
+                                    </p:set>
+                                  </p:childTnLst>
+                                </p:cTn>
+                              </p:par>
+                            </p:childTnLst>
+                          </p:cTn>
+                        </p:par>
+                      </p:childTnLst>
+                    </p:cTn>
+                  </p:par>
+                </p:childTnLst>
+              </p:cTn>
+              <p:prevCondLst>
+                <p:cond evt="onPrev" delay="0">
+                  <p:tgtEl>
+                    <p:sldTgt/>
+                  </p:tgtEl>
+                </p:cond>
+              </p:prevCondLst>
+              <p:nextCondLst>
+                <p:cond evt="onNext" delay="0">
+                  <p:tgtEl>
+                    <p:sldTgt/>
+                  </p:tgtEl>
+                </p:cond>
+              </p:nextCondLst>
+            </p:seq>
+          </p:childTnLst>
+        </p:cTn>
+      </p:par>
+    </p:tnLst>
+    <p:bldLst>
+      <p:bldP spid="3" grpId="0" build="p"/>
+    </p:bldLst>
+  </p:timing>
+</p:sld>
+</file>
+
+<file path=ppt/slides/slide7.xml><?xml version="1.0" encoding="utf-8"?>
+<p:sld xmlns:a="http://schemas.openxmlformats.org/drawingml/2006/main" xmlns:r="http://schemas.openxmlformats.org/officeDocument/2006/relationships" xmlns:p="http://schemas.openxmlformats.org/presentationml/2006/main">
+  <p:cSld>
+    <p:spTree>
+      <p:nvGrpSpPr>
+        <p:cNvPr id="1" name=""/>
+        <p:cNvGrpSpPr/>
+        <p:nvPr/>
+      </p:nvGrpSpPr>
+      <p:grpSpPr>
+        <a:xfrm>
+          <a:off x="0" y="0"/>
+          <a:ext cx="0" cy="0"/>
+          <a:chOff x="0" y="0"/>
+          <a:chExt cx="0" cy="0"/>
+        </a:xfrm>
+      </p:grpSpPr>
+      <p:pic>
+        <p:nvPicPr>
+          <p:cNvPr id="2" name="Grafik 1">
+            <a:extLst>
+              <a:ext uri="{FF2B5EF4-FFF2-40B4-BE49-F238E27FC236}">
+                <a16:creationId xmlns:a16="http://schemas.microsoft.com/office/drawing/2014/main" id="{0CC9702E-AF60-42B1-85DA-1E6C6D27B02B}"/>
+              </a:ext>
+            </a:extLst>
+          </p:cNvPr>
+          <p:cNvPicPr>
+            <a:picLocks noChangeAspect="1"/>
+          </p:cNvPicPr>
+          <p:nvPr/>
+        </p:nvPicPr>
+        <p:blipFill>
+          <a:blip r:embed="rId2"/>
+          <a:stretch>
+            <a:fillRect/>
+          </a:stretch>
+        </p:blipFill>
+        <p:spPr>
+          <a:xfrm>
+            <a:off x="198782" y="980976"/>
+            <a:ext cx="10387810" cy="5771006"/>
+          </a:xfrm>
+          <a:prstGeom prst="rect">
+            <a:avLst/>
+          </a:prstGeom>
+        </p:spPr>
+      </p:pic>
+      <p:sp>
+        <p:nvSpPr>
+          <p:cNvPr id="3" name="Textfeld 2">
+            <a:extLst>
+              <a:ext uri="{FF2B5EF4-FFF2-40B4-BE49-F238E27FC236}">
+                <a16:creationId xmlns:a16="http://schemas.microsoft.com/office/drawing/2014/main" id="{9B51D6A4-C7BB-4352-92A2-AD665867E133}"/>
+              </a:ext>
+            </a:extLst>
+          </p:cNvPr>
+          <p:cNvSpPr txBox="1"/>
+          <p:nvPr/>
+        </p:nvSpPr>
+        <p:spPr>
+          <a:xfrm>
+            <a:off x="847191" y="273090"/>
+            <a:ext cx="4545496" cy="769441"/>
+          </a:xfrm>
+          <a:prstGeom prst="rect">
+            <a:avLst/>
+          </a:prstGeom>
+          <a:noFill/>
+        </p:spPr>
+        <p:txBody>
+          <a:bodyPr wrap="square" rtlCol="0">
+            <a:spAutoFit/>
+          </a:bodyPr>
+          <a:lstStyle/>
+          <a:p>
+            <a:r>
+              <a:rPr lang="de-DE" sz="4400" dirty="0"/>
+              <a:t>Goal…</a:t>
+            </a:r>
+          </a:p>
+        </p:txBody>
+      </p:sp>
+    </p:spTree>
+    <p:extLst>
+      <p:ext uri="{BB962C8B-B14F-4D97-AF65-F5344CB8AC3E}">
+        <p14:creationId xmlns:p14="http://schemas.microsoft.com/office/powerpoint/2010/main" val="3620047087"/>
+      </p:ext>
+    </p:extLst>
+  </p:cSld>
+  <p:clrMapOvr>
+    <a:masterClrMapping/>
+  </p:clrMapOvr>
+</p:sld>
+</file>
+
+<file path=ppt/slides/slide8.xml><?xml version="1.0" encoding="utf-8"?>
+<p:sld xmlns:a="http://schemas.openxmlformats.org/drawingml/2006/main" xmlns:r="http://schemas.openxmlformats.org/officeDocument/2006/relationships" xmlns:p="http://schemas.openxmlformats.org/presentationml/2006/main">
+  <p:cSld>
+    <p:spTree>
+      <p:nvGrpSpPr>
+        <p:cNvPr id="1" name=""/>
+        <p:cNvGrpSpPr/>
+        <p:nvPr/>
+      </p:nvGrpSpPr>
+      <p:grpSpPr>
+        <a:xfrm>
+          <a:off x="0" y="0"/>
+          <a:ext cx="0" cy="0"/>
+          <a:chOff x="0" y="0"/>
+          <a:chExt cx="0" cy="0"/>
+        </a:xfrm>
+      </p:grpSpPr>
+      <p:sp>
+        <p:nvSpPr>
+          <p:cNvPr id="2" name="Titel 1">
+            <a:extLst>
+              <a:ext uri="{FF2B5EF4-FFF2-40B4-BE49-F238E27FC236}">
+                <a16:creationId xmlns:a16="http://schemas.microsoft.com/office/drawing/2014/main" id="{C0A08ACF-1E1B-45AE-A95B-1EAC2CC8C55F}"/>
+              </a:ext>
+            </a:extLst>
+          </p:cNvPr>
+          <p:cNvSpPr>
+            <a:spLocks noGrp="1"/>
+          </p:cNvSpPr>
+          <p:nvPr>
+            <p:ph type="title"/>
+          </p:nvPr>
+        </p:nvSpPr>
+        <p:spPr/>
+        <p:txBody>
+          <a:bodyPr/>
+          <a:lstStyle/>
+          <a:p>
+            <a:r>
+              <a:rPr lang="de-DE" dirty="0"/>
+              <a:t>Questions</a:t>
+            </a:r>
+          </a:p>
+        </p:txBody>
+      </p:sp>
+      <p:sp>
+        <p:nvSpPr>
+          <p:cNvPr id="3" name="Inhaltsplatzhalter 2">
+            <a:extLst>
+              <a:ext uri="{FF2B5EF4-FFF2-40B4-BE49-F238E27FC236}">
+                <a16:creationId xmlns:a16="http://schemas.microsoft.com/office/drawing/2014/main" id="{82C01C29-037E-4B22-ACA8-01FEF18AAAFE}"/>
+              </a:ext>
+            </a:extLst>
+          </p:cNvPr>
+          <p:cNvSpPr>
+            <a:spLocks noGrp="1"/>
+          </p:cNvSpPr>
+          <p:nvPr>
+            <p:ph idx="1"/>
+          </p:nvPr>
+        </p:nvSpPr>
+        <p:spPr>
+          <a:xfrm>
+            <a:off x="838200" y="1690688"/>
+            <a:ext cx="10515600" cy="4351338"/>
+          </a:xfrm>
+        </p:spPr>
+        <p:txBody>
+          <a:bodyPr/>
+          <a:lstStyle/>
+          <a:p>
+            <a:r>
+              <a:rPr lang="de-DE" dirty="0"/>
+              <a:t>Can </a:t>
+            </a:r>
+            <a:r>
+              <a:rPr lang="de-DE" dirty="0" err="1"/>
+              <a:t>we</a:t>
+            </a:r>
+            <a:r>
+              <a:rPr lang="de-DE" dirty="0"/>
+              <a:t> </a:t>
+            </a:r>
+            <a:r>
+              <a:rPr lang="de-DE" dirty="0" err="1"/>
+              <a:t>cluster</a:t>
+            </a:r>
+            <a:r>
+              <a:rPr lang="de-DE" dirty="0"/>
+              <a:t> </a:t>
+            </a:r>
+            <a:r>
+              <a:rPr lang="de-DE" dirty="0" err="1"/>
+              <a:t>the</a:t>
+            </a:r>
+            <a:r>
+              <a:rPr lang="de-DE" dirty="0"/>
+              <a:t> </a:t>
+            </a:r>
+            <a:r>
+              <a:rPr lang="de-DE" dirty="0" err="1"/>
+              <a:t>data</a:t>
+            </a:r>
+            <a:r>
+              <a:rPr lang="de-DE" dirty="0"/>
+              <a:t> so </a:t>
+            </a:r>
+            <a:r>
+              <a:rPr lang="de-DE" dirty="0" err="1"/>
+              <a:t>that</a:t>
+            </a:r>
+            <a:r>
+              <a:rPr lang="de-DE" dirty="0"/>
+              <a:t> </a:t>
+            </a:r>
+            <a:r>
+              <a:rPr lang="de-DE" dirty="0" err="1"/>
+              <a:t>one</a:t>
+            </a:r>
+            <a:r>
+              <a:rPr lang="de-DE" dirty="0"/>
+              <a:t> </a:t>
+            </a:r>
+            <a:r>
+              <a:rPr lang="de-DE" dirty="0" err="1"/>
+              <a:t>cluster</a:t>
+            </a:r>
+            <a:r>
+              <a:rPr lang="de-DE" dirty="0"/>
+              <a:t> </a:t>
+            </a:r>
+            <a:r>
+              <a:rPr lang="de-DE" dirty="0" err="1"/>
+              <a:t>is</a:t>
+            </a:r>
+            <a:r>
+              <a:rPr lang="de-DE" dirty="0"/>
+              <a:t> </a:t>
+            </a:r>
+            <a:r>
+              <a:rPr lang="de-DE" dirty="0" err="1"/>
+              <a:t>one</a:t>
+            </a:r>
+            <a:r>
+              <a:rPr lang="de-DE" dirty="0"/>
+              <a:t> type </a:t>
+            </a:r>
+            <a:r>
+              <a:rPr lang="de-DE" dirty="0" err="1"/>
+              <a:t>of</a:t>
+            </a:r>
+            <a:r>
+              <a:rPr lang="de-DE" dirty="0"/>
+              <a:t> </a:t>
+            </a:r>
+            <a:r>
+              <a:rPr lang="de-DE" dirty="0" err="1"/>
+              <a:t>cell</a:t>
+            </a:r>
+            <a:endParaRPr lang="de-DE" dirty="0"/>
+          </a:p>
+          <a:p>
+            <a:pPr marL="0" indent="0">
+              <a:buNone/>
+            </a:pPr>
+            <a:r>
+              <a:rPr lang="de-DE" dirty="0">
+                <a:sym typeface="Wingdings" panose="05000000000000000000" pitchFamily="2" charset="2"/>
+              </a:rPr>
+              <a:t>    find </a:t>
+            </a:r>
+            <a:r>
+              <a:rPr lang="de-DE" dirty="0" err="1">
+                <a:sym typeface="Wingdings" panose="05000000000000000000" pitchFamily="2" charset="2"/>
+              </a:rPr>
+              <a:t>marker</a:t>
+            </a:r>
+            <a:r>
+              <a:rPr lang="de-DE" dirty="0">
+                <a:sym typeface="Wingdings" panose="05000000000000000000" pitchFamily="2" charset="2"/>
+              </a:rPr>
+              <a:t> genes</a:t>
+            </a:r>
+          </a:p>
+          <a:p>
+            <a:pPr>
+              <a:lnSpc>
+                <a:spcPct val="150000"/>
+              </a:lnSpc>
+            </a:pPr>
+            <a:r>
+              <a:rPr lang="de-DE" dirty="0" err="1">
+                <a:sym typeface="Wingdings" panose="05000000000000000000" pitchFamily="2" charset="2"/>
+              </a:rPr>
+              <a:t>Which</a:t>
+            </a:r>
+            <a:r>
+              <a:rPr lang="de-DE" dirty="0">
+                <a:sym typeface="Wingdings" panose="05000000000000000000" pitchFamily="2" charset="2"/>
+              </a:rPr>
+              <a:t> genes </a:t>
+            </a:r>
+            <a:r>
+              <a:rPr lang="de-DE" dirty="0" err="1">
+                <a:sym typeface="Wingdings" panose="05000000000000000000" pitchFamily="2" charset="2"/>
+              </a:rPr>
+              <a:t>are</a:t>
+            </a:r>
+            <a:r>
+              <a:rPr lang="de-DE" dirty="0">
+                <a:sym typeface="Wingdings" panose="05000000000000000000" pitchFamily="2" charset="2"/>
+              </a:rPr>
+              <a:t> </a:t>
+            </a:r>
+            <a:r>
+              <a:rPr lang="de-DE" dirty="0" err="1">
+                <a:sym typeface="Wingdings" panose="05000000000000000000" pitchFamily="2" charset="2"/>
+              </a:rPr>
+              <a:t>expressed</a:t>
+            </a:r>
+            <a:r>
+              <a:rPr lang="de-DE" dirty="0">
+                <a:sym typeface="Wingdings" panose="05000000000000000000" pitchFamily="2" charset="2"/>
+              </a:rPr>
+              <a:t> </a:t>
+            </a:r>
+            <a:r>
+              <a:rPr lang="de-DE" dirty="0" err="1">
+                <a:sym typeface="Wingdings" panose="05000000000000000000" pitchFamily="2" charset="2"/>
+              </a:rPr>
+              <a:t>of</a:t>
+            </a:r>
+            <a:r>
+              <a:rPr lang="de-DE" dirty="0">
+                <a:sym typeface="Wingdings" panose="05000000000000000000" pitchFamily="2" charset="2"/>
+              </a:rPr>
+              <a:t> </a:t>
+            </a:r>
+            <a:r>
+              <a:rPr lang="de-DE" dirty="0" err="1">
+                <a:sym typeface="Wingdings" panose="05000000000000000000" pitchFamily="2" charset="2"/>
+              </a:rPr>
+              <a:t>which</a:t>
+            </a:r>
+            <a:r>
+              <a:rPr lang="de-DE" dirty="0">
+                <a:sym typeface="Wingdings" panose="05000000000000000000" pitchFamily="2" charset="2"/>
+              </a:rPr>
+              <a:t> </a:t>
+            </a:r>
+            <a:r>
+              <a:rPr lang="de-DE" dirty="0" err="1">
+                <a:sym typeface="Wingdings" panose="05000000000000000000" pitchFamily="2" charset="2"/>
+              </a:rPr>
+              <a:t>cell</a:t>
+            </a:r>
+            <a:r>
+              <a:rPr lang="de-DE" dirty="0">
+                <a:sym typeface="Wingdings" panose="05000000000000000000" pitchFamily="2" charset="2"/>
+              </a:rPr>
+              <a:t> type?</a:t>
+            </a:r>
+          </a:p>
+          <a:p>
+            <a:pPr>
+              <a:lnSpc>
+                <a:spcPct val="150000"/>
+              </a:lnSpc>
+            </a:pPr>
+            <a:r>
+              <a:rPr lang="de-DE" dirty="0" err="1">
+                <a:sym typeface="Wingdings" panose="05000000000000000000" pitchFamily="2" charset="2"/>
+              </a:rPr>
+              <a:t>How</a:t>
+            </a:r>
+            <a:r>
+              <a:rPr lang="de-DE" dirty="0">
+                <a:sym typeface="Wingdings" panose="05000000000000000000" pitchFamily="2" charset="2"/>
+              </a:rPr>
+              <a:t> </a:t>
+            </a:r>
+            <a:r>
+              <a:rPr lang="de-DE" dirty="0" err="1">
+                <a:sym typeface="Wingdings" panose="05000000000000000000" pitchFamily="2" charset="2"/>
+              </a:rPr>
+              <a:t>homogenous</a:t>
+            </a:r>
+            <a:r>
+              <a:rPr lang="de-DE" dirty="0">
+                <a:sym typeface="Wingdings" panose="05000000000000000000" pitchFamily="2" charset="2"/>
+              </a:rPr>
+              <a:t>/</a:t>
+            </a:r>
+            <a:r>
+              <a:rPr lang="de-DE" dirty="0" err="1">
+                <a:sym typeface="Wingdings" panose="05000000000000000000" pitchFamily="2" charset="2"/>
+              </a:rPr>
+              <a:t>heterogenous</a:t>
+            </a:r>
+            <a:r>
+              <a:rPr lang="de-DE" dirty="0">
+                <a:sym typeface="Wingdings" panose="05000000000000000000" pitchFamily="2" charset="2"/>
+              </a:rPr>
+              <a:t> </a:t>
+            </a:r>
+            <a:r>
+              <a:rPr lang="de-DE" dirty="0" err="1">
+                <a:sym typeface="Wingdings" panose="05000000000000000000" pitchFamily="2" charset="2"/>
+              </a:rPr>
+              <a:t>is</a:t>
+            </a:r>
+            <a:r>
+              <a:rPr lang="de-DE" dirty="0">
+                <a:sym typeface="Wingdings" panose="05000000000000000000" pitchFamily="2" charset="2"/>
+              </a:rPr>
+              <a:t> </a:t>
+            </a:r>
+            <a:r>
+              <a:rPr lang="de-DE" dirty="0" err="1">
+                <a:sym typeface="Wingdings" panose="05000000000000000000" pitchFamily="2" charset="2"/>
+              </a:rPr>
+              <a:t>the</a:t>
+            </a:r>
+            <a:r>
+              <a:rPr lang="de-DE" dirty="0">
+                <a:sym typeface="Wingdings" panose="05000000000000000000" pitchFamily="2" charset="2"/>
+              </a:rPr>
+              <a:t> </a:t>
+            </a:r>
+            <a:r>
+              <a:rPr lang="de-DE" dirty="0" err="1">
+                <a:sym typeface="Wingdings" panose="05000000000000000000" pitchFamily="2" charset="2"/>
+              </a:rPr>
+              <a:t>population</a:t>
+            </a:r>
+            <a:r>
+              <a:rPr lang="de-DE" dirty="0">
+                <a:sym typeface="Wingdings" panose="05000000000000000000" pitchFamily="2" charset="2"/>
+              </a:rPr>
+              <a:t>?</a:t>
+            </a:r>
+          </a:p>
+          <a:p>
+            <a:pPr>
+              <a:lnSpc>
+                <a:spcPct val="150000"/>
+              </a:lnSpc>
+            </a:pPr>
+            <a:r>
+              <a:rPr lang="de-DE" dirty="0">
+                <a:sym typeface="Wingdings" panose="05000000000000000000" pitchFamily="2" charset="2"/>
+              </a:rPr>
+              <a:t>Can </a:t>
+            </a:r>
+            <a:r>
+              <a:rPr lang="de-DE" dirty="0" err="1">
+                <a:sym typeface="Wingdings" panose="05000000000000000000" pitchFamily="2" charset="2"/>
+              </a:rPr>
+              <a:t>we</a:t>
+            </a:r>
+            <a:r>
+              <a:rPr lang="de-DE" dirty="0">
+                <a:sym typeface="Wingdings" panose="05000000000000000000" pitchFamily="2" charset="2"/>
+              </a:rPr>
+              <a:t> </a:t>
+            </a:r>
+            <a:r>
+              <a:rPr lang="de-DE" dirty="0" err="1">
+                <a:sym typeface="Wingdings" panose="05000000000000000000" pitchFamily="2" charset="2"/>
+              </a:rPr>
+              <a:t>use</a:t>
+            </a:r>
+            <a:r>
+              <a:rPr lang="de-DE" dirty="0">
+                <a:sym typeface="Wingdings" panose="05000000000000000000" pitchFamily="2" charset="2"/>
+              </a:rPr>
+              <a:t> </a:t>
+            </a:r>
+            <a:r>
+              <a:rPr lang="de-DE" dirty="0" err="1">
+                <a:sym typeface="Wingdings" panose="05000000000000000000" pitchFamily="2" charset="2"/>
+              </a:rPr>
+              <a:t>the</a:t>
+            </a:r>
+            <a:r>
+              <a:rPr lang="de-DE" dirty="0">
+                <a:sym typeface="Wingdings" panose="05000000000000000000" pitchFamily="2" charset="2"/>
+              </a:rPr>
+              <a:t> </a:t>
+            </a:r>
+            <a:r>
+              <a:rPr lang="de-DE" dirty="0" err="1">
+                <a:sym typeface="Wingdings" panose="05000000000000000000" pitchFamily="2" charset="2"/>
+              </a:rPr>
+              <a:t>cluster</a:t>
+            </a:r>
+            <a:r>
+              <a:rPr lang="de-DE" dirty="0">
+                <a:sym typeface="Wingdings" panose="05000000000000000000" pitchFamily="2" charset="2"/>
+              </a:rPr>
+              <a:t> </a:t>
+            </a:r>
+            <a:r>
+              <a:rPr lang="de-DE" dirty="0" err="1">
+                <a:sym typeface="Wingdings" panose="05000000000000000000" pitchFamily="2" charset="2"/>
+              </a:rPr>
+              <a:t>shape</a:t>
+            </a:r>
+            <a:r>
+              <a:rPr lang="de-DE" dirty="0">
+                <a:sym typeface="Wingdings" panose="05000000000000000000" pitchFamily="2" charset="2"/>
+              </a:rPr>
+              <a:t> </a:t>
+            </a:r>
+            <a:r>
+              <a:rPr lang="de-DE" dirty="0" err="1">
+                <a:sym typeface="Wingdings" panose="05000000000000000000" pitchFamily="2" charset="2"/>
+              </a:rPr>
+              <a:t>to</a:t>
+            </a:r>
+            <a:r>
+              <a:rPr lang="de-DE" dirty="0">
+                <a:sym typeface="Wingdings" panose="05000000000000000000" pitchFamily="2" charset="2"/>
+              </a:rPr>
+              <a:t> </a:t>
+            </a:r>
+            <a:r>
+              <a:rPr lang="de-DE" dirty="0" err="1">
+                <a:sym typeface="Wingdings" panose="05000000000000000000" pitchFamily="2" charset="2"/>
+              </a:rPr>
+              <a:t>compare</a:t>
+            </a:r>
+            <a:r>
+              <a:rPr lang="de-DE" dirty="0">
+                <a:sym typeface="Wingdings" panose="05000000000000000000" pitchFamily="2" charset="2"/>
+              </a:rPr>
+              <a:t> </a:t>
+            </a:r>
+            <a:r>
+              <a:rPr lang="de-DE" dirty="0" err="1">
+                <a:sym typeface="Wingdings" panose="05000000000000000000" pitchFamily="2" charset="2"/>
+              </a:rPr>
+              <a:t>it</a:t>
+            </a:r>
+            <a:r>
+              <a:rPr lang="de-DE" dirty="0">
+                <a:sym typeface="Wingdings" panose="05000000000000000000" pitchFamily="2" charset="2"/>
+              </a:rPr>
+              <a:t> </a:t>
+            </a:r>
+            <a:r>
+              <a:rPr lang="de-DE" dirty="0" err="1">
+                <a:sym typeface="Wingdings" panose="05000000000000000000" pitchFamily="2" charset="2"/>
+              </a:rPr>
+              <a:t>with</a:t>
+            </a:r>
+            <a:r>
+              <a:rPr lang="de-DE" dirty="0">
+                <a:sym typeface="Wingdings" panose="05000000000000000000" pitchFamily="2" charset="2"/>
+              </a:rPr>
+              <a:t> </a:t>
+            </a:r>
+            <a:r>
+              <a:rPr lang="de-DE" dirty="0" err="1">
+                <a:sym typeface="Wingdings" panose="05000000000000000000" pitchFamily="2" charset="2"/>
+              </a:rPr>
+              <a:t>others</a:t>
+            </a:r>
+            <a:r>
+              <a:rPr lang="de-DE" dirty="0">
+                <a:sym typeface="Wingdings" panose="05000000000000000000" pitchFamily="2" charset="2"/>
+              </a:rPr>
+              <a:t>?</a:t>
+            </a:r>
+            <a:endParaRPr lang="de-DE" dirty="0"/>
+          </a:p>
+        </p:txBody>
+      </p:sp>
+    </p:spTree>
+    <p:extLst>
+      <p:ext uri="{BB962C8B-B14F-4D97-AF65-F5344CB8AC3E}">
+        <p14:creationId xmlns:p14="http://schemas.microsoft.com/office/powerpoint/2010/main" val="4057522728"/>
+      </p:ext>
+    </p:extLst>
+  </p:cSld>
+  <p:clrMapOvr>
+    <a:masterClrMapping/>
+  </p:clrMapOvr>
+  <p:timing>
+    <p:tnLst>
+      <p:par>
+        <p:cTn id="1" dur="indefinite" restart="never" nodeType="tmRoot">
+          <p:childTnLst>
+            <p:seq concurrent="1" nextAc="seek">
+              <p:cTn id="2" dur="indefinite" nodeType="mainSeq">
+                <p:childTnLst>
+                  <p:par>
+                    <p:cTn id="3" fill="hold">
+                      <p:stCondLst>
+                        <p:cond delay="indefinite"/>
+                      </p:stCondLst>
+                      <p:childTnLst>
+                        <p:par>
+                          <p:cTn id="4" fill="hold">
+                            <p:stCondLst>
+                              <p:cond delay="0"/>
+                            </p:stCondLst>
+                            <p:childTnLst>
+                              <p:par>
+                                <p:cTn id="5" presetID="1" presetClass="entr" presetSubtype="0" fill="hold" nodeType="clickEffect">
+                                  <p:stCondLst>
+                                    <p:cond delay="0"/>
+                                  </p:stCondLst>
+                                  <p:childTnLst>
+                                    <p:set>
+                                      <p:cBhvr>
+                                        <p:cTn id="6" dur="1" fill="hold">
+                                          <p:stCondLst>
+                                            <p:cond delay="0"/>
+                                          </p:stCondLst>
+                                        </p:cTn>
+                                        <p:tgtEl>
+                                          <p:spTgt spid="3">
+                                            <p:txEl>
+                                              <p:pRg st="0" end="0"/>
+                                            </p:txEl>
+                                          </p:spTgt>
+                                        </p:tgtEl>
+                                        <p:attrNameLst>
+                                          <p:attrName>style.visibility</p:attrName>
+                                        </p:attrNameLst>
+                                      </p:cBhvr>
+                                      <p:to>
+                                        <p:strVal val="visible"/>
+                                      </p:to>
+                                    </p:set>
+                                  </p:childTnLst>
+                                </p:cTn>
+                              </p:par>
+                              <p:par>
+                                <p:cTn id="7" presetID="1" presetClass="entr" presetSubtype="0" fill="hold" nodeType="withEffect">
+                                  <p:stCondLst>
+                                    <p:cond delay="0"/>
+                                  </p:stCondLst>
+                                  <p:childTnLst>
+                                    <p:set>
+                                      <p:cBhvr>
+                                        <p:cTn id="8" dur="1" fill="hold">
+                                          <p:stCondLst>
+                                            <p:cond delay="0"/>
+                                          </p:stCondLst>
+                                        </p:cTn>
+                                        <p:tgtEl>
+                                          <p:spTgt spid="3">
+                                            <p:txEl>
+                                              <p:pRg st="1" end="1"/>
+                                            </p:txEl>
+                                          </p:spTgt>
+                                        </p:tgtEl>
+                                        <p:attrNameLst>
+                                          <p:attrName>style.visibility</p:attrName>
+                                        </p:attrNameLst>
+                                      </p:cBhvr>
+                                      <p:to>
+                                        <p:strVal val="visible"/>
+                                      </p:to>
+                                    </p:set>
+                                  </p:childTnLst>
+                                </p:cTn>
+                              </p:par>
+                            </p:childTnLst>
+                          </p:cTn>
+                        </p:par>
+                      </p:childTnLst>
+                    </p:cTn>
+                  </p:par>
+                  <p:par>
+                    <p:cTn id="9" fill="hold">
+                      <p:stCondLst>
+                        <p:cond delay="indefinite"/>
+                      </p:stCondLst>
+                      <p:childTnLst>
+                        <p:par>
+                          <p:cTn id="10" fill="hold">
+                            <p:stCondLst>
+                              <p:cond delay="0"/>
+                            </p:stCondLst>
+                            <p:childTnLst>
+                              <p:par>
+                                <p:cTn id="11" presetID="1" presetClass="entr" presetSubtype="0" fill="hold" nodeType="clickEffect">
+                                  <p:stCondLst>
+                                    <p:cond delay="0"/>
+                                  </p:stCondLst>
+                                  <p:childTnLst>
+                                    <p:set>
+                                      <p:cBhvr>
+                                        <p:cTn id="12" dur="1" fill="hold">
+                                          <p:stCondLst>
+                                            <p:cond delay="0"/>
+                                          </p:stCondLst>
+                                        </p:cTn>
+                                        <p:tgtEl>
+                                          <p:spTgt spid="3">
+                                            <p:txEl>
+                                              <p:pRg st="2" end="2"/>
+                                            </p:txEl>
+                                          </p:spTgt>
+                                        </p:tgtEl>
+                                        <p:attrNameLst>
+                                          <p:attrName>style.visibility</p:attrName>
+                                        </p:attrNameLst>
+                                      </p:cBhvr>
+                                      <p:to>
+                                        <p:strVal val="visible"/>
+                                      </p:to>
+                                    </p:set>
+                                  </p:childTnLst>
+                                </p:cTn>
+                              </p:par>
+                            </p:childTnLst>
+                          </p:cTn>
+                        </p:par>
+                      </p:childTnLst>
+                    </p:cTn>
+                  </p:par>
+                  <p:par>
+                    <p:cTn id="13" fill="hold">
+                      <p:stCondLst>
+                        <p:cond delay="indefinite"/>
+                      </p:stCondLst>
+                      <p:childTnLst>
+                        <p:par>
+                          <p:cTn id="14" fill="hold">
+                            <p:stCondLst>
+                              <p:cond delay="0"/>
+                            </p:stCondLst>
+                            <p:childTnLst>
+                              <p:par>
+                                <p:cTn id="15" presetID="1" presetClass="entr" presetSubtype="0" fill="hold" nodeType="clickEffect">
+                                  <p:stCondLst>
+                                    <p:cond delay="0"/>
+                                  </p:stCondLst>
+                                  <p:childTnLst>
+                                    <p:set>
+                                      <p:cBhvr>
+                                        <p:cTn id="16" dur="1" fill="hold">
+                                          <p:stCondLst>
+                                            <p:cond delay="0"/>
+                                          </p:stCondLst>
+                                        </p:cTn>
+                                        <p:tgtEl>
+                                          <p:spTgt spid="3">
+                                            <p:txEl>
+                                              <p:pRg st="3" end="3"/>
+                                            </p:txEl>
+                                          </p:spTgt>
+                                        </p:tgtEl>
+                                        <p:attrNameLst>
+                                          <p:attrName>style.visibility</p:attrName>
+                                        </p:attrNameLst>
+                                      </p:cBhvr>
+                                      <p:to>
+                                        <p:strVal val="visible"/>
+                                      </p:to>
+                                    </p:set>
+                                  </p:childTnLst>
+                                </p:cTn>
+                              </p:par>
+                            </p:childTnLst>
+                          </p:cTn>
+                        </p:par>
+                      </p:childTnLst>
+                    </p:cTn>
+                  </p:par>
+                  <p:par>
+                    <p:cTn id="17" fill="hold">
+                      <p:stCondLst>
+                        <p:cond delay="indefinite"/>
+                      </p:stCondLst>
+                      <p:childTnLst>
+                        <p:par>
+                          <p:cTn id="18" fill="hold">
+                            <p:stCondLst>
+                              <p:cond delay="0"/>
+                            </p:stCondLst>
+                            <p:childTnLst>
+                              <p:par>
+                                <p:cTn id="19" presetID="1" presetClass="entr" presetSubtype="0" fill="hold" nodeType="clickEffect">
+                                  <p:stCondLst>
+                                    <p:cond delay="0"/>
+                                  </p:stCondLst>
+                                  <p:childTnLst>
+                                    <p:set>
+                                      <p:cBhvr>
+                                        <p:cTn id="20" dur="1" fill="hold">
+                                          <p:stCondLst>
+                                            <p:cond delay="0"/>
+                                          </p:stCondLst>
+                                        </p:cTn>
+                                        <p:tgtEl>
+                                          <p:spTgt spid="3">
+                                            <p:txEl>
+                                              <p:pRg st="4" end="4"/>
+                                            </p:txEl>
+                                          </p:spTgt>
+                                        </p:tgtEl>
+                                        <p:attrNameLst>
+                                          <p:attrName>style.visibility</p:attrName>
+                                        </p:attrNameLst>
+                                      </p:cBhvr>
+                                      <p:to>
+                                        <p:strVal val="visible"/>
+                                      </p:to>
+                                    </p:set>
+                                  </p:childTnLst>
+                                </p:cTn>
+                              </p:par>
+                            </p:childTnLst>
+                          </p:cTn>
+                        </p:par>
+                      </p:childTnLst>
+                    </p:cTn>
+                  </p:par>
+                </p:childTnLst>
+              </p:cTn>
+              <p:prevCondLst>
+                <p:cond evt="onPrev" delay="0">
+                  <p:tgtEl>
+                    <p:sldTgt/>
+                  </p:tgtEl>
+                </p:cond>
+              </p:prevCondLst>
+              <p:nextCondLst>
+                <p:cond evt="onNext" delay="0">
+                  <p:tgtEl>
+                    <p:sldTgt/>
+                  </p:tgtEl>
+                </p:cond>
+              </p:nextCondLst>
+            </p:seq>
+          </p:childTnLst>
+        </p:cTn>
+      </p:par>
+    </p:tnLst>
   </p:timing>
 </p:sld>
 </file>

--- a/K-means clustering.pptx
+++ b/K-means clustering.pptx
@@ -2964,7 +2964,7 @@
                 <a:spcPct val="100000"/>
               </a:lnSpc>
             </a:pPr>
-            <a:fld id="{BDAC143B-5E91-4134-94C9-FDE526323D43}" type="datetime">
+            <a:fld id="{3354265C-7B58-406B-B4B5-7CE8B9CA67C0}" type="datetime">
               <a:rPr b="0" lang="de-DE" sz="1200" spc="-1" strike="noStrike">
                 <a:solidFill>
                   <a:srgbClr val="8b8b8b"/>
@@ -3034,14 +3034,14 @@
                 <a:spcPct val="100000"/>
               </a:lnSpc>
             </a:pPr>
-            <a:fld id="{FCB9888E-7D2C-4553-9368-F0E58B22E1E5}" type="slidenum">
+            <a:fld id="{4952A301-3673-4D94-B099-C869DD697493}" type="slidenum">
               <a:rPr b="0" lang="de-DE" sz="1200" spc="-1" strike="noStrike">
                 <a:solidFill>
                   <a:srgbClr val="8b8b8b"/>
                 </a:solidFill>
                 <a:latin typeface="Calibri"/>
               </a:rPr>
-              <a:t>&lt;Foliennummer&gt;</a:t>
+              <a:t>1</a:t>
             </a:fld>
             <a:endParaRPr b="0" lang="de-DE" sz="1200" spc="-1" strike="noStrike">
               <a:latin typeface="Times New Roman"/>
@@ -3559,7 +3559,7 @@
                 <a:spcPct val="100000"/>
               </a:lnSpc>
             </a:pPr>
-            <a:fld id="{7EA5379F-3FE8-4969-92FF-7F27D2690870}" type="datetime">
+            <a:fld id="{A007B02B-4660-4BA2-879F-8366122B0548}" type="datetime">
               <a:rPr b="0" lang="de-DE" sz="1200" spc="-1" strike="noStrike">
                 <a:solidFill>
                   <a:srgbClr val="8b8b8b"/>
@@ -3629,14 +3629,14 @@
                 <a:spcPct val="100000"/>
               </a:lnSpc>
             </a:pPr>
-            <a:fld id="{EF40C658-9F6F-4C2A-8A62-722D2A4367F1}" type="slidenum">
+            <a:fld id="{CBBDDA72-2649-4ECD-81A5-4F791606A9C9}" type="slidenum">
               <a:rPr b="0" lang="de-DE" sz="1200" spc="-1" strike="noStrike">
                 <a:solidFill>
                   <a:srgbClr val="8b8b8b"/>
                 </a:solidFill>
                 <a:latin typeface="Calibri"/>
               </a:rPr>
-              <a:t>&lt;Foliennummer&gt;</a:t>
+              <a:t>1</a:t>
             </a:fld>
             <a:endParaRPr b="0" lang="de-DE" sz="1200" spc="-1" strike="noStrike">
               <a:latin typeface="Times New Roman"/>
@@ -4386,7 +4386,7 @@
                 <a:latin typeface="Calibri"/>
                 <a:ea typeface="Microsoft YaHei"/>
               </a:rPr>
-              <a:t>Methods: UMI </a:t>
+              <a:t>Methods: UMI (every RNA is marked individually → relation of molecules is conserved)</a:t>
             </a:r>
             <a:endParaRPr b="0" lang="de-DE" sz="2800" spc="-1" strike="noStrike">
               <a:solidFill>

--- a/K-means clustering.pptx
+++ b/K-means clustering.pptx
@@ -61,7 +61,7 @@
       </p:grpSpPr>
       <p:sp>
         <p:nvSpPr>
-          <p:cNvPr id="26" name="PlaceHolder 1"/>
+          <p:cNvPr id="23" name="PlaceHolder 1"/>
           <p:cNvSpPr>
             <a:spLocks noGrp="1"/>
           </p:cNvSpPr>
@@ -71,8 +71,8 @@
         </p:nvSpPr>
         <p:spPr>
           <a:xfrm>
-            <a:off x="838080" y="365040"/>
-            <a:ext cx="10515240" cy="1325160"/>
+            <a:off x="609480" y="273600"/>
+            <a:ext cx="10972440" cy="1144800"/>
           </a:xfrm>
           <a:prstGeom prst="rect">
             <a:avLst/>
@@ -81,18 +81,16 @@
         <p:txBody>
           <a:bodyPr lIns="0" rIns="0" tIns="0" bIns="0" anchor="ctr"/>
           <a:p>
-            <a:endParaRPr b="0" lang="de-DE" sz="1800" spc="-1" strike="noStrike">
-              <a:solidFill>
-                <a:srgbClr val="000000"/>
-              </a:solidFill>
-              <a:latin typeface="Calibri"/>
+            <a:pPr algn="ctr"/>
+            <a:endParaRPr b="0" lang="de-DE" sz="4400" spc="-1" strike="noStrike">
+              <a:latin typeface="Arial"/>
             </a:endParaRPr>
           </a:p>
         </p:txBody>
       </p:sp>
       <p:sp>
         <p:nvSpPr>
-          <p:cNvPr id="27" name="PlaceHolder 2"/>
+          <p:cNvPr id="24" name="PlaceHolder 2"/>
           <p:cNvSpPr>
             <a:spLocks noGrp="1"/>
           </p:cNvSpPr>
@@ -102,8 +100,8 @@
         </p:nvSpPr>
         <p:spPr>
           <a:xfrm>
-            <a:off x="838080" y="1825560"/>
-            <a:ext cx="10515240" cy="2075040"/>
+            <a:off x="609480" y="1604520"/>
+            <a:ext cx="10972440" cy="1896840"/>
           </a:xfrm>
           <a:prstGeom prst="rect">
             <a:avLst/>
@@ -114,18 +112,15 @@
             <a:normAutofit/>
           </a:bodyPr>
           <a:p>
-            <a:endParaRPr b="0" lang="de-DE" sz="2800" spc="-1" strike="noStrike">
-              <a:solidFill>
-                <a:srgbClr val="000000"/>
-              </a:solidFill>
-              <a:latin typeface="Calibri"/>
+            <a:endParaRPr b="0" lang="de-DE" sz="3200" spc="-1" strike="noStrike">
+              <a:latin typeface="Arial"/>
             </a:endParaRPr>
           </a:p>
         </p:txBody>
       </p:sp>
       <p:sp>
         <p:nvSpPr>
-          <p:cNvPr id="28" name="PlaceHolder 3"/>
+          <p:cNvPr id="25" name="PlaceHolder 3"/>
           <p:cNvSpPr>
             <a:spLocks noGrp="1"/>
           </p:cNvSpPr>
@@ -135,8 +130,8 @@
         </p:nvSpPr>
         <p:spPr>
           <a:xfrm>
-            <a:off x="838080" y="4098240"/>
-            <a:ext cx="10515240" cy="2075040"/>
+            <a:off x="609480" y="3682080"/>
+            <a:ext cx="10972440" cy="1896840"/>
           </a:xfrm>
           <a:prstGeom prst="rect">
             <a:avLst/>
@@ -147,11 +142,8 @@
             <a:normAutofit/>
           </a:bodyPr>
           <a:p>
-            <a:endParaRPr b="0" lang="de-DE" sz="2800" spc="-1" strike="noStrike">
-              <a:solidFill>
-                <a:srgbClr val="000000"/>
-              </a:solidFill>
-              <a:latin typeface="Calibri"/>
+            <a:endParaRPr b="0" lang="de-DE" sz="3200" spc="-1" strike="noStrike">
+              <a:latin typeface="Arial"/>
             </a:endParaRPr>
           </a:p>
         </p:txBody>
@@ -180,7 +172,7 @@
       </p:grpSpPr>
       <p:sp>
         <p:nvSpPr>
-          <p:cNvPr id="29" name="PlaceHolder 1"/>
+          <p:cNvPr id="26" name="PlaceHolder 1"/>
           <p:cNvSpPr>
             <a:spLocks noGrp="1"/>
           </p:cNvSpPr>
@@ -190,8 +182,8 @@
         </p:nvSpPr>
         <p:spPr>
           <a:xfrm>
-            <a:off x="838080" y="365040"/>
-            <a:ext cx="10515240" cy="1325160"/>
+            <a:off x="609480" y="273600"/>
+            <a:ext cx="10972440" cy="1144800"/>
           </a:xfrm>
           <a:prstGeom prst="rect">
             <a:avLst/>
@@ -200,18 +192,16 @@
         <p:txBody>
           <a:bodyPr lIns="0" rIns="0" tIns="0" bIns="0" anchor="ctr"/>
           <a:p>
-            <a:endParaRPr b="0" lang="de-DE" sz="1800" spc="-1" strike="noStrike">
-              <a:solidFill>
-                <a:srgbClr val="000000"/>
-              </a:solidFill>
-              <a:latin typeface="Calibri"/>
+            <a:pPr algn="ctr"/>
+            <a:endParaRPr b="0" lang="de-DE" sz="4400" spc="-1" strike="noStrike">
+              <a:latin typeface="Arial"/>
             </a:endParaRPr>
           </a:p>
         </p:txBody>
       </p:sp>
       <p:sp>
         <p:nvSpPr>
-          <p:cNvPr id="30" name="PlaceHolder 2"/>
+          <p:cNvPr id="27" name="PlaceHolder 2"/>
           <p:cNvSpPr>
             <a:spLocks noGrp="1"/>
           </p:cNvSpPr>
@@ -221,8 +211,8 @@
         </p:nvSpPr>
         <p:spPr>
           <a:xfrm>
-            <a:off x="838080" y="1825560"/>
-            <a:ext cx="5131080" cy="2075040"/>
+            <a:off x="609480" y="1604520"/>
+            <a:ext cx="5354280" cy="1896840"/>
           </a:xfrm>
           <a:prstGeom prst="rect">
             <a:avLst/>
@@ -233,18 +223,15 @@
             <a:normAutofit/>
           </a:bodyPr>
           <a:p>
-            <a:endParaRPr b="0" lang="de-DE" sz="2800" spc="-1" strike="noStrike">
-              <a:solidFill>
-                <a:srgbClr val="000000"/>
-              </a:solidFill>
-              <a:latin typeface="Calibri"/>
+            <a:endParaRPr b="0" lang="de-DE" sz="3200" spc="-1" strike="noStrike">
+              <a:latin typeface="Arial"/>
             </a:endParaRPr>
           </a:p>
         </p:txBody>
       </p:sp>
       <p:sp>
         <p:nvSpPr>
-          <p:cNvPr id="31" name="PlaceHolder 3"/>
+          <p:cNvPr id="28" name="PlaceHolder 3"/>
           <p:cNvSpPr>
             <a:spLocks noGrp="1"/>
           </p:cNvSpPr>
@@ -254,8 +241,8 @@
         </p:nvSpPr>
         <p:spPr>
           <a:xfrm>
-            <a:off x="6226200" y="1825560"/>
-            <a:ext cx="5131080" cy="2075040"/>
+            <a:off x="6231960" y="1604520"/>
+            <a:ext cx="5354280" cy="1896840"/>
           </a:xfrm>
           <a:prstGeom prst="rect">
             <a:avLst/>
@@ -266,18 +253,15 @@
             <a:normAutofit/>
           </a:bodyPr>
           <a:p>
-            <a:endParaRPr b="0" lang="de-DE" sz="2800" spc="-1" strike="noStrike">
-              <a:solidFill>
-                <a:srgbClr val="000000"/>
-              </a:solidFill>
-              <a:latin typeface="Calibri"/>
+            <a:endParaRPr b="0" lang="de-DE" sz="3200" spc="-1" strike="noStrike">
+              <a:latin typeface="Arial"/>
             </a:endParaRPr>
           </a:p>
         </p:txBody>
       </p:sp>
       <p:sp>
         <p:nvSpPr>
-          <p:cNvPr id="32" name="PlaceHolder 4"/>
+          <p:cNvPr id="29" name="PlaceHolder 4"/>
           <p:cNvSpPr>
             <a:spLocks noGrp="1"/>
           </p:cNvSpPr>
@@ -287,8 +271,8 @@
         </p:nvSpPr>
         <p:spPr>
           <a:xfrm>
-            <a:off x="838080" y="4098240"/>
-            <a:ext cx="5131080" cy="2075040"/>
+            <a:off x="609480" y="3682080"/>
+            <a:ext cx="5354280" cy="1896840"/>
           </a:xfrm>
           <a:prstGeom prst="rect">
             <a:avLst/>
@@ -299,18 +283,15 @@
             <a:normAutofit/>
           </a:bodyPr>
           <a:p>
-            <a:endParaRPr b="0" lang="de-DE" sz="2800" spc="-1" strike="noStrike">
-              <a:solidFill>
-                <a:srgbClr val="000000"/>
-              </a:solidFill>
-              <a:latin typeface="Calibri"/>
+            <a:endParaRPr b="0" lang="de-DE" sz="3200" spc="-1" strike="noStrike">
+              <a:latin typeface="Arial"/>
             </a:endParaRPr>
           </a:p>
         </p:txBody>
       </p:sp>
       <p:sp>
         <p:nvSpPr>
-          <p:cNvPr id="33" name="PlaceHolder 5"/>
+          <p:cNvPr id="30" name="PlaceHolder 5"/>
           <p:cNvSpPr>
             <a:spLocks noGrp="1"/>
           </p:cNvSpPr>
@@ -320,8 +301,8 @@
         </p:nvSpPr>
         <p:spPr>
           <a:xfrm>
-            <a:off x="6226200" y="4098240"/>
-            <a:ext cx="5131080" cy="2075040"/>
+            <a:off x="6231960" y="3682080"/>
+            <a:ext cx="5354280" cy="1896840"/>
           </a:xfrm>
           <a:prstGeom prst="rect">
             <a:avLst/>
@@ -332,11 +313,8 @@
             <a:normAutofit/>
           </a:bodyPr>
           <a:p>
-            <a:endParaRPr b="0" lang="de-DE" sz="2800" spc="-1" strike="noStrike">
-              <a:solidFill>
-                <a:srgbClr val="000000"/>
-              </a:solidFill>
-              <a:latin typeface="Calibri"/>
+            <a:endParaRPr b="0" lang="de-DE" sz="3200" spc="-1" strike="noStrike">
+              <a:latin typeface="Arial"/>
             </a:endParaRPr>
           </a:p>
         </p:txBody>
@@ -365,7 +343,7 @@
       </p:grpSpPr>
       <p:sp>
         <p:nvSpPr>
-          <p:cNvPr id="34" name="PlaceHolder 1"/>
+          <p:cNvPr id="31" name="PlaceHolder 1"/>
           <p:cNvSpPr>
             <a:spLocks noGrp="1"/>
           </p:cNvSpPr>
@@ -375,8 +353,8 @@
         </p:nvSpPr>
         <p:spPr>
           <a:xfrm>
-            <a:off x="838080" y="365040"/>
-            <a:ext cx="10515240" cy="1325160"/>
+            <a:off x="609480" y="273600"/>
+            <a:ext cx="10972440" cy="1144800"/>
           </a:xfrm>
           <a:prstGeom prst="rect">
             <a:avLst/>
@@ -385,18 +363,16 @@
         <p:txBody>
           <a:bodyPr lIns="0" rIns="0" tIns="0" bIns="0" anchor="ctr"/>
           <a:p>
-            <a:endParaRPr b="0" lang="de-DE" sz="1800" spc="-1" strike="noStrike">
-              <a:solidFill>
-                <a:srgbClr val="000000"/>
-              </a:solidFill>
-              <a:latin typeface="Calibri"/>
+            <a:pPr algn="ctr"/>
+            <a:endParaRPr b="0" lang="de-DE" sz="4400" spc="-1" strike="noStrike">
+              <a:latin typeface="Arial"/>
             </a:endParaRPr>
           </a:p>
         </p:txBody>
       </p:sp>
       <p:sp>
         <p:nvSpPr>
-          <p:cNvPr id="35" name="PlaceHolder 2"/>
+          <p:cNvPr id="32" name="PlaceHolder 2"/>
           <p:cNvSpPr>
             <a:spLocks noGrp="1"/>
           </p:cNvSpPr>
@@ -406,8 +382,8 @@
         </p:nvSpPr>
         <p:spPr>
           <a:xfrm>
-            <a:off x="838080" y="1825560"/>
-            <a:ext cx="3385800" cy="2075040"/>
+            <a:off x="609480" y="1604520"/>
+            <a:ext cx="3533040" cy="1896840"/>
           </a:xfrm>
           <a:prstGeom prst="rect">
             <a:avLst/>
@@ -418,18 +394,15 @@
             <a:normAutofit/>
           </a:bodyPr>
           <a:p>
-            <a:endParaRPr b="0" lang="de-DE" sz="2800" spc="-1" strike="noStrike">
-              <a:solidFill>
-                <a:srgbClr val="000000"/>
-              </a:solidFill>
-              <a:latin typeface="Calibri"/>
+            <a:endParaRPr b="0" lang="de-DE" sz="3200" spc="-1" strike="noStrike">
+              <a:latin typeface="Arial"/>
             </a:endParaRPr>
           </a:p>
         </p:txBody>
       </p:sp>
       <p:sp>
         <p:nvSpPr>
-          <p:cNvPr id="36" name="PlaceHolder 3"/>
+          <p:cNvPr id="33" name="PlaceHolder 3"/>
           <p:cNvSpPr>
             <a:spLocks noGrp="1"/>
           </p:cNvSpPr>
@@ -439,8 +412,8 @@
         </p:nvSpPr>
         <p:spPr>
           <a:xfrm>
-            <a:off x="4393440" y="1825560"/>
-            <a:ext cx="3385800" cy="2075040"/>
+            <a:off x="4319640" y="1604520"/>
+            <a:ext cx="3533040" cy="1896840"/>
           </a:xfrm>
           <a:prstGeom prst="rect">
             <a:avLst/>
@@ -451,18 +424,15 @@
             <a:normAutofit/>
           </a:bodyPr>
           <a:p>
-            <a:endParaRPr b="0" lang="de-DE" sz="2800" spc="-1" strike="noStrike">
-              <a:solidFill>
-                <a:srgbClr val="000000"/>
-              </a:solidFill>
-              <a:latin typeface="Calibri"/>
+            <a:endParaRPr b="0" lang="de-DE" sz="3200" spc="-1" strike="noStrike">
+              <a:latin typeface="Arial"/>
             </a:endParaRPr>
           </a:p>
         </p:txBody>
       </p:sp>
       <p:sp>
         <p:nvSpPr>
-          <p:cNvPr id="37" name="PlaceHolder 4"/>
+          <p:cNvPr id="34" name="PlaceHolder 4"/>
           <p:cNvSpPr>
             <a:spLocks noGrp="1"/>
           </p:cNvSpPr>
@@ -472,8 +442,8 @@
         </p:nvSpPr>
         <p:spPr>
           <a:xfrm>
-            <a:off x="7949160" y="1825560"/>
-            <a:ext cx="3385800" cy="2075040"/>
+            <a:off x="8029800" y="1604520"/>
+            <a:ext cx="3533040" cy="1896840"/>
           </a:xfrm>
           <a:prstGeom prst="rect">
             <a:avLst/>
@@ -484,18 +454,15 @@
             <a:normAutofit/>
           </a:bodyPr>
           <a:p>
-            <a:endParaRPr b="0" lang="de-DE" sz="2800" spc="-1" strike="noStrike">
-              <a:solidFill>
-                <a:srgbClr val="000000"/>
-              </a:solidFill>
-              <a:latin typeface="Calibri"/>
+            <a:endParaRPr b="0" lang="de-DE" sz="3200" spc="-1" strike="noStrike">
+              <a:latin typeface="Arial"/>
             </a:endParaRPr>
           </a:p>
         </p:txBody>
       </p:sp>
       <p:sp>
         <p:nvSpPr>
-          <p:cNvPr id="38" name="PlaceHolder 5"/>
+          <p:cNvPr id="35" name="PlaceHolder 5"/>
           <p:cNvSpPr>
             <a:spLocks noGrp="1"/>
           </p:cNvSpPr>
@@ -505,8 +472,8 @@
         </p:nvSpPr>
         <p:spPr>
           <a:xfrm>
-            <a:off x="838080" y="4098240"/>
-            <a:ext cx="3385800" cy="2075040"/>
+            <a:off x="609480" y="3682080"/>
+            <a:ext cx="3533040" cy="1896840"/>
           </a:xfrm>
           <a:prstGeom prst="rect">
             <a:avLst/>
@@ -517,18 +484,15 @@
             <a:normAutofit/>
           </a:bodyPr>
           <a:p>
-            <a:endParaRPr b="0" lang="de-DE" sz="2800" spc="-1" strike="noStrike">
-              <a:solidFill>
-                <a:srgbClr val="000000"/>
-              </a:solidFill>
-              <a:latin typeface="Calibri"/>
+            <a:endParaRPr b="0" lang="de-DE" sz="3200" spc="-1" strike="noStrike">
+              <a:latin typeface="Arial"/>
             </a:endParaRPr>
           </a:p>
         </p:txBody>
       </p:sp>
       <p:sp>
         <p:nvSpPr>
-          <p:cNvPr id="39" name="PlaceHolder 6"/>
+          <p:cNvPr id="36" name="PlaceHolder 6"/>
           <p:cNvSpPr>
             <a:spLocks noGrp="1"/>
           </p:cNvSpPr>
@@ -538,8 +502,8 @@
         </p:nvSpPr>
         <p:spPr>
           <a:xfrm>
-            <a:off x="4393440" y="4098240"/>
-            <a:ext cx="3385800" cy="2075040"/>
+            <a:off x="4319640" y="3682080"/>
+            <a:ext cx="3533040" cy="1896840"/>
           </a:xfrm>
           <a:prstGeom prst="rect">
             <a:avLst/>
@@ -550,18 +514,15 @@
             <a:normAutofit/>
           </a:bodyPr>
           <a:p>
-            <a:endParaRPr b="0" lang="de-DE" sz="2800" spc="-1" strike="noStrike">
-              <a:solidFill>
-                <a:srgbClr val="000000"/>
-              </a:solidFill>
-              <a:latin typeface="Calibri"/>
+            <a:endParaRPr b="0" lang="de-DE" sz="3200" spc="-1" strike="noStrike">
+              <a:latin typeface="Arial"/>
             </a:endParaRPr>
           </a:p>
         </p:txBody>
       </p:sp>
       <p:sp>
         <p:nvSpPr>
-          <p:cNvPr id="40" name="PlaceHolder 7"/>
+          <p:cNvPr id="37" name="PlaceHolder 7"/>
           <p:cNvSpPr>
             <a:spLocks noGrp="1"/>
           </p:cNvSpPr>
@@ -571,8 +532,8 @@
         </p:nvSpPr>
         <p:spPr>
           <a:xfrm>
-            <a:off x="7949160" y="4098240"/>
-            <a:ext cx="3385800" cy="2075040"/>
+            <a:off x="8029800" y="3682080"/>
+            <a:ext cx="3533040" cy="1896840"/>
           </a:xfrm>
           <a:prstGeom prst="rect">
             <a:avLst/>
@@ -583,11 +544,8 @@
             <a:normAutofit/>
           </a:bodyPr>
           <a:p>
-            <a:endParaRPr b="0" lang="de-DE" sz="2800" spc="-1" strike="noStrike">
-              <a:solidFill>
-                <a:srgbClr val="000000"/>
-              </a:solidFill>
-              <a:latin typeface="Calibri"/>
+            <a:endParaRPr b="0" lang="de-DE" sz="3200" spc="-1" strike="noStrike">
+              <a:latin typeface="Arial"/>
             </a:endParaRPr>
           </a:p>
         </p:txBody>
@@ -638,7 +596,7 @@
       </p:grpSpPr>
       <p:sp>
         <p:nvSpPr>
-          <p:cNvPr id="46" name="PlaceHolder 1"/>
+          <p:cNvPr id="40" name="PlaceHolder 1"/>
           <p:cNvSpPr>
             <a:spLocks noGrp="1"/>
           </p:cNvSpPr>
@@ -648,8 +606,8 @@
         </p:nvSpPr>
         <p:spPr>
           <a:xfrm>
-            <a:off x="838080" y="365040"/>
-            <a:ext cx="10515240" cy="1325160"/>
+            <a:off x="609480" y="273600"/>
+            <a:ext cx="10972440" cy="1144800"/>
           </a:xfrm>
           <a:prstGeom prst="rect">
             <a:avLst/>
@@ -658,18 +616,16 @@
         <p:txBody>
           <a:bodyPr lIns="0" rIns="0" tIns="0" bIns="0" anchor="ctr"/>
           <a:p>
-            <a:endParaRPr b="0" lang="de-DE" sz="1800" spc="-1" strike="noStrike">
-              <a:solidFill>
-                <a:srgbClr val="000000"/>
-              </a:solidFill>
-              <a:latin typeface="Calibri"/>
+            <a:pPr algn="ctr"/>
+            <a:endParaRPr b="0" lang="de-DE" sz="4400" spc="-1" strike="noStrike">
+              <a:latin typeface="Arial"/>
             </a:endParaRPr>
           </a:p>
         </p:txBody>
       </p:sp>
       <p:sp>
         <p:nvSpPr>
-          <p:cNvPr id="47" name="PlaceHolder 2"/>
+          <p:cNvPr id="41" name="PlaceHolder 2"/>
           <p:cNvSpPr>
             <a:spLocks noGrp="1"/>
           </p:cNvSpPr>
@@ -679,8 +635,8 @@
         </p:nvSpPr>
         <p:spPr>
           <a:xfrm>
-            <a:off x="838080" y="1825560"/>
-            <a:ext cx="10515240" cy="4350960"/>
+            <a:off x="609480" y="1604520"/>
+            <a:ext cx="10972440" cy="3977280"/>
           </a:xfrm>
           <a:prstGeom prst="rect">
             <a:avLst/>
@@ -720,7 +676,7 @@
       </p:grpSpPr>
       <p:sp>
         <p:nvSpPr>
-          <p:cNvPr id="48" name="PlaceHolder 1"/>
+          <p:cNvPr id="42" name="PlaceHolder 1"/>
           <p:cNvSpPr>
             <a:spLocks noGrp="1"/>
           </p:cNvSpPr>
@@ -730,8 +686,8 @@
         </p:nvSpPr>
         <p:spPr>
           <a:xfrm>
-            <a:off x="838080" y="365040"/>
-            <a:ext cx="10515240" cy="1325160"/>
+            <a:off x="609480" y="273600"/>
+            <a:ext cx="10972440" cy="1144800"/>
           </a:xfrm>
           <a:prstGeom prst="rect">
             <a:avLst/>
@@ -740,18 +696,16 @@
         <p:txBody>
           <a:bodyPr lIns="0" rIns="0" tIns="0" bIns="0" anchor="ctr"/>
           <a:p>
-            <a:endParaRPr b="0" lang="de-DE" sz="1800" spc="-1" strike="noStrike">
-              <a:solidFill>
-                <a:srgbClr val="000000"/>
-              </a:solidFill>
-              <a:latin typeface="Calibri"/>
+            <a:pPr algn="ctr"/>
+            <a:endParaRPr b="0" lang="de-DE" sz="4400" spc="-1" strike="noStrike">
+              <a:latin typeface="Arial"/>
             </a:endParaRPr>
           </a:p>
         </p:txBody>
       </p:sp>
       <p:sp>
         <p:nvSpPr>
-          <p:cNvPr id="49" name="PlaceHolder 2"/>
+          <p:cNvPr id="43" name="PlaceHolder 2"/>
           <p:cNvSpPr>
             <a:spLocks noGrp="1"/>
           </p:cNvSpPr>
@@ -761,8 +715,8 @@
         </p:nvSpPr>
         <p:spPr>
           <a:xfrm>
-            <a:off x="838080" y="1825560"/>
-            <a:ext cx="10515240" cy="4350960"/>
+            <a:off x="609480" y="1604520"/>
+            <a:ext cx="10972440" cy="3977280"/>
           </a:xfrm>
           <a:prstGeom prst="rect">
             <a:avLst/>
@@ -773,11 +727,8 @@
             <a:normAutofit/>
           </a:bodyPr>
           <a:p>
-            <a:endParaRPr b="0" lang="de-DE" sz="2800" spc="-1" strike="noStrike">
-              <a:solidFill>
-                <a:srgbClr val="000000"/>
-              </a:solidFill>
-              <a:latin typeface="Calibri"/>
+            <a:endParaRPr b="0" lang="de-DE" sz="3200" spc="-1" strike="noStrike">
+              <a:latin typeface="Arial"/>
             </a:endParaRPr>
           </a:p>
         </p:txBody>
@@ -806,7 +757,7 @@
       </p:grpSpPr>
       <p:sp>
         <p:nvSpPr>
-          <p:cNvPr id="50" name="PlaceHolder 1"/>
+          <p:cNvPr id="44" name="PlaceHolder 1"/>
           <p:cNvSpPr>
             <a:spLocks noGrp="1"/>
           </p:cNvSpPr>
@@ -816,8 +767,8 @@
         </p:nvSpPr>
         <p:spPr>
           <a:xfrm>
-            <a:off x="838080" y="365040"/>
-            <a:ext cx="10515240" cy="1325160"/>
+            <a:off x="609480" y="273600"/>
+            <a:ext cx="10972440" cy="1144800"/>
           </a:xfrm>
           <a:prstGeom prst="rect">
             <a:avLst/>
@@ -826,18 +777,16 @@
         <p:txBody>
           <a:bodyPr lIns="0" rIns="0" tIns="0" bIns="0" anchor="ctr"/>
           <a:p>
-            <a:endParaRPr b="0" lang="de-DE" sz="1800" spc="-1" strike="noStrike">
-              <a:solidFill>
-                <a:srgbClr val="000000"/>
-              </a:solidFill>
-              <a:latin typeface="Calibri"/>
+            <a:pPr algn="ctr"/>
+            <a:endParaRPr b="0" lang="de-DE" sz="4400" spc="-1" strike="noStrike">
+              <a:latin typeface="Arial"/>
             </a:endParaRPr>
           </a:p>
         </p:txBody>
       </p:sp>
       <p:sp>
         <p:nvSpPr>
-          <p:cNvPr id="51" name="PlaceHolder 2"/>
+          <p:cNvPr id="45" name="PlaceHolder 2"/>
           <p:cNvSpPr>
             <a:spLocks noGrp="1"/>
           </p:cNvSpPr>
@@ -847,8 +796,8 @@
         </p:nvSpPr>
         <p:spPr>
           <a:xfrm>
-            <a:off x="838080" y="1825560"/>
-            <a:ext cx="5131080" cy="4350960"/>
+            <a:off x="609480" y="1604520"/>
+            <a:ext cx="5354280" cy="3977280"/>
           </a:xfrm>
           <a:prstGeom prst="rect">
             <a:avLst/>
@@ -859,18 +808,15 @@
             <a:normAutofit/>
           </a:bodyPr>
           <a:p>
-            <a:endParaRPr b="0" lang="de-DE" sz="2800" spc="-1" strike="noStrike">
-              <a:solidFill>
-                <a:srgbClr val="000000"/>
-              </a:solidFill>
-              <a:latin typeface="Calibri"/>
+            <a:endParaRPr b="0" lang="de-DE" sz="3200" spc="-1" strike="noStrike">
+              <a:latin typeface="Arial"/>
             </a:endParaRPr>
           </a:p>
         </p:txBody>
       </p:sp>
       <p:sp>
         <p:nvSpPr>
-          <p:cNvPr id="52" name="PlaceHolder 3"/>
+          <p:cNvPr id="46" name="PlaceHolder 3"/>
           <p:cNvSpPr>
             <a:spLocks noGrp="1"/>
           </p:cNvSpPr>
@@ -880,8 +826,8 @@
         </p:nvSpPr>
         <p:spPr>
           <a:xfrm>
-            <a:off x="6226200" y="1825560"/>
-            <a:ext cx="5131080" cy="4350960"/>
+            <a:off x="6231960" y="1604520"/>
+            <a:ext cx="5354280" cy="3977280"/>
           </a:xfrm>
           <a:prstGeom prst="rect">
             <a:avLst/>
@@ -892,11 +838,8 @@
             <a:normAutofit/>
           </a:bodyPr>
           <a:p>
-            <a:endParaRPr b="0" lang="de-DE" sz="2800" spc="-1" strike="noStrike">
-              <a:solidFill>
-                <a:srgbClr val="000000"/>
-              </a:solidFill>
-              <a:latin typeface="Calibri"/>
+            <a:endParaRPr b="0" lang="de-DE" sz="3200" spc="-1" strike="noStrike">
+              <a:latin typeface="Arial"/>
             </a:endParaRPr>
           </a:p>
         </p:txBody>
@@ -925,7 +868,7 @@
       </p:grpSpPr>
       <p:sp>
         <p:nvSpPr>
-          <p:cNvPr id="53" name="PlaceHolder 1"/>
+          <p:cNvPr id="47" name="PlaceHolder 1"/>
           <p:cNvSpPr>
             <a:spLocks noGrp="1"/>
           </p:cNvSpPr>
@@ -935,8 +878,8 @@
         </p:nvSpPr>
         <p:spPr>
           <a:xfrm>
-            <a:off x="838080" y="365040"/>
-            <a:ext cx="10515240" cy="1325160"/>
+            <a:off x="609480" y="273600"/>
+            <a:ext cx="10972440" cy="1144800"/>
           </a:xfrm>
           <a:prstGeom prst="rect">
             <a:avLst/>
@@ -945,11 +888,9 @@
         <p:txBody>
           <a:bodyPr lIns="0" rIns="0" tIns="0" bIns="0" anchor="ctr"/>
           <a:p>
-            <a:endParaRPr b="0" lang="de-DE" sz="1800" spc="-1" strike="noStrike">
-              <a:solidFill>
-                <a:srgbClr val="000000"/>
-              </a:solidFill>
-              <a:latin typeface="Calibri"/>
+            <a:pPr algn="ctr"/>
+            <a:endParaRPr b="0" lang="de-DE" sz="4400" spc="-1" strike="noStrike">
+              <a:latin typeface="Arial"/>
             </a:endParaRPr>
           </a:p>
         </p:txBody>
@@ -978,7 +919,7 @@
       </p:grpSpPr>
       <p:sp>
         <p:nvSpPr>
-          <p:cNvPr id="54" name="PlaceHolder 1"/>
+          <p:cNvPr id="48" name="PlaceHolder 1"/>
           <p:cNvSpPr>
             <a:spLocks noGrp="1"/>
           </p:cNvSpPr>
@@ -988,8 +929,8 @@
         </p:nvSpPr>
         <p:spPr>
           <a:xfrm>
-            <a:off x="838080" y="365040"/>
-            <a:ext cx="10515240" cy="6144120"/>
+            <a:off x="609480" y="273600"/>
+            <a:ext cx="10972440" cy="5307840"/>
           </a:xfrm>
           <a:prstGeom prst="rect">
             <a:avLst/>
@@ -1029,7 +970,7 @@
       </p:grpSpPr>
       <p:sp>
         <p:nvSpPr>
-          <p:cNvPr id="55" name="PlaceHolder 1"/>
+          <p:cNvPr id="49" name="PlaceHolder 1"/>
           <p:cNvSpPr>
             <a:spLocks noGrp="1"/>
           </p:cNvSpPr>
@@ -1039,8 +980,8 @@
         </p:nvSpPr>
         <p:spPr>
           <a:xfrm>
-            <a:off x="838080" y="365040"/>
-            <a:ext cx="10515240" cy="1325160"/>
+            <a:off x="609480" y="273600"/>
+            <a:ext cx="10972440" cy="1144800"/>
           </a:xfrm>
           <a:prstGeom prst="rect">
             <a:avLst/>
@@ -1049,18 +990,16 @@
         <p:txBody>
           <a:bodyPr lIns="0" rIns="0" tIns="0" bIns="0" anchor="ctr"/>
           <a:p>
-            <a:endParaRPr b="0" lang="de-DE" sz="1800" spc="-1" strike="noStrike">
-              <a:solidFill>
-                <a:srgbClr val="000000"/>
-              </a:solidFill>
-              <a:latin typeface="Calibri"/>
+            <a:pPr algn="ctr"/>
+            <a:endParaRPr b="0" lang="de-DE" sz="4400" spc="-1" strike="noStrike">
+              <a:latin typeface="Arial"/>
             </a:endParaRPr>
           </a:p>
         </p:txBody>
       </p:sp>
       <p:sp>
         <p:nvSpPr>
-          <p:cNvPr id="56" name="PlaceHolder 2"/>
+          <p:cNvPr id="50" name="PlaceHolder 2"/>
           <p:cNvSpPr>
             <a:spLocks noGrp="1"/>
           </p:cNvSpPr>
@@ -1070,8 +1009,8 @@
         </p:nvSpPr>
         <p:spPr>
           <a:xfrm>
-            <a:off x="838080" y="1825560"/>
-            <a:ext cx="5131080" cy="2075040"/>
+            <a:off x="609480" y="1604520"/>
+            <a:ext cx="5354280" cy="1896840"/>
           </a:xfrm>
           <a:prstGeom prst="rect">
             <a:avLst/>
@@ -1082,18 +1021,15 @@
             <a:normAutofit/>
           </a:bodyPr>
           <a:p>
-            <a:endParaRPr b="0" lang="de-DE" sz="2800" spc="-1" strike="noStrike">
-              <a:solidFill>
-                <a:srgbClr val="000000"/>
-              </a:solidFill>
-              <a:latin typeface="Calibri"/>
+            <a:endParaRPr b="0" lang="de-DE" sz="3200" spc="-1" strike="noStrike">
+              <a:latin typeface="Arial"/>
             </a:endParaRPr>
           </a:p>
         </p:txBody>
       </p:sp>
       <p:sp>
         <p:nvSpPr>
-          <p:cNvPr id="57" name="PlaceHolder 3"/>
+          <p:cNvPr id="51" name="PlaceHolder 3"/>
           <p:cNvSpPr>
             <a:spLocks noGrp="1"/>
           </p:cNvSpPr>
@@ -1103,8 +1039,8 @@
         </p:nvSpPr>
         <p:spPr>
           <a:xfrm>
-            <a:off x="6226200" y="1825560"/>
-            <a:ext cx="5131080" cy="4350960"/>
+            <a:off x="6231960" y="1604520"/>
+            <a:ext cx="5354280" cy="3977280"/>
           </a:xfrm>
           <a:prstGeom prst="rect">
             <a:avLst/>
@@ -1115,18 +1051,15 @@
             <a:normAutofit/>
           </a:bodyPr>
           <a:p>
-            <a:endParaRPr b="0" lang="de-DE" sz="2800" spc="-1" strike="noStrike">
-              <a:solidFill>
-                <a:srgbClr val="000000"/>
-              </a:solidFill>
-              <a:latin typeface="Calibri"/>
+            <a:endParaRPr b="0" lang="de-DE" sz="3200" spc="-1" strike="noStrike">
+              <a:latin typeface="Arial"/>
             </a:endParaRPr>
           </a:p>
         </p:txBody>
       </p:sp>
       <p:sp>
         <p:nvSpPr>
-          <p:cNvPr id="58" name="PlaceHolder 4"/>
+          <p:cNvPr id="52" name="PlaceHolder 4"/>
           <p:cNvSpPr>
             <a:spLocks noGrp="1"/>
           </p:cNvSpPr>
@@ -1136,8 +1069,8 @@
         </p:nvSpPr>
         <p:spPr>
           <a:xfrm>
-            <a:off x="838080" y="4098240"/>
-            <a:ext cx="5131080" cy="2075040"/>
+            <a:off x="609480" y="3682080"/>
+            <a:ext cx="5354280" cy="1896840"/>
           </a:xfrm>
           <a:prstGeom prst="rect">
             <a:avLst/>
@@ -1148,11 +1081,8 @@
             <a:normAutofit/>
           </a:bodyPr>
           <a:p>
-            <a:endParaRPr b="0" lang="de-DE" sz="2800" spc="-1" strike="noStrike">
-              <a:solidFill>
-                <a:srgbClr val="000000"/>
-              </a:solidFill>
-              <a:latin typeface="Calibri"/>
+            <a:endParaRPr b="0" lang="de-DE" sz="3200" spc="-1" strike="noStrike">
+              <a:latin typeface="Arial"/>
             </a:endParaRPr>
           </a:p>
         </p:txBody>
@@ -1181,7 +1111,7 @@
       </p:grpSpPr>
       <p:sp>
         <p:nvSpPr>
-          <p:cNvPr id="5" name="PlaceHolder 1"/>
+          <p:cNvPr id="2" name="PlaceHolder 1"/>
           <p:cNvSpPr>
             <a:spLocks noGrp="1"/>
           </p:cNvSpPr>
@@ -1191,8 +1121,8 @@
         </p:nvSpPr>
         <p:spPr>
           <a:xfrm>
-            <a:off x="838080" y="365040"/>
-            <a:ext cx="10515240" cy="1325160"/>
+            <a:off x="609480" y="273600"/>
+            <a:ext cx="10972440" cy="1144800"/>
           </a:xfrm>
           <a:prstGeom prst="rect">
             <a:avLst/>
@@ -1201,18 +1131,16 @@
         <p:txBody>
           <a:bodyPr lIns="0" rIns="0" tIns="0" bIns="0" anchor="ctr"/>
           <a:p>
-            <a:endParaRPr b="0" lang="de-DE" sz="1800" spc="-1" strike="noStrike">
-              <a:solidFill>
-                <a:srgbClr val="000000"/>
-              </a:solidFill>
-              <a:latin typeface="Calibri"/>
+            <a:pPr algn="ctr"/>
+            <a:endParaRPr b="0" lang="de-DE" sz="4400" spc="-1" strike="noStrike">
+              <a:latin typeface="Arial"/>
             </a:endParaRPr>
           </a:p>
         </p:txBody>
       </p:sp>
       <p:sp>
         <p:nvSpPr>
-          <p:cNvPr id="6" name="PlaceHolder 2"/>
+          <p:cNvPr id="3" name="PlaceHolder 2"/>
           <p:cNvSpPr>
             <a:spLocks noGrp="1"/>
           </p:cNvSpPr>
@@ -1222,8 +1150,8 @@
         </p:nvSpPr>
         <p:spPr>
           <a:xfrm>
-            <a:off x="838080" y="1825560"/>
-            <a:ext cx="10515240" cy="4350960"/>
+            <a:off x="609480" y="1604520"/>
+            <a:ext cx="10972440" cy="3977280"/>
           </a:xfrm>
           <a:prstGeom prst="rect">
             <a:avLst/>
@@ -1263,7 +1191,7 @@
       </p:grpSpPr>
       <p:sp>
         <p:nvSpPr>
-          <p:cNvPr id="59" name="PlaceHolder 1"/>
+          <p:cNvPr id="53" name="PlaceHolder 1"/>
           <p:cNvSpPr>
             <a:spLocks noGrp="1"/>
           </p:cNvSpPr>
@@ -1273,8 +1201,8 @@
         </p:nvSpPr>
         <p:spPr>
           <a:xfrm>
-            <a:off x="838080" y="365040"/>
-            <a:ext cx="10515240" cy="1325160"/>
+            <a:off x="609480" y="273600"/>
+            <a:ext cx="10972440" cy="1144800"/>
           </a:xfrm>
           <a:prstGeom prst="rect">
             <a:avLst/>
@@ -1283,18 +1211,16 @@
         <p:txBody>
           <a:bodyPr lIns="0" rIns="0" tIns="0" bIns="0" anchor="ctr"/>
           <a:p>
-            <a:endParaRPr b="0" lang="de-DE" sz="1800" spc="-1" strike="noStrike">
-              <a:solidFill>
-                <a:srgbClr val="000000"/>
-              </a:solidFill>
-              <a:latin typeface="Calibri"/>
+            <a:pPr algn="ctr"/>
+            <a:endParaRPr b="0" lang="de-DE" sz="4400" spc="-1" strike="noStrike">
+              <a:latin typeface="Arial"/>
             </a:endParaRPr>
           </a:p>
         </p:txBody>
       </p:sp>
       <p:sp>
         <p:nvSpPr>
-          <p:cNvPr id="60" name="PlaceHolder 2"/>
+          <p:cNvPr id="54" name="PlaceHolder 2"/>
           <p:cNvSpPr>
             <a:spLocks noGrp="1"/>
           </p:cNvSpPr>
@@ -1304,8 +1230,8 @@
         </p:nvSpPr>
         <p:spPr>
           <a:xfrm>
-            <a:off x="838080" y="1825560"/>
-            <a:ext cx="5131080" cy="4350960"/>
+            <a:off x="609480" y="1604520"/>
+            <a:ext cx="5354280" cy="3977280"/>
           </a:xfrm>
           <a:prstGeom prst="rect">
             <a:avLst/>
@@ -1316,18 +1242,15 @@
             <a:normAutofit/>
           </a:bodyPr>
           <a:p>
-            <a:endParaRPr b="0" lang="de-DE" sz="2800" spc="-1" strike="noStrike">
-              <a:solidFill>
-                <a:srgbClr val="000000"/>
-              </a:solidFill>
-              <a:latin typeface="Calibri"/>
+            <a:endParaRPr b="0" lang="de-DE" sz="3200" spc="-1" strike="noStrike">
+              <a:latin typeface="Arial"/>
             </a:endParaRPr>
           </a:p>
         </p:txBody>
       </p:sp>
       <p:sp>
         <p:nvSpPr>
-          <p:cNvPr id="61" name="PlaceHolder 3"/>
+          <p:cNvPr id="55" name="PlaceHolder 3"/>
           <p:cNvSpPr>
             <a:spLocks noGrp="1"/>
           </p:cNvSpPr>
@@ -1337,8 +1260,8 @@
         </p:nvSpPr>
         <p:spPr>
           <a:xfrm>
-            <a:off x="6226200" y="1825560"/>
-            <a:ext cx="5131080" cy="2075040"/>
+            <a:off x="6231960" y="1604520"/>
+            <a:ext cx="5354280" cy="1896840"/>
           </a:xfrm>
           <a:prstGeom prst="rect">
             <a:avLst/>
@@ -1349,18 +1272,15 @@
             <a:normAutofit/>
           </a:bodyPr>
           <a:p>
-            <a:endParaRPr b="0" lang="de-DE" sz="2800" spc="-1" strike="noStrike">
-              <a:solidFill>
-                <a:srgbClr val="000000"/>
-              </a:solidFill>
-              <a:latin typeface="Calibri"/>
+            <a:endParaRPr b="0" lang="de-DE" sz="3200" spc="-1" strike="noStrike">
+              <a:latin typeface="Arial"/>
             </a:endParaRPr>
           </a:p>
         </p:txBody>
       </p:sp>
       <p:sp>
         <p:nvSpPr>
-          <p:cNvPr id="62" name="PlaceHolder 4"/>
+          <p:cNvPr id="56" name="PlaceHolder 4"/>
           <p:cNvSpPr>
             <a:spLocks noGrp="1"/>
           </p:cNvSpPr>
@@ -1370,8 +1290,8 @@
         </p:nvSpPr>
         <p:spPr>
           <a:xfrm>
-            <a:off x="6226200" y="4098240"/>
-            <a:ext cx="5131080" cy="2075040"/>
+            <a:off x="6231960" y="3682080"/>
+            <a:ext cx="5354280" cy="1896840"/>
           </a:xfrm>
           <a:prstGeom prst="rect">
             <a:avLst/>
@@ -1382,11 +1302,8 @@
             <a:normAutofit/>
           </a:bodyPr>
           <a:p>
-            <a:endParaRPr b="0" lang="de-DE" sz="2800" spc="-1" strike="noStrike">
-              <a:solidFill>
-                <a:srgbClr val="000000"/>
-              </a:solidFill>
-              <a:latin typeface="Calibri"/>
+            <a:endParaRPr b="0" lang="de-DE" sz="3200" spc="-1" strike="noStrike">
+              <a:latin typeface="Arial"/>
             </a:endParaRPr>
           </a:p>
         </p:txBody>
@@ -1415,7 +1332,7 @@
       </p:grpSpPr>
       <p:sp>
         <p:nvSpPr>
-          <p:cNvPr id="63" name="PlaceHolder 1"/>
+          <p:cNvPr id="57" name="PlaceHolder 1"/>
           <p:cNvSpPr>
             <a:spLocks noGrp="1"/>
           </p:cNvSpPr>
@@ -1425,8 +1342,8 @@
         </p:nvSpPr>
         <p:spPr>
           <a:xfrm>
-            <a:off x="838080" y="365040"/>
-            <a:ext cx="10515240" cy="1325160"/>
+            <a:off x="609480" y="273600"/>
+            <a:ext cx="10972440" cy="1144800"/>
           </a:xfrm>
           <a:prstGeom prst="rect">
             <a:avLst/>
@@ -1435,18 +1352,16 @@
         <p:txBody>
           <a:bodyPr lIns="0" rIns="0" tIns="0" bIns="0" anchor="ctr"/>
           <a:p>
-            <a:endParaRPr b="0" lang="de-DE" sz="1800" spc="-1" strike="noStrike">
-              <a:solidFill>
-                <a:srgbClr val="000000"/>
-              </a:solidFill>
-              <a:latin typeface="Calibri"/>
+            <a:pPr algn="ctr"/>
+            <a:endParaRPr b="0" lang="de-DE" sz="4400" spc="-1" strike="noStrike">
+              <a:latin typeface="Arial"/>
             </a:endParaRPr>
           </a:p>
         </p:txBody>
       </p:sp>
       <p:sp>
         <p:nvSpPr>
-          <p:cNvPr id="64" name="PlaceHolder 2"/>
+          <p:cNvPr id="58" name="PlaceHolder 2"/>
           <p:cNvSpPr>
             <a:spLocks noGrp="1"/>
           </p:cNvSpPr>
@@ -1456,8 +1371,8 @@
         </p:nvSpPr>
         <p:spPr>
           <a:xfrm>
-            <a:off x="838080" y="1825560"/>
-            <a:ext cx="5131080" cy="2075040"/>
+            <a:off x="609480" y="1604520"/>
+            <a:ext cx="5354280" cy="1896840"/>
           </a:xfrm>
           <a:prstGeom prst="rect">
             <a:avLst/>
@@ -1468,18 +1383,15 @@
             <a:normAutofit/>
           </a:bodyPr>
           <a:p>
-            <a:endParaRPr b="0" lang="de-DE" sz="2800" spc="-1" strike="noStrike">
-              <a:solidFill>
-                <a:srgbClr val="000000"/>
-              </a:solidFill>
-              <a:latin typeface="Calibri"/>
+            <a:endParaRPr b="0" lang="de-DE" sz="3200" spc="-1" strike="noStrike">
+              <a:latin typeface="Arial"/>
             </a:endParaRPr>
           </a:p>
         </p:txBody>
       </p:sp>
       <p:sp>
         <p:nvSpPr>
-          <p:cNvPr id="65" name="PlaceHolder 3"/>
+          <p:cNvPr id="59" name="PlaceHolder 3"/>
           <p:cNvSpPr>
             <a:spLocks noGrp="1"/>
           </p:cNvSpPr>
@@ -1489,8 +1401,8 @@
         </p:nvSpPr>
         <p:spPr>
           <a:xfrm>
-            <a:off x="6226200" y="1825560"/>
-            <a:ext cx="5131080" cy="2075040"/>
+            <a:off x="6231960" y="1604520"/>
+            <a:ext cx="5354280" cy="1896840"/>
           </a:xfrm>
           <a:prstGeom prst="rect">
             <a:avLst/>
@@ -1501,18 +1413,15 @@
             <a:normAutofit/>
           </a:bodyPr>
           <a:p>
-            <a:endParaRPr b="0" lang="de-DE" sz="2800" spc="-1" strike="noStrike">
-              <a:solidFill>
-                <a:srgbClr val="000000"/>
-              </a:solidFill>
-              <a:latin typeface="Calibri"/>
+            <a:endParaRPr b="0" lang="de-DE" sz="3200" spc="-1" strike="noStrike">
+              <a:latin typeface="Arial"/>
             </a:endParaRPr>
           </a:p>
         </p:txBody>
       </p:sp>
       <p:sp>
         <p:nvSpPr>
-          <p:cNvPr id="66" name="PlaceHolder 4"/>
+          <p:cNvPr id="60" name="PlaceHolder 4"/>
           <p:cNvSpPr>
             <a:spLocks noGrp="1"/>
           </p:cNvSpPr>
@@ -1522,8 +1431,8 @@
         </p:nvSpPr>
         <p:spPr>
           <a:xfrm>
-            <a:off x="838080" y="4098240"/>
-            <a:ext cx="10515240" cy="2075040"/>
+            <a:off x="609480" y="3682080"/>
+            <a:ext cx="10972440" cy="1896840"/>
           </a:xfrm>
           <a:prstGeom prst="rect">
             <a:avLst/>
@@ -1534,11 +1443,8 @@
             <a:normAutofit/>
           </a:bodyPr>
           <a:p>
-            <a:endParaRPr b="0" lang="de-DE" sz="2800" spc="-1" strike="noStrike">
-              <a:solidFill>
-                <a:srgbClr val="000000"/>
-              </a:solidFill>
-              <a:latin typeface="Calibri"/>
+            <a:endParaRPr b="0" lang="de-DE" sz="3200" spc="-1" strike="noStrike">
+              <a:latin typeface="Arial"/>
             </a:endParaRPr>
           </a:p>
         </p:txBody>
@@ -1567,7 +1473,7 @@
       </p:grpSpPr>
       <p:sp>
         <p:nvSpPr>
-          <p:cNvPr id="67" name="PlaceHolder 1"/>
+          <p:cNvPr id="61" name="PlaceHolder 1"/>
           <p:cNvSpPr>
             <a:spLocks noGrp="1"/>
           </p:cNvSpPr>
@@ -1577,8 +1483,8 @@
         </p:nvSpPr>
         <p:spPr>
           <a:xfrm>
-            <a:off x="838080" y="365040"/>
-            <a:ext cx="10515240" cy="1325160"/>
+            <a:off x="609480" y="273600"/>
+            <a:ext cx="10972440" cy="1144800"/>
           </a:xfrm>
           <a:prstGeom prst="rect">
             <a:avLst/>
@@ -1587,18 +1493,16 @@
         <p:txBody>
           <a:bodyPr lIns="0" rIns="0" tIns="0" bIns="0" anchor="ctr"/>
           <a:p>
-            <a:endParaRPr b="0" lang="de-DE" sz="1800" spc="-1" strike="noStrike">
-              <a:solidFill>
-                <a:srgbClr val="000000"/>
-              </a:solidFill>
-              <a:latin typeface="Calibri"/>
+            <a:pPr algn="ctr"/>
+            <a:endParaRPr b="0" lang="de-DE" sz="4400" spc="-1" strike="noStrike">
+              <a:latin typeface="Arial"/>
             </a:endParaRPr>
           </a:p>
         </p:txBody>
       </p:sp>
       <p:sp>
         <p:nvSpPr>
-          <p:cNvPr id="68" name="PlaceHolder 2"/>
+          <p:cNvPr id="62" name="PlaceHolder 2"/>
           <p:cNvSpPr>
             <a:spLocks noGrp="1"/>
           </p:cNvSpPr>
@@ -1608,8 +1512,8 @@
         </p:nvSpPr>
         <p:spPr>
           <a:xfrm>
-            <a:off x="838080" y="1825560"/>
-            <a:ext cx="10515240" cy="2075040"/>
+            <a:off x="609480" y="1604520"/>
+            <a:ext cx="10972440" cy="1896840"/>
           </a:xfrm>
           <a:prstGeom prst="rect">
             <a:avLst/>
@@ -1620,18 +1524,15 @@
             <a:normAutofit/>
           </a:bodyPr>
           <a:p>
-            <a:endParaRPr b="0" lang="de-DE" sz="2800" spc="-1" strike="noStrike">
-              <a:solidFill>
-                <a:srgbClr val="000000"/>
-              </a:solidFill>
-              <a:latin typeface="Calibri"/>
+            <a:endParaRPr b="0" lang="de-DE" sz="3200" spc="-1" strike="noStrike">
+              <a:latin typeface="Arial"/>
             </a:endParaRPr>
           </a:p>
         </p:txBody>
       </p:sp>
       <p:sp>
         <p:nvSpPr>
-          <p:cNvPr id="69" name="PlaceHolder 3"/>
+          <p:cNvPr id="63" name="PlaceHolder 3"/>
           <p:cNvSpPr>
             <a:spLocks noGrp="1"/>
           </p:cNvSpPr>
@@ -1641,8 +1542,8 @@
         </p:nvSpPr>
         <p:spPr>
           <a:xfrm>
-            <a:off x="838080" y="4098240"/>
-            <a:ext cx="10515240" cy="2075040"/>
+            <a:off x="609480" y="3682080"/>
+            <a:ext cx="10972440" cy="1896840"/>
           </a:xfrm>
           <a:prstGeom prst="rect">
             <a:avLst/>
@@ -1653,11 +1554,8 @@
             <a:normAutofit/>
           </a:bodyPr>
           <a:p>
-            <a:endParaRPr b="0" lang="de-DE" sz="2800" spc="-1" strike="noStrike">
-              <a:solidFill>
-                <a:srgbClr val="000000"/>
-              </a:solidFill>
-              <a:latin typeface="Calibri"/>
+            <a:endParaRPr b="0" lang="de-DE" sz="3200" spc="-1" strike="noStrike">
+              <a:latin typeface="Arial"/>
             </a:endParaRPr>
           </a:p>
         </p:txBody>
@@ -1686,7 +1584,7 @@
       </p:grpSpPr>
       <p:sp>
         <p:nvSpPr>
-          <p:cNvPr id="70" name="PlaceHolder 1"/>
+          <p:cNvPr id="64" name="PlaceHolder 1"/>
           <p:cNvSpPr>
             <a:spLocks noGrp="1"/>
           </p:cNvSpPr>
@@ -1696,8 +1594,8 @@
         </p:nvSpPr>
         <p:spPr>
           <a:xfrm>
-            <a:off x="838080" y="365040"/>
-            <a:ext cx="10515240" cy="1325160"/>
+            <a:off x="609480" y="273600"/>
+            <a:ext cx="10972440" cy="1144800"/>
           </a:xfrm>
           <a:prstGeom prst="rect">
             <a:avLst/>
@@ -1706,18 +1604,16 @@
         <p:txBody>
           <a:bodyPr lIns="0" rIns="0" tIns="0" bIns="0" anchor="ctr"/>
           <a:p>
-            <a:endParaRPr b="0" lang="de-DE" sz="1800" spc="-1" strike="noStrike">
-              <a:solidFill>
-                <a:srgbClr val="000000"/>
-              </a:solidFill>
-              <a:latin typeface="Calibri"/>
+            <a:pPr algn="ctr"/>
+            <a:endParaRPr b="0" lang="de-DE" sz="4400" spc="-1" strike="noStrike">
+              <a:latin typeface="Arial"/>
             </a:endParaRPr>
           </a:p>
         </p:txBody>
       </p:sp>
       <p:sp>
         <p:nvSpPr>
-          <p:cNvPr id="71" name="PlaceHolder 2"/>
+          <p:cNvPr id="65" name="PlaceHolder 2"/>
           <p:cNvSpPr>
             <a:spLocks noGrp="1"/>
           </p:cNvSpPr>
@@ -1727,8 +1623,8 @@
         </p:nvSpPr>
         <p:spPr>
           <a:xfrm>
-            <a:off x="838080" y="1825560"/>
-            <a:ext cx="5131080" cy="2075040"/>
+            <a:off x="609480" y="1604520"/>
+            <a:ext cx="5354280" cy="1896840"/>
           </a:xfrm>
           <a:prstGeom prst="rect">
             <a:avLst/>
@@ -1739,18 +1635,15 @@
             <a:normAutofit/>
           </a:bodyPr>
           <a:p>
-            <a:endParaRPr b="0" lang="de-DE" sz="2800" spc="-1" strike="noStrike">
-              <a:solidFill>
-                <a:srgbClr val="000000"/>
-              </a:solidFill>
-              <a:latin typeface="Calibri"/>
+            <a:endParaRPr b="0" lang="de-DE" sz="3200" spc="-1" strike="noStrike">
+              <a:latin typeface="Arial"/>
             </a:endParaRPr>
           </a:p>
         </p:txBody>
       </p:sp>
       <p:sp>
         <p:nvSpPr>
-          <p:cNvPr id="72" name="PlaceHolder 3"/>
+          <p:cNvPr id="66" name="PlaceHolder 3"/>
           <p:cNvSpPr>
             <a:spLocks noGrp="1"/>
           </p:cNvSpPr>
@@ -1760,8 +1653,8 @@
         </p:nvSpPr>
         <p:spPr>
           <a:xfrm>
-            <a:off x="6226200" y="1825560"/>
-            <a:ext cx="5131080" cy="2075040"/>
+            <a:off x="6231960" y="1604520"/>
+            <a:ext cx="5354280" cy="1896840"/>
           </a:xfrm>
           <a:prstGeom prst="rect">
             <a:avLst/>
@@ -1772,18 +1665,15 @@
             <a:normAutofit/>
           </a:bodyPr>
           <a:p>
-            <a:endParaRPr b="0" lang="de-DE" sz="2800" spc="-1" strike="noStrike">
-              <a:solidFill>
-                <a:srgbClr val="000000"/>
-              </a:solidFill>
-              <a:latin typeface="Calibri"/>
+            <a:endParaRPr b="0" lang="de-DE" sz="3200" spc="-1" strike="noStrike">
+              <a:latin typeface="Arial"/>
             </a:endParaRPr>
           </a:p>
         </p:txBody>
       </p:sp>
       <p:sp>
         <p:nvSpPr>
-          <p:cNvPr id="73" name="PlaceHolder 4"/>
+          <p:cNvPr id="67" name="PlaceHolder 4"/>
           <p:cNvSpPr>
             <a:spLocks noGrp="1"/>
           </p:cNvSpPr>
@@ -1793,8 +1683,8 @@
         </p:nvSpPr>
         <p:spPr>
           <a:xfrm>
-            <a:off x="838080" y="4098240"/>
-            <a:ext cx="5131080" cy="2075040"/>
+            <a:off x="609480" y="3682080"/>
+            <a:ext cx="5354280" cy="1896840"/>
           </a:xfrm>
           <a:prstGeom prst="rect">
             <a:avLst/>
@@ -1805,18 +1695,15 @@
             <a:normAutofit/>
           </a:bodyPr>
           <a:p>
-            <a:endParaRPr b="0" lang="de-DE" sz="2800" spc="-1" strike="noStrike">
-              <a:solidFill>
-                <a:srgbClr val="000000"/>
-              </a:solidFill>
-              <a:latin typeface="Calibri"/>
+            <a:endParaRPr b="0" lang="de-DE" sz="3200" spc="-1" strike="noStrike">
+              <a:latin typeface="Arial"/>
             </a:endParaRPr>
           </a:p>
         </p:txBody>
       </p:sp>
       <p:sp>
         <p:nvSpPr>
-          <p:cNvPr id="74" name="PlaceHolder 5"/>
+          <p:cNvPr id="68" name="PlaceHolder 5"/>
           <p:cNvSpPr>
             <a:spLocks noGrp="1"/>
           </p:cNvSpPr>
@@ -1826,8 +1713,8 @@
         </p:nvSpPr>
         <p:spPr>
           <a:xfrm>
-            <a:off x="6226200" y="4098240"/>
-            <a:ext cx="5131080" cy="2075040"/>
+            <a:off x="6231960" y="3682080"/>
+            <a:ext cx="5354280" cy="1896840"/>
           </a:xfrm>
           <a:prstGeom prst="rect">
             <a:avLst/>
@@ -1838,11 +1725,8 @@
             <a:normAutofit/>
           </a:bodyPr>
           <a:p>
-            <a:endParaRPr b="0" lang="de-DE" sz="2800" spc="-1" strike="noStrike">
-              <a:solidFill>
-                <a:srgbClr val="000000"/>
-              </a:solidFill>
-              <a:latin typeface="Calibri"/>
+            <a:endParaRPr b="0" lang="de-DE" sz="3200" spc="-1" strike="noStrike">
+              <a:latin typeface="Arial"/>
             </a:endParaRPr>
           </a:p>
         </p:txBody>
@@ -1871,7 +1755,7 @@
       </p:grpSpPr>
       <p:sp>
         <p:nvSpPr>
-          <p:cNvPr id="75" name="PlaceHolder 1"/>
+          <p:cNvPr id="69" name="PlaceHolder 1"/>
           <p:cNvSpPr>
             <a:spLocks noGrp="1"/>
           </p:cNvSpPr>
@@ -1881,8 +1765,8 @@
         </p:nvSpPr>
         <p:spPr>
           <a:xfrm>
-            <a:off x="838080" y="365040"/>
-            <a:ext cx="10515240" cy="1325160"/>
+            <a:off x="609480" y="273600"/>
+            <a:ext cx="10972440" cy="1144800"/>
           </a:xfrm>
           <a:prstGeom prst="rect">
             <a:avLst/>
@@ -1891,18 +1775,16 @@
         <p:txBody>
           <a:bodyPr lIns="0" rIns="0" tIns="0" bIns="0" anchor="ctr"/>
           <a:p>
-            <a:endParaRPr b="0" lang="de-DE" sz="1800" spc="-1" strike="noStrike">
-              <a:solidFill>
-                <a:srgbClr val="000000"/>
-              </a:solidFill>
-              <a:latin typeface="Calibri"/>
+            <a:pPr algn="ctr"/>
+            <a:endParaRPr b="0" lang="de-DE" sz="4400" spc="-1" strike="noStrike">
+              <a:latin typeface="Arial"/>
             </a:endParaRPr>
           </a:p>
         </p:txBody>
       </p:sp>
       <p:sp>
         <p:nvSpPr>
-          <p:cNvPr id="76" name="PlaceHolder 2"/>
+          <p:cNvPr id="70" name="PlaceHolder 2"/>
           <p:cNvSpPr>
             <a:spLocks noGrp="1"/>
           </p:cNvSpPr>
@@ -1912,8 +1794,8 @@
         </p:nvSpPr>
         <p:spPr>
           <a:xfrm>
-            <a:off x="838080" y="1825560"/>
-            <a:ext cx="3385800" cy="2075040"/>
+            <a:off x="609480" y="1604520"/>
+            <a:ext cx="3533040" cy="1896840"/>
           </a:xfrm>
           <a:prstGeom prst="rect">
             <a:avLst/>
@@ -1924,18 +1806,15 @@
             <a:normAutofit/>
           </a:bodyPr>
           <a:p>
-            <a:endParaRPr b="0" lang="de-DE" sz="2800" spc="-1" strike="noStrike">
-              <a:solidFill>
-                <a:srgbClr val="000000"/>
-              </a:solidFill>
-              <a:latin typeface="Calibri"/>
+            <a:endParaRPr b="0" lang="de-DE" sz="3200" spc="-1" strike="noStrike">
+              <a:latin typeface="Arial"/>
             </a:endParaRPr>
           </a:p>
         </p:txBody>
       </p:sp>
       <p:sp>
         <p:nvSpPr>
-          <p:cNvPr id="77" name="PlaceHolder 3"/>
+          <p:cNvPr id="71" name="PlaceHolder 3"/>
           <p:cNvSpPr>
             <a:spLocks noGrp="1"/>
           </p:cNvSpPr>
@@ -1945,8 +1824,8 @@
         </p:nvSpPr>
         <p:spPr>
           <a:xfrm>
-            <a:off x="4393440" y="1825560"/>
-            <a:ext cx="3385800" cy="2075040"/>
+            <a:off x="4319640" y="1604520"/>
+            <a:ext cx="3533040" cy="1896840"/>
           </a:xfrm>
           <a:prstGeom prst="rect">
             <a:avLst/>
@@ -1957,18 +1836,15 @@
             <a:normAutofit/>
           </a:bodyPr>
           <a:p>
-            <a:endParaRPr b="0" lang="de-DE" sz="2800" spc="-1" strike="noStrike">
-              <a:solidFill>
-                <a:srgbClr val="000000"/>
-              </a:solidFill>
-              <a:latin typeface="Calibri"/>
+            <a:endParaRPr b="0" lang="de-DE" sz="3200" spc="-1" strike="noStrike">
+              <a:latin typeface="Arial"/>
             </a:endParaRPr>
           </a:p>
         </p:txBody>
       </p:sp>
       <p:sp>
         <p:nvSpPr>
-          <p:cNvPr id="78" name="PlaceHolder 4"/>
+          <p:cNvPr id="72" name="PlaceHolder 4"/>
           <p:cNvSpPr>
             <a:spLocks noGrp="1"/>
           </p:cNvSpPr>
@@ -1978,8 +1854,8 @@
         </p:nvSpPr>
         <p:spPr>
           <a:xfrm>
-            <a:off x="7949160" y="1825560"/>
-            <a:ext cx="3385800" cy="2075040"/>
+            <a:off x="8029800" y="1604520"/>
+            <a:ext cx="3533040" cy="1896840"/>
           </a:xfrm>
           <a:prstGeom prst="rect">
             <a:avLst/>
@@ -1990,18 +1866,15 @@
             <a:normAutofit/>
           </a:bodyPr>
           <a:p>
-            <a:endParaRPr b="0" lang="de-DE" sz="2800" spc="-1" strike="noStrike">
-              <a:solidFill>
-                <a:srgbClr val="000000"/>
-              </a:solidFill>
-              <a:latin typeface="Calibri"/>
+            <a:endParaRPr b="0" lang="de-DE" sz="3200" spc="-1" strike="noStrike">
+              <a:latin typeface="Arial"/>
             </a:endParaRPr>
           </a:p>
         </p:txBody>
       </p:sp>
       <p:sp>
         <p:nvSpPr>
-          <p:cNvPr id="79" name="PlaceHolder 5"/>
+          <p:cNvPr id="73" name="PlaceHolder 5"/>
           <p:cNvSpPr>
             <a:spLocks noGrp="1"/>
           </p:cNvSpPr>
@@ -2011,8 +1884,8 @@
         </p:nvSpPr>
         <p:spPr>
           <a:xfrm>
-            <a:off x="838080" y="4098240"/>
-            <a:ext cx="3385800" cy="2075040"/>
+            <a:off x="609480" y="3682080"/>
+            <a:ext cx="3533040" cy="1896840"/>
           </a:xfrm>
           <a:prstGeom prst="rect">
             <a:avLst/>
@@ -2023,18 +1896,15 @@
             <a:normAutofit/>
           </a:bodyPr>
           <a:p>
-            <a:endParaRPr b="0" lang="de-DE" sz="2800" spc="-1" strike="noStrike">
-              <a:solidFill>
-                <a:srgbClr val="000000"/>
-              </a:solidFill>
-              <a:latin typeface="Calibri"/>
+            <a:endParaRPr b="0" lang="de-DE" sz="3200" spc="-1" strike="noStrike">
+              <a:latin typeface="Arial"/>
             </a:endParaRPr>
           </a:p>
         </p:txBody>
       </p:sp>
       <p:sp>
         <p:nvSpPr>
-          <p:cNvPr id="80" name="PlaceHolder 6"/>
+          <p:cNvPr id="74" name="PlaceHolder 6"/>
           <p:cNvSpPr>
             <a:spLocks noGrp="1"/>
           </p:cNvSpPr>
@@ -2044,8 +1914,8 @@
         </p:nvSpPr>
         <p:spPr>
           <a:xfrm>
-            <a:off x="4393440" y="4098240"/>
-            <a:ext cx="3385800" cy="2075040"/>
+            <a:off x="4319640" y="3682080"/>
+            <a:ext cx="3533040" cy="1896840"/>
           </a:xfrm>
           <a:prstGeom prst="rect">
             <a:avLst/>
@@ -2056,18 +1926,15 @@
             <a:normAutofit/>
           </a:bodyPr>
           <a:p>
-            <a:endParaRPr b="0" lang="de-DE" sz="2800" spc="-1" strike="noStrike">
-              <a:solidFill>
-                <a:srgbClr val="000000"/>
-              </a:solidFill>
-              <a:latin typeface="Calibri"/>
+            <a:endParaRPr b="0" lang="de-DE" sz="3200" spc="-1" strike="noStrike">
+              <a:latin typeface="Arial"/>
             </a:endParaRPr>
           </a:p>
         </p:txBody>
       </p:sp>
       <p:sp>
         <p:nvSpPr>
-          <p:cNvPr id="81" name="PlaceHolder 7"/>
+          <p:cNvPr id="75" name="PlaceHolder 7"/>
           <p:cNvSpPr>
             <a:spLocks noGrp="1"/>
           </p:cNvSpPr>
@@ -2077,8 +1944,8 @@
         </p:nvSpPr>
         <p:spPr>
           <a:xfrm>
-            <a:off x="7949160" y="4098240"/>
-            <a:ext cx="3385800" cy="2075040"/>
+            <a:off x="8029800" y="3682080"/>
+            <a:ext cx="3533040" cy="1896840"/>
           </a:xfrm>
           <a:prstGeom prst="rect">
             <a:avLst/>
@@ -2089,11 +1956,8 @@
             <a:normAutofit/>
           </a:bodyPr>
           <a:p>
-            <a:endParaRPr b="0" lang="de-DE" sz="2800" spc="-1" strike="noStrike">
-              <a:solidFill>
-                <a:srgbClr val="000000"/>
-              </a:solidFill>
-              <a:latin typeface="Calibri"/>
+            <a:endParaRPr b="0" lang="de-DE" sz="3200" spc="-1" strike="noStrike">
+              <a:latin typeface="Arial"/>
             </a:endParaRPr>
           </a:p>
         </p:txBody>
@@ -2122,7 +1986,7 @@
       </p:grpSpPr>
       <p:sp>
         <p:nvSpPr>
-          <p:cNvPr id="7" name="PlaceHolder 1"/>
+          <p:cNvPr id="4" name="PlaceHolder 1"/>
           <p:cNvSpPr>
             <a:spLocks noGrp="1"/>
           </p:cNvSpPr>
@@ -2132,8 +1996,8 @@
         </p:nvSpPr>
         <p:spPr>
           <a:xfrm>
-            <a:off x="838080" y="365040"/>
-            <a:ext cx="10515240" cy="1325160"/>
+            <a:off x="609480" y="273600"/>
+            <a:ext cx="10972440" cy="1144800"/>
           </a:xfrm>
           <a:prstGeom prst="rect">
             <a:avLst/>
@@ -2142,18 +2006,16 @@
         <p:txBody>
           <a:bodyPr lIns="0" rIns="0" tIns="0" bIns="0" anchor="ctr"/>
           <a:p>
-            <a:endParaRPr b="0" lang="de-DE" sz="1800" spc="-1" strike="noStrike">
-              <a:solidFill>
-                <a:srgbClr val="000000"/>
-              </a:solidFill>
-              <a:latin typeface="Calibri"/>
+            <a:pPr algn="ctr"/>
+            <a:endParaRPr b="0" lang="de-DE" sz="4400" spc="-1" strike="noStrike">
+              <a:latin typeface="Arial"/>
             </a:endParaRPr>
           </a:p>
         </p:txBody>
       </p:sp>
       <p:sp>
         <p:nvSpPr>
-          <p:cNvPr id="8" name="PlaceHolder 2"/>
+          <p:cNvPr id="5" name="PlaceHolder 2"/>
           <p:cNvSpPr>
             <a:spLocks noGrp="1"/>
           </p:cNvSpPr>
@@ -2163,8 +2025,8 @@
         </p:nvSpPr>
         <p:spPr>
           <a:xfrm>
-            <a:off x="838080" y="1825560"/>
-            <a:ext cx="10515240" cy="4350960"/>
+            <a:off x="609480" y="1604520"/>
+            <a:ext cx="10972440" cy="3977280"/>
           </a:xfrm>
           <a:prstGeom prst="rect">
             <a:avLst/>
@@ -2175,11 +2037,8 @@
             <a:normAutofit/>
           </a:bodyPr>
           <a:p>
-            <a:endParaRPr b="0" lang="de-DE" sz="2800" spc="-1" strike="noStrike">
-              <a:solidFill>
-                <a:srgbClr val="000000"/>
-              </a:solidFill>
-              <a:latin typeface="Calibri"/>
+            <a:endParaRPr b="0" lang="de-DE" sz="3200" spc="-1" strike="noStrike">
+              <a:latin typeface="Arial"/>
             </a:endParaRPr>
           </a:p>
         </p:txBody>
@@ -2208,7 +2067,7 @@
       </p:grpSpPr>
       <p:sp>
         <p:nvSpPr>
-          <p:cNvPr id="9" name="PlaceHolder 1"/>
+          <p:cNvPr id="6" name="PlaceHolder 1"/>
           <p:cNvSpPr>
             <a:spLocks noGrp="1"/>
           </p:cNvSpPr>
@@ -2218,8 +2077,8 @@
         </p:nvSpPr>
         <p:spPr>
           <a:xfrm>
-            <a:off x="838080" y="365040"/>
-            <a:ext cx="10515240" cy="1325160"/>
+            <a:off x="609480" y="273600"/>
+            <a:ext cx="10972440" cy="1144800"/>
           </a:xfrm>
           <a:prstGeom prst="rect">
             <a:avLst/>
@@ -2228,18 +2087,16 @@
         <p:txBody>
           <a:bodyPr lIns="0" rIns="0" tIns="0" bIns="0" anchor="ctr"/>
           <a:p>
-            <a:endParaRPr b="0" lang="de-DE" sz="1800" spc="-1" strike="noStrike">
-              <a:solidFill>
-                <a:srgbClr val="000000"/>
-              </a:solidFill>
-              <a:latin typeface="Calibri"/>
+            <a:pPr algn="ctr"/>
+            <a:endParaRPr b="0" lang="de-DE" sz="4400" spc="-1" strike="noStrike">
+              <a:latin typeface="Arial"/>
             </a:endParaRPr>
           </a:p>
         </p:txBody>
       </p:sp>
       <p:sp>
         <p:nvSpPr>
-          <p:cNvPr id="10" name="PlaceHolder 2"/>
+          <p:cNvPr id="7" name="PlaceHolder 2"/>
           <p:cNvSpPr>
             <a:spLocks noGrp="1"/>
           </p:cNvSpPr>
@@ -2249,8 +2106,8 @@
         </p:nvSpPr>
         <p:spPr>
           <a:xfrm>
-            <a:off x="838080" y="1825560"/>
-            <a:ext cx="5131080" cy="4350960"/>
+            <a:off x="609480" y="1604520"/>
+            <a:ext cx="5354280" cy="3977280"/>
           </a:xfrm>
           <a:prstGeom prst="rect">
             <a:avLst/>
@@ -2261,18 +2118,15 @@
             <a:normAutofit/>
           </a:bodyPr>
           <a:p>
-            <a:endParaRPr b="0" lang="de-DE" sz="2800" spc="-1" strike="noStrike">
-              <a:solidFill>
-                <a:srgbClr val="000000"/>
-              </a:solidFill>
-              <a:latin typeface="Calibri"/>
+            <a:endParaRPr b="0" lang="de-DE" sz="3200" spc="-1" strike="noStrike">
+              <a:latin typeface="Arial"/>
             </a:endParaRPr>
           </a:p>
         </p:txBody>
       </p:sp>
       <p:sp>
         <p:nvSpPr>
-          <p:cNvPr id="11" name="PlaceHolder 3"/>
+          <p:cNvPr id="8" name="PlaceHolder 3"/>
           <p:cNvSpPr>
             <a:spLocks noGrp="1"/>
           </p:cNvSpPr>
@@ -2282,8 +2136,8 @@
         </p:nvSpPr>
         <p:spPr>
           <a:xfrm>
-            <a:off x="6226200" y="1825560"/>
-            <a:ext cx="5131080" cy="4350960"/>
+            <a:off x="6231960" y="1604520"/>
+            <a:ext cx="5354280" cy="3977280"/>
           </a:xfrm>
           <a:prstGeom prst="rect">
             <a:avLst/>
@@ -2294,11 +2148,8 @@
             <a:normAutofit/>
           </a:bodyPr>
           <a:p>
-            <a:endParaRPr b="0" lang="de-DE" sz="2800" spc="-1" strike="noStrike">
-              <a:solidFill>
-                <a:srgbClr val="000000"/>
-              </a:solidFill>
-              <a:latin typeface="Calibri"/>
+            <a:endParaRPr b="0" lang="de-DE" sz="3200" spc="-1" strike="noStrike">
+              <a:latin typeface="Arial"/>
             </a:endParaRPr>
           </a:p>
         </p:txBody>
@@ -2327,7 +2178,7 @@
       </p:grpSpPr>
       <p:sp>
         <p:nvSpPr>
-          <p:cNvPr id="12" name="PlaceHolder 1"/>
+          <p:cNvPr id="9" name="PlaceHolder 1"/>
           <p:cNvSpPr>
             <a:spLocks noGrp="1"/>
           </p:cNvSpPr>
@@ -2337,8 +2188,8 @@
         </p:nvSpPr>
         <p:spPr>
           <a:xfrm>
-            <a:off x="838080" y="365040"/>
-            <a:ext cx="10515240" cy="1325160"/>
+            <a:off x="609480" y="273600"/>
+            <a:ext cx="10972440" cy="1144800"/>
           </a:xfrm>
           <a:prstGeom prst="rect">
             <a:avLst/>
@@ -2347,11 +2198,9 @@
         <p:txBody>
           <a:bodyPr lIns="0" rIns="0" tIns="0" bIns="0" anchor="ctr"/>
           <a:p>
-            <a:endParaRPr b="0" lang="de-DE" sz="1800" spc="-1" strike="noStrike">
-              <a:solidFill>
-                <a:srgbClr val="000000"/>
-              </a:solidFill>
-              <a:latin typeface="Calibri"/>
+            <a:pPr algn="ctr"/>
+            <a:endParaRPr b="0" lang="de-DE" sz="4400" spc="-1" strike="noStrike">
+              <a:latin typeface="Arial"/>
             </a:endParaRPr>
           </a:p>
         </p:txBody>
@@ -2380,7 +2229,7 @@
       </p:grpSpPr>
       <p:sp>
         <p:nvSpPr>
-          <p:cNvPr id="13" name="PlaceHolder 1"/>
+          <p:cNvPr id="10" name="PlaceHolder 1"/>
           <p:cNvSpPr>
             <a:spLocks noGrp="1"/>
           </p:cNvSpPr>
@@ -2390,8 +2239,8 @@
         </p:nvSpPr>
         <p:spPr>
           <a:xfrm>
-            <a:off x="838080" y="365040"/>
-            <a:ext cx="10515240" cy="6144120"/>
+            <a:off x="609480" y="273600"/>
+            <a:ext cx="10972440" cy="5307840"/>
           </a:xfrm>
           <a:prstGeom prst="rect">
             <a:avLst/>
@@ -2431,7 +2280,7 @@
       </p:grpSpPr>
       <p:sp>
         <p:nvSpPr>
-          <p:cNvPr id="14" name="PlaceHolder 1"/>
+          <p:cNvPr id="11" name="PlaceHolder 1"/>
           <p:cNvSpPr>
             <a:spLocks noGrp="1"/>
           </p:cNvSpPr>
@@ -2441,8 +2290,8 @@
         </p:nvSpPr>
         <p:spPr>
           <a:xfrm>
-            <a:off x="838080" y="365040"/>
-            <a:ext cx="10515240" cy="1325160"/>
+            <a:off x="609480" y="273600"/>
+            <a:ext cx="10972440" cy="1144800"/>
           </a:xfrm>
           <a:prstGeom prst="rect">
             <a:avLst/>
@@ -2451,18 +2300,16 @@
         <p:txBody>
           <a:bodyPr lIns="0" rIns="0" tIns="0" bIns="0" anchor="ctr"/>
           <a:p>
-            <a:endParaRPr b="0" lang="de-DE" sz="1800" spc="-1" strike="noStrike">
-              <a:solidFill>
-                <a:srgbClr val="000000"/>
-              </a:solidFill>
-              <a:latin typeface="Calibri"/>
+            <a:pPr algn="ctr"/>
+            <a:endParaRPr b="0" lang="de-DE" sz="4400" spc="-1" strike="noStrike">
+              <a:latin typeface="Arial"/>
             </a:endParaRPr>
           </a:p>
         </p:txBody>
       </p:sp>
       <p:sp>
         <p:nvSpPr>
-          <p:cNvPr id="15" name="PlaceHolder 2"/>
+          <p:cNvPr id="12" name="PlaceHolder 2"/>
           <p:cNvSpPr>
             <a:spLocks noGrp="1"/>
           </p:cNvSpPr>
@@ -2472,8 +2319,8 @@
         </p:nvSpPr>
         <p:spPr>
           <a:xfrm>
-            <a:off x="838080" y="1825560"/>
-            <a:ext cx="5131080" cy="2075040"/>
+            <a:off x="609480" y="1604520"/>
+            <a:ext cx="5354280" cy="1896840"/>
           </a:xfrm>
           <a:prstGeom prst="rect">
             <a:avLst/>
@@ -2484,18 +2331,15 @@
             <a:normAutofit/>
           </a:bodyPr>
           <a:p>
-            <a:endParaRPr b="0" lang="de-DE" sz="2800" spc="-1" strike="noStrike">
-              <a:solidFill>
-                <a:srgbClr val="000000"/>
-              </a:solidFill>
-              <a:latin typeface="Calibri"/>
+            <a:endParaRPr b="0" lang="de-DE" sz="3200" spc="-1" strike="noStrike">
+              <a:latin typeface="Arial"/>
             </a:endParaRPr>
           </a:p>
         </p:txBody>
       </p:sp>
       <p:sp>
         <p:nvSpPr>
-          <p:cNvPr id="16" name="PlaceHolder 3"/>
+          <p:cNvPr id="13" name="PlaceHolder 3"/>
           <p:cNvSpPr>
             <a:spLocks noGrp="1"/>
           </p:cNvSpPr>
@@ -2505,8 +2349,8 @@
         </p:nvSpPr>
         <p:spPr>
           <a:xfrm>
-            <a:off x="6226200" y="1825560"/>
-            <a:ext cx="5131080" cy="4350960"/>
+            <a:off x="6231960" y="1604520"/>
+            <a:ext cx="5354280" cy="3977280"/>
           </a:xfrm>
           <a:prstGeom prst="rect">
             <a:avLst/>
@@ -2517,18 +2361,15 @@
             <a:normAutofit/>
           </a:bodyPr>
           <a:p>
-            <a:endParaRPr b="0" lang="de-DE" sz="2800" spc="-1" strike="noStrike">
-              <a:solidFill>
-                <a:srgbClr val="000000"/>
-              </a:solidFill>
-              <a:latin typeface="Calibri"/>
+            <a:endParaRPr b="0" lang="de-DE" sz="3200" spc="-1" strike="noStrike">
+              <a:latin typeface="Arial"/>
             </a:endParaRPr>
           </a:p>
         </p:txBody>
       </p:sp>
       <p:sp>
         <p:nvSpPr>
-          <p:cNvPr id="17" name="PlaceHolder 4"/>
+          <p:cNvPr id="14" name="PlaceHolder 4"/>
           <p:cNvSpPr>
             <a:spLocks noGrp="1"/>
           </p:cNvSpPr>
@@ -2538,8 +2379,8 @@
         </p:nvSpPr>
         <p:spPr>
           <a:xfrm>
-            <a:off x="838080" y="4098240"/>
-            <a:ext cx="5131080" cy="2075040"/>
+            <a:off x="609480" y="3682080"/>
+            <a:ext cx="5354280" cy="1896840"/>
           </a:xfrm>
           <a:prstGeom prst="rect">
             <a:avLst/>
@@ -2550,11 +2391,8 @@
             <a:normAutofit/>
           </a:bodyPr>
           <a:p>
-            <a:endParaRPr b="0" lang="de-DE" sz="2800" spc="-1" strike="noStrike">
-              <a:solidFill>
-                <a:srgbClr val="000000"/>
-              </a:solidFill>
-              <a:latin typeface="Calibri"/>
+            <a:endParaRPr b="0" lang="de-DE" sz="3200" spc="-1" strike="noStrike">
+              <a:latin typeface="Arial"/>
             </a:endParaRPr>
           </a:p>
         </p:txBody>
@@ -2583,7 +2421,7 @@
       </p:grpSpPr>
       <p:sp>
         <p:nvSpPr>
-          <p:cNvPr id="18" name="PlaceHolder 1"/>
+          <p:cNvPr id="15" name="PlaceHolder 1"/>
           <p:cNvSpPr>
             <a:spLocks noGrp="1"/>
           </p:cNvSpPr>
@@ -2593,8 +2431,8 @@
         </p:nvSpPr>
         <p:spPr>
           <a:xfrm>
-            <a:off x="838080" y="365040"/>
-            <a:ext cx="10515240" cy="1325160"/>
+            <a:off x="609480" y="273600"/>
+            <a:ext cx="10972440" cy="1144800"/>
           </a:xfrm>
           <a:prstGeom prst="rect">
             <a:avLst/>
@@ -2603,18 +2441,16 @@
         <p:txBody>
           <a:bodyPr lIns="0" rIns="0" tIns="0" bIns="0" anchor="ctr"/>
           <a:p>
-            <a:endParaRPr b="0" lang="de-DE" sz="1800" spc="-1" strike="noStrike">
-              <a:solidFill>
-                <a:srgbClr val="000000"/>
-              </a:solidFill>
-              <a:latin typeface="Calibri"/>
+            <a:pPr algn="ctr"/>
+            <a:endParaRPr b="0" lang="de-DE" sz="4400" spc="-1" strike="noStrike">
+              <a:latin typeface="Arial"/>
             </a:endParaRPr>
           </a:p>
         </p:txBody>
       </p:sp>
       <p:sp>
         <p:nvSpPr>
-          <p:cNvPr id="19" name="PlaceHolder 2"/>
+          <p:cNvPr id="16" name="PlaceHolder 2"/>
           <p:cNvSpPr>
             <a:spLocks noGrp="1"/>
           </p:cNvSpPr>
@@ -2624,8 +2460,8 @@
         </p:nvSpPr>
         <p:spPr>
           <a:xfrm>
-            <a:off x="838080" y="1825560"/>
-            <a:ext cx="5131080" cy="4350960"/>
+            <a:off x="609480" y="1604520"/>
+            <a:ext cx="5354280" cy="3977280"/>
           </a:xfrm>
           <a:prstGeom prst="rect">
             <a:avLst/>
@@ -2636,18 +2472,15 @@
             <a:normAutofit/>
           </a:bodyPr>
           <a:p>
-            <a:endParaRPr b="0" lang="de-DE" sz="2800" spc="-1" strike="noStrike">
-              <a:solidFill>
-                <a:srgbClr val="000000"/>
-              </a:solidFill>
-              <a:latin typeface="Calibri"/>
+            <a:endParaRPr b="0" lang="de-DE" sz="3200" spc="-1" strike="noStrike">
+              <a:latin typeface="Arial"/>
             </a:endParaRPr>
           </a:p>
         </p:txBody>
       </p:sp>
       <p:sp>
         <p:nvSpPr>
-          <p:cNvPr id="20" name="PlaceHolder 3"/>
+          <p:cNvPr id="17" name="PlaceHolder 3"/>
           <p:cNvSpPr>
             <a:spLocks noGrp="1"/>
           </p:cNvSpPr>
@@ -2657,8 +2490,8 @@
         </p:nvSpPr>
         <p:spPr>
           <a:xfrm>
-            <a:off x="6226200" y="1825560"/>
-            <a:ext cx="5131080" cy="2075040"/>
+            <a:off x="6231960" y="1604520"/>
+            <a:ext cx="5354280" cy="1896840"/>
           </a:xfrm>
           <a:prstGeom prst="rect">
             <a:avLst/>
@@ -2669,18 +2502,15 @@
             <a:normAutofit/>
           </a:bodyPr>
           <a:p>
-            <a:endParaRPr b="0" lang="de-DE" sz="2800" spc="-1" strike="noStrike">
-              <a:solidFill>
-                <a:srgbClr val="000000"/>
-              </a:solidFill>
-              <a:latin typeface="Calibri"/>
+            <a:endParaRPr b="0" lang="de-DE" sz="3200" spc="-1" strike="noStrike">
+              <a:latin typeface="Arial"/>
             </a:endParaRPr>
           </a:p>
         </p:txBody>
       </p:sp>
       <p:sp>
         <p:nvSpPr>
-          <p:cNvPr id="21" name="PlaceHolder 4"/>
+          <p:cNvPr id="18" name="PlaceHolder 4"/>
           <p:cNvSpPr>
             <a:spLocks noGrp="1"/>
           </p:cNvSpPr>
@@ -2690,8 +2520,8 @@
         </p:nvSpPr>
         <p:spPr>
           <a:xfrm>
-            <a:off x="6226200" y="4098240"/>
-            <a:ext cx="5131080" cy="2075040"/>
+            <a:off x="6231960" y="3682080"/>
+            <a:ext cx="5354280" cy="1896840"/>
           </a:xfrm>
           <a:prstGeom prst="rect">
             <a:avLst/>
@@ -2702,11 +2532,8 @@
             <a:normAutofit/>
           </a:bodyPr>
           <a:p>
-            <a:endParaRPr b="0" lang="de-DE" sz="2800" spc="-1" strike="noStrike">
-              <a:solidFill>
-                <a:srgbClr val="000000"/>
-              </a:solidFill>
-              <a:latin typeface="Calibri"/>
+            <a:endParaRPr b="0" lang="de-DE" sz="3200" spc="-1" strike="noStrike">
+              <a:latin typeface="Arial"/>
             </a:endParaRPr>
           </a:p>
         </p:txBody>
@@ -2735,7 +2562,7 @@
       </p:grpSpPr>
       <p:sp>
         <p:nvSpPr>
-          <p:cNvPr id="22" name="PlaceHolder 1"/>
+          <p:cNvPr id="19" name="PlaceHolder 1"/>
           <p:cNvSpPr>
             <a:spLocks noGrp="1"/>
           </p:cNvSpPr>
@@ -2745,8 +2572,8 @@
         </p:nvSpPr>
         <p:spPr>
           <a:xfrm>
-            <a:off x="838080" y="365040"/>
-            <a:ext cx="10515240" cy="1325160"/>
+            <a:off x="609480" y="273600"/>
+            <a:ext cx="10972440" cy="1144800"/>
           </a:xfrm>
           <a:prstGeom prst="rect">
             <a:avLst/>
@@ -2755,18 +2582,16 @@
         <p:txBody>
           <a:bodyPr lIns="0" rIns="0" tIns="0" bIns="0" anchor="ctr"/>
           <a:p>
-            <a:endParaRPr b="0" lang="de-DE" sz="1800" spc="-1" strike="noStrike">
-              <a:solidFill>
-                <a:srgbClr val="000000"/>
-              </a:solidFill>
-              <a:latin typeface="Calibri"/>
+            <a:pPr algn="ctr"/>
+            <a:endParaRPr b="0" lang="de-DE" sz="4400" spc="-1" strike="noStrike">
+              <a:latin typeface="Arial"/>
             </a:endParaRPr>
           </a:p>
         </p:txBody>
       </p:sp>
       <p:sp>
         <p:nvSpPr>
-          <p:cNvPr id="23" name="PlaceHolder 2"/>
+          <p:cNvPr id="20" name="PlaceHolder 2"/>
           <p:cNvSpPr>
             <a:spLocks noGrp="1"/>
           </p:cNvSpPr>
@@ -2776,8 +2601,8 @@
         </p:nvSpPr>
         <p:spPr>
           <a:xfrm>
-            <a:off x="838080" y="1825560"/>
-            <a:ext cx="5131080" cy="2075040"/>
+            <a:off x="609480" y="1604520"/>
+            <a:ext cx="5354280" cy="1896840"/>
           </a:xfrm>
           <a:prstGeom prst="rect">
             <a:avLst/>
@@ -2788,18 +2613,15 @@
             <a:normAutofit/>
           </a:bodyPr>
           <a:p>
-            <a:endParaRPr b="0" lang="de-DE" sz="2800" spc="-1" strike="noStrike">
-              <a:solidFill>
-                <a:srgbClr val="000000"/>
-              </a:solidFill>
-              <a:latin typeface="Calibri"/>
+            <a:endParaRPr b="0" lang="de-DE" sz="3200" spc="-1" strike="noStrike">
+              <a:latin typeface="Arial"/>
             </a:endParaRPr>
           </a:p>
         </p:txBody>
       </p:sp>
       <p:sp>
         <p:nvSpPr>
-          <p:cNvPr id="24" name="PlaceHolder 3"/>
+          <p:cNvPr id="21" name="PlaceHolder 3"/>
           <p:cNvSpPr>
             <a:spLocks noGrp="1"/>
           </p:cNvSpPr>
@@ -2809,8 +2631,8 @@
         </p:nvSpPr>
         <p:spPr>
           <a:xfrm>
-            <a:off x="6226200" y="1825560"/>
-            <a:ext cx="5131080" cy="2075040"/>
+            <a:off x="6231960" y="1604520"/>
+            <a:ext cx="5354280" cy="1896840"/>
           </a:xfrm>
           <a:prstGeom prst="rect">
             <a:avLst/>
@@ -2821,18 +2643,15 @@
             <a:normAutofit/>
           </a:bodyPr>
           <a:p>
-            <a:endParaRPr b="0" lang="de-DE" sz="2800" spc="-1" strike="noStrike">
-              <a:solidFill>
-                <a:srgbClr val="000000"/>
-              </a:solidFill>
-              <a:latin typeface="Calibri"/>
+            <a:endParaRPr b="0" lang="de-DE" sz="3200" spc="-1" strike="noStrike">
+              <a:latin typeface="Arial"/>
             </a:endParaRPr>
           </a:p>
         </p:txBody>
       </p:sp>
       <p:sp>
         <p:nvSpPr>
-          <p:cNvPr id="25" name="PlaceHolder 4"/>
+          <p:cNvPr id="22" name="PlaceHolder 4"/>
           <p:cNvSpPr>
             <a:spLocks noGrp="1"/>
           </p:cNvSpPr>
@@ -2842,8 +2661,8 @@
         </p:nvSpPr>
         <p:spPr>
           <a:xfrm>
-            <a:off x="838080" y="4098240"/>
-            <a:ext cx="10515240" cy="2075040"/>
+            <a:off x="609480" y="3682080"/>
+            <a:ext cx="10972440" cy="1896840"/>
           </a:xfrm>
           <a:prstGeom prst="rect">
             <a:avLst/>
@@ -2854,11 +2673,8 @@
             <a:normAutofit/>
           </a:bodyPr>
           <a:p>
-            <a:endParaRPr b="0" lang="de-DE" sz="2800" spc="-1" strike="noStrike">
-              <a:solidFill>
-                <a:srgbClr val="000000"/>
-              </a:solidFill>
-              <a:latin typeface="Calibri"/>
+            <a:endParaRPr b="0" lang="de-DE" sz="3200" spc="-1" strike="noStrike">
+              <a:latin typeface="Arial"/>
             </a:endParaRPr>
           </a:p>
         </p:txBody>
@@ -2904,35 +2720,24 @@
         </p:nvSpPr>
         <p:spPr>
           <a:xfrm>
-            <a:off x="1523880" y="1122480"/>
-            <a:ext cx="9143640" cy="2387160"/>
+            <a:off x="838080" y="365040"/>
+            <a:ext cx="10514880" cy="1324800"/>
           </a:xfrm>
           <a:prstGeom prst="rect">
             <a:avLst/>
           </a:prstGeom>
         </p:spPr>
         <p:txBody>
-          <a:bodyPr anchor="b"/>
+          <a:bodyPr lIns="0" rIns="0" tIns="0" bIns="0" anchor="ctr"/>
           <a:p>
-            <a:pPr algn="ctr">
-              <a:lnSpc>
-                <a:spcPct val="90000"/>
-              </a:lnSpc>
-            </a:pPr>
             <a:r>
-              <a:rPr b="0" lang="de-DE" sz="6000" spc="-1" strike="noStrike">
-                <a:solidFill>
-                  <a:srgbClr val="000000"/>
-                </a:solidFill>
-                <a:latin typeface="Calibri Light"/>
+              <a:rPr b="0" lang="de-DE" sz="1800" spc="-1" strike="noStrike">
+                <a:latin typeface="Arial"/>
               </a:rPr>
-              <a:t>Mastertitelformat bearbeiten</a:t>
+              <a:t>Format des Titeltextes durch Klicken bearbeiten</a:t>
             </a:r>
-            <a:endParaRPr b="0" lang="de-DE" sz="6000" spc="-1" strike="noStrike">
-              <a:solidFill>
-                <a:srgbClr val="000000"/>
-              </a:solidFill>
-              <a:latin typeface="Calibri"/>
+            <a:endParaRPr b="0" lang="de-DE" sz="1800" spc="-1" strike="noStrike">
+              <a:latin typeface="Arial"/>
             </a:endParaRPr>
           </a:p>
         </p:txBody>
@@ -2940,118 +2745,6 @@
       <p:sp>
         <p:nvSpPr>
           <p:cNvPr id="1" name="PlaceHolder 2"/>
-          <p:cNvSpPr>
-            <a:spLocks noGrp="1"/>
-          </p:cNvSpPr>
-          <p:nvPr>
-            <p:ph type="dt"/>
-          </p:nvPr>
-        </p:nvSpPr>
-        <p:spPr>
-          <a:xfrm>
-            <a:off x="838080" y="6356520"/>
-            <a:ext cx="2742840" cy="364680"/>
-          </a:xfrm>
-          <a:prstGeom prst="rect">
-            <a:avLst/>
-          </a:prstGeom>
-        </p:spPr>
-        <p:txBody>
-          <a:bodyPr anchor="ctr"/>
-          <a:p>
-            <a:pPr>
-              <a:lnSpc>
-                <a:spcPct val="100000"/>
-              </a:lnSpc>
-            </a:pPr>
-            <a:fld id="{3354265C-7B58-406B-B4B5-7CE8B9CA67C0}" type="datetime">
-              <a:rPr b="0" lang="de-DE" sz="1200" spc="-1" strike="noStrike">
-                <a:solidFill>
-                  <a:srgbClr val="8b8b8b"/>
-                </a:solidFill>
-                <a:latin typeface="Calibri"/>
-              </a:rPr>
-              <a:t>13.05.19</a:t>
-            </a:fld>
-            <a:endParaRPr b="0" lang="de-DE" sz="1200" spc="-1" strike="noStrike">
-              <a:latin typeface="Times New Roman"/>
-            </a:endParaRPr>
-          </a:p>
-        </p:txBody>
-      </p:sp>
-      <p:sp>
-        <p:nvSpPr>
-          <p:cNvPr id="2" name="PlaceHolder 3"/>
-          <p:cNvSpPr>
-            <a:spLocks noGrp="1"/>
-          </p:cNvSpPr>
-          <p:nvPr>
-            <p:ph type="ftr"/>
-          </p:nvPr>
-        </p:nvSpPr>
-        <p:spPr>
-          <a:xfrm>
-            <a:off x="4038480" y="6356520"/>
-            <a:ext cx="4114440" cy="364680"/>
-          </a:xfrm>
-          <a:prstGeom prst="rect">
-            <a:avLst/>
-          </a:prstGeom>
-        </p:spPr>
-        <p:txBody>
-          <a:bodyPr anchor="ctr"/>
-          <a:p>
-            <a:endParaRPr b="0" lang="de-DE" sz="2400" spc="-1" strike="noStrike">
-              <a:latin typeface="Times New Roman"/>
-            </a:endParaRPr>
-          </a:p>
-        </p:txBody>
-      </p:sp>
-      <p:sp>
-        <p:nvSpPr>
-          <p:cNvPr id="3" name="PlaceHolder 4"/>
-          <p:cNvSpPr>
-            <a:spLocks noGrp="1"/>
-          </p:cNvSpPr>
-          <p:nvPr>
-            <p:ph type="sldNum"/>
-          </p:nvPr>
-        </p:nvSpPr>
-        <p:spPr>
-          <a:xfrm>
-            <a:off x="8610480" y="6356520"/>
-            <a:ext cx="2742840" cy="364680"/>
-          </a:xfrm>
-          <a:prstGeom prst="rect">
-            <a:avLst/>
-          </a:prstGeom>
-        </p:spPr>
-        <p:txBody>
-          <a:bodyPr anchor="ctr"/>
-          <a:p>
-            <a:pPr algn="r">
-              <a:lnSpc>
-                <a:spcPct val="100000"/>
-              </a:lnSpc>
-            </a:pPr>
-            <a:fld id="{4952A301-3673-4D94-B099-C869DD697493}" type="slidenum">
-              <a:rPr b="0" lang="de-DE" sz="1200" spc="-1" strike="noStrike">
-                <a:solidFill>
-                  <a:srgbClr val="8b8b8b"/>
-                </a:solidFill>
-                <a:latin typeface="Calibri"/>
-              </a:rPr>
-              <a:t>1</a:t>
-            </a:fld>
-            <a:endParaRPr b="0" lang="de-DE" sz="1200" spc="-1" strike="noStrike">
-              <a:latin typeface="Times New Roman"/>
-            </a:endParaRPr>
-          </a:p>
-        </p:txBody>
-      </p:sp>
-      <p:sp>
-        <p:nvSpPr>
-          <p:cNvPr id="4" name="PlaceHolder 5"/>
           <p:cNvSpPr>
             <a:spLocks noGrp="1"/>
           </p:cNvSpPr>
@@ -3085,19 +2778,13 @@
               <a:buChar char=""/>
             </a:pPr>
             <a:r>
-              <a:rPr b="0" lang="de-DE" sz="2800" spc="-1" strike="noStrike">
-                <a:solidFill>
-                  <a:srgbClr val="000000"/>
-                </a:solidFill>
-                <a:latin typeface="Calibri"/>
+              <a:rPr b="0" lang="de-DE" sz="3200" spc="-1" strike="noStrike">
+                <a:latin typeface="Arial"/>
               </a:rPr>
               <a:t>Format des Gliederungstextes durch Klicken bearbeiten</a:t>
             </a:r>
-            <a:endParaRPr b="0" lang="de-DE" sz="2800" spc="-1" strike="noStrike">
-              <a:solidFill>
-                <a:srgbClr val="000000"/>
-              </a:solidFill>
-              <a:latin typeface="Calibri"/>
+            <a:endParaRPr b="0" lang="de-DE" sz="3200" spc="-1" strike="noStrike">
+              <a:latin typeface="Arial"/>
             </a:endParaRPr>
           </a:p>
           <a:p>
@@ -3113,19 +2800,13 @@
               <a:buChar char=""/>
             </a:pPr>
             <a:r>
-              <a:rPr b="0" lang="de-DE" sz="2000" spc="-1" strike="noStrike">
-                <a:solidFill>
-                  <a:srgbClr val="000000"/>
-                </a:solidFill>
-                <a:latin typeface="Calibri"/>
+              <a:rPr b="0" lang="de-DE" sz="2800" spc="-1" strike="noStrike">
+                <a:latin typeface="Arial"/>
               </a:rPr>
               <a:t>Zweite Gliederungsebene</a:t>
             </a:r>
-            <a:endParaRPr b="0" lang="de-DE" sz="2000" spc="-1" strike="noStrike">
-              <a:solidFill>
-                <a:srgbClr val="000000"/>
-              </a:solidFill>
-              <a:latin typeface="Calibri"/>
+            <a:endParaRPr b="0" lang="de-DE" sz="2800" spc="-1" strike="noStrike">
+              <a:latin typeface="Arial"/>
             </a:endParaRPr>
           </a:p>
           <a:p>
@@ -3141,19 +2822,13 @@
               <a:buChar char=""/>
             </a:pPr>
             <a:r>
-              <a:rPr b="0" lang="de-DE" sz="1800" spc="-1" strike="noStrike">
-                <a:solidFill>
-                  <a:srgbClr val="000000"/>
-                </a:solidFill>
-                <a:latin typeface="Calibri"/>
+              <a:rPr b="0" lang="de-DE" sz="2400" spc="-1" strike="noStrike">
+                <a:latin typeface="Arial"/>
               </a:rPr>
               <a:t>Dritte Gliederungsebene</a:t>
             </a:r>
-            <a:endParaRPr b="0" lang="de-DE" sz="1800" spc="-1" strike="noStrike">
-              <a:solidFill>
-                <a:srgbClr val="000000"/>
-              </a:solidFill>
-              <a:latin typeface="Calibri"/>
+            <a:endParaRPr b="0" lang="de-DE" sz="2400" spc="-1" strike="noStrike">
+              <a:latin typeface="Arial"/>
             </a:endParaRPr>
           </a:p>
           <a:p>
@@ -3169,19 +2844,13 @@
               <a:buChar char=""/>
             </a:pPr>
             <a:r>
-              <a:rPr b="0" lang="de-DE" sz="1800" spc="-1" strike="noStrike">
-                <a:solidFill>
-                  <a:srgbClr val="000000"/>
-                </a:solidFill>
-                <a:latin typeface="Calibri"/>
+              <a:rPr b="0" lang="de-DE" sz="2000" spc="-1" strike="noStrike">
+                <a:latin typeface="Arial"/>
               </a:rPr>
               <a:t>Vierte Gliederungsebene</a:t>
             </a:r>
-            <a:endParaRPr b="0" lang="de-DE" sz="1800" spc="-1" strike="noStrike">
-              <a:solidFill>
-                <a:srgbClr val="000000"/>
-              </a:solidFill>
-              <a:latin typeface="Calibri"/>
+            <a:endParaRPr b="0" lang="de-DE" sz="2000" spc="-1" strike="noStrike">
+              <a:latin typeface="Arial"/>
             </a:endParaRPr>
           </a:p>
           <a:p>
@@ -3198,18 +2867,12 @@
             </a:pPr>
             <a:r>
               <a:rPr b="0" lang="de-DE" sz="2000" spc="-1" strike="noStrike">
-                <a:solidFill>
-                  <a:srgbClr val="000000"/>
-                </a:solidFill>
-                <a:latin typeface="Calibri"/>
+                <a:latin typeface="Arial"/>
               </a:rPr>
               <a:t>Fünfte Gliederungsebene</a:t>
             </a:r>
             <a:endParaRPr b="0" lang="de-DE" sz="2000" spc="-1" strike="noStrike">
-              <a:solidFill>
-                <a:srgbClr val="000000"/>
-              </a:solidFill>
-              <a:latin typeface="Calibri"/>
+              <a:latin typeface="Arial"/>
             </a:endParaRPr>
           </a:p>
           <a:p>
@@ -3226,18 +2889,12 @@
             </a:pPr>
             <a:r>
               <a:rPr b="0" lang="de-DE" sz="2000" spc="-1" strike="noStrike">
-                <a:solidFill>
-                  <a:srgbClr val="000000"/>
-                </a:solidFill>
-                <a:latin typeface="Calibri"/>
+                <a:latin typeface="Arial"/>
               </a:rPr>
               <a:t>Sechste Gliederungsebene</a:t>
             </a:r>
             <a:endParaRPr b="0" lang="de-DE" sz="2000" spc="-1" strike="noStrike">
-              <a:solidFill>
-                <a:srgbClr val="000000"/>
-              </a:solidFill>
-              <a:latin typeface="Calibri"/>
+              <a:latin typeface="Arial"/>
             </a:endParaRPr>
           </a:p>
           <a:p>
@@ -3254,18 +2911,12 @@
             </a:pPr>
             <a:r>
               <a:rPr b="0" lang="de-DE" sz="2000" spc="-1" strike="noStrike">
-                <a:solidFill>
-                  <a:srgbClr val="000000"/>
-                </a:solidFill>
-                <a:latin typeface="Calibri"/>
+                <a:latin typeface="Arial"/>
               </a:rPr>
               <a:t>Siebte Gliederungsebene</a:t>
             </a:r>
             <a:endParaRPr b="0" lang="de-DE" sz="2000" spc="-1" strike="noStrike">
-              <a:solidFill>
-                <a:srgbClr val="000000"/>
-              </a:solidFill>
-              <a:latin typeface="Calibri"/>
+              <a:latin typeface="Arial"/>
             </a:endParaRPr>
           </a:p>
         </p:txBody>
@@ -3316,7 +2967,7 @@
       </p:grpSpPr>
       <p:sp>
         <p:nvSpPr>
-          <p:cNvPr id="41" name="PlaceHolder 1"/>
+          <p:cNvPr id="38" name="PlaceHolder 1"/>
           <p:cNvSpPr>
             <a:spLocks noGrp="1"/>
           </p:cNvSpPr>
@@ -3326,42 +2977,32 @@
         </p:nvSpPr>
         <p:spPr>
           <a:xfrm>
-            <a:off x="838080" y="365040"/>
-            <a:ext cx="10515240" cy="1325160"/>
+            <a:off x="609480" y="273600"/>
+            <a:ext cx="10972440" cy="1144800"/>
           </a:xfrm>
           <a:prstGeom prst="rect">
             <a:avLst/>
           </a:prstGeom>
         </p:spPr>
         <p:txBody>
-          <a:bodyPr anchor="ctr"/>
+          <a:bodyPr lIns="0" rIns="0" tIns="0" bIns="0" anchor="ctr"/>
           <a:p>
-            <a:pPr>
-              <a:lnSpc>
-                <a:spcPct val="90000"/>
-              </a:lnSpc>
-            </a:pPr>
+            <a:pPr algn="ctr"/>
             <a:r>
               <a:rPr b="0" lang="de-DE" sz="4400" spc="-1" strike="noStrike">
-                <a:solidFill>
-                  <a:srgbClr val="000000"/>
-                </a:solidFill>
-                <a:latin typeface="Calibri Light"/>
+                <a:latin typeface="Arial"/>
               </a:rPr>
-              <a:t>Mastertitelformat bearbeiten</a:t>
+              <a:t>Format des Titeltextes durch Klicken bearbeiten</a:t>
             </a:r>
             <a:endParaRPr b="0" lang="de-DE" sz="4400" spc="-1" strike="noStrike">
-              <a:solidFill>
-                <a:srgbClr val="000000"/>
-              </a:solidFill>
-              <a:latin typeface="Calibri"/>
+              <a:latin typeface="Arial"/>
             </a:endParaRPr>
           </a:p>
         </p:txBody>
       </p:sp>
       <p:sp>
         <p:nvSpPr>
-          <p:cNvPr id="42" name="PlaceHolder 2"/>
+          <p:cNvPr id="39" name="PlaceHolder 2"/>
           <p:cNvSpPr>
             <a:spLocks noGrp="1"/>
           </p:cNvSpPr>
@@ -3371,275 +3012,169 @@
         </p:nvSpPr>
         <p:spPr>
           <a:xfrm>
-            <a:off x="838080" y="1825560"/>
-            <a:ext cx="10515240" cy="4350960"/>
+            <a:off x="609480" y="1604520"/>
+            <a:ext cx="10972440" cy="3977280"/>
           </a:xfrm>
           <a:prstGeom prst="rect">
             <a:avLst/>
           </a:prstGeom>
         </p:spPr>
         <p:txBody>
-          <a:bodyPr/>
+          <a:bodyPr lIns="0" rIns="0" tIns="0" bIns="0">
+            <a:normAutofit/>
+          </a:bodyPr>
           <a:p>
-            <a:pPr marL="228600" indent="-228240">
-              <a:lnSpc>
-                <a:spcPct val="90000"/>
-              </a:lnSpc>
+            <a:pPr marL="432000" indent="-324000">
               <a:spcBef>
-                <a:spcPts val="1001"/>
+                <a:spcPts val="1417"/>
               </a:spcBef>
               <a:buClr>
                 <a:srgbClr val="000000"/>
               </a:buClr>
-              <a:buFont typeface="Arial"/>
-              <a:buChar char="•"/>
+              <a:buSzPct val="45000"/>
+              <a:buFont typeface="Wingdings" charset="2"/>
+              <a:buChar char=""/>
             </a:pPr>
             <a:r>
-              <a:rPr b="0" lang="de-DE" sz="2800" spc="-1" strike="noStrike">
-                <a:solidFill>
-                  <a:srgbClr val="000000"/>
-                </a:solidFill>
-                <a:latin typeface="Calibri"/>
+              <a:rPr b="0" lang="de-DE" sz="3200" spc="-1" strike="noStrike">
+                <a:latin typeface="Arial"/>
               </a:rPr>
-              <a:t>Mastertextformat bearbeiten</a:t>
+              <a:t>Format des Gliederungstextes durch Klicken bearbeiten</a:t>
             </a:r>
-            <a:endParaRPr b="0" lang="de-DE" sz="2800" spc="-1" strike="noStrike">
-              <a:solidFill>
-                <a:srgbClr val="000000"/>
-              </a:solidFill>
-              <a:latin typeface="Calibri"/>
+            <a:endParaRPr b="0" lang="de-DE" sz="3200" spc="-1" strike="noStrike">
+              <a:latin typeface="Arial"/>
             </a:endParaRPr>
           </a:p>
           <a:p>
-            <a:pPr lvl="1" marL="685800" indent="-228240">
-              <a:lnSpc>
-                <a:spcPct val="90000"/>
-              </a:lnSpc>
+            <a:pPr lvl="1" marL="864000" indent="-324000">
               <a:spcBef>
-                <a:spcPts val="499"/>
+                <a:spcPts val="1134"/>
               </a:spcBef>
               <a:buClr>
                 <a:srgbClr val="000000"/>
               </a:buClr>
-              <a:buFont typeface="Arial"/>
-              <a:buChar char="•"/>
+              <a:buSzPct val="75000"/>
+              <a:buFont typeface="Symbol" charset="2"/>
+              <a:buChar char=""/>
             </a:pPr>
             <a:r>
-              <a:rPr b="0" lang="de-DE" sz="2400" spc="-1" strike="noStrike">
-                <a:solidFill>
-                  <a:srgbClr val="000000"/>
-                </a:solidFill>
-                <a:latin typeface="Calibri"/>
+              <a:rPr b="0" lang="de-DE" sz="2800" spc="-1" strike="noStrike">
+                <a:latin typeface="Arial"/>
               </a:rPr>
-              <a:t>Zweite Ebene</a:t>
+              <a:t>Zweite Gliederungsebene</a:t>
             </a:r>
-            <a:endParaRPr b="0" lang="de-DE" sz="2400" spc="-1" strike="noStrike">
-              <a:solidFill>
-                <a:srgbClr val="000000"/>
-              </a:solidFill>
-              <a:latin typeface="Calibri"/>
+            <a:endParaRPr b="0" lang="de-DE" sz="2800" spc="-1" strike="noStrike">
+              <a:latin typeface="Arial"/>
             </a:endParaRPr>
           </a:p>
           <a:p>
-            <a:pPr lvl="2" marL="1143000" indent="-228240">
-              <a:lnSpc>
-                <a:spcPct val="90000"/>
-              </a:lnSpc>
+            <a:pPr lvl="2" marL="1296000" indent="-288000">
               <a:spcBef>
-                <a:spcPts val="499"/>
+                <a:spcPts val="850"/>
               </a:spcBef>
               <a:buClr>
                 <a:srgbClr val="000000"/>
               </a:buClr>
-              <a:buFont typeface="Arial"/>
-              <a:buChar char="•"/>
+              <a:buSzPct val="45000"/>
+              <a:buFont typeface="Wingdings" charset="2"/>
+              <a:buChar char=""/>
             </a:pPr>
             <a:r>
-              <a:rPr b="0" lang="de-DE" sz="2000" spc="-1" strike="noStrike">
-                <a:solidFill>
-                  <a:srgbClr val="000000"/>
-                </a:solidFill>
-                <a:latin typeface="Calibri"/>
+              <a:rPr b="0" lang="de-DE" sz="2400" spc="-1" strike="noStrike">
+                <a:latin typeface="Arial"/>
               </a:rPr>
-              <a:t>Dritte Ebene</a:t>
+              <a:t>Dritte Gliederungsebene</a:t>
             </a:r>
-            <a:endParaRPr b="0" lang="de-DE" sz="2000" spc="-1" strike="noStrike">
-              <a:solidFill>
-                <a:srgbClr val="000000"/>
-              </a:solidFill>
-              <a:latin typeface="Calibri"/>
+            <a:endParaRPr b="0" lang="de-DE" sz="2400" spc="-1" strike="noStrike">
+              <a:latin typeface="Arial"/>
             </a:endParaRPr>
           </a:p>
           <a:p>
-            <a:pPr lvl="3" marL="1600200" indent="-228240">
-              <a:lnSpc>
-                <a:spcPct val="90000"/>
-              </a:lnSpc>
+            <a:pPr lvl="3" marL="1728000" indent="-216000">
               <a:spcBef>
-                <a:spcPts val="499"/>
+                <a:spcPts val="567"/>
               </a:spcBef>
               <a:buClr>
                 <a:srgbClr val="000000"/>
               </a:buClr>
-              <a:buFont typeface="Arial"/>
-              <a:buChar char="•"/>
+              <a:buSzPct val="75000"/>
+              <a:buFont typeface="Symbol" charset="2"/>
+              <a:buChar char=""/>
             </a:pPr>
             <a:r>
-              <a:rPr b="0" lang="de-DE" sz="1800" spc="-1" strike="noStrike">
-                <a:solidFill>
-                  <a:srgbClr val="000000"/>
-                </a:solidFill>
-                <a:latin typeface="Calibri"/>
+              <a:rPr b="0" lang="de-DE" sz="2000" spc="-1" strike="noStrike">
+                <a:latin typeface="Arial"/>
               </a:rPr>
-              <a:t>Vierte Ebene</a:t>
+              <a:t>Vierte Gliederungsebene</a:t>
             </a:r>
-            <a:endParaRPr b="0" lang="de-DE" sz="1800" spc="-1" strike="noStrike">
-              <a:solidFill>
-                <a:srgbClr val="000000"/>
-              </a:solidFill>
-              <a:latin typeface="Calibri"/>
+            <a:endParaRPr b="0" lang="de-DE" sz="2000" spc="-1" strike="noStrike">
+              <a:latin typeface="Arial"/>
             </a:endParaRPr>
           </a:p>
           <a:p>
-            <a:pPr lvl="4" marL="2057400" indent="-228240">
-              <a:lnSpc>
-                <a:spcPct val="90000"/>
-              </a:lnSpc>
+            <a:pPr lvl="4" marL="2160000" indent="-216000">
               <a:spcBef>
-                <a:spcPts val="499"/>
+                <a:spcPts val="283"/>
               </a:spcBef>
               <a:buClr>
                 <a:srgbClr val="000000"/>
               </a:buClr>
-              <a:buFont typeface="Arial"/>
-              <a:buChar char="•"/>
+              <a:buSzPct val="45000"/>
+              <a:buFont typeface="Wingdings" charset="2"/>
+              <a:buChar char=""/>
             </a:pPr>
             <a:r>
-              <a:rPr b="0" lang="de-DE" sz="1800" spc="-1" strike="noStrike">
-                <a:solidFill>
-                  <a:srgbClr val="000000"/>
-                </a:solidFill>
-                <a:latin typeface="Calibri"/>
+              <a:rPr b="0" lang="de-DE" sz="2000" spc="-1" strike="noStrike">
+                <a:latin typeface="Arial"/>
               </a:rPr>
-              <a:t>Fünfte Ebene</a:t>
+              <a:t>Fünfte Gliederungsebene</a:t>
             </a:r>
-            <a:endParaRPr b="0" lang="de-DE" sz="1800" spc="-1" strike="noStrike">
-              <a:solidFill>
-                <a:srgbClr val="000000"/>
-              </a:solidFill>
-              <a:latin typeface="Calibri"/>
+            <a:endParaRPr b="0" lang="de-DE" sz="2000" spc="-1" strike="noStrike">
+              <a:latin typeface="Arial"/>
             </a:endParaRPr>
           </a:p>
-        </p:txBody>
-      </p:sp>
-      <p:sp>
-        <p:nvSpPr>
-          <p:cNvPr id="43" name="PlaceHolder 3"/>
-          <p:cNvSpPr>
-            <a:spLocks noGrp="1"/>
-          </p:cNvSpPr>
-          <p:nvPr>
-            <p:ph type="dt"/>
-          </p:nvPr>
-        </p:nvSpPr>
-        <p:spPr>
-          <a:xfrm>
-            <a:off x="838080" y="6356520"/>
-            <a:ext cx="2742840" cy="364680"/>
-          </a:xfrm>
-          <a:prstGeom prst="rect">
-            <a:avLst/>
-          </a:prstGeom>
-        </p:spPr>
-        <p:txBody>
-          <a:bodyPr anchor="ctr"/>
           <a:p>
-            <a:pPr>
-              <a:lnSpc>
-                <a:spcPct val="100000"/>
-              </a:lnSpc>
+            <a:pPr lvl="5" marL="2592000" indent="-216000">
+              <a:spcBef>
+                <a:spcPts val="283"/>
+              </a:spcBef>
+              <a:buClr>
+                <a:srgbClr val="000000"/>
+              </a:buClr>
+              <a:buSzPct val="45000"/>
+              <a:buFont typeface="Wingdings" charset="2"/>
+              <a:buChar char=""/>
             </a:pPr>
-            <a:fld id="{A007B02B-4660-4BA2-879F-8366122B0548}" type="datetime">
-              <a:rPr b="0" lang="de-DE" sz="1200" spc="-1" strike="noStrike">
-                <a:solidFill>
-                  <a:srgbClr val="8b8b8b"/>
-                </a:solidFill>
-                <a:latin typeface="Calibri"/>
+            <a:r>
+              <a:rPr b="0" lang="de-DE" sz="2000" spc="-1" strike="noStrike">
+                <a:latin typeface="Arial"/>
               </a:rPr>
-              <a:t>13.05.19</a:t>
-            </a:fld>
-            <a:endParaRPr b="0" lang="de-DE" sz="1200" spc="-1" strike="noStrike">
-              <a:latin typeface="Times New Roman"/>
+              <a:t>Sechste Gliederungsebene</a:t>
+            </a:r>
+            <a:endParaRPr b="0" lang="de-DE" sz="2000" spc="-1" strike="noStrike">
+              <a:latin typeface="Arial"/>
             </a:endParaRPr>
           </a:p>
-        </p:txBody>
-      </p:sp>
-      <p:sp>
-        <p:nvSpPr>
-          <p:cNvPr id="44" name="PlaceHolder 4"/>
-          <p:cNvSpPr>
-            <a:spLocks noGrp="1"/>
-          </p:cNvSpPr>
-          <p:nvPr>
-            <p:ph type="ftr"/>
-          </p:nvPr>
-        </p:nvSpPr>
-        <p:spPr>
-          <a:xfrm>
-            <a:off x="4038480" y="6356520"/>
-            <a:ext cx="4114440" cy="364680"/>
-          </a:xfrm>
-          <a:prstGeom prst="rect">
-            <a:avLst/>
-          </a:prstGeom>
-        </p:spPr>
-        <p:txBody>
-          <a:bodyPr anchor="ctr"/>
           <a:p>
-            <a:endParaRPr b="0" lang="de-DE" sz="2400" spc="-1" strike="noStrike">
-              <a:latin typeface="Times New Roman"/>
-            </a:endParaRPr>
-          </a:p>
-        </p:txBody>
-      </p:sp>
-      <p:sp>
-        <p:nvSpPr>
-          <p:cNvPr id="45" name="PlaceHolder 5"/>
-          <p:cNvSpPr>
-            <a:spLocks noGrp="1"/>
-          </p:cNvSpPr>
-          <p:nvPr>
-            <p:ph type="sldNum"/>
-          </p:nvPr>
-        </p:nvSpPr>
-        <p:spPr>
-          <a:xfrm>
-            <a:off x="8610480" y="6356520"/>
-            <a:ext cx="2742840" cy="364680"/>
-          </a:xfrm>
-          <a:prstGeom prst="rect">
-            <a:avLst/>
-          </a:prstGeom>
-        </p:spPr>
-        <p:txBody>
-          <a:bodyPr anchor="ctr"/>
-          <a:p>
-            <a:pPr algn="r">
-              <a:lnSpc>
-                <a:spcPct val="100000"/>
-              </a:lnSpc>
+            <a:pPr lvl="6" marL="3024000" indent="-216000">
+              <a:spcBef>
+                <a:spcPts val="283"/>
+              </a:spcBef>
+              <a:buClr>
+                <a:srgbClr val="000000"/>
+              </a:buClr>
+              <a:buSzPct val="45000"/>
+              <a:buFont typeface="Wingdings" charset="2"/>
+              <a:buChar char=""/>
             </a:pPr>
-            <a:fld id="{CBBDDA72-2649-4ECD-81A5-4F791606A9C9}" type="slidenum">
-              <a:rPr b="0" lang="de-DE" sz="1200" spc="-1" strike="noStrike">
-                <a:solidFill>
-                  <a:srgbClr val="8b8b8b"/>
-                </a:solidFill>
-                <a:latin typeface="Calibri"/>
+            <a:r>
+              <a:rPr b="0" lang="de-DE" sz="2000" spc="-1" strike="noStrike">
+                <a:latin typeface="Arial"/>
               </a:rPr>
-              <a:t>1</a:t>
-            </a:fld>
-            <a:endParaRPr b="0" lang="de-DE" sz="1200" spc="-1" strike="noStrike">
-              <a:latin typeface="Times New Roman"/>
+              <a:t>Siebte Gliederungsebene</a:t>
+            </a:r>
+            <a:endParaRPr b="0" lang="de-DE" sz="2000" spc="-1" strike="noStrike">
+              <a:latin typeface="Arial"/>
             </a:endParaRPr>
           </a:p>
         </p:txBody>
@@ -3690,14 +3225,14 @@
       </p:grpSpPr>
       <p:sp>
         <p:nvSpPr>
-          <p:cNvPr id="82" name="CustomShape 1"/>
+          <p:cNvPr id="76" name="CustomShape 1"/>
           <p:cNvSpPr/>
           <p:nvPr/>
         </p:nvSpPr>
         <p:spPr>
           <a:xfrm>
             <a:off x="0" y="0"/>
-            <a:ext cx="5468040" cy="6857640"/>
+            <a:ext cx="5467680" cy="6857280"/>
           </a:xfrm>
           <a:prstGeom prst="rect">
             <a:avLst/>
@@ -3726,14 +3261,14 @@
       </p:sp>
       <p:sp>
         <p:nvSpPr>
-          <p:cNvPr id="83" name="TextShape 2"/>
-          <p:cNvSpPr txBox="1"/>
+          <p:cNvPr id="77" name="CustomShape 2"/>
+          <p:cNvSpPr/>
           <p:nvPr/>
         </p:nvSpPr>
         <p:spPr>
           <a:xfrm>
             <a:off x="634320" y="803880"/>
-            <a:ext cx="4208400" cy="3034440"/>
+            <a:ext cx="4208040" cy="3034080"/>
           </a:xfrm>
           <a:prstGeom prst="rect">
             <a:avLst/>
@@ -3743,8 +3278,14 @@
             <a:noFill/>
           </a:ln>
         </p:spPr>
+        <p:style>
+          <a:lnRef idx="0"/>
+          <a:fillRef idx="0"/>
+          <a:effectRef idx="0"/>
+          <a:fontRef idx="minor"/>
+        </p:style>
         <p:txBody>
-          <a:bodyPr anchor="b">
+          <a:bodyPr lIns="90000" rIns="90000" tIns="45000" bIns="45000" anchor="b">
             <a:normAutofit/>
           </a:bodyPr>
           <a:p>
@@ -3763,24 +3304,21 @@
               <a:t>K-means clustering – Project proposal</a:t>
             </a:r>
             <a:endParaRPr b="0" lang="de-DE" sz="5400" spc="-1" strike="noStrike">
-              <a:solidFill>
-                <a:srgbClr val="000000"/>
-              </a:solidFill>
-              <a:latin typeface="Calibri"/>
+              <a:latin typeface="Arial"/>
             </a:endParaRPr>
           </a:p>
         </p:txBody>
       </p:sp>
       <p:sp>
         <p:nvSpPr>
-          <p:cNvPr id="84" name="TextShape 3"/>
-          <p:cNvSpPr txBox="1"/>
+          <p:cNvPr id="78" name="CustomShape 3"/>
+          <p:cNvSpPr/>
           <p:nvPr/>
         </p:nvSpPr>
         <p:spPr>
           <a:xfrm>
             <a:off x="639000" y="4013280"/>
-            <a:ext cx="4203720" cy="2205360"/>
+            <a:ext cx="4203360" cy="2205000"/>
           </a:xfrm>
           <a:prstGeom prst="rect">
             <a:avLst/>
@@ -3790,8 +3328,14 @@
             <a:noFill/>
           </a:ln>
         </p:spPr>
+        <p:style>
+          <a:lnRef idx="0"/>
+          <a:fillRef idx="0"/>
+          <a:effectRef idx="0"/>
+          <a:fontRef idx="minor"/>
+        </p:style>
         <p:txBody>
-          <a:bodyPr>
+          <a:bodyPr lIns="90000" rIns="90000" tIns="45000" bIns="45000">
             <a:normAutofit/>
           </a:bodyPr>
           <a:p>
@@ -3803,7 +3347,7 @@
                 <a:spcPts val="1001"/>
               </a:spcBef>
             </a:pPr>
-            <a:endParaRPr b="0" lang="de-DE" sz="3200" spc="-1" strike="noStrike">
+            <a:endParaRPr b="0" lang="de-DE" sz="1800" spc="-1" strike="noStrike">
               <a:latin typeface="Arial"/>
             </a:endParaRPr>
           </a:p>
@@ -3855,7 +3399,7 @@
       </p:sp>
       <p:sp>
         <p:nvSpPr>
-          <p:cNvPr id="85" name="Line 4"/>
+          <p:cNvPr id="79" name="Line 4"/>
           <p:cNvSpPr/>
           <p:nvPr/>
         </p:nvSpPr>
@@ -3871,6 +3415,7 @@
             <a:solidFill>
               <a:srgbClr val="ffffff"/>
             </a:solidFill>
+            <a:round/>
           </a:ln>
         </p:spPr>
         <p:style>
@@ -3888,7 +3433,7 @@
       </p:sp>
       <p:pic>
         <p:nvPicPr>
-          <p:cNvPr id="86" name="Picture 6" descr=""/>
+          <p:cNvPr id="80" name="Picture 6" descr=""/>
           <p:cNvPicPr/>
           <p:nvPr/>
         </p:nvPicPr>
@@ -3899,7 +3444,7 @@
         <p:spPr>
           <a:xfrm>
             <a:off x="6233400" y="640080"/>
-            <a:ext cx="5184360" cy="5578560"/>
+            <a:ext cx="5184000" cy="5578200"/>
           </a:xfrm>
           <a:prstGeom prst="rect">
             <a:avLst/>
@@ -3960,14 +3505,14 @@
       </p:grpSpPr>
       <p:sp>
         <p:nvSpPr>
-          <p:cNvPr id="87" name="TextShape 1"/>
-          <p:cNvSpPr txBox="1"/>
+          <p:cNvPr id="81" name="CustomShape 1"/>
+          <p:cNvSpPr/>
           <p:nvPr/>
         </p:nvSpPr>
         <p:spPr>
           <a:xfrm>
             <a:off x="838080" y="365040"/>
-            <a:ext cx="10515240" cy="1325160"/>
+            <a:ext cx="10514880" cy="1324800"/>
           </a:xfrm>
           <a:prstGeom prst="rect">
             <a:avLst/>
@@ -3977,8 +3522,14 @@
             <a:noFill/>
           </a:ln>
         </p:spPr>
+        <p:style>
+          <a:lnRef idx="0"/>
+          <a:fillRef idx="0"/>
+          <a:effectRef idx="0"/>
+          <a:fontRef idx="minor"/>
+        </p:style>
         <p:txBody>
-          <a:bodyPr anchor="ctr"/>
+          <a:bodyPr lIns="90000" rIns="90000" tIns="45000" bIns="45000" anchor="ctr"/>
           <a:p>
             <a:pPr>
               <a:lnSpc>
@@ -3995,24 +3546,21 @@
               <a:t>A few questions</a:t>
             </a:r>
             <a:endParaRPr b="0" lang="de-DE" sz="4400" spc="-1" strike="noStrike">
-              <a:solidFill>
-                <a:srgbClr val="000000"/>
-              </a:solidFill>
-              <a:latin typeface="Calibri"/>
+              <a:latin typeface="Arial"/>
             </a:endParaRPr>
           </a:p>
         </p:txBody>
       </p:sp>
       <p:sp>
         <p:nvSpPr>
-          <p:cNvPr id="88" name="TextShape 2"/>
-          <p:cNvSpPr txBox="1"/>
+          <p:cNvPr id="82" name="CustomShape 2"/>
+          <p:cNvSpPr/>
           <p:nvPr/>
         </p:nvSpPr>
         <p:spPr>
           <a:xfrm>
             <a:off x="838080" y="1825560"/>
-            <a:ext cx="10515240" cy="4350960"/>
+            <a:ext cx="10514880" cy="4350600"/>
           </a:xfrm>
           <a:prstGeom prst="rect">
             <a:avLst/>
@@ -4022,10 +3570,16 @@
             <a:noFill/>
           </a:ln>
         </p:spPr>
+        <p:style>
+          <a:lnRef idx="0"/>
+          <a:fillRef idx="0"/>
+          <a:effectRef idx="0"/>
+          <a:fontRef idx="minor"/>
+        </p:style>
         <p:txBody>
-          <a:bodyPr/>
+          <a:bodyPr lIns="90000" rIns="90000" tIns="45000" bIns="45000"/>
           <a:p>
-            <a:pPr marL="228600" indent="-228240">
+            <a:pPr marL="228600" indent="-227880">
               <a:lnSpc>
                 <a:spcPct val="90000"/>
               </a:lnSpc>
@@ -4048,14 +3602,11 @@
               <a:t>Which algorithm for which type/ size of data?</a:t>
             </a:r>
             <a:endParaRPr b="0" lang="de-DE" sz="2800" spc="-1" strike="noStrike">
-              <a:solidFill>
-                <a:srgbClr val="000000"/>
-              </a:solidFill>
-              <a:latin typeface="Calibri"/>
+              <a:latin typeface="Arial"/>
             </a:endParaRPr>
           </a:p>
           <a:p>
-            <a:pPr marL="228600" indent="-228240">
+            <a:pPr marL="228600" indent="-227880">
               <a:lnSpc>
                 <a:spcPct val="90000"/>
               </a:lnSpc>
@@ -4078,14 +3629,11 @@
               <a:t>Limits of several algorithms?</a:t>
             </a:r>
             <a:endParaRPr b="0" lang="de-DE" sz="2800" spc="-1" strike="noStrike">
-              <a:solidFill>
-                <a:srgbClr val="000000"/>
-              </a:solidFill>
-              <a:latin typeface="Calibri"/>
+              <a:latin typeface="Arial"/>
             </a:endParaRPr>
           </a:p>
           <a:p>
-            <a:pPr marL="228600" indent="-228240">
+            <a:pPr marL="228600" indent="-227880">
               <a:lnSpc>
                 <a:spcPct val="90000"/>
               </a:lnSpc>
@@ -4108,10 +3656,7 @@
               <a:t>What could we predict if the clustered the data?</a:t>
             </a:r>
             <a:endParaRPr b="0" lang="de-DE" sz="2800" spc="-1" strike="noStrike">
-              <a:solidFill>
-                <a:srgbClr val="000000"/>
-              </a:solidFill>
-              <a:latin typeface="Calibri"/>
+              <a:latin typeface="Arial"/>
             </a:endParaRPr>
           </a:p>
           <a:p>
@@ -4124,10 +3669,7 @@
               </a:spcBef>
             </a:pPr>
             <a:endParaRPr b="0" lang="de-DE" sz="2800" spc="-1" strike="noStrike">
-              <a:solidFill>
-                <a:srgbClr val="000000"/>
-              </a:solidFill>
-              <a:latin typeface="Calibri"/>
+              <a:latin typeface="Arial"/>
             </a:endParaRPr>
           </a:p>
         </p:txBody>
@@ -4183,14 +3725,14 @@
       </p:grpSpPr>
       <p:sp>
         <p:nvSpPr>
-          <p:cNvPr id="89" name="TextShape 1"/>
-          <p:cNvSpPr txBox="1"/>
+          <p:cNvPr id="83" name="CustomShape 1"/>
+          <p:cNvSpPr/>
           <p:nvPr/>
         </p:nvSpPr>
         <p:spPr>
           <a:xfrm>
             <a:off x="838080" y="365040"/>
-            <a:ext cx="10515240" cy="1325160"/>
+            <a:ext cx="10514880" cy="1324800"/>
           </a:xfrm>
           <a:prstGeom prst="rect">
             <a:avLst/>
@@ -4200,8 +3742,14 @@
             <a:noFill/>
           </a:ln>
         </p:spPr>
+        <p:style>
+          <a:lnRef idx="0"/>
+          <a:fillRef idx="0"/>
+          <a:effectRef idx="0"/>
+          <a:fontRef idx="minor"/>
+        </p:style>
         <p:txBody>
-          <a:bodyPr anchor="ctr"/>
+          <a:bodyPr lIns="90000" rIns="90000" tIns="45000" bIns="45000" anchor="ctr"/>
           <a:p>
             <a:pPr>
               <a:lnSpc>
@@ -4218,24 +3766,21 @@
               <a:t>Data</a:t>
             </a:r>
             <a:endParaRPr b="0" lang="de-DE" sz="4400" spc="-1" strike="noStrike">
-              <a:solidFill>
-                <a:srgbClr val="000000"/>
-              </a:solidFill>
-              <a:latin typeface="Calibri"/>
+              <a:latin typeface="Arial"/>
             </a:endParaRPr>
           </a:p>
         </p:txBody>
       </p:sp>
       <p:sp>
         <p:nvSpPr>
-          <p:cNvPr id="90" name="TextShape 2"/>
-          <p:cNvSpPr txBox="1"/>
+          <p:cNvPr id="84" name="CustomShape 2"/>
+          <p:cNvSpPr/>
           <p:nvPr/>
         </p:nvSpPr>
         <p:spPr>
           <a:xfrm>
             <a:off x="838080" y="1825560"/>
-            <a:ext cx="10515240" cy="4350960"/>
+            <a:ext cx="10514880" cy="4350600"/>
           </a:xfrm>
           <a:prstGeom prst="rect">
             <a:avLst/>
@@ -4245,74 +3790,16 @@
             <a:noFill/>
           </a:ln>
         </p:spPr>
+        <p:style>
+          <a:lnRef idx="0"/>
+          <a:fillRef idx="0"/>
+          <a:effectRef idx="0"/>
+          <a:fontRef idx="minor"/>
+        </p:style>
         <p:txBody>
-          <a:bodyPr/>
+          <a:bodyPr lIns="90000" rIns="90000" tIns="45000" bIns="45000"/>
           <a:p>
-            <a:pPr marL="228600" indent="-228240">
-              <a:lnSpc>
-                <a:spcPct val="90000"/>
-              </a:lnSpc>
-              <a:spcBef>
-                <a:spcPts val="1001"/>
-              </a:spcBef>
-              <a:buClr>
-                <a:srgbClr val="000000"/>
-              </a:buClr>
-              <a:buFont typeface="Arial"/>
-              <a:buChar char="•"/>
-            </a:pPr>
-            <a:r>
-              <a:rPr b="0" lang="en-GB" sz="2800" spc="-1" strike="noStrike">
-                <a:solidFill>
-                  <a:srgbClr val="000000"/>
-                </a:solidFill>
-                <a:latin typeface="Calibri"/>
-              </a:rPr>
-              <a:t>gene</a:t>
-            </a:r>
-            <a:r>
-              <a:rPr b="0" lang="de-DE" sz="2800" spc="-1" strike="noStrike">
-                <a:solidFill>
-                  <a:srgbClr val="000000"/>
-                </a:solidFill>
-                <a:latin typeface="Calibri"/>
-              </a:rPr>
-              <a:t> e</a:t>
-            </a:r>
-            <a:r>
-              <a:rPr b="0" lang="de-DE" sz="2800" spc="-1" strike="noStrike">
-                <a:solidFill>
-                  <a:srgbClr val="000000"/>
-                </a:solidFill>
-                <a:latin typeface="Calibri"/>
-              </a:rPr>
-              <a:t>xpression</a:t>
-            </a:r>
-            <a:r>
-              <a:rPr b="0" lang="de-DE" sz="2800" spc="-1" strike="noStrike">
-                <a:solidFill>
-                  <a:srgbClr val="000000"/>
-                </a:solidFill>
-                <a:latin typeface="Calibri"/>
-              </a:rPr>
-              <a:t> of </a:t>
-            </a:r>
-            <a:r>
-              <a:rPr b="0" lang="de-DE" sz="2800" spc="-1" strike="noStrike">
-                <a:latin typeface="Calibri"/>
-                <a:ea typeface="Microsoft YaHei"/>
-              </a:rPr>
-              <a:t>Peripheral blood mononuclear cells (PBMCs) from a healthy donor</a:t>
-            </a:r>
-            <a:endParaRPr b="0" lang="de-DE" sz="2800" spc="-1" strike="noStrike">
-              <a:solidFill>
-                <a:srgbClr val="000000"/>
-              </a:solidFill>
-              <a:latin typeface="Calibri"/>
-            </a:endParaRPr>
-          </a:p>
-          <a:p>
-            <a:pPr marL="228600" indent="-228240">
+            <a:pPr marL="228600" indent="-227880">
               <a:lnSpc>
                 <a:spcPct val="90000"/>
               </a:lnSpc>
@@ -4327,20 +3814,29 @@
             </a:pPr>
             <a:r>
               <a:rPr b="0" lang="de-DE" sz="2800" spc="-1" strike="noStrike">
+                <a:solidFill>
+                  <a:srgbClr val="000000"/>
+                </a:solidFill>
+                <a:latin typeface="Calibri"/>
+              </a:rPr>
+              <a:t>gene expression of </a:t>
+            </a:r>
+            <a:r>
+              <a:rPr b="0" lang="de-DE" sz="2800" spc="-1" strike="noStrike">
+                <a:solidFill>
+                  <a:srgbClr val="000000"/>
+                </a:solidFill>
                 <a:latin typeface="Calibri"/>
                 <a:ea typeface="Microsoft YaHei"/>
               </a:rPr>
-              <a:t>PBMCs = Blood cells with round nucleus, e. g. T-cells, B-cells, Monocytes</a:t>
+              <a:t>Peripheral blood mononuclear cells (PBMCs) from a healthy donor</a:t>
             </a:r>
             <a:endParaRPr b="0" lang="de-DE" sz="2800" spc="-1" strike="noStrike">
-              <a:solidFill>
-                <a:srgbClr val="000000"/>
-              </a:solidFill>
-              <a:latin typeface="Calibri"/>
+              <a:latin typeface="Arial"/>
             </a:endParaRPr>
           </a:p>
           <a:p>
-            <a:pPr marL="228600" indent="-228240">
+            <a:pPr marL="228600" indent="-227880">
               <a:lnSpc>
                 <a:spcPct val="90000"/>
               </a:lnSpc>
@@ -4355,20 +3851,20 @@
             </a:pPr>
             <a:r>
               <a:rPr b="0" lang="de-DE" sz="2800" spc="-1" strike="noStrike">
+                <a:solidFill>
+                  <a:srgbClr val="000000"/>
+                </a:solidFill>
                 <a:latin typeface="Calibri"/>
                 <a:ea typeface="Microsoft YaHei"/>
               </a:rPr>
-              <a:t>2700 cells, 32738 genes (→ dimension reduction, nonlinear)</a:t>
+              <a:t>PBMCs = Blood cells with round nucleus, e. g. T-cells, B-cells, Monocytes</a:t>
             </a:r>
             <a:endParaRPr b="0" lang="de-DE" sz="2800" spc="-1" strike="noStrike">
-              <a:solidFill>
-                <a:srgbClr val="000000"/>
-              </a:solidFill>
-              <a:latin typeface="Calibri"/>
+              <a:latin typeface="Arial"/>
             </a:endParaRPr>
           </a:p>
           <a:p>
-            <a:pPr marL="228600" indent="-228240">
+            <a:pPr marL="228600" indent="-227880">
               <a:lnSpc>
                 <a:spcPct val="90000"/>
               </a:lnSpc>
@@ -4383,16 +3879,44 @@
             </a:pPr>
             <a:r>
               <a:rPr b="0" lang="de-DE" sz="2800" spc="-1" strike="noStrike">
+                <a:solidFill>
+                  <a:srgbClr val="000000"/>
+                </a:solidFill>
+                <a:latin typeface="Calibri"/>
+                <a:ea typeface="Microsoft YaHei"/>
+              </a:rPr>
+              <a:t>2700 cells, 32738 genes (→ dimension reduction, nonlinear)</a:t>
+            </a:r>
+            <a:endParaRPr b="0" lang="de-DE" sz="2800" spc="-1" strike="noStrike">
+              <a:latin typeface="Arial"/>
+            </a:endParaRPr>
+          </a:p>
+          <a:p>
+            <a:pPr marL="228600" indent="-227880">
+              <a:lnSpc>
+                <a:spcPct val="90000"/>
+              </a:lnSpc>
+              <a:spcBef>
+                <a:spcPts val="1001"/>
+              </a:spcBef>
+              <a:buClr>
+                <a:srgbClr val="000000"/>
+              </a:buClr>
+              <a:buFont typeface="Arial"/>
+              <a:buChar char="•"/>
+            </a:pPr>
+            <a:r>
+              <a:rPr b="0" lang="de-DE" sz="2800" spc="-1" strike="noStrike">
+                <a:solidFill>
+                  <a:srgbClr val="000000"/>
+                </a:solidFill>
                 <a:latin typeface="Calibri"/>
                 <a:ea typeface="Microsoft YaHei"/>
               </a:rPr>
               <a:t>Methods: UMI (every RNA is marked individually → relation of molecules is conserved)</a:t>
             </a:r>
             <a:endParaRPr b="0" lang="de-DE" sz="2800" spc="-1" strike="noStrike">
-              <a:solidFill>
-                <a:srgbClr val="000000"/>
-              </a:solidFill>
-              <a:latin typeface="Calibri"/>
+              <a:latin typeface="Arial"/>
             </a:endParaRPr>
           </a:p>
           <a:p>
@@ -4405,10 +3929,7 @@
               </a:spcBef>
             </a:pPr>
             <a:endParaRPr b="0" lang="de-DE" sz="2800" spc="-1" strike="noStrike">
-              <a:solidFill>
-                <a:srgbClr val="000000"/>
-              </a:solidFill>
-              <a:latin typeface="Calibri"/>
+              <a:latin typeface="Arial"/>
             </a:endParaRPr>
           </a:p>
         </p:txBody>
@@ -4464,14 +3985,14 @@
       </p:grpSpPr>
       <p:sp>
         <p:nvSpPr>
-          <p:cNvPr id="91" name="TextShape 1"/>
-          <p:cNvSpPr txBox="1"/>
+          <p:cNvPr id="85" name="CustomShape 1"/>
+          <p:cNvSpPr/>
           <p:nvPr/>
         </p:nvSpPr>
         <p:spPr>
           <a:xfrm>
             <a:off x="936000" y="365040"/>
-            <a:ext cx="10515240" cy="1325160"/>
+            <a:ext cx="10514880" cy="1324800"/>
           </a:xfrm>
           <a:prstGeom prst="rect">
             <a:avLst/>
@@ -4481,8 +4002,14 @@
             <a:noFill/>
           </a:ln>
         </p:spPr>
+        <p:style>
+          <a:lnRef idx="0"/>
+          <a:fillRef idx="0"/>
+          <a:effectRef idx="0"/>
+          <a:fontRef idx="minor"/>
+        </p:style>
         <p:txBody>
-          <a:bodyPr anchor="ctr"/>
+          <a:bodyPr lIns="90000" rIns="90000" tIns="45000" bIns="45000" anchor="ctr"/>
           <a:p>
             <a:pPr>
               <a:lnSpc>
@@ -4499,17 +4026,14 @@
               <a:t>Data exploration</a:t>
             </a:r>
             <a:endParaRPr b="0" lang="de-DE" sz="4400" spc="-1" strike="noStrike">
-              <a:solidFill>
-                <a:srgbClr val="000000"/>
-              </a:solidFill>
-              <a:latin typeface="Calibri"/>
+              <a:latin typeface="Arial"/>
             </a:endParaRPr>
           </a:p>
         </p:txBody>
       </p:sp>
       <p:pic>
         <p:nvPicPr>
-          <p:cNvPr id="92" name="Inhaltsplatzhalter 3" descr=""/>
+          <p:cNvPr id="86" name="Inhaltsplatzhalter 3" descr=""/>
           <p:cNvPicPr/>
           <p:nvPr/>
         </p:nvPicPr>
@@ -4520,7 +4044,7 @@
         <p:spPr>
           <a:xfrm>
             <a:off x="918000" y="1414440"/>
-            <a:ext cx="3381840" cy="4683960"/>
+            <a:ext cx="3381480" cy="4683600"/>
           </a:xfrm>
           <a:prstGeom prst="rect">
             <a:avLst/>
@@ -4532,14 +4056,14 @@
       </p:pic>
       <p:sp>
         <p:nvSpPr>
-          <p:cNvPr id="93" name="TextShape 2"/>
-          <p:cNvSpPr txBox="1"/>
+          <p:cNvPr id="87" name="CustomShape 2"/>
+          <p:cNvSpPr/>
           <p:nvPr/>
         </p:nvSpPr>
         <p:spPr>
           <a:xfrm>
             <a:off x="5112000" y="1584000"/>
-            <a:ext cx="6480000" cy="3816000"/>
+            <a:ext cx="6479640" cy="3815640"/>
           </a:xfrm>
           <a:prstGeom prst="rect">
             <a:avLst/>
@@ -4549,9 +4073,20 @@
             <a:noFill/>
           </a:ln>
         </p:spPr>
+        <p:style>
+          <a:lnRef idx="0"/>
+          <a:fillRef idx="0"/>
+          <a:effectRef idx="0"/>
+          <a:fontRef idx="minor"/>
+        </p:style>
         <p:txBody>
           <a:bodyPr lIns="90000" rIns="90000" tIns="45000" bIns="45000"/>
           <a:p>
+            <a:pPr>
+              <a:lnSpc>
+                <a:spcPct val="100000"/>
+              </a:lnSpc>
+            </a:pPr>
             <a:r>
               <a:rPr b="0" lang="de-DE" sz="1800" spc="-1" strike="noStrike">
                 <a:latin typeface="Arial"/>
@@ -4563,35 +4098,16 @@
             </a:endParaRPr>
           </a:p>
           <a:p>
+            <a:pPr>
+              <a:lnSpc>
+                <a:spcPct val="100000"/>
+              </a:lnSpc>
+            </a:pPr>
             <a:r>
               <a:rPr b="0" lang="de-DE" sz="1800" spc="-1" strike="noStrike">
                 <a:latin typeface="Arial"/>
               </a:rPr>
-              <a:t>Data = </a:t>
-            </a:r>
-            <a:r>
-              <a:rPr b="0" lang="en-GB" sz="1800" spc="-1" strike="noStrike">
-                <a:latin typeface="Arial"/>
-              </a:rPr>
-              <a:t>gene</a:t>
-            </a:r>
-            <a:r>
-              <a:rPr b="0" lang="de-DE" sz="1800" spc="-1" strike="noStrike">
-                <a:latin typeface="Arial"/>
-              </a:rPr>
-              <a:t> e</a:t>
-            </a:r>
-            <a:r>
-              <a:rPr b="0" lang="de-DE" sz="1800" spc="-1" strike="noStrike">
-                <a:latin typeface="Arial"/>
-              </a:rPr>
-              <a:t>xpression</a:t>
-            </a:r>
-            <a:r>
-              <a:rPr b="0" lang="de-DE" sz="1800" spc="-1" strike="noStrike">
-                <a:latin typeface="Arial"/>
-              </a:rPr>
-              <a:t> of </a:t>
+              <a:t>Data = gene expression of </a:t>
             </a:r>
             <a:r>
               <a:rPr b="0" lang="de-DE" sz="1800" spc="-1" strike="noStrike">
@@ -4605,6 +4121,11 @@
             </a:endParaRPr>
           </a:p>
           <a:p>
+            <a:pPr>
+              <a:lnSpc>
+                <a:spcPct val="100000"/>
+              </a:lnSpc>
+            </a:pPr>
             <a:r>
               <a:rPr b="0" lang="de-DE" sz="1800" spc="-1" strike="noStrike">
                 <a:latin typeface="Arial"/>
@@ -4617,6 +4138,11 @@
             </a:endParaRPr>
           </a:p>
           <a:p>
+            <a:pPr>
+              <a:lnSpc>
+                <a:spcPct val="100000"/>
+              </a:lnSpc>
+            </a:pPr>
             <a:r>
               <a:rPr b="0" lang="de-DE" sz="1800" spc="-1" strike="noStrike">
                 <a:latin typeface="Arial"/>
@@ -4629,11 +4155,21 @@
             </a:endParaRPr>
           </a:p>
           <a:p>
+            <a:pPr>
+              <a:lnSpc>
+                <a:spcPct val="100000"/>
+              </a:lnSpc>
+            </a:pPr>
             <a:endParaRPr b="0" lang="de-DE" sz="1800" spc="-1" strike="noStrike">
               <a:latin typeface="Arial"/>
             </a:endParaRPr>
           </a:p>
           <a:p>
+            <a:pPr>
+              <a:lnSpc>
+                <a:spcPct val="100000"/>
+              </a:lnSpc>
+            </a:pPr>
             <a:endParaRPr b="0" lang="de-DE" sz="1800" spc="-1" strike="noStrike">
               <a:latin typeface="Arial"/>
             </a:endParaRPr>
@@ -4691,14 +4227,14 @@
       </p:grpSpPr>
       <p:sp>
         <p:nvSpPr>
-          <p:cNvPr id="94" name="TextShape 1"/>
-          <p:cNvSpPr txBox="1"/>
+          <p:cNvPr id="88" name="CustomShape 1"/>
+          <p:cNvSpPr/>
           <p:nvPr/>
         </p:nvSpPr>
         <p:spPr>
           <a:xfrm>
             <a:off x="838080" y="365040"/>
-            <a:ext cx="10515240" cy="1325160"/>
+            <a:ext cx="10514880" cy="1324800"/>
           </a:xfrm>
           <a:prstGeom prst="rect">
             <a:avLst/>
@@ -4710,8 +4246,14 @@
             <a:noFill/>
           </a:ln>
         </p:spPr>
+        <p:style>
+          <a:lnRef idx="0"/>
+          <a:fillRef idx="0"/>
+          <a:effectRef idx="0"/>
+          <a:fontRef idx="minor"/>
+        </p:style>
         <p:txBody>
-          <a:bodyPr anchor="ctr"/>
+          <a:bodyPr lIns="90000" rIns="90000" tIns="45000" bIns="45000" anchor="ctr"/>
           <a:p>
             <a:pPr>
               <a:lnSpc>
@@ -4728,17 +4270,14 @@
               <a:t>Project plan -&gt; 10 weeks</a:t>
             </a:r>
             <a:endParaRPr b="0" lang="de-DE" sz="4400" spc="-1" strike="noStrike">
-              <a:solidFill>
-                <a:srgbClr val="000000"/>
-              </a:solidFill>
-              <a:latin typeface="Calibri"/>
+              <a:latin typeface="Arial"/>
             </a:endParaRPr>
           </a:p>
         </p:txBody>
       </p:sp>
       <p:sp>
         <p:nvSpPr>
-          <p:cNvPr id="95" name="Line 2"/>
+          <p:cNvPr id="89" name="Line 2"/>
           <p:cNvSpPr/>
           <p:nvPr/>
         </p:nvSpPr>
@@ -4756,6 +4295,7 @@
                 <a:lumMod val="65000"/>
               </a:schemeClr>
             </a:solidFill>
+            <a:round/>
           </a:ln>
         </p:spPr>
         <p:style>
@@ -4773,14 +4313,14 @@
       </p:sp>
       <p:sp>
         <p:nvSpPr>
-          <p:cNvPr id="96" name="CustomShape 3"/>
+          <p:cNvPr id="90" name="CustomShape 3"/>
           <p:cNvSpPr/>
           <p:nvPr/>
         </p:nvSpPr>
         <p:spPr>
           <a:xfrm>
             <a:off x="950400" y="3893400"/>
-            <a:ext cx="203040" cy="205920"/>
+            <a:ext cx="202680" cy="205560"/>
           </a:xfrm>
           <a:prstGeom prst="ellipse">
             <a:avLst/>
@@ -4811,14 +4351,14 @@
       </p:sp>
       <p:sp>
         <p:nvSpPr>
-          <p:cNvPr id="97" name="CustomShape 4"/>
+          <p:cNvPr id="91" name="CustomShape 4"/>
           <p:cNvSpPr/>
           <p:nvPr/>
         </p:nvSpPr>
         <p:spPr>
           <a:xfrm>
             <a:off x="827280" y="3764520"/>
-            <a:ext cx="449640" cy="450720"/>
+            <a:ext cx="449280" cy="450360"/>
           </a:xfrm>
           <a:prstGeom prst="donut">
             <a:avLst>
@@ -4837,6 +4377,7 @@
                 <a:alpha val="95000"/>
               </a:schemeClr>
             </a:solidFill>
+            <a:round/>
           </a:ln>
         </p:spPr>
         <p:style>
@@ -4856,14 +4397,14 @@
       </p:sp>
       <p:sp>
         <p:nvSpPr>
-          <p:cNvPr id="98" name="CustomShape 5"/>
+          <p:cNvPr id="92" name="CustomShape 5"/>
           <p:cNvSpPr/>
           <p:nvPr/>
         </p:nvSpPr>
         <p:spPr>
           <a:xfrm>
             <a:off x="766800" y="3703680"/>
-            <a:ext cx="570240" cy="572760"/>
+            <a:ext cx="569880" cy="572400"/>
           </a:xfrm>
           <a:prstGeom prst="donut">
             <a:avLst>
@@ -4882,6 +4423,7 @@
                 <a:alpha val="95000"/>
               </a:schemeClr>
             </a:solidFill>
+            <a:round/>
           </a:ln>
         </p:spPr>
         <p:style>
@@ -4901,7 +4443,7 @@
       </p:sp>
       <p:sp>
         <p:nvSpPr>
-          <p:cNvPr id="99" name="Line 6"/>
+          <p:cNvPr id="93" name="Line 6"/>
           <p:cNvSpPr/>
           <p:nvPr/>
         </p:nvSpPr>
@@ -4919,6 +4461,7 @@
                 <a:lumMod val="65000"/>
               </a:schemeClr>
             </a:solidFill>
+            <a:round/>
           </a:ln>
         </p:spPr>
         <p:style>
@@ -4936,14 +4479,14 @@
       </p:sp>
       <p:sp>
         <p:nvSpPr>
-          <p:cNvPr id="100" name="CustomShape 7"/>
+          <p:cNvPr id="94" name="CustomShape 7"/>
           <p:cNvSpPr/>
           <p:nvPr/>
         </p:nvSpPr>
         <p:spPr>
           <a:xfrm>
             <a:off x="965880" y="5137920"/>
-            <a:ext cx="172440" cy="152280"/>
+            <a:ext cx="172080" cy="151920"/>
           </a:xfrm>
           <a:prstGeom prst="ellipse">
             <a:avLst/>
@@ -4974,14 +4517,14 @@
       </p:sp>
       <p:sp>
         <p:nvSpPr>
-          <p:cNvPr id="101" name="CustomShape 8"/>
+          <p:cNvPr id="95" name="CustomShape 8"/>
           <p:cNvSpPr/>
           <p:nvPr/>
         </p:nvSpPr>
         <p:spPr>
           <a:xfrm>
             <a:off x="575280" y="3324600"/>
-            <a:ext cx="1523520" cy="395280"/>
+            <a:ext cx="1523160" cy="394920"/>
           </a:xfrm>
           <a:prstGeom prst="rect">
             <a:avLst/>
@@ -5011,6 +4554,7 @@
                   <a:srgbClr val="c55a11"/>
                 </a:solidFill>
                 <a:latin typeface="Calibri"/>
+                <a:ea typeface="DejaVu Sans"/>
               </a:rPr>
               <a:t>1. week</a:t>
             </a:r>
@@ -5022,7 +4566,7 @@
       </p:sp>
       <p:sp>
         <p:nvSpPr>
-          <p:cNvPr id="102" name="Line 9"/>
+          <p:cNvPr id="96" name="Line 9"/>
           <p:cNvSpPr/>
           <p:nvPr/>
         </p:nvSpPr>
@@ -5040,6 +4584,7 @@
                 <a:lumMod val="65000"/>
               </a:schemeClr>
             </a:solidFill>
+            <a:round/>
           </a:ln>
         </p:spPr>
         <p:style>
@@ -5057,14 +4602,14 @@
       </p:sp>
       <p:sp>
         <p:nvSpPr>
-          <p:cNvPr id="103" name="CustomShape 10"/>
+          <p:cNvPr id="97" name="CustomShape 10"/>
           <p:cNvSpPr/>
           <p:nvPr/>
         </p:nvSpPr>
         <p:spPr>
           <a:xfrm>
             <a:off x="2439360" y="3886920"/>
-            <a:ext cx="203040" cy="205920"/>
+            <a:ext cx="202680" cy="205560"/>
           </a:xfrm>
           <a:prstGeom prst="ellipse">
             <a:avLst/>
@@ -5095,14 +4640,14 @@
       </p:sp>
       <p:sp>
         <p:nvSpPr>
-          <p:cNvPr id="104" name="CustomShape 11"/>
+          <p:cNvPr id="98" name="CustomShape 11"/>
           <p:cNvSpPr/>
           <p:nvPr/>
         </p:nvSpPr>
         <p:spPr>
           <a:xfrm>
             <a:off x="2316600" y="3764520"/>
-            <a:ext cx="449640" cy="450720"/>
+            <a:ext cx="449280" cy="450360"/>
           </a:xfrm>
           <a:prstGeom prst="donut">
             <a:avLst>
@@ -5121,6 +4666,7 @@
                 <a:alpha val="95000"/>
               </a:schemeClr>
             </a:solidFill>
+            <a:round/>
           </a:ln>
         </p:spPr>
         <p:style>
@@ -5140,14 +4686,14 @@
       </p:sp>
       <p:sp>
         <p:nvSpPr>
-          <p:cNvPr id="105" name="CustomShape 12"/>
+          <p:cNvPr id="99" name="CustomShape 12"/>
           <p:cNvSpPr/>
           <p:nvPr/>
         </p:nvSpPr>
         <p:spPr>
           <a:xfrm>
             <a:off x="2256120" y="3703680"/>
-            <a:ext cx="570240" cy="572760"/>
+            <a:ext cx="569880" cy="572400"/>
           </a:xfrm>
           <a:prstGeom prst="donut">
             <a:avLst>
@@ -5166,6 +4712,7 @@
                 <a:alpha val="95000"/>
               </a:schemeClr>
             </a:solidFill>
+            <a:round/>
           </a:ln>
         </p:spPr>
         <p:style>
@@ -5185,7 +4732,7 @@
       </p:sp>
       <p:sp>
         <p:nvSpPr>
-          <p:cNvPr id="106" name="Line 13"/>
+          <p:cNvPr id="100" name="Line 13"/>
           <p:cNvSpPr/>
           <p:nvPr/>
         </p:nvSpPr>
@@ -5203,6 +4750,7 @@
                 <a:lumMod val="65000"/>
               </a:schemeClr>
             </a:solidFill>
+            <a:round/>
           </a:ln>
         </p:spPr>
         <p:style>
@@ -5220,14 +4768,14 @@
       </p:sp>
       <p:sp>
         <p:nvSpPr>
-          <p:cNvPr id="107" name="CustomShape 14"/>
+          <p:cNvPr id="101" name="CustomShape 14"/>
           <p:cNvSpPr/>
           <p:nvPr/>
         </p:nvSpPr>
         <p:spPr>
           <a:xfrm>
             <a:off x="2453400" y="2702160"/>
-            <a:ext cx="172440" cy="152280"/>
+            <a:ext cx="172080" cy="151920"/>
           </a:xfrm>
           <a:prstGeom prst="ellipse">
             <a:avLst/>
@@ -5258,14 +4806,14 @@
       </p:sp>
       <p:sp>
         <p:nvSpPr>
-          <p:cNvPr id="108" name="CustomShape 15"/>
+          <p:cNvPr id="102" name="CustomShape 15"/>
           <p:cNvSpPr/>
           <p:nvPr/>
         </p:nvSpPr>
         <p:spPr>
           <a:xfrm>
             <a:off x="2063520" y="4273920"/>
-            <a:ext cx="1523520" cy="395280"/>
+            <a:ext cx="1523160" cy="394920"/>
           </a:xfrm>
           <a:prstGeom prst="rect">
             <a:avLst/>
@@ -5295,6 +4843,7 @@
                   <a:srgbClr val="2f5597"/>
                 </a:solidFill>
                 <a:latin typeface="Calibri"/>
+                <a:ea typeface="DejaVu Sans"/>
               </a:rPr>
               <a:t>2. week</a:t>
             </a:r>
@@ -5306,14 +4855,14 @@
       </p:sp>
       <p:sp>
         <p:nvSpPr>
-          <p:cNvPr id="109" name="CustomShape 16"/>
+          <p:cNvPr id="103" name="CustomShape 16"/>
           <p:cNvSpPr/>
           <p:nvPr/>
         </p:nvSpPr>
         <p:spPr>
           <a:xfrm>
             <a:off x="84960" y="5424840"/>
-            <a:ext cx="1933560" cy="639000"/>
+            <a:ext cx="1933200" cy="638640"/>
           </a:xfrm>
           <a:prstGeom prst="rect">
             <a:avLst/>
@@ -5343,6 +4892,7 @@
                   <a:srgbClr val="c55a11"/>
                 </a:solidFill>
                 <a:latin typeface="Calibri"/>
+                <a:ea typeface="DejaVu Sans"/>
               </a:rPr>
               <a:t>Python, packages, basic knowledge</a:t>
             </a:r>
@@ -5354,14 +4904,14 @@
       </p:sp>
       <p:sp>
         <p:nvSpPr>
-          <p:cNvPr id="110" name="CustomShape 17"/>
+          <p:cNvPr id="104" name="CustomShape 17"/>
           <p:cNvSpPr/>
           <p:nvPr/>
         </p:nvSpPr>
         <p:spPr>
           <a:xfrm>
             <a:off x="1163160" y="1760760"/>
-            <a:ext cx="2752920" cy="913320"/>
+            <a:ext cx="2752560" cy="912960"/>
           </a:xfrm>
           <a:prstGeom prst="rect">
             <a:avLst/>
@@ -5391,6 +4941,7 @@
                   <a:srgbClr val="2f5597"/>
                 </a:solidFill>
                 <a:latin typeface="Calibri"/>
+                <a:ea typeface="DejaVu Sans"/>
               </a:rPr>
               <a:t>K-means algorithm</a:t>
             </a:r>
@@ -5410,6 +4961,7 @@
                   <a:srgbClr val="2f5597"/>
                 </a:solidFill>
                 <a:latin typeface="Calibri"/>
+                <a:ea typeface="DejaVu Sans"/>
               </a:rPr>
               <a:t>-&gt; comparison with sklearn implementation</a:t>
             </a:r>
@@ -5421,7 +4973,7 @@
       </p:sp>
       <p:pic>
         <p:nvPicPr>
-          <p:cNvPr id="111" name="Folienzoom 8" descr=""/>
+          <p:cNvPr id="105" name="Folienzoom 8" descr=""/>
           <p:cNvPicPr/>
           <p:nvPr/>
         </p:nvPicPr>
@@ -5432,7 +4984,7 @@
         <p:spPr>
           <a:xfrm>
             <a:off x="1463040" y="-77400"/>
-            <a:ext cx="3047760" cy="1714320"/>
+            <a:ext cx="3047400" cy="1713960"/>
           </a:xfrm>
           <a:prstGeom prst="rect">
             <a:avLst/>
@@ -5481,7 +5033,7 @@
                                           </p:stCondLst>
                                         </p:cTn>
                                         <p:tgtEl>
-                                          <p:spTgt spid="95"/>
+                                          <p:spTgt spid="89"/>
                                         </p:tgtEl>
                                         <p:attrNameLst>
                                           <p:attrName>style.visibility</p:attrName>
@@ -5495,7 +5047,7 @@
                                       <p:cBhvr additive="repl">
                                         <p:cTn id="15" dur="500"/>
                                         <p:tgtEl>
-                                          <p:spTgt spid="95"/>
+                                          <p:spTgt spid="89"/>
                                         </p:tgtEl>
                                       </p:cBhvr>
                                     </p:animEffect>
@@ -5525,7 +5077,7 @@
                                           </p:stCondLst>
                                         </p:cTn>
                                         <p:tgtEl>
-                                          <p:spTgt spid="96"/>
+                                          <p:spTgt spid="90"/>
                                         </p:tgtEl>
                                         <p:attrNameLst>
                                           <p:attrName>style.visibility</p:attrName>
@@ -5539,7 +5091,7 @@
                                       <p:cBhvr additive="repl">
                                         <p:cTn id="19" dur="500" fill="hold"/>
                                         <p:tgtEl>
-                                          <p:spTgt spid="96"/>
+                                          <p:spTgt spid="90"/>
                                         </p:tgtEl>
                                         <p:attrNameLst>
                                           <p:attrName>ppt_w</p:attrName>
@@ -5562,7 +5114,7 @@
                                       <p:cBhvr additive="repl">
                                         <p:cTn id="20" dur="500" fill="hold"/>
                                         <p:tgtEl>
-                                          <p:spTgt spid="96"/>
+                                          <p:spTgt spid="90"/>
                                         </p:tgtEl>
                                         <p:attrNameLst>
                                           <p:attrName>ppt_h</p:attrName>
@@ -5585,7 +5137,7 @@
                                       <p:cBhvr additive="repl">
                                         <p:cTn id="21" dur="500"/>
                                         <p:tgtEl>
-                                          <p:spTgt spid="96"/>
+                                          <p:spTgt spid="90"/>
                                         </p:tgtEl>
                                       </p:cBhvr>
                                     </p:animEffect>
@@ -5606,7 +5158,7 @@
                                           </p:stCondLst>
                                         </p:cTn>
                                         <p:tgtEl>
-                                          <p:spTgt spid="97"/>
+                                          <p:spTgt spid="91"/>
                                         </p:tgtEl>
                                         <p:attrNameLst>
                                           <p:attrName>style.visibility</p:attrName>
@@ -5620,7 +5172,7 @@
                                       <p:cBhvr additive="repl">
                                         <p:cTn id="24" dur="500" fill="hold"/>
                                         <p:tgtEl>
-                                          <p:spTgt spid="97"/>
+                                          <p:spTgt spid="91"/>
                                         </p:tgtEl>
                                         <p:attrNameLst>
                                           <p:attrName>ppt_w</p:attrName>
@@ -5643,7 +5195,7 @@
                                       <p:cBhvr additive="repl">
                                         <p:cTn id="25" dur="500" fill="hold"/>
                                         <p:tgtEl>
-                                          <p:spTgt spid="97"/>
+                                          <p:spTgt spid="91"/>
                                         </p:tgtEl>
                                         <p:attrNameLst>
                                           <p:attrName>ppt_h</p:attrName>
@@ -5666,7 +5218,7 @@
                                       <p:cBhvr additive="repl">
                                         <p:cTn id="26" dur="500"/>
                                         <p:tgtEl>
-                                          <p:spTgt spid="97"/>
+                                          <p:spTgt spid="91"/>
                                         </p:tgtEl>
                                       </p:cBhvr>
                                     </p:animEffect>
@@ -5687,7 +5239,7 @@
                                           </p:stCondLst>
                                         </p:cTn>
                                         <p:tgtEl>
-                                          <p:spTgt spid="98"/>
+                                          <p:spTgt spid="92"/>
                                         </p:tgtEl>
                                         <p:attrNameLst>
                                           <p:attrName>style.visibility</p:attrName>
@@ -5701,7 +5253,7 @@
                                       <p:cBhvr additive="repl">
                                         <p:cTn id="29" dur="500" fill="hold"/>
                                         <p:tgtEl>
-                                          <p:spTgt spid="98"/>
+                                          <p:spTgt spid="92"/>
                                         </p:tgtEl>
                                         <p:attrNameLst>
                                           <p:attrName>ppt_w</p:attrName>
@@ -5724,7 +5276,7 @@
                                       <p:cBhvr additive="repl">
                                         <p:cTn id="30" dur="500" fill="hold"/>
                                         <p:tgtEl>
-                                          <p:spTgt spid="98"/>
+                                          <p:spTgt spid="92"/>
                                         </p:tgtEl>
                                         <p:attrNameLst>
                                           <p:attrName>ppt_h</p:attrName>
@@ -5747,7 +5299,7 @@
                                       <p:cBhvr additive="repl">
                                         <p:cTn id="31" dur="500"/>
                                         <p:tgtEl>
-                                          <p:spTgt spid="98"/>
+                                          <p:spTgt spid="92"/>
                                         </p:tgtEl>
                                       </p:cBhvr>
                                     </p:animEffect>
@@ -5777,7 +5329,7 @@
                                           </p:stCondLst>
                                         </p:cTn>
                                         <p:tgtEl>
-                                          <p:spTgt spid="99"/>
+                                          <p:spTgt spid="93"/>
                                         </p:tgtEl>
                                         <p:attrNameLst>
                                           <p:attrName>style.visibility</p:attrName>
@@ -5791,7 +5343,7 @@
                                       <p:cBhvr additive="repl">
                                         <p:cTn id="35" dur="500"/>
                                         <p:tgtEl>
-                                          <p:spTgt spid="99"/>
+                                          <p:spTgt spid="93"/>
                                         </p:tgtEl>
                                       </p:cBhvr>
                                     </p:animEffect>
@@ -5821,7 +5373,7 @@
                                           </p:stCondLst>
                                         </p:cTn>
                                         <p:tgtEl>
-                                          <p:spTgt spid="100"/>
+                                          <p:spTgt spid="94"/>
                                         </p:tgtEl>
                                         <p:attrNameLst>
                                           <p:attrName>style.visibility</p:attrName>
@@ -5835,7 +5387,7 @@
                                       <p:cBhvr additive="repl">
                                         <p:cTn id="39" dur="500" fill="hold"/>
                                         <p:tgtEl>
-                                          <p:spTgt spid="100"/>
+                                          <p:spTgt spid="94"/>
                                         </p:tgtEl>
                                         <p:attrNameLst>
                                           <p:attrName>ppt_w</p:attrName>
@@ -5858,7 +5410,7 @@
                                       <p:cBhvr additive="repl">
                                         <p:cTn id="40" dur="500" fill="hold"/>
                                         <p:tgtEl>
-                                          <p:spTgt spid="100"/>
+                                          <p:spTgt spid="94"/>
                                         </p:tgtEl>
                                         <p:attrNameLst>
                                           <p:attrName>ppt_h</p:attrName>
@@ -5881,7 +5433,7 @@
                                       <p:cBhvr additive="repl">
                                         <p:cTn id="41" dur="500"/>
                                         <p:tgtEl>
-                                          <p:spTgt spid="100"/>
+                                          <p:spTgt spid="94"/>
                                         </p:tgtEl>
                                       </p:cBhvr>
                                     </p:animEffect>
@@ -5902,7 +5454,7 @@
                                           </p:stCondLst>
                                         </p:cTn>
                                         <p:tgtEl>
-                                          <p:spTgt spid="101"/>
+                                          <p:spTgt spid="95"/>
                                         </p:tgtEl>
                                         <p:attrNameLst>
                                           <p:attrName>style.visibility</p:attrName>
@@ -5916,7 +5468,7 @@
                                       <p:cBhvr additive="repl">
                                         <p:cTn id="44" dur="500" fill="hold"/>
                                         <p:tgtEl>
-                                          <p:spTgt spid="101"/>
+                                          <p:spTgt spid="95"/>
                                         </p:tgtEl>
                                         <p:attrNameLst>
                                           <p:attrName>ppt_w</p:attrName>
@@ -5939,7 +5491,7 @@
                                       <p:cBhvr additive="repl">
                                         <p:cTn id="45" dur="500" fill="hold"/>
                                         <p:tgtEl>
-                                          <p:spTgt spid="101"/>
+                                          <p:spTgt spid="95"/>
                                         </p:tgtEl>
                                         <p:attrNameLst>
                                           <p:attrName>ppt_h</p:attrName>
@@ -5962,7 +5514,7 @@
                                       <p:cBhvr additive="repl">
                                         <p:cTn id="46" dur="500"/>
                                         <p:tgtEl>
-                                          <p:spTgt spid="101"/>
+                                          <p:spTgt spid="95"/>
                                         </p:tgtEl>
                                       </p:cBhvr>
                                     </p:animEffect>
@@ -5983,7 +5535,7 @@
                                           </p:stCondLst>
                                         </p:cTn>
                                         <p:tgtEl>
-                                          <p:spTgt spid="109"/>
+                                          <p:spTgt spid="103"/>
                                         </p:tgtEl>
                                         <p:attrNameLst>
                                           <p:attrName>style.visibility</p:attrName>
@@ -5997,7 +5549,7 @@
                                       <p:cBhvr additive="repl">
                                         <p:cTn id="49" dur="500" fill="hold"/>
                                         <p:tgtEl>
-                                          <p:spTgt spid="109"/>
+                                          <p:spTgt spid="103"/>
                                         </p:tgtEl>
                                         <p:attrNameLst>
                                           <p:attrName>ppt_w</p:attrName>
@@ -6020,7 +5572,7 @@
                                       <p:cBhvr additive="repl">
                                         <p:cTn id="50" dur="500" fill="hold"/>
                                         <p:tgtEl>
-                                          <p:spTgt spid="109"/>
+                                          <p:spTgt spid="103"/>
                                         </p:tgtEl>
                                         <p:attrNameLst>
                                           <p:attrName>ppt_h</p:attrName>
@@ -6043,7 +5595,7 @@
                                       <p:cBhvr additive="repl">
                                         <p:cTn id="51" dur="500"/>
                                         <p:tgtEl>
-                                          <p:spTgt spid="109"/>
+                                          <p:spTgt spid="103"/>
                                         </p:tgtEl>
                                       </p:cBhvr>
                                     </p:animEffect>
@@ -6082,7 +5634,7 @@
                                           </p:stCondLst>
                                         </p:cTn>
                                         <p:tgtEl>
-                                          <p:spTgt spid="102"/>
+                                          <p:spTgt spid="96"/>
                                         </p:tgtEl>
                                         <p:attrNameLst>
                                           <p:attrName>style.visibility</p:attrName>
@@ -6096,7 +5648,7 @@
                                       <p:cBhvr additive="repl">
                                         <p:cTn id="56" dur="500"/>
                                         <p:tgtEl>
-                                          <p:spTgt spid="102"/>
+                                          <p:spTgt spid="96"/>
                                         </p:tgtEl>
                                       </p:cBhvr>
                                     </p:animEffect>
@@ -6126,7 +5678,7 @@
                                           </p:stCondLst>
                                         </p:cTn>
                                         <p:tgtEl>
-                                          <p:spTgt spid="103"/>
+                                          <p:spTgt spid="97"/>
                                         </p:tgtEl>
                                         <p:attrNameLst>
                                           <p:attrName>style.visibility</p:attrName>
@@ -6140,7 +5692,7 @@
                                       <p:cBhvr additive="repl">
                                         <p:cTn id="60" dur="500" fill="hold"/>
                                         <p:tgtEl>
-                                          <p:spTgt spid="103"/>
+                                          <p:spTgt spid="97"/>
                                         </p:tgtEl>
                                         <p:attrNameLst>
                                           <p:attrName>ppt_w</p:attrName>
@@ -6163,7 +5715,7 @@
                                       <p:cBhvr additive="repl">
                                         <p:cTn id="61" dur="500" fill="hold"/>
                                         <p:tgtEl>
-                                          <p:spTgt spid="103"/>
+                                          <p:spTgt spid="97"/>
                                         </p:tgtEl>
                                         <p:attrNameLst>
                                           <p:attrName>ppt_h</p:attrName>
@@ -6186,7 +5738,7 @@
                                       <p:cBhvr additive="repl">
                                         <p:cTn id="62" dur="500"/>
                                         <p:tgtEl>
-                                          <p:spTgt spid="103"/>
+                                          <p:spTgt spid="97"/>
                                         </p:tgtEl>
                                       </p:cBhvr>
                                     </p:animEffect>
@@ -6207,7 +5759,7 @@
                                           </p:stCondLst>
                                         </p:cTn>
                                         <p:tgtEl>
-                                          <p:spTgt spid="104"/>
+                                          <p:spTgt spid="98"/>
                                         </p:tgtEl>
                                         <p:attrNameLst>
                                           <p:attrName>style.visibility</p:attrName>
@@ -6221,7 +5773,7 @@
                                       <p:cBhvr additive="repl">
                                         <p:cTn id="65" dur="500" fill="hold"/>
                                         <p:tgtEl>
-                                          <p:spTgt spid="104"/>
+                                          <p:spTgt spid="98"/>
                                         </p:tgtEl>
                                         <p:attrNameLst>
                                           <p:attrName>ppt_w</p:attrName>
@@ -6244,7 +5796,7 @@
                                       <p:cBhvr additive="repl">
                                         <p:cTn id="66" dur="500" fill="hold"/>
                                         <p:tgtEl>
-                                          <p:spTgt spid="104"/>
+                                          <p:spTgt spid="98"/>
                                         </p:tgtEl>
                                         <p:attrNameLst>
                                           <p:attrName>ppt_h</p:attrName>
@@ -6267,7 +5819,7 @@
                                       <p:cBhvr additive="repl">
                                         <p:cTn id="67" dur="500"/>
                                         <p:tgtEl>
-                                          <p:spTgt spid="104"/>
+                                          <p:spTgt spid="98"/>
                                         </p:tgtEl>
                                       </p:cBhvr>
                                     </p:animEffect>
@@ -6288,7 +5840,7 @@
                                           </p:stCondLst>
                                         </p:cTn>
                                         <p:tgtEl>
-                                          <p:spTgt spid="105"/>
+                                          <p:spTgt spid="99"/>
                                         </p:tgtEl>
                                         <p:attrNameLst>
                                           <p:attrName>style.visibility</p:attrName>
@@ -6302,7 +5854,7 @@
                                       <p:cBhvr additive="repl">
                                         <p:cTn id="70" dur="500" fill="hold"/>
                                         <p:tgtEl>
-                                          <p:spTgt spid="105"/>
+                                          <p:spTgt spid="99"/>
                                         </p:tgtEl>
                                         <p:attrNameLst>
                                           <p:attrName>ppt_w</p:attrName>
@@ -6325,7 +5877,7 @@
                                       <p:cBhvr additive="repl">
                                         <p:cTn id="71" dur="500" fill="hold"/>
                                         <p:tgtEl>
-                                          <p:spTgt spid="105"/>
+                                          <p:spTgt spid="99"/>
                                         </p:tgtEl>
                                         <p:attrNameLst>
                                           <p:attrName>ppt_h</p:attrName>
@@ -6348,7 +5900,7 @@
                                       <p:cBhvr additive="repl">
                                         <p:cTn id="72" dur="500"/>
                                         <p:tgtEl>
-                                          <p:spTgt spid="105"/>
+                                          <p:spTgt spid="99"/>
                                         </p:tgtEl>
                                       </p:cBhvr>
                                     </p:animEffect>
@@ -6378,7 +5930,7 @@
                                           </p:stCondLst>
                                         </p:cTn>
                                         <p:tgtEl>
-                                          <p:spTgt spid="106"/>
+                                          <p:spTgt spid="100"/>
                                         </p:tgtEl>
                                         <p:attrNameLst>
                                           <p:attrName>style.visibility</p:attrName>
@@ -6392,7 +5944,7 @@
                                       <p:cBhvr additive="repl">
                                         <p:cTn id="76" dur="500"/>
                                         <p:tgtEl>
-                                          <p:spTgt spid="106"/>
+                                          <p:spTgt spid="100"/>
                                         </p:tgtEl>
                                       </p:cBhvr>
                                     </p:animEffect>
@@ -6422,7 +5974,7 @@
                                           </p:stCondLst>
                                         </p:cTn>
                                         <p:tgtEl>
-                                          <p:spTgt spid="107"/>
+                                          <p:spTgt spid="101"/>
                                         </p:tgtEl>
                                         <p:attrNameLst>
                                           <p:attrName>style.visibility</p:attrName>
@@ -6436,7 +5988,7 @@
                                       <p:cBhvr additive="repl">
                                         <p:cTn id="80" dur="500" fill="hold"/>
                                         <p:tgtEl>
-                                          <p:spTgt spid="107"/>
+                                          <p:spTgt spid="101"/>
                                         </p:tgtEl>
                                         <p:attrNameLst>
                                           <p:attrName>ppt_w</p:attrName>
@@ -6459,7 +6011,7 @@
                                       <p:cBhvr additive="repl">
                                         <p:cTn id="81" dur="500" fill="hold"/>
                                         <p:tgtEl>
-                                          <p:spTgt spid="107"/>
+                                          <p:spTgt spid="101"/>
                                         </p:tgtEl>
                                         <p:attrNameLst>
                                           <p:attrName>ppt_h</p:attrName>
@@ -6482,7 +6034,7 @@
                                       <p:cBhvr additive="repl">
                                         <p:cTn id="82" dur="500"/>
                                         <p:tgtEl>
-                                          <p:spTgt spid="107"/>
+                                          <p:spTgt spid="101"/>
                                         </p:tgtEl>
                                       </p:cBhvr>
                                     </p:animEffect>
@@ -6503,7 +6055,7 @@
                                           </p:stCondLst>
                                         </p:cTn>
                                         <p:tgtEl>
-                                          <p:spTgt spid="108"/>
+                                          <p:spTgt spid="102"/>
                                         </p:tgtEl>
                                         <p:attrNameLst>
                                           <p:attrName>style.visibility</p:attrName>
@@ -6517,7 +6069,7 @@
                                       <p:cBhvr additive="repl">
                                         <p:cTn id="85" dur="500" fill="hold"/>
                                         <p:tgtEl>
-                                          <p:spTgt spid="108"/>
+                                          <p:spTgt spid="102"/>
                                         </p:tgtEl>
                                         <p:attrNameLst>
                                           <p:attrName>ppt_w</p:attrName>
@@ -6540,7 +6092,7 @@
                                       <p:cBhvr additive="repl">
                                         <p:cTn id="86" dur="500" fill="hold"/>
                                         <p:tgtEl>
-                                          <p:spTgt spid="108"/>
+                                          <p:spTgt spid="102"/>
                                         </p:tgtEl>
                                         <p:attrNameLst>
                                           <p:attrName>ppt_h</p:attrName>
@@ -6563,7 +6115,7 @@
                                       <p:cBhvr additive="repl">
                                         <p:cTn id="87" dur="500"/>
                                         <p:tgtEl>
-                                          <p:spTgt spid="108"/>
+                                          <p:spTgt spid="102"/>
                                         </p:tgtEl>
                                       </p:cBhvr>
                                     </p:animEffect>
@@ -6584,7 +6136,7 @@
                                           </p:stCondLst>
                                         </p:cTn>
                                         <p:tgtEl>
-                                          <p:spTgt spid="110"/>
+                                          <p:spTgt spid="104"/>
                                         </p:tgtEl>
                                         <p:attrNameLst>
                                           <p:attrName>style.visibility</p:attrName>
@@ -6598,7 +6150,7 @@
                                       <p:cBhvr additive="repl">
                                         <p:cTn id="90" dur="500" fill="hold"/>
                                         <p:tgtEl>
-                                          <p:spTgt spid="110"/>
+                                          <p:spTgt spid="104"/>
                                         </p:tgtEl>
                                         <p:attrNameLst>
                                           <p:attrName>ppt_w</p:attrName>
@@ -6621,7 +6173,7 @@
                                       <p:cBhvr additive="repl">
                                         <p:cTn id="91" dur="500" fill="hold"/>
                                         <p:tgtEl>
-                                          <p:spTgt spid="110"/>
+                                          <p:spTgt spid="104"/>
                                         </p:tgtEl>
                                         <p:attrNameLst>
                                           <p:attrName>ppt_h</p:attrName>
@@ -6644,7 +6196,7 @@
                                       <p:cBhvr additive="repl">
                                         <p:cTn id="92" dur="500"/>
                                         <p:tgtEl>
-                                          <p:spTgt spid="110"/>
+                                          <p:spTgt spid="104"/>
                                         </p:tgtEl>
                                       </p:cBhvr>
                                     </p:animEffect>
@@ -6701,14 +6253,14 @@
       </p:grpSpPr>
       <p:sp>
         <p:nvSpPr>
-          <p:cNvPr id="112" name="TextShape 1"/>
-          <p:cNvSpPr txBox="1"/>
+          <p:cNvPr id="106" name="CustomShape 1"/>
+          <p:cNvSpPr/>
           <p:nvPr/>
         </p:nvSpPr>
         <p:spPr>
           <a:xfrm>
             <a:off x="838080" y="365040"/>
-            <a:ext cx="10515240" cy="1325160"/>
+            <a:ext cx="10514880" cy="1324800"/>
           </a:xfrm>
           <a:prstGeom prst="rect">
             <a:avLst/>
@@ -6718,17 +6270,12 @@
             <a:noFill/>
           </a:ln>
         </p:spPr>
-        <p:txBody>
-          <a:bodyPr lIns="0" rIns="0" tIns="0" bIns="0" anchor="ctr"/>
-          <a:p>
-            <a:endParaRPr b="0" lang="de-DE" sz="1800" spc="-1" strike="noStrike">
-              <a:solidFill>
-                <a:srgbClr val="000000"/>
-              </a:solidFill>
-              <a:latin typeface="Calibri"/>
-            </a:endParaRPr>
-          </a:p>
-        </p:txBody>
+        <p:style>
+          <a:lnRef idx="0"/>
+          <a:fillRef idx="0"/>
+          <a:effectRef idx="0"/>
+          <a:fontRef idx="minor"/>
+        </p:style>
       </p:sp>
     </p:spTree>
   </p:cSld>
@@ -6781,13 +6328,13 @@
       </p:grpSpPr>
       <p:graphicFrame>
         <p:nvGraphicFramePr>
-          <p:cNvPr id="113" name="Table 1"/>
+          <p:cNvPr id="107" name="Table 1"/>
           <p:cNvGraphicFramePr/>
           <p:nvPr/>
         </p:nvGraphicFramePr>
         <p:xfrm>
           <a:off x="1014120" y="837360"/>
-          <a:ext cx="9978120" cy="1854000"/>
+          <a:ext cx="9977760" cy="1853640"/>
         </p:xfrm>
         <a:graphic>
           <a:graphicData uri="http://schemas.openxmlformats.org/drawingml/2006/table">
@@ -7635,14 +7182,14 @@
       </p:graphicFrame>
       <p:sp>
         <p:nvSpPr>
-          <p:cNvPr id="114" name="TextShape 2"/>
-          <p:cNvSpPr txBox="1"/>
+          <p:cNvPr id="108" name="CustomShape 2"/>
+          <p:cNvSpPr/>
           <p:nvPr/>
         </p:nvSpPr>
         <p:spPr>
           <a:xfrm>
             <a:off x="745200" y="237240"/>
-            <a:ext cx="10515240" cy="4525200"/>
+            <a:ext cx="10514880" cy="4524840"/>
           </a:xfrm>
           <a:prstGeom prst="rect">
             <a:avLst/>
@@ -7652,10 +7199,16 @@
             <a:noFill/>
           </a:ln>
         </p:spPr>
+        <p:style>
+          <a:lnRef idx="0"/>
+          <a:fillRef idx="0"/>
+          <a:effectRef idx="0"/>
+          <a:fontRef idx="minor"/>
+        </p:style>
         <p:txBody>
-          <a:bodyPr/>
+          <a:bodyPr lIns="90000" rIns="90000" tIns="45000" bIns="45000"/>
           <a:p>
-            <a:pPr marL="228600" indent="-228240">
+            <a:pPr marL="228600" indent="-227880">
               <a:lnSpc>
                 <a:spcPct val="90000"/>
               </a:lnSpc>
@@ -7678,10 +7231,7 @@
               <a:t>Tabels for different datasets with various sizes:</a:t>
             </a:r>
             <a:endParaRPr b="0" lang="de-DE" sz="2400" spc="-1" strike="noStrike">
-              <a:solidFill>
-                <a:srgbClr val="000000"/>
-              </a:solidFill>
-              <a:latin typeface="Calibri"/>
+              <a:latin typeface="Arial"/>
             </a:endParaRPr>
           </a:p>
           <a:p>
@@ -7694,10 +7244,7 @@
               </a:spcBef>
             </a:pPr>
             <a:endParaRPr b="0" lang="de-DE" sz="2400" spc="-1" strike="noStrike">
-              <a:solidFill>
-                <a:srgbClr val="000000"/>
-              </a:solidFill>
-              <a:latin typeface="Calibri"/>
+              <a:latin typeface="Arial"/>
             </a:endParaRPr>
           </a:p>
           <a:p>
@@ -7710,10 +7257,7 @@
               </a:spcBef>
             </a:pPr>
             <a:endParaRPr b="0" lang="de-DE" sz="2400" spc="-1" strike="noStrike">
-              <a:solidFill>
-                <a:srgbClr val="000000"/>
-              </a:solidFill>
-              <a:latin typeface="Calibri"/>
+              <a:latin typeface="Arial"/>
             </a:endParaRPr>
           </a:p>
           <a:p>
@@ -7726,10 +7270,7 @@
               </a:spcBef>
             </a:pPr>
             <a:endParaRPr b="0" lang="de-DE" sz="2400" spc="-1" strike="noStrike">
-              <a:solidFill>
-                <a:srgbClr val="000000"/>
-              </a:solidFill>
-              <a:latin typeface="Calibri"/>
+              <a:latin typeface="Arial"/>
             </a:endParaRPr>
           </a:p>
           <a:p>
@@ -7742,10 +7283,7 @@
               </a:spcBef>
             </a:pPr>
             <a:endParaRPr b="0" lang="de-DE" sz="2400" spc="-1" strike="noStrike">
-              <a:solidFill>
-                <a:srgbClr val="000000"/>
-              </a:solidFill>
-              <a:latin typeface="Calibri"/>
+              <a:latin typeface="Arial"/>
             </a:endParaRPr>
           </a:p>
           <a:p>
@@ -7758,14 +7296,11 @@
               </a:spcBef>
             </a:pPr>
             <a:endParaRPr b="0" lang="de-DE" sz="2400" spc="-1" strike="noStrike">
-              <a:solidFill>
-                <a:srgbClr val="000000"/>
-              </a:solidFill>
-              <a:latin typeface="Calibri"/>
+              <a:latin typeface="Arial"/>
             </a:endParaRPr>
           </a:p>
           <a:p>
-            <a:pPr marL="228600" indent="-228240">
+            <a:pPr marL="228600" indent="-227880">
               <a:lnSpc>
                 <a:spcPct val="90000"/>
               </a:lnSpc>
@@ -7788,10 +7323,7 @@
               <a:t>Multiple plots for visualization:</a:t>
             </a:r>
             <a:endParaRPr b="0" lang="de-DE" sz="2400" spc="-1" strike="noStrike">
-              <a:solidFill>
-                <a:srgbClr val="000000"/>
-              </a:solidFill>
-              <a:latin typeface="Calibri"/>
+              <a:latin typeface="Arial"/>
             </a:endParaRPr>
           </a:p>
           <a:p>
@@ -7804,10 +7336,7 @@
               </a:spcBef>
             </a:pPr>
             <a:endParaRPr b="0" lang="de-DE" sz="2400" spc="-1" strike="noStrike">
-              <a:solidFill>
-                <a:srgbClr val="000000"/>
-              </a:solidFill>
-              <a:latin typeface="Calibri"/>
+              <a:latin typeface="Arial"/>
             </a:endParaRPr>
           </a:p>
           <a:p>
@@ -7829,17 +7358,14 @@
               <a:t>e.g. :</a:t>
             </a:r>
             <a:endParaRPr b="0" lang="de-DE" sz="2400" spc="-1" strike="noStrike">
-              <a:solidFill>
-                <a:srgbClr val="000000"/>
-              </a:solidFill>
-              <a:latin typeface="Calibri"/>
+              <a:latin typeface="Arial"/>
             </a:endParaRPr>
           </a:p>
         </p:txBody>
       </p:sp>
       <p:pic>
         <p:nvPicPr>
-          <p:cNvPr id="115" name="Grafik 37" descr=""/>
+          <p:cNvPr id="109" name="Grafik 37" descr=""/>
           <p:cNvPicPr/>
           <p:nvPr/>
         </p:nvPicPr>
@@ -7851,7 +7377,7 @@
         <p:spPr>
           <a:xfrm>
             <a:off x="2194200" y="3583080"/>
-            <a:ext cx="7338600" cy="3234240"/>
+            <a:ext cx="7338240" cy="3233880"/>
           </a:xfrm>
           <a:prstGeom prst="rect">
             <a:avLst/>
@@ -7897,7 +7423,7 @@
                                           </p:stCondLst>
                                         </p:cTn>
                                         <p:tgtEl>
-                                          <p:spTgt spid="114">
+                                          <p:spTgt spid="108">
                                             <p:txEl>
                                               <p:pRg st="0" end="0"/>
                                             </p:txEl>
@@ -7946,7 +7472,7 @@
                                           </p:stCondLst>
                                         </p:cTn>
                                         <p:tgtEl>
-                                          <p:spTgt spid="113"/>
+                                          <p:spTgt spid="107"/>
                                         </p:tgtEl>
                                         <p:attrNameLst>
                                           <p:attrName>style.visibility</p:attrName>
@@ -7991,7 +7517,7 @@
                                           </p:stCondLst>
                                         </p:cTn>
                                         <p:tgtEl>
-                                          <p:spTgt spid="114">
+                                          <p:spTgt spid="108">
                                             <p:txEl>
                                               <p:pRg st="6" end="6"/>
                                             </p:txEl>
@@ -8040,7 +7566,7 @@
                                           </p:stCondLst>
                                         </p:cTn>
                                         <p:tgtEl>
-                                          <p:spTgt spid="114">
+                                          <p:spTgt spid="108">
                                             <p:txEl>
                                               <p:pRg st="8" end="8"/>
                                             </p:txEl>
@@ -8071,7 +7597,7 @@
                                           </p:stCondLst>
                                         </p:cTn>
                                         <p:tgtEl>
-                                          <p:spTgt spid="115"/>
+                                          <p:spTgt spid="109"/>
                                         </p:tgtEl>
                                         <p:attrNameLst>
                                           <p:attrName>style.visibility</p:attrName>
@@ -8134,14 +7660,14 @@
       </p:grpSpPr>
       <p:sp>
         <p:nvSpPr>
-          <p:cNvPr id="116" name="TextShape 1"/>
-          <p:cNvSpPr txBox="1"/>
+          <p:cNvPr id="110" name="CustomShape 1"/>
+          <p:cNvSpPr/>
           <p:nvPr/>
         </p:nvSpPr>
         <p:spPr>
           <a:xfrm>
             <a:off x="838080" y="365040"/>
-            <a:ext cx="10515240" cy="1325160"/>
+            <a:ext cx="10514880" cy="1324800"/>
           </a:xfrm>
           <a:prstGeom prst="rect">
             <a:avLst/>
@@ -8153,8 +7679,14 @@
             <a:noFill/>
           </a:ln>
         </p:spPr>
+        <p:style>
+          <a:lnRef idx="0"/>
+          <a:fillRef idx="0"/>
+          <a:effectRef idx="0"/>
+          <a:fontRef idx="minor"/>
+        </p:style>
         <p:txBody>
-          <a:bodyPr anchor="ctr"/>
+          <a:bodyPr lIns="90000" rIns="90000" tIns="45000" bIns="45000" anchor="ctr"/>
           <a:p>
             <a:pPr>
               <a:lnSpc>
@@ -8171,17 +7703,14 @@
               <a:t>Project plan -&gt; 10 weeks</a:t>
             </a:r>
             <a:endParaRPr b="0" lang="de-DE" sz="4400" spc="-1" strike="noStrike">
-              <a:solidFill>
-                <a:srgbClr val="000000"/>
-              </a:solidFill>
-              <a:latin typeface="Calibri"/>
+              <a:latin typeface="Arial"/>
             </a:endParaRPr>
           </a:p>
         </p:txBody>
       </p:sp>
       <p:sp>
         <p:nvSpPr>
-          <p:cNvPr id="117" name="Line 2"/>
+          <p:cNvPr id="111" name="Line 2"/>
           <p:cNvSpPr/>
           <p:nvPr/>
         </p:nvSpPr>
@@ -8199,6 +7728,7 @@
                 <a:lumMod val="65000"/>
               </a:schemeClr>
             </a:solidFill>
+            <a:round/>
           </a:ln>
         </p:spPr>
         <p:style>
@@ -8216,14 +7746,14 @@
       </p:sp>
       <p:sp>
         <p:nvSpPr>
-          <p:cNvPr id="118" name="CustomShape 3"/>
+          <p:cNvPr id="112" name="CustomShape 3"/>
           <p:cNvSpPr/>
           <p:nvPr/>
         </p:nvSpPr>
         <p:spPr>
           <a:xfrm>
             <a:off x="950400" y="3893400"/>
-            <a:ext cx="203040" cy="205920"/>
+            <a:ext cx="202680" cy="205560"/>
           </a:xfrm>
           <a:prstGeom prst="ellipse">
             <a:avLst/>
@@ -8254,14 +7784,14 @@
       </p:sp>
       <p:sp>
         <p:nvSpPr>
-          <p:cNvPr id="119" name="CustomShape 4"/>
+          <p:cNvPr id="113" name="CustomShape 4"/>
           <p:cNvSpPr/>
           <p:nvPr/>
         </p:nvSpPr>
         <p:spPr>
           <a:xfrm>
             <a:off x="827280" y="3764520"/>
-            <a:ext cx="449640" cy="450720"/>
+            <a:ext cx="449280" cy="450360"/>
           </a:xfrm>
           <a:prstGeom prst="donut">
             <a:avLst>
@@ -8280,6 +7810,7 @@
                 <a:alpha val="95000"/>
               </a:schemeClr>
             </a:solidFill>
+            <a:round/>
           </a:ln>
         </p:spPr>
         <p:style>
@@ -8299,14 +7830,14 @@
       </p:sp>
       <p:sp>
         <p:nvSpPr>
-          <p:cNvPr id="120" name="CustomShape 5"/>
+          <p:cNvPr id="114" name="CustomShape 5"/>
           <p:cNvSpPr/>
           <p:nvPr/>
         </p:nvSpPr>
         <p:spPr>
           <a:xfrm>
             <a:off x="766800" y="3703680"/>
-            <a:ext cx="570240" cy="572760"/>
+            <a:ext cx="569880" cy="572400"/>
           </a:xfrm>
           <a:prstGeom prst="donut">
             <a:avLst>
@@ -8325,6 +7856,7 @@
                 <a:alpha val="95000"/>
               </a:schemeClr>
             </a:solidFill>
+            <a:round/>
           </a:ln>
         </p:spPr>
         <p:style>
@@ -8344,7 +7876,7 @@
       </p:sp>
       <p:sp>
         <p:nvSpPr>
-          <p:cNvPr id="121" name="Line 6"/>
+          <p:cNvPr id="115" name="Line 6"/>
           <p:cNvSpPr/>
           <p:nvPr/>
         </p:nvSpPr>
@@ -8362,6 +7894,7 @@
                 <a:lumMod val="65000"/>
               </a:schemeClr>
             </a:solidFill>
+            <a:round/>
           </a:ln>
         </p:spPr>
         <p:style>
@@ -8379,14 +7912,14 @@
       </p:sp>
       <p:sp>
         <p:nvSpPr>
-          <p:cNvPr id="122" name="CustomShape 7"/>
+          <p:cNvPr id="116" name="CustomShape 7"/>
           <p:cNvSpPr/>
           <p:nvPr/>
         </p:nvSpPr>
         <p:spPr>
           <a:xfrm>
             <a:off x="965880" y="5137920"/>
-            <a:ext cx="172440" cy="152280"/>
+            <a:ext cx="172080" cy="151920"/>
           </a:xfrm>
           <a:prstGeom prst="ellipse">
             <a:avLst/>
@@ -8417,14 +7950,14 @@
       </p:sp>
       <p:sp>
         <p:nvSpPr>
-          <p:cNvPr id="123" name="CustomShape 8"/>
+          <p:cNvPr id="117" name="CustomShape 8"/>
           <p:cNvSpPr/>
           <p:nvPr/>
         </p:nvSpPr>
         <p:spPr>
           <a:xfrm>
             <a:off x="575280" y="3324600"/>
-            <a:ext cx="1523520" cy="395280"/>
+            <a:ext cx="1523160" cy="394920"/>
           </a:xfrm>
           <a:prstGeom prst="rect">
             <a:avLst/>
@@ -8454,6 +7987,7 @@
                   <a:srgbClr val="c55a11"/>
                 </a:solidFill>
                 <a:latin typeface="Calibri"/>
+                <a:ea typeface="DejaVu Sans"/>
               </a:rPr>
               <a:t>1. week</a:t>
             </a:r>
@@ -8465,7 +7999,7 @@
       </p:sp>
       <p:sp>
         <p:nvSpPr>
-          <p:cNvPr id="124" name="Line 9"/>
+          <p:cNvPr id="118" name="Line 9"/>
           <p:cNvSpPr/>
           <p:nvPr/>
         </p:nvSpPr>
@@ -8483,6 +8017,7 @@
                 <a:lumMod val="65000"/>
               </a:schemeClr>
             </a:solidFill>
+            <a:round/>
           </a:ln>
         </p:spPr>
         <p:style>
@@ -8500,14 +8035,14 @@
       </p:sp>
       <p:sp>
         <p:nvSpPr>
-          <p:cNvPr id="125" name="CustomShape 10"/>
+          <p:cNvPr id="119" name="CustomShape 10"/>
           <p:cNvSpPr/>
           <p:nvPr/>
         </p:nvSpPr>
         <p:spPr>
           <a:xfrm>
             <a:off x="2439360" y="3886920"/>
-            <a:ext cx="203040" cy="205920"/>
+            <a:ext cx="202680" cy="205560"/>
           </a:xfrm>
           <a:prstGeom prst="ellipse">
             <a:avLst/>
@@ -8538,14 +8073,14 @@
       </p:sp>
       <p:sp>
         <p:nvSpPr>
-          <p:cNvPr id="126" name="CustomShape 11"/>
+          <p:cNvPr id="120" name="CustomShape 11"/>
           <p:cNvSpPr/>
           <p:nvPr/>
         </p:nvSpPr>
         <p:spPr>
           <a:xfrm>
             <a:off x="2316600" y="3764520"/>
-            <a:ext cx="449640" cy="450720"/>
+            <a:ext cx="449280" cy="450360"/>
           </a:xfrm>
           <a:prstGeom prst="donut">
             <a:avLst>
@@ -8564,6 +8099,7 @@
                 <a:alpha val="95000"/>
               </a:schemeClr>
             </a:solidFill>
+            <a:round/>
           </a:ln>
         </p:spPr>
         <p:style>
@@ -8583,14 +8119,14 @@
       </p:sp>
       <p:sp>
         <p:nvSpPr>
-          <p:cNvPr id="127" name="CustomShape 12"/>
+          <p:cNvPr id="121" name="CustomShape 12"/>
           <p:cNvSpPr/>
           <p:nvPr/>
         </p:nvSpPr>
         <p:spPr>
           <a:xfrm>
             <a:off x="2256120" y="3703680"/>
-            <a:ext cx="570240" cy="572760"/>
+            <a:ext cx="569880" cy="572400"/>
           </a:xfrm>
           <a:prstGeom prst="donut">
             <a:avLst>
@@ -8609,6 +8145,7 @@
                 <a:alpha val="95000"/>
               </a:schemeClr>
             </a:solidFill>
+            <a:round/>
           </a:ln>
         </p:spPr>
         <p:style>
@@ -8628,7 +8165,7 @@
       </p:sp>
       <p:sp>
         <p:nvSpPr>
-          <p:cNvPr id="128" name="Line 13"/>
+          <p:cNvPr id="122" name="Line 13"/>
           <p:cNvSpPr/>
           <p:nvPr/>
         </p:nvSpPr>
@@ -8646,6 +8183,7 @@
                 <a:lumMod val="65000"/>
               </a:schemeClr>
             </a:solidFill>
+            <a:round/>
           </a:ln>
         </p:spPr>
         <p:style>
@@ -8663,14 +8201,14 @@
       </p:sp>
       <p:sp>
         <p:nvSpPr>
-          <p:cNvPr id="129" name="CustomShape 14"/>
+          <p:cNvPr id="123" name="CustomShape 14"/>
           <p:cNvSpPr/>
           <p:nvPr/>
         </p:nvSpPr>
         <p:spPr>
           <a:xfrm>
             <a:off x="2453400" y="2702160"/>
-            <a:ext cx="172440" cy="152280"/>
+            <a:ext cx="172080" cy="151920"/>
           </a:xfrm>
           <a:prstGeom prst="ellipse">
             <a:avLst/>
@@ -8701,14 +8239,14 @@
       </p:sp>
       <p:sp>
         <p:nvSpPr>
-          <p:cNvPr id="130" name="CustomShape 15"/>
+          <p:cNvPr id="124" name="CustomShape 15"/>
           <p:cNvSpPr/>
           <p:nvPr/>
         </p:nvSpPr>
         <p:spPr>
           <a:xfrm>
             <a:off x="2063520" y="4273920"/>
-            <a:ext cx="1523520" cy="395280"/>
+            <a:ext cx="1523160" cy="394920"/>
           </a:xfrm>
           <a:prstGeom prst="rect">
             <a:avLst/>
@@ -8738,6 +8276,7 @@
                   <a:srgbClr val="2f5597"/>
                 </a:solidFill>
                 <a:latin typeface="Calibri"/>
+                <a:ea typeface="DejaVu Sans"/>
               </a:rPr>
               <a:t>2. week</a:t>
             </a:r>
@@ -8749,7 +8288,7 @@
       </p:sp>
       <p:sp>
         <p:nvSpPr>
-          <p:cNvPr id="131" name="Line 16"/>
+          <p:cNvPr id="125" name="Line 16"/>
           <p:cNvSpPr/>
           <p:nvPr/>
         </p:nvSpPr>
@@ -8767,6 +8306,7 @@
                 <a:lumMod val="65000"/>
               </a:schemeClr>
             </a:solidFill>
+            <a:round/>
           </a:ln>
         </p:spPr>
         <p:style>
@@ -8784,14 +8324,14 @@
       </p:sp>
       <p:sp>
         <p:nvSpPr>
-          <p:cNvPr id="132" name="CustomShape 17"/>
+          <p:cNvPr id="126" name="CustomShape 17"/>
           <p:cNvSpPr/>
           <p:nvPr/>
         </p:nvSpPr>
         <p:spPr>
           <a:xfrm>
             <a:off x="3929040" y="3875040"/>
-            <a:ext cx="203040" cy="205920"/>
+            <a:ext cx="202680" cy="205560"/>
           </a:xfrm>
           <a:prstGeom prst="ellipse">
             <a:avLst/>
@@ -8823,14 +8363,14 @@
       </p:sp>
       <p:sp>
         <p:nvSpPr>
-          <p:cNvPr id="133" name="CustomShape 18"/>
+          <p:cNvPr id="127" name="CustomShape 18"/>
           <p:cNvSpPr/>
           <p:nvPr/>
         </p:nvSpPr>
         <p:spPr>
           <a:xfrm>
             <a:off x="3805920" y="3747600"/>
-            <a:ext cx="449640" cy="450720"/>
+            <a:ext cx="449280" cy="450360"/>
           </a:xfrm>
           <a:prstGeom prst="donut">
             <a:avLst>
@@ -8850,6 +8390,7 @@
                 <a:alpha val="95000"/>
               </a:schemeClr>
             </a:solidFill>
+            <a:round/>
           </a:ln>
         </p:spPr>
         <p:style>
@@ -8869,14 +8410,14 @@
       </p:sp>
       <p:sp>
         <p:nvSpPr>
-          <p:cNvPr id="134" name="CustomShape 19"/>
+          <p:cNvPr id="128" name="CustomShape 19"/>
           <p:cNvSpPr/>
           <p:nvPr/>
         </p:nvSpPr>
         <p:spPr>
           <a:xfrm>
             <a:off x="3745800" y="3686760"/>
-            <a:ext cx="570240" cy="572760"/>
+            <a:ext cx="569880" cy="572400"/>
           </a:xfrm>
           <a:prstGeom prst="donut">
             <a:avLst>
@@ -8895,6 +8436,7 @@
                 <a:alpha val="95000"/>
               </a:schemeClr>
             </a:solidFill>
+            <a:round/>
           </a:ln>
         </p:spPr>
         <p:style>
@@ -8914,7 +8456,7 @@
       </p:sp>
       <p:sp>
         <p:nvSpPr>
-          <p:cNvPr id="135" name="Line 20"/>
+          <p:cNvPr id="129" name="Line 20"/>
           <p:cNvSpPr/>
           <p:nvPr/>
         </p:nvSpPr>
@@ -8932,6 +8474,7 @@
                 <a:lumMod val="65000"/>
               </a:schemeClr>
             </a:solidFill>
+            <a:round/>
           </a:ln>
         </p:spPr>
         <p:style>
@@ -8949,14 +8492,14 @@
       </p:sp>
       <p:sp>
         <p:nvSpPr>
-          <p:cNvPr id="136" name="CustomShape 21"/>
+          <p:cNvPr id="130" name="CustomShape 21"/>
           <p:cNvSpPr/>
           <p:nvPr/>
         </p:nvSpPr>
         <p:spPr>
           <a:xfrm>
             <a:off x="3944520" y="5121000"/>
-            <a:ext cx="172440" cy="152280"/>
+            <a:ext cx="172080" cy="151920"/>
           </a:xfrm>
           <a:prstGeom prst="ellipse">
             <a:avLst/>
@@ -8988,7 +8531,7 @@
       </p:sp>
       <p:sp>
         <p:nvSpPr>
-          <p:cNvPr id="137" name="Line 22"/>
+          <p:cNvPr id="131" name="Line 22"/>
           <p:cNvSpPr/>
           <p:nvPr/>
         </p:nvSpPr>
@@ -9006,6 +8549,7 @@
                 <a:lumMod val="65000"/>
               </a:schemeClr>
             </a:solidFill>
+            <a:round/>
           </a:ln>
         </p:spPr>
         <p:style>
@@ -9023,14 +8567,14 @@
       </p:sp>
       <p:sp>
         <p:nvSpPr>
-          <p:cNvPr id="138" name="CustomShape 23"/>
+          <p:cNvPr id="132" name="CustomShape 23"/>
           <p:cNvSpPr/>
           <p:nvPr/>
         </p:nvSpPr>
         <p:spPr>
           <a:xfrm>
             <a:off x="5418720" y="3893400"/>
-            <a:ext cx="203040" cy="205920"/>
+            <a:ext cx="202680" cy="205560"/>
           </a:xfrm>
           <a:prstGeom prst="ellipse">
             <a:avLst/>
@@ -9061,14 +8605,14 @@
       </p:sp>
       <p:sp>
         <p:nvSpPr>
-          <p:cNvPr id="139" name="CustomShape 24"/>
+          <p:cNvPr id="133" name="CustomShape 24"/>
           <p:cNvSpPr/>
           <p:nvPr/>
         </p:nvSpPr>
         <p:spPr>
           <a:xfrm>
             <a:off x="5295600" y="3764520"/>
-            <a:ext cx="449640" cy="450720"/>
+            <a:ext cx="449280" cy="450360"/>
           </a:xfrm>
           <a:prstGeom prst="donut">
             <a:avLst>
@@ -9087,6 +8631,7 @@
                 <a:alpha val="95000"/>
               </a:schemeClr>
             </a:solidFill>
+            <a:round/>
           </a:ln>
         </p:spPr>
         <p:style>
@@ -9106,14 +8651,14 @@
       </p:sp>
       <p:sp>
         <p:nvSpPr>
-          <p:cNvPr id="140" name="CustomShape 25"/>
+          <p:cNvPr id="134" name="CustomShape 25"/>
           <p:cNvSpPr/>
           <p:nvPr/>
         </p:nvSpPr>
         <p:spPr>
           <a:xfrm>
             <a:off x="5235120" y="3703680"/>
-            <a:ext cx="570240" cy="572760"/>
+            <a:ext cx="569880" cy="572400"/>
           </a:xfrm>
           <a:prstGeom prst="donut">
             <a:avLst>
@@ -9132,6 +8677,7 @@
                 <a:alpha val="95000"/>
               </a:schemeClr>
             </a:solidFill>
+            <a:round/>
           </a:ln>
         </p:spPr>
         <p:style>
@@ -9151,7 +8697,7 @@
       </p:sp>
       <p:sp>
         <p:nvSpPr>
-          <p:cNvPr id="141" name="Line 26"/>
+          <p:cNvPr id="135" name="Line 26"/>
           <p:cNvSpPr/>
           <p:nvPr/>
         </p:nvSpPr>
@@ -9169,6 +8715,7 @@
                 <a:lumMod val="65000"/>
               </a:schemeClr>
             </a:solidFill>
+            <a:round/>
           </a:ln>
         </p:spPr>
         <p:style>
@@ -9186,14 +8733,14 @@
       </p:sp>
       <p:sp>
         <p:nvSpPr>
-          <p:cNvPr id="142" name="CustomShape 27"/>
+          <p:cNvPr id="136" name="CustomShape 27"/>
           <p:cNvSpPr/>
           <p:nvPr/>
         </p:nvSpPr>
         <p:spPr>
           <a:xfrm>
             <a:off x="5437440" y="2716560"/>
-            <a:ext cx="172440" cy="152280"/>
+            <a:ext cx="172080" cy="151920"/>
           </a:xfrm>
           <a:prstGeom prst="ellipse">
             <a:avLst/>
@@ -9224,7 +8771,7 @@
       </p:sp>
       <p:sp>
         <p:nvSpPr>
-          <p:cNvPr id="143" name="Line 28"/>
+          <p:cNvPr id="137" name="Line 28"/>
           <p:cNvSpPr/>
           <p:nvPr/>
         </p:nvSpPr>
@@ -9242,6 +8789,7 @@
                 <a:lumMod val="65000"/>
               </a:schemeClr>
             </a:solidFill>
+            <a:round/>
           </a:ln>
         </p:spPr>
         <p:style>
@@ -9259,14 +8807,14 @@
       </p:sp>
       <p:sp>
         <p:nvSpPr>
-          <p:cNvPr id="144" name="CustomShape 29"/>
+          <p:cNvPr id="138" name="CustomShape 29"/>
           <p:cNvSpPr/>
           <p:nvPr/>
         </p:nvSpPr>
         <p:spPr>
           <a:xfrm>
             <a:off x="6907320" y="3893400"/>
-            <a:ext cx="203040" cy="205920"/>
+            <a:ext cx="202680" cy="205560"/>
           </a:xfrm>
           <a:prstGeom prst="ellipse">
             <a:avLst/>
@@ -9295,14 +8843,14 @@
       </p:sp>
       <p:sp>
         <p:nvSpPr>
-          <p:cNvPr id="145" name="CustomShape 30"/>
+          <p:cNvPr id="139" name="CustomShape 30"/>
           <p:cNvSpPr/>
           <p:nvPr/>
         </p:nvSpPr>
         <p:spPr>
           <a:xfrm>
             <a:off x="6784200" y="3764520"/>
-            <a:ext cx="449640" cy="450720"/>
+            <a:ext cx="449280" cy="450360"/>
           </a:xfrm>
           <a:prstGeom prst="donut">
             <a:avLst>
@@ -9319,6 +8867,7 @@
                 <a:alpha val="95000"/>
               </a:schemeClr>
             </a:solidFill>
+            <a:round/>
           </a:ln>
         </p:spPr>
         <p:style>
@@ -9338,14 +8887,14 @@
       </p:sp>
       <p:sp>
         <p:nvSpPr>
-          <p:cNvPr id="146" name="CustomShape 31"/>
+          <p:cNvPr id="140" name="CustomShape 31"/>
           <p:cNvSpPr/>
           <p:nvPr/>
         </p:nvSpPr>
         <p:spPr>
           <a:xfrm>
             <a:off x="6724080" y="3703680"/>
-            <a:ext cx="570240" cy="572760"/>
+            <a:ext cx="569880" cy="572400"/>
           </a:xfrm>
           <a:prstGeom prst="donut">
             <a:avLst>
@@ -9364,6 +8913,7 @@
                 <a:alpha val="95000"/>
               </a:schemeClr>
             </a:solidFill>
+            <a:round/>
           </a:ln>
         </p:spPr>
         <p:style>
@@ -9383,7 +8933,7 @@
       </p:sp>
       <p:sp>
         <p:nvSpPr>
-          <p:cNvPr id="147" name="Line 32"/>
+          <p:cNvPr id="141" name="Line 32"/>
           <p:cNvSpPr/>
           <p:nvPr/>
         </p:nvSpPr>
@@ -9401,6 +8951,7 @@
                 <a:lumMod val="65000"/>
               </a:schemeClr>
             </a:solidFill>
+            <a:round/>
           </a:ln>
         </p:spPr>
         <p:style>
@@ -9418,14 +8969,14 @@
       </p:sp>
       <p:sp>
         <p:nvSpPr>
-          <p:cNvPr id="148" name="CustomShape 33"/>
+          <p:cNvPr id="142" name="CustomShape 33"/>
           <p:cNvSpPr/>
           <p:nvPr/>
         </p:nvSpPr>
         <p:spPr>
           <a:xfrm>
             <a:off x="6922800" y="5137920"/>
-            <a:ext cx="172440" cy="152280"/>
+            <a:ext cx="172080" cy="151920"/>
           </a:xfrm>
           <a:prstGeom prst="ellipse">
             <a:avLst/>
@@ -9454,7 +9005,7 @@
       </p:sp>
       <p:sp>
         <p:nvSpPr>
-          <p:cNvPr id="149" name="Line 34"/>
+          <p:cNvPr id="143" name="Line 34"/>
           <p:cNvSpPr/>
           <p:nvPr/>
         </p:nvSpPr>
@@ -9472,6 +9023,7 @@
                 <a:lumMod val="65000"/>
               </a:schemeClr>
             </a:solidFill>
+            <a:round/>
           </a:ln>
         </p:spPr>
         <p:style>
@@ -9489,14 +9041,14 @@
       </p:sp>
       <p:sp>
         <p:nvSpPr>
-          <p:cNvPr id="150" name="CustomShape 35"/>
+          <p:cNvPr id="144" name="CustomShape 35"/>
           <p:cNvSpPr/>
           <p:nvPr/>
         </p:nvSpPr>
         <p:spPr>
           <a:xfrm>
             <a:off x="8380440" y="3893400"/>
-            <a:ext cx="203040" cy="205920"/>
+            <a:ext cx="202680" cy="205560"/>
           </a:xfrm>
           <a:prstGeom prst="ellipse">
             <a:avLst/>
@@ -9527,14 +9079,14 @@
       </p:sp>
       <p:sp>
         <p:nvSpPr>
-          <p:cNvPr id="151" name="CustomShape 36"/>
+          <p:cNvPr id="145" name="CustomShape 36"/>
           <p:cNvSpPr/>
           <p:nvPr/>
         </p:nvSpPr>
         <p:spPr>
           <a:xfrm>
             <a:off x="8257320" y="3764520"/>
-            <a:ext cx="449640" cy="450720"/>
+            <a:ext cx="449280" cy="450360"/>
           </a:xfrm>
           <a:prstGeom prst="donut">
             <a:avLst>
@@ -9553,6 +9105,7 @@
                 <a:alpha val="95000"/>
               </a:schemeClr>
             </a:solidFill>
+            <a:round/>
           </a:ln>
         </p:spPr>
         <p:style>
@@ -9572,14 +9125,14 @@
       </p:sp>
       <p:sp>
         <p:nvSpPr>
-          <p:cNvPr id="152" name="CustomShape 37"/>
+          <p:cNvPr id="146" name="CustomShape 37"/>
           <p:cNvSpPr/>
           <p:nvPr/>
         </p:nvSpPr>
         <p:spPr>
           <a:xfrm>
             <a:off x="8196840" y="3703680"/>
-            <a:ext cx="570240" cy="572760"/>
+            <a:ext cx="569880" cy="572400"/>
           </a:xfrm>
           <a:prstGeom prst="donut">
             <a:avLst>
@@ -9598,6 +9151,7 @@
                 <a:alpha val="95000"/>
               </a:schemeClr>
             </a:solidFill>
+            <a:round/>
           </a:ln>
         </p:spPr>
         <p:style>
@@ -9617,7 +9171,7 @@
       </p:sp>
       <p:sp>
         <p:nvSpPr>
-          <p:cNvPr id="153" name="Line 38"/>
+          <p:cNvPr id="147" name="Line 38"/>
           <p:cNvSpPr/>
           <p:nvPr/>
         </p:nvSpPr>
@@ -9635,6 +9189,7 @@
                 <a:lumMod val="65000"/>
               </a:schemeClr>
             </a:solidFill>
+            <a:round/>
           </a:ln>
         </p:spPr>
         <p:style>
@@ -9652,14 +9207,14 @@
       </p:sp>
       <p:sp>
         <p:nvSpPr>
-          <p:cNvPr id="154" name="CustomShape 39"/>
+          <p:cNvPr id="148" name="CustomShape 39"/>
           <p:cNvSpPr/>
           <p:nvPr/>
         </p:nvSpPr>
         <p:spPr>
           <a:xfrm>
             <a:off x="8396280" y="2702160"/>
-            <a:ext cx="172440" cy="152280"/>
+            <a:ext cx="172080" cy="151920"/>
           </a:xfrm>
           <a:prstGeom prst="ellipse">
             <a:avLst/>
@@ -9690,14 +9245,14 @@
       </p:sp>
       <p:sp>
         <p:nvSpPr>
-          <p:cNvPr id="155" name="CustomShape 40"/>
+          <p:cNvPr id="149" name="CustomShape 40"/>
           <p:cNvSpPr/>
           <p:nvPr/>
         </p:nvSpPr>
         <p:spPr>
           <a:xfrm>
             <a:off x="9927360" y="3893400"/>
-            <a:ext cx="203040" cy="205920"/>
+            <a:ext cx="202680" cy="205560"/>
           </a:xfrm>
           <a:prstGeom prst="ellipse">
             <a:avLst/>
@@ -9726,14 +9281,14 @@
       </p:sp>
       <p:sp>
         <p:nvSpPr>
-          <p:cNvPr id="156" name="CustomShape 41"/>
+          <p:cNvPr id="150" name="CustomShape 41"/>
           <p:cNvSpPr/>
           <p:nvPr/>
         </p:nvSpPr>
         <p:spPr>
           <a:xfrm>
             <a:off x="9803880" y="3764520"/>
-            <a:ext cx="449640" cy="450720"/>
+            <a:ext cx="449280" cy="450360"/>
           </a:xfrm>
           <a:prstGeom prst="donut">
             <a:avLst>
@@ -9750,6 +9305,7 @@
                 <a:alpha val="95000"/>
               </a:schemeClr>
             </a:solidFill>
+            <a:round/>
           </a:ln>
         </p:spPr>
         <p:style>
@@ -9769,14 +9325,14 @@
       </p:sp>
       <p:sp>
         <p:nvSpPr>
-          <p:cNvPr id="157" name="CustomShape 42"/>
+          <p:cNvPr id="151" name="CustomShape 42"/>
           <p:cNvSpPr/>
           <p:nvPr/>
         </p:nvSpPr>
         <p:spPr>
           <a:xfrm>
             <a:off x="9743760" y="3703680"/>
-            <a:ext cx="570240" cy="572760"/>
+            <a:ext cx="569880" cy="572400"/>
           </a:xfrm>
           <a:prstGeom prst="donut">
             <a:avLst>
@@ -9795,6 +9351,7 @@
                 <a:alpha val="95000"/>
               </a:schemeClr>
             </a:solidFill>
+            <a:round/>
           </a:ln>
         </p:spPr>
         <p:style>
@@ -9814,7 +9371,7 @@
       </p:sp>
       <p:sp>
         <p:nvSpPr>
-          <p:cNvPr id="158" name="Line 43"/>
+          <p:cNvPr id="152" name="Line 43"/>
           <p:cNvSpPr/>
           <p:nvPr/>
         </p:nvSpPr>
@@ -9832,6 +9389,7 @@
                 <a:lumMod val="65000"/>
               </a:schemeClr>
             </a:solidFill>
+            <a:round/>
           </a:ln>
         </p:spPr>
         <p:style>
@@ -9849,14 +9407,14 @@
       </p:sp>
       <p:sp>
         <p:nvSpPr>
-          <p:cNvPr id="159" name="CustomShape 44"/>
+          <p:cNvPr id="153" name="CustomShape 44"/>
           <p:cNvSpPr/>
           <p:nvPr/>
         </p:nvSpPr>
         <p:spPr>
           <a:xfrm>
             <a:off x="9942840" y="5137920"/>
-            <a:ext cx="172440" cy="152280"/>
+            <a:ext cx="172080" cy="151920"/>
           </a:xfrm>
           <a:prstGeom prst="ellipse">
             <a:avLst/>
@@ -9885,7 +9443,7 @@
       </p:sp>
       <p:sp>
         <p:nvSpPr>
-          <p:cNvPr id="160" name="Line 45"/>
+          <p:cNvPr id="154" name="Line 45"/>
           <p:cNvSpPr/>
           <p:nvPr/>
         </p:nvSpPr>
@@ -9903,6 +9461,7 @@
                 <a:lumMod val="65000"/>
               </a:schemeClr>
             </a:solidFill>
+            <a:round/>
           </a:ln>
         </p:spPr>
         <p:style>
@@ -9920,14 +9479,14 @@
       </p:sp>
       <p:sp>
         <p:nvSpPr>
-          <p:cNvPr id="161" name="CustomShape 46"/>
+          <p:cNvPr id="155" name="CustomShape 46"/>
           <p:cNvSpPr/>
           <p:nvPr/>
         </p:nvSpPr>
         <p:spPr>
           <a:xfrm>
             <a:off x="11473920" y="3893400"/>
-            <a:ext cx="203040" cy="205920"/>
+            <a:ext cx="202680" cy="205560"/>
           </a:xfrm>
           <a:prstGeom prst="ellipse">
             <a:avLst/>
@@ -9959,14 +9518,14 @@
       </p:sp>
       <p:sp>
         <p:nvSpPr>
-          <p:cNvPr id="162" name="CustomShape 47"/>
+          <p:cNvPr id="156" name="CustomShape 47"/>
           <p:cNvSpPr/>
           <p:nvPr/>
         </p:nvSpPr>
         <p:spPr>
           <a:xfrm>
             <a:off x="11350800" y="3764520"/>
-            <a:ext cx="449640" cy="450720"/>
+            <a:ext cx="449280" cy="450360"/>
           </a:xfrm>
           <a:prstGeom prst="donut">
             <a:avLst>
@@ -9980,6 +9539,7 @@
                 <a:alpha val="95000"/>
               </a:schemeClr>
             </a:solidFill>
+            <a:round/>
           </a:ln>
         </p:spPr>
         <p:style>
@@ -9999,14 +9559,14 @@
       </p:sp>
       <p:sp>
         <p:nvSpPr>
-          <p:cNvPr id="163" name="CustomShape 48"/>
+          <p:cNvPr id="157" name="CustomShape 48"/>
           <p:cNvSpPr/>
           <p:nvPr/>
         </p:nvSpPr>
         <p:spPr>
           <a:xfrm>
             <a:off x="11290320" y="3703680"/>
-            <a:ext cx="570240" cy="572760"/>
+            <a:ext cx="569880" cy="572400"/>
           </a:xfrm>
           <a:prstGeom prst="donut">
             <a:avLst>
@@ -10025,6 +9585,7 @@
                 <a:alpha val="95000"/>
               </a:schemeClr>
             </a:solidFill>
+            <a:round/>
           </a:ln>
         </p:spPr>
         <p:style>
@@ -10044,7 +9605,7 @@
       </p:sp>
       <p:sp>
         <p:nvSpPr>
-          <p:cNvPr id="164" name="Line 49"/>
+          <p:cNvPr id="158" name="Line 49"/>
           <p:cNvSpPr/>
           <p:nvPr/>
         </p:nvSpPr>
@@ -10062,6 +9623,7 @@
                 <a:lumMod val="65000"/>
               </a:schemeClr>
             </a:solidFill>
+            <a:round/>
           </a:ln>
         </p:spPr>
         <p:style>
@@ -10079,14 +9641,14 @@
       </p:sp>
       <p:sp>
         <p:nvSpPr>
-          <p:cNvPr id="165" name="CustomShape 50"/>
+          <p:cNvPr id="159" name="CustomShape 50"/>
           <p:cNvSpPr/>
           <p:nvPr/>
         </p:nvSpPr>
         <p:spPr>
           <a:xfrm>
             <a:off x="11482920" y="2716560"/>
-            <a:ext cx="172440" cy="152280"/>
+            <a:ext cx="172080" cy="151920"/>
           </a:xfrm>
           <a:prstGeom prst="ellipse">
             <a:avLst/>
@@ -10118,7 +9680,7 @@
       </p:sp>
       <p:sp>
         <p:nvSpPr>
-          <p:cNvPr id="166" name="Line 51"/>
+          <p:cNvPr id="160" name="Line 51"/>
           <p:cNvSpPr/>
           <p:nvPr/>
         </p:nvSpPr>
@@ -10136,6 +9698,7 @@
                 <a:lumMod val="65000"/>
               </a:schemeClr>
             </a:solidFill>
+            <a:round/>
           </a:ln>
         </p:spPr>
         <p:style>
@@ -10153,7 +9716,7 @@
       </p:sp>
       <p:sp>
         <p:nvSpPr>
-          <p:cNvPr id="167" name="Line 52"/>
+          <p:cNvPr id="161" name="Line 52"/>
           <p:cNvSpPr/>
           <p:nvPr/>
         </p:nvSpPr>
@@ -10171,6 +9734,7 @@
                 <a:lumMod val="65000"/>
               </a:schemeClr>
             </a:solidFill>
+            <a:round/>
           </a:ln>
         </p:spPr>
         <p:style>
@@ -10188,14 +9752,14 @@
       </p:sp>
       <p:sp>
         <p:nvSpPr>
-          <p:cNvPr id="168" name="CustomShape 53"/>
+          <p:cNvPr id="162" name="CustomShape 53"/>
           <p:cNvSpPr/>
           <p:nvPr/>
         </p:nvSpPr>
         <p:spPr>
           <a:xfrm>
             <a:off x="3554280" y="3299760"/>
-            <a:ext cx="1523520" cy="395280"/>
+            <a:ext cx="1523160" cy="394920"/>
           </a:xfrm>
           <a:prstGeom prst="rect">
             <a:avLst/>
@@ -10225,6 +9789,7 @@
                   <a:srgbClr val="a9d18e"/>
                 </a:solidFill>
                 <a:latin typeface="Calibri"/>
+                <a:ea typeface="DejaVu Sans"/>
               </a:rPr>
               <a:t>3. week</a:t>
             </a:r>
@@ -10236,14 +9801,14 @@
       </p:sp>
       <p:sp>
         <p:nvSpPr>
-          <p:cNvPr id="169" name="CustomShape 54"/>
+          <p:cNvPr id="163" name="CustomShape 54"/>
           <p:cNvSpPr/>
           <p:nvPr/>
         </p:nvSpPr>
         <p:spPr>
           <a:xfrm>
             <a:off x="5046480" y="4281840"/>
-            <a:ext cx="1523520" cy="395280"/>
+            <a:ext cx="1523160" cy="394920"/>
           </a:xfrm>
           <a:prstGeom prst="rect">
             <a:avLst/>
@@ -10273,6 +9838,7 @@
                   <a:srgbClr val="bf9000"/>
                 </a:solidFill>
                 <a:latin typeface="Calibri"/>
+                <a:ea typeface="DejaVu Sans"/>
               </a:rPr>
               <a:t>4. week</a:t>
             </a:r>
@@ -10284,14 +9850,14 @@
       </p:sp>
       <p:sp>
         <p:nvSpPr>
-          <p:cNvPr id="170" name="CustomShape 55"/>
+          <p:cNvPr id="164" name="CustomShape 55"/>
           <p:cNvSpPr/>
           <p:nvPr/>
         </p:nvSpPr>
         <p:spPr>
           <a:xfrm>
             <a:off x="8004240" y="4280040"/>
-            <a:ext cx="1523520" cy="395280"/>
+            <a:ext cx="1523160" cy="394920"/>
           </a:xfrm>
           <a:prstGeom prst="rect">
             <a:avLst/>
@@ -10321,6 +9887,7 @@
                   <a:srgbClr val="385623"/>
                 </a:solidFill>
                 <a:latin typeface="Calibri"/>
+                <a:ea typeface="DejaVu Sans"/>
               </a:rPr>
               <a:t>6. week</a:t>
             </a:r>
@@ -10332,14 +9899,14 @@
       </p:sp>
       <p:sp>
         <p:nvSpPr>
-          <p:cNvPr id="171" name="CustomShape 56"/>
+          <p:cNvPr id="165" name="CustomShape 56"/>
           <p:cNvSpPr/>
           <p:nvPr/>
         </p:nvSpPr>
         <p:spPr>
           <a:xfrm>
             <a:off x="9561960" y="3332880"/>
-            <a:ext cx="1523520" cy="395280"/>
+            <a:ext cx="1523160" cy="394920"/>
           </a:xfrm>
           <a:prstGeom prst="rect">
             <a:avLst/>
@@ -10369,6 +9936,7 @@
                   <a:srgbClr val="ffc000"/>
                 </a:solidFill>
                 <a:latin typeface="Calibri"/>
+                <a:ea typeface="DejaVu Sans"/>
               </a:rPr>
               <a:t>7. week</a:t>
             </a:r>
@@ -10380,14 +9948,14 @@
       </p:sp>
       <p:sp>
         <p:nvSpPr>
-          <p:cNvPr id="172" name="CustomShape 57"/>
+          <p:cNvPr id="166" name="CustomShape 57"/>
           <p:cNvSpPr/>
           <p:nvPr/>
         </p:nvSpPr>
         <p:spPr>
           <a:xfrm>
             <a:off x="6529680" y="3336840"/>
-            <a:ext cx="1523520" cy="395280"/>
+            <a:ext cx="1523160" cy="394920"/>
           </a:xfrm>
           <a:prstGeom prst="rect">
             <a:avLst/>
@@ -10417,6 +9985,7 @@
                   <a:srgbClr val="7030a0"/>
                 </a:solidFill>
                 <a:latin typeface="Calibri"/>
+                <a:ea typeface="DejaVu Sans"/>
               </a:rPr>
               <a:t>5. week</a:t>
             </a:r>
@@ -10428,14 +9997,14 @@
       </p:sp>
       <p:sp>
         <p:nvSpPr>
-          <p:cNvPr id="173" name="CustomShape 58"/>
+          <p:cNvPr id="167" name="CustomShape 58"/>
           <p:cNvSpPr/>
           <p:nvPr/>
         </p:nvSpPr>
         <p:spPr>
           <a:xfrm>
             <a:off x="11099160" y="4281840"/>
-            <a:ext cx="1523520" cy="395280"/>
+            <a:ext cx="1523160" cy="394920"/>
           </a:xfrm>
           <a:prstGeom prst="rect">
             <a:avLst/>
@@ -10465,6 +10034,7 @@
                   <a:srgbClr val="8faadc"/>
                 </a:solidFill>
                 <a:latin typeface="Calibri"/>
+                <a:ea typeface="DejaVu Sans"/>
               </a:rPr>
               <a:t>8. week</a:t>
             </a:r>
@@ -10476,14 +10046,14 @@
       </p:sp>
       <p:sp>
         <p:nvSpPr>
-          <p:cNvPr id="174" name="CustomShape 59"/>
+          <p:cNvPr id="168" name="CustomShape 59"/>
           <p:cNvSpPr/>
           <p:nvPr/>
         </p:nvSpPr>
         <p:spPr>
           <a:xfrm>
             <a:off x="86040" y="5388120"/>
-            <a:ext cx="1933560" cy="639000"/>
+            <a:ext cx="1933200" cy="638640"/>
           </a:xfrm>
           <a:prstGeom prst="rect">
             <a:avLst/>
@@ -10513,6 +10083,7 @@
                   <a:srgbClr val="c55a11"/>
                 </a:solidFill>
                 <a:latin typeface="Calibri"/>
+                <a:ea typeface="DejaVu Sans"/>
               </a:rPr>
               <a:t>Python, packages, basic knowledge</a:t>
             </a:r>
@@ -10524,14 +10095,14 @@
       </p:sp>
       <p:sp>
         <p:nvSpPr>
-          <p:cNvPr id="175" name="CustomShape 60"/>
+          <p:cNvPr id="169" name="CustomShape 60"/>
           <p:cNvSpPr/>
           <p:nvPr/>
         </p:nvSpPr>
         <p:spPr>
           <a:xfrm>
             <a:off x="1156680" y="1645920"/>
-            <a:ext cx="2752920" cy="913320"/>
+            <a:ext cx="2752560" cy="912960"/>
           </a:xfrm>
           <a:prstGeom prst="rect">
             <a:avLst/>
@@ -10561,6 +10132,7 @@
                   <a:srgbClr val="2f5597"/>
                 </a:solidFill>
                 <a:latin typeface="Calibri"/>
+                <a:ea typeface="DejaVu Sans"/>
               </a:rPr>
               <a:t>K-means algorithm</a:t>
             </a:r>
@@ -10580,6 +10152,7 @@
                   <a:srgbClr val="2f5597"/>
                 </a:solidFill>
                 <a:latin typeface="Calibri"/>
+                <a:ea typeface="DejaVu Sans"/>
               </a:rPr>
               <a:t>-&gt; comparison with sklearn implementation</a:t>
             </a:r>
@@ -10591,14 +10164,14 @@
       </p:sp>
       <p:sp>
         <p:nvSpPr>
-          <p:cNvPr id="176" name="CustomShape 61"/>
+          <p:cNvPr id="170" name="CustomShape 61"/>
           <p:cNvSpPr/>
           <p:nvPr/>
         </p:nvSpPr>
         <p:spPr>
           <a:xfrm>
             <a:off x="2833200" y="5355360"/>
-            <a:ext cx="2388240" cy="364680"/>
+            <a:ext cx="2387880" cy="364320"/>
           </a:xfrm>
           <a:prstGeom prst="rect">
             <a:avLst/>
@@ -10628,6 +10201,7 @@
                   <a:srgbClr val="a9d18e"/>
                 </a:solidFill>
                 <a:latin typeface="Calibri"/>
+                <a:ea typeface="DejaVu Sans"/>
               </a:rPr>
               <a:t>Mini-batch algorithm</a:t>
             </a:r>
@@ -10639,14 +10213,14 @@
       </p:sp>
       <p:sp>
         <p:nvSpPr>
-          <p:cNvPr id="177" name="CustomShape 62"/>
+          <p:cNvPr id="171" name="CustomShape 62"/>
           <p:cNvSpPr/>
           <p:nvPr/>
         </p:nvSpPr>
         <p:spPr>
           <a:xfrm>
             <a:off x="4140360" y="2208960"/>
-            <a:ext cx="2752920" cy="364680"/>
+            <a:ext cx="2752560" cy="364320"/>
           </a:xfrm>
           <a:prstGeom prst="rect">
             <a:avLst/>
@@ -10676,6 +10250,7 @@
                   <a:srgbClr val="bf9000"/>
                 </a:solidFill>
                 <a:latin typeface="Calibri"/>
+                <a:ea typeface="DejaVu Sans"/>
               </a:rPr>
               <a:t>K-means ++ algorithm</a:t>
             </a:r>
@@ -10687,14 +10262,14 @@
       </p:sp>
       <p:sp>
         <p:nvSpPr>
-          <p:cNvPr id="178" name="CustomShape 63"/>
+          <p:cNvPr id="172" name="CustomShape 63"/>
           <p:cNvSpPr/>
           <p:nvPr/>
         </p:nvSpPr>
         <p:spPr>
           <a:xfrm>
             <a:off x="5783040" y="5400000"/>
-            <a:ext cx="2450880" cy="639000"/>
+            <a:ext cx="2450520" cy="638640"/>
           </a:xfrm>
           <a:prstGeom prst="rect">
             <a:avLst/>
@@ -10724,6 +10299,7 @@
                   <a:srgbClr val="7030a0"/>
                 </a:solidFill>
                 <a:latin typeface="Calibri"/>
+                <a:ea typeface="DejaVu Sans"/>
               </a:rPr>
               <a:t>Comparison of methods -&gt; some cool plots</a:t>
             </a:r>
@@ -10735,14 +10311,14 @@
       </p:sp>
       <p:sp>
         <p:nvSpPr>
-          <p:cNvPr id="179" name="CustomShape 64"/>
+          <p:cNvPr id="173" name="CustomShape 64"/>
           <p:cNvSpPr/>
           <p:nvPr/>
         </p:nvSpPr>
         <p:spPr>
           <a:xfrm>
             <a:off x="7079040" y="1949400"/>
-            <a:ext cx="2752920" cy="639000"/>
+            <a:ext cx="2752560" cy="638640"/>
           </a:xfrm>
           <a:prstGeom prst="rect">
             <a:avLst/>
@@ -10772,6 +10348,7 @@
                   <a:srgbClr val="548235"/>
                 </a:solidFill>
                 <a:latin typeface="Calibri"/>
+                <a:ea typeface="DejaVu Sans"/>
               </a:rPr>
               <a:t>Preprocessing of dataset: PCA..</a:t>
             </a:r>
@@ -10783,14 +10360,14 @@
       </p:sp>
       <p:sp>
         <p:nvSpPr>
-          <p:cNvPr id="180" name="CustomShape 65"/>
+          <p:cNvPr id="174" name="CustomShape 65"/>
           <p:cNvSpPr/>
           <p:nvPr/>
         </p:nvSpPr>
         <p:spPr>
           <a:xfrm>
             <a:off x="8719200" y="5405400"/>
-            <a:ext cx="2619360" cy="639000"/>
+            <a:ext cx="2619000" cy="638640"/>
           </a:xfrm>
           <a:prstGeom prst="rect">
             <a:avLst/>
@@ -10820,6 +10397,7 @@
                   <a:srgbClr val="ffc000"/>
                 </a:solidFill>
                 <a:latin typeface="Calibri"/>
+                <a:ea typeface="DejaVu Sans"/>
               </a:rPr>
               <a:t>cluster the dataset</a:t>
             </a:r>
@@ -10839,6 +10417,7 @@
                   <a:srgbClr val="ffc000"/>
                 </a:solidFill>
                 <a:latin typeface="Calibri"/>
+                <a:ea typeface="DejaVu Sans"/>
               </a:rPr>
               <a:t>Comparison of algorithms</a:t>
             </a:r>
@@ -10850,14 +10429,14 @@
       </p:sp>
       <p:sp>
         <p:nvSpPr>
-          <p:cNvPr id="181" name="CustomShape 66"/>
+          <p:cNvPr id="175" name="CustomShape 66"/>
           <p:cNvSpPr/>
           <p:nvPr/>
         </p:nvSpPr>
         <p:spPr>
           <a:xfrm>
             <a:off x="9610560" y="1934640"/>
-            <a:ext cx="2752920" cy="639000"/>
+            <a:ext cx="2752560" cy="638640"/>
           </a:xfrm>
           <a:prstGeom prst="rect">
             <a:avLst/>
@@ -10887,6 +10466,7 @@
                   <a:srgbClr val="8faadc"/>
                 </a:solidFill>
                 <a:latin typeface="Calibri"/>
+                <a:ea typeface="DejaVu Sans"/>
               </a:rPr>
               <a:t>Answer our questions,</a:t>
             </a:r>
@@ -10906,6 +10486,7 @@
                   <a:srgbClr val="8faadc"/>
                 </a:solidFill>
                 <a:latin typeface="Calibri"/>
+                <a:ea typeface="DejaVu Sans"/>
               </a:rPr>
               <a:t>Visualization of results</a:t>
             </a:r>
@@ -10951,7 +10532,7 @@
                                           </p:stCondLst>
                                         </p:cTn>
                                         <p:tgtEl>
-                                          <p:spTgt spid="131"/>
+                                          <p:spTgt spid="125"/>
                                         </p:tgtEl>
                                         <p:attrNameLst>
                                           <p:attrName>style.visibility</p:attrName>
@@ -10965,7 +10546,7 @@
                                       <p:cBhvr additive="repl">
                                         <p:cTn id="121" dur="500"/>
                                         <p:tgtEl>
-                                          <p:spTgt spid="131"/>
+                                          <p:spTgt spid="125"/>
                                         </p:tgtEl>
                                       </p:cBhvr>
                                     </p:animEffect>
@@ -10995,7 +10576,7 @@
                                           </p:stCondLst>
                                         </p:cTn>
                                         <p:tgtEl>
-                                          <p:spTgt spid="132"/>
+                                          <p:spTgt spid="126"/>
                                         </p:tgtEl>
                                         <p:attrNameLst>
                                           <p:attrName>style.visibility</p:attrName>
@@ -11009,7 +10590,7 @@
                                       <p:cBhvr additive="repl">
                                         <p:cTn id="125" dur="500" fill="hold"/>
                                         <p:tgtEl>
-                                          <p:spTgt spid="132"/>
+                                          <p:spTgt spid="126"/>
                                         </p:tgtEl>
                                         <p:attrNameLst>
                                           <p:attrName>ppt_w</p:attrName>
@@ -11032,7 +10613,7 @@
                                       <p:cBhvr additive="repl">
                                         <p:cTn id="126" dur="500" fill="hold"/>
                                         <p:tgtEl>
-                                          <p:spTgt spid="132"/>
+                                          <p:spTgt spid="126"/>
                                         </p:tgtEl>
                                         <p:attrNameLst>
                                           <p:attrName>ppt_h</p:attrName>
@@ -11055,7 +10636,7 @@
                                       <p:cBhvr additive="repl">
                                         <p:cTn id="127" dur="500"/>
                                         <p:tgtEl>
-                                          <p:spTgt spid="132"/>
+                                          <p:spTgt spid="126"/>
                                         </p:tgtEl>
                                       </p:cBhvr>
                                     </p:animEffect>
@@ -11076,7 +10657,7 @@
                                           </p:stCondLst>
                                         </p:cTn>
                                         <p:tgtEl>
-                                          <p:spTgt spid="133"/>
+                                          <p:spTgt spid="127"/>
                                         </p:tgtEl>
                                         <p:attrNameLst>
                                           <p:attrName>style.visibility</p:attrName>
@@ -11090,7 +10671,7 @@
                                       <p:cBhvr additive="repl">
                                         <p:cTn id="130" dur="500" fill="hold"/>
                                         <p:tgtEl>
-                                          <p:spTgt spid="133"/>
+                                          <p:spTgt spid="127"/>
                                         </p:tgtEl>
                                         <p:attrNameLst>
                                           <p:attrName>ppt_w</p:attrName>
@@ -11113,7 +10694,7 @@
                                       <p:cBhvr additive="repl">
                                         <p:cTn id="131" dur="500" fill="hold"/>
                                         <p:tgtEl>
-                                          <p:spTgt spid="133"/>
+                                          <p:spTgt spid="127"/>
                                         </p:tgtEl>
                                         <p:attrNameLst>
                                           <p:attrName>ppt_h</p:attrName>
@@ -11136,7 +10717,7 @@
                                       <p:cBhvr additive="repl">
                                         <p:cTn id="132" dur="500"/>
                                         <p:tgtEl>
-                                          <p:spTgt spid="133"/>
+                                          <p:spTgt spid="127"/>
                                         </p:tgtEl>
                                       </p:cBhvr>
                                     </p:animEffect>
@@ -11157,7 +10738,7 @@
                                           </p:stCondLst>
                                         </p:cTn>
                                         <p:tgtEl>
-                                          <p:spTgt spid="134"/>
+                                          <p:spTgt spid="128"/>
                                         </p:tgtEl>
                                         <p:attrNameLst>
                                           <p:attrName>style.visibility</p:attrName>
@@ -11171,7 +10752,7 @@
                                       <p:cBhvr additive="repl">
                                         <p:cTn id="135" dur="500" fill="hold"/>
                                         <p:tgtEl>
-                                          <p:spTgt spid="134"/>
+                                          <p:spTgt spid="128"/>
                                         </p:tgtEl>
                                         <p:attrNameLst>
                                           <p:attrName>ppt_w</p:attrName>
@@ -11194,7 +10775,7 @@
                                       <p:cBhvr additive="repl">
                                         <p:cTn id="136" dur="500" fill="hold"/>
                                         <p:tgtEl>
-                                          <p:spTgt spid="134"/>
+                                          <p:spTgt spid="128"/>
                                         </p:tgtEl>
                                         <p:attrNameLst>
                                           <p:attrName>ppt_h</p:attrName>
@@ -11217,7 +10798,7 @@
                                       <p:cBhvr additive="repl">
                                         <p:cTn id="137" dur="500"/>
                                         <p:tgtEl>
-                                          <p:spTgt spid="134"/>
+                                          <p:spTgt spid="128"/>
                                         </p:tgtEl>
                                       </p:cBhvr>
                                     </p:animEffect>
@@ -11247,7 +10828,7 @@
                                           </p:stCondLst>
                                         </p:cTn>
                                         <p:tgtEl>
-                                          <p:spTgt spid="135"/>
+                                          <p:spTgt spid="129"/>
                                         </p:tgtEl>
                                         <p:attrNameLst>
                                           <p:attrName>style.visibility</p:attrName>
@@ -11261,7 +10842,7 @@
                                       <p:cBhvr additive="repl">
                                         <p:cTn id="141" dur="500"/>
                                         <p:tgtEl>
-                                          <p:spTgt spid="135"/>
+                                          <p:spTgt spid="129"/>
                                         </p:tgtEl>
                                       </p:cBhvr>
                                     </p:animEffect>
@@ -11291,7 +10872,7 @@
                                           </p:stCondLst>
                                         </p:cTn>
                                         <p:tgtEl>
-                                          <p:spTgt spid="136"/>
+                                          <p:spTgt spid="130"/>
                                         </p:tgtEl>
                                         <p:attrNameLst>
                                           <p:attrName>style.visibility</p:attrName>
@@ -11305,7 +10886,7 @@
                                       <p:cBhvr additive="repl">
                                         <p:cTn id="145" dur="500" fill="hold"/>
                                         <p:tgtEl>
-                                          <p:spTgt spid="136"/>
+                                          <p:spTgt spid="130"/>
                                         </p:tgtEl>
                                         <p:attrNameLst>
                                           <p:attrName>ppt_w</p:attrName>
@@ -11328,7 +10909,7 @@
                                       <p:cBhvr additive="repl">
                                         <p:cTn id="146" dur="500" fill="hold"/>
                                         <p:tgtEl>
-                                          <p:spTgt spid="136"/>
+                                          <p:spTgt spid="130"/>
                                         </p:tgtEl>
                                         <p:attrNameLst>
                                           <p:attrName>ppt_h</p:attrName>
@@ -11351,7 +10932,7 @@
                                       <p:cBhvr additive="repl">
                                         <p:cTn id="147" dur="500"/>
                                         <p:tgtEl>
-                                          <p:spTgt spid="136"/>
+                                          <p:spTgt spid="130"/>
                                         </p:tgtEl>
                                       </p:cBhvr>
                                     </p:animEffect>
@@ -11372,7 +10953,7 @@
                                           </p:stCondLst>
                                         </p:cTn>
                                         <p:tgtEl>
-                                          <p:spTgt spid="168"/>
+                                          <p:spTgt spid="162"/>
                                         </p:tgtEl>
                                         <p:attrNameLst>
                                           <p:attrName>style.visibility</p:attrName>
@@ -11386,7 +10967,7 @@
                                       <p:cBhvr additive="repl">
                                         <p:cTn id="150" dur="500" fill="hold"/>
                                         <p:tgtEl>
-                                          <p:spTgt spid="168"/>
+                                          <p:spTgt spid="162"/>
                                         </p:tgtEl>
                                         <p:attrNameLst>
                                           <p:attrName>ppt_w</p:attrName>
@@ -11409,7 +10990,7 @@
                                       <p:cBhvr additive="repl">
                                         <p:cTn id="151" dur="500" fill="hold"/>
                                         <p:tgtEl>
-                                          <p:spTgt spid="168"/>
+                                          <p:spTgt spid="162"/>
                                         </p:tgtEl>
                                         <p:attrNameLst>
                                           <p:attrName>ppt_h</p:attrName>
@@ -11432,7 +11013,7 @@
                                       <p:cBhvr additive="repl">
                                         <p:cTn id="152" dur="500"/>
                                         <p:tgtEl>
-                                          <p:spTgt spid="168"/>
+                                          <p:spTgt spid="162"/>
                                         </p:tgtEl>
                                       </p:cBhvr>
                                     </p:animEffect>
@@ -11453,7 +11034,7 @@
                                           </p:stCondLst>
                                         </p:cTn>
                                         <p:tgtEl>
-                                          <p:spTgt spid="176"/>
+                                          <p:spTgt spid="170"/>
                                         </p:tgtEl>
                                         <p:attrNameLst>
                                           <p:attrName>style.visibility</p:attrName>
@@ -11467,7 +11048,7 @@
                                       <p:cBhvr additive="repl">
                                         <p:cTn id="155" dur="500" fill="hold"/>
                                         <p:tgtEl>
-                                          <p:spTgt spid="176"/>
+                                          <p:spTgt spid="170"/>
                                         </p:tgtEl>
                                         <p:attrNameLst>
                                           <p:attrName>ppt_w</p:attrName>
@@ -11490,7 +11071,7 @@
                                       <p:cBhvr additive="repl">
                                         <p:cTn id="156" dur="500" fill="hold"/>
                                         <p:tgtEl>
-                                          <p:spTgt spid="176"/>
+                                          <p:spTgt spid="170"/>
                                         </p:tgtEl>
                                         <p:attrNameLst>
                                           <p:attrName>ppt_h</p:attrName>
@@ -11513,7 +11094,7 @@
                                       <p:cBhvr additive="repl">
                                         <p:cTn id="157" dur="500"/>
                                         <p:tgtEl>
-                                          <p:spTgt spid="176"/>
+                                          <p:spTgt spid="170"/>
                                         </p:tgtEl>
                                       </p:cBhvr>
                                     </p:animEffect>
@@ -11552,7 +11133,7 @@
                                           </p:stCondLst>
                                         </p:cTn>
                                         <p:tgtEl>
-                                          <p:spTgt spid="137"/>
+                                          <p:spTgt spid="131"/>
                                         </p:tgtEl>
                                         <p:attrNameLst>
                                           <p:attrName>style.visibility</p:attrName>
@@ -11566,7 +11147,7 @@
                                       <p:cBhvr additive="repl">
                                         <p:cTn id="162" dur="500"/>
                                         <p:tgtEl>
-                                          <p:spTgt spid="137"/>
+                                          <p:spTgt spid="131"/>
                                         </p:tgtEl>
                                       </p:cBhvr>
                                     </p:animEffect>
@@ -11596,7 +11177,7 @@
                                           </p:stCondLst>
                                         </p:cTn>
                                         <p:tgtEl>
-                                          <p:spTgt spid="138"/>
+                                          <p:spTgt spid="132"/>
                                         </p:tgtEl>
                                         <p:attrNameLst>
                                           <p:attrName>style.visibility</p:attrName>
@@ -11610,7 +11191,7 @@
                                       <p:cBhvr additive="repl">
                                         <p:cTn id="166" dur="500" fill="hold"/>
                                         <p:tgtEl>
-                                          <p:spTgt spid="138"/>
+                                          <p:spTgt spid="132"/>
                                         </p:tgtEl>
                                         <p:attrNameLst>
                                           <p:attrName>ppt_w</p:attrName>
@@ -11633,7 +11214,7 @@
                                       <p:cBhvr additive="repl">
                                         <p:cTn id="167" dur="500" fill="hold"/>
                                         <p:tgtEl>
-                                          <p:spTgt spid="138"/>
+                                          <p:spTgt spid="132"/>
                                         </p:tgtEl>
                                         <p:attrNameLst>
                                           <p:attrName>ppt_h</p:attrName>
@@ -11656,7 +11237,7 @@
                                       <p:cBhvr additive="repl">
                                         <p:cTn id="168" dur="500"/>
                                         <p:tgtEl>
-                                          <p:spTgt spid="138"/>
+                                          <p:spTgt spid="132"/>
                                         </p:tgtEl>
                                       </p:cBhvr>
                                     </p:animEffect>
@@ -11677,7 +11258,7 @@
                                           </p:stCondLst>
                                         </p:cTn>
                                         <p:tgtEl>
-                                          <p:spTgt spid="139"/>
+                                          <p:spTgt spid="133"/>
                                         </p:tgtEl>
                                         <p:attrNameLst>
                                           <p:attrName>style.visibility</p:attrName>
@@ -11691,7 +11272,7 @@
                                       <p:cBhvr additive="repl">
                                         <p:cTn id="171" dur="500" fill="hold"/>
                                         <p:tgtEl>
-                                          <p:spTgt spid="139"/>
+                                          <p:spTgt spid="133"/>
                                         </p:tgtEl>
                                         <p:attrNameLst>
                                           <p:attrName>ppt_w</p:attrName>
@@ -11714,7 +11295,7 @@
                                       <p:cBhvr additive="repl">
                                         <p:cTn id="172" dur="500" fill="hold"/>
                                         <p:tgtEl>
-                                          <p:spTgt spid="139"/>
+                                          <p:spTgt spid="133"/>
                                         </p:tgtEl>
                                         <p:attrNameLst>
                                           <p:attrName>ppt_h</p:attrName>
@@ -11737,7 +11318,7 @@
                                       <p:cBhvr additive="repl">
                                         <p:cTn id="173" dur="500"/>
                                         <p:tgtEl>
-                                          <p:spTgt spid="139"/>
+                                          <p:spTgt spid="133"/>
                                         </p:tgtEl>
                                       </p:cBhvr>
                                     </p:animEffect>
@@ -11758,7 +11339,7 @@
                                           </p:stCondLst>
                                         </p:cTn>
                                         <p:tgtEl>
-                                          <p:spTgt spid="140"/>
+                                          <p:spTgt spid="134"/>
                                         </p:tgtEl>
                                         <p:attrNameLst>
                                           <p:attrName>style.visibility</p:attrName>
@@ -11772,7 +11353,7 @@
                                       <p:cBhvr additive="repl">
                                         <p:cTn id="176" dur="500" fill="hold"/>
                                         <p:tgtEl>
-                                          <p:spTgt spid="140"/>
+                                          <p:spTgt spid="134"/>
                                         </p:tgtEl>
                                         <p:attrNameLst>
                                           <p:attrName>ppt_w</p:attrName>
@@ -11795,7 +11376,7 @@
                                       <p:cBhvr additive="repl">
                                         <p:cTn id="177" dur="500" fill="hold"/>
                                         <p:tgtEl>
-                                          <p:spTgt spid="140"/>
+                                          <p:spTgt spid="134"/>
                                         </p:tgtEl>
                                         <p:attrNameLst>
                                           <p:attrName>ppt_h</p:attrName>
@@ -11818,7 +11399,7 @@
                                       <p:cBhvr additive="repl">
                                         <p:cTn id="178" dur="500"/>
                                         <p:tgtEl>
-                                          <p:spTgt spid="140"/>
+                                          <p:spTgt spid="134"/>
                                         </p:tgtEl>
                                       </p:cBhvr>
                                     </p:animEffect>
@@ -11848,7 +11429,7 @@
                                           </p:stCondLst>
                                         </p:cTn>
                                         <p:tgtEl>
-                                          <p:spTgt spid="141"/>
+                                          <p:spTgt spid="135"/>
                                         </p:tgtEl>
                                         <p:attrNameLst>
                                           <p:attrName>style.visibility</p:attrName>
@@ -11862,7 +11443,7 @@
                                       <p:cBhvr additive="repl">
                                         <p:cTn id="182" dur="500"/>
                                         <p:tgtEl>
-                                          <p:spTgt spid="141"/>
+                                          <p:spTgt spid="135"/>
                                         </p:tgtEl>
                                       </p:cBhvr>
                                     </p:animEffect>
@@ -11892,7 +11473,7 @@
                                           </p:stCondLst>
                                         </p:cTn>
                                         <p:tgtEl>
-                                          <p:spTgt spid="142"/>
+                                          <p:spTgt spid="136"/>
                                         </p:tgtEl>
                                         <p:attrNameLst>
                                           <p:attrName>style.visibility</p:attrName>
@@ -11906,7 +11487,7 @@
                                       <p:cBhvr additive="repl">
                                         <p:cTn id="186" dur="500" fill="hold"/>
                                         <p:tgtEl>
-                                          <p:spTgt spid="142"/>
+                                          <p:spTgt spid="136"/>
                                         </p:tgtEl>
                                         <p:attrNameLst>
                                           <p:attrName>ppt_w</p:attrName>
@@ -11929,7 +11510,7 @@
                                       <p:cBhvr additive="repl">
                                         <p:cTn id="187" dur="500" fill="hold"/>
                                         <p:tgtEl>
-                                          <p:spTgt spid="142"/>
+                                          <p:spTgt spid="136"/>
                                         </p:tgtEl>
                                         <p:attrNameLst>
                                           <p:attrName>ppt_h</p:attrName>
@@ -11952,7 +11533,7 @@
                                       <p:cBhvr additive="repl">
                                         <p:cTn id="188" dur="500"/>
                                         <p:tgtEl>
-                                          <p:spTgt spid="142"/>
+                                          <p:spTgt spid="136"/>
                                         </p:tgtEl>
                                       </p:cBhvr>
                                     </p:animEffect>
@@ -11973,7 +11554,7 @@
                                           </p:stCondLst>
                                         </p:cTn>
                                         <p:tgtEl>
-                                          <p:spTgt spid="177"/>
+                                          <p:spTgt spid="171"/>
                                         </p:tgtEl>
                                         <p:attrNameLst>
                                           <p:attrName>style.visibility</p:attrName>
@@ -11987,7 +11568,7 @@
                                       <p:cBhvr additive="repl">
                                         <p:cTn id="191" dur="500" fill="hold"/>
                                         <p:tgtEl>
-                                          <p:spTgt spid="177"/>
+                                          <p:spTgt spid="171"/>
                                         </p:tgtEl>
                                         <p:attrNameLst>
                                           <p:attrName>ppt_w</p:attrName>
@@ -12010,7 +11591,7 @@
                                       <p:cBhvr additive="repl">
                                         <p:cTn id="192" dur="500" fill="hold"/>
                                         <p:tgtEl>
-                                          <p:spTgt spid="177"/>
+                                          <p:spTgt spid="171"/>
                                         </p:tgtEl>
                                         <p:attrNameLst>
                                           <p:attrName>ppt_h</p:attrName>
@@ -12033,7 +11614,7 @@
                                       <p:cBhvr additive="repl">
                                         <p:cTn id="193" dur="500"/>
                                         <p:tgtEl>
-                                          <p:spTgt spid="177"/>
+                                          <p:spTgt spid="171"/>
                                         </p:tgtEl>
                                       </p:cBhvr>
                                     </p:animEffect>
@@ -12054,7 +11635,7 @@
                                           </p:stCondLst>
                                         </p:cTn>
                                         <p:tgtEl>
-                                          <p:spTgt spid="169"/>
+                                          <p:spTgt spid="163"/>
                                         </p:tgtEl>
                                         <p:attrNameLst>
                                           <p:attrName>style.visibility</p:attrName>
@@ -12068,7 +11649,7 @@
                                       <p:cBhvr additive="repl">
                                         <p:cTn id="196" dur="500" fill="hold"/>
                                         <p:tgtEl>
-                                          <p:spTgt spid="169"/>
+                                          <p:spTgt spid="163"/>
                                         </p:tgtEl>
                                         <p:attrNameLst>
                                           <p:attrName>ppt_w</p:attrName>
@@ -12091,7 +11672,7 @@
                                       <p:cBhvr additive="repl">
                                         <p:cTn id="197" dur="500" fill="hold"/>
                                         <p:tgtEl>
-                                          <p:spTgt spid="169"/>
+                                          <p:spTgt spid="163"/>
                                         </p:tgtEl>
                                         <p:attrNameLst>
                                           <p:attrName>ppt_h</p:attrName>
@@ -12114,7 +11695,7 @@
                                       <p:cBhvr additive="repl">
                                         <p:cTn id="198" dur="500"/>
                                         <p:tgtEl>
-                                          <p:spTgt spid="169"/>
+                                          <p:spTgt spid="163"/>
                                         </p:tgtEl>
                                       </p:cBhvr>
                                     </p:animEffect>
@@ -12153,7 +11734,7 @@
                                           </p:stCondLst>
                                         </p:cTn>
                                         <p:tgtEl>
-                                          <p:spTgt spid="143"/>
+                                          <p:spTgt spid="137"/>
                                         </p:tgtEl>
                                         <p:attrNameLst>
                                           <p:attrName>style.visibility</p:attrName>
@@ -12167,7 +11748,7 @@
                                       <p:cBhvr additive="repl">
                                         <p:cTn id="203" dur="500"/>
                                         <p:tgtEl>
-                                          <p:spTgt spid="143"/>
+                                          <p:spTgt spid="137"/>
                                         </p:tgtEl>
                                       </p:cBhvr>
                                     </p:animEffect>
@@ -12197,7 +11778,7 @@
                                           </p:stCondLst>
                                         </p:cTn>
                                         <p:tgtEl>
-                                          <p:spTgt spid="144"/>
+                                          <p:spTgt spid="138"/>
                                         </p:tgtEl>
                                         <p:attrNameLst>
                                           <p:attrName>style.visibility</p:attrName>
@@ -12211,7 +11792,7 @@
                                       <p:cBhvr additive="repl">
                                         <p:cTn id="207" dur="500" fill="hold"/>
                                         <p:tgtEl>
-                                          <p:spTgt spid="144"/>
+                                          <p:spTgt spid="138"/>
                                         </p:tgtEl>
                                         <p:attrNameLst>
                                           <p:attrName>ppt_w</p:attrName>
@@ -12234,7 +11815,7 @@
                                       <p:cBhvr additive="repl">
                                         <p:cTn id="208" dur="500" fill="hold"/>
                                         <p:tgtEl>
-                                          <p:spTgt spid="144"/>
+                                          <p:spTgt spid="138"/>
                                         </p:tgtEl>
                                         <p:attrNameLst>
                                           <p:attrName>ppt_h</p:attrName>
@@ -12257,7 +11838,7 @@
                                       <p:cBhvr additive="repl">
                                         <p:cTn id="209" dur="500"/>
                                         <p:tgtEl>
-                                          <p:spTgt spid="144"/>
+                                          <p:spTgt spid="138"/>
                                         </p:tgtEl>
                                       </p:cBhvr>
                                     </p:animEffect>
@@ -12278,7 +11859,7 @@
                                           </p:stCondLst>
                                         </p:cTn>
                                         <p:tgtEl>
-                                          <p:spTgt spid="145"/>
+                                          <p:spTgt spid="139"/>
                                         </p:tgtEl>
                                         <p:attrNameLst>
                                           <p:attrName>style.visibility</p:attrName>
@@ -12292,7 +11873,7 @@
                                       <p:cBhvr additive="repl">
                                         <p:cTn id="212" dur="500" fill="hold"/>
                                         <p:tgtEl>
-                                          <p:spTgt spid="145"/>
+                                          <p:spTgt spid="139"/>
                                         </p:tgtEl>
                                         <p:attrNameLst>
                                           <p:attrName>ppt_w</p:attrName>
@@ -12315,7 +11896,7 @@
                                       <p:cBhvr additive="repl">
                                         <p:cTn id="213" dur="500" fill="hold"/>
                                         <p:tgtEl>
-                                          <p:spTgt spid="145"/>
+                                          <p:spTgt spid="139"/>
                                         </p:tgtEl>
                                         <p:attrNameLst>
                                           <p:attrName>ppt_h</p:attrName>
@@ -12338,7 +11919,7 @@
                                       <p:cBhvr additive="repl">
                                         <p:cTn id="214" dur="500"/>
                                         <p:tgtEl>
-                                          <p:spTgt spid="145"/>
+                                          <p:spTgt spid="139"/>
                                         </p:tgtEl>
                                       </p:cBhvr>
                                     </p:animEffect>
@@ -12359,7 +11940,7 @@
                                           </p:stCondLst>
                                         </p:cTn>
                                         <p:tgtEl>
-                                          <p:spTgt spid="146"/>
+                                          <p:spTgt spid="140"/>
                                         </p:tgtEl>
                                         <p:attrNameLst>
                                           <p:attrName>style.visibility</p:attrName>
@@ -12373,7 +11954,7 @@
                                       <p:cBhvr additive="repl">
                                         <p:cTn id="217" dur="500" fill="hold"/>
                                         <p:tgtEl>
-                                          <p:spTgt spid="146"/>
+                                          <p:spTgt spid="140"/>
                                         </p:tgtEl>
                                         <p:attrNameLst>
                                           <p:attrName>ppt_w</p:attrName>
@@ -12396,7 +11977,7 @@
                                       <p:cBhvr additive="repl">
                                         <p:cTn id="218" dur="500" fill="hold"/>
                                         <p:tgtEl>
-                                          <p:spTgt spid="146"/>
+                                          <p:spTgt spid="140"/>
                                         </p:tgtEl>
                                         <p:attrNameLst>
                                           <p:attrName>ppt_h</p:attrName>
@@ -12419,7 +12000,7 @@
                                       <p:cBhvr additive="repl">
                                         <p:cTn id="219" dur="500"/>
                                         <p:tgtEl>
-                                          <p:spTgt spid="146"/>
+                                          <p:spTgt spid="140"/>
                                         </p:tgtEl>
                                       </p:cBhvr>
                                     </p:animEffect>
@@ -12449,7 +12030,7 @@
                                           </p:stCondLst>
                                         </p:cTn>
                                         <p:tgtEl>
-                                          <p:spTgt spid="147"/>
+                                          <p:spTgt spid="141"/>
                                         </p:tgtEl>
                                         <p:attrNameLst>
                                           <p:attrName>style.visibility</p:attrName>
@@ -12463,7 +12044,7 @@
                                       <p:cBhvr additive="repl">
                                         <p:cTn id="223" dur="500"/>
                                         <p:tgtEl>
-                                          <p:spTgt spid="147"/>
+                                          <p:spTgt spid="141"/>
                                         </p:tgtEl>
                                       </p:cBhvr>
                                     </p:animEffect>
@@ -12493,7 +12074,7 @@
                                           </p:stCondLst>
                                         </p:cTn>
                                         <p:tgtEl>
-                                          <p:spTgt spid="148"/>
+                                          <p:spTgt spid="142"/>
                                         </p:tgtEl>
                                         <p:attrNameLst>
                                           <p:attrName>style.visibility</p:attrName>
@@ -12507,7 +12088,7 @@
                                       <p:cBhvr additive="repl">
                                         <p:cTn id="227" dur="500" fill="hold"/>
                                         <p:tgtEl>
-                                          <p:spTgt spid="148"/>
+                                          <p:spTgt spid="142"/>
                                         </p:tgtEl>
                                         <p:attrNameLst>
                                           <p:attrName>ppt_w</p:attrName>
@@ -12530,7 +12111,7 @@
                                       <p:cBhvr additive="repl">
                                         <p:cTn id="228" dur="500" fill="hold"/>
                                         <p:tgtEl>
-                                          <p:spTgt spid="148"/>
+                                          <p:spTgt spid="142"/>
                                         </p:tgtEl>
                                         <p:attrNameLst>
                                           <p:attrName>ppt_h</p:attrName>
@@ -12553,7 +12134,7 @@
                                       <p:cBhvr additive="repl">
                                         <p:cTn id="229" dur="500"/>
                                         <p:tgtEl>
-                                          <p:spTgt spid="148"/>
+                                          <p:spTgt spid="142"/>
                                         </p:tgtEl>
                                       </p:cBhvr>
                                     </p:animEffect>
@@ -12574,7 +12155,7 @@
                                           </p:stCondLst>
                                         </p:cTn>
                                         <p:tgtEl>
-                                          <p:spTgt spid="172"/>
+                                          <p:spTgt spid="166"/>
                                         </p:tgtEl>
                                         <p:attrNameLst>
                                           <p:attrName>style.visibility</p:attrName>
@@ -12588,7 +12169,7 @@
                                       <p:cBhvr additive="repl">
                                         <p:cTn id="232" dur="500" fill="hold"/>
                                         <p:tgtEl>
-                                          <p:spTgt spid="172"/>
+                                          <p:spTgt spid="166"/>
                                         </p:tgtEl>
                                         <p:attrNameLst>
                                           <p:attrName>ppt_w</p:attrName>
@@ -12611,7 +12192,7 @@
                                       <p:cBhvr additive="repl">
                                         <p:cTn id="233" dur="500" fill="hold"/>
                                         <p:tgtEl>
-                                          <p:spTgt spid="172"/>
+                                          <p:spTgt spid="166"/>
                                         </p:tgtEl>
                                         <p:attrNameLst>
                                           <p:attrName>ppt_h</p:attrName>
@@ -12634,7 +12215,7 @@
                                       <p:cBhvr additive="repl">
                                         <p:cTn id="234" dur="500"/>
                                         <p:tgtEl>
-                                          <p:spTgt spid="172"/>
+                                          <p:spTgt spid="166"/>
                                         </p:tgtEl>
                                       </p:cBhvr>
                                     </p:animEffect>
@@ -12655,7 +12236,7 @@
                                           </p:stCondLst>
                                         </p:cTn>
                                         <p:tgtEl>
-                                          <p:spTgt spid="178"/>
+                                          <p:spTgt spid="172"/>
                                         </p:tgtEl>
                                         <p:attrNameLst>
                                           <p:attrName>style.visibility</p:attrName>
@@ -12669,7 +12250,7 @@
                                       <p:cBhvr additive="repl">
                                         <p:cTn id="237" dur="500" fill="hold"/>
                                         <p:tgtEl>
-                                          <p:spTgt spid="178"/>
+                                          <p:spTgt spid="172"/>
                                         </p:tgtEl>
                                         <p:attrNameLst>
                                           <p:attrName>ppt_w</p:attrName>
@@ -12692,7 +12273,7 @@
                                       <p:cBhvr additive="repl">
                                         <p:cTn id="238" dur="500" fill="hold"/>
                                         <p:tgtEl>
-                                          <p:spTgt spid="178"/>
+                                          <p:spTgt spid="172"/>
                                         </p:tgtEl>
                                         <p:attrNameLst>
                                           <p:attrName>ppt_h</p:attrName>
@@ -12715,7 +12296,7 @@
                                       <p:cBhvr additive="repl">
                                         <p:cTn id="239" dur="500"/>
                                         <p:tgtEl>
-                                          <p:spTgt spid="178"/>
+                                          <p:spTgt spid="172"/>
                                         </p:tgtEl>
                                       </p:cBhvr>
                                     </p:animEffect>
@@ -12754,7 +12335,7 @@
                                           </p:stCondLst>
                                         </p:cTn>
                                         <p:tgtEl>
-                                          <p:spTgt spid="149"/>
+                                          <p:spTgt spid="143"/>
                                         </p:tgtEl>
                                         <p:attrNameLst>
                                           <p:attrName>style.visibility</p:attrName>
@@ -12768,7 +12349,7 @@
                                       <p:cBhvr additive="repl">
                                         <p:cTn id="244" dur="500"/>
                                         <p:tgtEl>
-                                          <p:spTgt spid="149"/>
+                                          <p:spTgt spid="143"/>
                                         </p:tgtEl>
                                       </p:cBhvr>
                                     </p:animEffect>
@@ -12798,7 +12379,7 @@
                                           </p:stCondLst>
                                         </p:cTn>
                                         <p:tgtEl>
-                                          <p:spTgt spid="150"/>
+                                          <p:spTgt spid="144"/>
                                         </p:tgtEl>
                                         <p:attrNameLst>
                                           <p:attrName>style.visibility</p:attrName>
@@ -12812,7 +12393,7 @@
                                       <p:cBhvr additive="repl">
                                         <p:cTn id="248" dur="500" fill="hold"/>
                                         <p:tgtEl>
-                                          <p:spTgt spid="150"/>
+                                          <p:spTgt spid="144"/>
                                         </p:tgtEl>
                                         <p:attrNameLst>
                                           <p:attrName>ppt_w</p:attrName>
@@ -12835,7 +12416,7 @@
                                       <p:cBhvr additive="repl">
                                         <p:cTn id="249" dur="500" fill="hold"/>
                                         <p:tgtEl>
-                                          <p:spTgt spid="150"/>
+                                          <p:spTgt spid="144"/>
                                         </p:tgtEl>
                                         <p:attrNameLst>
                                           <p:attrName>ppt_h</p:attrName>
@@ -12858,7 +12439,7 @@
                                       <p:cBhvr additive="repl">
                                         <p:cTn id="250" dur="500"/>
                                         <p:tgtEl>
-                                          <p:spTgt spid="150"/>
+                                          <p:spTgt spid="144"/>
                                         </p:tgtEl>
                                       </p:cBhvr>
                                     </p:animEffect>
@@ -12879,7 +12460,7 @@
                                           </p:stCondLst>
                                         </p:cTn>
                                         <p:tgtEl>
-                                          <p:spTgt spid="152"/>
+                                          <p:spTgt spid="146"/>
                                         </p:tgtEl>
                                         <p:attrNameLst>
                                           <p:attrName>style.visibility</p:attrName>
@@ -12893,7 +12474,7 @@
                                       <p:cBhvr additive="repl">
                                         <p:cTn id="253" dur="500" fill="hold"/>
                                         <p:tgtEl>
-                                          <p:spTgt spid="152"/>
+                                          <p:spTgt spid="146"/>
                                         </p:tgtEl>
                                         <p:attrNameLst>
                                           <p:attrName>ppt_w</p:attrName>
@@ -12916,7 +12497,7 @@
                                       <p:cBhvr additive="repl">
                                         <p:cTn id="254" dur="500" fill="hold"/>
                                         <p:tgtEl>
-                                          <p:spTgt spid="152"/>
+                                          <p:spTgt spid="146"/>
                                         </p:tgtEl>
                                         <p:attrNameLst>
                                           <p:attrName>ppt_h</p:attrName>
@@ -12939,7 +12520,7 @@
                                       <p:cBhvr additive="repl">
                                         <p:cTn id="255" dur="500"/>
                                         <p:tgtEl>
-                                          <p:spTgt spid="152"/>
+                                          <p:spTgt spid="146"/>
                                         </p:tgtEl>
                                       </p:cBhvr>
                                     </p:animEffect>
@@ -12960,7 +12541,7 @@
                                           </p:stCondLst>
                                         </p:cTn>
                                         <p:tgtEl>
-                                          <p:spTgt spid="151"/>
+                                          <p:spTgt spid="145"/>
                                         </p:tgtEl>
                                         <p:attrNameLst>
                                           <p:attrName>style.visibility</p:attrName>
@@ -12974,7 +12555,7 @@
                                       <p:cBhvr additive="repl">
                                         <p:cTn id="258" dur="500" fill="hold"/>
                                         <p:tgtEl>
-                                          <p:spTgt spid="151"/>
+                                          <p:spTgt spid="145"/>
                                         </p:tgtEl>
                                         <p:attrNameLst>
                                           <p:attrName>ppt_w</p:attrName>
@@ -12997,7 +12578,7 @@
                                       <p:cBhvr additive="repl">
                                         <p:cTn id="259" dur="500" fill="hold"/>
                                         <p:tgtEl>
-                                          <p:spTgt spid="151"/>
+                                          <p:spTgt spid="145"/>
                                         </p:tgtEl>
                                         <p:attrNameLst>
                                           <p:attrName>ppt_h</p:attrName>
@@ -13020,7 +12601,7 @@
                                       <p:cBhvr additive="repl">
                                         <p:cTn id="260" dur="500"/>
                                         <p:tgtEl>
-                                          <p:spTgt spid="151"/>
+                                          <p:spTgt spid="145"/>
                                         </p:tgtEl>
                                       </p:cBhvr>
                                     </p:animEffect>
@@ -13050,7 +12631,7 @@
                                           </p:stCondLst>
                                         </p:cTn>
                                         <p:tgtEl>
-                                          <p:spTgt spid="153"/>
+                                          <p:spTgt spid="147"/>
                                         </p:tgtEl>
                                         <p:attrNameLst>
                                           <p:attrName>style.visibility</p:attrName>
@@ -13064,7 +12645,7 @@
                                       <p:cBhvr additive="repl">
                                         <p:cTn id="264" dur="500"/>
                                         <p:tgtEl>
-                                          <p:spTgt spid="153"/>
+                                          <p:spTgt spid="147"/>
                                         </p:tgtEl>
                                       </p:cBhvr>
                                     </p:animEffect>
@@ -13094,7 +12675,7 @@
                                           </p:stCondLst>
                                         </p:cTn>
                                         <p:tgtEl>
-                                          <p:spTgt spid="154"/>
+                                          <p:spTgt spid="148"/>
                                         </p:tgtEl>
                                         <p:attrNameLst>
                                           <p:attrName>style.visibility</p:attrName>
@@ -13108,7 +12689,7 @@
                                       <p:cBhvr additive="repl">
                                         <p:cTn id="268" dur="500" fill="hold"/>
                                         <p:tgtEl>
-                                          <p:spTgt spid="154"/>
+                                          <p:spTgt spid="148"/>
                                         </p:tgtEl>
                                         <p:attrNameLst>
                                           <p:attrName>ppt_w</p:attrName>
@@ -13131,7 +12712,7 @@
                                       <p:cBhvr additive="repl">
                                         <p:cTn id="269" dur="500" fill="hold"/>
                                         <p:tgtEl>
-                                          <p:spTgt spid="154"/>
+                                          <p:spTgt spid="148"/>
                                         </p:tgtEl>
                                         <p:attrNameLst>
                                           <p:attrName>ppt_h</p:attrName>
@@ -13154,7 +12735,7 @@
                                       <p:cBhvr additive="repl">
                                         <p:cTn id="270" dur="500"/>
                                         <p:tgtEl>
-                                          <p:spTgt spid="154"/>
+                                          <p:spTgt spid="148"/>
                                         </p:tgtEl>
                                       </p:cBhvr>
                                     </p:animEffect>
@@ -13175,7 +12756,7 @@
                                           </p:stCondLst>
                                         </p:cTn>
                                         <p:tgtEl>
-                                          <p:spTgt spid="179"/>
+                                          <p:spTgt spid="173"/>
                                         </p:tgtEl>
                                         <p:attrNameLst>
                                           <p:attrName>style.visibility</p:attrName>
@@ -13189,7 +12770,7 @@
                                       <p:cBhvr additive="repl">
                                         <p:cTn id="273" dur="500" fill="hold"/>
                                         <p:tgtEl>
-                                          <p:spTgt spid="179"/>
+                                          <p:spTgt spid="173"/>
                                         </p:tgtEl>
                                         <p:attrNameLst>
                                           <p:attrName>ppt_w</p:attrName>
@@ -13212,7 +12793,7 @@
                                       <p:cBhvr additive="repl">
                                         <p:cTn id="274" dur="500" fill="hold"/>
                                         <p:tgtEl>
-                                          <p:spTgt spid="179"/>
+                                          <p:spTgt spid="173"/>
                                         </p:tgtEl>
                                         <p:attrNameLst>
                                           <p:attrName>ppt_h</p:attrName>
@@ -13235,7 +12816,7 @@
                                       <p:cBhvr additive="repl">
                                         <p:cTn id="275" dur="500"/>
                                         <p:tgtEl>
-                                          <p:spTgt spid="179"/>
+                                          <p:spTgt spid="173"/>
                                         </p:tgtEl>
                                       </p:cBhvr>
                                     </p:animEffect>
@@ -13256,7 +12837,7 @@
                                           </p:stCondLst>
                                         </p:cTn>
                                         <p:tgtEl>
-                                          <p:spTgt spid="170"/>
+                                          <p:spTgt spid="164"/>
                                         </p:tgtEl>
                                         <p:attrNameLst>
                                           <p:attrName>style.visibility</p:attrName>
@@ -13270,7 +12851,7 @@
                                       <p:cBhvr additive="repl">
                                         <p:cTn id="278" dur="500" fill="hold"/>
                                         <p:tgtEl>
-                                          <p:spTgt spid="170"/>
+                                          <p:spTgt spid="164"/>
                                         </p:tgtEl>
                                         <p:attrNameLst>
                                           <p:attrName>ppt_w</p:attrName>
@@ -13293,7 +12874,7 @@
                                       <p:cBhvr additive="repl">
                                         <p:cTn id="279" dur="500" fill="hold"/>
                                         <p:tgtEl>
-                                          <p:spTgt spid="170"/>
+                                          <p:spTgt spid="164"/>
                                         </p:tgtEl>
                                         <p:attrNameLst>
                                           <p:attrName>ppt_h</p:attrName>
@@ -13316,7 +12897,7 @@
                                       <p:cBhvr additive="repl">
                                         <p:cTn id="280" dur="500"/>
                                         <p:tgtEl>
-                                          <p:spTgt spid="170"/>
+                                          <p:spTgt spid="164"/>
                                         </p:tgtEl>
                                       </p:cBhvr>
                                     </p:animEffect>
@@ -13355,7 +12936,7 @@
                                           </p:stCondLst>
                                         </p:cTn>
                                         <p:tgtEl>
-                                          <p:spTgt spid="160"/>
+                                          <p:spTgt spid="154"/>
                                         </p:tgtEl>
                                         <p:attrNameLst>
                                           <p:attrName>style.visibility</p:attrName>
@@ -13369,7 +12950,7 @@
                                       <p:cBhvr additive="repl">
                                         <p:cTn id="285" dur="500"/>
                                         <p:tgtEl>
-                                          <p:spTgt spid="160"/>
+                                          <p:spTgt spid="154"/>
                                         </p:tgtEl>
                                       </p:cBhvr>
                                     </p:animEffect>
@@ -13399,7 +12980,7 @@
                                           </p:stCondLst>
                                         </p:cTn>
                                         <p:tgtEl>
-                                          <p:spTgt spid="155"/>
+                                          <p:spTgt spid="149"/>
                                         </p:tgtEl>
                                         <p:attrNameLst>
                                           <p:attrName>style.visibility</p:attrName>
@@ -13413,7 +12994,7 @@
                                       <p:cBhvr additive="repl">
                                         <p:cTn id="289" dur="500" fill="hold"/>
                                         <p:tgtEl>
-                                          <p:spTgt spid="155"/>
+                                          <p:spTgt spid="149"/>
                                         </p:tgtEl>
                                         <p:attrNameLst>
                                           <p:attrName>ppt_w</p:attrName>
@@ -13436,7 +13017,7 @@
                                       <p:cBhvr additive="repl">
                                         <p:cTn id="290" dur="500" fill="hold"/>
                                         <p:tgtEl>
-                                          <p:spTgt spid="155"/>
+                                          <p:spTgt spid="149"/>
                                         </p:tgtEl>
                                         <p:attrNameLst>
                                           <p:attrName>ppt_h</p:attrName>
@@ -13459,7 +13040,7 @@
                                       <p:cBhvr additive="repl">
                                         <p:cTn id="291" dur="500"/>
                                         <p:tgtEl>
-                                          <p:spTgt spid="155"/>
+                                          <p:spTgt spid="149"/>
                                         </p:tgtEl>
                                       </p:cBhvr>
                                     </p:animEffect>
@@ -13480,7 +13061,7 @@
                                           </p:stCondLst>
                                         </p:cTn>
                                         <p:tgtEl>
-                                          <p:spTgt spid="157"/>
+                                          <p:spTgt spid="151"/>
                                         </p:tgtEl>
                                         <p:attrNameLst>
                                           <p:attrName>style.visibility</p:attrName>
@@ -13494,7 +13075,7 @@
                                       <p:cBhvr additive="repl">
                                         <p:cTn id="294" dur="500" fill="hold"/>
                                         <p:tgtEl>
-                                          <p:spTgt spid="157"/>
+                                          <p:spTgt spid="151"/>
                                         </p:tgtEl>
                                         <p:attrNameLst>
                                           <p:attrName>ppt_w</p:attrName>
@@ -13517,7 +13098,7 @@
                                       <p:cBhvr additive="repl">
                                         <p:cTn id="295" dur="500" fill="hold"/>
                                         <p:tgtEl>
-                                          <p:spTgt spid="157"/>
+                                          <p:spTgt spid="151"/>
                                         </p:tgtEl>
                                         <p:attrNameLst>
                                           <p:attrName>ppt_h</p:attrName>
@@ -13540,7 +13121,7 @@
                                       <p:cBhvr additive="repl">
                                         <p:cTn id="296" dur="500"/>
                                         <p:tgtEl>
-                                          <p:spTgt spid="157"/>
+                                          <p:spTgt spid="151"/>
                                         </p:tgtEl>
                                       </p:cBhvr>
                                     </p:animEffect>
@@ -13561,7 +13142,7 @@
                                           </p:stCondLst>
                                         </p:cTn>
                                         <p:tgtEl>
-                                          <p:spTgt spid="156"/>
+                                          <p:spTgt spid="150"/>
                                         </p:tgtEl>
                                         <p:attrNameLst>
                                           <p:attrName>style.visibility</p:attrName>
@@ -13575,7 +13156,7 @@
                                       <p:cBhvr additive="repl">
                                         <p:cTn id="299" dur="500" fill="hold"/>
                                         <p:tgtEl>
-                                          <p:spTgt spid="156"/>
+                                          <p:spTgt spid="150"/>
                                         </p:tgtEl>
                                         <p:attrNameLst>
                                           <p:attrName>ppt_w</p:attrName>
@@ -13598,7 +13179,7 @@
                                       <p:cBhvr additive="repl">
                                         <p:cTn id="300" dur="500" fill="hold"/>
                                         <p:tgtEl>
-                                          <p:spTgt spid="156"/>
+                                          <p:spTgt spid="150"/>
                                         </p:tgtEl>
                                         <p:attrNameLst>
                                           <p:attrName>ppt_h</p:attrName>
@@ -13621,7 +13202,7 @@
                                       <p:cBhvr additive="repl">
                                         <p:cTn id="301" dur="500"/>
                                         <p:tgtEl>
-                                          <p:spTgt spid="156"/>
+                                          <p:spTgt spid="150"/>
                                         </p:tgtEl>
                                       </p:cBhvr>
                                     </p:animEffect>
@@ -13642,7 +13223,7 @@
                                           </p:stCondLst>
                                         </p:cTn>
                                         <p:tgtEl>
-                                          <p:spTgt spid="157"/>
+                                          <p:spTgt spid="151"/>
                                         </p:tgtEl>
                                         <p:attrNameLst>
                                           <p:attrName>style.visibility</p:attrName>
@@ -13656,7 +13237,7 @@
                                       <p:cBhvr additive="repl">
                                         <p:cTn id="304" dur="500" fill="hold"/>
                                         <p:tgtEl>
-                                          <p:spTgt spid="157"/>
+                                          <p:spTgt spid="151"/>
                                         </p:tgtEl>
                                         <p:attrNameLst>
                                           <p:attrName>ppt_w</p:attrName>
@@ -13679,7 +13260,7 @@
                                       <p:cBhvr additive="repl">
                                         <p:cTn id="305" dur="500" fill="hold"/>
                                         <p:tgtEl>
-                                          <p:spTgt spid="157"/>
+                                          <p:spTgt spid="151"/>
                                         </p:tgtEl>
                                         <p:attrNameLst>
                                           <p:attrName>ppt_h</p:attrName>
@@ -13702,7 +13283,7 @@
                                       <p:cBhvr additive="repl">
                                         <p:cTn id="306" dur="500"/>
                                         <p:tgtEl>
-                                          <p:spTgt spid="157"/>
+                                          <p:spTgt spid="151"/>
                                         </p:tgtEl>
                                       </p:cBhvr>
                                     </p:animEffect>
@@ -13732,7 +13313,7 @@
                                           </p:stCondLst>
                                         </p:cTn>
                                         <p:tgtEl>
-                                          <p:spTgt spid="158"/>
+                                          <p:spTgt spid="152"/>
                                         </p:tgtEl>
                                         <p:attrNameLst>
                                           <p:attrName>style.visibility</p:attrName>
@@ -13746,7 +13327,7 @@
                                       <p:cBhvr additive="repl">
                                         <p:cTn id="310" dur="500"/>
                                         <p:tgtEl>
-                                          <p:spTgt spid="158"/>
+                                          <p:spTgt spid="152"/>
                                         </p:tgtEl>
                                       </p:cBhvr>
                                     </p:animEffect>
@@ -13776,7 +13357,7 @@
                                           </p:stCondLst>
                                         </p:cTn>
                                         <p:tgtEl>
-                                          <p:spTgt spid="159"/>
+                                          <p:spTgt spid="153"/>
                                         </p:tgtEl>
                                         <p:attrNameLst>
                                           <p:attrName>style.visibility</p:attrName>
@@ -13790,7 +13371,7 @@
                                       <p:cBhvr additive="repl">
                                         <p:cTn id="314" dur="500" fill="hold"/>
                                         <p:tgtEl>
-                                          <p:spTgt spid="159"/>
+                                          <p:spTgt spid="153"/>
                                         </p:tgtEl>
                                         <p:attrNameLst>
                                           <p:attrName>ppt_w</p:attrName>
@@ -13813,7 +13394,7 @@
                                       <p:cBhvr additive="repl">
                                         <p:cTn id="315" dur="500" fill="hold"/>
                                         <p:tgtEl>
-                                          <p:spTgt spid="159"/>
+                                          <p:spTgt spid="153"/>
                                         </p:tgtEl>
                                         <p:attrNameLst>
                                           <p:attrName>ppt_h</p:attrName>
@@ -13836,7 +13417,7 @@
                                       <p:cBhvr additive="repl">
                                         <p:cTn id="316" dur="500"/>
                                         <p:tgtEl>
-                                          <p:spTgt spid="159"/>
+                                          <p:spTgt spid="153"/>
                                         </p:tgtEl>
                                       </p:cBhvr>
                                     </p:animEffect>
@@ -13857,7 +13438,7 @@
                                           </p:stCondLst>
                                         </p:cTn>
                                         <p:tgtEl>
-                                          <p:spTgt spid="171"/>
+                                          <p:spTgt spid="165"/>
                                         </p:tgtEl>
                                         <p:attrNameLst>
                                           <p:attrName>style.visibility</p:attrName>
@@ -13871,7 +13452,7 @@
                                       <p:cBhvr additive="repl">
                                         <p:cTn id="319" dur="500" fill="hold"/>
                                         <p:tgtEl>
-                                          <p:spTgt spid="171"/>
+                                          <p:spTgt spid="165"/>
                                         </p:tgtEl>
                                         <p:attrNameLst>
                                           <p:attrName>ppt_w</p:attrName>
@@ -13894,7 +13475,7 @@
                                       <p:cBhvr additive="repl">
                                         <p:cTn id="320" dur="500" fill="hold"/>
                                         <p:tgtEl>
-                                          <p:spTgt spid="171"/>
+                                          <p:spTgt spid="165"/>
                                         </p:tgtEl>
                                         <p:attrNameLst>
                                           <p:attrName>ppt_h</p:attrName>
@@ -13917,7 +13498,7 @@
                                       <p:cBhvr additive="repl">
                                         <p:cTn id="321" dur="500"/>
                                         <p:tgtEl>
-                                          <p:spTgt spid="171"/>
+                                          <p:spTgt spid="165"/>
                                         </p:tgtEl>
                                       </p:cBhvr>
                                     </p:animEffect>
@@ -13938,7 +13519,7 @@
                                           </p:stCondLst>
                                         </p:cTn>
                                         <p:tgtEl>
-                                          <p:spTgt spid="180"/>
+                                          <p:spTgt spid="174"/>
                                         </p:tgtEl>
                                         <p:attrNameLst>
                                           <p:attrName>style.visibility</p:attrName>
@@ -13952,7 +13533,7 @@
                                       <p:cBhvr additive="repl">
                                         <p:cTn id="324" dur="500" fill="hold"/>
                                         <p:tgtEl>
-                                          <p:spTgt spid="180"/>
+                                          <p:spTgt spid="174"/>
                                         </p:tgtEl>
                                         <p:attrNameLst>
                                           <p:attrName>ppt_w</p:attrName>
@@ -13975,7 +13556,7 @@
                                       <p:cBhvr additive="repl">
                                         <p:cTn id="325" dur="500" fill="hold"/>
                                         <p:tgtEl>
-                                          <p:spTgt spid="180"/>
+                                          <p:spTgt spid="174"/>
                                         </p:tgtEl>
                                         <p:attrNameLst>
                                           <p:attrName>ppt_h</p:attrName>
@@ -13998,7 +13579,7 @@
                                       <p:cBhvr additive="repl">
                                         <p:cTn id="326" dur="500"/>
                                         <p:tgtEl>
-                                          <p:spTgt spid="180"/>
+                                          <p:spTgt spid="174"/>
                                         </p:tgtEl>
                                       </p:cBhvr>
                                     </p:animEffect>
@@ -14037,7 +13618,7 @@
                                           </p:stCondLst>
                                         </p:cTn>
                                         <p:tgtEl>
-                                          <p:spTgt spid="166"/>
+                                          <p:spTgt spid="160"/>
                                         </p:tgtEl>
                                         <p:attrNameLst>
                                           <p:attrName>style.visibility</p:attrName>
@@ -14051,7 +13632,7 @@
                                       <p:cBhvr additive="repl">
                                         <p:cTn id="331" dur="500"/>
                                         <p:tgtEl>
-                                          <p:spTgt spid="166"/>
+                                          <p:spTgt spid="160"/>
                                         </p:tgtEl>
                                       </p:cBhvr>
                                     </p:animEffect>
@@ -14081,7 +13662,7 @@
                                           </p:stCondLst>
                                         </p:cTn>
                                         <p:tgtEl>
-                                          <p:spTgt spid="161"/>
+                                          <p:spTgt spid="155"/>
                                         </p:tgtEl>
                                         <p:attrNameLst>
                                           <p:attrName>style.visibility</p:attrName>
@@ -14095,7 +13676,7 @@
                                       <p:cBhvr additive="repl">
                                         <p:cTn id="335" dur="500" fill="hold"/>
                                         <p:tgtEl>
-                                          <p:spTgt spid="161"/>
+                                          <p:spTgt spid="155"/>
                                         </p:tgtEl>
                                         <p:attrNameLst>
                                           <p:attrName>ppt_w</p:attrName>
@@ -14118,7 +13699,7 @@
                                       <p:cBhvr additive="repl">
                                         <p:cTn id="336" dur="500" fill="hold"/>
                                         <p:tgtEl>
-                                          <p:spTgt spid="161"/>
+                                          <p:spTgt spid="155"/>
                                         </p:tgtEl>
                                         <p:attrNameLst>
                                           <p:attrName>ppt_h</p:attrName>
@@ -14141,7 +13722,7 @@
                                       <p:cBhvr additive="repl">
                                         <p:cTn id="337" dur="500"/>
                                         <p:tgtEl>
-                                          <p:spTgt spid="161"/>
+                                          <p:spTgt spid="155"/>
                                         </p:tgtEl>
                                       </p:cBhvr>
                                     </p:animEffect>
@@ -14162,7 +13743,7 @@
                                           </p:stCondLst>
                                         </p:cTn>
                                         <p:tgtEl>
-                                          <p:spTgt spid="163"/>
+                                          <p:spTgt spid="157"/>
                                         </p:tgtEl>
                                         <p:attrNameLst>
                                           <p:attrName>style.visibility</p:attrName>
@@ -14176,7 +13757,7 @@
                                       <p:cBhvr additive="repl">
                                         <p:cTn id="340" dur="500" fill="hold"/>
                                         <p:tgtEl>
-                                          <p:spTgt spid="163"/>
+                                          <p:spTgt spid="157"/>
                                         </p:tgtEl>
                                         <p:attrNameLst>
                                           <p:attrName>ppt_w</p:attrName>
@@ -14199,7 +13780,7 @@
                                       <p:cBhvr additive="repl">
                                         <p:cTn id="341" dur="500" fill="hold"/>
                                         <p:tgtEl>
-                                          <p:spTgt spid="163"/>
+                                          <p:spTgt spid="157"/>
                                         </p:tgtEl>
                                         <p:attrNameLst>
                                           <p:attrName>ppt_h</p:attrName>
@@ -14222,7 +13803,7 @@
                                       <p:cBhvr additive="repl">
                                         <p:cTn id="342" dur="500"/>
                                         <p:tgtEl>
-                                          <p:spTgt spid="163"/>
+                                          <p:spTgt spid="157"/>
                                         </p:tgtEl>
                                       </p:cBhvr>
                                     </p:animEffect>
@@ -14243,7 +13824,7 @@
                                           </p:stCondLst>
                                         </p:cTn>
                                         <p:tgtEl>
-                                          <p:spTgt spid="162"/>
+                                          <p:spTgt spid="156"/>
                                         </p:tgtEl>
                                         <p:attrNameLst>
                                           <p:attrName>style.visibility</p:attrName>
@@ -14257,7 +13838,7 @@
                                       <p:cBhvr additive="repl">
                                         <p:cTn id="345" dur="500" fill="hold"/>
                                         <p:tgtEl>
-                                          <p:spTgt spid="162"/>
+                                          <p:spTgt spid="156"/>
                                         </p:tgtEl>
                                         <p:attrNameLst>
                                           <p:attrName>ppt_w</p:attrName>
@@ -14280,7 +13861,7 @@
                                       <p:cBhvr additive="repl">
                                         <p:cTn id="346" dur="500" fill="hold"/>
                                         <p:tgtEl>
-                                          <p:spTgt spid="162"/>
+                                          <p:spTgt spid="156"/>
                                         </p:tgtEl>
                                         <p:attrNameLst>
                                           <p:attrName>ppt_h</p:attrName>
@@ -14303,7 +13884,7 @@
                                       <p:cBhvr additive="repl">
                                         <p:cTn id="347" dur="500"/>
                                         <p:tgtEl>
-                                          <p:spTgt spid="162"/>
+                                          <p:spTgt spid="156"/>
                                         </p:tgtEl>
                                       </p:cBhvr>
                                     </p:animEffect>
@@ -14333,7 +13914,7 @@
                                           </p:stCondLst>
                                         </p:cTn>
                                         <p:tgtEl>
-                                          <p:spTgt spid="164"/>
+                                          <p:spTgt spid="158"/>
                                         </p:tgtEl>
                                         <p:attrNameLst>
                                           <p:attrName>style.visibility</p:attrName>
@@ -14347,7 +13928,7 @@
                                       <p:cBhvr additive="repl">
                                         <p:cTn id="351" dur="500"/>
                                         <p:tgtEl>
-                                          <p:spTgt spid="164"/>
+                                          <p:spTgt spid="158"/>
                                         </p:tgtEl>
                                       </p:cBhvr>
                                     </p:animEffect>
@@ -14377,7 +13958,7 @@
                                           </p:stCondLst>
                                         </p:cTn>
                                         <p:tgtEl>
-                                          <p:spTgt spid="165"/>
+                                          <p:spTgt spid="159"/>
                                         </p:tgtEl>
                                         <p:attrNameLst>
                                           <p:attrName>style.visibility</p:attrName>
@@ -14391,7 +13972,7 @@
                                       <p:cBhvr additive="repl">
                                         <p:cTn id="355" dur="500" fill="hold"/>
                                         <p:tgtEl>
-                                          <p:spTgt spid="165"/>
+                                          <p:spTgt spid="159"/>
                                         </p:tgtEl>
                                         <p:attrNameLst>
                                           <p:attrName>ppt_w</p:attrName>
@@ -14414,7 +13995,7 @@
                                       <p:cBhvr additive="repl">
                                         <p:cTn id="356" dur="500" fill="hold"/>
                                         <p:tgtEl>
-                                          <p:spTgt spid="165"/>
+                                          <p:spTgt spid="159"/>
                                         </p:tgtEl>
                                         <p:attrNameLst>
                                           <p:attrName>ppt_h</p:attrName>
@@ -14437,7 +14018,7 @@
                                       <p:cBhvr additive="repl">
                                         <p:cTn id="357" dur="500"/>
                                         <p:tgtEl>
-                                          <p:spTgt spid="165"/>
+                                          <p:spTgt spid="159"/>
                                         </p:tgtEl>
                                       </p:cBhvr>
                                     </p:animEffect>
@@ -14458,7 +14039,7 @@
                                           </p:stCondLst>
                                         </p:cTn>
                                         <p:tgtEl>
-                                          <p:spTgt spid="181"/>
+                                          <p:spTgt spid="175"/>
                                         </p:tgtEl>
                                         <p:attrNameLst>
                                           <p:attrName>style.visibility</p:attrName>
@@ -14472,7 +14053,7 @@
                                       <p:cBhvr additive="repl">
                                         <p:cTn id="360" dur="500" fill="hold"/>
                                         <p:tgtEl>
-                                          <p:spTgt spid="181"/>
+                                          <p:spTgt spid="175"/>
                                         </p:tgtEl>
                                         <p:attrNameLst>
                                           <p:attrName>ppt_w</p:attrName>
@@ -14495,7 +14076,7 @@
                                       <p:cBhvr additive="repl">
                                         <p:cTn id="361" dur="500" fill="hold"/>
                                         <p:tgtEl>
-                                          <p:spTgt spid="181"/>
+                                          <p:spTgt spid="175"/>
                                         </p:tgtEl>
                                         <p:attrNameLst>
                                           <p:attrName>ppt_h</p:attrName>
@@ -14518,7 +14099,7 @@
                                       <p:cBhvr additive="repl">
                                         <p:cTn id="362" dur="500"/>
                                         <p:tgtEl>
-                                          <p:spTgt spid="181"/>
+                                          <p:spTgt spid="175"/>
                                         </p:tgtEl>
                                       </p:cBhvr>
                                     </p:animEffect>
@@ -14539,7 +14120,7 @@
                                           </p:stCondLst>
                                         </p:cTn>
                                         <p:tgtEl>
-                                          <p:spTgt spid="173"/>
+                                          <p:spTgt spid="167"/>
                                         </p:tgtEl>
                                         <p:attrNameLst>
                                           <p:attrName>style.visibility</p:attrName>
@@ -14553,7 +14134,7 @@
                                       <p:cBhvr additive="repl">
                                         <p:cTn id="365" dur="500" fill="hold"/>
                                         <p:tgtEl>
-                                          <p:spTgt spid="173"/>
+                                          <p:spTgt spid="167"/>
                                         </p:tgtEl>
                                         <p:attrNameLst>
                                           <p:attrName>ppt_w</p:attrName>
@@ -14576,7 +14157,7 @@
                                       <p:cBhvr additive="repl">
                                         <p:cTn id="366" dur="500" fill="hold"/>
                                         <p:tgtEl>
-                                          <p:spTgt spid="173"/>
+                                          <p:spTgt spid="167"/>
                                         </p:tgtEl>
                                         <p:attrNameLst>
                                           <p:attrName>ppt_h</p:attrName>
@@ -14599,7 +14180,7 @@
                                       <p:cBhvr additive="repl">
                                         <p:cTn id="367" dur="500"/>
                                         <p:tgtEl>
-                                          <p:spTgt spid="173"/>
+                                          <p:spTgt spid="167"/>
                                         </p:tgtEl>
                                       </p:cBhvr>
                                     </p:animEffect>
@@ -14629,7 +14210,7 @@
                                           </p:stCondLst>
                                         </p:cTn>
                                         <p:tgtEl>
-                                          <p:spTgt spid="167"/>
+                                          <p:spTgt spid="161"/>
                                         </p:tgtEl>
                                         <p:attrNameLst>
                                           <p:attrName>style.visibility</p:attrName>
@@ -14643,7 +14224,7 @@
                                       <p:cBhvr additive="repl">
                                         <p:cTn id="371" dur="500"/>
                                         <p:tgtEl>
-                                          <p:spTgt spid="167"/>
+                                          <p:spTgt spid="161"/>
                                         </p:tgtEl>
                                       </p:cBhvr>
                                     </p:animEffect>

--- a/K-means clustering.pptx
+++ b/K-means clustering.pptx
@@ -7,12 +7,13 @@
   <p:sldIdLst>
     <p:sldId id="256" r:id="rId2"/>
     <p:sldId id="268" r:id="rId3"/>
-    <p:sldId id="258" r:id="rId4"/>
-    <p:sldId id="266" r:id="rId5"/>
-    <p:sldId id="267" r:id="rId6"/>
-    <p:sldId id="257" r:id="rId7"/>
-    <p:sldId id="269" r:id="rId8"/>
-    <p:sldId id="270" r:id="rId9"/>
+    <p:sldId id="271" r:id="rId4"/>
+    <p:sldId id="258" r:id="rId5"/>
+    <p:sldId id="266" r:id="rId6"/>
+    <p:sldId id="267" r:id="rId7"/>
+    <p:sldId id="257" r:id="rId8"/>
+    <p:sldId id="269" r:id="rId9"/>
+    <p:sldId id="270" r:id="rId10"/>
   </p:sldIdLst>
   <p:sldSz cx="12192000" cy="6858000"/>
   <p:notesSz cx="6858000" cy="9144000"/>
@@ -3822,6 +3823,439 @@
           <a:chExt cx="0" cy="0"/>
         </a:xfrm>
       </p:grpSpPr>
+      <p:graphicFrame>
+        <p:nvGraphicFramePr>
+          <p:cNvPr id="5" name="Tabelle 4">
+            <a:extLst>
+              <a:ext uri="{FF2B5EF4-FFF2-40B4-BE49-F238E27FC236}">
+                <a16:creationId xmlns:a16="http://schemas.microsoft.com/office/drawing/2014/main" id="{8A1F5FC5-8865-4DDC-A4BE-0DC8ED4B069A}"/>
+              </a:ext>
+            </a:extLst>
+          </p:cNvPr>
+          <p:cNvGraphicFramePr>
+            <a:graphicFrameLocks noGrp="1"/>
+          </p:cNvGraphicFramePr>
+          <p:nvPr>
+            <p:extLst>
+              <p:ext uri="{D42A27DB-BD31-4B8C-83A1-F6EECF244321}">
+                <p14:modId xmlns:p14="http://schemas.microsoft.com/office/powerpoint/2010/main" val="2199527201"/>
+              </p:ext>
+            </p:extLst>
+          </p:nvPr>
+        </p:nvGraphicFramePr>
+        <p:xfrm>
+          <a:off x="1855304" y="1205949"/>
+          <a:ext cx="7911548" cy="4346714"/>
+        </p:xfrm>
+        <a:graphic>
+          <a:graphicData uri="http://schemas.openxmlformats.org/drawingml/2006/table">
+            <a:tbl>
+              <a:tblPr>
+                <a:tableStyleId>{69C7853C-536D-4A76-A0AE-DD22124D55A5}</a:tableStyleId>
+              </a:tblPr>
+              <a:tblGrid>
+                <a:gridCol w="3955774">
+                  <a:extLst>
+                    <a:ext uri="{9D8B030D-6E8A-4147-A177-3AD203B41FA5}">
+                      <a16:colId xmlns:a16="http://schemas.microsoft.com/office/drawing/2014/main" val="491694241"/>
+                    </a:ext>
+                  </a:extLst>
+                </a:gridCol>
+                <a:gridCol w="3955774">
+                  <a:extLst>
+                    <a:ext uri="{9D8B030D-6E8A-4147-A177-3AD203B41FA5}">
+                      <a16:colId xmlns:a16="http://schemas.microsoft.com/office/drawing/2014/main" val="3261280143"/>
+                    </a:ext>
+                  </a:extLst>
+                </a:gridCol>
+              </a:tblGrid>
+              <a:tr h="467003">
+                <a:tc>
+                  <a:txBody>
+                    <a:bodyPr/>
+                    <a:lstStyle/>
+                    <a:p>
+                      <a:r>
+                        <a:rPr lang="de-DE" sz="2000" b="1" dirty="0" err="1">
+                          <a:solidFill>
+                            <a:schemeClr val="accent1">
+                              <a:lumMod val="50000"/>
+                            </a:schemeClr>
+                          </a:solidFill>
+                        </a:rPr>
+                        <a:t>Cell</a:t>
+                      </a:r>
+                      <a:r>
+                        <a:rPr lang="de-DE" sz="2000" b="1" dirty="0">
+                          <a:solidFill>
+                            <a:schemeClr val="accent1">
+                              <a:lumMod val="50000"/>
+                            </a:schemeClr>
+                          </a:solidFill>
+                        </a:rPr>
+                        <a:t> Type</a:t>
+                      </a:r>
+                    </a:p>
+                  </a:txBody>
+                  <a:tcPr anchor="ctr"/>
+                </a:tc>
+                <a:tc>
+                  <a:txBody>
+                    <a:bodyPr/>
+                    <a:lstStyle/>
+                    <a:p>
+                      <a:r>
+                        <a:rPr lang="de-DE" sz="2000" b="1" dirty="0">
+                          <a:solidFill>
+                            <a:schemeClr val="accent1">
+                              <a:lumMod val="50000"/>
+                            </a:schemeClr>
+                          </a:solidFill>
+                        </a:rPr>
+                        <a:t>Markers</a:t>
+                      </a:r>
+                    </a:p>
+                  </a:txBody>
+                  <a:tcPr anchor="ctr"/>
+                </a:tc>
+                <a:extLst>
+                  <a:ext uri="{0D108BD9-81ED-4DB2-BD59-A6C34878D82A}">
+                    <a16:rowId xmlns:a16="http://schemas.microsoft.com/office/drawing/2014/main" val="2967526338"/>
+                  </a:ext>
+                </a:extLst>
+              </a:tr>
+              <a:tr h="431079">
+                <a:tc>
+                  <a:txBody>
+                    <a:bodyPr/>
+                    <a:lstStyle/>
+                    <a:p>
+                      <a:r>
+                        <a:rPr lang="de-DE" dirty="0"/>
+                        <a:t>Naive CD4+ T</a:t>
+                      </a:r>
+                    </a:p>
+                  </a:txBody>
+                  <a:tcPr anchor="ctr"/>
+                </a:tc>
+                <a:tc>
+                  <a:txBody>
+                    <a:bodyPr/>
+                    <a:lstStyle/>
+                    <a:p>
+                      <a:r>
+                        <a:rPr lang="de-DE" dirty="0"/>
+                        <a:t>IL7R, CCR7</a:t>
+                      </a:r>
+                    </a:p>
+                  </a:txBody>
+                  <a:tcPr anchor="ctr"/>
+                </a:tc>
+                <a:extLst>
+                  <a:ext uri="{0D108BD9-81ED-4DB2-BD59-A6C34878D82A}">
+                    <a16:rowId xmlns:a16="http://schemas.microsoft.com/office/drawing/2014/main" val="389747519"/>
+                  </a:ext>
+                </a:extLst>
+              </a:tr>
+              <a:tr h="431079">
+                <a:tc>
+                  <a:txBody>
+                    <a:bodyPr/>
+                    <a:lstStyle/>
+                    <a:p>
+                      <a:r>
+                        <a:rPr lang="de-DE" dirty="0"/>
+                        <a:t>Memory CD4+</a:t>
+                      </a:r>
+                    </a:p>
+                  </a:txBody>
+                  <a:tcPr anchor="ctr"/>
+                </a:tc>
+                <a:tc>
+                  <a:txBody>
+                    <a:bodyPr/>
+                    <a:lstStyle/>
+                    <a:p>
+                      <a:r>
+                        <a:rPr lang="de-DE" dirty="0"/>
+                        <a:t>IL7R, S100A4</a:t>
+                      </a:r>
+                    </a:p>
+                  </a:txBody>
+                  <a:tcPr anchor="ctr"/>
+                </a:tc>
+                <a:extLst>
+                  <a:ext uri="{0D108BD9-81ED-4DB2-BD59-A6C34878D82A}">
+                    <a16:rowId xmlns:a16="http://schemas.microsoft.com/office/drawing/2014/main" val="2653021"/>
+                  </a:ext>
+                </a:extLst>
+              </a:tr>
+              <a:tr h="431079">
+                <a:tc>
+                  <a:txBody>
+                    <a:bodyPr/>
+                    <a:lstStyle/>
+                    <a:p>
+                      <a:r>
+                        <a:rPr lang="de-DE" dirty="0"/>
+                        <a:t>CD14+ Mono</a:t>
+                      </a:r>
+                    </a:p>
+                  </a:txBody>
+                  <a:tcPr anchor="ctr"/>
+                </a:tc>
+                <a:tc>
+                  <a:txBody>
+                    <a:bodyPr/>
+                    <a:lstStyle/>
+                    <a:p>
+                      <a:r>
+                        <a:rPr lang="de-DE" dirty="0"/>
+                        <a:t>CD14, LYZ</a:t>
+                      </a:r>
+                    </a:p>
+                  </a:txBody>
+                  <a:tcPr anchor="ctr"/>
+                </a:tc>
+                <a:extLst>
+                  <a:ext uri="{0D108BD9-81ED-4DB2-BD59-A6C34878D82A}">
+                    <a16:rowId xmlns:a16="http://schemas.microsoft.com/office/drawing/2014/main" val="955644182"/>
+                  </a:ext>
+                </a:extLst>
+              </a:tr>
+              <a:tr h="431079">
+                <a:tc>
+                  <a:txBody>
+                    <a:bodyPr/>
+                    <a:lstStyle/>
+                    <a:p>
+                      <a:r>
+                        <a:rPr lang="de-DE" dirty="0"/>
+                        <a:t>B</a:t>
+                      </a:r>
+                    </a:p>
+                  </a:txBody>
+                  <a:tcPr anchor="ctr"/>
+                </a:tc>
+                <a:tc>
+                  <a:txBody>
+                    <a:bodyPr/>
+                    <a:lstStyle/>
+                    <a:p>
+                      <a:r>
+                        <a:rPr lang="de-DE" dirty="0"/>
+                        <a:t>MS4A1</a:t>
+                      </a:r>
+                    </a:p>
+                  </a:txBody>
+                  <a:tcPr anchor="ctr"/>
+                </a:tc>
+                <a:extLst>
+                  <a:ext uri="{0D108BD9-81ED-4DB2-BD59-A6C34878D82A}">
+                    <a16:rowId xmlns:a16="http://schemas.microsoft.com/office/drawing/2014/main" val="4152825183"/>
+                  </a:ext>
+                </a:extLst>
+              </a:tr>
+              <a:tr h="431079">
+                <a:tc>
+                  <a:txBody>
+                    <a:bodyPr/>
+                    <a:lstStyle/>
+                    <a:p>
+                      <a:r>
+                        <a:rPr lang="de-DE" dirty="0"/>
+                        <a:t>CD8+ T</a:t>
+                      </a:r>
+                    </a:p>
+                  </a:txBody>
+                  <a:tcPr anchor="ctr"/>
+                </a:tc>
+                <a:tc>
+                  <a:txBody>
+                    <a:bodyPr/>
+                    <a:lstStyle/>
+                    <a:p>
+                      <a:r>
+                        <a:rPr lang="de-DE" dirty="0"/>
+                        <a:t>CD8A</a:t>
+                      </a:r>
+                    </a:p>
+                  </a:txBody>
+                  <a:tcPr anchor="ctr"/>
+                </a:tc>
+                <a:extLst>
+                  <a:ext uri="{0D108BD9-81ED-4DB2-BD59-A6C34878D82A}">
+                    <a16:rowId xmlns:a16="http://schemas.microsoft.com/office/drawing/2014/main" val="1867038529"/>
+                  </a:ext>
+                </a:extLst>
+              </a:tr>
+              <a:tr h="431079">
+                <a:tc>
+                  <a:txBody>
+                    <a:bodyPr/>
+                    <a:lstStyle/>
+                    <a:p>
+                      <a:r>
+                        <a:rPr lang="de-DE" dirty="0"/>
+                        <a:t>FCGR3A+ Mono</a:t>
+                      </a:r>
+                    </a:p>
+                  </a:txBody>
+                  <a:tcPr anchor="ctr"/>
+                </a:tc>
+                <a:tc>
+                  <a:txBody>
+                    <a:bodyPr/>
+                    <a:lstStyle/>
+                    <a:p>
+                      <a:r>
+                        <a:rPr lang="de-DE" dirty="0"/>
+                        <a:t>FCGR3A, MS4A7</a:t>
+                      </a:r>
+                    </a:p>
+                  </a:txBody>
+                  <a:tcPr anchor="ctr"/>
+                </a:tc>
+                <a:extLst>
+                  <a:ext uri="{0D108BD9-81ED-4DB2-BD59-A6C34878D82A}">
+                    <a16:rowId xmlns:a16="http://schemas.microsoft.com/office/drawing/2014/main" val="2822807422"/>
+                  </a:ext>
+                </a:extLst>
+              </a:tr>
+              <a:tr h="431079">
+                <a:tc>
+                  <a:txBody>
+                    <a:bodyPr/>
+                    <a:lstStyle/>
+                    <a:p>
+                      <a:r>
+                        <a:rPr lang="de-DE" dirty="0"/>
+                        <a:t>NK</a:t>
+                      </a:r>
+                    </a:p>
+                  </a:txBody>
+                  <a:tcPr anchor="ctr"/>
+                </a:tc>
+                <a:tc>
+                  <a:txBody>
+                    <a:bodyPr/>
+                    <a:lstStyle/>
+                    <a:p>
+                      <a:r>
+                        <a:rPr lang="de-DE" dirty="0"/>
+                        <a:t>GNLY, NKG7</a:t>
+                      </a:r>
+                    </a:p>
+                  </a:txBody>
+                  <a:tcPr anchor="ctr"/>
+                </a:tc>
+                <a:extLst>
+                  <a:ext uri="{0D108BD9-81ED-4DB2-BD59-A6C34878D82A}">
+                    <a16:rowId xmlns:a16="http://schemas.microsoft.com/office/drawing/2014/main" val="986476121"/>
+                  </a:ext>
+                </a:extLst>
+              </a:tr>
+              <a:tr h="431079">
+                <a:tc>
+                  <a:txBody>
+                    <a:bodyPr/>
+                    <a:lstStyle/>
+                    <a:p>
+                      <a:r>
+                        <a:rPr lang="de-DE" dirty="0"/>
+                        <a:t>DC</a:t>
+                      </a:r>
+                    </a:p>
+                  </a:txBody>
+                  <a:tcPr anchor="ctr"/>
+                </a:tc>
+                <a:tc>
+                  <a:txBody>
+                    <a:bodyPr/>
+                    <a:lstStyle/>
+                    <a:p>
+                      <a:r>
+                        <a:rPr lang="de-DE" dirty="0"/>
+                        <a:t>FCER1A, CST3</a:t>
+                      </a:r>
+                    </a:p>
+                  </a:txBody>
+                  <a:tcPr anchor="ctr"/>
+                </a:tc>
+                <a:extLst>
+                  <a:ext uri="{0D108BD9-81ED-4DB2-BD59-A6C34878D82A}">
+                    <a16:rowId xmlns:a16="http://schemas.microsoft.com/office/drawing/2014/main" val="826007705"/>
+                  </a:ext>
+                </a:extLst>
+              </a:tr>
+              <a:tr h="431079">
+                <a:tc>
+                  <a:txBody>
+                    <a:bodyPr/>
+                    <a:lstStyle/>
+                    <a:p>
+                      <a:r>
+                        <a:rPr lang="de-DE" dirty="0" err="1"/>
+                        <a:t>Platelet</a:t>
+                      </a:r>
+                      <a:endParaRPr lang="de-DE" dirty="0"/>
+                    </a:p>
+                  </a:txBody>
+                  <a:tcPr anchor="ctr"/>
+                </a:tc>
+                <a:tc>
+                  <a:txBody>
+                    <a:bodyPr/>
+                    <a:lstStyle/>
+                    <a:p>
+                      <a:r>
+                        <a:rPr lang="de-DE" dirty="0"/>
+                        <a:t>PPBP</a:t>
+                      </a:r>
+                    </a:p>
+                  </a:txBody>
+                  <a:tcPr anchor="ctr"/>
+                </a:tc>
+                <a:extLst>
+                  <a:ext uri="{0D108BD9-81ED-4DB2-BD59-A6C34878D82A}">
+                    <a16:rowId xmlns:a16="http://schemas.microsoft.com/office/drawing/2014/main" val="117632561"/>
+                  </a:ext>
+                </a:extLst>
+              </a:tr>
+            </a:tbl>
+          </a:graphicData>
+        </a:graphic>
+      </p:graphicFrame>
+    </p:spTree>
+    <p:extLst>
+      <p:ext uri="{BB962C8B-B14F-4D97-AF65-F5344CB8AC3E}">
+        <p14:creationId xmlns:p14="http://schemas.microsoft.com/office/powerpoint/2010/main" val="4011494412"/>
+      </p:ext>
+    </p:extLst>
+  </p:cSld>
+  <p:clrMapOvr>
+    <a:masterClrMapping/>
+  </p:clrMapOvr>
+</p:sld>
+</file>
+
+<file path=ppt/slides/slide4.xml><?xml version="1.0" encoding="utf-8"?>
+<p:sld xmlns:a="http://schemas.openxmlformats.org/drawingml/2006/main" xmlns:r="http://schemas.openxmlformats.org/officeDocument/2006/relationships" xmlns:p="http://schemas.openxmlformats.org/presentationml/2006/main">
+  <p:cSld>
+    <p:spTree>
+      <p:nvGrpSpPr>
+        <p:cNvPr id="1" name=""/>
+        <p:cNvGrpSpPr/>
+        <p:nvPr/>
+      </p:nvGrpSpPr>
+      <p:grpSpPr>
+        <a:xfrm>
+          <a:off x="0" y="0"/>
+          <a:ext cx="0" cy="0"/>
+          <a:chOff x="0" y="0"/>
+          <a:chExt cx="0" cy="0"/>
+        </a:xfrm>
+      </p:grpSpPr>
       <p:sp>
         <p:nvSpPr>
           <p:cNvPr id="2" name="Titel 1">
@@ -6255,7 +6689,7 @@
 </p:sld>
 </file>
 
-<file path=ppt/slides/slide4.xml><?xml version="1.0" encoding="utf-8"?>
+<file path=ppt/slides/slide5.xml><?xml version="1.0" encoding="utf-8"?>
 <p:sld xmlns:a="http://schemas.openxmlformats.org/drawingml/2006/main" xmlns:r="http://schemas.openxmlformats.org/officeDocument/2006/relationships" xmlns:p="http://schemas.openxmlformats.org/presentationml/2006/main">
   <p:cSld>
     <p:spTree>
@@ -7180,7 +7614,7 @@
 </p:sld>
 </file>
 
-<file path=ppt/slides/slide5.xml><?xml version="1.0" encoding="utf-8"?>
+<file path=ppt/slides/slide6.xml><?xml version="1.0" encoding="utf-8"?>
 <p:sld xmlns:a="http://schemas.openxmlformats.org/drawingml/2006/main" xmlns:r="http://schemas.openxmlformats.org/officeDocument/2006/relationships" xmlns:p="http://schemas.openxmlformats.org/presentationml/2006/main">
   <p:cSld>
     <p:spTree>
@@ -15064,7 +15498,7 @@
 </p:sld>
 </file>
 
-<file path=ppt/slides/slide6.xml><?xml version="1.0" encoding="utf-8"?>
+<file path=ppt/slides/slide7.xml><?xml version="1.0" encoding="utf-8"?>
 <p:sld xmlns:a="http://schemas.openxmlformats.org/drawingml/2006/main" xmlns:r="http://schemas.openxmlformats.org/officeDocument/2006/relationships" xmlns:p="http://schemas.openxmlformats.org/presentationml/2006/main">
   <p:cSld>
     <p:spTree>
@@ -15523,7 +15957,7 @@
 </p:sld>
 </file>
 
-<file path=ppt/slides/slide7.xml><?xml version="1.0" encoding="utf-8"?>
+<file path=ppt/slides/slide8.xml><?xml version="1.0" encoding="utf-8"?>
 <p:sld xmlns:a="http://schemas.openxmlformats.org/drawingml/2006/main" xmlns:r="http://schemas.openxmlformats.org/officeDocument/2006/relationships" xmlns:p="http://schemas.openxmlformats.org/presentationml/2006/main">
   <p:cSld>
     <p:spTree>
@@ -15618,7 +16052,7 @@
 </p:sld>
 </file>
 
-<file path=ppt/slides/slide8.xml><?xml version="1.0" encoding="utf-8"?>
+<file path=ppt/slides/slide9.xml><?xml version="1.0" encoding="utf-8"?>
 <p:sld xmlns:a="http://schemas.openxmlformats.org/drawingml/2006/main" xmlns:r="http://schemas.openxmlformats.org/officeDocument/2006/relationships" xmlns:p="http://schemas.openxmlformats.org/presentationml/2006/main">
   <p:cSld>
     <p:spTree>
@@ -15699,11 +16133,11 @@
             </a:r>
             <a:r>
               <a:rPr lang="de-DE" dirty="0"/>
-              <a:t> </a:t>
+              <a:t> find </a:t>
             </a:r>
             <a:r>
               <a:rPr lang="de-DE" dirty="0" err="1"/>
-              <a:t>cluster</a:t>
+              <a:t>clusters</a:t>
             </a:r>
             <a:r>
               <a:rPr lang="de-DE" dirty="0"/>
@@ -15711,7 +16145,7 @@
             </a:r>
             <a:r>
               <a:rPr lang="de-DE" dirty="0" err="1"/>
-              <a:t>the</a:t>
+              <a:t>that</a:t>
             </a:r>
             <a:r>
               <a:rPr lang="de-DE" dirty="0"/>
@@ -15719,15 +16153,7 @@
             </a:r>
             <a:r>
               <a:rPr lang="de-DE" dirty="0" err="1"/>
-              <a:t>data</a:t>
-            </a:r>
-            <a:r>
-              <a:rPr lang="de-DE" dirty="0"/>
-              <a:t> so </a:t>
-            </a:r>
-            <a:r>
-              <a:rPr lang="de-DE" dirty="0" err="1"/>
-              <a:t>that</a:t>
+              <a:t>show</a:t>
             </a:r>
             <a:r>
               <a:rPr lang="de-DE" dirty="0"/>
@@ -15735,7 +16161,7 @@
             </a:r>
             <a:r>
               <a:rPr lang="de-DE" dirty="0" err="1"/>
-              <a:t>one</a:t>
+              <a:t>only</a:t>
             </a:r>
             <a:r>
               <a:rPr lang="de-DE" dirty="0"/>
@@ -15743,7 +16169,15 @@
             </a:r>
             <a:r>
               <a:rPr lang="de-DE" dirty="0" err="1"/>
-              <a:t>cluster</a:t>
+              <a:t>one</a:t>
+            </a:r>
+            <a:r>
+              <a:rPr lang="de-DE" dirty="0"/>
+              <a:t> type </a:t>
+            </a:r>
+            <a:r>
+              <a:rPr lang="de-DE" dirty="0" err="1"/>
+              <a:t>of</a:t>
             </a:r>
             <a:r>
               <a:rPr lang="de-DE" dirty="0"/>
@@ -15751,33 +16185,12 @@
             </a:r>
             <a:r>
               <a:rPr lang="de-DE" dirty="0" err="1"/>
-              <a:t>is</a:t>
+              <a:t>cell</a:t>
             </a:r>
             <a:r>
               <a:rPr lang="de-DE" dirty="0"/>
-              <a:t> </a:t>
-            </a:r>
-            <a:r>
-              <a:rPr lang="de-DE" dirty="0" err="1"/>
-              <a:t>one</a:t>
-            </a:r>
-            <a:r>
-              <a:rPr lang="de-DE" dirty="0"/>
-              <a:t> type </a:t>
-            </a:r>
-            <a:r>
-              <a:rPr lang="de-DE" dirty="0" err="1"/>
-              <a:t>of</a:t>
-            </a:r>
-            <a:r>
-              <a:rPr lang="de-DE" dirty="0"/>
-              <a:t> </a:t>
-            </a:r>
-            <a:r>
-              <a:rPr lang="de-DE" dirty="0" err="1"/>
-              <a:t>cell</a:t>
-            </a:r>
-            <a:endParaRPr lang="de-DE" dirty="0"/>
+              <a:t>?</a:t>
+            </a:r>
           </a:p>
           <a:p>
             <a:pPr marL="0" indent="0">
@@ -15848,7 +16261,31 @@
               <a:rPr lang="de-DE" dirty="0" err="1">
                 <a:sym typeface="Wingdings" panose="05000000000000000000" pitchFamily="2" charset="2"/>
               </a:rPr>
-              <a:t>of</a:t>
+              <a:t>the</a:t>
+            </a:r>
+            <a:r>
+              <a:rPr lang="de-DE" dirty="0">
+                <a:sym typeface="Wingdings" panose="05000000000000000000" pitchFamily="2" charset="2"/>
+              </a:rPr>
+              <a:t> </a:t>
+            </a:r>
+            <a:r>
+              <a:rPr lang="de-DE" dirty="0" err="1">
+                <a:sym typeface="Wingdings" panose="05000000000000000000" pitchFamily="2" charset="2"/>
+              </a:rPr>
+              <a:t>most</a:t>
+            </a:r>
+            <a:r>
+              <a:rPr lang="de-DE" dirty="0">
+                <a:sym typeface="Wingdings" panose="05000000000000000000" pitchFamily="2" charset="2"/>
+              </a:rPr>
+              <a:t> </a:t>
+            </a:r>
+            <a:r>
+              <a:rPr lang="de-DE" dirty="0" err="1">
+                <a:sym typeface="Wingdings" panose="05000000000000000000" pitchFamily="2" charset="2"/>
+              </a:rPr>
+              <a:t>by</a:t>
             </a:r>
             <a:r>
               <a:rPr lang="de-DE" dirty="0">
@@ -16024,7 +16461,19 @@
               <a:rPr lang="de-DE" dirty="0" err="1">
                 <a:sym typeface="Wingdings" panose="05000000000000000000" pitchFamily="2" charset="2"/>
               </a:rPr>
-              <a:t>shape</a:t>
+              <a:t>pattern</a:t>
+            </a:r>
+            <a:r>
+              <a:rPr lang="de-DE" dirty="0">
+                <a:sym typeface="Wingdings" panose="05000000000000000000" pitchFamily="2" charset="2"/>
+              </a:rPr>
+              <a:t> (</a:t>
+            </a:r>
+            <a:r>
+              <a:rPr lang="de-DE" dirty="0" err="1">
+                <a:sym typeface="Wingdings" panose="05000000000000000000" pitchFamily="2" charset="2"/>
+              </a:rPr>
+              <a:t>of</a:t>
             </a:r>
             <a:r>
               <a:rPr lang="de-DE" dirty="0">
@@ -16036,7 +16485,7 @@
               <a:rPr lang="de-DE" dirty="0" err="1">
                 <a:sym typeface="Wingdings" panose="05000000000000000000" pitchFamily="2" charset="2"/>
               </a:rPr>
-              <a:t>to</a:t>
+              <a:t>other</a:t>
             </a:r>
             <a:r>
               <a:rPr lang="de-DE" dirty="0">
@@ -16048,7 +16497,19 @@
               <a:rPr lang="de-DE" dirty="0" err="1">
                 <a:sym typeface="Wingdings" panose="05000000000000000000" pitchFamily="2" charset="2"/>
               </a:rPr>
-              <a:t>compare</a:t>
+              <a:t>patients</a:t>
+            </a:r>
+            <a:r>
+              <a:rPr lang="de-DE" dirty="0">
+                <a:sym typeface="Wingdings" panose="05000000000000000000" pitchFamily="2" charset="2"/>
+              </a:rPr>
+              <a:t>) </a:t>
+            </a:r>
+            <a:r>
+              <a:rPr lang="de-DE" dirty="0" err="1">
+                <a:sym typeface="Wingdings" panose="05000000000000000000" pitchFamily="2" charset="2"/>
+              </a:rPr>
+              <a:t>to</a:t>
             </a:r>
             <a:r>
               <a:rPr lang="de-DE" dirty="0">
@@ -16060,7 +16521,19 @@
               <a:rPr lang="de-DE" dirty="0" err="1">
                 <a:sym typeface="Wingdings" panose="05000000000000000000" pitchFamily="2" charset="2"/>
               </a:rPr>
-              <a:t>it</a:t>
+              <a:t>predict</a:t>
+            </a:r>
+            <a:r>
+              <a:rPr lang="de-DE" dirty="0">
+                <a:sym typeface="Wingdings" panose="05000000000000000000" pitchFamily="2" charset="2"/>
+              </a:rPr>
+              <a:t>/</a:t>
+            </a:r>
+            <a:r>
+              <a:rPr lang="de-DE" dirty="0" err="1">
+                <a:sym typeface="Wingdings" panose="05000000000000000000" pitchFamily="2" charset="2"/>
+              </a:rPr>
+              <a:t>diagnose</a:t>
             </a:r>
             <a:r>
               <a:rPr lang="de-DE" dirty="0">
@@ -16072,19 +16545,7 @@
               <a:rPr lang="de-DE" dirty="0" err="1">
                 <a:sym typeface="Wingdings" panose="05000000000000000000" pitchFamily="2" charset="2"/>
               </a:rPr>
-              <a:t>with</a:t>
-            </a:r>
-            <a:r>
-              <a:rPr lang="de-DE" dirty="0">
-                <a:sym typeface="Wingdings" panose="05000000000000000000" pitchFamily="2" charset="2"/>
-              </a:rPr>
-              <a:t> </a:t>
-            </a:r>
-            <a:r>
-              <a:rPr lang="de-DE" dirty="0" err="1">
-                <a:sym typeface="Wingdings" panose="05000000000000000000" pitchFamily="2" charset="2"/>
-              </a:rPr>
-              <a:t>others</a:t>
+              <a:t>diseases</a:t>
             </a:r>
             <a:r>
               <a:rPr lang="de-DE" dirty="0">

--- a/K-means clustering.pptx
+++ b/K-means clustering.pptx
@@ -4,16 +4,18 @@
   <p:sldMasterIdLst>
     <p:sldMasterId id="2147483648" r:id="rId1"/>
   </p:sldMasterIdLst>
+  <p:notesMasterIdLst>
+    <p:notesMasterId r:id="rId10"/>
+  </p:notesMasterIdLst>
   <p:sldIdLst>
     <p:sldId id="256" r:id="rId2"/>
-    <p:sldId id="268" r:id="rId3"/>
-    <p:sldId id="271" r:id="rId4"/>
-    <p:sldId id="258" r:id="rId5"/>
-    <p:sldId id="266" r:id="rId6"/>
-    <p:sldId id="267" r:id="rId7"/>
-    <p:sldId id="257" r:id="rId8"/>
-    <p:sldId id="269" r:id="rId9"/>
-    <p:sldId id="270" r:id="rId10"/>
+    <p:sldId id="271" r:id="rId3"/>
+    <p:sldId id="258" r:id="rId4"/>
+    <p:sldId id="266" r:id="rId5"/>
+    <p:sldId id="267" r:id="rId6"/>
+    <p:sldId id="257" r:id="rId7"/>
+    <p:sldId id="269" r:id="rId8"/>
+    <p:sldId id="270" r:id="rId9"/>
   </p:sldIdLst>
   <p:sldSz cx="12192000" cy="6858000"/>
   <p:notesSz cx="6858000" cy="9144000"/>
@@ -132,6 +134,355 @@
 </p:cmAuthorLst>
 </file>
 
+<file path=ppt/notesMasters/notesMaster1.xml><?xml version="1.0" encoding="utf-8"?>
+<p:notesMaster xmlns:a="http://schemas.openxmlformats.org/drawingml/2006/main" xmlns:r="http://schemas.openxmlformats.org/officeDocument/2006/relationships" xmlns:p="http://schemas.openxmlformats.org/presentationml/2006/main">
+  <p:cSld>
+    <p:bg>
+      <p:bgRef idx="1001">
+        <a:schemeClr val="bg1"/>
+      </p:bgRef>
+    </p:bg>
+    <p:spTree>
+      <p:nvGrpSpPr>
+        <p:cNvPr id="1" name=""/>
+        <p:cNvGrpSpPr/>
+        <p:nvPr/>
+      </p:nvGrpSpPr>
+      <p:grpSpPr>
+        <a:xfrm>
+          <a:off x="0" y="0"/>
+          <a:ext cx="0" cy="0"/>
+          <a:chOff x="0" y="0"/>
+          <a:chExt cx="0" cy="0"/>
+        </a:xfrm>
+      </p:grpSpPr>
+      <p:sp>
+        <p:nvSpPr>
+          <p:cNvPr id="2" name="Kopfzeilenplatzhalter 1"/>
+          <p:cNvSpPr>
+            <a:spLocks noGrp="1"/>
+          </p:cNvSpPr>
+          <p:nvPr>
+            <p:ph type="hdr" sz="quarter"/>
+          </p:nvPr>
+        </p:nvSpPr>
+        <p:spPr>
+          <a:xfrm>
+            <a:off x="0" y="0"/>
+            <a:ext cx="2971800" cy="458788"/>
+          </a:xfrm>
+          <a:prstGeom prst="rect">
+            <a:avLst/>
+          </a:prstGeom>
+        </p:spPr>
+        <p:txBody>
+          <a:bodyPr vert="horz" lIns="91440" tIns="45720" rIns="91440" bIns="45720" rtlCol="0"/>
+          <a:lstStyle>
+            <a:lvl1pPr algn="l">
+              <a:defRPr sz="1200"/>
+            </a:lvl1pPr>
+          </a:lstStyle>
+          <a:p>
+            <a:endParaRPr lang="de-DE"/>
+          </a:p>
+        </p:txBody>
+      </p:sp>
+      <p:sp>
+        <p:nvSpPr>
+          <p:cNvPr id="3" name="Datumsplatzhalter 2"/>
+          <p:cNvSpPr>
+            <a:spLocks noGrp="1"/>
+          </p:cNvSpPr>
+          <p:nvPr>
+            <p:ph type="dt" idx="1"/>
+          </p:nvPr>
+        </p:nvSpPr>
+        <p:spPr>
+          <a:xfrm>
+            <a:off x="3884613" y="0"/>
+            <a:ext cx="2971800" cy="458788"/>
+          </a:xfrm>
+          <a:prstGeom prst="rect">
+            <a:avLst/>
+          </a:prstGeom>
+        </p:spPr>
+        <p:txBody>
+          <a:bodyPr vert="horz" lIns="91440" tIns="45720" rIns="91440" bIns="45720" rtlCol="0"/>
+          <a:lstStyle>
+            <a:lvl1pPr algn="r">
+              <a:defRPr sz="1200"/>
+            </a:lvl1pPr>
+          </a:lstStyle>
+          <a:p>
+            <a:fld id="{64BDD8A7-70C0-4511-B749-3614DED84010}" type="datetimeFigureOut">
+              <a:rPr lang="de-DE" smtClean="0"/>
+              <a:t>13.05.2019</a:t>
+            </a:fld>
+            <a:endParaRPr lang="de-DE"/>
+          </a:p>
+        </p:txBody>
+      </p:sp>
+      <p:sp>
+        <p:nvSpPr>
+          <p:cNvPr id="4" name="Folienbildplatzhalter 3"/>
+          <p:cNvSpPr>
+            <a:spLocks noGrp="1" noRot="1" noChangeAspect="1"/>
+          </p:cNvSpPr>
+          <p:nvPr>
+            <p:ph type="sldImg" idx="2"/>
+          </p:nvPr>
+        </p:nvSpPr>
+        <p:spPr>
+          <a:xfrm>
+            <a:off x="685800" y="1143000"/>
+            <a:ext cx="5486400" cy="3086100"/>
+          </a:xfrm>
+          <a:prstGeom prst="rect">
+            <a:avLst/>
+          </a:prstGeom>
+          <a:noFill/>
+          <a:ln w="12700">
+            <a:solidFill>
+              <a:prstClr val="black"/>
+            </a:solidFill>
+          </a:ln>
+        </p:spPr>
+        <p:txBody>
+          <a:bodyPr vert="horz" lIns="91440" tIns="45720" rIns="91440" bIns="45720" rtlCol="0" anchor="ctr"/>
+          <a:lstStyle/>
+          <a:p>
+            <a:endParaRPr lang="de-DE"/>
+          </a:p>
+        </p:txBody>
+      </p:sp>
+      <p:sp>
+        <p:nvSpPr>
+          <p:cNvPr id="5" name="Notizenplatzhalter 4"/>
+          <p:cNvSpPr>
+            <a:spLocks noGrp="1"/>
+          </p:cNvSpPr>
+          <p:nvPr>
+            <p:ph type="body" sz="quarter" idx="3"/>
+          </p:nvPr>
+        </p:nvSpPr>
+        <p:spPr>
+          <a:xfrm>
+            <a:off x="685800" y="4400550"/>
+            <a:ext cx="5486400" cy="3600450"/>
+          </a:xfrm>
+          <a:prstGeom prst="rect">
+            <a:avLst/>
+          </a:prstGeom>
+        </p:spPr>
+        <p:txBody>
+          <a:bodyPr vert="horz" lIns="91440" tIns="45720" rIns="91440" bIns="45720" rtlCol="0"/>
+          <a:lstStyle/>
+          <a:p>
+            <a:pPr lvl="0"/>
+            <a:r>
+              <a:rPr lang="de-DE"/>
+              <a:t>Mastertextformat bearbeiten</a:t>
+            </a:r>
+          </a:p>
+          <a:p>
+            <a:pPr lvl="1"/>
+            <a:r>
+              <a:rPr lang="de-DE"/>
+              <a:t>Zweite Ebene</a:t>
+            </a:r>
+          </a:p>
+          <a:p>
+            <a:pPr lvl="2"/>
+            <a:r>
+              <a:rPr lang="de-DE"/>
+              <a:t>Dritte Ebene</a:t>
+            </a:r>
+          </a:p>
+          <a:p>
+            <a:pPr lvl="3"/>
+            <a:r>
+              <a:rPr lang="de-DE"/>
+              <a:t>Vierte Ebene</a:t>
+            </a:r>
+          </a:p>
+          <a:p>
+            <a:pPr lvl="4"/>
+            <a:r>
+              <a:rPr lang="de-DE"/>
+              <a:t>Fünfte Ebene</a:t>
+            </a:r>
+          </a:p>
+        </p:txBody>
+      </p:sp>
+      <p:sp>
+        <p:nvSpPr>
+          <p:cNvPr id="6" name="Fußzeilenplatzhalter 5"/>
+          <p:cNvSpPr>
+            <a:spLocks noGrp="1"/>
+          </p:cNvSpPr>
+          <p:nvPr>
+            <p:ph type="ftr" sz="quarter" idx="4"/>
+          </p:nvPr>
+        </p:nvSpPr>
+        <p:spPr>
+          <a:xfrm>
+            <a:off x="0" y="8685213"/>
+            <a:ext cx="2971800" cy="458787"/>
+          </a:xfrm>
+          <a:prstGeom prst="rect">
+            <a:avLst/>
+          </a:prstGeom>
+        </p:spPr>
+        <p:txBody>
+          <a:bodyPr vert="horz" lIns="91440" tIns="45720" rIns="91440" bIns="45720" rtlCol="0" anchor="b"/>
+          <a:lstStyle>
+            <a:lvl1pPr algn="l">
+              <a:defRPr sz="1200"/>
+            </a:lvl1pPr>
+          </a:lstStyle>
+          <a:p>
+            <a:endParaRPr lang="de-DE"/>
+          </a:p>
+        </p:txBody>
+      </p:sp>
+      <p:sp>
+        <p:nvSpPr>
+          <p:cNvPr id="7" name="Foliennummernplatzhalter 6"/>
+          <p:cNvSpPr>
+            <a:spLocks noGrp="1"/>
+          </p:cNvSpPr>
+          <p:nvPr>
+            <p:ph type="sldNum" sz="quarter" idx="5"/>
+          </p:nvPr>
+        </p:nvSpPr>
+        <p:spPr>
+          <a:xfrm>
+            <a:off x="3884613" y="8685213"/>
+            <a:ext cx="2971800" cy="458787"/>
+          </a:xfrm>
+          <a:prstGeom prst="rect">
+            <a:avLst/>
+          </a:prstGeom>
+        </p:spPr>
+        <p:txBody>
+          <a:bodyPr vert="horz" lIns="91440" tIns="45720" rIns="91440" bIns="45720" rtlCol="0" anchor="b"/>
+          <a:lstStyle>
+            <a:lvl1pPr algn="r">
+              <a:defRPr sz="1200"/>
+            </a:lvl1pPr>
+          </a:lstStyle>
+          <a:p>
+            <a:fld id="{036427F1-76E0-4038-A705-E5F9D7EE0E58}" type="slidenum">
+              <a:rPr lang="de-DE" smtClean="0"/>
+              <a:t>‹Nr.›</a:t>
+            </a:fld>
+            <a:endParaRPr lang="de-DE"/>
+          </a:p>
+        </p:txBody>
+      </p:sp>
+    </p:spTree>
+    <p:extLst>
+      <p:ext uri="{BB962C8B-B14F-4D97-AF65-F5344CB8AC3E}">
+        <p14:creationId xmlns:p14="http://schemas.microsoft.com/office/powerpoint/2010/main" val="3649564849"/>
+      </p:ext>
+    </p:extLst>
+  </p:cSld>
+  <p:clrMap bg1="lt1" tx1="dk1" bg2="lt2" tx2="dk2" accent1="accent1" accent2="accent2" accent3="accent3" accent4="accent4" accent5="accent5" accent6="accent6" hlink="hlink" folHlink="folHlink"/>
+  <p:notesStyle>
+    <a:lvl1pPr marL="0" algn="l" defTabSz="914400" rtl="0" eaLnBrk="1" latinLnBrk="0" hangingPunct="1">
+      <a:defRPr sz="1200" kern="1200">
+        <a:solidFill>
+          <a:schemeClr val="tx1"/>
+        </a:solidFill>
+        <a:latin typeface="+mn-lt"/>
+        <a:ea typeface="+mn-ea"/>
+        <a:cs typeface="+mn-cs"/>
+      </a:defRPr>
+    </a:lvl1pPr>
+    <a:lvl2pPr marL="457200" algn="l" defTabSz="914400" rtl="0" eaLnBrk="1" latinLnBrk="0" hangingPunct="1">
+      <a:defRPr sz="1200" kern="1200">
+        <a:solidFill>
+          <a:schemeClr val="tx1"/>
+        </a:solidFill>
+        <a:latin typeface="+mn-lt"/>
+        <a:ea typeface="+mn-ea"/>
+        <a:cs typeface="+mn-cs"/>
+      </a:defRPr>
+    </a:lvl2pPr>
+    <a:lvl3pPr marL="914400" algn="l" defTabSz="914400" rtl="0" eaLnBrk="1" latinLnBrk="0" hangingPunct="1">
+      <a:defRPr sz="1200" kern="1200">
+        <a:solidFill>
+          <a:schemeClr val="tx1"/>
+        </a:solidFill>
+        <a:latin typeface="+mn-lt"/>
+        <a:ea typeface="+mn-ea"/>
+        <a:cs typeface="+mn-cs"/>
+      </a:defRPr>
+    </a:lvl3pPr>
+    <a:lvl4pPr marL="1371600" algn="l" defTabSz="914400" rtl="0" eaLnBrk="1" latinLnBrk="0" hangingPunct="1">
+      <a:defRPr sz="1200" kern="1200">
+        <a:solidFill>
+          <a:schemeClr val="tx1"/>
+        </a:solidFill>
+        <a:latin typeface="+mn-lt"/>
+        <a:ea typeface="+mn-ea"/>
+        <a:cs typeface="+mn-cs"/>
+      </a:defRPr>
+    </a:lvl4pPr>
+    <a:lvl5pPr marL="1828800" algn="l" defTabSz="914400" rtl="0" eaLnBrk="1" latinLnBrk="0" hangingPunct="1">
+      <a:defRPr sz="1200" kern="1200">
+        <a:solidFill>
+          <a:schemeClr val="tx1"/>
+        </a:solidFill>
+        <a:latin typeface="+mn-lt"/>
+        <a:ea typeface="+mn-ea"/>
+        <a:cs typeface="+mn-cs"/>
+      </a:defRPr>
+    </a:lvl5pPr>
+    <a:lvl6pPr marL="2286000" algn="l" defTabSz="914400" rtl="0" eaLnBrk="1" latinLnBrk="0" hangingPunct="1">
+      <a:defRPr sz="1200" kern="1200">
+        <a:solidFill>
+          <a:schemeClr val="tx1"/>
+        </a:solidFill>
+        <a:latin typeface="+mn-lt"/>
+        <a:ea typeface="+mn-ea"/>
+        <a:cs typeface="+mn-cs"/>
+      </a:defRPr>
+    </a:lvl6pPr>
+    <a:lvl7pPr marL="2743200" algn="l" defTabSz="914400" rtl="0" eaLnBrk="1" latinLnBrk="0" hangingPunct="1">
+      <a:defRPr sz="1200" kern="1200">
+        <a:solidFill>
+          <a:schemeClr val="tx1"/>
+        </a:solidFill>
+        <a:latin typeface="+mn-lt"/>
+        <a:ea typeface="+mn-ea"/>
+        <a:cs typeface="+mn-cs"/>
+      </a:defRPr>
+    </a:lvl7pPr>
+    <a:lvl8pPr marL="3200400" algn="l" defTabSz="914400" rtl="0" eaLnBrk="1" latinLnBrk="0" hangingPunct="1">
+      <a:defRPr sz="1200" kern="1200">
+        <a:solidFill>
+          <a:schemeClr val="tx1"/>
+        </a:solidFill>
+        <a:latin typeface="+mn-lt"/>
+        <a:ea typeface="+mn-ea"/>
+        <a:cs typeface="+mn-cs"/>
+      </a:defRPr>
+    </a:lvl8pPr>
+    <a:lvl9pPr marL="3657600" algn="l" defTabSz="914400" rtl="0" eaLnBrk="1" latinLnBrk="0" hangingPunct="1">
+      <a:defRPr sz="1200" kern="1200">
+        <a:solidFill>
+          <a:schemeClr val="tx1"/>
+        </a:solidFill>
+        <a:latin typeface="+mn-lt"/>
+        <a:ea typeface="+mn-ea"/>
+        <a:cs typeface="+mn-cs"/>
+      </a:defRPr>
+    </a:lvl9pPr>
+  </p:notesStyle>
+</p:notesMaster>
+</file>
+
 <file path=ppt/slideLayouts/slideLayout1.xml><?xml version="1.0" encoding="utf-8"?>
 <p:sldLayout xmlns:a="http://schemas.openxmlformats.org/drawingml/2006/main" xmlns:r="http://schemas.openxmlformats.org/officeDocument/2006/relationships" xmlns:p="http://schemas.openxmlformats.org/presentationml/2006/main" type="title" preserve="1">
   <p:cSld name="Titelfolie">
@@ -277,7 +628,7 @@
           <a:bodyPr/>
           <a:lstStyle/>
           <a:p>
-            <a:fld id="{E6FE9C01-2251-4C27-A0B3-46E23D2CEB74}" type="datetimeFigureOut">
+            <a:fld id="{CBA7E3F7-437C-414B-A3DB-7E5BDC90DF6D}" type="datetime1">
               <a:rPr lang="de-DE" smtClean="0"/>
               <a:t>13.05.2019</a:t>
             </a:fld>
@@ -475,7 +826,7 @@
           <a:bodyPr/>
           <a:lstStyle/>
           <a:p>
-            <a:fld id="{E6FE9C01-2251-4C27-A0B3-46E23D2CEB74}" type="datetimeFigureOut">
+            <a:fld id="{57752D78-2793-4B53-8E64-68E93F3F7BD0}" type="datetime1">
               <a:rPr lang="de-DE" smtClean="0"/>
               <a:t>13.05.2019</a:t>
             </a:fld>
@@ -683,7 +1034,7 @@
           <a:bodyPr/>
           <a:lstStyle/>
           <a:p>
-            <a:fld id="{E6FE9C01-2251-4C27-A0B3-46E23D2CEB74}" type="datetimeFigureOut">
+            <a:fld id="{389AFC08-2D16-45FE-9D02-C6EFB61469C0}" type="datetime1">
               <a:rPr lang="de-DE" smtClean="0"/>
               <a:t>13.05.2019</a:t>
             </a:fld>
@@ -881,7 +1232,7 @@
           <a:bodyPr/>
           <a:lstStyle/>
           <a:p>
-            <a:fld id="{E6FE9C01-2251-4C27-A0B3-46E23D2CEB74}" type="datetimeFigureOut">
+            <a:fld id="{E67F5350-D520-4005-B8BB-893BAE7CCEC9}" type="datetime1">
               <a:rPr lang="de-DE" smtClean="0"/>
               <a:t>13.05.2019</a:t>
             </a:fld>
@@ -1156,7 +1507,7 @@
           <a:bodyPr/>
           <a:lstStyle/>
           <a:p>
-            <a:fld id="{E6FE9C01-2251-4C27-A0B3-46E23D2CEB74}" type="datetimeFigureOut">
+            <a:fld id="{6210B2B0-CF96-4F1C-BF0E-64EDB12A42EE}" type="datetime1">
               <a:rPr lang="de-DE" smtClean="0"/>
               <a:t>13.05.2019</a:t>
             </a:fld>
@@ -1421,7 +1772,7 @@
           <a:bodyPr/>
           <a:lstStyle/>
           <a:p>
-            <a:fld id="{E6FE9C01-2251-4C27-A0B3-46E23D2CEB74}" type="datetimeFigureOut">
+            <a:fld id="{AE41E9F8-9D21-459A-9EF5-38EA6550C302}" type="datetime1">
               <a:rPr lang="de-DE" smtClean="0"/>
               <a:t>13.05.2019</a:t>
             </a:fld>
@@ -1833,7 +2184,7 @@
           <a:bodyPr/>
           <a:lstStyle/>
           <a:p>
-            <a:fld id="{E6FE9C01-2251-4C27-A0B3-46E23D2CEB74}" type="datetimeFigureOut">
+            <a:fld id="{706E289F-9EA5-49FB-9AF6-0802B2A4BCA4}" type="datetime1">
               <a:rPr lang="de-DE" smtClean="0"/>
               <a:t>13.05.2019</a:t>
             </a:fld>
@@ -1974,7 +2325,7 @@
           <a:bodyPr/>
           <a:lstStyle/>
           <a:p>
-            <a:fld id="{E6FE9C01-2251-4C27-A0B3-46E23D2CEB74}" type="datetimeFigureOut">
+            <a:fld id="{2C3C7675-5768-4EDC-BAD2-6E10B3EE4F72}" type="datetime1">
               <a:rPr lang="de-DE" smtClean="0"/>
               <a:t>13.05.2019</a:t>
             </a:fld>
@@ -2087,7 +2438,7 @@
           <a:bodyPr/>
           <a:lstStyle/>
           <a:p>
-            <a:fld id="{E6FE9C01-2251-4C27-A0B3-46E23D2CEB74}" type="datetimeFigureOut">
+            <a:fld id="{404DD42A-AD46-4590-BDF8-DFFB54935097}" type="datetime1">
               <a:rPr lang="de-DE" smtClean="0"/>
               <a:t>13.05.2019</a:t>
             </a:fld>
@@ -2398,7 +2749,7 @@
           <a:bodyPr/>
           <a:lstStyle/>
           <a:p>
-            <a:fld id="{E6FE9C01-2251-4C27-A0B3-46E23D2CEB74}" type="datetimeFigureOut">
+            <a:fld id="{4F0F081A-CDD8-472C-9F4E-7A3EBBFFF192}" type="datetime1">
               <a:rPr lang="de-DE" smtClean="0"/>
               <a:t>13.05.2019</a:t>
             </a:fld>
@@ -2686,7 +3037,7 @@
           <a:bodyPr/>
           <a:lstStyle/>
           <a:p>
-            <a:fld id="{E6FE9C01-2251-4C27-A0B3-46E23D2CEB74}" type="datetimeFigureOut">
+            <a:fld id="{9E85C333-1D4B-4F0B-BE2F-4DDABA942EA3}" type="datetime1">
               <a:rPr lang="de-DE" smtClean="0"/>
               <a:t>13.05.2019</a:t>
             </a:fld>
@@ -2927,7 +3278,7 @@
             </a:lvl1pPr>
           </a:lstStyle>
           <a:p>
-            <a:fld id="{E6FE9C01-2251-4C27-A0B3-46E23D2CEB74}" type="datetimeFigureOut">
+            <a:fld id="{4A1F9046-5C4E-42ED-BB67-6AEDA31D1F89}" type="datetime1">
               <a:rPr lang="de-DE" smtClean="0"/>
               <a:t>13.05.2019</a:t>
             </a:fld>
@@ -3046,6 +3397,7 @@
     <p:sldLayoutId id="2147483658" r:id="rId10"/>
     <p:sldLayoutId id="2147483659" r:id="rId11"/>
   </p:sldLayoutIdLst>
+  <p:hf hdr="0" ftr="0" dt="0"/>
   <p:txStyles>
     <p:titleStyle>
       <a:lvl1pPr algn="l" defTabSz="914400" rtl="0" eaLnBrk="1" latinLnBrk="0" hangingPunct="1">
@@ -3693,6 +4045,35 @@
           </a:extLst>
         </p:spPr>
       </p:pic>
+      <p:sp>
+        <p:nvSpPr>
+          <p:cNvPr id="4" name="Foliennummernplatzhalter 3">
+            <a:extLst>
+              <a:ext uri="{FF2B5EF4-FFF2-40B4-BE49-F238E27FC236}">
+                <a16:creationId xmlns:a16="http://schemas.microsoft.com/office/drawing/2014/main" id="{AEBBF90C-A5C2-4DA6-A038-B40ED1756CD0}"/>
+              </a:ext>
+            </a:extLst>
+          </p:cNvPr>
+          <p:cNvSpPr>
+            <a:spLocks noGrp="1"/>
+          </p:cNvSpPr>
+          <p:nvPr>
+            <p:ph type="sldNum" sz="quarter" idx="12"/>
+          </p:nvPr>
+        </p:nvSpPr>
+        <p:spPr/>
+        <p:txBody>
+          <a:bodyPr/>
+          <a:lstStyle/>
+          <a:p>
+            <a:fld id="{999F46FA-4938-441E-B37C-E27597AB75D6}" type="slidenum">
+              <a:rPr lang="de-DE" smtClean="0"/>
+              <a:t>1</a:t>
+            </a:fld>
+            <a:endParaRPr lang="de-DE"/>
+          </a:p>
+        </p:txBody>
+      </p:sp>
     </p:spTree>
     <p:extLst>
       <p:ext uri="{BB962C8B-B14F-4D97-AF65-F5344CB8AC3E}">
@@ -3707,106 +4088,6 @@
 </file>
 
 <file path=ppt/slides/slide2.xml><?xml version="1.0" encoding="utf-8"?>
-<p:sld xmlns:a="http://schemas.openxmlformats.org/drawingml/2006/main" xmlns:r="http://schemas.openxmlformats.org/officeDocument/2006/relationships" xmlns:p="http://schemas.openxmlformats.org/presentationml/2006/main">
-  <p:cSld>
-    <p:spTree>
-      <p:nvGrpSpPr>
-        <p:cNvPr id="1" name=""/>
-        <p:cNvGrpSpPr/>
-        <p:nvPr/>
-      </p:nvGrpSpPr>
-      <p:grpSpPr>
-        <a:xfrm>
-          <a:off x="0" y="0"/>
-          <a:ext cx="0" cy="0"/>
-          <a:chOff x="0" y="0"/>
-          <a:chExt cx="0" cy="0"/>
-        </a:xfrm>
-      </p:grpSpPr>
-      <p:sp>
-        <p:nvSpPr>
-          <p:cNvPr id="2" name="Titel 1">
-            <a:extLst>
-              <a:ext uri="{FF2B5EF4-FFF2-40B4-BE49-F238E27FC236}">
-                <a16:creationId xmlns:a16="http://schemas.microsoft.com/office/drawing/2014/main" id="{33ED1F11-19B0-41DC-A031-E104D7BA918D}"/>
-              </a:ext>
-            </a:extLst>
-          </p:cNvPr>
-          <p:cNvSpPr>
-            <a:spLocks noGrp="1"/>
-          </p:cNvSpPr>
-          <p:nvPr>
-            <p:ph type="title"/>
-          </p:nvPr>
-        </p:nvSpPr>
-        <p:spPr>
-          <a:xfrm>
-            <a:off x="838200" y="365125"/>
-            <a:ext cx="10515600" cy="1325563"/>
-          </a:xfrm>
-        </p:spPr>
-        <p:txBody>
-          <a:bodyPr/>
-          <a:lstStyle/>
-          <a:p>
-            <a:r>
-              <a:rPr lang="de-DE" b="1" dirty="0"/>
-              <a:t>Data </a:t>
-            </a:r>
-            <a:r>
-              <a:rPr lang="de-DE" b="1" dirty="0" err="1"/>
-              <a:t>exploration</a:t>
-            </a:r>
-            <a:endParaRPr lang="de-DE" b="1" dirty="0"/>
-          </a:p>
-        </p:txBody>
-      </p:sp>
-      <p:pic>
-        <p:nvPicPr>
-          <p:cNvPr id="4" name="Inhaltsplatzhalter 3">
-            <a:extLst>
-              <a:ext uri="{FF2B5EF4-FFF2-40B4-BE49-F238E27FC236}">
-                <a16:creationId xmlns:a16="http://schemas.microsoft.com/office/drawing/2014/main" id="{40E0F7F1-445B-4F8F-A49A-F859B5763CDB}"/>
-              </a:ext>
-            </a:extLst>
-          </p:cNvPr>
-          <p:cNvPicPr>
-            <a:picLocks noGrp="1" noChangeAspect="1"/>
-          </p:cNvPicPr>
-          <p:nvPr>
-            <p:ph idx="1"/>
-          </p:nvPr>
-        </p:nvPicPr>
-        <p:blipFill>
-          <a:blip r:embed="rId2"/>
-          <a:stretch>
-            <a:fillRect/>
-          </a:stretch>
-        </p:blipFill>
-        <p:spPr>
-          <a:xfrm>
-            <a:off x="917821" y="1414564"/>
-            <a:ext cx="3382187" cy="4684232"/>
-          </a:xfrm>
-          <a:prstGeom prst="rect">
-            <a:avLst/>
-          </a:prstGeom>
-        </p:spPr>
-      </p:pic>
-    </p:spTree>
-    <p:extLst>
-      <p:ext uri="{BB962C8B-B14F-4D97-AF65-F5344CB8AC3E}">
-        <p14:creationId xmlns:p14="http://schemas.microsoft.com/office/powerpoint/2010/main" val="2000722455"/>
-      </p:ext>
-    </p:extLst>
-  </p:cSld>
-  <p:clrMapOvr>
-    <a:masterClrMapping/>
-  </p:clrMapOvr>
-</p:sld>
-</file>
-
-<file path=ppt/slides/slide3.xml><?xml version="1.0" encoding="utf-8"?>
 <p:sld xmlns:a="http://schemas.openxmlformats.org/drawingml/2006/main" xmlns:r="http://schemas.openxmlformats.org/officeDocument/2006/relationships" xmlns:p="http://schemas.openxmlformats.org/presentationml/2006/main">
   <p:cSld>
     <p:spTree>
@@ -4226,6 +4507,76 @@
           </a:graphicData>
         </a:graphic>
       </p:graphicFrame>
+      <p:sp>
+        <p:nvSpPr>
+          <p:cNvPr id="2" name="Foliennummernplatzhalter 1">
+            <a:extLst>
+              <a:ext uri="{FF2B5EF4-FFF2-40B4-BE49-F238E27FC236}">
+                <a16:creationId xmlns:a16="http://schemas.microsoft.com/office/drawing/2014/main" id="{462E7A21-C72E-4172-95D4-729B0B978EF8}"/>
+              </a:ext>
+            </a:extLst>
+          </p:cNvPr>
+          <p:cNvSpPr>
+            <a:spLocks noGrp="1"/>
+          </p:cNvSpPr>
+          <p:nvPr>
+            <p:ph type="sldNum" sz="quarter" idx="12"/>
+          </p:nvPr>
+        </p:nvSpPr>
+        <p:spPr/>
+        <p:txBody>
+          <a:bodyPr/>
+          <a:lstStyle/>
+          <a:p>
+            <a:fld id="{999F46FA-4938-441E-B37C-E27597AB75D6}" type="slidenum">
+              <a:rPr lang="de-DE" smtClean="0"/>
+              <a:t>2</a:t>
+            </a:fld>
+            <a:endParaRPr lang="de-DE"/>
+          </a:p>
+        </p:txBody>
+      </p:sp>
+      <p:sp>
+        <p:nvSpPr>
+          <p:cNvPr id="3" name="Textfeld 2">
+            <a:extLst>
+              <a:ext uri="{FF2B5EF4-FFF2-40B4-BE49-F238E27FC236}">
+                <a16:creationId xmlns:a16="http://schemas.microsoft.com/office/drawing/2014/main" id="{D4BA3D01-8FFC-4DF6-9A3E-81D25DE41FD9}"/>
+              </a:ext>
+            </a:extLst>
+          </p:cNvPr>
+          <p:cNvSpPr txBox="1"/>
+          <p:nvPr/>
+        </p:nvSpPr>
+        <p:spPr>
+          <a:xfrm>
+            <a:off x="106017" y="6466370"/>
+            <a:ext cx="7911548" cy="338554"/>
+          </a:xfrm>
+          <a:prstGeom prst="rect">
+            <a:avLst/>
+          </a:prstGeom>
+          <a:noFill/>
+        </p:spPr>
+        <p:txBody>
+          <a:bodyPr wrap="square" rtlCol="0">
+            <a:spAutoFit/>
+          </a:bodyPr>
+          <a:lstStyle/>
+          <a:p>
+            <a:r>
+              <a:rPr lang="de-DE" sz="1600" dirty="0">
+                <a:solidFill>
+                  <a:schemeClr val="bg2">
+                    <a:lumMod val="50000"/>
+                  </a:schemeClr>
+                </a:solidFill>
+              </a:rPr>
+              <a:t>https://satijalab.org/seurat/v3.0/pbmc3k_tutorial.html</a:t>
+            </a:r>
+          </a:p>
+        </p:txBody>
+      </p:sp>
     </p:spTree>
     <p:extLst>
       <p:ext uri="{BB962C8B-B14F-4D97-AF65-F5344CB8AC3E}">
@@ -4239,7 +4590,7 @@
 </p:sld>
 </file>
 
-<file path=ppt/slides/slide4.xml><?xml version="1.0" encoding="utf-8"?>
+<file path=ppt/slides/slide3.xml><?xml version="1.0" encoding="utf-8"?>
 <p:sld xmlns:a="http://schemas.openxmlformats.org/drawingml/2006/main" xmlns:r="http://schemas.openxmlformats.org/officeDocument/2006/relationships" xmlns:p="http://schemas.openxmlformats.org/presentationml/2006/main">
   <p:cSld>
     <p:spTree>
@@ -5333,8 +5684,8 @@
           </a:p>
         </p:txBody>
       </p:sp>
-      <mc:AlternateContent xmlns:mc="http://schemas.openxmlformats.org/markup-compatibility/2006" xmlns:pslz="http://schemas.microsoft.com/office/powerpoint/2016/slidezoom">
-        <mc:Choice Requires="pslz">
+      <mc:AlternateContent xmlns:mc="http://schemas.openxmlformats.org/markup-compatibility/2006">
+        <mc:Choice xmlns:pslz="http://schemas.microsoft.com/office/powerpoint/2016/slidezoom" Requires="pslz">
           <p:graphicFrame>
             <p:nvGraphicFramePr>
               <p:cNvPr id="9" name="Folienzoom 8">
@@ -5350,7 +5701,7 @@
               <p:nvPr>
                 <p:extLst>
                   <p:ext uri="{D42A27DB-BD31-4B8C-83A1-F6EECF244321}">
-                    <p14:modId xmlns:p14="http://schemas.microsoft.com/office/powerpoint/2010/main" val="2848408761"/>
+                    <p14:modId xmlns:p14="http://schemas.microsoft.com/office/powerpoint/2010/main" val="1893271608"/>
                   </p:ext>
                 </p:extLst>
               </p:nvPr>
@@ -5391,7 +5742,7 @@
             </a:graphic>
           </p:graphicFrame>
         </mc:Choice>
-        <mc:Fallback xmlns="">
+        <mc:Fallback>
           <p:pic>
             <p:nvPicPr>
               <p:cNvPr id="9" name="Folienzoom 8">
@@ -5408,7 +5759,7 @@
               <p:nvPr/>
             </p:nvPicPr>
             <p:blipFill>
-              <a:blip r:embed="rId4"/>
+              <a:blip r:embed="rId2"/>
               <a:stretch>
                 <a:fillRect/>
               </a:stretch>
@@ -5430,6 +5781,35 @@
           </p:pic>
         </mc:Fallback>
       </mc:AlternateContent>
+      <p:sp>
+        <p:nvSpPr>
+          <p:cNvPr id="8" name="Foliennummernplatzhalter 7">
+            <a:extLst>
+              <a:ext uri="{FF2B5EF4-FFF2-40B4-BE49-F238E27FC236}">
+                <a16:creationId xmlns:a16="http://schemas.microsoft.com/office/drawing/2014/main" id="{65513C7B-D912-49BE-96E5-D6A9D45A1755}"/>
+              </a:ext>
+            </a:extLst>
+          </p:cNvPr>
+          <p:cNvSpPr>
+            <a:spLocks noGrp="1"/>
+          </p:cNvSpPr>
+          <p:nvPr>
+            <p:ph type="sldNum" sz="quarter" idx="12"/>
+          </p:nvPr>
+        </p:nvSpPr>
+        <p:spPr/>
+        <p:txBody>
+          <a:bodyPr/>
+          <a:lstStyle/>
+          <a:p>
+            <a:fld id="{999F46FA-4938-441E-B37C-E27597AB75D6}" type="slidenum">
+              <a:rPr lang="de-DE" smtClean="0"/>
+              <a:t>3</a:t>
+            </a:fld>
+            <a:endParaRPr lang="de-DE"/>
+          </a:p>
+        </p:txBody>
+      </p:sp>
     </p:spTree>
     <p:extLst>
       <p:ext uri="{BB962C8B-B14F-4D97-AF65-F5344CB8AC3E}">
@@ -6689,7 +7069,7 @@
 </p:sld>
 </file>
 
-<file path=ppt/slides/slide5.xml><?xml version="1.0" encoding="utf-8"?>
+<file path=ppt/slides/slide4.xml><?xml version="1.0" encoding="utf-8"?>
 <p:sld xmlns:a="http://schemas.openxmlformats.org/drawingml/2006/main" xmlns:r="http://schemas.openxmlformats.org/officeDocument/2006/relationships" xmlns:p="http://schemas.openxmlformats.org/presentationml/2006/main">
   <p:cSld>
     <p:spTree>
@@ -7349,6 +7729,35 @@
           </a:prstGeom>
         </p:spPr>
       </p:pic>
+      <p:sp>
+        <p:nvSpPr>
+          <p:cNvPr id="2" name="Foliennummernplatzhalter 1">
+            <a:extLst>
+              <a:ext uri="{FF2B5EF4-FFF2-40B4-BE49-F238E27FC236}">
+                <a16:creationId xmlns:a16="http://schemas.microsoft.com/office/drawing/2014/main" id="{717A36A2-F4ED-48EF-B0D4-9AFCBD6CAA64}"/>
+              </a:ext>
+            </a:extLst>
+          </p:cNvPr>
+          <p:cNvSpPr>
+            <a:spLocks noGrp="1"/>
+          </p:cNvSpPr>
+          <p:nvPr>
+            <p:ph type="sldNum" sz="quarter" idx="12"/>
+          </p:nvPr>
+        </p:nvSpPr>
+        <p:spPr/>
+        <p:txBody>
+          <a:bodyPr/>
+          <a:lstStyle/>
+          <a:p>
+            <a:fld id="{999F46FA-4938-441E-B37C-E27597AB75D6}" type="slidenum">
+              <a:rPr lang="de-DE" smtClean="0"/>
+              <a:t>4</a:t>
+            </a:fld>
+            <a:endParaRPr lang="de-DE"/>
+          </a:p>
+        </p:txBody>
+      </p:sp>
     </p:spTree>
     <p:extLst>
       <p:ext uri="{BB962C8B-B14F-4D97-AF65-F5344CB8AC3E}">
@@ -7614,7 +8023,7 @@
 </p:sld>
 </file>
 
-<file path=ppt/slides/slide6.xml><?xml version="1.0" encoding="utf-8"?>
+<file path=ppt/slides/slide5.xml><?xml version="1.0" encoding="utf-8"?>
 <p:sld xmlns:a="http://schemas.openxmlformats.org/drawingml/2006/main" xmlns:r="http://schemas.openxmlformats.org/officeDocument/2006/relationships" xmlns:p="http://schemas.openxmlformats.org/presentationml/2006/main">
   <p:cSld>
     <p:spTree>
@@ -7633,6 +8042,55 @@
       </p:grpSpPr>
       <p:sp>
         <p:nvSpPr>
+          <p:cNvPr id="74" name="Rechteck 73">
+            <a:extLst>
+              <a:ext uri="{FF2B5EF4-FFF2-40B4-BE49-F238E27FC236}">
+                <a16:creationId xmlns:a16="http://schemas.microsoft.com/office/drawing/2014/main" id="{6856791A-58BB-495E-86D8-1A73C24147D6}"/>
+              </a:ext>
+            </a:extLst>
+          </p:cNvPr>
+          <p:cNvSpPr/>
+          <p:nvPr/>
+        </p:nvSpPr>
+        <p:spPr>
+          <a:xfrm>
+            <a:off x="0" y="-30083"/>
+            <a:ext cx="12192000" cy="1341230"/>
+          </a:xfrm>
+          <a:prstGeom prst="rect">
+            <a:avLst/>
+          </a:prstGeom>
+          <a:ln>
+            <a:noFill/>
+          </a:ln>
+        </p:spPr>
+        <p:style>
+          <a:lnRef idx="2">
+            <a:schemeClr val="accent1">
+              <a:shade val="50000"/>
+            </a:schemeClr>
+          </a:lnRef>
+          <a:fillRef idx="1">
+            <a:schemeClr val="accent1"/>
+          </a:fillRef>
+          <a:effectRef idx="0">
+            <a:schemeClr val="accent1"/>
+          </a:effectRef>
+          <a:fontRef idx="minor">
+            <a:schemeClr val="lt1"/>
+          </a:fontRef>
+        </p:style>
+        <p:txBody>
+          <a:bodyPr rtlCol="0" anchor="ctr"/>
+          <a:lstStyle/>
+          <a:p>
+            <a:pPr algn="ctr"/>
+            <a:endParaRPr lang="de-DE"/>
+          </a:p>
+        </p:txBody>
+      </p:sp>
+      <p:sp>
+        <p:nvSpPr>
           <p:cNvPr id="2" name="Titel 1">
             <a:extLst>
               <a:ext uri="{FF2B5EF4-FFF2-40B4-BE49-F238E27FC236}">
@@ -7649,26 +8107,36 @@
         </p:nvSpPr>
         <p:spPr>
           <a:xfrm>
-            <a:off x="838200" y="365125"/>
+            <a:off x="352447" y="284259"/>
             <a:ext cx="10515600" cy="1325563"/>
           </a:xfrm>
-          <a:solidFill>
-            <a:schemeClr val="bg1"/>
-          </a:solidFill>
+          <a:noFill/>
         </p:spPr>
         <p:txBody>
           <a:bodyPr/>
           <a:lstStyle/>
           <a:p>
             <a:r>
-              <a:rPr lang="de-DE" b="1" dirty="0"/>
-              <a:t>Project plan -&gt; 10 </a:t>
-            </a:r>
-            <a:r>
-              <a:rPr lang="de-DE" b="1" dirty="0" err="1"/>
-              <a:t>weeks</a:t>
-            </a:r>
-            <a:endParaRPr lang="de-DE" b="1" dirty="0"/>
+              <a:rPr lang="de-DE" b="1" dirty="0">
+                <a:solidFill>
+                  <a:schemeClr val="bg1"/>
+                </a:solidFill>
+              </a:rPr>
+              <a:t>Project </a:t>
+            </a:r>
+            <a:r>
+              <a:rPr lang="de-DE" b="1" dirty="0" err="1">
+                <a:solidFill>
+                  <a:schemeClr val="bg1"/>
+                </a:solidFill>
+              </a:rPr>
+              <a:t>schedule</a:t>
+            </a:r>
+            <a:endParaRPr lang="de-DE" b="1" dirty="0">
+              <a:solidFill>
+                <a:schemeClr val="bg1"/>
+              </a:solidFill>
+            </a:endParaRPr>
           </a:p>
         </p:txBody>
       </p:sp>
@@ -11685,6 +12153,35 @@
           </a:p>
         </p:txBody>
       </p:sp>
+      <p:sp>
+        <p:nvSpPr>
+          <p:cNvPr id="8" name="Foliennummernplatzhalter 7">
+            <a:extLst>
+              <a:ext uri="{FF2B5EF4-FFF2-40B4-BE49-F238E27FC236}">
+                <a16:creationId xmlns:a16="http://schemas.microsoft.com/office/drawing/2014/main" id="{FD8D242B-24A0-4019-8C82-29A7639E9F7F}"/>
+              </a:ext>
+            </a:extLst>
+          </p:cNvPr>
+          <p:cNvSpPr>
+            <a:spLocks noGrp="1"/>
+          </p:cNvSpPr>
+          <p:nvPr>
+            <p:ph type="sldNum" sz="quarter" idx="12"/>
+          </p:nvPr>
+        </p:nvSpPr>
+        <p:spPr/>
+        <p:txBody>
+          <a:bodyPr/>
+          <a:lstStyle/>
+          <a:p>
+            <a:fld id="{999F46FA-4938-441E-B37C-E27597AB75D6}" type="slidenum">
+              <a:rPr lang="de-DE" smtClean="0"/>
+              <a:t>5</a:t>
+            </a:fld>
+            <a:endParaRPr lang="de-DE"/>
+          </a:p>
+        </p:txBody>
+      </p:sp>
     </p:spTree>
     <p:extLst>
       <p:ext uri="{BB962C8B-B14F-4D97-AF65-F5344CB8AC3E}">
@@ -15498,7 +15995,7 @@
 </p:sld>
 </file>
 
-<file path=ppt/slides/slide7.xml><?xml version="1.0" encoding="utf-8"?>
+<file path=ppt/slides/slide6.xml><?xml version="1.0" encoding="utf-8"?>
 <p:sld xmlns:a="http://schemas.openxmlformats.org/drawingml/2006/main" xmlns:r="http://schemas.openxmlformats.org/officeDocument/2006/relationships" xmlns:p="http://schemas.openxmlformats.org/presentationml/2006/main">
   <p:cSld>
     <p:spTree>
@@ -15517,6 +16014,55 @@
       </p:grpSpPr>
       <p:sp>
         <p:nvSpPr>
+          <p:cNvPr id="5" name="Rechteck 4">
+            <a:extLst>
+              <a:ext uri="{FF2B5EF4-FFF2-40B4-BE49-F238E27FC236}">
+                <a16:creationId xmlns:a16="http://schemas.microsoft.com/office/drawing/2014/main" id="{0DAB6E29-A1C9-46D0-8DEA-7C6A3A0AE7BD}"/>
+              </a:ext>
+            </a:extLst>
+          </p:cNvPr>
+          <p:cNvSpPr/>
+          <p:nvPr/>
+        </p:nvSpPr>
+        <p:spPr>
+          <a:xfrm>
+            <a:off x="0" y="-30083"/>
+            <a:ext cx="12192000" cy="1341230"/>
+          </a:xfrm>
+          <a:prstGeom prst="rect">
+            <a:avLst/>
+          </a:prstGeom>
+          <a:ln>
+            <a:noFill/>
+          </a:ln>
+        </p:spPr>
+        <p:style>
+          <a:lnRef idx="2">
+            <a:schemeClr val="accent1">
+              <a:shade val="50000"/>
+            </a:schemeClr>
+          </a:lnRef>
+          <a:fillRef idx="1">
+            <a:schemeClr val="accent1"/>
+          </a:fillRef>
+          <a:effectRef idx="0">
+            <a:schemeClr val="accent1"/>
+          </a:effectRef>
+          <a:fontRef idx="minor">
+            <a:schemeClr val="lt1"/>
+          </a:fontRef>
+        </p:style>
+        <p:txBody>
+          <a:bodyPr rtlCol="0" anchor="ctr"/>
+          <a:lstStyle/>
+          <a:p>
+            <a:pPr algn="ctr"/>
+            <a:endParaRPr lang="de-DE"/>
+          </a:p>
+        </p:txBody>
+      </p:sp>
+      <p:sp>
+        <p:nvSpPr>
           <p:cNvPr id="2" name="Titel 1">
             <a:extLst>
               <a:ext uri="{FF2B5EF4-FFF2-40B4-BE49-F238E27FC236}">
@@ -15531,28 +16077,53 @@
             <p:ph type="title"/>
           </p:nvPr>
         </p:nvSpPr>
-        <p:spPr/>
+        <p:spPr>
+          <a:xfrm>
+            <a:off x="467139" y="320675"/>
+            <a:ext cx="10515600" cy="1325563"/>
+          </a:xfrm>
+        </p:spPr>
         <p:txBody>
           <a:bodyPr/>
           <a:lstStyle/>
           <a:p>
             <a:r>
-              <a:rPr lang="de-DE" b="1" dirty="0"/>
+              <a:rPr lang="de-DE" dirty="0">
+                <a:solidFill>
+                  <a:schemeClr val="bg1"/>
+                </a:solidFill>
+              </a:rPr>
               <a:t>A </a:t>
             </a:r>
             <a:r>
-              <a:rPr lang="de-DE" b="1" dirty="0" err="1"/>
+              <a:rPr lang="de-DE" dirty="0" err="1">
+                <a:solidFill>
+                  <a:schemeClr val="bg1"/>
+                </a:solidFill>
+              </a:rPr>
               <a:t>few</a:t>
             </a:r>
             <a:r>
-              <a:rPr lang="de-DE" b="1" dirty="0"/>
+              <a:rPr lang="de-DE" dirty="0">
+                <a:solidFill>
+                  <a:schemeClr val="bg1"/>
+                </a:solidFill>
+              </a:rPr>
               <a:t> </a:t>
             </a:r>
             <a:r>
-              <a:rPr lang="de-DE" b="1" dirty="0" err="1"/>
+              <a:rPr lang="de-DE" dirty="0" err="1">
+                <a:solidFill>
+                  <a:schemeClr val="bg1"/>
+                </a:solidFill>
+              </a:rPr>
               <a:t>questions</a:t>
             </a:r>
-            <a:endParaRPr lang="de-DE" b="1" dirty="0"/>
+            <a:endParaRPr lang="de-DE" dirty="0">
+              <a:solidFill>
+                <a:schemeClr val="bg1"/>
+              </a:solidFill>
+            </a:endParaRPr>
           </a:p>
         </p:txBody>
       </p:sp>
@@ -15730,7 +16301,7 @@
             </a:r>
             <a:r>
               <a:rPr lang="de-DE" dirty="0" err="1"/>
-              <a:t>clustered</a:t>
+              <a:t>cluster</a:t>
             </a:r>
             <a:r>
               <a:rPr lang="de-DE" dirty="0"/>
@@ -15761,6 +16332,35 @@
           </a:p>
           <a:p>
             <a:endParaRPr lang="de-DE" dirty="0"/>
+          </a:p>
+        </p:txBody>
+      </p:sp>
+      <p:sp>
+        <p:nvSpPr>
+          <p:cNvPr id="4" name="Foliennummernplatzhalter 3">
+            <a:extLst>
+              <a:ext uri="{FF2B5EF4-FFF2-40B4-BE49-F238E27FC236}">
+                <a16:creationId xmlns:a16="http://schemas.microsoft.com/office/drawing/2014/main" id="{EBFC3532-9B0B-46C5-BFB8-E260C8E1E309}"/>
+              </a:ext>
+            </a:extLst>
+          </p:cNvPr>
+          <p:cNvSpPr>
+            <a:spLocks noGrp="1"/>
+          </p:cNvSpPr>
+          <p:nvPr>
+            <p:ph type="sldNum" sz="quarter" idx="12"/>
+          </p:nvPr>
+        </p:nvSpPr>
+        <p:spPr/>
+        <p:txBody>
+          <a:bodyPr/>
+          <a:lstStyle/>
+          <a:p>
+            <a:fld id="{999F46FA-4938-441E-B37C-E27597AB75D6}" type="slidenum">
+              <a:rPr lang="de-DE" smtClean="0"/>
+              <a:t>6</a:t>
+            </a:fld>
+            <a:endParaRPr lang="de-DE"/>
           </a:p>
         </p:txBody>
       </p:sp>
@@ -15957,7 +16557,7 @@
 </p:sld>
 </file>
 
-<file path=ppt/slides/slide8.xml><?xml version="1.0" encoding="utf-8"?>
+<file path=ppt/slides/slide7.xml><?xml version="1.0" encoding="utf-8"?>
 <p:sld xmlns:a="http://schemas.openxmlformats.org/drawingml/2006/main" xmlns:r="http://schemas.openxmlformats.org/officeDocument/2006/relationships" xmlns:p="http://schemas.openxmlformats.org/presentationml/2006/main">
   <p:cSld>
     <p:spTree>
@@ -15974,6 +16574,55 @@
           <a:chExt cx="0" cy="0"/>
         </a:xfrm>
       </p:grpSpPr>
+      <p:sp>
+        <p:nvSpPr>
+          <p:cNvPr id="6" name="Rechteck 5">
+            <a:extLst>
+              <a:ext uri="{FF2B5EF4-FFF2-40B4-BE49-F238E27FC236}">
+                <a16:creationId xmlns:a16="http://schemas.microsoft.com/office/drawing/2014/main" id="{5C11CCB9-35AE-4273-8A94-8477E109518E}"/>
+              </a:ext>
+            </a:extLst>
+          </p:cNvPr>
+          <p:cNvSpPr/>
+          <p:nvPr/>
+        </p:nvSpPr>
+        <p:spPr>
+          <a:xfrm>
+            <a:off x="0" y="-30083"/>
+            <a:ext cx="12192000" cy="1341230"/>
+          </a:xfrm>
+          <a:prstGeom prst="rect">
+            <a:avLst/>
+          </a:prstGeom>
+          <a:ln>
+            <a:noFill/>
+          </a:ln>
+        </p:spPr>
+        <p:style>
+          <a:lnRef idx="2">
+            <a:schemeClr val="accent1">
+              <a:shade val="50000"/>
+            </a:schemeClr>
+          </a:lnRef>
+          <a:fillRef idx="1">
+            <a:schemeClr val="accent1"/>
+          </a:fillRef>
+          <a:effectRef idx="0">
+            <a:schemeClr val="accent1"/>
+          </a:effectRef>
+          <a:fontRef idx="minor">
+            <a:schemeClr val="lt1"/>
+          </a:fontRef>
+        </p:style>
+        <p:txBody>
+          <a:bodyPr rtlCol="0" anchor="ctr"/>
+          <a:lstStyle/>
+          <a:p>
+            <a:pPr algn="ctr"/>
+            <a:endParaRPr lang="de-DE"/>
+          </a:p>
+        </p:txBody>
+      </p:sp>
       <p:pic>
         <p:nvPicPr>
           <p:cNvPr id="2" name="Grafik 1">
@@ -15996,8 +16645,8 @@
         </p:blipFill>
         <p:spPr>
           <a:xfrm>
-            <a:off x="198782" y="980976"/>
-            <a:ext cx="10387810" cy="5771006"/>
+            <a:off x="159025" y="1328898"/>
+            <a:ext cx="9952383" cy="5529102"/>
           </a:xfrm>
           <a:prstGeom prst="rect">
             <a:avLst/>
@@ -16018,7 +16667,7 @@
         </p:nvSpPr>
         <p:spPr>
           <a:xfrm>
-            <a:off x="847191" y="273090"/>
+            <a:off x="727921" y="541706"/>
             <a:ext cx="4545496" cy="769441"/>
           </a:xfrm>
           <a:prstGeom prst="rect">
@@ -16033,8 +16682,82 @@
           <a:lstStyle/>
           <a:p>
             <a:r>
-              <a:rPr lang="de-DE" sz="4400" dirty="0"/>
+              <a:rPr lang="de-DE" sz="4400" dirty="0">
+                <a:solidFill>
+                  <a:schemeClr val="bg1"/>
+                </a:solidFill>
+              </a:rPr>
               <a:t>Goal…</a:t>
+            </a:r>
+          </a:p>
+        </p:txBody>
+      </p:sp>
+      <p:sp>
+        <p:nvSpPr>
+          <p:cNvPr id="4" name="Foliennummernplatzhalter 3">
+            <a:extLst>
+              <a:ext uri="{FF2B5EF4-FFF2-40B4-BE49-F238E27FC236}">
+                <a16:creationId xmlns:a16="http://schemas.microsoft.com/office/drawing/2014/main" id="{549EF755-1702-4F49-A160-D5EA8F244417}"/>
+              </a:ext>
+            </a:extLst>
+          </p:cNvPr>
+          <p:cNvSpPr>
+            <a:spLocks noGrp="1"/>
+          </p:cNvSpPr>
+          <p:nvPr>
+            <p:ph type="sldNum" sz="quarter" idx="12"/>
+          </p:nvPr>
+        </p:nvSpPr>
+        <p:spPr/>
+        <p:txBody>
+          <a:bodyPr/>
+          <a:lstStyle/>
+          <a:p>
+            <a:fld id="{999F46FA-4938-441E-B37C-E27597AB75D6}" type="slidenum">
+              <a:rPr lang="de-DE" smtClean="0"/>
+              <a:t>7</a:t>
+            </a:fld>
+            <a:endParaRPr lang="de-DE"/>
+          </a:p>
+        </p:txBody>
+      </p:sp>
+      <p:sp>
+        <p:nvSpPr>
+          <p:cNvPr id="5" name="Textfeld 4">
+            <a:extLst>
+              <a:ext uri="{FF2B5EF4-FFF2-40B4-BE49-F238E27FC236}">
+                <a16:creationId xmlns:a16="http://schemas.microsoft.com/office/drawing/2014/main" id="{1E8073ED-3BA3-4EC8-909B-095FE2324908}"/>
+              </a:ext>
+            </a:extLst>
+          </p:cNvPr>
+          <p:cNvSpPr txBox="1"/>
+          <p:nvPr/>
+        </p:nvSpPr>
+        <p:spPr>
+          <a:xfrm>
+            <a:off x="0" y="6519446"/>
+            <a:ext cx="8269356" cy="338554"/>
+          </a:xfrm>
+          <a:prstGeom prst="rect">
+            <a:avLst/>
+          </a:prstGeom>
+          <a:noFill/>
+        </p:spPr>
+        <p:txBody>
+          <a:bodyPr wrap="square" rtlCol="0">
+            <a:spAutoFit/>
+          </a:bodyPr>
+          <a:lstStyle/>
+          <a:p>
+            <a:r>
+              <a:rPr lang="de-DE" sz="1600" dirty="0">
+                <a:solidFill>
+                  <a:schemeClr val="bg2">
+                    <a:lumMod val="50000"/>
+                  </a:schemeClr>
+                </a:solidFill>
+              </a:rPr>
+              <a:t>https://satijalab.org/seurat/v3.0/pbmc3k_tutorial.html</a:t>
             </a:r>
           </a:p>
         </p:txBody>
@@ -16052,7 +16775,7 @@
 </p:sld>
 </file>
 
-<file path=ppt/slides/slide9.xml><?xml version="1.0" encoding="utf-8"?>
+<file path=ppt/slides/slide8.xml><?xml version="1.0" encoding="utf-8"?>
 <p:sld xmlns:a="http://schemas.openxmlformats.org/drawingml/2006/main" xmlns:r="http://schemas.openxmlformats.org/officeDocument/2006/relationships" xmlns:p="http://schemas.openxmlformats.org/presentationml/2006/main">
   <p:cSld>
     <p:spTree>
@@ -16071,6 +16794,55 @@
       </p:grpSpPr>
       <p:sp>
         <p:nvSpPr>
+          <p:cNvPr id="5" name="Rechteck 4">
+            <a:extLst>
+              <a:ext uri="{FF2B5EF4-FFF2-40B4-BE49-F238E27FC236}">
+                <a16:creationId xmlns:a16="http://schemas.microsoft.com/office/drawing/2014/main" id="{AD7C46C1-6677-4A94-B38E-E904185BF309}"/>
+              </a:ext>
+            </a:extLst>
+          </p:cNvPr>
+          <p:cNvSpPr/>
+          <p:nvPr/>
+        </p:nvSpPr>
+        <p:spPr>
+          <a:xfrm>
+            <a:off x="0" y="-30083"/>
+            <a:ext cx="12192000" cy="1341230"/>
+          </a:xfrm>
+          <a:prstGeom prst="rect">
+            <a:avLst/>
+          </a:prstGeom>
+          <a:ln>
+            <a:noFill/>
+          </a:ln>
+        </p:spPr>
+        <p:style>
+          <a:lnRef idx="2">
+            <a:schemeClr val="accent1">
+              <a:shade val="50000"/>
+            </a:schemeClr>
+          </a:lnRef>
+          <a:fillRef idx="1">
+            <a:schemeClr val="accent1"/>
+          </a:fillRef>
+          <a:effectRef idx="0">
+            <a:schemeClr val="accent1"/>
+          </a:effectRef>
+          <a:fontRef idx="minor">
+            <a:schemeClr val="lt1"/>
+          </a:fontRef>
+        </p:style>
+        <p:txBody>
+          <a:bodyPr rtlCol="0" anchor="ctr"/>
+          <a:lstStyle/>
+          <a:p>
+            <a:pPr algn="ctr"/>
+            <a:endParaRPr lang="de-DE"/>
+          </a:p>
+        </p:txBody>
+      </p:sp>
+      <p:sp>
+        <p:nvSpPr>
           <p:cNvPr id="2" name="Titel 1">
             <a:extLst>
               <a:ext uri="{FF2B5EF4-FFF2-40B4-BE49-F238E27FC236}">
@@ -16085,13 +16857,22 @@
             <p:ph type="title"/>
           </p:nvPr>
         </p:nvSpPr>
-        <p:spPr/>
+        <p:spPr>
+          <a:xfrm>
+            <a:off x="718930" y="207963"/>
+            <a:ext cx="10515600" cy="1325563"/>
+          </a:xfrm>
+        </p:spPr>
         <p:txBody>
           <a:bodyPr/>
           <a:lstStyle/>
           <a:p>
             <a:r>
-              <a:rPr lang="de-DE" dirty="0"/>
+              <a:rPr lang="de-DE" dirty="0">
+                <a:solidFill>
+                  <a:schemeClr val="bg1"/>
+                </a:solidFill>
+              </a:rPr>
               <a:t>Questions</a:t>
             </a:r>
           </a:p>
@@ -16554,6 +17335,35 @@
               <a:t>?</a:t>
             </a:r>
             <a:endParaRPr lang="de-DE" dirty="0"/>
+          </a:p>
+        </p:txBody>
+      </p:sp>
+      <p:sp>
+        <p:nvSpPr>
+          <p:cNvPr id="4" name="Foliennummernplatzhalter 3">
+            <a:extLst>
+              <a:ext uri="{FF2B5EF4-FFF2-40B4-BE49-F238E27FC236}">
+                <a16:creationId xmlns:a16="http://schemas.microsoft.com/office/drawing/2014/main" id="{DEA4C110-E523-4B16-A47E-D6E0667CD7D6}"/>
+              </a:ext>
+            </a:extLst>
+          </p:cNvPr>
+          <p:cNvSpPr>
+            <a:spLocks noGrp="1"/>
+          </p:cNvSpPr>
+          <p:nvPr>
+            <p:ph type="sldNum" sz="quarter" idx="12"/>
+          </p:nvPr>
+        </p:nvSpPr>
+        <p:spPr/>
+        <p:txBody>
+          <a:bodyPr/>
+          <a:lstStyle/>
+          <a:p>
+            <a:fld id="{999F46FA-4938-441E-B37C-E27597AB75D6}" type="slidenum">
+              <a:rPr lang="de-DE" smtClean="0"/>
+              <a:t>8</a:t>
+            </a:fld>
+            <a:endParaRPr lang="de-DE"/>
           </a:p>
         </p:txBody>
       </p:sp>
@@ -17120,4 +17930,299 @@
     </a:ext>
   </a:extLst>
 </a:theme>
+</file>
+
+<file path=ppt/theme/theme2.xml><?xml version="1.0" encoding="utf-8"?>
+<a:theme xmlns:a="http://schemas.openxmlformats.org/drawingml/2006/main" name="Office">
+  <a:themeElements>
+    <a:clrScheme name="Office">
+      <a:dk1>
+        <a:sysClr val="windowText" lastClr="000000"/>
+      </a:dk1>
+      <a:lt1>
+        <a:sysClr val="window" lastClr="FFFFFF"/>
+      </a:lt1>
+      <a:dk2>
+        <a:srgbClr val="44546A"/>
+      </a:dk2>
+      <a:lt2>
+        <a:srgbClr val="E7E6E6"/>
+      </a:lt2>
+      <a:accent1>
+        <a:srgbClr val="4472C4"/>
+      </a:accent1>
+      <a:accent2>
+        <a:srgbClr val="ED7D31"/>
+      </a:accent2>
+      <a:accent3>
+        <a:srgbClr val="A5A5A5"/>
+      </a:accent3>
+      <a:accent4>
+        <a:srgbClr val="FFC000"/>
+      </a:accent4>
+      <a:accent5>
+        <a:srgbClr val="5B9BD5"/>
+      </a:accent5>
+      <a:accent6>
+        <a:srgbClr val="70AD47"/>
+      </a:accent6>
+      <a:hlink>
+        <a:srgbClr val="0563C1"/>
+      </a:hlink>
+      <a:folHlink>
+        <a:srgbClr val="954F72"/>
+      </a:folHlink>
+    </a:clrScheme>
+    <a:fontScheme name="Office">
+      <a:majorFont>
+        <a:latin typeface="Calibri Light" panose="020F0302020204030204"/>
+        <a:ea typeface=""/>
+        <a:cs typeface=""/>
+        <a:font script="Jpan" typeface="游ゴシック Light"/>
+        <a:font script="Hang" typeface="맑은 고딕"/>
+        <a:font script="Hans" typeface="等线 Light"/>
+        <a:font script="Hant" typeface="新細明體"/>
+        <a:font script="Arab" typeface="Times New Roman"/>
+        <a:font script="Hebr" typeface="Times New Roman"/>
+        <a:font script="Thai" typeface="Angsana New"/>
+        <a:font script="Ethi" typeface="Nyala"/>
+        <a:font script="Beng" typeface="Vrinda"/>
+        <a:font script="Gujr" typeface="Shruti"/>
+        <a:font script="Khmr" typeface="MoolBoran"/>
+        <a:font script="Knda" typeface="Tunga"/>
+        <a:font script="Guru" typeface="Raavi"/>
+        <a:font script="Cans" typeface="Euphemia"/>
+        <a:font script="Cher" typeface="Plantagenet Cherokee"/>
+        <a:font script="Yiii" typeface="Microsoft Yi Baiti"/>
+        <a:font script="Tibt" typeface="Microsoft Himalaya"/>
+        <a:font script="Thaa" typeface="MV Boli"/>
+        <a:font script="Deva" typeface="Mangal"/>
+        <a:font script="Telu" typeface="Gautami"/>
+        <a:font script="Taml" typeface="Latha"/>
+        <a:font script="Syrc" typeface="Estrangelo Edessa"/>
+        <a:font script="Orya" typeface="Kalinga"/>
+        <a:font script="Mlym" typeface="Kartika"/>
+        <a:font script="Laoo" typeface="DokChampa"/>
+        <a:font script="Sinh" typeface="Iskoola Pota"/>
+        <a:font script="Mong" typeface="Mongolian Baiti"/>
+        <a:font script="Viet" typeface="Times New Roman"/>
+        <a:font script="Uigh" typeface="Microsoft Uighur"/>
+        <a:font script="Geor" typeface="Sylfaen"/>
+        <a:font script="Armn" typeface="Arial"/>
+        <a:font script="Bugi" typeface="Leelawadee UI"/>
+        <a:font script="Bopo" typeface="Microsoft JhengHei"/>
+        <a:font script="Java" typeface="Javanese Text"/>
+        <a:font script="Lisu" typeface="Segoe UI"/>
+        <a:font script="Mymr" typeface="Myanmar Text"/>
+        <a:font script="Nkoo" typeface="Ebrima"/>
+        <a:font script="Olck" typeface="Nirmala UI"/>
+        <a:font script="Osma" typeface="Ebrima"/>
+        <a:font script="Phag" typeface="Phagspa"/>
+        <a:font script="Syrn" typeface="Estrangelo Edessa"/>
+        <a:font script="Syrj" typeface="Estrangelo Edessa"/>
+        <a:font script="Syre" typeface="Estrangelo Edessa"/>
+        <a:font script="Sora" typeface="Nirmala UI"/>
+        <a:font script="Tale" typeface="Microsoft Tai Le"/>
+        <a:font script="Talu" typeface="Microsoft New Tai Lue"/>
+        <a:font script="Tfng" typeface="Ebrima"/>
+      </a:majorFont>
+      <a:minorFont>
+        <a:latin typeface="Calibri" panose="020F0502020204030204"/>
+        <a:ea typeface=""/>
+        <a:cs typeface=""/>
+        <a:font script="Jpan" typeface="游ゴシック"/>
+        <a:font script="Hang" typeface="맑은 고딕"/>
+        <a:font script="Hans" typeface="等线"/>
+        <a:font script="Hant" typeface="新細明體"/>
+        <a:font script="Arab" typeface="Arial"/>
+        <a:font script="Hebr" typeface="Arial"/>
+        <a:font script="Thai" typeface="Cordia New"/>
+        <a:font script="Ethi" typeface="Nyala"/>
+        <a:font script="Beng" typeface="Vrinda"/>
+        <a:font script="Gujr" typeface="Shruti"/>
+        <a:font script="Khmr" typeface="DaunPenh"/>
+        <a:font script="Knda" typeface="Tunga"/>
+        <a:font script="Guru" typeface="Raavi"/>
+        <a:font script="Cans" typeface="Euphemia"/>
+        <a:font script="Cher" typeface="Plantagenet Cherokee"/>
+        <a:font script="Yiii" typeface="Microsoft Yi Baiti"/>
+        <a:font script="Tibt" typeface="Microsoft Himalaya"/>
+        <a:font script="Thaa" typeface="MV Boli"/>
+        <a:font script="Deva" typeface="Mangal"/>
+        <a:font script="Telu" typeface="Gautami"/>
+        <a:font script="Taml" typeface="Latha"/>
+        <a:font script="Syrc" typeface="Estrangelo Edessa"/>
+        <a:font script="Orya" typeface="Kalinga"/>
+        <a:font script="Mlym" typeface="Kartika"/>
+        <a:font script="Laoo" typeface="DokChampa"/>
+        <a:font script="Sinh" typeface="Iskoola Pota"/>
+        <a:font script="Mong" typeface="Mongolian Baiti"/>
+        <a:font script="Viet" typeface="Arial"/>
+        <a:font script="Uigh" typeface="Microsoft Uighur"/>
+        <a:font script="Geor" typeface="Sylfaen"/>
+        <a:font script="Armn" typeface="Arial"/>
+        <a:font script="Bugi" typeface="Leelawadee UI"/>
+        <a:font script="Bopo" typeface="Microsoft JhengHei"/>
+        <a:font script="Java" typeface="Javanese Text"/>
+        <a:font script="Lisu" typeface="Segoe UI"/>
+        <a:font script="Mymr" typeface="Myanmar Text"/>
+        <a:font script="Nkoo" typeface="Ebrima"/>
+        <a:font script="Olck" typeface="Nirmala UI"/>
+        <a:font script="Osma" typeface="Ebrima"/>
+        <a:font script="Phag" typeface="Phagspa"/>
+        <a:font script="Syrn" typeface="Estrangelo Edessa"/>
+        <a:font script="Syrj" typeface="Estrangelo Edessa"/>
+        <a:font script="Syre" typeface="Estrangelo Edessa"/>
+        <a:font script="Sora" typeface="Nirmala UI"/>
+        <a:font script="Tale" typeface="Microsoft Tai Le"/>
+        <a:font script="Talu" typeface="Microsoft New Tai Lue"/>
+        <a:font script="Tfng" typeface="Ebrima"/>
+      </a:minorFont>
+    </a:fontScheme>
+    <a:fmtScheme name="Office">
+      <a:fillStyleLst>
+        <a:solidFill>
+          <a:schemeClr val="phClr"/>
+        </a:solidFill>
+        <a:gradFill rotWithShape="1">
+          <a:gsLst>
+            <a:gs pos="0">
+              <a:schemeClr val="phClr">
+                <a:lumMod val="110000"/>
+                <a:satMod val="105000"/>
+                <a:tint val="67000"/>
+              </a:schemeClr>
+            </a:gs>
+            <a:gs pos="50000">
+              <a:schemeClr val="phClr">
+                <a:lumMod val="105000"/>
+                <a:satMod val="103000"/>
+                <a:tint val="73000"/>
+              </a:schemeClr>
+            </a:gs>
+            <a:gs pos="100000">
+              <a:schemeClr val="phClr">
+                <a:lumMod val="105000"/>
+                <a:satMod val="109000"/>
+                <a:tint val="81000"/>
+              </a:schemeClr>
+            </a:gs>
+          </a:gsLst>
+          <a:lin ang="5400000" scaled="0"/>
+        </a:gradFill>
+        <a:gradFill rotWithShape="1">
+          <a:gsLst>
+            <a:gs pos="0">
+              <a:schemeClr val="phClr">
+                <a:satMod val="103000"/>
+                <a:lumMod val="102000"/>
+                <a:tint val="94000"/>
+              </a:schemeClr>
+            </a:gs>
+            <a:gs pos="50000">
+              <a:schemeClr val="phClr">
+                <a:satMod val="110000"/>
+                <a:lumMod val="100000"/>
+                <a:shade val="100000"/>
+              </a:schemeClr>
+            </a:gs>
+            <a:gs pos="100000">
+              <a:schemeClr val="phClr">
+                <a:lumMod val="99000"/>
+                <a:satMod val="120000"/>
+                <a:shade val="78000"/>
+              </a:schemeClr>
+            </a:gs>
+          </a:gsLst>
+          <a:lin ang="5400000" scaled="0"/>
+        </a:gradFill>
+      </a:fillStyleLst>
+      <a:lnStyleLst>
+        <a:ln w="6350" cap="flat" cmpd="sng" algn="ctr">
+          <a:solidFill>
+            <a:schemeClr val="phClr"/>
+          </a:solidFill>
+          <a:prstDash val="solid"/>
+          <a:miter lim="800000"/>
+        </a:ln>
+        <a:ln w="12700" cap="flat" cmpd="sng" algn="ctr">
+          <a:solidFill>
+            <a:schemeClr val="phClr"/>
+          </a:solidFill>
+          <a:prstDash val="solid"/>
+          <a:miter lim="800000"/>
+        </a:ln>
+        <a:ln w="19050" cap="flat" cmpd="sng" algn="ctr">
+          <a:solidFill>
+            <a:schemeClr val="phClr"/>
+          </a:solidFill>
+          <a:prstDash val="solid"/>
+          <a:miter lim="800000"/>
+        </a:ln>
+      </a:lnStyleLst>
+      <a:effectStyleLst>
+        <a:effectStyle>
+          <a:effectLst/>
+        </a:effectStyle>
+        <a:effectStyle>
+          <a:effectLst/>
+        </a:effectStyle>
+        <a:effectStyle>
+          <a:effectLst>
+            <a:outerShdw blurRad="57150" dist="19050" dir="5400000" algn="ctr" rotWithShape="0">
+              <a:srgbClr val="000000">
+                <a:alpha val="63000"/>
+              </a:srgbClr>
+            </a:outerShdw>
+          </a:effectLst>
+        </a:effectStyle>
+      </a:effectStyleLst>
+      <a:bgFillStyleLst>
+        <a:solidFill>
+          <a:schemeClr val="phClr"/>
+        </a:solidFill>
+        <a:solidFill>
+          <a:schemeClr val="phClr">
+            <a:tint val="95000"/>
+            <a:satMod val="170000"/>
+          </a:schemeClr>
+        </a:solidFill>
+        <a:gradFill rotWithShape="1">
+          <a:gsLst>
+            <a:gs pos="0">
+              <a:schemeClr val="phClr">
+                <a:tint val="93000"/>
+                <a:satMod val="150000"/>
+                <a:shade val="98000"/>
+                <a:lumMod val="102000"/>
+              </a:schemeClr>
+            </a:gs>
+            <a:gs pos="50000">
+              <a:schemeClr val="phClr">
+                <a:tint val="98000"/>
+                <a:satMod val="130000"/>
+                <a:shade val="90000"/>
+                <a:lumMod val="103000"/>
+              </a:schemeClr>
+            </a:gs>
+            <a:gs pos="100000">
+              <a:schemeClr val="phClr">
+                <a:shade val="63000"/>
+                <a:satMod val="120000"/>
+              </a:schemeClr>
+            </a:gs>
+          </a:gsLst>
+          <a:lin ang="5400000" scaled="0"/>
+        </a:gradFill>
+      </a:bgFillStyleLst>
+    </a:fmtScheme>
+  </a:themeElements>
+  <a:objectDefaults/>
+  <a:extraClrSchemeLst/>
+  <a:extLst>
+    <a:ext uri="{05A4C25C-085E-4340-85A3-A5531E510DB2}">
+      <thm15:themeFamily xmlns:thm15="http://schemas.microsoft.com/office/thememl/2012/main" name="Office Theme" id="{62F939B6-93AF-4DB8-9C6B-D6C7DFDC589F}" vid="{4A3C46E8-61CC-4603-A589-7422A47A8E4A}"/>
+    </a:ext>
+  </a:extLst>
+</a:theme>
 </file>
--- a/K-means clustering.pptx
+++ b/K-means clustering.pptx
@@ -3,19 +3,21 @@
 <p:presentation xmlns:a="http://schemas.openxmlformats.org/drawingml/2006/main" xmlns:r="http://schemas.openxmlformats.org/officeDocument/2006/relationships" xmlns:p="http://schemas.openxmlformats.org/presentationml/2006/main" saveSubsetFonts="1">
   <p:sldMasterIdLst>
     <p:sldMasterId id="2147483648" r:id="rId1"/>
+    <p:sldMasterId id="2147483660" r:id="rId2"/>
   </p:sldMasterIdLst>
   <p:notesMasterIdLst>
-    <p:notesMasterId r:id="rId10"/>
+    <p:notesMasterId r:id="rId12"/>
   </p:notesMasterIdLst>
   <p:sldIdLst>
-    <p:sldId id="256" r:id="rId2"/>
-    <p:sldId id="271" r:id="rId3"/>
-    <p:sldId id="258" r:id="rId4"/>
-    <p:sldId id="266" r:id="rId5"/>
-    <p:sldId id="267" r:id="rId6"/>
-    <p:sldId id="257" r:id="rId7"/>
-    <p:sldId id="269" r:id="rId8"/>
-    <p:sldId id="270" r:id="rId9"/>
+    <p:sldId id="256" r:id="rId3"/>
+    <p:sldId id="272" r:id="rId4"/>
+    <p:sldId id="271" r:id="rId5"/>
+    <p:sldId id="258" r:id="rId6"/>
+    <p:sldId id="266" r:id="rId7"/>
+    <p:sldId id="267" r:id="rId8"/>
+    <p:sldId id="257" r:id="rId9"/>
+    <p:sldId id="269" r:id="rId10"/>
+    <p:sldId id="270" r:id="rId11"/>
   </p:sldIdLst>
   <p:sldSz cx="12192000" cy="6858000"/>
   <p:notesSz cx="6858000" cy="9144000"/>
@@ -1109,6 +1111,765 @@
 </p:sldLayout>
 </file>
 
+<file path=ppt/slideLayouts/slideLayout12.xml><?xml version="1.0" encoding="utf-8"?>
+<p:sldLayout xmlns:a="http://schemas.openxmlformats.org/drawingml/2006/main" xmlns:r="http://schemas.openxmlformats.org/officeDocument/2006/relationships" xmlns:p="http://schemas.openxmlformats.org/presentationml/2006/main" type="blank" preserve="1">
+  <p:cSld name="Blank Slide">
+    <p:spTree>
+      <p:nvGrpSpPr>
+        <p:cNvPr id="1" name=""/>
+        <p:cNvGrpSpPr/>
+        <p:nvPr/>
+      </p:nvGrpSpPr>
+      <p:grpSpPr>
+        <a:xfrm>
+          <a:off x="0" y="0"/>
+          <a:ext cx="0" cy="0"/>
+          <a:chOff x="0" y="0"/>
+          <a:chExt cx="0" cy="0"/>
+        </a:xfrm>
+      </p:grpSpPr>
+    </p:spTree>
+    <p:extLst>
+      <p:ext uri="{BB962C8B-B14F-4D97-AF65-F5344CB8AC3E}">
+        <p14:creationId xmlns:p14="http://schemas.microsoft.com/office/powerpoint/2010/main" val="1346743979"/>
+      </p:ext>
+    </p:extLst>
+  </p:cSld>
+  <p:clrMapOvr>
+    <a:masterClrMapping/>
+  </p:clrMapOvr>
+</p:sldLayout>
+</file>
+
+<file path=ppt/slideLayouts/slideLayout13.xml><?xml version="1.0" encoding="utf-8"?>
+<p:sldLayout xmlns:a="http://schemas.openxmlformats.org/drawingml/2006/main" xmlns:r="http://schemas.openxmlformats.org/officeDocument/2006/relationships" xmlns:p="http://schemas.openxmlformats.org/presentationml/2006/main" type="tx" preserve="1">
+  <p:cSld name="Title Slide">
+    <p:spTree>
+      <p:nvGrpSpPr>
+        <p:cNvPr id="1" name=""/>
+        <p:cNvGrpSpPr/>
+        <p:nvPr/>
+      </p:nvGrpSpPr>
+      <p:grpSpPr>
+        <a:xfrm>
+          <a:off x="0" y="0"/>
+          <a:ext cx="0" cy="0"/>
+          <a:chOff x="0" y="0"/>
+          <a:chExt cx="0" cy="0"/>
+        </a:xfrm>
+      </p:grpSpPr>
+      <p:sp>
+        <p:nvSpPr>
+          <p:cNvPr id="40" name="PlaceHolder 1"/>
+          <p:cNvSpPr>
+            <a:spLocks noGrp="1"/>
+          </p:cNvSpPr>
+          <p:nvPr>
+            <p:ph type="title"/>
+          </p:nvPr>
+        </p:nvSpPr>
+        <p:spPr>
+          <a:xfrm>
+            <a:off x="609480" y="273600"/>
+            <a:ext cx="10972440" cy="1144800"/>
+          </a:xfrm>
+          <a:prstGeom prst="rect">
+            <a:avLst/>
+          </a:prstGeom>
+        </p:spPr>
+        <p:txBody>
+          <a:bodyPr lIns="0" tIns="0" rIns="0" bIns="0" anchor="ctr"/>
+          <a:lstStyle/>
+          <a:p>
+            <a:pPr algn="ctr"/>
+            <a:endParaRPr lang="de-DE" sz="4400" b="0" strike="noStrike" spc="-1">
+              <a:latin typeface="Arial"/>
+            </a:endParaRPr>
+          </a:p>
+        </p:txBody>
+      </p:sp>
+      <p:sp>
+        <p:nvSpPr>
+          <p:cNvPr id="41" name="PlaceHolder 2"/>
+          <p:cNvSpPr>
+            <a:spLocks noGrp="1"/>
+          </p:cNvSpPr>
+          <p:nvPr>
+            <p:ph type="subTitle"/>
+          </p:nvPr>
+        </p:nvSpPr>
+        <p:spPr>
+          <a:xfrm>
+            <a:off x="609480" y="1604520"/>
+            <a:ext cx="10972440" cy="3977280"/>
+          </a:xfrm>
+          <a:prstGeom prst="rect">
+            <a:avLst/>
+          </a:prstGeom>
+        </p:spPr>
+        <p:txBody>
+          <a:bodyPr lIns="0" tIns="0" rIns="0" bIns="0" anchor="ctr"/>
+          <a:lstStyle/>
+          <a:p>
+            <a:pPr algn="ctr"/>
+            <a:endParaRPr lang="de-DE" sz="3200" b="0" strike="noStrike" spc="-1">
+              <a:latin typeface="Arial"/>
+            </a:endParaRPr>
+          </a:p>
+        </p:txBody>
+      </p:sp>
+    </p:spTree>
+    <p:extLst>
+      <p:ext uri="{BB962C8B-B14F-4D97-AF65-F5344CB8AC3E}">
+        <p14:creationId xmlns:p14="http://schemas.microsoft.com/office/powerpoint/2010/main" val="763447451"/>
+      </p:ext>
+    </p:extLst>
+  </p:cSld>
+  <p:clrMapOvr>
+    <a:masterClrMapping/>
+  </p:clrMapOvr>
+</p:sldLayout>
+</file>
+
+<file path=ppt/slideLayouts/slideLayout14.xml><?xml version="1.0" encoding="utf-8"?>
+<p:sldLayout xmlns:a="http://schemas.openxmlformats.org/drawingml/2006/main" xmlns:r="http://schemas.openxmlformats.org/officeDocument/2006/relationships" xmlns:p="http://schemas.openxmlformats.org/presentationml/2006/main" type="obj" preserve="1">
+  <p:cSld name="Title, Content">
+    <p:spTree>
+      <p:nvGrpSpPr>
+        <p:cNvPr id="1" name=""/>
+        <p:cNvGrpSpPr/>
+        <p:nvPr/>
+      </p:nvGrpSpPr>
+      <p:grpSpPr>
+        <a:xfrm>
+          <a:off x="0" y="0"/>
+          <a:ext cx="0" cy="0"/>
+          <a:chOff x="0" y="0"/>
+          <a:chExt cx="0" cy="0"/>
+        </a:xfrm>
+      </p:grpSpPr>
+      <p:sp>
+        <p:nvSpPr>
+          <p:cNvPr id="42" name="PlaceHolder 1"/>
+          <p:cNvSpPr>
+            <a:spLocks noGrp="1"/>
+          </p:cNvSpPr>
+          <p:nvPr>
+            <p:ph type="title"/>
+          </p:nvPr>
+        </p:nvSpPr>
+        <p:spPr>
+          <a:xfrm>
+            <a:off x="609480" y="273600"/>
+            <a:ext cx="10972440" cy="1144800"/>
+          </a:xfrm>
+          <a:prstGeom prst="rect">
+            <a:avLst/>
+          </a:prstGeom>
+        </p:spPr>
+        <p:txBody>
+          <a:bodyPr lIns="0" tIns="0" rIns="0" bIns="0" anchor="ctr"/>
+          <a:lstStyle/>
+          <a:p>
+            <a:pPr algn="ctr"/>
+            <a:endParaRPr lang="de-DE" sz="4400" b="0" strike="noStrike" spc="-1">
+              <a:latin typeface="Arial"/>
+            </a:endParaRPr>
+          </a:p>
+        </p:txBody>
+      </p:sp>
+      <p:sp>
+        <p:nvSpPr>
+          <p:cNvPr id="43" name="PlaceHolder 2"/>
+          <p:cNvSpPr>
+            <a:spLocks noGrp="1"/>
+          </p:cNvSpPr>
+          <p:nvPr>
+            <p:ph type="body"/>
+          </p:nvPr>
+        </p:nvSpPr>
+        <p:spPr>
+          <a:xfrm>
+            <a:off x="609480" y="1604520"/>
+            <a:ext cx="10972440" cy="3977280"/>
+          </a:xfrm>
+          <a:prstGeom prst="rect">
+            <a:avLst/>
+          </a:prstGeom>
+        </p:spPr>
+        <p:txBody>
+          <a:bodyPr lIns="0" tIns="0" rIns="0" bIns="0">
+            <a:normAutofit/>
+          </a:bodyPr>
+          <a:lstStyle/>
+          <a:p>
+            <a:endParaRPr lang="de-DE" sz="3200" b="0" strike="noStrike" spc="-1">
+              <a:latin typeface="Arial"/>
+            </a:endParaRPr>
+          </a:p>
+        </p:txBody>
+      </p:sp>
+    </p:spTree>
+    <p:extLst>
+      <p:ext uri="{BB962C8B-B14F-4D97-AF65-F5344CB8AC3E}">
+        <p14:creationId xmlns:p14="http://schemas.microsoft.com/office/powerpoint/2010/main" val="296130807"/>
+      </p:ext>
+    </p:extLst>
+  </p:cSld>
+  <p:clrMapOvr>
+    <a:masterClrMapping/>
+  </p:clrMapOvr>
+</p:sldLayout>
+</file>
+
+<file path=ppt/slideLayouts/slideLayout15.xml><?xml version="1.0" encoding="utf-8"?>
+<p:sldLayout xmlns:a="http://schemas.openxmlformats.org/drawingml/2006/main" xmlns:r="http://schemas.openxmlformats.org/officeDocument/2006/relationships" xmlns:p="http://schemas.openxmlformats.org/presentationml/2006/main" type="twoObj" preserve="1">
+  <p:cSld name="Title, 2 Content">
+    <p:spTree>
+      <p:nvGrpSpPr>
+        <p:cNvPr id="1" name=""/>
+        <p:cNvGrpSpPr/>
+        <p:nvPr/>
+      </p:nvGrpSpPr>
+      <p:grpSpPr>
+        <a:xfrm>
+          <a:off x="0" y="0"/>
+          <a:ext cx="0" cy="0"/>
+          <a:chOff x="0" y="0"/>
+          <a:chExt cx="0" cy="0"/>
+        </a:xfrm>
+      </p:grpSpPr>
+      <p:sp>
+        <p:nvSpPr>
+          <p:cNvPr id="44" name="PlaceHolder 1"/>
+          <p:cNvSpPr>
+            <a:spLocks noGrp="1"/>
+          </p:cNvSpPr>
+          <p:nvPr>
+            <p:ph type="title"/>
+          </p:nvPr>
+        </p:nvSpPr>
+        <p:spPr>
+          <a:xfrm>
+            <a:off x="609480" y="273600"/>
+            <a:ext cx="10972440" cy="1144800"/>
+          </a:xfrm>
+          <a:prstGeom prst="rect">
+            <a:avLst/>
+          </a:prstGeom>
+        </p:spPr>
+        <p:txBody>
+          <a:bodyPr lIns="0" tIns="0" rIns="0" bIns="0" anchor="ctr"/>
+          <a:lstStyle/>
+          <a:p>
+            <a:pPr algn="ctr"/>
+            <a:endParaRPr lang="de-DE" sz="4400" b="0" strike="noStrike" spc="-1">
+              <a:latin typeface="Arial"/>
+            </a:endParaRPr>
+          </a:p>
+        </p:txBody>
+      </p:sp>
+      <p:sp>
+        <p:nvSpPr>
+          <p:cNvPr id="45" name="PlaceHolder 2"/>
+          <p:cNvSpPr>
+            <a:spLocks noGrp="1"/>
+          </p:cNvSpPr>
+          <p:nvPr>
+            <p:ph type="body"/>
+          </p:nvPr>
+        </p:nvSpPr>
+        <p:spPr>
+          <a:xfrm>
+            <a:off x="609480" y="1604520"/>
+            <a:ext cx="5354280" cy="3977280"/>
+          </a:xfrm>
+          <a:prstGeom prst="rect">
+            <a:avLst/>
+          </a:prstGeom>
+        </p:spPr>
+        <p:txBody>
+          <a:bodyPr lIns="0" tIns="0" rIns="0" bIns="0">
+            <a:normAutofit/>
+          </a:bodyPr>
+          <a:lstStyle/>
+          <a:p>
+            <a:endParaRPr lang="de-DE" sz="3200" b="0" strike="noStrike" spc="-1">
+              <a:latin typeface="Arial"/>
+            </a:endParaRPr>
+          </a:p>
+        </p:txBody>
+      </p:sp>
+      <p:sp>
+        <p:nvSpPr>
+          <p:cNvPr id="46" name="PlaceHolder 3"/>
+          <p:cNvSpPr>
+            <a:spLocks noGrp="1"/>
+          </p:cNvSpPr>
+          <p:nvPr>
+            <p:ph type="body"/>
+          </p:nvPr>
+        </p:nvSpPr>
+        <p:spPr>
+          <a:xfrm>
+            <a:off x="6231960" y="1604520"/>
+            <a:ext cx="5354280" cy="3977280"/>
+          </a:xfrm>
+          <a:prstGeom prst="rect">
+            <a:avLst/>
+          </a:prstGeom>
+        </p:spPr>
+        <p:txBody>
+          <a:bodyPr lIns="0" tIns="0" rIns="0" bIns="0">
+            <a:normAutofit/>
+          </a:bodyPr>
+          <a:lstStyle/>
+          <a:p>
+            <a:endParaRPr lang="de-DE" sz="3200" b="0" strike="noStrike" spc="-1">
+              <a:latin typeface="Arial"/>
+            </a:endParaRPr>
+          </a:p>
+        </p:txBody>
+      </p:sp>
+    </p:spTree>
+    <p:extLst>
+      <p:ext uri="{BB962C8B-B14F-4D97-AF65-F5344CB8AC3E}">
+        <p14:creationId xmlns:p14="http://schemas.microsoft.com/office/powerpoint/2010/main" val="1271781075"/>
+      </p:ext>
+    </p:extLst>
+  </p:cSld>
+  <p:clrMapOvr>
+    <a:masterClrMapping/>
+  </p:clrMapOvr>
+</p:sldLayout>
+</file>
+
+<file path=ppt/slideLayouts/slideLayout16.xml><?xml version="1.0" encoding="utf-8"?>
+<p:sldLayout xmlns:a="http://schemas.openxmlformats.org/drawingml/2006/main" xmlns:r="http://schemas.openxmlformats.org/officeDocument/2006/relationships" xmlns:p="http://schemas.openxmlformats.org/presentationml/2006/main" type="titleOnly" preserve="1">
+  <p:cSld name="Title Only">
+    <p:spTree>
+      <p:nvGrpSpPr>
+        <p:cNvPr id="1" name=""/>
+        <p:cNvGrpSpPr/>
+        <p:nvPr/>
+      </p:nvGrpSpPr>
+      <p:grpSpPr>
+        <a:xfrm>
+          <a:off x="0" y="0"/>
+          <a:ext cx="0" cy="0"/>
+          <a:chOff x="0" y="0"/>
+          <a:chExt cx="0" cy="0"/>
+        </a:xfrm>
+      </p:grpSpPr>
+      <p:sp>
+        <p:nvSpPr>
+          <p:cNvPr id="47" name="PlaceHolder 1"/>
+          <p:cNvSpPr>
+            <a:spLocks noGrp="1"/>
+          </p:cNvSpPr>
+          <p:nvPr>
+            <p:ph type="title"/>
+          </p:nvPr>
+        </p:nvSpPr>
+        <p:spPr>
+          <a:xfrm>
+            <a:off x="609480" y="273600"/>
+            <a:ext cx="10972440" cy="1144800"/>
+          </a:xfrm>
+          <a:prstGeom prst="rect">
+            <a:avLst/>
+          </a:prstGeom>
+        </p:spPr>
+        <p:txBody>
+          <a:bodyPr lIns="0" tIns="0" rIns="0" bIns="0" anchor="ctr"/>
+          <a:lstStyle/>
+          <a:p>
+            <a:pPr algn="ctr"/>
+            <a:endParaRPr lang="de-DE" sz="4400" b="0" strike="noStrike" spc="-1">
+              <a:latin typeface="Arial"/>
+            </a:endParaRPr>
+          </a:p>
+        </p:txBody>
+      </p:sp>
+    </p:spTree>
+    <p:extLst>
+      <p:ext uri="{BB962C8B-B14F-4D97-AF65-F5344CB8AC3E}">
+        <p14:creationId xmlns:p14="http://schemas.microsoft.com/office/powerpoint/2010/main" val="376417343"/>
+      </p:ext>
+    </p:extLst>
+  </p:cSld>
+  <p:clrMapOvr>
+    <a:masterClrMapping/>
+  </p:clrMapOvr>
+</p:sldLayout>
+</file>
+
+<file path=ppt/slideLayouts/slideLayout17.xml><?xml version="1.0" encoding="utf-8"?>
+<p:sldLayout xmlns:a="http://schemas.openxmlformats.org/drawingml/2006/main" xmlns:r="http://schemas.openxmlformats.org/officeDocument/2006/relationships" xmlns:p="http://schemas.openxmlformats.org/presentationml/2006/main" type="objOnly" preserve="1">
+  <p:cSld name="Centered Text">
+    <p:spTree>
+      <p:nvGrpSpPr>
+        <p:cNvPr id="1" name=""/>
+        <p:cNvGrpSpPr/>
+        <p:nvPr/>
+      </p:nvGrpSpPr>
+      <p:grpSpPr>
+        <a:xfrm>
+          <a:off x="0" y="0"/>
+          <a:ext cx="0" cy="0"/>
+          <a:chOff x="0" y="0"/>
+          <a:chExt cx="0" cy="0"/>
+        </a:xfrm>
+      </p:grpSpPr>
+      <p:sp>
+        <p:nvSpPr>
+          <p:cNvPr id="48" name="PlaceHolder 1"/>
+          <p:cNvSpPr>
+            <a:spLocks noGrp="1"/>
+          </p:cNvSpPr>
+          <p:nvPr>
+            <p:ph type="subTitle"/>
+          </p:nvPr>
+        </p:nvSpPr>
+        <p:spPr>
+          <a:xfrm>
+            <a:off x="609480" y="273600"/>
+            <a:ext cx="10972440" cy="5307840"/>
+          </a:xfrm>
+          <a:prstGeom prst="rect">
+            <a:avLst/>
+          </a:prstGeom>
+        </p:spPr>
+        <p:txBody>
+          <a:bodyPr lIns="0" tIns="0" rIns="0" bIns="0" anchor="ctr"/>
+          <a:lstStyle/>
+          <a:p>
+            <a:pPr algn="ctr"/>
+            <a:endParaRPr lang="de-DE" sz="3200" b="0" strike="noStrike" spc="-1">
+              <a:latin typeface="Arial"/>
+            </a:endParaRPr>
+          </a:p>
+        </p:txBody>
+      </p:sp>
+    </p:spTree>
+    <p:extLst>
+      <p:ext uri="{BB962C8B-B14F-4D97-AF65-F5344CB8AC3E}">
+        <p14:creationId xmlns:p14="http://schemas.microsoft.com/office/powerpoint/2010/main" val="1955175836"/>
+      </p:ext>
+    </p:extLst>
+  </p:cSld>
+  <p:clrMapOvr>
+    <a:masterClrMapping/>
+  </p:clrMapOvr>
+</p:sldLayout>
+</file>
+
+<file path=ppt/slideLayouts/slideLayout18.xml><?xml version="1.0" encoding="utf-8"?>
+<p:sldLayout xmlns:a="http://schemas.openxmlformats.org/drawingml/2006/main" xmlns:r="http://schemas.openxmlformats.org/officeDocument/2006/relationships" xmlns:p="http://schemas.openxmlformats.org/presentationml/2006/main" type="twoObjAndObj" preserve="1">
+  <p:cSld name="Title, 2 Content and Content">
+    <p:spTree>
+      <p:nvGrpSpPr>
+        <p:cNvPr id="1" name=""/>
+        <p:cNvGrpSpPr/>
+        <p:nvPr/>
+      </p:nvGrpSpPr>
+      <p:grpSpPr>
+        <a:xfrm>
+          <a:off x="0" y="0"/>
+          <a:ext cx="0" cy="0"/>
+          <a:chOff x="0" y="0"/>
+          <a:chExt cx="0" cy="0"/>
+        </a:xfrm>
+      </p:grpSpPr>
+      <p:sp>
+        <p:nvSpPr>
+          <p:cNvPr id="49" name="PlaceHolder 1"/>
+          <p:cNvSpPr>
+            <a:spLocks noGrp="1"/>
+          </p:cNvSpPr>
+          <p:nvPr>
+            <p:ph type="title"/>
+          </p:nvPr>
+        </p:nvSpPr>
+        <p:spPr>
+          <a:xfrm>
+            <a:off x="609480" y="273600"/>
+            <a:ext cx="10972440" cy="1144800"/>
+          </a:xfrm>
+          <a:prstGeom prst="rect">
+            <a:avLst/>
+          </a:prstGeom>
+        </p:spPr>
+        <p:txBody>
+          <a:bodyPr lIns="0" tIns="0" rIns="0" bIns="0" anchor="ctr"/>
+          <a:lstStyle/>
+          <a:p>
+            <a:pPr algn="ctr"/>
+            <a:endParaRPr lang="de-DE" sz="4400" b="0" strike="noStrike" spc="-1">
+              <a:latin typeface="Arial"/>
+            </a:endParaRPr>
+          </a:p>
+        </p:txBody>
+      </p:sp>
+      <p:sp>
+        <p:nvSpPr>
+          <p:cNvPr id="50" name="PlaceHolder 2"/>
+          <p:cNvSpPr>
+            <a:spLocks noGrp="1"/>
+          </p:cNvSpPr>
+          <p:nvPr>
+            <p:ph type="body"/>
+          </p:nvPr>
+        </p:nvSpPr>
+        <p:spPr>
+          <a:xfrm>
+            <a:off x="609480" y="1604520"/>
+            <a:ext cx="5354280" cy="1896840"/>
+          </a:xfrm>
+          <a:prstGeom prst="rect">
+            <a:avLst/>
+          </a:prstGeom>
+        </p:spPr>
+        <p:txBody>
+          <a:bodyPr lIns="0" tIns="0" rIns="0" bIns="0">
+            <a:normAutofit/>
+          </a:bodyPr>
+          <a:lstStyle/>
+          <a:p>
+            <a:endParaRPr lang="de-DE" sz="3200" b="0" strike="noStrike" spc="-1">
+              <a:latin typeface="Arial"/>
+            </a:endParaRPr>
+          </a:p>
+        </p:txBody>
+      </p:sp>
+      <p:sp>
+        <p:nvSpPr>
+          <p:cNvPr id="51" name="PlaceHolder 3"/>
+          <p:cNvSpPr>
+            <a:spLocks noGrp="1"/>
+          </p:cNvSpPr>
+          <p:nvPr>
+            <p:ph type="body"/>
+          </p:nvPr>
+        </p:nvSpPr>
+        <p:spPr>
+          <a:xfrm>
+            <a:off x="6231960" y="1604520"/>
+            <a:ext cx="5354280" cy="3977280"/>
+          </a:xfrm>
+          <a:prstGeom prst="rect">
+            <a:avLst/>
+          </a:prstGeom>
+        </p:spPr>
+        <p:txBody>
+          <a:bodyPr lIns="0" tIns="0" rIns="0" bIns="0">
+            <a:normAutofit/>
+          </a:bodyPr>
+          <a:lstStyle/>
+          <a:p>
+            <a:endParaRPr lang="de-DE" sz="3200" b="0" strike="noStrike" spc="-1">
+              <a:latin typeface="Arial"/>
+            </a:endParaRPr>
+          </a:p>
+        </p:txBody>
+      </p:sp>
+      <p:sp>
+        <p:nvSpPr>
+          <p:cNvPr id="52" name="PlaceHolder 4"/>
+          <p:cNvSpPr>
+            <a:spLocks noGrp="1"/>
+          </p:cNvSpPr>
+          <p:nvPr>
+            <p:ph type="body"/>
+          </p:nvPr>
+        </p:nvSpPr>
+        <p:spPr>
+          <a:xfrm>
+            <a:off x="609480" y="3682080"/>
+            <a:ext cx="5354280" cy="1896840"/>
+          </a:xfrm>
+          <a:prstGeom prst="rect">
+            <a:avLst/>
+          </a:prstGeom>
+        </p:spPr>
+        <p:txBody>
+          <a:bodyPr lIns="0" tIns="0" rIns="0" bIns="0">
+            <a:normAutofit/>
+          </a:bodyPr>
+          <a:lstStyle/>
+          <a:p>
+            <a:endParaRPr lang="de-DE" sz="3200" b="0" strike="noStrike" spc="-1">
+              <a:latin typeface="Arial"/>
+            </a:endParaRPr>
+          </a:p>
+        </p:txBody>
+      </p:sp>
+    </p:spTree>
+    <p:extLst>
+      <p:ext uri="{BB962C8B-B14F-4D97-AF65-F5344CB8AC3E}">
+        <p14:creationId xmlns:p14="http://schemas.microsoft.com/office/powerpoint/2010/main" val="1950346822"/>
+      </p:ext>
+    </p:extLst>
+  </p:cSld>
+  <p:clrMapOvr>
+    <a:masterClrMapping/>
+  </p:clrMapOvr>
+</p:sldLayout>
+</file>
+
+<file path=ppt/slideLayouts/slideLayout19.xml><?xml version="1.0" encoding="utf-8"?>
+<p:sldLayout xmlns:a="http://schemas.openxmlformats.org/drawingml/2006/main" xmlns:r="http://schemas.openxmlformats.org/officeDocument/2006/relationships" xmlns:p="http://schemas.openxmlformats.org/presentationml/2006/main" type="objAndTwoObj" preserve="1">
+  <p:cSld name="Title Content and 2 Content">
+    <p:spTree>
+      <p:nvGrpSpPr>
+        <p:cNvPr id="1" name=""/>
+        <p:cNvGrpSpPr/>
+        <p:nvPr/>
+      </p:nvGrpSpPr>
+      <p:grpSpPr>
+        <a:xfrm>
+          <a:off x="0" y="0"/>
+          <a:ext cx="0" cy="0"/>
+          <a:chOff x="0" y="0"/>
+          <a:chExt cx="0" cy="0"/>
+        </a:xfrm>
+      </p:grpSpPr>
+      <p:sp>
+        <p:nvSpPr>
+          <p:cNvPr id="53" name="PlaceHolder 1"/>
+          <p:cNvSpPr>
+            <a:spLocks noGrp="1"/>
+          </p:cNvSpPr>
+          <p:nvPr>
+            <p:ph type="title"/>
+          </p:nvPr>
+        </p:nvSpPr>
+        <p:spPr>
+          <a:xfrm>
+            <a:off x="609480" y="273600"/>
+            <a:ext cx="10972440" cy="1144800"/>
+          </a:xfrm>
+          <a:prstGeom prst="rect">
+            <a:avLst/>
+          </a:prstGeom>
+        </p:spPr>
+        <p:txBody>
+          <a:bodyPr lIns="0" tIns="0" rIns="0" bIns="0" anchor="ctr"/>
+          <a:lstStyle/>
+          <a:p>
+            <a:pPr algn="ctr"/>
+            <a:endParaRPr lang="de-DE" sz="4400" b="0" strike="noStrike" spc="-1">
+              <a:latin typeface="Arial"/>
+            </a:endParaRPr>
+          </a:p>
+        </p:txBody>
+      </p:sp>
+      <p:sp>
+        <p:nvSpPr>
+          <p:cNvPr id="54" name="PlaceHolder 2"/>
+          <p:cNvSpPr>
+            <a:spLocks noGrp="1"/>
+          </p:cNvSpPr>
+          <p:nvPr>
+            <p:ph type="body"/>
+          </p:nvPr>
+        </p:nvSpPr>
+        <p:spPr>
+          <a:xfrm>
+            <a:off x="609480" y="1604520"/>
+            <a:ext cx="5354280" cy="3977280"/>
+          </a:xfrm>
+          <a:prstGeom prst="rect">
+            <a:avLst/>
+          </a:prstGeom>
+        </p:spPr>
+        <p:txBody>
+          <a:bodyPr lIns="0" tIns="0" rIns="0" bIns="0">
+            <a:normAutofit/>
+          </a:bodyPr>
+          <a:lstStyle/>
+          <a:p>
+            <a:endParaRPr lang="de-DE" sz="3200" b="0" strike="noStrike" spc="-1">
+              <a:latin typeface="Arial"/>
+            </a:endParaRPr>
+          </a:p>
+        </p:txBody>
+      </p:sp>
+      <p:sp>
+        <p:nvSpPr>
+          <p:cNvPr id="55" name="PlaceHolder 3"/>
+          <p:cNvSpPr>
+            <a:spLocks noGrp="1"/>
+          </p:cNvSpPr>
+          <p:nvPr>
+            <p:ph type="body"/>
+          </p:nvPr>
+        </p:nvSpPr>
+        <p:spPr>
+          <a:xfrm>
+            <a:off x="6231960" y="1604520"/>
+            <a:ext cx="5354280" cy="1896840"/>
+          </a:xfrm>
+          <a:prstGeom prst="rect">
+            <a:avLst/>
+          </a:prstGeom>
+        </p:spPr>
+        <p:txBody>
+          <a:bodyPr lIns="0" tIns="0" rIns="0" bIns="0">
+            <a:normAutofit/>
+          </a:bodyPr>
+          <a:lstStyle/>
+          <a:p>
+            <a:endParaRPr lang="de-DE" sz="3200" b="0" strike="noStrike" spc="-1">
+              <a:latin typeface="Arial"/>
+            </a:endParaRPr>
+          </a:p>
+        </p:txBody>
+      </p:sp>
+      <p:sp>
+        <p:nvSpPr>
+          <p:cNvPr id="56" name="PlaceHolder 4"/>
+          <p:cNvSpPr>
+            <a:spLocks noGrp="1"/>
+          </p:cNvSpPr>
+          <p:nvPr>
+            <p:ph type="body"/>
+          </p:nvPr>
+        </p:nvSpPr>
+        <p:spPr>
+          <a:xfrm>
+            <a:off x="6231960" y="3682080"/>
+            <a:ext cx="5354280" cy="1896840"/>
+          </a:xfrm>
+          <a:prstGeom prst="rect">
+            <a:avLst/>
+          </a:prstGeom>
+        </p:spPr>
+        <p:txBody>
+          <a:bodyPr lIns="0" tIns="0" rIns="0" bIns="0">
+            <a:normAutofit/>
+          </a:bodyPr>
+          <a:lstStyle/>
+          <a:p>
+            <a:endParaRPr lang="de-DE" sz="3200" b="0" strike="noStrike" spc="-1">
+              <a:latin typeface="Arial"/>
+            </a:endParaRPr>
+          </a:p>
+        </p:txBody>
+      </p:sp>
+    </p:spTree>
+    <p:extLst>
+      <p:ext uri="{BB962C8B-B14F-4D97-AF65-F5344CB8AC3E}">
+        <p14:creationId xmlns:p14="http://schemas.microsoft.com/office/powerpoint/2010/main" val="2702387711"/>
+      </p:ext>
+    </p:extLst>
+  </p:cSld>
+  <p:clrMapOvr>
+    <a:masterClrMapping/>
+  </p:clrMapOvr>
+</p:sldLayout>
+</file>
+
 <file path=ppt/slideLayouts/slideLayout2.xml><?xml version="1.0" encoding="utf-8"?>
 <p:sldLayout xmlns:a="http://schemas.openxmlformats.org/drawingml/2006/main" xmlns:r="http://schemas.openxmlformats.org/officeDocument/2006/relationships" xmlns:p="http://schemas.openxmlformats.org/presentationml/2006/main" type="obj" preserve="1">
   <p:cSld name="Titel und Inhalt">
@@ -1298,6 +2059,711 @@
     <p:extLst>
       <p:ext uri="{BB962C8B-B14F-4D97-AF65-F5344CB8AC3E}">
         <p14:creationId xmlns:p14="http://schemas.microsoft.com/office/powerpoint/2010/main" val="920859098"/>
+      </p:ext>
+    </p:extLst>
+  </p:cSld>
+  <p:clrMapOvr>
+    <a:masterClrMapping/>
+  </p:clrMapOvr>
+</p:sldLayout>
+</file>
+
+<file path=ppt/slideLayouts/slideLayout20.xml><?xml version="1.0" encoding="utf-8"?>
+<p:sldLayout xmlns:a="http://schemas.openxmlformats.org/drawingml/2006/main" xmlns:r="http://schemas.openxmlformats.org/officeDocument/2006/relationships" xmlns:p="http://schemas.openxmlformats.org/presentationml/2006/main" type="twoObjOverTx" preserve="1">
+  <p:cSld name="Title, 2 Content over Content">
+    <p:spTree>
+      <p:nvGrpSpPr>
+        <p:cNvPr id="1" name=""/>
+        <p:cNvGrpSpPr/>
+        <p:nvPr/>
+      </p:nvGrpSpPr>
+      <p:grpSpPr>
+        <a:xfrm>
+          <a:off x="0" y="0"/>
+          <a:ext cx="0" cy="0"/>
+          <a:chOff x="0" y="0"/>
+          <a:chExt cx="0" cy="0"/>
+        </a:xfrm>
+      </p:grpSpPr>
+      <p:sp>
+        <p:nvSpPr>
+          <p:cNvPr id="57" name="PlaceHolder 1"/>
+          <p:cNvSpPr>
+            <a:spLocks noGrp="1"/>
+          </p:cNvSpPr>
+          <p:nvPr>
+            <p:ph type="title"/>
+          </p:nvPr>
+        </p:nvSpPr>
+        <p:spPr>
+          <a:xfrm>
+            <a:off x="609480" y="273600"/>
+            <a:ext cx="10972440" cy="1144800"/>
+          </a:xfrm>
+          <a:prstGeom prst="rect">
+            <a:avLst/>
+          </a:prstGeom>
+        </p:spPr>
+        <p:txBody>
+          <a:bodyPr lIns="0" tIns="0" rIns="0" bIns="0" anchor="ctr"/>
+          <a:lstStyle/>
+          <a:p>
+            <a:pPr algn="ctr"/>
+            <a:endParaRPr lang="de-DE" sz="4400" b="0" strike="noStrike" spc="-1">
+              <a:latin typeface="Arial"/>
+            </a:endParaRPr>
+          </a:p>
+        </p:txBody>
+      </p:sp>
+      <p:sp>
+        <p:nvSpPr>
+          <p:cNvPr id="58" name="PlaceHolder 2"/>
+          <p:cNvSpPr>
+            <a:spLocks noGrp="1"/>
+          </p:cNvSpPr>
+          <p:nvPr>
+            <p:ph type="body"/>
+          </p:nvPr>
+        </p:nvSpPr>
+        <p:spPr>
+          <a:xfrm>
+            <a:off x="609480" y="1604520"/>
+            <a:ext cx="5354280" cy="1896840"/>
+          </a:xfrm>
+          <a:prstGeom prst="rect">
+            <a:avLst/>
+          </a:prstGeom>
+        </p:spPr>
+        <p:txBody>
+          <a:bodyPr lIns="0" tIns="0" rIns="0" bIns="0">
+            <a:normAutofit/>
+          </a:bodyPr>
+          <a:lstStyle/>
+          <a:p>
+            <a:endParaRPr lang="de-DE" sz="3200" b="0" strike="noStrike" spc="-1">
+              <a:latin typeface="Arial"/>
+            </a:endParaRPr>
+          </a:p>
+        </p:txBody>
+      </p:sp>
+      <p:sp>
+        <p:nvSpPr>
+          <p:cNvPr id="59" name="PlaceHolder 3"/>
+          <p:cNvSpPr>
+            <a:spLocks noGrp="1"/>
+          </p:cNvSpPr>
+          <p:nvPr>
+            <p:ph type="body"/>
+          </p:nvPr>
+        </p:nvSpPr>
+        <p:spPr>
+          <a:xfrm>
+            <a:off x="6231960" y="1604520"/>
+            <a:ext cx="5354280" cy="1896840"/>
+          </a:xfrm>
+          <a:prstGeom prst="rect">
+            <a:avLst/>
+          </a:prstGeom>
+        </p:spPr>
+        <p:txBody>
+          <a:bodyPr lIns="0" tIns="0" rIns="0" bIns="0">
+            <a:normAutofit/>
+          </a:bodyPr>
+          <a:lstStyle/>
+          <a:p>
+            <a:endParaRPr lang="de-DE" sz="3200" b="0" strike="noStrike" spc="-1">
+              <a:latin typeface="Arial"/>
+            </a:endParaRPr>
+          </a:p>
+        </p:txBody>
+      </p:sp>
+      <p:sp>
+        <p:nvSpPr>
+          <p:cNvPr id="60" name="PlaceHolder 4"/>
+          <p:cNvSpPr>
+            <a:spLocks noGrp="1"/>
+          </p:cNvSpPr>
+          <p:nvPr>
+            <p:ph type="body"/>
+          </p:nvPr>
+        </p:nvSpPr>
+        <p:spPr>
+          <a:xfrm>
+            <a:off x="609480" y="3682080"/>
+            <a:ext cx="10972440" cy="1896840"/>
+          </a:xfrm>
+          <a:prstGeom prst="rect">
+            <a:avLst/>
+          </a:prstGeom>
+        </p:spPr>
+        <p:txBody>
+          <a:bodyPr lIns="0" tIns="0" rIns="0" bIns="0">
+            <a:normAutofit/>
+          </a:bodyPr>
+          <a:lstStyle/>
+          <a:p>
+            <a:endParaRPr lang="de-DE" sz="3200" b="0" strike="noStrike" spc="-1">
+              <a:latin typeface="Arial"/>
+            </a:endParaRPr>
+          </a:p>
+        </p:txBody>
+      </p:sp>
+    </p:spTree>
+    <p:extLst>
+      <p:ext uri="{BB962C8B-B14F-4D97-AF65-F5344CB8AC3E}">
+        <p14:creationId xmlns:p14="http://schemas.microsoft.com/office/powerpoint/2010/main" val="4098471979"/>
+      </p:ext>
+    </p:extLst>
+  </p:cSld>
+  <p:clrMapOvr>
+    <a:masterClrMapping/>
+  </p:clrMapOvr>
+</p:sldLayout>
+</file>
+
+<file path=ppt/slideLayouts/slideLayout21.xml><?xml version="1.0" encoding="utf-8"?>
+<p:sldLayout xmlns:a="http://schemas.openxmlformats.org/drawingml/2006/main" xmlns:r="http://schemas.openxmlformats.org/officeDocument/2006/relationships" xmlns:p="http://schemas.openxmlformats.org/presentationml/2006/main" type="objOverTx" preserve="1">
+  <p:cSld name="Title, Content over Content">
+    <p:spTree>
+      <p:nvGrpSpPr>
+        <p:cNvPr id="1" name=""/>
+        <p:cNvGrpSpPr/>
+        <p:nvPr/>
+      </p:nvGrpSpPr>
+      <p:grpSpPr>
+        <a:xfrm>
+          <a:off x="0" y="0"/>
+          <a:ext cx="0" cy="0"/>
+          <a:chOff x="0" y="0"/>
+          <a:chExt cx="0" cy="0"/>
+        </a:xfrm>
+      </p:grpSpPr>
+      <p:sp>
+        <p:nvSpPr>
+          <p:cNvPr id="61" name="PlaceHolder 1"/>
+          <p:cNvSpPr>
+            <a:spLocks noGrp="1"/>
+          </p:cNvSpPr>
+          <p:nvPr>
+            <p:ph type="title"/>
+          </p:nvPr>
+        </p:nvSpPr>
+        <p:spPr>
+          <a:xfrm>
+            <a:off x="609480" y="273600"/>
+            <a:ext cx="10972440" cy="1144800"/>
+          </a:xfrm>
+          <a:prstGeom prst="rect">
+            <a:avLst/>
+          </a:prstGeom>
+        </p:spPr>
+        <p:txBody>
+          <a:bodyPr lIns="0" tIns="0" rIns="0" bIns="0" anchor="ctr"/>
+          <a:lstStyle/>
+          <a:p>
+            <a:pPr algn="ctr"/>
+            <a:endParaRPr lang="de-DE" sz="4400" b="0" strike="noStrike" spc="-1">
+              <a:latin typeface="Arial"/>
+            </a:endParaRPr>
+          </a:p>
+        </p:txBody>
+      </p:sp>
+      <p:sp>
+        <p:nvSpPr>
+          <p:cNvPr id="62" name="PlaceHolder 2"/>
+          <p:cNvSpPr>
+            <a:spLocks noGrp="1"/>
+          </p:cNvSpPr>
+          <p:nvPr>
+            <p:ph type="body"/>
+          </p:nvPr>
+        </p:nvSpPr>
+        <p:spPr>
+          <a:xfrm>
+            <a:off x="609480" y="1604520"/>
+            <a:ext cx="10972440" cy="1896840"/>
+          </a:xfrm>
+          <a:prstGeom prst="rect">
+            <a:avLst/>
+          </a:prstGeom>
+        </p:spPr>
+        <p:txBody>
+          <a:bodyPr lIns="0" tIns="0" rIns="0" bIns="0">
+            <a:normAutofit/>
+          </a:bodyPr>
+          <a:lstStyle/>
+          <a:p>
+            <a:endParaRPr lang="de-DE" sz="3200" b="0" strike="noStrike" spc="-1">
+              <a:latin typeface="Arial"/>
+            </a:endParaRPr>
+          </a:p>
+        </p:txBody>
+      </p:sp>
+      <p:sp>
+        <p:nvSpPr>
+          <p:cNvPr id="63" name="PlaceHolder 3"/>
+          <p:cNvSpPr>
+            <a:spLocks noGrp="1"/>
+          </p:cNvSpPr>
+          <p:nvPr>
+            <p:ph type="body"/>
+          </p:nvPr>
+        </p:nvSpPr>
+        <p:spPr>
+          <a:xfrm>
+            <a:off x="609480" y="3682080"/>
+            <a:ext cx="10972440" cy="1896840"/>
+          </a:xfrm>
+          <a:prstGeom prst="rect">
+            <a:avLst/>
+          </a:prstGeom>
+        </p:spPr>
+        <p:txBody>
+          <a:bodyPr lIns="0" tIns="0" rIns="0" bIns="0">
+            <a:normAutofit/>
+          </a:bodyPr>
+          <a:lstStyle/>
+          <a:p>
+            <a:endParaRPr lang="de-DE" sz="3200" b="0" strike="noStrike" spc="-1">
+              <a:latin typeface="Arial"/>
+            </a:endParaRPr>
+          </a:p>
+        </p:txBody>
+      </p:sp>
+    </p:spTree>
+    <p:extLst>
+      <p:ext uri="{BB962C8B-B14F-4D97-AF65-F5344CB8AC3E}">
+        <p14:creationId xmlns:p14="http://schemas.microsoft.com/office/powerpoint/2010/main" val="358755781"/>
+      </p:ext>
+    </p:extLst>
+  </p:cSld>
+  <p:clrMapOvr>
+    <a:masterClrMapping/>
+  </p:clrMapOvr>
+</p:sldLayout>
+</file>
+
+<file path=ppt/slideLayouts/slideLayout22.xml><?xml version="1.0" encoding="utf-8"?>
+<p:sldLayout xmlns:a="http://schemas.openxmlformats.org/drawingml/2006/main" xmlns:r="http://schemas.openxmlformats.org/officeDocument/2006/relationships" xmlns:p="http://schemas.openxmlformats.org/presentationml/2006/main" type="fourObj" preserve="1">
+  <p:cSld name="Title, 4 Content">
+    <p:spTree>
+      <p:nvGrpSpPr>
+        <p:cNvPr id="1" name=""/>
+        <p:cNvGrpSpPr/>
+        <p:nvPr/>
+      </p:nvGrpSpPr>
+      <p:grpSpPr>
+        <a:xfrm>
+          <a:off x="0" y="0"/>
+          <a:ext cx="0" cy="0"/>
+          <a:chOff x="0" y="0"/>
+          <a:chExt cx="0" cy="0"/>
+        </a:xfrm>
+      </p:grpSpPr>
+      <p:sp>
+        <p:nvSpPr>
+          <p:cNvPr id="64" name="PlaceHolder 1"/>
+          <p:cNvSpPr>
+            <a:spLocks noGrp="1"/>
+          </p:cNvSpPr>
+          <p:nvPr>
+            <p:ph type="title"/>
+          </p:nvPr>
+        </p:nvSpPr>
+        <p:spPr>
+          <a:xfrm>
+            <a:off x="609480" y="273600"/>
+            <a:ext cx="10972440" cy="1144800"/>
+          </a:xfrm>
+          <a:prstGeom prst="rect">
+            <a:avLst/>
+          </a:prstGeom>
+        </p:spPr>
+        <p:txBody>
+          <a:bodyPr lIns="0" tIns="0" rIns="0" bIns="0" anchor="ctr"/>
+          <a:lstStyle/>
+          <a:p>
+            <a:pPr algn="ctr"/>
+            <a:endParaRPr lang="de-DE" sz="4400" b="0" strike="noStrike" spc="-1">
+              <a:latin typeface="Arial"/>
+            </a:endParaRPr>
+          </a:p>
+        </p:txBody>
+      </p:sp>
+      <p:sp>
+        <p:nvSpPr>
+          <p:cNvPr id="65" name="PlaceHolder 2"/>
+          <p:cNvSpPr>
+            <a:spLocks noGrp="1"/>
+          </p:cNvSpPr>
+          <p:nvPr>
+            <p:ph type="body"/>
+          </p:nvPr>
+        </p:nvSpPr>
+        <p:spPr>
+          <a:xfrm>
+            <a:off x="609480" y="1604520"/>
+            <a:ext cx="5354280" cy="1896840"/>
+          </a:xfrm>
+          <a:prstGeom prst="rect">
+            <a:avLst/>
+          </a:prstGeom>
+        </p:spPr>
+        <p:txBody>
+          <a:bodyPr lIns="0" tIns="0" rIns="0" bIns="0">
+            <a:normAutofit/>
+          </a:bodyPr>
+          <a:lstStyle/>
+          <a:p>
+            <a:endParaRPr lang="de-DE" sz="3200" b="0" strike="noStrike" spc="-1">
+              <a:latin typeface="Arial"/>
+            </a:endParaRPr>
+          </a:p>
+        </p:txBody>
+      </p:sp>
+      <p:sp>
+        <p:nvSpPr>
+          <p:cNvPr id="66" name="PlaceHolder 3"/>
+          <p:cNvSpPr>
+            <a:spLocks noGrp="1"/>
+          </p:cNvSpPr>
+          <p:nvPr>
+            <p:ph type="body"/>
+          </p:nvPr>
+        </p:nvSpPr>
+        <p:spPr>
+          <a:xfrm>
+            <a:off x="6231960" y="1604520"/>
+            <a:ext cx="5354280" cy="1896840"/>
+          </a:xfrm>
+          <a:prstGeom prst="rect">
+            <a:avLst/>
+          </a:prstGeom>
+        </p:spPr>
+        <p:txBody>
+          <a:bodyPr lIns="0" tIns="0" rIns="0" bIns="0">
+            <a:normAutofit/>
+          </a:bodyPr>
+          <a:lstStyle/>
+          <a:p>
+            <a:endParaRPr lang="de-DE" sz="3200" b="0" strike="noStrike" spc="-1">
+              <a:latin typeface="Arial"/>
+            </a:endParaRPr>
+          </a:p>
+        </p:txBody>
+      </p:sp>
+      <p:sp>
+        <p:nvSpPr>
+          <p:cNvPr id="67" name="PlaceHolder 4"/>
+          <p:cNvSpPr>
+            <a:spLocks noGrp="1"/>
+          </p:cNvSpPr>
+          <p:nvPr>
+            <p:ph type="body"/>
+          </p:nvPr>
+        </p:nvSpPr>
+        <p:spPr>
+          <a:xfrm>
+            <a:off x="609480" y="3682080"/>
+            <a:ext cx="5354280" cy="1896840"/>
+          </a:xfrm>
+          <a:prstGeom prst="rect">
+            <a:avLst/>
+          </a:prstGeom>
+        </p:spPr>
+        <p:txBody>
+          <a:bodyPr lIns="0" tIns="0" rIns="0" bIns="0">
+            <a:normAutofit/>
+          </a:bodyPr>
+          <a:lstStyle/>
+          <a:p>
+            <a:endParaRPr lang="de-DE" sz="3200" b="0" strike="noStrike" spc="-1">
+              <a:latin typeface="Arial"/>
+            </a:endParaRPr>
+          </a:p>
+        </p:txBody>
+      </p:sp>
+      <p:sp>
+        <p:nvSpPr>
+          <p:cNvPr id="68" name="PlaceHolder 5"/>
+          <p:cNvSpPr>
+            <a:spLocks noGrp="1"/>
+          </p:cNvSpPr>
+          <p:nvPr>
+            <p:ph type="body"/>
+          </p:nvPr>
+        </p:nvSpPr>
+        <p:spPr>
+          <a:xfrm>
+            <a:off x="6231960" y="3682080"/>
+            <a:ext cx="5354280" cy="1896840"/>
+          </a:xfrm>
+          <a:prstGeom prst="rect">
+            <a:avLst/>
+          </a:prstGeom>
+        </p:spPr>
+        <p:txBody>
+          <a:bodyPr lIns="0" tIns="0" rIns="0" bIns="0">
+            <a:normAutofit/>
+          </a:bodyPr>
+          <a:lstStyle/>
+          <a:p>
+            <a:endParaRPr lang="de-DE" sz="3200" b="0" strike="noStrike" spc="-1">
+              <a:latin typeface="Arial"/>
+            </a:endParaRPr>
+          </a:p>
+        </p:txBody>
+      </p:sp>
+    </p:spTree>
+    <p:extLst>
+      <p:ext uri="{BB962C8B-B14F-4D97-AF65-F5344CB8AC3E}">
+        <p14:creationId xmlns:p14="http://schemas.microsoft.com/office/powerpoint/2010/main" val="1975968259"/>
+      </p:ext>
+    </p:extLst>
+  </p:cSld>
+  <p:clrMapOvr>
+    <a:masterClrMapping/>
+  </p:clrMapOvr>
+</p:sldLayout>
+</file>
+
+<file path=ppt/slideLayouts/slideLayout23.xml><?xml version="1.0" encoding="utf-8"?>
+<p:sldLayout xmlns:a="http://schemas.openxmlformats.org/drawingml/2006/main" xmlns:r="http://schemas.openxmlformats.org/officeDocument/2006/relationships" xmlns:p="http://schemas.openxmlformats.org/presentationml/2006/main" type="blank" preserve="1">
+  <p:cSld name="Title, 6 Content">
+    <p:spTree>
+      <p:nvGrpSpPr>
+        <p:cNvPr id="1" name=""/>
+        <p:cNvGrpSpPr/>
+        <p:nvPr/>
+      </p:nvGrpSpPr>
+      <p:grpSpPr>
+        <a:xfrm>
+          <a:off x="0" y="0"/>
+          <a:ext cx="0" cy="0"/>
+          <a:chOff x="0" y="0"/>
+          <a:chExt cx="0" cy="0"/>
+        </a:xfrm>
+      </p:grpSpPr>
+      <p:sp>
+        <p:nvSpPr>
+          <p:cNvPr id="69" name="PlaceHolder 1"/>
+          <p:cNvSpPr>
+            <a:spLocks noGrp="1"/>
+          </p:cNvSpPr>
+          <p:nvPr>
+            <p:ph type="title"/>
+          </p:nvPr>
+        </p:nvSpPr>
+        <p:spPr>
+          <a:xfrm>
+            <a:off x="609480" y="273600"/>
+            <a:ext cx="10972440" cy="1144800"/>
+          </a:xfrm>
+          <a:prstGeom prst="rect">
+            <a:avLst/>
+          </a:prstGeom>
+        </p:spPr>
+        <p:txBody>
+          <a:bodyPr lIns="0" tIns="0" rIns="0" bIns="0" anchor="ctr"/>
+          <a:lstStyle/>
+          <a:p>
+            <a:pPr algn="ctr"/>
+            <a:endParaRPr lang="de-DE" sz="4400" b="0" strike="noStrike" spc="-1">
+              <a:latin typeface="Arial"/>
+            </a:endParaRPr>
+          </a:p>
+        </p:txBody>
+      </p:sp>
+      <p:sp>
+        <p:nvSpPr>
+          <p:cNvPr id="70" name="PlaceHolder 2"/>
+          <p:cNvSpPr>
+            <a:spLocks noGrp="1"/>
+          </p:cNvSpPr>
+          <p:nvPr>
+            <p:ph type="body"/>
+          </p:nvPr>
+        </p:nvSpPr>
+        <p:spPr>
+          <a:xfrm>
+            <a:off x="609480" y="1604520"/>
+            <a:ext cx="3533040" cy="1896840"/>
+          </a:xfrm>
+          <a:prstGeom prst="rect">
+            <a:avLst/>
+          </a:prstGeom>
+        </p:spPr>
+        <p:txBody>
+          <a:bodyPr lIns="0" tIns="0" rIns="0" bIns="0">
+            <a:normAutofit/>
+          </a:bodyPr>
+          <a:lstStyle/>
+          <a:p>
+            <a:endParaRPr lang="de-DE" sz="3200" b="0" strike="noStrike" spc="-1">
+              <a:latin typeface="Arial"/>
+            </a:endParaRPr>
+          </a:p>
+        </p:txBody>
+      </p:sp>
+      <p:sp>
+        <p:nvSpPr>
+          <p:cNvPr id="71" name="PlaceHolder 3"/>
+          <p:cNvSpPr>
+            <a:spLocks noGrp="1"/>
+          </p:cNvSpPr>
+          <p:nvPr>
+            <p:ph type="body"/>
+          </p:nvPr>
+        </p:nvSpPr>
+        <p:spPr>
+          <a:xfrm>
+            <a:off x="4319640" y="1604520"/>
+            <a:ext cx="3533040" cy="1896840"/>
+          </a:xfrm>
+          <a:prstGeom prst="rect">
+            <a:avLst/>
+          </a:prstGeom>
+        </p:spPr>
+        <p:txBody>
+          <a:bodyPr lIns="0" tIns="0" rIns="0" bIns="0">
+            <a:normAutofit/>
+          </a:bodyPr>
+          <a:lstStyle/>
+          <a:p>
+            <a:endParaRPr lang="de-DE" sz="3200" b="0" strike="noStrike" spc="-1">
+              <a:latin typeface="Arial"/>
+            </a:endParaRPr>
+          </a:p>
+        </p:txBody>
+      </p:sp>
+      <p:sp>
+        <p:nvSpPr>
+          <p:cNvPr id="72" name="PlaceHolder 4"/>
+          <p:cNvSpPr>
+            <a:spLocks noGrp="1"/>
+          </p:cNvSpPr>
+          <p:nvPr>
+            <p:ph type="body"/>
+          </p:nvPr>
+        </p:nvSpPr>
+        <p:spPr>
+          <a:xfrm>
+            <a:off x="8029800" y="1604520"/>
+            <a:ext cx="3533040" cy="1896840"/>
+          </a:xfrm>
+          <a:prstGeom prst="rect">
+            <a:avLst/>
+          </a:prstGeom>
+        </p:spPr>
+        <p:txBody>
+          <a:bodyPr lIns="0" tIns="0" rIns="0" bIns="0">
+            <a:normAutofit/>
+          </a:bodyPr>
+          <a:lstStyle/>
+          <a:p>
+            <a:endParaRPr lang="de-DE" sz="3200" b="0" strike="noStrike" spc="-1">
+              <a:latin typeface="Arial"/>
+            </a:endParaRPr>
+          </a:p>
+        </p:txBody>
+      </p:sp>
+      <p:sp>
+        <p:nvSpPr>
+          <p:cNvPr id="73" name="PlaceHolder 5"/>
+          <p:cNvSpPr>
+            <a:spLocks noGrp="1"/>
+          </p:cNvSpPr>
+          <p:nvPr>
+            <p:ph type="body"/>
+          </p:nvPr>
+        </p:nvSpPr>
+        <p:spPr>
+          <a:xfrm>
+            <a:off x="609480" y="3682080"/>
+            <a:ext cx="3533040" cy="1896840"/>
+          </a:xfrm>
+          <a:prstGeom prst="rect">
+            <a:avLst/>
+          </a:prstGeom>
+        </p:spPr>
+        <p:txBody>
+          <a:bodyPr lIns="0" tIns="0" rIns="0" bIns="0">
+            <a:normAutofit/>
+          </a:bodyPr>
+          <a:lstStyle/>
+          <a:p>
+            <a:endParaRPr lang="de-DE" sz="3200" b="0" strike="noStrike" spc="-1">
+              <a:latin typeface="Arial"/>
+            </a:endParaRPr>
+          </a:p>
+        </p:txBody>
+      </p:sp>
+      <p:sp>
+        <p:nvSpPr>
+          <p:cNvPr id="74" name="PlaceHolder 6"/>
+          <p:cNvSpPr>
+            <a:spLocks noGrp="1"/>
+          </p:cNvSpPr>
+          <p:nvPr>
+            <p:ph type="body"/>
+          </p:nvPr>
+        </p:nvSpPr>
+        <p:spPr>
+          <a:xfrm>
+            <a:off x="4319640" y="3682080"/>
+            <a:ext cx="3533040" cy="1896840"/>
+          </a:xfrm>
+          <a:prstGeom prst="rect">
+            <a:avLst/>
+          </a:prstGeom>
+        </p:spPr>
+        <p:txBody>
+          <a:bodyPr lIns="0" tIns="0" rIns="0" bIns="0">
+            <a:normAutofit/>
+          </a:bodyPr>
+          <a:lstStyle/>
+          <a:p>
+            <a:endParaRPr lang="de-DE" sz="3200" b="0" strike="noStrike" spc="-1">
+              <a:latin typeface="Arial"/>
+            </a:endParaRPr>
+          </a:p>
+        </p:txBody>
+      </p:sp>
+      <p:sp>
+        <p:nvSpPr>
+          <p:cNvPr id="75" name="PlaceHolder 7"/>
+          <p:cNvSpPr>
+            <a:spLocks noGrp="1"/>
+          </p:cNvSpPr>
+          <p:nvPr>
+            <p:ph type="body"/>
+          </p:nvPr>
+        </p:nvSpPr>
+        <p:spPr>
+          <a:xfrm>
+            <a:off x="8029800" y="3682080"/>
+            <a:ext cx="3533040" cy="1896840"/>
+          </a:xfrm>
+          <a:prstGeom prst="rect">
+            <a:avLst/>
+          </a:prstGeom>
+        </p:spPr>
+        <p:txBody>
+          <a:bodyPr lIns="0" tIns="0" rIns="0" bIns="0">
+            <a:normAutofit/>
+          </a:bodyPr>
+          <a:lstStyle/>
+          <a:p>
+            <a:endParaRPr lang="de-DE" sz="3200" b="0" strike="noStrike" spc="-1">
+              <a:latin typeface="Arial"/>
+            </a:endParaRPr>
+          </a:p>
+        </p:txBody>
+      </p:sp>
+    </p:spTree>
+    <p:extLst>
+      <p:ext uri="{BB962C8B-B14F-4D97-AF65-F5344CB8AC3E}">
+        <p14:creationId xmlns:p14="http://schemas.microsoft.com/office/powerpoint/2010/main" val="2563594432"/>
       </p:ext>
     </p:extLst>
   </p:cSld>
@@ -3398,6 +4864,528 @@
     <p:sldLayoutId id="2147483659" r:id="rId11"/>
   </p:sldLayoutIdLst>
   <p:hf hdr="0" ftr="0" dt="0"/>
+  <p:txStyles>
+    <p:titleStyle>
+      <a:lvl1pPr algn="l" defTabSz="914400" rtl="0" eaLnBrk="1" latinLnBrk="0" hangingPunct="1">
+        <a:lnSpc>
+          <a:spcPct val="90000"/>
+        </a:lnSpc>
+        <a:spcBef>
+          <a:spcPct val="0"/>
+        </a:spcBef>
+        <a:buNone/>
+        <a:defRPr sz="4400" kern="1200">
+          <a:solidFill>
+            <a:schemeClr val="tx1"/>
+          </a:solidFill>
+          <a:latin typeface="+mj-lt"/>
+          <a:ea typeface="+mj-ea"/>
+          <a:cs typeface="+mj-cs"/>
+        </a:defRPr>
+      </a:lvl1pPr>
+    </p:titleStyle>
+    <p:bodyStyle>
+      <a:lvl1pPr marL="228600" indent="-228600" algn="l" defTabSz="914400" rtl="0" eaLnBrk="1" latinLnBrk="0" hangingPunct="1">
+        <a:lnSpc>
+          <a:spcPct val="90000"/>
+        </a:lnSpc>
+        <a:spcBef>
+          <a:spcPts val="1000"/>
+        </a:spcBef>
+        <a:buFont typeface="Arial" panose="020B0604020202020204" pitchFamily="34" charset="0"/>
+        <a:buChar char="•"/>
+        <a:defRPr sz="2800" kern="1200">
+          <a:solidFill>
+            <a:schemeClr val="tx1"/>
+          </a:solidFill>
+          <a:latin typeface="+mn-lt"/>
+          <a:ea typeface="+mn-ea"/>
+          <a:cs typeface="+mn-cs"/>
+        </a:defRPr>
+      </a:lvl1pPr>
+      <a:lvl2pPr marL="685800" indent="-228600" algn="l" defTabSz="914400" rtl="0" eaLnBrk="1" latinLnBrk="0" hangingPunct="1">
+        <a:lnSpc>
+          <a:spcPct val="90000"/>
+        </a:lnSpc>
+        <a:spcBef>
+          <a:spcPts val="500"/>
+        </a:spcBef>
+        <a:buFont typeface="Arial" panose="020B0604020202020204" pitchFamily="34" charset="0"/>
+        <a:buChar char="•"/>
+        <a:defRPr sz="2400" kern="1200">
+          <a:solidFill>
+            <a:schemeClr val="tx1"/>
+          </a:solidFill>
+          <a:latin typeface="+mn-lt"/>
+          <a:ea typeface="+mn-ea"/>
+          <a:cs typeface="+mn-cs"/>
+        </a:defRPr>
+      </a:lvl2pPr>
+      <a:lvl3pPr marL="1143000" indent="-228600" algn="l" defTabSz="914400" rtl="0" eaLnBrk="1" latinLnBrk="0" hangingPunct="1">
+        <a:lnSpc>
+          <a:spcPct val="90000"/>
+        </a:lnSpc>
+        <a:spcBef>
+          <a:spcPts val="500"/>
+        </a:spcBef>
+        <a:buFont typeface="Arial" panose="020B0604020202020204" pitchFamily="34" charset="0"/>
+        <a:buChar char="•"/>
+        <a:defRPr sz="2000" kern="1200">
+          <a:solidFill>
+            <a:schemeClr val="tx1"/>
+          </a:solidFill>
+          <a:latin typeface="+mn-lt"/>
+          <a:ea typeface="+mn-ea"/>
+          <a:cs typeface="+mn-cs"/>
+        </a:defRPr>
+      </a:lvl3pPr>
+      <a:lvl4pPr marL="1600200" indent="-228600" algn="l" defTabSz="914400" rtl="0" eaLnBrk="1" latinLnBrk="0" hangingPunct="1">
+        <a:lnSpc>
+          <a:spcPct val="90000"/>
+        </a:lnSpc>
+        <a:spcBef>
+          <a:spcPts val="500"/>
+        </a:spcBef>
+        <a:buFont typeface="Arial" panose="020B0604020202020204" pitchFamily="34" charset="0"/>
+        <a:buChar char="•"/>
+        <a:defRPr sz="1800" kern="1200">
+          <a:solidFill>
+            <a:schemeClr val="tx1"/>
+          </a:solidFill>
+          <a:latin typeface="+mn-lt"/>
+          <a:ea typeface="+mn-ea"/>
+          <a:cs typeface="+mn-cs"/>
+        </a:defRPr>
+      </a:lvl4pPr>
+      <a:lvl5pPr marL="2057400" indent="-228600" algn="l" defTabSz="914400" rtl="0" eaLnBrk="1" latinLnBrk="0" hangingPunct="1">
+        <a:lnSpc>
+          <a:spcPct val="90000"/>
+        </a:lnSpc>
+        <a:spcBef>
+          <a:spcPts val="500"/>
+        </a:spcBef>
+        <a:buFont typeface="Arial" panose="020B0604020202020204" pitchFamily="34" charset="0"/>
+        <a:buChar char="•"/>
+        <a:defRPr sz="1800" kern="1200">
+          <a:solidFill>
+            <a:schemeClr val="tx1"/>
+          </a:solidFill>
+          <a:latin typeface="+mn-lt"/>
+          <a:ea typeface="+mn-ea"/>
+          <a:cs typeface="+mn-cs"/>
+        </a:defRPr>
+      </a:lvl5pPr>
+      <a:lvl6pPr marL="2514600" indent="-228600" algn="l" defTabSz="914400" rtl="0" eaLnBrk="1" latinLnBrk="0" hangingPunct="1">
+        <a:lnSpc>
+          <a:spcPct val="90000"/>
+        </a:lnSpc>
+        <a:spcBef>
+          <a:spcPts val="500"/>
+        </a:spcBef>
+        <a:buFont typeface="Arial" panose="020B0604020202020204" pitchFamily="34" charset="0"/>
+        <a:buChar char="•"/>
+        <a:defRPr sz="1800" kern="1200">
+          <a:solidFill>
+            <a:schemeClr val="tx1"/>
+          </a:solidFill>
+          <a:latin typeface="+mn-lt"/>
+          <a:ea typeface="+mn-ea"/>
+          <a:cs typeface="+mn-cs"/>
+        </a:defRPr>
+      </a:lvl6pPr>
+      <a:lvl7pPr marL="2971800" indent="-228600" algn="l" defTabSz="914400" rtl="0" eaLnBrk="1" latinLnBrk="0" hangingPunct="1">
+        <a:lnSpc>
+          <a:spcPct val="90000"/>
+        </a:lnSpc>
+        <a:spcBef>
+          <a:spcPts val="500"/>
+        </a:spcBef>
+        <a:buFont typeface="Arial" panose="020B0604020202020204" pitchFamily="34" charset="0"/>
+        <a:buChar char="•"/>
+        <a:defRPr sz="1800" kern="1200">
+          <a:solidFill>
+            <a:schemeClr val="tx1"/>
+          </a:solidFill>
+          <a:latin typeface="+mn-lt"/>
+          <a:ea typeface="+mn-ea"/>
+          <a:cs typeface="+mn-cs"/>
+        </a:defRPr>
+      </a:lvl7pPr>
+      <a:lvl8pPr marL="3429000" indent="-228600" algn="l" defTabSz="914400" rtl="0" eaLnBrk="1" latinLnBrk="0" hangingPunct="1">
+        <a:lnSpc>
+          <a:spcPct val="90000"/>
+        </a:lnSpc>
+        <a:spcBef>
+          <a:spcPts val="500"/>
+        </a:spcBef>
+        <a:buFont typeface="Arial" panose="020B0604020202020204" pitchFamily="34" charset="0"/>
+        <a:buChar char="•"/>
+        <a:defRPr sz="1800" kern="1200">
+          <a:solidFill>
+            <a:schemeClr val="tx1"/>
+          </a:solidFill>
+          <a:latin typeface="+mn-lt"/>
+          <a:ea typeface="+mn-ea"/>
+          <a:cs typeface="+mn-cs"/>
+        </a:defRPr>
+      </a:lvl8pPr>
+      <a:lvl9pPr marL="3886200" indent="-228600" algn="l" defTabSz="914400" rtl="0" eaLnBrk="1" latinLnBrk="0" hangingPunct="1">
+        <a:lnSpc>
+          <a:spcPct val="90000"/>
+        </a:lnSpc>
+        <a:spcBef>
+          <a:spcPts val="500"/>
+        </a:spcBef>
+        <a:buFont typeface="Arial" panose="020B0604020202020204" pitchFamily="34" charset="0"/>
+        <a:buChar char="•"/>
+        <a:defRPr sz="1800" kern="1200">
+          <a:solidFill>
+            <a:schemeClr val="tx1"/>
+          </a:solidFill>
+          <a:latin typeface="+mn-lt"/>
+          <a:ea typeface="+mn-ea"/>
+          <a:cs typeface="+mn-cs"/>
+        </a:defRPr>
+      </a:lvl9pPr>
+    </p:bodyStyle>
+    <p:otherStyle>
+      <a:defPPr>
+        <a:defRPr lang="de-DE"/>
+      </a:defPPr>
+      <a:lvl1pPr marL="0" algn="l" defTabSz="914400" rtl="0" eaLnBrk="1" latinLnBrk="0" hangingPunct="1">
+        <a:defRPr sz="1800" kern="1200">
+          <a:solidFill>
+            <a:schemeClr val="tx1"/>
+          </a:solidFill>
+          <a:latin typeface="+mn-lt"/>
+          <a:ea typeface="+mn-ea"/>
+          <a:cs typeface="+mn-cs"/>
+        </a:defRPr>
+      </a:lvl1pPr>
+      <a:lvl2pPr marL="457200" algn="l" defTabSz="914400" rtl="0" eaLnBrk="1" latinLnBrk="0" hangingPunct="1">
+        <a:defRPr sz="1800" kern="1200">
+          <a:solidFill>
+            <a:schemeClr val="tx1"/>
+          </a:solidFill>
+          <a:latin typeface="+mn-lt"/>
+          <a:ea typeface="+mn-ea"/>
+          <a:cs typeface="+mn-cs"/>
+        </a:defRPr>
+      </a:lvl2pPr>
+      <a:lvl3pPr marL="914400" algn="l" defTabSz="914400" rtl="0" eaLnBrk="1" latinLnBrk="0" hangingPunct="1">
+        <a:defRPr sz="1800" kern="1200">
+          <a:solidFill>
+            <a:schemeClr val="tx1"/>
+          </a:solidFill>
+          <a:latin typeface="+mn-lt"/>
+          <a:ea typeface="+mn-ea"/>
+          <a:cs typeface="+mn-cs"/>
+        </a:defRPr>
+      </a:lvl3pPr>
+      <a:lvl4pPr marL="1371600" algn="l" defTabSz="914400" rtl="0" eaLnBrk="1" latinLnBrk="0" hangingPunct="1">
+        <a:defRPr sz="1800" kern="1200">
+          <a:solidFill>
+            <a:schemeClr val="tx1"/>
+          </a:solidFill>
+          <a:latin typeface="+mn-lt"/>
+          <a:ea typeface="+mn-ea"/>
+          <a:cs typeface="+mn-cs"/>
+        </a:defRPr>
+      </a:lvl4pPr>
+      <a:lvl5pPr marL="1828800" algn="l" defTabSz="914400" rtl="0" eaLnBrk="1" latinLnBrk="0" hangingPunct="1">
+        <a:defRPr sz="1800" kern="1200">
+          <a:solidFill>
+            <a:schemeClr val="tx1"/>
+          </a:solidFill>
+          <a:latin typeface="+mn-lt"/>
+          <a:ea typeface="+mn-ea"/>
+          <a:cs typeface="+mn-cs"/>
+        </a:defRPr>
+      </a:lvl5pPr>
+      <a:lvl6pPr marL="2286000" algn="l" defTabSz="914400" rtl="0" eaLnBrk="1" latinLnBrk="0" hangingPunct="1">
+        <a:defRPr sz="1800" kern="1200">
+          <a:solidFill>
+            <a:schemeClr val="tx1"/>
+          </a:solidFill>
+          <a:latin typeface="+mn-lt"/>
+          <a:ea typeface="+mn-ea"/>
+          <a:cs typeface="+mn-cs"/>
+        </a:defRPr>
+      </a:lvl6pPr>
+      <a:lvl7pPr marL="2743200" algn="l" defTabSz="914400" rtl="0" eaLnBrk="1" latinLnBrk="0" hangingPunct="1">
+        <a:defRPr sz="1800" kern="1200">
+          <a:solidFill>
+            <a:schemeClr val="tx1"/>
+          </a:solidFill>
+          <a:latin typeface="+mn-lt"/>
+          <a:ea typeface="+mn-ea"/>
+          <a:cs typeface="+mn-cs"/>
+        </a:defRPr>
+      </a:lvl7pPr>
+      <a:lvl8pPr marL="3200400" algn="l" defTabSz="914400" rtl="0" eaLnBrk="1" latinLnBrk="0" hangingPunct="1">
+        <a:defRPr sz="1800" kern="1200">
+          <a:solidFill>
+            <a:schemeClr val="tx1"/>
+          </a:solidFill>
+          <a:latin typeface="+mn-lt"/>
+          <a:ea typeface="+mn-ea"/>
+          <a:cs typeface="+mn-cs"/>
+        </a:defRPr>
+      </a:lvl8pPr>
+      <a:lvl9pPr marL="3657600" algn="l" defTabSz="914400" rtl="0" eaLnBrk="1" latinLnBrk="0" hangingPunct="1">
+        <a:defRPr sz="1800" kern="1200">
+          <a:solidFill>
+            <a:schemeClr val="tx1"/>
+          </a:solidFill>
+          <a:latin typeface="+mn-lt"/>
+          <a:ea typeface="+mn-ea"/>
+          <a:cs typeface="+mn-cs"/>
+        </a:defRPr>
+      </a:lvl9pPr>
+    </p:otherStyle>
+  </p:txStyles>
+</p:sldMaster>
+</file>
+
+<file path=ppt/slideMasters/slideMaster2.xml><?xml version="1.0" encoding="utf-8"?>
+<p:sldMaster xmlns:a="http://schemas.openxmlformats.org/drawingml/2006/main" xmlns:r="http://schemas.openxmlformats.org/officeDocument/2006/relationships" xmlns:p="http://schemas.openxmlformats.org/presentationml/2006/main">
+  <p:cSld>
+    <p:bg>
+      <p:bgPr>
+        <a:solidFill>
+          <a:srgbClr val="FFFFFF"/>
+        </a:solidFill>
+        <a:effectLst/>
+      </p:bgPr>
+    </p:bg>
+    <p:spTree>
+      <p:nvGrpSpPr>
+        <p:cNvPr id="1" name=""/>
+        <p:cNvGrpSpPr/>
+        <p:nvPr/>
+      </p:nvGrpSpPr>
+      <p:grpSpPr>
+        <a:xfrm>
+          <a:off x="0" y="0"/>
+          <a:ext cx="0" cy="0"/>
+          <a:chOff x="0" y="0"/>
+          <a:chExt cx="0" cy="0"/>
+        </a:xfrm>
+      </p:grpSpPr>
+      <p:sp>
+        <p:nvSpPr>
+          <p:cNvPr id="38" name="PlaceHolder 1"/>
+          <p:cNvSpPr>
+            <a:spLocks noGrp="1"/>
+          </p:cNvSpPr>
+          <p:nvPr>
+            <p:ph type="title"/>
+          </p:nvPr>
+        </p:nvSpPr>
+        <p:spPr>
+          <a:xfrm>
+            <a:off x="609480" y="273600"/>
+            <a:ext cx="10972440" cy="1144800"/>
+          </a:xfrm>
+          <a:prstGeom prst="rect">
+            <a:avLst/>
+          </a:prstGeom>
+        </p:spPr>
+        <p:txBody>
+          <a:bodyPr lIns="0" tIns="0" rIns="0" bIns="0" anchor="ctr"/>
+          <a:lstStyle/>
+          <a:p>
+            <a:pPr algn="ctr"/>
+            <a:r>
+              <a:rPr lang="de-DE" sz="4400" b="0" strike="noStrike" spc="-1">
+                <a:latin typeface="Arial"/>
+              </a:rPr>
+              <a:t>Format des Titeltextes durch Klicken bearbeiten</a:t>
+            </a:r>
+          </a:p>
+        </p:txBody>
+      </p:sp>
+      <p:sp>
+        <p:nvSpPr>
+          <p:cNvPr id="39" name="PlaceHolder 2"/>
+          <p:cNvSpPr>
+            <a:spLocks noGrp="1"/>
+          </p:cNvSpPr>
+          <p:nvPr>
+            <p:ph type="body"/>
+          </p:nvPr>
+        </p:nvSpPr>
+        <p:spPr>
+          <a:xfrm>
+            <a:off x="609480" y="1604520"/>
+            <a:ext cx="10972440" cy="3977280"/>
+          </a:xfrm>
+          <a:prstGeom prst="rect">
+            <a:avLst/>
+          </a:prstGeom>
+        </p:spPr>
+        <p:txBody>
+          <a:bodyPr lIns="0" tIns="0" rIns="0" bIns="0">
+            <a:normAutofit/>
+          </a:bodyPr>
+          <a:lstStyle/>
+          <a:p>
+            <a:pPr marL="432000" indent="-324000">
+              <a:spcBef>
+                <a:spcPts val="1417"/>
+              </a:spcBef>
+              <a:buClr>
+                <a:srgbClr val="000000"/>
+              </a:buClr>
+              <a:buSzPct val="45000"/>
+              <a:buFont typeface="Wingdings" charset="2"/>
+              <a:buChar char=""/>
+            </a:pPr>
+            <a:r>
+              <a:rPr lang="de-DE" sz="3200" b="0" strike="noStrike" spc="-1">
+                <a:latin typeface="Arial"/>
+              </a:rPr>
+              <a:t>Format des Gliederungstextes durch Klicken bearbeiten</a:t>
+            </a:r>
+          </a:p>
+          <a:p>
+            <a:pPr marL="864000" lvl="1" indent="-324000">
+              <a:spcBef>
+                <a:spcPts val="1134"/>
+              </a:spcBef>
+              <a:buClr>
+                <a:srgbClr val="000000"/>
+              </a:buClr>
+              <a:buSzPct val="75000"/>
+              <a:buFont typeface="Symbol" charset="2"/>
+              <a:buChar char=""/>
+            </a:pPr>
+            <a:r>
+              <a:rPr lang="de-DE" sz="2800" b="0" strike="noStrike" spc="-1">
+                <a:latin typeface="Arial"/>
+              </a:rPr>
+              <a:t>Zweite Gliederungsebene</a:t>
+            </a:r>
+          </a:p>
+          <a:p>
+            <a:pPr marL="1296000" lvl="2" indent="-288000">
+              <a:spcBef>
+                <a:spcPts val="850"/>
+              </a:spcBef>
+              <a:buClr>
+                <a:srgbClr val="000000"/>
+              </a:buClr>
+              <a:buSzPct val="45000"/>
+              <a:buFont typeface="Wingdings" charset="2"/>
+              <a:buChar char=""/>
+            </a:pPr>
+            <a:r>
+              <a:rPr lang="de-DE" sz="2400" b="0" strike="noStrike" spc="-1">
+                <a:latin typeface="Arial"/>
+              </a:rPr>
+              <a:t>Dritte Gliederungsebene</a:t>
+            </a:r>
+          </a:p>
+          <a:p>
+            <a:pPr marL="1728000" lvl="3" indent="-216000">
+              <a:spcBef>
+                <a:spcPts val="567"/>
+              </a:spcBef>
+              <a:buClr>
+                <a:srgbClr val="000000"/>
+              </a:buClr>
+              <a:buSzPct val="75000"/>
+              <a:buFont typeface="Symbol" charset="2"/>
+              <a:buChar char=""/>
+            </a:pPr>
+            <a:r>
+              <a:rPr lang="de-DE" sz="2000" b="0" strike="noStrike" spc="-1">
+                <a:latin typeface="Arial"/>
+              </a:rPr>
+              <a:t>Vierte Gliederungsebene</a:t>
+            </a:r>
+          </a:p>
+          <a:p>
+            <a:pPr marL="2160000" lvl="4" indent="-216000">
+              <a:spcBef>
+                <a:spcPts val="283"/>
+              </a:spcBef>
+              <a:buClr>
+                <a:srgbClr val="000000"/>
+              </a:buClr>
+              <a:buSzPct val="45000"/>
+              <a:buFont typeface="Wingdings" charset="2"/>
+              <a:buChar char=""/>
+            </a:pPr>
+            <a:r>
+              <a:rPr lang="de-DE" sz="2000" b="0" strike="noStrike" spc="-1">
+                <a:latin typeface="Arial"/>
+              </a:rPr>
+              <a:t>Fünfte Gliederungsebene</a:t>
+            </a:r>
+          </a:p>
+          <a:p>
+            <a:pPr marL="2592000" lvl="5" indent="-216000">
+              <a:spcBef>
+                <a:spcPts val="283"/>
+              </a:spcBef>
+              <a:buClr>
+                <a:srgbClr val="000000"/>
+              </a:buClr>
+              <a:buSzPct val="45000"/>
+              <a:buFont typeface="Wingdings" charset="2"/>
+              <a:buChar char=""/>
+            </a:pPr>
+            <a:r>
+              <a:rPr lang="de-DE" sz="2000" b="0" strike="noStrike" spc="-1">
+                <a:latin typeface="Arial"/>
+              </a:rPr>
+              <a:t>Sechste Gliederungsebene</a:t>
+            </a:r>
+          </a:p>
+          <a:p>
+            <a:pPr marL="3024000" lvl="6" indent="-216000">
+              <a:spcBef>
+                <a:spcPts val="283"/>
+              </a:spcBef>
+              <a:buClr>
+                <a:srgbClr val="000000"/>
+              </a:buClr>
+              <a:buSzPct val="45000"/>
+              <a:buFont typeface="Wingdings" charset="2"/>
+              <a:buChar char=""/>
+            </a:pPr>
+            <a:r>
+              <a:rPr lang="de-DE" sz="2000" b="0" strike="noStrike" spc="-1">
+                <a:latin typeface="Arial"/>
+              </a:rPr>
+              <a:t>Siebte Gliederungsebene</a:t>
+            </a:r>
+          </a:p>
+        </p:txBody>
+      </p:sp>
+    </p:spTree>
+    <p:extLst>
+      <p:ext uri="{BB962C8B-B14F-4D97-AF65-F5344CB8AC3E}">
+        <p14:creationId xmlns:p14="http://schemas.microsoft.com/office/powerpoint/2010/main" val="1414461311"/>
+      </p:ext>
+    </p:extLst>
+  </p:cSld>
+  <p:clrMap bg1="lt1" tx1="dk1" bg2="lt2" tx2="dk2" accent1="accent1" accent2="accent2" accent3="accent3" accent4="accent4" accent5="accent5" accent6="accent6" hlink="hlink" folHlink="folHlink"/>
+  <p:sldLayoutIdLst>
+    <p:sldLayoutId id="2147483661" r:id="rId1"/>
+    <p:sldLayoutId id="2147483662" r:id="rId2"/>
+    <p:sldLayoutId id="2147483663" r:id="rId3"/>
+    <p:sldLayoutId id="2147483664" r:id="rId4"/>
+    <p:sldLayoutId id="2147483665" r:id="rId5"/>
+    <p:sldLayoutId id="2147483666" r:id="rId6"/>
+    <p:sldLayoutId id="2147483667" r:id="rId7"/>
+    <p:sldLayoutId id="2147483668" r:id="rId8"/>
+    <p:sldLayoutId id="2147483669" r:id="rId9"/>
+    <p:sldLayoutId id="2147483670" r:id="rId10"/>
+    <p:sldLayoutId id="2147483671" r:id="rId11"/>
+    <p:sldLayoutId id="2147483672" r:id="rId12"/>
+  </p:sldLayoutIdLst>
   <p:txStyles>
     <p:titleStyle>
       <a:lvl1pPr algn="l" defTabSz="914400" rtl="0" eaLnBrk="1" latinLnBrk="0" hangingPunct="1">
@@ -4088,6 +6076,474 @@
 </file>
 
 <file path=ppt/slides/slide2.xml><?xml version="1.0" encoding="utf-8"?>
+<p:sld xmlns:a="http://schemas.openxmlformats.org/drawingml/2006/main" xmlns:r="http://schemas.openxmlformats.org/officeDocument/2006/relationships" xmlns:p="http://schemas.openxmlformats.org/presentationml/2006/main">
+  <p:cSld>
+    <p:spTree>
+      <p:nvGrpSpPr>
+        <p:cNvPr id="1" name=""/>
+        <p:cNvGrpSpPr/>
+        <p:nvPr/>
+      </p:nvGrpSpPr>
+      <p:grpSpPr>
+        <a:xfrm>
+          <a:off x="0" y="0"/>
+          <a:ext cx="0" cy="0"/>
+          <a:chOff x="0" y="0"/>
+          <a:chExt cx="0" cy="0"/>
+        </a:xfrm>
+      </p:grpSpPr>
+      <p:sp>
+        <p:nvSpPr>
+          <p:cNvPr id="4" name="Rechteck 3">
+            <a:extLst>
+              <a:ext uri="{FF2B5EF4-FFF2-40B4-BE49-F238E27FC236}">
+                <a16:creationId xmlns:a16="http://schemas.microsoft.com/office/drawing/2014/main" id="{31D922BD-85B0-4CF6-A69A-139BB2401647}"/>
+              </a:ext>
+            </a:extLst>
+          </p:cNvPr>
+          <p:cNvSpPr/>
+          <p:nvPr/>
+        </p:nvSpPr>
+        <p:spPr>
+          <a:xfrm>
+            <a:off x="0" y="-30083"/>
+            <a:ext cx="12192000" cy="1341230"/>
+          </a:xfrm>
+          <a:prstGeom prst="rect">
+            <a:avLst/>
+          </a:prstGeom>
+          <a:ln>
+            <a:noFill/>
+          </a:ln>
+        </p:spPr>
+        <p:style>
+          <a:lnRef idx="2">
+            <a:schemeClr val="accent1">
+              <a:shade val="50000"/>
+            </a:schemeClr>
+          </a:lnRef>
+          <a:fillRef idx="1">
+            <a:schemeClr val="accent1"/>
+          </a:fillRef>
+          <a:effectRef idx="0">
+            <a:schemeClr val="accent1"/>
+          </a:effectRef>
+          <a:fontRef idx="minor">
+            <a:schemeClr val="lt1"/>
+          </a:fontRef>
+        </p:style>
+        <p:txBody>
+          <a:bodyPr rtlCol="0" anchor="ctr"/>
+          <a:lstStyle/>
+          <a:p>
+            <a:pPr algn="ctr"/>
+            <a:endParaRPr lang="de-DE"/>
+          </a:p>
+        </p:txBody>
+      </p:sp>
+      <p:sp>
+        <p:nvSpPr>
+          <p:cNvPr id="119" name="CustomShape 1"/>
+          <p:cNvSpPr/>
+          <p:nvPr/>
+        </p:nvSpPr>
+        <p:spPr>
+          <a:xfrm>
+            <a:off x="838080" y="243914"/>
+            <a:ext cx="10514520" cy="1324440"/>
+          </a:xfrm>
+          <a:prstGeom prst="rect">
+            <a:avLst/>
+          </a:prstGeom>
+          <a:noFill/>
+          <a:ln>
+            <a:noFill/>
+          </a:ln>
+        </p:spPr>
+        <p:style>
+          <a:lnRef idx="0">
+            <a:scrgbClr r="0" g="0" b="0"/>
+          </a:lnRef>
+          <a:fillRef idx="0">
+            <a:scrgbClr r="0" g="0" b="0"/>
+          </a:fillRef>
+          <a:effectRef idx="0">
+            <a:scrgbClr r="0" g="0" b="0"/>
+          </a:effectRef>
+          <a:fontRef idx="minor"/>
+        </p:style>
+        <p:txBody>
+          <a:bodyPr lIns="90000" tIns="45000" rIns="90000" bIns="45000" anchor="ctr"/>
+          <a:lstStyle/>
+          <a:p>
+            <a:pPr marL="0" marR="0" lvl="0" indent="0" algn="l" defTabSz="914400" rtl="0" eaLnBrk="1" fontAlgn="auto" latinLnBrk="0" hangingPunct="1">
+              <a:lnSpc>
+                <a:spcPct val="90000"/>
+              </a:lnSpc>
+              <a:spcBef>
+                <a:spcPts val="0"/>
+              </a:spcBef>
+              <a:spcAft>
+                <a:spcPts val="0"/>
+              </a:spcAft>
+              <a:buClrTx/>
+              <a:buSzTx/>
+              <a:buFontTx/>
+              <a:buNone/>
+              <a:tabLst/>
+              <a:defRPr/>
+            </a:pPr>
+            <a:r>
+              <a:rPr kumimoji="0" lang="de-DE" sz="4400" b="1" i="0" u="none" strike="noStrike" kern="1200" cap="none" spc="-1" normalizeH="0" baseline="0" noProof="0" dirty="0">
+                <a:ln>
+                  <a:noFill/>
+                </a:ln>
+                <a:solidFill>
+                  <a:schemeClr val="bg1"/>
+                </a:solidFill>
+                <a:effectLst/>
+                <a:uLnTx/>
+                <a:uFillTx/>
+                <a:latin typeface="Calibri Light"/>
+                <a:ea typeface="DejaVu Sans"/>
+              </a:rPr>
+              <a:t>Data</a:t>
+            </a:r>
+            <a:endParaRPr kumimoji="0" lang="de-DE" sz="4400" b="0" i="0" u="none" strike="noStrike" kern="1200" cap="none" spc="-1" normalizeH="0" baseline="0" noProof="0" dirty="0">
+              <a:ln>
+                <a:noFill/>
+              </a:ln>
+              <a:solidFill>
+                <a:schemeClr val="bg1"/>
+              </a:solidFill>
+              <a:effectLst/>
+              <a:uLnTx/>
+              <a:uFillTx/>
+              <a:latin typeface="Arial"/>
+            </a:endParaRPr>
+          </a:p>
+        </p:txBody>
+      </p:sp>
+      <p:sp>
+        <p:nvSpPr>
+          <p:cNvPr id="120" name="CustomShape 2"/>
+          <p:cNvSpPr/>
+          <p:nvPr/>
+        </p:nvSpPr>
+        <p:spPr>
+          <a:xfrm>
+            <a:off x="838080" y="1825560"/>
+            <a:ext cx="10514520" cy="4350240"/>
+          </a:xfrm>
+          <a:prstGeom prst="rect">
+            <a:avLst/>
+          </a:prstGeom>
+          <a:noFill/>
+          <a:ln>
+            <a:noFill/>
+          </a:ln>
+        </p:spPr>
+        <p:style>
+          <a:lnRef idx="0">
+            <a:scrgbClr r="0" g="0" b="0"/>
+          </a:lnRef>
+          <a:fillRef idx="0">
+            <a:scrgbClr r="0" g="0" b="0"/>
+          </a:fillRef>
+          <a:effectRef idx="0">
+            <a:scrgbClr r="0" g="0" b="0"/>
+          </a:effectRef>
+          <a:fontRef idx="minor"/>
+        </p:style>
+        <p:txBody>
+          <a:bodyPr lIns="90000" tIns="45000" rIns="90000" bIns="45000"/>
+          <a:lstStyle/>
+          <a:p>
+            <a:pPr marL="228600" marR="0" lvl="0" indent="-227520" algn="l" defTabSz="914400" rtl="0" eaLnBrk="1" fontAlgn="auto" latinLnBrk="0" hangingPunct="1">
+              <a:lnSpc>
+                <a:spcPct val="150000"/>
+              </a:lnSpc>
+              <a:spcBef>
+                <a:spcPts val="0"/>
+              </a:spcBef>
+              <a:spcAft>
+                <a:spcPts val="0"/>
+              </a:spcAft>
+              <a:buClr>
+                <a:srgbClr val="000000"/>
+              </a:buClr>
+              <a:buSzTx/>
+              <a:buFont typeface="Arial"/>
+              <a:buChar char="•"/>
+              <a:tabLst/>
+              <a:defRPr/>
+            </a:pPr>
+            <a:r>
+              <a:rPr kumimoji="0" lang="de-DE" sz="2800" b="0" i="0" u="none" strike="noStrike" kern="1200" cap="none" spc="-1" normalizeH="0" baseline="0" noProof="0">
+                <a:ln>
+                  <a:noFill/>
+                </a:ln>
+                <a:solidFill>
+                  <a:srgbClr val="000000"/>
+                </a:solidFill>
+                <a:effectLst/>
+                <a:uLnTx/>
+                <a:uFillTx/>
+                <a:latin typeface="Calibri"/>
+                <a:ea typeface="Microsoft YaHei"/>
+              </a:rPr>
+              <a:t>Peripheral blood mononuclear cells (PBMCs) from a healthy donor</a:t>
+            </a:r>
+            <a:endParaRPr kumimoji="0" lang="de-DE" sz="2800" b="0" i="0" u="none" strike="noStrike" kern="1200" cap="none" spc="-1" normalizeH="0" baseline="0" noProof="0">
+              <a:ln>
+                <a:noFill/>
+              </a:ln>
+              <a:solidFill>
+                <a:prstClr val="black"/>
+              </a:solidFill>
+              <a:effectLst/>
+              <a:uLnTx/>
+              <a:uFillTx/>
+              <a:latin typeface="Arial"/>
+            </a:endParaRPr>
+          </a:p>
+          <a:p>
+            <a:pPr marL="228600" marR="0" lvl="0" indent="-227520" algn="l" defTabSz="914400" rtl="0" eaLnBrk="1" fontAlgn="auto" latinLnBrk="0" hangingPunct="1">
+              <a:lnSpc>
+                <a:spcPct val="150000"/>
+              </a:lnSpc>
+              <a:spcBef>
+                <a:spcPts val="0"/>
+              </a:spcBef>
+              <a:spcAft>
+                <a:spcPts val="0"/>
+              </a:spcAft>
+              <a:buClr>
+                <a:srgbClr val="000000"/>
+              </a:buClr>
+              <a:buSzTx/>
+              <a:buFont typeface="Arial"/>
+              <a:buChar char="•"/>
+              <a:tabLst/>
+              <a:defRPr/>
+            </a:pPr>
+            <a:r>
+              <a:rPr kumimoji="0" lang="de-DE" sz="2800" b="0" i="0" u="none" strike="noStrike" kern="1200" cap="none" spc="-1" normalizeH="0" baseline="0" noProof="0">
+                <a:ln>
+                  <a:noFill/>
+                </a:ln>
+                <a:solidFill>
+                  <a:srgbClr val="000000"/>
+                </a:solidFill>
+                <a:effectLst/>
+                <a:uLnTx/>
+                <a:uFillTx/>
+                <a:latin typeface="Calibri"/>
+                <a:ea typeface="Microsoft YaHei"/>
+              </a:rPr>
+              <a:t>PBMCs = peripheral blood cells with a round nucleus e. g. T-cells, B-cells, moncytes</a:t>
+            </a:r>
+            <a:endParaRPr kumimoji="0" lang="de-DE" sz="2800" b="0" i="0" u="none" strike="noStrike" kern="1200" cap="none" spc="-1" normalizeH="0" baseline="0" noProof="0">
+              <a:ln>
+                <a:noFill/>
+              </a:ln>
+              <a:solidFill>
+                <a:prstClr val="black"/>
+              </a:solidFill>
+              <a:effectLst/>
+              <a:uLnTx/>
+              <a:uFillTx/>
+              <a:latin typeface="Arial"/>
+            </a:endParaRPr>
+          </a:p>
+          <a:p>
+            <a:pPr marL="228600" marR="0" lvl="0" indent="-227520" algn="l" defTabSz="914400" rtl="0" eaLnBrk="1" fontAlgn="auto" latinLnBrk="0" hangingPunct="1">
+              <a:lnSpc>
+                <a:spcPct val="150000"/>
+              </a:lnSpc>
+              <a:spcBef>
+                <a:spcPts val="0"/>
+              </a:spcBef>
+              <a:spcAft>
+                <a:spcPts val="0"/>
+              </a:spcAft>
+              <a:buClr>
+                <a:srgbClr val="000000"/>
+              </a:buClr>
+              <a:buSzTx/>
+              <a:buFont typeface="Arial"/>
+              <a:buChar char="•"/>
+              <a:tabLst/>
+              <a:defRPr/>
+            </a:pPr>
+            <a:r>
+              <a:rPr kumimoji="0" lang="de-DE" sz="2800" b="0" i="0" u="none" strike="noStrike" kern="1200" cap="none" spc="-1" normalizeH="0" baseline="0" noProof="0">
+                <a:ln>
+                  <a:noFill/>
+                </a:ln>
+                <a:solidFill>
+                  <a:srgbClr val="000000"/>
+                </a:solidFill>
+                <a:effectLst/>
+                <a:uLnTx/>
+                <a:uFillTx/>
+                <a:latin typeface="Calibri"/>
+                <a:ea typeface="Microsoft YaHei"/>
+              </a:rPr>
+              <a:t>Method: UMI marked mRNA (unique molecular identifier) → ratio in cells of molecules is preserved</a:t>
+            </a:r>
+            <a:endParaRPr kumimoji="0" lang="de-DE" sz="2800" b="0" i="0" u="none" strike="noStrike" kern="1200" cap="none" spc="-1" normalizeH="0" baseline="0" noProof="0">
+              <a:ln>
+                <a:noFill/>
+              </a:ln>
+              <a:solidFill>
+                <a:prstClr val="black"/>
+              </a:solidFill>
+              <a:effectLst/>
+              <a:uLnTx/>
+              <a:uFillTx/>
+              <a:latin typeface="Arial"/>
+            </a:endParaRPr>
+          </a:p>
+          <a:p>
+            <a:pPr marL="228600" marR="0" lvl="0" indent="-227520" algn="l" defTabSz="914400" rtl="0" eaLnBrk="1" fontAlgn="auto" latinLnBrk="0" hangingPunct="1">
+              <a:lnSpc>
+                <a:spcPct val="90000"/>
+              </a:lnSpc>
+              <a:spcBef>
+                <a:spcPts val="1001"/>
+              </a:spcBef>
+              <a:spcAft>
+                <a:spcPts val="0"/>
+              </a:spcAft>
+              <a:buClr>
+                <a:srgbClr val="000000"/>
+              </a:buClr>
+              <a:buSzTx/>
+              <a:buFont typeface="Arial"/>
+              <a:buChar char="•"/>
+              <a:tabLst/>
+              <a:defRPr/>
+            </a:pPr>
+            <a:r>
+              <a:rPr kumimoji="0" lang="de-DE" sz="2800" b="0" i="0" u="none" strike="noStrike" kern="1200" cap="none" spc="-1" normalizeH="0" baseline="0" noProof="0">
+                <a:ln>
+                  <a:noFill/>
+                </a:ln>
+                <a:solidFill>
+                  <a:srgbClr val="000000"/>
+                </a:solidFill>
+                <a:effectLst/>
+                <a:uLnTx/>
+                <a:uFillTx/>
+                <a:latin typeface="Calibri"/>
+                <a:ea typeface="Microsoft YaHei"/>
+              </a:rPr>
+              <a:t>2700 cells, 32738 genes (→ dimension reduction, nonlinear)</a:t>
+            </a:r>
+            <a:endParaRPr kumimoji="0" lang="de-DE" sz="2800" b="0" i="0" u="none" strike="noStrike" kern="1200" cap="none" spc="-1" normalizeH="0" baseline="0" noProof="0">
+              <a:ln>
+                <a:noFill/>
+              </a:ln>
+              <a:solidFill>
+                <a:prstClr val="black"/>
+              </a:solidFill>
+              <a:effectLst/>
+              <a:uLnTx/>
+              <a:uFillTx/>
+              <a:latin typeface="Arial"/>
+            </a:endParaRPr>
+          </a:p>
+        </p:txBody>
+      </p:sp>
+    </p:spTree>
+  </p:cSld>
+  <p:clrMapOvr>
+    <a:masterClrMapping/>
+  </p:clrMapOvr>
+  <p:timing>
+    <p:tnLst>
+      <p:par>
+        <p:cTn id="1" dur="indefinite" restart="never" nodeType="tmRoot">
+          <p:childTnLst>
+            <p:seq>
+              <p:cTn id="2" dur="indefinite" nodeType="mainSeq">
+                <p:childTnLst>
+                  <p:par>
+                    <p:cTn id="3" fill="hold">
+                      <p:stCondLst>
+                        <p:cond delay="indefinite"/>
+                      </p:stCondLst>
+                      <p:childTnLst>
+                        <p:par>
+                          <p:cTn id="4" fill="hold">
+                            <p:stCondLst>
+                              <p:cond delay="0"/>
+                            </p:stCondLst>
+                            <p:childTnLst>
+                              <p:par>
+                                <p:cTn id="5" presetID="1" presetClass="entr" fill="hold" nodeType="clickEffect">
+                                  <p:stCondLst>
+                                    <p:cond delay="0"/>
+                                  </p:stCondLst>
+                                  <p:childTnLst>
+                                    <p:set>
+                                      <p:cBhvr>
+                                        <p:cTn id="6" dur="1" fill="hold">
+                                          <p:stCondLst>
+                                            <p:cond delay="0"/>
+                                          </p:stCondLst>
+                                        </p:cTn>
+                                        <p:tgtEl>
+                                          <p:spTgt spid="120">
+                                            <p:txEl>
+                                              <p:pRg st="0" end="0"/>
+                                            </p:txEl>
+                                          </p:spTgt>
+                                        </p:tgtEl>
+                                        <p:attrNameLst>
+                                          <p:attrName>style.visibility</p:attrName>
+                                        </p:attrNameLst>
+                                      </p:cBhvr>
+                                      <p:to>
+                                        <p:strVal val="visible"/>
+                                      </p:to>
+                                    </p:set>
+                                  </p:childTnLst>
+                                </p:cTn>
+                              </p:par>
+                            </p:childTnLst>
+                          </p:cTn>
+                        </p:par>
+                      </p:childTnLst>
+                    </p:cTn>
+                  </p:par>
+                </p:childTnLst>
+              </p:cTn>
+              <p:prevCondLst>
+                <p:cond evt="onPrev" delay="0">
+                  <p:tgtEl>
+                    <p:sldTgt/>
+                  </p:tgtEl>
+                </p:cond>
+              </p:prevCondLst>
+              <p:nextCondLst>
+                <p:cond evt="onNext" delay="0">
+                  <p:tgtEl>
+                    <p:sldTgt/>
+                  </p:tgtEl>
+                </p:cond>
+              </p:nextCondLst>
+            </p:seq>
+          </p:childTnLst>
+        </p:cTn>
+      </p:par>
+    </p:tnLst>
+  </p:timing>
+</p:sld>
+</file>
+
+<file path=ppt/slides/slide3.xml><?xml version="1.0" encoding="utf-8"?>
 <p:sld xmlns:a="http://schemas.openxmlformats.org/drawingml/2006/main" xmlns:r="http://schemas.openxmlformats.org/officeDocument/2006/relationships" xmlns:p="http://schemas.openxmlformats.org/presentationml/2006/main">
   <p:cSld>
     <p:spTree>
@@ -4530,7 +6986,7 @@
           <a:p>
             <a:fld id="{999F46FA-4938-441E-B37C-E27597AB75D6}" type="slidenum">
               <a:rPr lang="de-DE" smtClean="0"/>
-              <a:t>2</a:t>
+              <a:t>3</a:t>
             </a:fld>
             <a:endParaRPr lang="de-DE"/>
           </a:p>
@@ -4590,7 +7046,7 @@
 </p:sld>
 </file>
 
-<file path=ppt/slides/slide3.xml><?xml version="1.0" encoding="utf-8"?>
+<file path=ppt/slides/slide4.xml><?xml version="1.0" encoding="utf-8"?>
 <p:sld xmlns:a="http://schemas.openxmlformats.org/drawingml/2006/main" xmlns:r="http://schemas.openxmlformats.org/officeDocument/2006/relationships" xmlns:p="http://schemas.openxmlformats.org/presentationml/2006/main">
   <p:cSld>
     <p:spTree>
@@ -5684,8 +8140,8 @@
           </a:p>
         </p:txBody>
       </p:sp>
-      <mc:AlternateContent xmlns:mc="http://schemas.openxmlformats.org/markup-compatibility/2006">
-        <mc:Choice xmlns:pslz="http://schemas.microsoft.com/office/powerpoint/2016/slidezoom" Requires="pslz">
+      <mc:AlternateContent xmlns:mc="http://schemas.openxmlformats.org/markup-compatibility/2006" xmlns:pslz="http://schemas.microsoft.com/office/powerpoint/2016/slidezoom">
+        <mc:Choice Requires="pslz">
           <p:graphicFrame>
             <p:nvGraphicFramePr>
               <p:cNvPr id="9" name="Folienzoom 8">
@@ -5742,7 +8198,7 @@
             </a:graphic>
           </p:graphicFrame>
         </mc:Choice>
-        <mc:Fallback>
+        <mc:Fallback xmlns="">
           <p:pic>
             <p:nvPicPr>
               <p:cNvPr id="9" name="Folienzoom 8">
@@ -5759,7 +8215,7 @@
               <p:nvPr/>
             </p:nvPicPr>
             <p:blipFill>
-              <a:blip r:embed="rId2"/>
+              <a:blip r:embed="rId4"/>
               <a:stretch>
                 <a:fillRect/>
               </a:stretch>
@@ -5804,7 +8260,7 @@
           <a:p>
             <a:fld id="{999F46FA-4938-441E-B37C-E27597AB75D6}" type="slidenum">
               <a:rPr lang="de-DE" smtClean="0"/>
-              <a:t>3</a:t>
+              <a:t>4</a:t>
             </a:fld>
             <a:endParaRPr lang="de-DE"/>
           </a:p>
@@ -7069,7 +9525,7 @@
 </p:sld>
 </file>
 
-<file path=ppt/slides/slide4.xml><?xml version="1.0" encoding="utf-8"?>
+<file path=ppt/slides/slide5.xml><?xml version="1.0" encoding="utf-8"?>
 <p:sld xmlns:a="http://schemas.openxmlformats.org/drawingml/2006/main" xmlns:r="http://schemas.openxmlformats.org/officeDocument/2006/relationships" xmlns:p="http://schemas.openxmlformats.org/presentationml/2006/main">
   <p:cSld>
     <p:spTree>
@@ -7752,7 +10208,7 @@
           <a:p>
             <a:fld id="{999F46FA-4938-441E-B37C-E27597AB75D6}" type="slidenum">
               <a:rPr lang="de-DE" smtClean="0"/>
-              <a:t>4</a:t>
+              <a:t>5</a:t>
             </a:fld>
             <a:endParaRPr lang="de-DE"/>
           </a:p>
@@ -8023,7 +10479,7 @@
 </p:sld>
 </file>
 
-<file path=ppt/slides/slide5.xml><?xml version="1.0" encoding="utf-8"?>
+<file path=ppt/slides/slide6.xml><?xml version="1.0" encoding="utf-8"?>
 <p:sld xmlns:a="http://schemas.openxmlformats.org/drawingml/2006/main" xmlns:r="http://schemas.openxmlformats.org/officeDocument/2006/relationships" xmlns:p="http://schemas.openxmlformats.org/presentationml/2006/main">
   <p:cSld>
     <p:spTree>
@@ -12176,7 +14632,7 @@
           <a:p>
             <a:fld id="{999F46FA-4938-441E-B37C-E27597AB75D6}" type="slidenum">
               <a:rPr lang="de-DE" smtClean="0"/>
-              <a:t>5</a:t>
+              <a:t>6</a:t>
             </a:fld>
             <a:endParaRPr lang="de-DE"/>
           </a:p>
@@ -15995,7 +18451,7 @@
 </p:sld>
 </file>
 
-<file path=ppt/slides/slide6.xml><?xml version="1.0" encoding="utf-8"?>
+<file path=ppt/slides/slide7.xml><?xml version="1.0" encoding="utf-8"?>
 <p:sld xmlns:a="http://schemas.openxmlformats.org/drawingml/2006/main" xmlns:r="http://schemas.openxmlformats.org/officeDocument/2006/relationships" xmlns:p="http://schemas.openxmlformats.org/presentationml/2006/main">
   <p:cSld>
     <p:spTree>
@@ -16358,7 +18814,7 @@
           <a:p>
             <a:fld id="{999F46FA-4938-441E-B37C-E27597AB75D6}" type="slidenum">
               <a:rPr lang="de-DE" smtClean="0"/>
-              <a:t>6</a:t>
+              <a:t>7</a:t>
             </a:fld>
             <a:endParaRPr lang="de-DE"/>
           </a:p>
@@ -16557,7 +19013,7 @@
 </p:sld>
 </file>
 
-<file path=ppt/slides/slide7.xml><?xml version="1.0" encoding="utf-8"?>
+<file path=ppt/slides/slide8.xml><?xml version="1.0" encoding="utf-8"?>
 <p:sld xmlns:a="http://schemas.openxmlformats.org/drawingml/2006/main" xmlns:r="http://schemas.openxmlformats.org/officeDocument/2006/relationships" xmlns:p="http://schemas.openxmlformats.org/presentationml/2006/main">
   <p:cSld>
     <p:spTree>
@@ -16715,7 +19171,7 @@
           <a:p>
             <a:fld id="{999F46FA-4938-441E-B37C-E27597AB75D6}" type="slidenum">
               <a:rPr lang="de-DE" smtClean="0"/>
-              <a:t>7</a:t>
+              <a:t>8</a:t>
             </a:fld>
             <a:endParaRPr lang="de-DE"/>
           </a:p>
@@ -16775,7 +19231,7 @@
 </p:sld>
 </file>
 
-<file path=ppt/slides/slide8.xml><?xml version="1.0" encoding="utf-8"?>
+<file path=ppt/slides/slide9.xml><?xml version="1.0" encoding="utf-8"?>
 <p:sld xmlns:a="http://schemas.openxmlformats.org/drawingml/2006/main" xmlns:r="http://schemas.openxmlformats.org/officeDocument/2006/relationships" xmlns:p="http://schemas.openxmlformats.org/presentationml/2006/main">
   <p:cSld>
     <p:spTree>
@@ -17361,7 +19817,7 @@
           <a:p>
             <a:fld id="{999F46FA-4938-441E-B37C-E27597AB75D6}" type="slidenum">
               <a:rPr lang="de-DE" smtClean="0"/>
-              <a:t>8</a:t>
+              <a:t>9</a:t>
             </a:fld>
             <a:endParaRPr lang="de-DE"/>
           </a:p>
@@ -17933,6 +20389,231 @@
 </file>
 
 <file path=ppt/theme/theme2.xml><?xml version="1.0" encoding="utf-8"?>
+<a:theme xmlns:a="http://schemas.openxmlformats.org/drawingml/2006/main" name="Office Theme">
+  <a:themeElements>
+    <a:clrScheme name="Office">
+      <a:dk1>
+        <a:sysClr val="windowText" lastClr="000000"/>
+      </a:dk1>
+      <a:lt1>
+        <a:sysClr val="window" lastClr="FFFFFF"/>
+      </a:lt1>
+      <a:dk2>
+        <a:srgbClr val="1F497D"/>
+      </a:dk2>
+      <a:lt2>
+        <a:srgbClr val="EEECE1"/>
+      </a:lt2>
+      <a:accent1>
+        <a:srgbClr val="4F81BD"/>
+      </a:accent1>
+      <a:accent2>
+        <a:srgbClr val="C0504D"/>
+      </a:accent2>
+      <a:accent3>
+        <a:srgbClr val="9BBB59"/>
+      </a:accent3>
+      <a:accent4>
+        <a:srgbClr val="8064A2"/>
+      </a:accent4>
+      <a:accent5>
+        <a:srgbClr val="4BACC6"/>
+      </a:accent5>
+      <a:accent6>
+        <a:srgbClr val="F79646"/>
+      </a:accent6>
+      <a:hlink>
+        <a:srgbClr val="0000FF"/>
+      </a:hlink>
+      <a:folHlink>
+        <a:srgbClr val="800080"/>
+      </a:folHlink>
+    </a:clrScheme>
+    <a:fontScheme name="Office">
+      <a:majorFont>
+        <a:latin typeface="Arial"/>
+        <a:ea typeface="DejaVu Sans"/>
+        <a:cs typeface="DejaVu Sans"/>
+      </a:majorFont>
+      <a:minorFont>
+        <a:latin typeface="Arial"/>
+        <a:ea typeface="DejaVu Sans"/>
+        <a:cs typeface="DejaVu Sans"/>
+      </a:minorFont>
+    </a:fontScheme>
+    <a:fmtScheme name="Office">
+      <a:fillStyleLst>
+        <a:solidFill>
+          <a:schemeClr val="phClr"/>
+        </a:solidFill>
+        <a:gradFill rotWithShape="1">
+          <a:gsLst>
+            <a:gs pos="0">
+              <a:schemeClr val="phClr">
+                <a:tint val="50000"/>
+                <a:satMod val="300000"/>
+              </a:schemeClr>
+            </a:gs>
+            <a:gs pos="35000">
+              <a:schemeClr val="phClr">
+                <a:tint val="37000"/>
+                <a:satMod val="300000"/>
+              </a:schemeClr>
+            </a:gs>
+            <a:gs pos="100000">
+              <a:schemeClr val="phClr">
+                <a:tint val="15000"/>
+                <a:satMod val="350000"/>
+              </a:schemeClr>
+            </a:gs>
+          </a:gsLst>
+          <a:lin ang="16200000" scaled="1"/>
+        </a:gradFill>
+        <a:gradFill rotWithShape="1">
+          <a:gsLst>
+            <a:gs pos="0">
+              <a:schemeClr val="phClr">
+                <a:shade val="51000"/>
+                <a:satMod val="130000"/>
+              </a:schemeClr>
+            </a:gs>
+            <a:gs pos="80000">
+              <a:schemeClr val="phClr">
+                <a:shade val="93000"/>
+                <a:satMod val="130000"/>
+              </a:schemeClr>
+            </a:gs>
+            <a:gs pos="100000">
+              <a:schemeClr val="phClr">
+                <a:shade val="94000"/>
+                <a:satMod val="135000"/>
+              </a:schemeClr>
+            </a:gs>
+          </a:gsLst>
+          <a:lin ang="16200000" scaled="0"/>
+        </a:gradFill>
+      </a:fillStyleLst>
+      <a:lnStyleLst>
+        <a:ln w="9525" cap="flat" cmpd="sng" algn="ctr">
+          <a:solidFill>
+            <a:schemeClr val="phClr">
+              <a:shade val="95000"/>
+              <a:satMod val="105000"/>
+            </a:schemeClr>
+          </a:solidFill>
+          <a:prstDash val="solid"/>
+        </a:ln>
+        <a:ln w="25400" cap="flat" cmpd="sng" algn="ctr">
+          <a:solidFill>
+            <a:schemeClr val="phClr"/>
+          </a:solidFill>
+          <a:prstDash val="solid"/>
+        </a:ln>
+        <a:ln w="38100" cap="flat" cmpd="sng" algn="ctr">
+          <a:solidFill>
+            <a:schemeClr val="phClr"/>
+          </a:solidFill>
+          <a:prstDash val="solid"/>
+        </a:ln>
+      </a:lnStyleLst>
+      <a:effectStyleLst>
+        <a:effectStyle>
+          <a:effectLst>
+            <a:outerShdw blurRad="40000" dist="20000" dir="5400000" rotWithShape="0">
+              <a:srgbClr val="000000">
+                <a:alpha val="38000"/>
+              </a:srgbClr>
+            </a:outerShdw>
+          </a:effectLst>
+        </a:effectStyle>
+        <a:effectStyle>
+          <a:effectLst>
+            <a:outerShdw blurRad="40000" dist="23000" dir="5400000" rotWithShape="0">
+              <a:srgbClr val="000000">
+                <a:alpha val="35000"/>
+              </a:srgbClr>
+            </a:outerShdw>
+          </a:effectLst>
+        </a:effectStyle>
+        <a:effectStyle>
+          <a:effectLst>
+            <a:outerShdw blurRad="40000" dist="23000" dir="5400000" rotWithShape="0">
+              <a:srgbClr val="000000">
+                <a:alpha val="35000"/>
+              </a:srgbClr>
+            </a:outerShdw>
+          </a:effectLst>
+          <a:scene3d>
+            <a:camera prst="orthographicFront">
+              <a:rot lat="0" lon="0" rev="0"/>
+            </a:camera>
+            <a:lightRig rig="threePt" dir="t">
+              <a:rot lat="0" lon="0" rev="1200000"/>
+            </a:lightRig>
+          </a:scene3d>
+          <a:sp3d>
+            <a:bevelT w="63500" h="25400"/>
+          </a:sp3d>
+        </a:effectStyle>
+      </a:effectStyleLst>
+      <a:bgFillStyleLst>
+        <a:solidFill>
+          <a:schemeClr val="phClr"/>
+        </a:solidFill>
+        <a:gradFill rotWithShape="1">
+          <a:gsLst>
+            <a:gs pos="0">
+              <a:schemeClr val="phClr">
+                <a:tint val="40000"/>
+                <a:satMod val="350000"/>
+              </a:schemeClr>
+            </a:gs>
+            <a:gs pos="40000">
+              <a:schemeClr val="phClr">
+                <a:tint val="45000"/>
+                <a:shade val="99000"/>
+                <a:satMod val="350000"/>
+              </a:schemeClr>
+            </a:gs>
+            <a:gs pos="100000">
+              <a:schemeClr val="phClr">
+                <a:shade val="20000"/>
+                <a:satMod val="255000"/>
+              </a:schemeClr>
+            </a:gs>
+          </a:gsLst>
+          <a:path path="circle">
+            <a:fillToRect l="50000" t="-80000" r="50000" b="180000"/>
+          </a:path>
+        </a:gradFill>
+        <a:gradFill rotWithShape="1">
+          <a:gsLst>
+            <a:gs pos="0">
+              <a:schemeClr val="phClr">
+                <a:tint val="80000"/>
+                <a:satMod val="300000"/>
+              </a:schemeClr>
+            </a:gs>
+            <a:gs pos="100000">
+              <a:schemeClr val="phClr">
+                <a:shade val="30000"/>
+                <a:satMod val="200000"/>
+              </a:schemeClr>
+            </a:gs>
+          </a:gsLst>
+          <a:path path="circle">
+            <a:fillToRect l="50000" t="50000" r="50000" b="50000"/>
+          </a:path>
+        </a:gradFill>
+      </a:bgFillStyleLst>
+    </a:fmtScheme>
+  </a:themeElements>
+  <a:objectDefaults/>
+  <a:extraClrSchemeLst/>
+</a:theme>
+</file>
+
+<file path=ppt/theme/theme3.xml><?xml version="1.0" encoding="utf-8"?>
 <a:theme xmlns:a="http://schemas.openxmlformats.org/drawingml/2006/main" name="Office">
   <a:themeElements>
     <a:clrScheme name="Office">

--- a/K-means clustering.pptx
+++ b/K-means clustering.pptx
@@ -7006,7 +7006,7 @@
         </p:nvSpPr>
         <p:spPr>
           <a:xfrm>
-            <a:off x="106017" y="6466370"/>
+            <a:off x="1855304" y="5552663"/>
             <a:ext cx="7911548" cy="338554"/>
           </a:xfrm>
           <a:prstGeom prst="rect">

--- a/K-means clustering.pptx
+++ b/K-means clustering.pptx
@@ -16,7 +16,7 @@
     <p:sldId id="266" r:id="rId7"/>
     <p:sldId id="267" r:id="rId8"/>
     <p:sldId id="257" r:id="rId9"/>
-    <p:sldId id="269" r:id="rId10"/>
+    <p:sldId id="273" r:id="rId10"/>
     <p:sldId id="270" r:id="rId11"/>
   </p:sldIdLst>
   <p:sldSz cx="12192000" cy="6858000"/>
@@ -5787,7 +5787,7 @@
           <a:p>
             <a:pPr algn="r"/>
             <a:r>
-              <a:rPr lang="de-DE" sz="5400" dirty="0">
+              <a:rPr lang="de-DE" sz="5400" b="1" dirty="0">
                 <a:solidFill>
                   <a:srgbClr val="FFFFFF"/>
                 </a:solidFill>
@@ -5795,7 +5795,7 @@
               <a:t>K-</a:t>
             </a:r>
             <a:r>
-              <a:rPr lang="de-DE" sz="5400" dirty="0" err="1">
+              <a:rPr lang="de-DE" sz="5400" b="1" dirty="0" err="1">
                 <a:solidFill>
                   <a:srgbClr val="FFFFFF"/>
                 </a:solidFill>
@@ -5803,7 +5803,7 @@
               <a:t>means</a:t>
             </a:r>
             <a:r>
-              <a:rPr lang="de-DE" sz="5400" dirty="0">
+              <a:rPr lang="de-DE" sz="5400" b="1" dirty="0">
                 <a:solidFill>
                   <a:srgbClr val="FFFFFF"/>
                 </a:solidFill>
@@ -5811,7 +5811,7 @@
               <a:t> </a:t>
             </a:r>
             <a:r>
-              <a:rPr lang="de-DE" sz="5400" dirty="0" err="1">
+              <a:rPr lang="de-DE" sz="5400" b="1" dirty="0" err="1">
                 <a:solidFill>
                   <a:srgbClr val="FFFFFF"/>
                 </a:solidFill>
@@ -5819,7 +5819,7 @@
               <a:t>clustering</a:t>
             </a:r>
             <a:r>
-              <a:rPr lang="de-DE" sz="5400" dirty="0">
+              <a:rPr lang="de-DE" sz="5400" b="1" dirty="0">
                 <a:solidFill>
                   <a:srgbClr val="FFFFFF"/>
                 </a:solidFill>
@@ -5827,14 +5827,14 @@
               <a:t> – Project </a:t>
             </a:r>
             <a:r>
-              <a:rPr lang="de-DE" sz="5400" dirty="0" err="1">
+              <a:rPr lang="de-DE" sz="5400" b="1" dirty="0" err="1">
                 <a:solidFill>
                   <a:srgbClr val="FFFFFF"/>
                 </a:solidFill>
               </a:rPr>
               <a:t>proposal</a:t>
             </a:r>
-            <a:endParaRPr lang="de-DE" sz="5400" dirty="0">
+            <a:endParaRPr lang="de-DE" sz="5400" b="1" dirty="0">
               <a:solidFill>
                 <a:srgbClr val="FFFFFF"/>
               </a:solidFill>
@@ -6062,6 +6062,60 @@
           </a:p>
         </p:txBody>
       </p:sp>
+      <p:sp>
+        <p:nvSpPr>
+          <p:cNvPr id="6" name="Rechteck 5">
+            <a:extLst>
+              <a:ext uri="{FF2B5EF4-FFF2-40B4-BE49-F238E27FC236}">
+                <a16:creationId xmlns:a16="http://schemas.microsoft.com/office/drawing/2014/main" id="{0C6A2B48-3FBD-412E-922C-A3C3F8FA76EB}"/>
+              </a:ext>
+            </a:extLst>
+          </p:cNvPr>
+          <p:cNvSpPr/>
+          <p:nvPr/>
+        </p:nvSpPr>
+        <p:spPr>
+          <a:xfrm>
+            <a:off x="6233437" y="5825958"/>
+            <a:ext cx="4611860" cy="461665"/>
+          </a:xfrm>
+          <a:prstGeom prst="rect">
+            <a:avLst/>
+          </a:prstGeom>
+        </p:spPr>
+        <p:txBody>
+          <a:bodyPr wrap="square">
+            <a:spAutoFit/>
+          </a:bodyPr>
+          <a:lstStyle/>
+          <a:p>
+            <a:r>
+              <a:rPr lang="de-DE" sz="1200" dirty="0">
+                <a:solidFill>
+                  <a:schemeClr val="bg1">
+                    <a:lumMod val="50000"/>
+                  </a:schemeClr>
+                </a:solidFill>
+                <a:hlinkClick r:id="rId3">
+                  <a:extLst>
+                    <a:ext uri="{A12FA001-AC4F-418D-AE19-62706E023703}">
+                      <ahyp:hlinkClr xmlns:ahyp="http://schemas.microsoft.com/office/drawing/2018/hyperlinkcolor" val="tx"/>
+                    </a:ext>
+                  </a:extLst>
+                </a:hlinkClick>
+              </a:rPr>
+              <a:t>https://aws.amazon.com/de/blogs/machine-learning/k-means-clustering-with-amazon-sagemaker/</a:t>
+            </a:r>
+            <a:endParaRPr lang="de-DE" sz="1200" dirty="0">
+              <a:solidFill>
+                <a:schemeClr val="bg1">
+                  <a:lumMod val="50000"/>
+                </a:schemeClr>
+              </a:solidFill>
+            </a:endParaRPr>
+          </a:p>
+        </p:txBody>
+      </p:sp>
     </p:spTree>
     <p:extLst>
       <p:ext uri="{BB962C8B-B14F-4D97-AF65-F5344CB8AC3E}">
@@ -6094,83 +6148,36 @@
       </p:grpSpPr>
       <p:sp>
         <p:nvSpPr>
-          <p:cNvPr id="4" name="Rechteck 3">
-            <a:extLst>
-              <a:ext uri="{FF2B5EF4-FFF2-40B4-BE49-F238E27FC236}">
-                <a16:creationId xmlns:a16="http://schemas.microsoft.com/office/drawing/2014/main" id="{31D922BD-85B0-4CF6-A69A-139BB2401647}"/>
-              </a:ext>
-            </a:extLst>
-          </p:cNvPr>
-          <p:cNvSpPr/>
-          <p:nvPr/>
-        </p:nvSpPr>
-        <p:spPr>
-          <a:xfrm>
-            <a:off x="0" y="-30083"/>
-            <a:ext cx="12192000" cy="1341230"/>
-          </a:xfrm>
-          <a:prstGeom prst="rect">
-            <a:avLst/>
-          </a:prstGeom>
-          <a:ln>
-            <a:noFill/>
-          </a:ln>
-        </p:spPr>
-        <p:style>
-          <a:lnRef idx="2">
-            <a:schemeClr val="accent1">
-              <a:shade val="50000"/>
-            </a:schemeClr>
-          </a:lnRef>
-          <a:fillRef idx="1">
-            <a:schemeClr val="accent1"/>
-          </a:fillRef>
-          <a:effectRef idx="0">
-            <a:schemeClr val="accent1"/>
-          </a:effectRef>
-          <a:fontRef idx="minor">
-            <a:schemeClr val="lt1"/>
-          </a:fontRef>
-        </p:style>
-        <p:txBody>
-          <a:bodyPr rtlCol="0" anchor="ctr"/>
-          <a:lstStyle/>
-          <a:p>
-            <a:pPr algn="ctr"/>
-            <a:endParaRPr lang="de-DE"/>
-          </a:p>
-        </p:txBody>
-      </p:sp>
-      <p:sp>
-        <p:nvSpPr>
           <p:cNvPr id="119" name="CustomShape 1"/>
           <p:cNvSpPr/>
           <p:nvPr/>
         </p:nvSpPr>
         <p:spPr>
           <a:xfrm>
-            <a:off x="838080" y="243914"/>
-            <a:ext cx="10514520" cy="1324440"/>
+            <a:off x="0" y="243914"/>
+            <a:ext cx="12192000" cy="1324440"/>
           </a:xfrm>
           <a:prstGeom prst="rect">
             <a:avLst/>
           </a:prstGeom>
-          <a:noFill/>
-          <a:ln>
-            <a:noFill/>
-          </a:ln>
+          <a:solidFill>
+            <a:schemeClr val="accent1"/>
+          </a:solidFill>
+          <a:ln/>
         </p:spPr>
         <p:style>
-          <a:lnRef idx="0">
-            <a:scrgbClr r="0" g="0" b="0"/>
+          <a:lnRef idx="2">
+            <a:schemeClr val="accent1"/>
           </a:lnRef>
-          <a:fillRef idx="0">
-            <a:scrgbClr r="0" g="0" b="0"/>
+          <a:fillRef idx="1">
+            <a:schemeClr val="lt1"/>
           </a:fillRef>
           <a:effectRef idx="0">
-            <a:scrgbClr r="0" g="0" b="0"/>
+            <a:schemeClr val="accent1"/>
           </a:effectRef>
-          <a:fontRef idx="minor"/>
+          <a:fontRef idx="minor">
+            <a:schemeClr val="dk1"/>
+          </a:fontRef>
         </p:style>
         <p:txBody>
           <a:bodyPr lIns="90000" tIns="45000" rIns="90000" bIns="45000" anchor="ctr"/>
@@ -6207,7 +6214,7 @@
                 <a:latin typeface="Calibri Light"/>
                 <a:ea typeface="DejaVu Sans"/>
               </a:rPr>
-              <a:t>Data</a:t>
+              <a:t>	Data</a:t>
             </a:r>
             <a:endParaRPr kumimoji="0" lang="de-DE" sz="4400" b="0" i="0" u="none" strike="noStrike" kern="1200" cap="none" spc="-1" normalizeH="0" baseline="0" noProof="0" dirty="0">
               <a:ln>
@@ -7063,43 +7070,6 @@
           <a:chExt cx="0" cy="0"/>
         </a:xfrm>
       </p:grpSpPr>
-      <p:sp>
-        <p:nvSpPr>
-          <p:cNvPr id="2" name="Titel 1">
-            <a:extLst>
-              <a:ext uri="{FF2B5EF4-FFF2-40B4-BE49-F238E27FC236}">
-                <a16:creationId xmlns:a16="http://schemas.microsoft.com/office/drawing/2014/main" id="{AA7FF191-3757-474C-B7F8-9C73F0ED82C5}"/>
-              </a:ext>
-            </a:extLst>
-          </p:cNvPr>
-          <p:cNvSpPr>
-            <a:spLocks noGrp="1"/>
-          </p:cNvSpPr>
-          <p:nvPr>
-            <p:ph type="title"/>
-          </p:nvPr>
-        </p:nvSpPr>
-        <p:spPr>
-          <a:solidFill>
-            <a:schemeClr val="bg1"/>
-          </a:solidFill>
-        </p:spPr>
-        <p:txBody>
-          <a:bodyPr/>
-          <a:lstStyle/>
-          <a:p>
-            <a:r>
-              <a:rPr lang="de-DE" b="1" dirty="0"/>
-              <a:t>Project plan -&gt; 10 </a:t>
-            </a:r>
-            <a:r>
-              <a:rPr lang="de-DE" b="1" dirty="0" err="1"/>
-              <a:t>weeks</a:t>
-            </a:r>
-            <a:endParaRPr lang="de-DE" b="1" dirty="0"/>
-          </a:p>
-        </p:txBody>
-      </p:sp>
       <p:cxnSp>
         <p:nvCxnSpPr>
           <p:cNvPr id="5" name="Gerader Verbinder 4">
@@ -7196,6 +7166,64 @@
           <a:p>
             <a:pPr algn="ctr"/>
             <a:endParaRPr lang="de-DE"/>
+          </a:p>
+        </p:txBody>
+      </p:sp>
+      <p:sp>
+        <p:nvSpPr>
+          <p:cNvPr id="2" name="Titel 1">
+            <a:extLst>
+              <a:ext uri="{FF2B5EF4-FFF2-40B4-BE49-F238E27FC236}">
+                <a16:creationId xmlns:a16="http://schemas.microsoft.com/office/drawing/2014/main" id="{AA7FF191-3757-474C-B7F8-9C73F0ED82C5}"/>
+              </a:ext>
+            </a:extLst>
+          </p:cNvPr>
+          <p:cNvSpPr>
+            <a:spLocks noGrp="1"/>
+          </p:cNvSpPr>
+          <p:nvPr>
+            <p:ph type="title"/>
+          </p:nvPr>
+        </p:nvSpPr>
+        <p:spPr>
+          <a:xfrm>
+            <a:off x="0" y="365125"/>
+            <a:ext cx="12192000" cy="1325563"/>
+          </a:xfrm>
+          <a:solidFill>
+            <a:schemeClr val="accent1"/>
+          </a:solidFill>
+          <a:ln>
+            <a:noFill/>
+          </a:ln>
+        </p:spPr>
+        <p:style>
+          <a:lnRef idx="0">
+            <a:scrgbClr r="0" g="0" b="0"/>
+          </a:lnRef>
+          <a:fillRef idx="0">
+            <a:scrgbClr r="0" g="0" b="0"/>
+          </a:fillRef>
+          <a:effectRef idx="0">
+            <a:scrgbClr r="0" g="0" b="0"/>
+          </a:effectRef>
+          <a:fontRef idx="minor">
+            <a:schemeClr val="lt1"/>
+          </a:fontRef>
+        </p:style>
+        <p:txBody>
+          <a:bodyPr/>
+          <a:lstStyle/>
+          <a:p>
+            <a:r>
+              <a:rPr lang="de-DE" b="1" dirty="0"/>
+              <a:t>	Project </a:t>
+            </a:r>
+            <a:r>
+              <a:rPr lang="de-DE" b="1" dirty="0" err="1"/>
+              <a:t>schedule</a:t>
+            </a:r>
+            <a:endParaRPr lang="de-DE" b="1" dirty="0"/>
           </a:p>
         </p:txBody>
       </p:sp>
@@ -8140,103 +8168,6 @@
           </a:p>
         </p:txBody>
       </p:sp>
-      <mc:AlternateContent xmlns:mc="http://schemas.openxmlformats.org/markup-compatibility/2006" xmlns:pslz="http://schemas.microsoft.com/office/powerpoint/2016/slidezoom">
-        <mc:Choice Requires="pslz">
-          <p:graphicFrame>
-            <p:nvGraphicFramePr>
-              <p:cNvPr id="9" name="Folienzoom 8">
-                <a:extLst>
-                  <a:ext uri="{FF2B5EF4-FFF2-40B4-BE49-F238E27FC236}">
-                    <a16:creationId xmlns:a16="http://schemas.microsoft.com/office/drawing/2014/main" id="{ED853E5B-51BF-4134-B498-7900877E6980}"/>
-                  </a:ext>
-                </a:extLst>
-              </p:cNvPr>
-              <p:cNvGraphicFramePr>
-                <a:graphicFrameLocks noChangeAspect="1"/>
-              </p:cNvGraphicFramePr>
-              <p:nvPr>
-                <p:extLst>
-                  <p:ext uri="{D42A27DB-BD31-4B8C-83A1-F6EECF244321}">
-                    <p14:modId xmlns:p14="http://schemas.microsoft.com/office/powerpoint/2010/main" val="1893271608"/>
-                  </p:ext>
-                </p:extLst>
-              </p:nvPr>
-            </p:nvGraphicFramePr>
-            <p:xfrm>
-              <a:off x="1463166" y="-77551"/>
-              <a:ext cx="3048000" cy="1714500"/>
-            </p:xfrm>
-            <a:graphic>
-              <a:graphicData uri="http://schemas.microsoft.com/office/powerpoint/2016/slidezoom">
-                <pslz:sldZm>
-                  <pslz:sldZmObj sldId="267" cId="1490749823">
-                    <pslz:zmPr id="{DE76561A-F4F4-40F0-90F9-AB9FB62C9969}" returnToParent="0" transitionDur="1000">
-                      <p166:blipFill xmlns:p166="http://schemas.microsoft.com/office/powerpoint/2016/6/main">
-                        <a:blip r:embed="rId2"/>
-                        <a:stretch>
-                          <a:fillRect/>
-                        </a:stretch>
-                      </p166:blipFill>
-                      <p166:spPr xmlns:p166="http://schemas.microsoft.com/office/powerpoint/2016/6/main">
-                        <a:xfrm>
-                          <a:off x="0" y="0"/>
-                          <a:ext cx="3048000" cy="1714500"/>
-                        </a:xfrm>
-                        <a:prstGeom prst="rect">
-                          <a:avLst/>
-                        </a:prstGeom>
-                        <a:ln w="3175">
-                          <a:solidFill>
-                            <a:prstClr val="ltGray"/>
-                          </a:solidFill>
-                        </a:ln>
-                      </p166:spPr>
-                    </pslz:zmPr>
-                  </pslz:sldZmObj>
-                </pslz:sldZm>
-              </a:graphicData>
-            </a:graphic>
-          </p:graphicFrame>
-        </mc:Choice>
-        <mc:Fallback xmlns="">
-          <p:pic>
-            <p:nvPicPr>
-              <p:cNvPr id="9" name="Folienzoom 8">
-                <a:hlinkClick r:id="rId3" action="ppaction://hlinksldjump"/>
-                <a:extLst>
-                  <a:ext uri="{FF2B5EF4-FFF2-40B4-BE49-F238E27FC236}">
-                    <a16:creationId xmlns:a16="http://schemas.microsoft.com/office/drawing/2014/main" id="{ED853E5B-51BF-4134-B498-7900877E6980}"/>
-                  </a:ext>
-                </a:extLst>
-              </p:cNvPr>
-              <p:cNvPicPr>
-                <a:picLocks noGrp="1" noRot="1" noChangeAspect="1" noMove="1" noResize="1" noEditPoints="1" noAdjustHandles="1" noChangeArrowheads="1" noChangeShapeType="1"/>
-              </p:cNvPicPr>
-              <p:nvPr/>
-            </p:nvPicPr>
-            <p:blipFill>
-              <a:blip r:embed="rId4"/>
-              <a:stretch>
-                <a:fillRect/>
-              </a:stretch>
-            </p:blipFill>
-            <p:spPr>
-              <a:xfrm>
-                <a:off x="1463166" y="-77551"/>
-                <a:ext cx="3048000" cy="1714500"/>
-              </a:xfrm>
-              <a:prstGeom prst="rect">
-                <a:avLst/>
-              </a:prstGeom>
-              <a:ln w="3175">
-                <a:solidFill>
-                  <a:prstClr val="ltGray"/>
-                </a:solidFill>
-              </a:ln>
-            </p:spPr>
-          </p:pic>
-        </mc:Fallback>
-      </mc:AlternateContent>
       <p:sp>
         <p:nvSpPr>
           <p:cNvPr id="8" name="Foliennummernplatzhalter 7">
@@ -10498,55 +10429,6 @@
       </p:grpSpPr>
       <p:sp>
         <p:nvSpPr>
-          <p:cNvPr id="74" name="Rechteck 73">
-            <a:extLst>
-              <a:ext uri="{FF2B5EF4-FFF2-40B4-BE49-F238E27FC236}">
-                <a16:creationId xmlns:a16="http://schemas.microsoft.com/office/drawing/2014/main" id="{6856791A-58BB-495E-86D8-1A73C24147D6}"/>
-              </a:ext>
-            </a:extLst>
-          </p:cNvPr>
-          <p:cNvSpPr/>
-          <p:nvPr/>
-        </p:nvSpPr>
-        <p:spPr>
-          <a:xfrm>
-            <a:off x="0" y="-30083"/>
-            <a:ext cx="12192000" cy="1341230"/>
-          </a:xfrm>
-          <a:prstGeom prst="rect">
-            <a:avLst/>
-          </a:prstGeom>
-          <a:ln>
-            <a:noFill/>
-          </a:ln>
-        </p:spPr>
-        <p:style>
-          <a:lnRef idx="2">
-            <a:schemeClr val="accent1">
-              <a:shade val="50000"/>
-            </a:schemeClr>
-          </a:lnRef>
-          <a:fillRef idx="1">
-            <a:schemeClr val="accent1"/>
-          </a:fillRef>
-          <a:effectRef idx="0">
-            <a:schemeClr val="accent1"/>
-          </a:effectRef>
-          <a:fontRef idx="minor">
-            <a:schemeClr val="lt1"/>
-          </a:fontRef>
-        </p:style>
-        <p:txBody>
-          <a:bodyPr rtlCol="0" anchor="ctr"/>
-          <a:lstStyle/>
-          <a:p>
-            <a:pPr algn="ctr"/>
-            <a:endParaRPr lang="de-DE"/>
-          </a:p>
-        </p:txBody>
-      </p:sp>
-      <p:sp>
-        <p:nvSpPr>
           <p:cNvPr id="2" name="Titel 1">
             <a:extLst>
               <a:ext uri="{FF2B5EF4-FFF2-40B4-BE49-F238E27FC236}">
@@ -10563,10 +10445,12 @@
         </p:nvSpPr>
         <p:spPr>
           <a:xfrm>
-            <a:off x="352447" y="284259"/>
-            <a:ext cx="10515600" cy="1325563"/>
+            <a:off x="0" y="284259"/>
+            <a:ext cx="12192000" cy="1325563"/>
           </a:xfrm>
-          <a:noFill/>
+          <a:solidFill>
+            <a:schemeClr val="accent1"/>
+          </a:solidFill>
         </p:spPr>
         <p:txBody>
           <a:bodyPr/>
@@ -10578,7 +10462,7 @@
                   <a:schemeClr val="bg1"/>
                 </a:solidFill>
               </a:rPr>
-              <a:t>Project </a:t>
+              <a:t>	Project </a:t>
             </a:r>
             <a:r>
               <a:rPr lang="de-DE" b="1" dirty="0" err="1">
@@ -14244,7 +14128,7 @@
         <p:spPr>
           <a:xfrm>
             <a:off x="7079143" y="1949263"/>
-            <a:ext cx="2753222" cy="646331"/>
+            <a:ext cx="2753222" cy="369332"/>
           </a:xfrm>
           <a:prstGeom prst="rect">
             <a:avLst/>
@@ -14259,6 +14143,16 @@
           <a:p>
             <a:pPr algn="ctr"/>
             <a:r>
+              <a:rPr lang="de-DE" dirty="0">
+                <a:solidFill>
+                  <a:schemeClr val="accent6">
+                    <a:lumMod val="75000"/>
+                  </a:schemeClr>
+                </a:solidFill>
+              </a:rPr>
+              <a:t>Dataset </a:t>
+            </a:r>
+            <a:r>
               <a:rPr lang="de-DE" dirty="0" err="1">
                 <a:solidFill>
                   <a:schemeClr val="accent6">
@@ -14266,47 +14160,7 @@
                   </a:schemeClr>
                 </a:solidFill>
               </a:rPr>
-              <a:t>Preprocessing</a:t>
-            </a:r>
-            <a:r>
-              <a:rPr lang="de-DE" dirty="0">
-                <a:solidFill>
-                  <a:schemeClr val="accent6">
-                    <a:lumMod val="75000"/>
-                  </a:schemeClr>
-                </a:solidFill>
-              </a:rPr>
-              <a:t> </a:t>
-            </a:r>
-            <a:r>
-              <a:rPr lang="de-DE" dirty="0" err="1">
-                <a:solidFill>
-                  <a:schemeClr val="accent6">
-                    <a:lumMod val="75000"/>
-                  </a:schemeClr>
-                </a:solidFill>
-              </a:rPr>
-              <a:t>of</a:t>
-            </a:r>
-            <a:r>
-              <a:rPr lang="de-DE" dirty="0">
-                <a:solidFill>
-                  <a:schemeClr val="accent6">
-                    <a:lumMod val="75000"/>
-                  </a:schemeClr>
-                </a:solidFill>
-              </a:rPr>
-              <a:t> </a:t>
-            </a:r>
-            <a:r>
-              <a:rPr lang="de-DE" dirty="0" err="1">
-                <a:solidFill>
-                  <a:schemeClr val="accent6">
-                    <a:lumMod val="75000"/>
-                  </a:schemeClr>
-                </a:solidFill>
-              </a:rPr>
-              <a:t>dataset</a:t>
+              <a:t>processing</a:t>
             </a:r>
             <a:r>
               <a:rPr lang="de-DE" dirty="0">
@@ -14484,7 +14338,7 @@
                   </a:schemeClr>
                 </a:solidFill>
               </a:rPr>
-              <a:t>Answer</a:t>
+              <a:t>Visualization</a:t>
             </a:r>
             <a:r>
               <a:rPr lang="de-DE" dirty="0">
@@ -14506,7 +14360,7 @@
                   </a:schemeClr>
                 </a:solidFill>
               </a:rPr>
-              <a:t>our</a:t>
+              <a:t>of</a:t>
             </a:r>
             <a:r>
               <a:rPr lang="de-DE" dirty="0">
@@ -14528,7 +14382,7 @@
                   </a:schemeClr>
                 </a:solidFill>
               </a:rPr>
-              <a:t>questions</a:t>
+              <a:t>results</a:t>
             </a:r>
             <a:r>
               <a:rPr lang="de-DE" dirty="0">
@@ -14541,6 +14395,13 @@
               </a:rPr>
               <a:t>,</a:t>
             </a:r>
+            <a:endParaRPr lang="de-DE" dirty="0">
+              <a:solidFill>
+                <a:schemeClr val="accent6">
+                  <a:lumMod val="75000"/>
+                </a:schemeClr>
+              </a:solidFill>
+            </a:endParaRPr>
           </a:p>
           <a:p>
             <a:pPr algn="ctr"/>
@@ -14553,7 +14414,7 @@
                   </a:schemeClr>
                 </a:solidFill>
               </a:rPr>
-              <a:t>Visualization</a:t>
+              <a:t>Answer</a:t>
             </a:r>
             <a:r>
               <a:rPr lang="de-DE" dirty="0">
@@ -14575,7 +14436,7 @@
                   </a:schemeClr>
                 </a:solidFill>
               </a:rPr>
-              <a:t>of</a:t>
+              <a:t>our</a:t>
             </a:r>
             <a:r>
               <a:rPr lang="de-DE" dirty="0">
@@ -14597,12 +14458,13 @@
                   </a:schemeClr>
                 </a:solidFill>
               </a:rPr>
-              <a:t>results</a:t>
+              <a:t>questions</a:t>
             </a:r>
             <a:endParaRPr lang="de-DE" dirty="0">
               <a:solidFill>
-                <a:schemeClr val="accent6">
-                  <a:lumMod val="75000"/>
+                <a:schemeClr val="accent1">
+                  <a:lumMod val="60000"/>
+                  <a:lumOff val="40000"/>
                 </a:schemeClr>
               </a:solidFill>
             </a:endParaRPr>
@@ -18470,55 +18332,6 @@
       </p:grpSpPr>
       <p:sp>
         <p:nvSpPr>
-          <p:cNvPr id="5" name="Rechteck 4">
-            <a:extLst>
-              <a:ext uri="{FF2B5EF4-FFF2-40B4-BE49-F238E27FC236}">
-                <a16:creationId xmlns:a16="http://schemas.microsoft.com/office/drawing/2014/main" id="{0DAB6E29-A1C9-46D0-8DEA-7C6A3A0AE7BD}"/>
-              </a:ext>
-            </a:extLst>
-          </p:cNvPr>
-          <p:cNvSpPr/>
-          <p:nvPr/>
-        </p:nvSpPr>
-        <p:spPr>
-          <a:xfrm>
-            <a:off x="0" y="-30083"/>
-            <a:ext cx="12192000" cy="1341230"/>
-          </a:xfrm>
-          <a:prstGeom prst="rect">
-            <a:avLst/>
-          </a:prstGeom>
-          <a:ln>
-            <a:noFill/>
-          </a:ln>
-        </p:spPr>
-        <p:style>
-          <a:lnRef idx="2">
-            <a:schemeClr val="accent1">
-              <a:shade val="50000"/>
-            </a:schemeClr>
-          </a:lnRef>
-          <a:fillRef idx="1">
-            <a:schemeClr val="accent1"/>
-          </a:fillRef>
-          <a:effectRef idx="0">
-            <a:schemeClr val="accent1"/>
-          </a:effectRef>
-          <a:fontRef idx="minor">
-            <a:schemeClr val="lt1"/>
-          </a:fontRef>
-        </p:style>
-        <p:txBody>
-          <a:bodyPr rtlCol="0" anchor="ctr"/>
-          <a:lstStyle/>
-          <a:p>
-            <a:pPr algn="ctr"/>
-            <a:endParaRPr lang="de-DE"/>
-          </a:p>
-        </p:txBody>
-      </p:sp>
-      <p:sp>
-        <p:nvSpPr>
           <p:cNvPr id="2" name="Titel 1">
             <a:extLst>
               <a:ext uri="{FF2B5EF4-FFF2-40B4-BE49-F238E27FC236}">
@@ -18535,24 +18348,27 @@
         </p:nvSpPr>
         <p:spPr>
           <a:xfrm>
-            <a:off x="467139" y="320675"/>
-            <a:ext cx="10515600" cy="1325563"/>
+            <a:off x="0" y="320675"/>
+            <a:ext cx="12192000" cy="1325563"/>
           </a:xfrm>
+          <a:solidFill>
+            <a:schemeClr val="accent1"/>
+          </a:solidFill>
         </p:spPr>
         <p:txBody>
           <a:bodyPr/>
           <a:lstStyle/>
           <a:p>
             <a:r>
-              <a:rPr lang="de-DE" dirty="0">
+              <a:rPr lang="de-DE" b="1" dirty="0">
                 <a:solidFill>
                   <a:schemeClr val="bg1"/>
                 </a:solidFill>
               </a:rPr>
-              <a:t>A </a:t>
-            </a:r>
-            <a:r>
-              <a:rPr lang="de-DE" dirty="0" err="1">
+              <a:t>	A </a:t>
+            </a:r>
+            <a:r>
+              <a:rPr lang="de-DE" b="1" dirty="0" err="1">
                 <a:solidFill>
                   <a:schemeClr val="bg1"/>
                 </a:solidFill>
@@ -18560,7 +18376,7 @@
               <a:t>few</a:t>
             </a:r>
             <a:r>
-              <a:rPr lang="de-DE" dirty="0">
+              <a:rPr lang="de-DE" b="1" dirty="0">
                 <a:solidFill>
                   <a:schemeClr val="bg1"/>
                 </a:solidFill>
@@ -18568,14 +18384,14 @@
               <a:t> </a:t>
             </a:r>
             <a:r>
-              <a:rPr lang="de-DE" dirty="0" err="1">
+              <a:rPr lang="de-DE" b="1" dirty="0" err="1">
                 <a:solidFill>
                   <a:schemeClr val="bg1"/>
                 </a:solidFill>
               </a:rPr>
               <a:t>questions</a:t>
             </a:r>
-            <a:endParaRPr lang="de-DE" dirty="0">
+            <a:endParaRPr lang="de-DE" b="1" dirty="0">
               <a:solidFill>
                 <a:schemeClr val="bg1"/>
               </a:solidFill>
@@ -19032,118 +18848,54 @@
       </p:grpSpPr>
       <p:sp>
         <p:nvSpPr>
-          <p:cNvPr id="6" name="Rechteck 5">
+          <p:cNvPr id="2" name="Titel 1">
             <a:extLst>
               <a:ext uri="{FF2B5EF4-FFF2-40B4-BE49-F238E27FC236}">
-                <a16:creationId xmlns:a16="http://schemas.microsoft.com/office/drawing/2014/main" id="{5C11CCB9-35AE-4273-8A94-8477E109518E}"/>
+                <a16:creationId xmlns:a16="http://schemas.microsoft.com/office/drawing/2014/main" id="{213F816A-4FB4-453C-81C1-80A107670877}"/>
               </a:ext>
             </a:extLst>
           </p:cNvPr>
-          <p:cNvSpPr/>
-          <p:nvPr/>
+          <p:cNvSpPr>
+            <a:spLocks noGrp="1"/>
+          </p:cNvSpPr>
+          <p:nvPr>
+            <p:ph type="title"/>
+          </p:nvPr>
         </p:nvSpPr>
         <p:spPr>
           <a:xfrm>
-            <a:off x="0" y="-30083"/>
-            <a:ext cx="12192000" cy="1341230"/>
+            <a:off x="0" y="365125"/>
+            <a:ext cx="12192000" cy="1325563"/>
           </a:xfrm>
-          <a:prstGeom prst="rect">
-            <a:avLst/>
-          </a:prstGeom>
-          <a:ln>
-            <a:noFill/>
-          </a:ln>
+          <a:solidFill>
+            <a:schemeClr val="accent1"/>
+          </a:solidFill>
         </p:spPr>
         <p:style>
           <a:lnRef idx="2">
-            <a:schemeClr val="accent1">
-              <a:shade val="50000"/>
-            </a:schemeClr>
+            <a:schemeClr val="accent1"/>
           </a:lnRef>
           <a:fillRef idx="1">
-            <a:schemeClr val="accent1"/>
+            <a:schemeClr val="lt1"/>
           </a:fillRef>
           <a:effectRef idx="0">
             <a:schemeClr val="accent1"/>
           </a:effectRef>
           <a:fontRef idx="minor">
-            <a:schemeClr val="lt1"/>
+            <a:schemeClr val="dk1"/>
           </a:fontRef>
         </p:style>
         <p:txBody>
-          <a:bodyPr rtlCol="0" anchor="ctr"/>
+          <a:bodyPr/>
           <a:lstStyle/>
           <a:p>
-            <a:pPr algn="ctr"/>
-            <a:endParaRPr lang="de-DE"/>
-          </a:p>
-        </p:txBody>
-      </p:sp>
-      <p:pic>
-        <p:nvPicPr>
-          <p:cNvPr id="2" name="Grafik 1">
-            <a:extLst>
-              <a:ext uri="{FF2B5EF4-FFF2-40B4-BE49-F238E27FC236}">
-                <a16:creationId xmlns:a16="http://schemas.microsoft.com/office/drawing/2014/main" id="{0CC9702E-AF60-42B1-85DA-1E6C6D27B02B}"/>
-              </a:ext>
-            </a:extLst>
-          </p:cNvPr>
-          <p:cNvPicPr>
-            <a:picLocks noChangeAspect="1"/>
-          </p:cNvPicPr>
-          <p:nvPr/>
-        </p:nvPicPr>
-        <p:blipFill>
-          <a:blip r:embed="rId2"/>
-          <a:stretch>
-            <a:fillRect/>
-          </a:stretch>
-        </p:blipFill>
-        <p:spPr>
-          <a:xfrm>
-            <a:off x="159025" y="1328898"/>
-            <a:ext cx="9952383" cy="5529102"/>
-          </a:xfrm>
-          <a:prstGeom prst="rect">
-            <a:avLst/>
-          </a:prstGeom>
-        </p:spPr>
-      </p:pic>
-      <p:sp>
-        <p:nvSpPr>
-          <p:cNvPr id="3" name="Textfeld 2">
-            <a:extLst>
-              <a:ext uri="{FF2B5EF4-FFF2-40B4-BE49-F238E27FC236}">
-                <a16:creationId xmlns:a16="http://schemas.microsoft.com/office/drawing/2014/main" id="{9B51D6A4-C7BB-4352-92A2-AD665867E133}"/>
-              </a:ext>
-            </a:extLst>
-          </p:cNvPr>
-          <p:cNvSpPr txBox="1"/>
-          <p:nvPr/>
-        </p:nvSpPr>
-        <p:spPr>
-          <a:xfrm>
-            <a:off x="727921" y="541706"/>
-            <a:ext cx="4545496" cy="769441"/>
-          </a:xfrm>
-          <a:prstGeom prst="rect">
-            <a:avLst/>
-          </a:prstGeom>
-          <a:noFill/>
-        </p:spPr>
-        <p:txBody>
-          <a:bodyPr wrap="square" rtlCol="0">
-            <a:spAutoFit/>
-          </a:bodyPr>
-          <a:lstStyle/>
-          <a:p>
-            <a:r>
-              <a:rPr lang="de-DE" sz="4400" dirty="0">
+            <a:r>
+              <a:rPr lang="de-DE" b="1" dirty="0">
                 <a:solidFill>
                   <a:schemeClr val="bg1"/>
                 </a:solidFill>
               </a:rPr>
-              <a:t>Goal…</a:t>
+              <a:t>	Goal</a:t>
             </a:r>
           </a:p>
         </p:txBody>
@@ -19153,7 +18905,7 @@
           <p:cNvPr id="4" name="Foliennummernplatzhalter 3">
             <a:extLst>
               <a:ext uri="{FF2B5EF4-FFF2-40B4-BE49-F238E27FC236}">
-                <a16:creationId xmlns:a16="http://schemas.microsoft.com/office/drawing/2014/main" id="{549EF755-1702-4F49-A160-D5EA8F244417}"/>
+                <a16:creationId xmlns:a16="http://schemas.microsoft.com/office/drawing/2014/main" id="{7D7D9291-5F7A-41FE-B1C2-E9A198DED732}"/>
               </a:ext>
             </a:extLst>
           </p:cNvPr>
@@ -19177,12 +18929,44 @@
           </a:p>
         </p:txBody>
       </p:sp>
+      <p:pic>
+        <p:nvPicPr>
+          <p:cNvPr id="5" name="Inhaltsplatzhalter 4">
+            <a:extLst>
+              <a:ext uri="{FF2B5EF4-FFF2-40B4-BE49-F238E27FC236}">
+                <a16:creationId xmlns:a16="http://schemas.microsoft.com/office/drawing/2014/main" id="{9EEC3188-442F-4AD9-945F-36CC603923F1}"/>
+              </a:ext>
+            </a:extLst>
+          </p:cNvPr>
+          <p:cNvPicPr>
+            <a:picLocks noGrp="1" noChangeAspect="1"/>
+          </p:cNvPicPr>
+          <p:nvPr>
+            <p:ph idx="1"/>
+          </p:nvPr>
+        </p:nvPicPr>
+        <p:blipFill>
+          <a:blip r:embed="rId2"/>
+          <a:stretch>
+            <a:fillRect/>
+          </a:stretch>
+        </p:blipFill>
+        <p:spPr>
+          <a:xfrm>
+            <a:off x="436948" y="2141537"/>
+            <a:ext cx="7832408" cy="4351338"/>
+          </a:xfrm>
+          <a:prstGeom prst="rect">
+            <a:avLst/>
+          </a:prstGeom>
+        </p:spPr>
+      </p:pic>
       <p:sp>
         <p:nvSpPr>
-          <p:cNvPr id="5" name="Textfeld 4">
+          <p:cNvPr id="6" name="Textfeld 5">
             <a:extLst>
               <a:ext uri="{FF2B5EF4-FFF2-40B4-BE49-F238E27FC236}">
-                <a16:creationId xmlns:a16="http://schemas.microsoft.com/office/drawing/2014/main" id="{1E8073ED-3BA3-4EC8-909B-095FE2324908}"/>
+                <a16:creationId xmlns:a16="http://schemas.microsoft.com/office/drawing/2014/main" id="{40EFECC3-DF75-4806-9766-5A27F583D84A}"/>
               </a:ext>
             </a:extLst>
           </p:cNvPr>
@@ -19191,7 +18975,7 @@
         </p:nvSpPr>
         <p:spPr>
           <a:xfrm>
-            <a:off x="0" y="6519446"/>
+            <a:off x="538318" y="6453080"/>
             <a:ext cx="8269356" cy="338554"/>
           </a:xfrm>
           <a:prstGeom prst="rect">
@@ -19221,7 +19005,7 @@
     </p:spTree>
     <p:extLst>
       <p:ext uri="{BB962C8B-B14F-4D97-AF65-F5344CB8AC3E}">
-        <p14:creationId xmlns:p14="http://schemas.microsoft.com/office/powerpoint/2010/main" val="3620047087"/>
+        <p14:creationId xmlns:p14="http://schemas.microsoft.com/office/powerpoint/2010/main" val="3342748691"/>
       </p:ext>
     </p:extLst>
   </p:cSld>
@@ -19250,55 +19034,6 @@
       </p:grpSpPr>
       <p:sp>
         <p:nvSpPr>
-          <p:cNvPr id="5" name="Rechteck 4">
-            <a:extLst>
-              <a:ext uri="{FF2B5EF4-FFF2-40B4-BE49-F238E27FC236}">
-                <a16:creationId xmlns:a16="http://schemas.microsoft.com/office/drawing/2014/main" id="{AD7C46C1-6677-4A94-B38E-E904185BF309}"/>
-              </a:ext>
-            </a:extLst>
-          </p:cNvPr>
-          <p:cNvSpPr/>
-          <p:nvPr/>
-        </p:nvSpPr>
-        <p:spPr>
-          <a:xfrm>
-            <a:off x="0" y="-30083"/>
-            <a:ext cx="12192000" cy="1341230"/>
-          </a:xfrm>
-          <a:prstGeom prst="rect">
-            <a:avLst/>
-          </a:prstGeom>
-          <a:ln>
-            <a:noFill/>
-          </a:ln>
-        </p:spPr>
-        <p:style>
-          <a:lnRef idx="2">
-            <a:schemeClr val="accent1">
-              <a:shade val="50000"/>
-            </a:schemeClr>
-          </a:lnRef>
-          <a:fillRef idx="1">
-            <a:schemeClr val="accent1"/>
-          </a:fillRef>
-          <a:effectRef idx="0">
-            <a:schemeClr val="accent1"/>
-          </a:effectRef>
-          <a:fontRef idx="minor">
-            <a:schemeClr val="lt1"/>
-          </a:fontRef>
-        </p:style>
-        <p:txBody>
-          <a:bodyPr rtlCol="0" anchor="ctr"/>
-          <a:lstStyle/>
-          <a:p>
-            <a:pPr algn="ctr"/>
-            <a:endParaRPr lang="de-DE"/>
-          </a:p>
-        </p:txBody>
-      </p:sp>
-      <p:sp>
-        <p:nvSpPr>
           <p:cNvPr id="2" name="Titel 1">
             <a:extLst>
               <a:ext uri="{FF2B5EF4-FFF2-40B4-BE49-F238E27FC236}">
@@ -19315,21 +19050,24 @@
         </p:nvSpPr>
         <p:spPr>
           <a:xfrm>
-            <a:off x="718930" y="207963"/>
-            <a:ext cx="10515600" cy="1325563"/>
+            <a:off x="0" y="207963"/>
+            <a:ext cx="12192000" cy="1325563"/>
           </a:xfrm>
+          <a:solidFill>
+            <a:schemeClr val="accent1"/>
+          </a:solidFill>
         </p:spPr>
         <p:txBody>
           <a:bodyPr/>
           <a:lstStyle/>
           <a:p>
             <a:r>
-              <a:rPr lang="de-DE" dirty="0">
+              <a:rPr lang="de-DE" b="1" dirty="0">
                 <a:solidFill>
                   <a:schemeClr val="bg1"/>
                 </a:solidFill>
               </a:rPr>
-              <a:t>Questions</a:t>
+              <a:t>	Questions</a:t>
             </a:r>
           </a:p>
         </p:txBody>

--- a/K-means clustering.pptx
+++ b/K-means clustering.pptx
@@ -3,21 +3,20 @@
 <p:presentation xmlns:a="http://schemas.openxmlformats.org/drawingml/2006/main" xmlns:r="http://schemas.openxmlformats.org/officeDocument/2006/relationships" xmlns:p="http://schemas.openxmlformats.org/presentationml/2006/main" saveSubsetFonts="1">
   <p:sldMasterIdLst>
     <p:sldMasterId id="2147483648" r:id="rId1"/>
-    <p:sldMasterId id="2147483660" r:id="rId2"/>
   </p:sldMasterIdLst>
   <p:notesMasterIdLst>
-    <p:notesMasterId r:id="rId12"/>
+    <p:notesMasterId r:id="rId11"/>
   </p:notesMasterIdLst>
   <p:sldIdLst>
-    <p:sldId id="256" r:id="rId3"/>
-    <p:sldId id="272" r:id="rId4"/>
-    <p:sldId id="271" r:id="rId5"/>
-    <p:sldId id="258" r:id="rId6"/>
-    <p:sldId id="266" r:id="rId7"/>
-    <p:sldId id="267" r:id="rId8"/>
-    <p:sldId id="257" r:id="rId9"/>
-    <p:sldId id="273" r:id="rId10"/>
-    <p:sldId id="270" r:id="rId11"/>
+    <p:sldId id="256" r:id="rId2"/>
+    <p:sldId id="272" r:id="rId3"/>
+    <p:sldId id="271" r:id="rId4"/>
+    <p:sldId id="258" r:id="rId5"/>
+    <p:sldId id="266" r:id="rId6"/>
+    <p:sldId id="267" r:id="rId7"/>
+    <p:sldId id="257" r:id="rId8"/>
+    <p:sldId id="273" r:id="rId9"/>
+    <p:sldId id="270" r:id="rId10"/>
   </p:sldIdLst>
   <p:sldSz cx="12192000" cy="6858000"/>
   <p:notesSz cx="6858000" cy="9144000"/>
@@ -218,7 +217,7 @@
           <a:p>
             <a:fld id="{64BDD8A7-70C0-4511-B749-3614DED84010}" type="datetimeFigureOut">
               <a:rPr lang="de-DE" smtClean="0"/>
-              <a:t>13.05.2019</a:t>
+              <a:t>14.05.2019</a:t>
             </a:fld>
             <a:endParaRPr lang="de-DE"/>
           </a:p>
@@ -632,7 +631,7 @@
           <a:p>
             <a:fld id="{CBA7E3F7-437C-414B-A3DB-7E5BDC90DF6D}" type="datetime1">
               <a:rPr lang="de-DE" smtClean="0"/>
-              <a:t>13.05.2019</a:t>
+              <a:t>14.05.2019</a:t>
             </a:fld>
             <a:endParaRPr lang="de-DE"/>
           </a:p>
@@ -830,7 +829,7 @@
           <a:p>
             <a:fld id="{57752D78-2793-4B53-8E64-68E93F3F7BD0}" type="datetime1">
               <a:rPr lang="de-DE" smtClean="0"/>
-              <a:t>13.05.2019</a:t>
+              <a:t>14.05.2019</a:t>
             </a:fld>
             <a:endParaRPr lang="de-DE"/>
           </a:p>
@@ -1038,7 +1037,7 @@
           <a:p>
             <a:fld id="{389AFC08-2D16-45FE-9D02-C6EFB61469C0}" type="datetime1">
               <a:rPr lang="de-DE" smtClean="0"/>
-              <a:t>13.05.2019</a:t>
+              <a:t>14.05.2019</a:t>
             </a:fld>
             <a:endParaRPr lang="de-DE"/>
           </a:p>
@@ -1102,765 +1101,6 @@
     <p:extLst>
       <p:ext uri="{BB962C8B-B14F-4D97-AF65-F5344CB8AC3E}">
         <p14:creationId xmlns:p14="http://schemas.microsoft.com/office/powerpoint/2010/main" val="4140661778"/>
-      </p:ext>
-    </p:extLst>
-  </p:cSld>
-  <p:clrMapOvr>
-    <a:masterClrMapping/>
-  </p:clrMapOvr>
-</p:sldLayout>
-</file>
-
-<file path=ppt/slideLayouts/slideLayout12.xml><?xml version="1.0" encoding="utf-8"?>
-<p:sldLayout xmlns:a="http://schemas.openxmlformats.org/drawingml/2006/main" xmlns:r="http://schemas.openxmlformats.org/officeDocument/2006/relationships" xmlns:p="http://schemas.openxmlformats.org/presentationml/2006/main" type="blank" preserve="1">
-  <p:cSld name="Blank Slide">
-    <p:spTree>
-      <p:nvGrpSpPr>
-        <p:cNvPr id="1" name=""/>
-        <p:cNvGrpSpPr/>
-        <p:nvPr/>
-      </p:nvGrpSpPr>
-      <p:grpSpPr>
-        <a:xfrm>
-          <a:off x="0" y="0"/>
-          <a:ext cx="0" cy="0"/>
-          <a:chOff x="0" y="0"/>
-          <a:chExt cx="0" cy="0"/>
-        </a:xfrm>
-      </p:grpSpPr>
-    </p:spTree>
-    <p:extLst>
-      <p:ext uri="{BB962C8B-B14F-4D97-AF65-F5344CB8AC3E}">
-        <p14:creationId xmlns:p14="http://schemas.microsoft.com/office/powerpoint/2010/main" val="1346743979"/>
-      </p:ext>
-    </p:extLst>
-  </p:cSld>
-  <p:clrMapOvr>
-    <a:masterClrMapping/>
-  </p:clrMapOvr>
-</p:sldLayout>
-</file>
-
-<file path=ppt/slideLayouts/slideLayout13.xml><?xml version="1.0" encoding="utf-8"?>
-<p:sldLayout xmlns:a="http://schemas.openxmlformats.org/drawingml/2006/main" xmlns:r="http://schemas.openxmlformats.org/officeDocument/2006/relationships" xmlns:p="http://schemas.openxmlformats.org/presentationml/2006/main" type="tx" preserve="1">
-  <p:cSld name="Title Slide">
-    <p:spTree>
-      <p:nvGrpSpPr>
-        <p:cNvPr id="1" name=""/>
-        <p:cNvGrpSpPr/>
-        <p:nvPr/>
-      </p:nvGrpSpPr>
-      <p:grpSpPr>
-        <a:xfrm>
-          <a:off x="0" y="0"/>
-          <a:ext cx="0" cy="0"/>
-          <a:chOff x="0" y="0"/>
-          <a:chExt cx="0" cy="0"/>
-        </a:xfrm>
-      </p:grpSpPr>
-      <p:sp>
-        <p:nvSpPr>
-          <p:cNvPr id="40" name="PlaceHolder 1"/>
-          <p:cNvSpPr>
-            <a:spLocks noGrp="1"/>
-          </p:cNvSpPr>
-          <p:nvPr>
-            <p:ph type="title"/>
-          </p:nvPr>
-        </p:nvSpPr>
-        <p:spPr>
-          <a:xfrm>
-            <a:off x="609480" y="273600"/>
-            <a:ext cx="10972440" cy="1144800"/>
-          </a:xfrm>
-          <a:prstGeom prst="rect">
-            <a:avLst/>
-          </a:prstGeom>
-        </p:spPr>
-        <p:txBody>
-          <a:bodyPr lIns="0" tIns="0" rIns="0" bIns="0" anchor="ctr"/>
-          <a:lstStyle/>
-          <a:p>
-            <a:pPr algn="ctr"/>
-            <a:endParaRPr lang="de-DE" sz="4400" b="0" strike="noStrike" spc="-1">
-              <a:latin typeface="Arial"/>
-            </a:endParaRPr>
-          </a:p>
-        </p:txBody>
-      </p:sp>
-      <p:sp>
-        <p:nvSpPr>
-          <p:cNvPr id="41" name="PlaceHolder 2"/>
-          <p:cNvSpPr>
-            <a:spLocks noGrp="1"/>
-          </p:cNvSpPr>
-          <p:nvPr>
-            <p:ph type="subTitle"/>
-          </p:nvPr>
-        </p:nvSpPr>
-        <p:spPr>
-          <a:xfrm>
-            <a:off x="609480" y="1604520"/>
-            <a:ext cx="10972440" cy="3977280"/>
-          </a:xfrm>
-          <a:prstGeom prst="rect">
-            <a:avLst/>
-          </a:prstGeom>
-        </p:spPr>
-        <p:txBody>
-          <a:bodyPr lIns="0" tIns="0" rIns="0" bIns="0" anchor="ctr"/>
-          <a:lstStyle/>
-          <a:p>
-            <a:pPr algn="ctr"/>
-            <a:endParaRPr lang="de-DE" sz="3200" b="0" strike="noStrike" spc="-1">
-              <a:latin typeface="Arial"/>
-            </a:endParaRPr>
-          </a:p>
-        </p:txBody>
-      </p:sp>
-    </p:spTree>
-    <p:extLst>
-      <p:ext uri="{BB962C8B-B14F-4D97-AF65-F5344CB8AC3E}">
-        <p14:creationId xmlns:p14="http://schemas.microsoft.com/office/powerpoint/2010/main" val="763447451"/>
-      </p:ext>
-    </p:extLst>
-  </p:cSld>
-  <p:clrMapOvr>
-    <a:masterClrMapping/>
-  </p:clrMapOvr>
-</p:sldLayout>
-</file>
-
-<file path=ppt/slideLayouts/slideLayout14.xml><?xml version="1.0" encoding="utf-8"?>
-<p:sldLayout xmlns:a="http://schemas.openxmlformats.org/drawingml/2006/main" xmlns:r="http://schemas.openxmlformats.org/officeDocument/2006/relationships" xmlns:p="http://schemas.openxmlformats.org/presentationml/2006/main" type="obj" preserve="1">
-  <p:cSld name="Title, Content">
-    <p:spTree>
-      <p:nvGrpSpPr>
-        <p:cNvPr id="1" name=""/>
-        <p:cNvGrpSpPr/>
-        <p:nvPr/>
-      </p:nvGrpSpPr>
-      <p:grpSpPr>
-        <a:xfrm>
-          <a:off x="0" y="0"/>
-          <a:ext cx="0" cy="0"/>
-          <a:chOff x="0" y="0"/>
-          <a:chExt cx="0" cy="0"/>
-        </a:xfrm>
-      </p:grpSpPr>
-      <p:sp>
-        <p:nvSpPr>
-          <p:cNvPr id="42" name="PlaceHolder 1"/>
-          <p:cNvSpPr>
-            <a:spLocks noGrp="1"/>
-          </p:cNvSpPr>
-          <p:nvPr>
-            <p:ph type="title"/>
-          </p:nvPr>
-        </p:nvSpPr>
-        <p:spPr>
-          <a:xfrm>
-            <a:off x="609480" y="273600"/>
-            <a:ext cx="10972440" cy="1144800"/>
-          </a:xfrm>
-          <a:prstGeom prst="rect">
-            <a:avLst/>
-          </a:prstGeom>
-        </p:spPr>
-        <p:txBody>
-          <a:bodyPr lIns="0" tIns="0" rIns="0" bIns="0" anchor="ctr"/>
-          <a:lstStyle/>
-          <a:p>
-            <a:pPr algn="ctr"/>
-            <a:endParaRPr lang="de-DE" sz="4400" b="0" strike="noStrike" spc="-1">
-              <a:latin typeface="Arial"/>
-            </a:endParaRPr>
-          </a:p>
-        </p:txBody>
-      </p:sp>
-      <p:sp>
-        <p:nvSpPr>
-          <p:cNvPr id="43" name="PlaceHolder 2"/>
-          <p:cNvSpPr>
-            <a:spLocks noGrp="1"/>
-          </p:cNvSpPr>
-          <p:nvPr>
-            <p:ph type="body"/>
-          </p:nvPr>
-        </p:nvSpPr>
-        <p:spPr>
-          <a:xfrm>
-            <a:off x="609480" y="1604520"/>
-            <a:ext cx="10972440" cy="3977280"/>
-          </a:xfrm>
-          <a:prstGeom prst="rect">
-            <a:avLst/>
-          </a:prstGeom>
-        </p:spPr>
-        <p:txBody>
-          <a:bodyPr lIns="0" tIns="0" rIns="0" bIns="0">
-            <a:normAutofit/>
-          </a:bodyPr>
-          <a:lstStyle/>
-          <a:p>
-            <a:endParaRPr lang="de-DE" sz="3200" b="0" strike="noStrike" spc="-1">
-              <a:latin typeface="Arial"/>
-            </a:endParaRPr>
-          </a:p>
-        </p:txBody>
-      </p:sp>
-    </p:spTree>
-    <p:extLst>
-      <p:ext uri="{BB962C8B-B14F-4D97-AF65-F5344CB8AC3E}">
-        <p14:creationId xmlns:p14="http://schemas.microsoft.com/office/powerpoint/2010/main" val="296130807"/>
-      </p:ext>
-    </p:extLst>
-  </p:cSld>
-  <p:clrMapOvr>
-    <a:masterClrMapping/>
-  </p:clrMapOvr>
-</p:sldLayout>
-</file>
-
-<file path=ppt/slideLayouts/slideLayout15.xml><?xml version="1.0" encoding="utf-8"?>
-<p:sldLayout xmlns:a="http://schemas.openxmlformats.org/drawingml/2006/main" xmlns:r="http://schemas.openxmlformats.org/officeDocument/2006/relationships" xmlns:p="http://schemas.openxmlformats.org/presentationml/2006/main" type="twoObj" preserve="1">
-  <p:cSld name="Title, 2 Content">
-    <p:spTree>
-      <p:nvGrpSpPr>
-        <p:cNvPr id="1" name=""/>
-        <p:cNvGrpSpPr/>
-        <p:nvPr/>
-      </p:nvGrpSpPr>
-      <p:grpSpPr>
-        <a:xfrm>
-          <a:off x="0" y="0"/>
-          <a:ext cx="0" cy="0"/>
-          <a:chOff x="0" y="0"/>
-          <a:chExt cx="0" cy="0"/>
-        </a:xfrm>
-      </p:grpSpPr>
-      <p:sp>
-        <p:nvSpPr>
-          <p:cNvPr id="44" name="PlaceHolder 1"/>
-          <p:cNvSpPr>
-            <a:spLocks noGrp="1"/>
-          </p:cNvSpPr>
-          <p:nvPr>
-            <p:ph type="title"/>
-          </p:nvPr>
-        </p:nvSpPr>
-        <p:spPr>
-          <a:xfrm>
-            <a:off x="609480" y="273600"/>
-            <a:ext cx="10972440" cy="1144800"/>
-          </a:xfrm>
-          <a:prstGeom prst="rect">
-            <a:avLst/>
-          </a:prstGeom>
-        </p:spPr>
-        <p:txBody>
-          <a:bodyPr lIns="0" tIns="0" rIns="0" bIns="0" anchor="ctr"/>
-          <a:lstStyle/>
-          <a:p>
-            <a:pPr algn="ctr"/>
-            <a:endParaRPr lang="de-DE" sz="4400" b="0" strike="noStrike" spc="-1">
-              <a:latin typeface="Arial"/>
-            </a:endParaRPr>
-          </a:p>
-        </p:txBody>
-      </p:sp>
-      <p:sp>
-        <p:nvSpPr>
-          <p:cNvPr id="45" name="PlaceHolder 2"/>
-          <p:cNvSpPr>
-            <a:spLocks noGrp="1"/>
-          </p:cNvSpPr>
-          <p:nvPr>
-            <p:ph type="body"/>
-          </p:nvPr>
-        </p:nvSpPr>
-        <p:spPr>
-          <a:xfrm>
-            <a:off x="609480" y="1604520"/>
-            <a:ext cx="5354280" cy="3977280"/>
-          </a:xfrm>
-          <a:prstGeom prst="rect">
-            <a:avLst/>
-          </a:prstGeom>
-        </p:spPr>
-        <p:txBody>
-          <a:bodyPr lIns="0" tIns="0" rIns="0" bIns="0">
-            <a:normAutofit/>
-          </a:bodyPr>
-          <a:lstStyle/>
-          <a:p>
-            <a:endParaRPr lang="de-DE" sz="3200" b="0" strike="noStrike" spc="-1">
-              <a:latin typeface="Arial"/>
-            </a:endParaRPr>
-          </a:p>
-        </p:txBody>
-      </p:sp>
-      <p:sp>
-        <p:nvSpPr>
-          <p:cNvPr id="46" name="PlaceHolder 3"/>
-          <p:cNvSpPr>
-            <a:spLocks noGrp="1"/>
-          </p:cNvSpPr>
-          <p:nvPr>
-            <p:ph type="body"/>
-          </p:nvPr>
-        </p:nvSpPr>
-        <p:spPr>
-          <a:xfrm>
-            <a:off x="6231960" y="1604520"/>
-            <a:ext cx="5354280" cy="3977280"/>
-          </a:xfrm>
-          <a:prstGeom prst="rect">
-            <a:avLst/>
-          </a:prstGeom>
-        </p:spPr>
-        <p:txBody>
-          <a:bodyPr lIns="0" tIns="0" rIns="0" bIns="0">
-            <a:normAutofit/>
-          </a:bodyPr>
-          <a:lstStyle/>
-          <a:p>
-            <a:endParaRPr lang="de-DE" sz="3200" b="0" strike="noStrike" spc="-1">
-              <a:latin typeface="Arial"/>
-            </a:endParaRPr>
-          </a:p>
-        </p:txBody>
-      </p:sp>
-    </p:spTree>
-    <p:extLst>
-      <p:ext uri="{BB962C8B-B14F-4D97-AF65-F5344CB8AC3E}">
-        <p14:creationId xmlns:p14="http://schemas.microsoft.com/office/powerpoint/2010/main" val="1271781075"/>
-      </p:ext>
-    </p:extLst>
-  </p:cSld>
-  <p:clrMapOvr>
-    <a:masterClrMapping/>
-  </p:clrMapOvr>
-</p:sldLayout>
-</file>
-
-<file path=ppt/slideLayouts/slideLayout16.xml><?xml version="1.0" encoding="utf-8"?>
-<p:sldLayout xmlns:a="http://schemas.openxmlformats.org/drawingml/2006/main" xmlns:r="http://schemas.openxmlformats.org/officeDocument/2006/relationships" xmlns:p="http://schemas.openxmlformats.org/presentationml/2006/main" type="titleOnly" preserve="1">
-  <p:cSld name="Title Only">
-    <p:spTree>
-      <p:nvGrpSpPr>
-        <p:cNvPr id="1" name=""/>
-        <p:cNvGrpSpPr/>
-        <p:nvPr/>
-      </p:nvGrpSpPr>
-      <p:grpSpPr>
-        <a:xfrm>
-          <a:off x="0" y="0"/>
-          <a:ext cx="0" cy="0"/>
-          <a:chOff x="0" y="0"/>
-          <a:chExt cx="0" cy="0"/>
-        </a:xfrm>
-      </p:grpSpPr>
-      <p:sp>
-        <p:nvSpPr>
-          <p:cNvPr id="47" name="PlaceHolder 1"/>
-          <p:cNvSpPr>
-            <a:spLocks noGrp="1"/>
-          </p:cNvSpPr>
-          <p:nvPr>
-            <p:ph type="title"/>
-          </p:nvPr>
-        </p:nvSpPr>
-        <p:spPr>
-          <a:xfrm>
-            <a:off x="609480" y="273600"/>
-            <a:ext cx="10972440" cy="1144800"/>
-          </a:xfrm>
-          <a:prstGeom prst="rect">
-            <a:avLst/>
-          </a:prstGeom>
-        </p:spPr>
-        <p:txBody>
-          <a:bodyPr lIns="0" tIns="0" rIns="0" bIns="0" anchor="ctr"/>
-          <a:lstStyle/>
-          <a:p>
-            <a:pPr algn="ctr"/>
-            <a:endParaRPr lang="de-DE" sz="4400" b="0" strike="noStrike" spc="-1">
-              <a:latin typeface="Arial"/>
-            </a:endParaRPr>
-          </a:p>
-        </p:txBody>
-      </p:sp>
-    </p:spTree>
-    <p:extLst>
-      <p:ext uri="{BB962C8B-B14F-4D97-AF65-F5344CB8AC3E}">
-        <p14:creationId xmlns:p14="http://schemas.microsoft.com/office/powerpoint/2010/main" val="376417343"/>
-      </p:ext>
-    </p:extLst>
-  </p:cSld>
-  <p:clrMapOvr>
-    <a:masterClrMapping/>
-  </p:clrMapOvr>
-</p:sldLayout>
-</file>
-
-<file path=ppt/slideLayouts/slideLayout17.xml><?xml version="1.0" encoding="utf-8"?>
-<p:sldLayout xmlns:a="http://schemas.openxmlformats.org/drawingml/2006/main" xmlns:r="http://schemas.openxmlformats.org/officeDocument/2006/relationships" xmlns:p="http://schemas.openxmlformats.org/presentationml/2006/main" type="objOnly" preserve="1">
-  <p:cSld name="Centered Text">
-    <p:spTree>
-      <p:nvGrpSpPr>
-        <p:cNvPr id="1" name=""/>
-        <p:cNvGrpSpPr/>
-        <p:nvPr/>
-      </p:nvGrpSpPr>
-      <p:grpSpPr>
-        <a:xfrm>
-          <a:off x="0" y="0"/>
-          <a:ext cx="0" cy="0"/>
-          <a:chOff x="0" y="0"/>
-          <a:chExt cx="0" cy="0"/>
-        </a:xfrm>
-      </p:grpSpPr>
-      <p:sp>
-        <p:nvSpPr>
-          <p:cNvPr id="48" name="PlaceHolder 1"/>
-          <p:cNvSpPr>
-            <a:spLocks noGrp="1"/>
-          </p:cNvSpPr>
-          <p:nvPr>
-            <p:ph type="subTitle"/>
-          </p:nvPr>
-        </p:nvSpPr>
-        <p:spPr>
-          <a:xfrm>
-            <a:off x="609480" y="273600"/>
-            <a:ext cx="10972440" cy="5307840"/>
-          </a:xfrm>
-          <a:prstGeom prst="rect">
-            <a:avLst/>
-          </a:prstGeom>
-        </p:spPr>
-        <p:txBody>
-          <a:bodyPr lIns="0" tIns="0" rIns="0" bIns="0" anchor="ctr"/>
-          <a:lstStyle/>
-          <a:p>
-            <a:pPr algn="ctr"/>
-            <a:endParaRPr lang="de-DE" sz="3200" b="0" strike="noStrike" spc="-1">
-              <a:latin typeface="Arial"/>
-            </a:endParaRPr>
-          </a:p>
-        </p:txBody>
-      </p:sp>
-    </p:spTree>
-    <p:extLst>
-      <p:ext uri="{BB962C8B-B14F-4D97-AF65-F5344CB8AC3E}">
-        <p14:creationId xmlns:p14="http://schemas.microsoft.com/office/powerpoint/2010/main" val="1955175836"/>
-      </p:ext>
-    </p:extLst>
-  </p:cSld>
-  <p:clrMapOvr>
-    <a:masterClrMapping/>
-  </p:clrMapOvr>
-</p:sldLayout>
-</file>
-
-<file path=ppt/slideLayouts/slideLayout18.xml><?xml version="1.0" encoding="utf-8"?>
-<p:sldLayout xmlns:a="http://schemas.openxmlformats.org/drawingml/2006/main" xmlns:r="http://schemas.openxmlformats.org/officeDocument/2006/relationships" xmlns:p="http://schemas.openxmlformats.org/presentationml/2006/main" type="twoObjAndObj" preserve="1">
-  <p:cSld name="Title, 2 Content and Content">
-    <p:spTree>
-      <p:nvGrpSpPr>
-        <p:cNvPr id="1" name=""/>
-        <p:cNvGrpSpPr/>
-        <p:nvPr/>
-      </p:nvGrpSpPr>
-      <p:grpSpPr>
-        <a:xfrm>
-          <a:off x="0" y="0"/>
-          <a:ext cx="0" cy="0"/>
-          <a:chOff x="0" y="0"/>
-          <a:chExt cx="0" cy="0"/>
-        </a:xfrm>
-      </p:grpSpPr>
-      <p:sp>
-        <p:nvSpPr>
-          <p:cNvPr id="49" name="PlaceHolder 1"/>
-          <p:cNvSpPr>
-            <a:spLocks noGrp="1"/>
-          </p:cNvSpPr>
-          <p:nvPr>
-            <p:ph type="title"/>
-          </p:nvPr>
-        </p:nvSpPr>
-        <p:spPr>
-          <a:xfrm>
-            <a:off x="609480" y="273600"/>
-            <a:ext cx="10972440" cy="1144800"/>
-          </a:xfrm>
-          <a:prstGeom prst="rect">
-            <a:avLst/>
-          </a:prstGeom>
-        </p:spPr>
-        <p:txBody>
-          <a:bodyPr lIns="0" tIns="0" rIns="0" bIns="0" anchor="ctr"/>
-          <a:lstStyle/>
-          <a:p>
-            <a:pPr algn="ctr"/>
-            <a:endParaRPr lang="de-DE" sz="4400" b="0" strike="noStrike" spc="-1">
-              <a:latin typeface="Arial"/>
-            </a:endParaRPr>
-          </a:p>
-        </p:txBody>
-      </p:sp>
-      <p:sp>
-        <p:nvSpPr>
-          <p:cNvPr id="50" name="PlaceHolder 2"/>
-          <p:cNvSpPr>
-            <a:spLocks noGrp="1"/>
-          </p:cNvSpPr>
-          <p:nvPr>
-            <p:ph type="body"/>
-          </p:nvPr>
-        </p:nvSpPr>
-        <p:spPr>
-          <a:xfrm>
-            <a:off x="609480" y="1604520"/>
-            <a:ext cx="5354280" cy="1896840"/>
-          </a:xfrm>
-          <a:prstGeom prst="rect">
-            <a:avLst/>
-          </a:prstGeom>
-        </p:spPr>
-        <p:txBody>
-          <a:bodyPr lIns="0" tIns="0" rIns="0" bIns="0">
-            <a:normAutofit/>
-          </a:bodyPr>
-          <a:lstStyle/>
-          <a:p>
-            <a:endParaRPr lang="de-DE" sz="3200" b="0" strike="noStrike" spc="-1">
-              <a:latin typeface="Arial"/>
-            </a:endParaRPr>
-          </a:p>
-        </p:txBody>
-      </p:sp>
-      <p:sp>
-        <p:nvSpPr>
-          <p:cNvPr id="51" name="PlaceHolder 3"/>
-          <p:cNvSpPr>
-            <a:spLocks noGrp="1"/>
-          </p:cNvSpPr>
-          <p:nvPr>
-            <p:ph type="body"/>
-          </p:nvPr>
-        </p:nvSpPr>
-        <p:spPr>
-          <a:xfrm>
-            <a:off x="6231960" y="1604520"/>
-            <a:ext cx="5354280" cy="3977280"/>
-          </a:xfrm>
-          <a:prstGeom prst="rect">
-            <a:avLst/>
-          </a:prstGeom>
-        </p:spPr>
-        <p:txBody>
-          <a:bodyPr lIns="0" tIns="0" rIns="0" bIns="0">
-            <a:normAutofit/>
-          </a:bodyPr>
-          <a:lstStyle/>
-          <a:p>
-            <a:endParaRPr lang="de-DE" sz="3200" b="0" strike="noStrike" spc="-1">
-              <a:latin typeface="Arial"/>
-            </a:endParaRPr>
-          </a:p>
-        </p:txBody>
-      </p:sp>
-      <p:sp>
-        <p:nvSpPr>
-          <p:cNvPr id="52" name="PlaceHolder 4"/>
-          <p:cNvSpPr>
-            <a:spLocks noGrp="1"/>
-          </p:cNvSpPr>
-          <p:nvPr>
-            <p:ph type="body"/>
-          </p:nvPr>
-        </p:nvSpPr>
-        <p:spPr>
-          <a:xfrm>
-            <a:off x="609480" y="3682080"/>
-            <a:ext cx="5354280" cy="1896840"/>
-          </a:xfrm>
-          <a:prstGeom prst="rect">
-            <a:avLst/>
-          </a:prstGeom>
-        </p:spPr>
-        <p:txBody>
-          <a:bodyPr lIns="0" tIns="0" rIns="0" bIns="0">
-            <a:normAutofit/>
-          </a:bodyPr>
-          <a:lstStyle/>
-          <a:p>
-            <a:endParaRPr lang="de-DE" sz="3200" b="0" strike="noStrike" spc="-1">
-              <a:latin typeface="Arial"/>
-            </a:endParaRPr>
-          </a:p>
-        </p:txBody>
-      </p:sp>
-    </p:spTree>
-    <p:extLst>
-      <p:ext uri="{BB962C8B-B14F-4D97-AF65-F5344CB8AC3E}">
-        <p14:creationId xmlns:p14="http://schemas.microsoft.com/office/powerpoint/2010/main" val="1950346822"/>
-      </p:ext>
-    </p:extLst>
-  </p:cSld>
-  <p:clrMapOvr>
-    <a:masterClrMapping/>
-  </p:clrMapOvr>
-</p:sldLayout>
-</file>
-
-<file path=ppt/slideLayouts/slideLayout19.xml><?xml version="1.0" encoding="utf-8"?>
-<p:sldLayout xmlns:a="http://schemas.openxmlformats.org/drawingml/2006/main" xmlns:r="http://schemas.openxmlformats.org/officeDocument/2006/relationships" xmlns:p="http://schemas.openxmlformats.org/presentationml/2006/main" type="objAndTwoObj" preserve="1">
-  <p:cSld name="Title Content and 2 Content">
-    <p:spTree>
-      <p:nvGrpSpPr>
-        <p:cNvPr id="1" name=""/>
-        <p:cNvGrpSpPr/>
-        <p:nvPr/>
-      </p:nvGrpSpPr>
-      <p:grpSpPr>
-        <a:xfrm>
-          <a:off x="0" y="0"/>
-          <a:ext cx="0" cy="0"/>
-          <a:chOff x="0" y="0"/>
-          <a:chExt cx="0" cy="0"/>
-        </a:xfrm>
-      </p:grpSpPr>
-      <p:sp>
-        <p:nvSpPr>
-          <p:cNvPr id="53" name="PlaceHolder 1"/>
-          <p:cNvSpPr>
-            <a:spLocks noGrp="1"/>
-          </p:cNvSpPr>
-          <p:nvPr>
-            <p:ph type="title"/>
-          </p:nvPr>
-        </p:nvSpPr>
-        <p:spPr>
-          <a:xfrm>
-            <a:off x="609480" y="273600"/>
-            <a:ext cx="10972440" cy="1144800"/>
-          </a:xfrm>
-          <a:prstGeom prst="rect">
-            <a:avLst/>
-          </a:prstGeom>
-        </p:spPr>
-        <p:txBody>
-          <a:bodyPr lIns="0" tIns="0" rIns="0" bIns="0" anchor="ctr"/>
-          <a:lstStyle/>
-          <a:p>
-            <a:pPr algn="ctr"/>
-            <a:endParaRPr lang="de-DE" sz="4400" b="0" strike="noStrike" spc="-1">
-              <a:latin typeface="Arial"/>
-            </a:endParaRPr>
-          </a:p>
-        </p:txBody>
-      </p:sp>
-      <p:sp>
-        <p:nvSpPr>
-          <p:cNvPr id="54" name="PlaceHolder 2"/>
-          <p:cNvSpPr>
-            <a:spLocks noGrp="1"/>
-          </p:cNvSpPr>
-          <p:nvPr>
-            <p:ph type="body"/>
-          </p:nvPr>
-        </p:nvSpPr>
-        <p:spPr>
-          <a:xfrm>
-            <a:off x="609480" y="1604520"/>
-            <a:ext cx="5354280" cy="3977280"/>
-          </a:xfrm>
-          <a:prstGeom prst="rect">
-            <a:avLst/>
-          </a:prstGeom>
-        </p:spPr>
-        <p:txBody>
-          <a:bodyPr lIns="0" tIns="0" rIns="0" bIns="0">
-            <a:normAutofit/>
-          </a:bodyPr>
-          <a:lstStyle/>
-          <a:p>
-            <a:endParaRPr lang="de-DE" sz="3200" b="0" strike="noStrike" spc="-1">
-              <a:latin typeface="Arial"/>
-            </a:endParaRPr>
-          </a:p>
-        </p:txBody>
-      </p:sp>
-      <p:sp>
-        <p:nvSpPr>
-          <p:cNvPr id="55" name="PlaceHolder 3"/>
-          <p:cNvSpPr>
-            <a:spLocks noGrp="1"/>
-          </p:cNvSpPr>
-          <p:nvPr>
-            <p:ph type="body"/>
-          </p:nvPr>
-        </p:nvSpPr>
-        <p:spPr>
-          <a:xfrm>
-            <a:off x="6231960" y="1604520"/>
-            <a:ext cx="5354280" cy="1896840"/>
-          </a:xfrm>
-          <a:prstGeom prst="rect">
-            <a:avLst/>
-          </a:prstGeom>
-        </p:spPr>
-        <p:txBody>
-          <a:bodyPr lIns="0" tIns="0" rIns="0" bIns="0">
-            <a:normAutofit/>
-          </a:bodyPr>
-          <a:lstStyle/>
-          <a:p>
-            <a:endParaRPr lang="de-DE" sz="3200" b="0" strike="noStrike" spc="-1">
-              <a:latin typeface="Arial"/>
-            </a:endParaRPr>
-          </a:p>
-        </p:txBody>
-      </p:sp>
-      <p:sp>
-        <p:nvSpPr>
-          <p:cNvPr id="56" name="PlaceHolder 4"/>
-          <p:cNvSpPr>
-            <a:spLocks noGrp="1"/>
-          </p:cNvSpPr>
-          <p:nvPr>
-            <p:ph type="body"/>
-          </p:nvPr>
-        </p:nvSpPr>
-        <p:spPr>
-          <a:xfrm>
-            <a:off x="6231960" y="3682080"/>
-            <a:ext cx="5354280" cy="1896840"/>
-          </a:xfrm>
-          <a:prstGeom prst="rect">
-            <a:avLst/>
-          </a:prstGeom>
-        </p:spPr>
-        <p:txBody>
-          <a:bodyPr lIns="0" tIns="0" rIns="0" bIns="0">
-            <a:normAutofit/>
-          </a:bodyPr>
-          <a:lstStyle/>
-          <a:p>
-            <a:endParaRPr lang="de-DE" sz="3200" b="0" strike="noStrike" spc="-1">
-              <a:latin typeface="Arial"/>
-            </a:endParaRPr>
-          </a:p>
-        </p:txBody>
-      </p:sp>
-    </p:spTree>
-    <p:extLst>
-      <p:ext uri="{BB962C8B-B14F-4D97-AF65-F5344CB8AC3E}">
-        <p14:creationId xmlns:p14="http://schemas.microsoft.com/office/powerpoint/2010/main" val="2702387711"/>
       </p:ext>
     </p:extLst>
   </p:cSld>
@@ -1995,7 +1235,7 @@
           <a:p>
             <a:fld id="{E67F5350-D520-4005-B8BB-893BAE7CCEC9}" type="datetime1">
               <a:rPr lang="de-DE" smtClean="0"/>
-              <a:t>13.05.2019</a:t>
+              <a:t>14.05.2019</a:t>
             </a:fld>
             <a:endParaRPr lang="de-DE"/>
           </a:p>
@@ -2059,711 +1299,6 @@
     <p:extLst>
       <p:ext uri="{BB962C8B-B14F-4D97-AF65-F5344CB8AC3E}">
         <p14:creationId xmlns:p14="http://schemas.microsoft.com/office/powerpoint/2010/main" val="920859098"/>
-      </p:ext>
-    </p:extLst>
-  </p:cSld>
-  <p:clrMapOvr>
-    <a:masterClrMapping/>
-  </p:clrMapOvr>
-</p:sldLayout>
-</file>
-
-<file path=ppt/slideLayouts/slideLayout20.xml><?xml version="1.0" encoding="utf-8"?>
-<p:sldLayout xmlns:a="http://schemas.openxmlformats.org/drawingml/2006/main" xmlns:r="http://schemas.openxmlformats.org/officeDocument/2006/relationships" xmlns:p="http://schemas.openxmlformats.org/presentationml/2006/main" type="twoObjOverTx" preserve="1">
-  <p:cSld name="Title, 2 Content over Content">
-    <p:spTree>
-      <p:nvGrpSpPr>
-        <p:cNvPr id="1" name=""/>
-        <p:cNvGrpSpPr/>
-        <p:nvPr/>
-      </p:nvGrpSpPr>
-      <p:grpSpPr>
-        <a:xfrm>
-          <a:off x="0" y="0"/>
-          <a:ext cx="0" cy="0"/>
-          <a:chOff x="0" y="0"/>
-          <a:chExt cx="0" cy="0"/>
-        </a:xfrm>
-      </p:grpSpPr>
-      <p:sp>
-        <p:nvSpPr>
-          <p:cNvPr id="57" name="PlaceHolder 1"/>
-          <p:cNvSpPr>
-            <a:spLocks noGrp="1"/>
-          </p:cNvSpPr>
-          <p:nvPr>
-            <p:ph type="title"/>
-          </p:nvPr>
-        </p:nvSpPr>
-        <p:spPr>
-          <a:xfrm>
-            <a:off x="609480" y="273600"/>
-            <a:ext cx="10972440" cy="1144800"/>
-          </a:xfrm>
-          <a:prstGeom prst="rect">
-            <a:avLst/>
-          </a:prstGeom>
-        </p:spPr>
-        <p:txBody>
-          <a:bodyPr lIns="0" tIns="0" rIns="0" bIns="0" anchor="ctr"/>
-          <a:lstStyle/>
-          <a:p>
-            <a:pPr algn="ctr"/>
-            <a:endParaRPr lang="de-DE" sz="4400" b="0" strike="noStrike" spc="-1">
-              <a:latin typeface="Arial"/>
-            </a:endParaRPr>
-          </a:p>
-        </p:txBody>
-      </p:sp>
-      <p:sp>
-        <p:nvSpPr>
-          <p:cNvPr id="58" name="PlaceHolder 2"/>
-          <p:cNvSpPr>
-            <a:spLocks noGrp="1"/>
-          </p:cNvSpPr>
-          <p:nvPr>
-            <p:ph type="body"/>
-          </p:nvPr>
-        </p:nvSpPr>
-        <p:spPr>
-          <a:xfrm>
-            <a:off x="609480" y="1604520"/>
-            <a:ext cx="5354280" cy="1896840"/>
-          </a:xfrm>
-          <a:prstGeom prst="rect">
-            <a:avLst/>
-          </a:prstGeom>
-        </p:spPr>
-        <p:txBody>
-          <a:bodyPr lIns="0" tIns="0" rIns="0" bIns="0">
-            <a:normAutofit/>
-          </a:bodyPr>
-          <a:lstStyle/>
-          <a:p>
-            <a:endParaRPr lang="de-DE" sz="3200" b="0" strike="noStrike" spc="-1">
-              <a:latin typeface="Arial"/>
-            </a:endParaRPr>
-          </a:p>
-        </p:txBody>
-      </p:sp>
-      <p:sp>
-        <p:nvSpPr>
-          <p:cNvPr id="59" name="PlaceHolder 3"/>
-          <p:cNvSpPr>
-            <a:spLocks noGrp="1"/>
-          </p:cNvSpPr>
-          <p:nvPr>
-            <p:ph type="body"/>
-          </p:nvPr>
-        </p:nvSpPr>
-        <p:spPr>
-          <a:xfrm>
-            <a:off x="6231960" y="1604520"/>
-            <a:ext cx="5354280" cy="1896840"/>
-          </a:xfrm>
-          <a:prstGeom prst="rect">
-            <a:avLst/>
-          </a:prstGeom>
-        </p:spPr>
-        <p:txBody>
-          <a:bodyPr lIns="0" tIns="0" rIns="0" bIns="0">
-            <a:normAutofit/>
-          </a:bodyPr>
-          <a:lstStyle/>
-          <a:p>
-            <a:endParaRPr lang="de-DE" sz="3200" b="0" strike="noStrike" spc="-1">
-              <a:latin typeface="Arial"/>
-            </a:endParaRPr>
-          </a:p>
-        </p:txBody>
-      </p:sp>
-      <p:sp>
-        <p:nvSpPr>
-          <p:cNvPr id="60" name="PlaceHolder 4"/>
-          <p:cNvSpPr>
-            <a:spLocks noGrp="1"/>
-          </p:cNvSpPr>
-          <p:nvPr>
-            <p:ph type="body"/>
-          </p:nvPr>
-        </p:nvSpPr>
-        <p:spPr>
-          <a:xfrm>
-            <a:off x="609480" y="3682080"/>
-            <a:ext cx="10972440" cy="1896840"/>
-          </a:xfrm>
-          <a:prstGeom prst="rect">
-            <a:avLst/>
-          </a:prstGeom>
-        </p:spPr>
-        <p:txBody>
-          <a:bodyPr lIns="0" tIns="0" rIns="0" bIns="0">
-            <a:normAutofit/>
-          </a:bodyPr>
-          <a:lstStyle/>
-          <a:p>
-            <a:endParaRPr lang="de-DE" sz="3200" b="0" strike="noStrike" spc="-1">
-              <a:latin typeface="Arial"/>
-            </a:endParaRPr>
-          </a:p>
-        </p:txBody>
-      </p:sp>
-    </p:spTree>
-    <p:extLst>
-      <p:ext uri="{BB962C8B-B14F-4D97-AF65-F5344CB8AC3E}">
-        <p14:creationId xmlns:p14="http://schemas.microsoft.com/office/powerpoint/2010/main" val="4098471979"/>
-      </p:ext>
-    </p:extLst>
-  </p:cSld>
-  <p:clrMapOvr>
-    <a:masterClrMapping/>
-  </p:clrMapOvr>
-</p:sldLayout>
-</file>
-
-<file path=ppt/slideLayouts/slideLayout21.xml><?xml version="1.0" encoding="utf-8"?>
-<p:sldLayout xmlns:a="http://schemas.openxmlformats.org/drawingml/2006/main" xmlns:r="http://schemas.openxmlformats.org/officeDocument/2006/relationships" xmlns:p="http://schemas.openxmlformats.org/presentationml/2006/main" type="objOverTx" preserve="1">
-  <p:cSld name="Title, Content over Content">
-    <p:spTree>
-      <p:nvGrpSpPr>
-        <p:cNvPr id="1" name=""/>
-        <p:cNvGrpSpPr/>
-        <p:nvPr/>
-      </p:nvGrpSpPr>
-      <p:grpSpPr>
-        <a:xfrm>
-          <a:off x="0" y="0"/>
-          <a:ext cx="0" cy="0"/>
-          <a:chOff x="0" y="0"/>
-          <a:chExt cx="0" cy="0"/>
-        </a:xfrm>
-      </p:grpSpPr>
-      <p:sp>
-        <p:nvSpPr>
-          <p:cNvPr id="61" name="PlaceHolder 1"/>
-          <p:cNvSpPr>
-            <a:spLocks noGrp="1"/>
-          </p:cNvSpPr>
-          <p:nvPr>
-            <p:ph type="title"/>
-          </p:nvPr>
-        </p:nvSpPr>
-        <p:spPr>
-          <a:xfrm>
-            <a:off x="609480" y="273600"/>
-            <a:ext cx="10972440" cy="1144800"/>
-          </a:xfrm>
-          <a:prstGeom prst="rect">
-            <a:avLst/>
-          </a:prstGeom>
-        </p:spPr>
-        <p:txBody>
-          <a:bodyPr lIns="0" tIns="0" rIns="0" bIns="0" anchor="ctr"/>
-          <a:lstStyle/>
-          <a:p>
-            <a:pPr algn="ctr"/>
-            <a:endParaRPr lang="de-DE" sz="4400" b="0" strike="noStrike" spc="-1">
-              <a:latin typeface="Arial"/>
-            </a:endParaRPr>
-          </a:p>
-        </p:txBody>
-      </p:sp>
-      <p:sp>
-        <p:nvSpPr>
-          <p:cNvPr id="62" name="PlaceHolder 2"/>
-          <p:cNvSpPr>
-            <a:spLocks noGrp="1"/>
-          </p:cNvSpPr>
-          <p:nvPr>
-            <p:ph type="body"/>
-          </p:nvPr>
-        </p:nvSpPr>
-        <p:spPr>
-          <a:xfrm>
-            <a:off x="609480" y="1604520"/>
-            <a:ext cx="10972440" cy="1896840"/>
-          </a:xfrm>
-          <a:prstGeom prst="rect">
-            <a:avLst/>
-          </a:prstGeom>
-        </p:spPr>
-        <p:txBody>
-          <a:bodyPr lIns="0" tIns="0" rIns="0" bIns="0">
-            <a:normAutofit/>
-          </a:bodyPr>
-          <a:lstStyle/>
-          <a:p>
-            <a:endParaRPr lang="de-DE" sz="3200" b="0" strike="noStrike" spc="-1">
-              <a:latin typeface="Arial"/>
-            </a:endParaRPr>
-          </a:p>
-        </p:txBody>
-      </p:sp>
-      <p:sp>
-        <p:nvSpPr>
-          <p:cNvPr id="63" name="PlaceHolder 3"/>
-          <p:cNvSpPr>
-            <a:spLocks noGrp="1"/>
-          </p:cNvSpPr>
-          <p:nvPr>
-            <p:ph type="body"/>
-          </p:nvPr>
-        </p:nvSpPr>
-        <p:spPr>
-          <a:xfrm>
-            <a:off x="609480" y="3682080"/>
-            <a:ext cx="10972440" cy="1896840"/>
-          </a:xfrm>
-          <a:prstGeom prst="rect">
-            <a:avLst/>
-          </a:prstGeom>
-        </p:spPr>
-        <p:txBody>
-          <a:bodyPr lIns="0" tIns="0" rIns="0" bIns="0">
-            <a:normAutofit/>
-          </a:bodyPr>
-          <a:lstStyle/>
-          <a:p>
-            <a:endParaRPr lang="de-DE" sz="3200" b="0" strike="noStrike" spc="-1">
-              <a:latin typeface="Arial"/>
-            </a:endParaRPr>
-          </a:p>
-        </p:txBody>
-      </p:sp>
-    </p:spTree>
-    <p:extLst>
-      <p:ext uri="{BB962C8B-B14F-4D97-AF65-F5344CB8AC3E}">
-        <p14:creationId xmlns:p14="http://schemas.microsoft.com/office/powerpoint/2010/main" val="358755781"/>
-      </p:ext>
-    </p:extLst>
-  </p:cSld>
-  <p:clrMapOvr>
-    <a:masterClrMapping/>
-  </p:clrMapOvr>
-</p:sldLayout>
-</file>
-
-<file path=ppt/slideLayouts/slideLayout22.xml><?xml version="1.0" encoding="utf-8"?>
-<p:sldLayout xmlns:a="http://schemas.openxmlformats.org/drawingml/2006/main" xmlns:r="http://schemas.openxmlformats.org/officeDocument/2006/relationships" xmlns:p="http://schemas.openxmlformats.org/presentationml/2006/main" type="fourObj" preserve="1">
-  <p:cSld name="Title, 4 Content">
-    <p:spTree>
-      <p:nvGrpSpPr>
-        <p:cNvPr id="1" name=""/>
-        <p:cNvGrpSpPr/>
-        <p:nvPr/>
-      </p:nvGrpSpPr>
-      <p:grpSpPr>
-        <a:xfrm>
-          <a:off x="0" y="0"/>
-          <a:ext cx="0" cy="0"/>
-          <a:chOff x="0" y="0"/>
-          <a:chExt cx="0" cy="0"/>
-        </a:xfrm>
-      </p:grpSpPr>
-      <p:sp>
-        <p:nvSpPr>
-          <p:cNvPr id="64" name="PlaceHolder 1"/>
-          <p:cNvSpPr>
-            <a:spLocks noGrp="1"/>
-          </p:cNvSpPr>
-          <p:nvPr>
-            <p:ph type="title"/>
-          </p:nvPr>
-        </p:nvSpPr>
-        <p:spPr>
-          <a:xfrm>
-            <a:off x="609480" y="273600"/>
-            <a:ext cx="10972440" cy="1144800"/>
-          </a:xfrm>
-          <a:prstGeom prst="rect">
-            <a:avLst/>
-          </a:prstGeom>
-        </p:spPr>
-        <p:txBody>
-          <a:bodyPr lIns="0" tIns="0" rIns="0" bIns="0" anchor="ctr"/>
-          <a:lstStyle/>
-          <a:p>
-            <a:pPr algn="ctr"/>
-            <a:endParaRPr lang="de-DE" sz="4400" b="0" strike="noStrike" spc="-1">
-              <a:latin typeface="Arial"/>
-            </a:endParaRPr>
-          </a:p>
-        </p:txBody>
-      </p:sp>
-      <p:sp>
-        <p:nvSpPr>
-          <p:cNvPr id="65" name="PlaceHolder 2"/>
-          <p:cNvSpPr>
-            <a:spLocks noGrp="1"/>
-          </p:cNvSpPr>
-          <p:nvPr>
-            <p:ph type="body"/>
-          </p:nvPr>
-        </p:nvSpPr>
-        <p:spPr>
-          <a:xfrm>
-            <a:off x="609480" y="1604520"/>
-            <a:ext cx="5354280" cy="1896840"/>
-          </a:xfrm>
-          <a:prstGeom prst="rect">
-            <a:avLst/>
-          </a:prstGeom>
-        </p:spPr>
-        <p:txBody>
-          <a:bodyPr lIns="0" tIns="0" rIns="0" bIns="0">
-            <a:normAutofit/>
-          </a:bodyPr>
-          <a:lstStyle/>
-          <a:p>
-            <a:endParaRPr lang="de-DE" sz="3200" b="0" strike="noStrike" spc="-1">
-              <a:latin typeface="Arial"/>
-            </a:endParaRPr>
-          </a:p>
-        </p:txBody>
-      </p:sp>
-      <p:sp>
-        <p:nvSpPr>
-          <p:cNvPr id="66" name="PlaceHolder 3"/>
-          <p:cNvSpPr>
-            <a:spLocks noGrp="1"/>
-          </p:cNvSpPr>
-          <p:nvPr>
-            <p:ph type="body"/>
-          </p:nvPr>
-        </p:nvSpPr>
-        <p:spPr>
-          <a:xfrm>
-            <a:off x="6231960" y="1604520"/>
-            <a:ext cx="5354280" cy="1896840"/>
-          </a:xfrm>
-          <a:prstGeom prst="rect">
-            <a:avLst/>
-          </a:prstGeom>
-        </p:spPr>
-        <p:txBody>
-          <a:bodyPr lIns="0" tIns="0" rIns="0" bIns="0">
-            <a:normAutofit/>
-          </a:bodyPr>
-          <a:lstStyle/>
-          <a:p>
-            <a:endParaRPr lang="de-DE" sz="3200" b="0" strike="noStrike" spc="-1">
-              <a:latin typeface="Arial"/>
-            </a:endParaRPr>
-          </a:p>
-        </p:txBody>
-      </p:sp>
-      <p:sp>
-        <p:nvSpPr>
-          <p:cNvPr id="67" name="PlaceHolder 4"/>
-          <p:cNvSpPr>
-            <a:spLocks noGrp="1"/>
-          </p:cNvSpPr>
-          <p:nvPr>
-            <p:ph type="body"/>
-          </p:nvPr>
-        </p:nvSpPr>
-        <p:spPr>
-          <a:xfrm>
-            <a:off x="609480" y="3682080"/>
-            <a:ext cx="5354280" cy="1896840"/>
-          </a:xfrm>
-          <a:prstGeom prst="rect">
-            <a:avLst/>
-          </a:prstGeom>
-        </p:spPr>
-        <p:txBody>
-          <a:bodyPr lIns="0" tIns="0" rIns="0" bIns="0">
-            <a:normAutofit/>
-          </a:bodyPr>
-          <a:lstStyle/>
-          <a:p>
-            <a:endParaRPr lang="de-DE" sz="3200" b="0" strike="noStrike" spc="-1">
-              <a:latin typeface="Arial"/>
-            </a:endParaRPr>
-          </a:p>
-        </p:txBody>
-      </p:sp>
-      <p:sp>
-        <p:nvSpPr>
-          <p:cNvPr id="68" name="PlaceHolder 5"/>
-          <p:cNvSpPr>
-            <a:spLocks noGrp="1"/>
-          </p:cNvSpPr>
-          <p:nvPr>
-            <p:ph type="body"/>
-          </p:nvPr>
-        </p:nvSpPr>
-        <p:spPr>
-          <a:xfrm>
-            <a:off x="6231960" y="3682080"/>
-            <a:ext cx="5354280" cy="1896840"/>
-          </a:xfrm>
-          <a:prstGeom prst="rect">
-            <a:avLst/>
-          </a:prstGeom>
-        </p:spPr>
-        <p:txBody>
-          <a:bodyPr lIns="0" tIns="0" rIns="0" bIns="0">
-            <a:normAutofit/>
-          </a:bodyPr>
-          <a:lstStyle/>
-          <a:p>
-            <a:endParaRPr lang="de-DE" sz="3200" b="0" strike="noStrike" spc="-1">
-              <a:latin typeface="Arial"/>
-            </a:endParaRPr>
-          </a:p>
-        </p:txBody>
-      </p:sp>
-    </p:spTree>
-    <p:extLst>
-      <p:ext uri="{BB962C8B-B14F-4D97-AF65-F5344CB8AC3E}">
-        <p14:creationId xmlns:p14="http://schemas.microsoft.com/office/powerpoint/2010/main" val="1975968259"/>
-      </p:ext>
-    </p:extLst>
-  </p:cSld>
-  <p:clrMapOvr>
-    <a:masterClrMapping/>
-  </p:clrMapOvr>
-</p:sldLayout>
-</file>
-
-<file path=ppt/slideLayouts/slideLayout23.xml><?xml version="1.0" encoding="utf-8"?>
-<p:sldLayout xmlns:a="http://schemas.openxmlformats.org/drawingml/2006/main" xmlns:r="http://schemas.openxmlformats.org/officeDocument/2006/relationships" xmlns:p="http://schemas.openxmlformats.org/presentationml/2006/main" type="blank" preserve="1">
-  <p:cSld name="Title, 6 Content">
-    <p:spTree>
-      <p:nvGrpSpPr>
-        <p:cNvPr id="1" name=""/>
-        <p:cNvGrpSpPr/>
-        <p:nvPr/>
-      </p:nvGrpSpPr>
-      <p:grpSpPr>
-        <a:xfrm>
-          <a:off x="0" y="0"/>
-          <a:ext cx="0" cy="0"/>
-          <a:chOff x="0" y="0"/>
-          <a:chExt cx="0" cy="0"/>
-        </a:xfrm>
-      </p:grpSpPr>
-      <p:sp>
-        <p:nvSpPr>
-          <p:cNvPr id="69" name="PlaceHolder 1"/>
-          <p:cNvSpPr>
-            <a:spLocks noGrp="1"/>
-          </p:cNvSpPr>
-          <p:nvPr>
-            <p:ph type="title"/>
-          </p:nvPr>
-        </p:nvSpPr>
-        <p:spPr>
-          <a:xfrm>
-            <a:off x="609480" y="273600"/>
-            <a:ext cx="10972440" cy="1144800"/>
-          </a:xfrm>
-          <a:prstGeom prst="rect">
-            <a:avLst/>
-          </a:prstGeom>
-        </p:spPr>
-        <p:txBody>
-          <a:bodyPr lIns="0" tIns="0" rIns="0" bIns="0" anchor="ctr"/>
-          <a:lstStyle/>
-          <a:p>
-            <a:pPr algn="ctr"/>
-            <a:endParaRPr lang="de-DE" sz="4400" b="0" strike="noStrike" spc="-1">
-              <a:latin typeface="Arial"/>
-            </a:endParaRPr>
-          </a:p>
-        </p:txBody>
-      </p:sp>
-      <p:sp>
-        <p:nvSpPr>
-          <p:cNvPr id="70" name="PlaceHolder 2"/>
-          <p:cNvSpPr>
-            <a:spLocks noGrp="1"/>
-          </p:cNvSpPr>
-          <p:nvPr>
-            <p:ph type="body"/>
-          </p:nvPr>
-        </p:nvSpPr>
-        <p:spPr>
-          <a:xfrm>
-            <a:off x="609480" y="1604520"/>
-            <a:ext cx="3533040" cy="1896840"/>
-          </a:xfrm>
-          <a:prstGeom prst="rect">
-            <a:avLst/>
-          </a:prstGeom>
-        </p:spPr>
-        <p:txBody>
-          <a:bodyPr lIns="0" tIns="0" rIns="0" bIns="0">
-            <a:normAutofit/>
-          </a:bodyPr>
-          <a:lstStyle/>
-          <a:p>
-            <a:endParaRPr lang="de-DE" sz="3200" b="0" strike="noStrike" spc="-1">
-              <a:latin typeface="Arial"/>
-            </a:endParaRPr>
-          </a:p>
-        </p:txBody>
-      </p:sp>
-      <p:sp>
-        <p:nvSpPr>
-          <p:cNvPr id="71" name="PlaceHolder 3"/>
-          <p:cNvSpPr>
-            <a:spLocks noGrp="1"/>
-          </p:cNvSpPr>
-          <p:nvPr>
-            <p:ph type="body"/>
-          </p:nvPr>
-        </p:nvSpPr>
-        <p:spPr>
-          <a:xfrm>
-            <a:off x="4319640" y="1604520"/>
-            <a:ext cx="3533040" cy="1896840"/>
-          </a:xfrm>
-          <a:prstGeom prst="rect">
-            <a:avLst/>
-          </a:prstGeom>
-        </p:spPr>
-        <p:txBody>
-          <a:bodyPr lIns="0" tIns="0" rIns="0" bIns="0">
-            <a:normAutofit/>
-          </a:bodyPr>
-          <a:lstStyle/>
-          <a:p>
-            <a:endParaRPr lang="de-DE" sz="3200" b="0" strike="noStrike" spc="-1">
-              <a:latin typeface="Arial"/>
-            </a:endParaRPr>
-          </a:p>
-        </p:txBody>
-      </p:sp>
-      <p:sp>
-        <p:nvSpPr>
-          <p:cNvPr id="72" name="PlaceHolder 4"/>
-          <p:cNvSpPr>
-            <a:spLocks noGrp="1"/>
-          </p:cNvSpPr>
-          <p:nvPr>
-            <p:ph type="body"/>
-          </p:nvPr>
-        </p:nvSpPr>
-        <p:spPr>
-          <a:xfrm>
-            <a:off x="8029800" y="1604520"/>
-            <a:ext cx="3533040" cy="1896840"/>
-          </a:xfrm>
-          <a:prstGeom prst="rect">
-            <a:avLst/>
-          </a:prstGeom>
-        </p:spPr>
-        <p:txBody>
-          <a:bodyPr lIns="0" tIns="0" rIns="0" bIns="0">
-            <a:normAutofit/>
-          </a:bodyPr>
-          <a:lstStyle/>
-          <a:p>
-            <a:endParaRPr lang="de-DE" sz="3200" b="0" strike="noStrike" spc="-1">
-              <a:latin typeface="Arial"/>
-            </a:endParaRPr>
-          </a:p>
-        </p:txBody>
-      </p:sp>
-      <p:sp>
-        <p:nvSpPr>
-          <p:cNvPr id="73" name="PlaceHolder 5"/>
-          <p:cNvSpPr>
-            <a:spLocks noGrp="1"/>
-          </p:cNvSpPr>
-          <p:nvPr>
-            <p:ph type="body"/>
-          </p:nvPr>
-        </p:nvSpPr>
-        <p:spPr>
-          <a:xfrm>
-            <a:off x="609480" y="3682080"/>
-            <a:ext cx="3533040" cy="1896840"/>
-          </a:xfrm>
-          <a:prstGeom prst="rect">
-            <a:avLst/>
-          </a:prstGeom>
-        </p:spPr>
-        <p:txBody>
-          <a:bodyPr lIns="0" tIns="0" rIns="0" bIns="0">
-            <a:normAutofit/>
-          </a:bodyPr>
-          <a:lstStyle/>
-          <a:p>
-            <a:endParaRPr lang="de-DE" sz="3200" b="0" strike="noStrike" spc="-1">
-              <a:latin typeface="Arial"/>
-            </a:endParaRPr>
-          </a:p>
-        </p:txBody>
-      </p:sp>
-      <p:sp>
-        <p:nvSpPr>
-          <p:cNvPr id="74" name="PlaceHolder 6"/>
-          <p:cNvSpPr>
-            <a:spLocks noGrp="1"/>
-          </p:cNvSpPr>
-          <p:nvPr>
-            <p:ph type="body"/>
-          </p:nvPr>
-        </p:nvSpPr>
-        <p:spPr>
-          <a:xfrm>
-            <a:off x="4319640" y="3682080"/>
-            <a:ext cx="3533040" cy="1896840"/>
-          </a:xfrm>
-          <a:prstGeom prst="rect">
-            <a:avLst/>
-          </a:prstGeom>
-        </p:spPr>
-        <p:txBody>
-          <a:bodyPr lIns="0" tIns="0" rIns="0" bIns="0">
-            <a:normAutofit/>
-          </a:bodyPr>
-          <a:lstStyle/>
-          <a:p>
-            <a:endParaRPr lang="de-DE" sz="3200" b="0" strike="noStrike" spc="-1">
-              <a:latin typeface="Arial"/>
-            </a:endParaRPr>
-          </a:p>
-        </p:txBody>
-      </p:sp>
-      <p:sp>
-        <p:nvSpPr>
-          <p:cNvPr id="75" name="PlaceHolder 7"/>
-          <p:cNvSpPr>
-            <a:spLocks noGrp="1"/>
-          </p:cNvSpPr>
-          <p:nvPr>
-            <p:ph type="body"/>
-          </p:nvPr>
-        </p:nvSpPr>
-        <p:spPr>
-          <a:xfrm>
-            <a:off x="8029800" y="3682080"/>
-            <a:ext cx="3533040" cy="1896840"/>
-          </a:xfrm>
-          <a:prstGeom prst="rect">
-            <a:avLst/>
-          </a:prstGeom>
-        </p:spPr>
-        <p:txBody>
-          <a:bodyPr lIns="0" tIns="0" rIns="0" bIns="0">
-            <a:normAutofit/>
-          </a:bodyPr>
-          <a:lstStyle/>
-          <a:p>
-            <a:endParaRPr lang="de-DE" sz="3200" b="0" strike="noStrike" spc="-1">
-              <a:latin typeface="Arial"/>
-            </a:endParaRPr>
-          </a:p>
-        </p:txBody>
-      </p:sp>
-    </p:spTree>
-    <p:extLst>
-      <p:ext uri="{BB962C8B-B14F-4D97-AF65-F5344CB8AC3E}">
-        <p14:creationId xmlns:p14="http://schemas.microsoft.com/office/powerpoint/2010/main" val="2563594432"/>
       </p:ext>
     </p:extLst>
   </p:cSld>
@@ -2975,7 +1510,7 @@
           <a:p>
             <a:fld id="{6210B2B0-CF96-4F1C-BF0E-64EDB12A42EE}" type="datetime1">
               <a:rPr lang="de-DE" smtClean="0"/>
-              <a:t>13.05.2019</a:t>
+              <a:t>14.05.2019</a:t>
             </a:fld>
             <a:endParaRPr lang="de-DE"/>
           </a:p>
@@ -3240,7 +1775,7 @@
           <a:p>
             <a:fld id="{AE41E9F8-9D21-459A-9EF5-38EA6550C302}" type="datetime1">
               <a:rPr lang="de-DE" smtClean="0"/>
-              <a:t>13.05.2019</a:t>
+              <a:t>14.05.2019</a:t>
             </a:fld>
             <a:endParaRPr lang="de-DE"/>
           </a:p>
@@ -3652,7 +2187,7 @@
           <a:p>
             <a:fld id="{706E289F-9EA5-49FB-9AF6-0802B2A4BCA4}" type="datetime1">
               <a:rPr lang="de-DE" smtClean="0"/>
-              <a:t>13.05.2019</a:t>
+              <a:t>14.05.2019</a:t>
             </a:fld>
             <a:endParaRPr lang="de-DE"/>
           </a:p>
@@ -3793,7 +2328,7 @@
           <a:p>
             <a:fld id="{2C3C7675-5768-4EDC-BAD2-6E10B3EE4F72}" type="datetime1">
               <a:rPr lang="de-DE" smtClean="0"/>
-              <a:t>13.05.2019</a:t>
+              <a:t>14.05.2019</a:t>
             </a:fld>
             <a:endParaRPr lang="de-DE"/>
           </a:p>
@@ -3906,7 +2441,7 @@
           <a:p>
             <a:fld id="{404DD42A-AD46-4590-BDF8-DFFB54935097}" type="datetime1">
               <a:rPr lang="de-DE" smtClean="0"/>
-              <a:t>13.05.2019</a:t>
+              <a:t>14.05.2019</a:t>
             </a:fld>
             <a:endParaRPr lang="de-DE"/>
           </a:p>
@@ -4217,7 +2752,7 @@
           <a:p>
             <a:fld id="{4F0F081A-CDD8-472C-9F4E-7A3EBBFFF192}" type="datetime1">
               <a:rPr lang="de-DE" smtClean="0"/>
-              <a:t>13.05.2019</a:t>
+              <a:t>14.05.2019</a:t>
             </a:fld>
             <a:endParaRPr lang="de-DE"/>
           </a:p>
@@ -4505,7 +3040,7 @@
           <a:p>
             <a:fld id="{9E85C333-1D4B-4F0B-BE2F-4DDABA942EA3}" type="datetime1">
               <a:rPr lang="de-DE" smtClean="0"/>
-              <a:t>13.05.2019</a:t>
+              <a:t>14.05.2019</a:t>
             </a:fld>
             <a:endParaRPr lang="de-DE"/>
           </a:p>
@@ -4746,7 +3281,7 @@
           <a:p>
             <a:fld id="{4A1F9046-5C4E-42ED-BB67-6AEDA31D1F89}" type="datetime1">
               <a:rPr lang="de-DE" smtClean="0"/>
-              <a:t>13.05.2019</a:t>
+              <a:t>14.05.2019</a:t>
             </a:fld>
             <a:endParaRPr lang="de-DE"/>
           </a:p>
@@ -4864,528 +3399,6 @@
     <p:sldLayoutId id="2147483659" r:id="rId11"/>
   </p:sldLayoutIdLst>
   <p:hf hdr="0" ftr="0" dt="0"/>
-  <p:txStyles>
-    <p:titleStyle>
-      <a:lvl1pPr algn="l" defTabSz="914400" rtl="0" eaLnBrk="1" latinLnBrk="0" hangingPunct="1">
-        <a:lnSpc>
-          <a:spcPct val="90000"/>
-        </a:lnSpc>
-        <a:spcBef>
-          <a:spcPct val="0"/>
-        </a:spcBef>
-        <a:buNone/>
-        <a:defRPr sz="4400" kern="1200">
-          <a:solidFill>
-            <a:schemeClr val="tx1"/>
-          </a:solidFill>
-          <a:latin typeface="+mj-lt"/>
-          <a:ea typeface="+mj-ea"/>
-          <a:cs typeface="+mj-cs"/>
-        </a:defRPr>
-      </a:lvl1pPr>
-    </p:titleStyle>
-    <p:bodyStyle>
-      <a:lvl1pPr marL="228600" indent="-228600" algn="l" defTabSz="914400" rtl="0" eaLnBrk="1" latinLnBrk="0" hangingPunct="1">
-        <a:lnSpc>
-          <a:spcPct val="90000"/>
-        </a:lnSpc>
-        <a:spcBef>
-          <a:spcPts val="1000"/>
-        </a:spcBef>
-        <a:buFont typeface="Arial" panose="020B0604020202020204" pitchFamily="34" charset="0"/>
-        <a:buChar char="•"/>
-        <a:defRPr sz="2800" kern="1200">
-          <a:solidFill>
-            <a:schemeClr val="tx1"/>
-          </a:solidFill>
-          <a:latin typeface="+mn-lt"/>
-          <a:ea typeface="+mn-ea"/>
-          <a:cs typeface="+mn-cs"/>
-        </a:defRPr>
-      </a:lvl1pPr>
-      <a:lvl2pPr marL="685800" indent="-228600" algn="l" defTabSz="914400" rtl="0" eaLnBrk="1" latinLnBrk="0" hangingPunct="1">
-        <a:lnSpc>
-          <a:spcPct val="90000"/>
-        </a:lnSpc>
-        <a:spcBef>
-          <a:spcPts val="500"/>
-        </a:spcBef>
-        <a:buFont typeface="Arial" panose="020B0604020202020204" pitchFamily="34" charset="0"/>
-        <a:buChar char="•"/>
-        <a:defRPr sz="2400" kern="1200">
-          <a:solidFill>
-            <a:schemeClr val="tx1"/>
-          </a:solidFill>
-          <a:latin typeface="+mn-lt"/>
-          <a:ea typeface="+mn-ea"/>
-          <a:cs typeface="+mn-cs"/>
-        </a:defRPr>
-      </a:lvl2pPr>
-      <a:lvl3pPr marL="1143000" indent="-228600" algn="l" defTabSz="914400" rtl="0" eaLnBrk="1" latinLnBrk="0" hangingPunct="1">
-        <a:lnSpc>
-          <a:spcPct val="90000"/>
-        </a:lnSpc>
-        <a:spcBef>
-          <a:spcPts val="500"/>
-        </a:spcBef>
-        <a:buFont typeface="Arial" panose="020B0604020202020204" pitchFamily="34" charset="0"/>
-        <a:buChar char="•"/>
-        <a:defRPr sz="2000" kern="1200">
-          <a:solidFill>
-            <a:schemeClr val="tx1"/>
-          </a:solidFill>
-          <a:latin typeface="+mn-lt"/>
-          <a:ea typeface="+mn-ea"/>
-          <a:cs typeface="+mn-cs"/>
-        </a:defRPr>
-      </a:lvl3pPr>
-      <a:lvl4pPr marL="1600200" indent="-228600" algn="l" defTabSz="914400" rtl="0" eaLnBrk="1" latinLnBrk="0" hangingPunct="1">
-        <a:lnSpc>
-          <a:spcPct val="90000"/>
-        </a:lnSpc>
-        <a:spcBef>
-          <a:spcPts val="500"/>
-        </a:spcBef>
-        <a:buFont typeface="Arial" panose="020B0604020202020204" pitchFamily="34" charset="0"/>
-        <a:buChar char="•"/>
-        <a:defRPr sz="1800" kern="1200">
-          <a:solidFill>
-            <a:schemeClr val="tx1"/>
-          </a:solidFill>
-          <a:latin typeface="+mn-lt"/>
-          <a:ea typeface="+mn-ea"/>
-          <a:cs typeface="+mn-cs"/>
-        </a:defRPr>
-      </a:lvl4pPr>
-      <a:lvl5pPr marL="2057400" indent="-228600" algn="l" defTabSz="914400" rtl="0" eaLnBrk="1" latinLnBrk="0" hangingPunct="1">
-        <a:lnSpc>
-          <a:spcPct val="90000"/>
-        </a:lnSpc>
-        <a:spcBef>
-          <a:spcPts val="500"/>
-        </a:spcBef>
-        <a:buFont typeface="Arial" panose="020B0604020202020204" pitchFamily="34" charset="0"/>
-        <a:buChar char="•"/>
-        <a:defRPr sz="1800" kern="1200">
-          <a:solidFill>
-            <a:schemeClr val="tx1"/>
-          </a:solidFill>
-          <a:latin typeface="+mn-lt"/>
-          <a:ea typeface="+mn-ea"/>
-          <a:cs typeface="+mn-cs"/>
-        </a:defRPr>
-      </a:lvl5pPr>
-      <a:lvl6pPr marL="2514600" indent="-228600" algn="l" defTabSz="914400" rtl="0" eaLnBrk="1" latinLnBrk="0" hangingPunct="1">
-        <a:lnSpc>
-          <a:spcPct val="90000"/>
-        </a:lnSpc>
-        <a:spcBef>
-          <a:spcPts val="500"/>
-        </a:spcBef>
-        <a:buFont typeface="Arial" panose="020B0604020202020204" pitchFamily="34" charset="0"/>
-        <a:buChar char="•"/>
-        <a:defRPr sz="1800" kern="1200">
-          <a:solidFill>
-            <a:schemeClr val="tx1"/>
-          </a:solidFill>
-          <a:latin typeface="+mn-lt"/>
-          <a:ea typeface="+mn-ea"/>
-          <a:cs typeface="+mn-cs"/>
-        </a:defRPr>
-      </a:lvl6pPr>
-      <a:lvl7pPr marL="2971800" indent="-228600" algn="l" defTabSz="914400" rtl="0" eaLnBrk="1" latinLnBrk="0" hangingPunct="1">
-        <a:lnSpc>
-          <a:spcPct val="90000"/>
-        </a:lnSpc>
-        <a:spcBef>
-          <a:spcPts val="500"/>
-        </a:spcBef>
-        <a:buFont typeface="Arial" panose="020B0604020202020204" pitchFamily="34" charset="0"/>
-        <a:buChar char="•"/>
-        <a:defRPr sz="1800" kern="1200">
-          <a:solidFill>
-            <a:schemeClr val="tx1"/>
-          </a:solidFill>
-          <a:latin typeface="+mn-lt"/>
-          <a:ea typeface="+mn-ea"/>
-          <a:cs typeface="+mn-cs"/>
-        </a:defRPr>
-      </a:lvl7pPr>
-      <a:lvl8pPr marL="3429000" indent="-228600" algn="l" defTabSz="914400" rtl="0" eaLnBrk="1" latinLnBrk="0" hangingPunct="1">
-        <a:lnSpc>
-          <a:spcPct val="90000"/>
-        </a:lnSpc>
-        <a:spcBef>
-          <a:spcPts val="500"/>
-        </a:spcBef>
-        <a:buFont typeface="Arial" panose="020B0604020202020204" pitchFamily="34" charset="0"/>
-        <a:buChar char="•"/>
-        <a:defRPr sz="1800" kern="1200">
-          <a:solidFill>
-            <a:schemeClr val="tx1"/>
-          </a:solidFill>
-          <a:latin typeface="+mn-lt"/>
-          <a:ea typeface="+mn-ea"/>
-          <a:cs typeface="+mn-cs"/>
-        </a:defRPr>
-      </a:lvl8pPr>
-      <a:lvl9pPr marL="3886200" indent="-228600" algn="l" defTabSz="914400" rtl="0" eaLnBrk="1" latinLnBrk="0" hangingPunct="1">
-        <a:lnSpc>
-          <a:spcPct val="90000"/>
-        </a:lnSpc>
-        <a:spcBef>
-          <a:spcPts val="500"/>
-        </a:spcBef>
-        <a:buFont typeface="Arial" panose="020B0604020202020204" pitchFamily="34" charset="0"/>
-        <a:buChar char="•"/>
-        <a:defRPr sz="1800" kern="1200">
-          <a:solidFill>
-            <a:schemeClr val="tx1"/>
-          </a:solidFill>
-          <a:latin typeface="+mn-lt"/>
-          <a:ea typeface="+mn-ea"/>
-          <a:cs typeface="+mn-cs"/>
-        </a:defRPr>
-      </a:lvl9pPr>
-    </p:bodyStyle>
-    <p:otherStyle>
-      <a:defPPr>
-        <a:defRPr lang="de-DE"/>
-      </a:defPPr>
-      <a:lvl1pPr marL="0" algn="l" defTabSz="914400" rtl="0" eaLnBrk="1" latinLnBrk="0" hangingPunct="1">
-        <a:defRPr sz="1800" kern="1200">
-          <a:solidFill>
-            <a:schemeClr val="tx1"/>
-          </a:solidFill>
-          <a:latin typeface="+mn-lt"/>
-          <a:ea typeface="+mn-ea"/>
-          <a:cs typeface="+mn-cs"/>
-        </a:defRPr>
-      </a:lvl1pPr>
-      <a:lvl2pPr marL="457200" algn="l" defTabSz="914400" rtl="0" eaLnBrk="1" latinLnBrk="0" hangingPunct="1">
-        <a:defRPr sz="1800" kern="1200">
-          <a:solidFill>
-            <a:schemeClr val="tx1"/>
-          </a:solidFill>
-          <a:latin typeface="+mn-lt"/>
-          <a:ea typeface="+mn-ea"/>
-          <a:cs typeface="+mn-cs"/>
-        </a:defRPr>
-      </a:lvl2pPr>
-      <a:lvl3pPr marL="914400" algn="l" defTabSz="914400" rtl="0" eaLnBrk="1" latinLnBrk="0" hangingPunct="1">
-        <a:defRPr sz="1800" kern="1200">
-          <a:solidFill>
-            <a:schemeClr val="tx1"/>
-          </a:solidFill>
-          <a:latin typeface="+mn-lt"/>
-          <a:ea typeface="+mn-ea"/>
-          <a:cs typeface="+mn-cs"/>
-        </a:defRPr>
-      </a:lvl3pPr>
-      <a:lvl4pPr marL="1371600" algn="l" defTabSz="914400" rtl="0" eaLnBrk="1" latinLnBrk="0" hangingPunct="1">
-        <a:defRPr sz="1800" kern="1200">
-          <a:solidFill>
-            <a:schemeClr val="tx1"/>
-          </a:solidFill>
-          <a:latin typeface="+mn-lt"/>
-          <a:ea typeface="+mn-ea"/>
-          <a:cs typeface="+mn-cs"/>
-        </a:defRPr>
-      </a:lvl4pPr>
-      <a:lvl5pPr marL="1828800" algn="l" defTabSz="914400" rtl="0" eaLnBrk="1" latinLnBrk="0" hangingPunct="1">
-        <a:defRPr sz="1800" kern="1200">
-          <a:solidFill>
-            <a:schemeClr val="tx1"/>
-          </a:solidFill>
-          <a:latin typeface="+mn-lt"/>
-          <a:ea typeface="+mn-ea"/>
-          <a:cs typeface="+mn-cs"/>
-        </a:defRPr>
-      </a:lvl5pPr>
-      <a:lvl6pPr marL="2286000" algn="l" defTabSz="914400" rtl="0" eaLnBrk="1" latinLnBrk="0" hangingPunct="1">
-        <a:defRPr sz="1800" kern="1200">
-          <a:solidFill>
-            <a:schemeClr val="tx1"/>
-          </a:solidFill>
-          <a:latin typeface="+mn-lt"/>
-          <a:ea typeface="+mn-ea"/>
-          <a:cs typeface="+mn-cs"/>
-        </a:defRPr>
-      </a:lvl6pPr>
-      <a:lvl7pPr marL="2743200" algn="l" defTabSz="914400" rtl="0" eaLnBrk="1" latinLnBrk="0" hangingPunct="1">
-        <a:defRPr sz="1800" kern="1200">
-          <a:solidFill>
-            <a:schemeClr val="tx1"/>
-          </a:solidFill>
-          <a:latin typeface="+mn-lt"/>
-          <a:ea typeface="+mn-ea"/>
-          <a:cs typeface="+mn-cs"/>
-        </a:defRPr>
-      </a:lvl7pPr>
-      <a:lvl8pPr marL="3200400" algn="l" defTabSz="914400" rtl="0" eaLnBrk="1" latinLnBrk="0" hangingPunct="1">
-        <a:defRPr sz="1800" kern="1200">
-          <a:solidFill>
-            <a:schemeClr val="tx1"/>
-          </a:solidFill>
-          <a:latin typeface="+mn-lt"/>
-          <a:ea typeface="+mn-ea"/>
-          <a:cs typeface="+mn-cs"/>
-        </a:defRPr>
-      </a:lvl8pPr>
-      <a:lvl9pPr marL="3657600" algn="l" defTabSz="914400" rtl="0" eaLnBrk="1" latinLnBrk="0" hangingPunct="1">
-        <a:defRPr sz="1800" kern="1200">
-          <a:solidFill>
-            <a:schemeClr val="tx1"/>
-          </a:solidFill>
-          <a:latin typeface="+mn-lt"/>
-          <a:ea typeface="+mn-ea"/>
-          <a:cs typeface="+mn-cs"/>
-        </a:defRPr>
-      </a:lvl9pPr>
-    </p:otherStyle>
-  </p:txStyles>
-</p:sldMaster>
-</file>
-
-<file path=ppt/slideMasters/slideMaster2.xml><?xml version="1.0" encoding="utf-8"?>
-<p:sldMaster xmlns:a="http://schemas.openxmlformats.org/drawingml/2006/main" xmlns:r="http://schemas.openxmlformats.org/officeDocument/2006/relationships" xmlns:p="http://schemas.openxmlformats.org/presentationml/2006/main">
-  <p:cSld>
-    <p:bg>
-      <p:bgPr>
-        <a:solidFill>
-          <a:srgbClr val="FFFFFF"/>
-        </a:solidFill>
-        <a:effectLst/>
-      </p:bgPr>
-    </p:bg>
-    <p:spTree>
-      <p:nvGrpSpPr>
-        <p:cNvPr id="1" name=""/>
-        <p:cNvGrpSpPr/>
-        <p:nvPr/>
-      </p:nvGrpSpPr>
-      <p:grpSpPr>
-        <a:xfrm>
-          <a:off x="0" y="0"/>
-          <a:ext cx="0" cy="0"/>
-          <a:chOff x="0" y="0"/>
-          <a:chExt cx="0" cy="0"/>
-        </a:xfrm>
-      </p:grpSpPr>
-      <p:sp>
-        <p:nvSpPr>
-          <p:cNvPr id="38" name="PlaceHolder 1"/>
-          <p:cNvSpPr>
-            <a:spLocks noGrp="1"/>
-          </p:cNvSpPr>
-          <p:nvPr>
-            <p:ph type="title"/>
-          </p:nvPr>
-        </p:nvSpPr>
-        <p:spPr>
-          <a:xfrm>
-            <a:off x="609480" y="273600"/>
-            <a:ext cx="10972440" cy="1144800"/>
-          </a:xfrm>
-          <a:prstGeom prst="rect">
-            <a:avLst/>
-          </a:prstGeom>
-        </p:spPr>
-        <p:txBody>
-          <a:bodyPr lIns="0" tIns="0" rIns="0" bIns="0" anchor="ctr"/>
-          <a:lstStyle/>
-          <a:p>
-            <a:pPr algn="ctr"/>
-            <a:r>
-              <a:rPr lang="de-DE" sz="4400" b="0" strike="noStrike" spc="-1">
-                <a:latin typeface="Arial"/>
-              </a:rPr>
-              <a:t>Format des Titeltextes durch Klicken bearbeiten</a:t>
-            </a:r>
-          </a:p>
-        </p:txBody>
-      </p:sp>
-      <p:sp>
-        <p:nvSpPr>
-          <p:cNvPr id="39" name="PlaceHolder 2"/>
-          <p:cNvSpPr>
-            <a:spLocks noGrp="1"/>
-          </p:cNvSpPr>
-          <p:nvPr>
-            <p:ph type="body"/>
-          </p:nvPr>
-        </p:nvSpPr>
-        <p:spPr>
-          <a:xfrm>
-            <a:off x="609480" y="1604520"/>
-            <a:ext cx="10972440" cy="3977280"/>
-          </a:xfrm>
-          <a:prstGeom prst="rect">
-            <a:avLst/>
-          </a:prstGeom>
-        </p:spPr>
-        <p:txBody>
-          <a:bodyPr lIns="0" tIns="0" rIns="0" bIns="0">
-            <a:normAutofit/>
-          </a:bodyPr>
-          <a:lstStyle/>
-          <a:p>
-            <a:pPr marL="432000" indent="-324000">
-              <a:spcBef>
-                <a:spcPts val="1417"/>
-              </a:spcBef>
-              <a:buClr>
-                <a:srgbClr val="000000"/>
-              </a:buClr>
-              <a:buSzPct val="45000"/>
-              <a:buFont typeface="Wingdings" charset="2"/>
-              <a:buChar char=""/>
-            </a:pPr>
-            <a:r>
-              <a:rPr lang="de-DE" sz="3200" b="0" strike="noStrike" spc="-1">
-                <a:latin typeface="Arial"/>
-              </a:rPr>
-              <a:t>Format des Gliederungstextes durch Klicken bearbeiten</a:t>
-            </a:r>
-          </a:p>
-          <a:p>
-            <a:pPr marL="864000" lvl="1" indent="-324000">
-              <a:spcBef>
-                <a:spcPts val="1134"/>
-              </a:spcBef>
-              <a:buClr>
-                <a:srgbClr val="000000"/>
-              </a:buClr>
-              <a:buSzPct val="75000"/>
-              <a:buFont typeface="Symbol" charset="2"/>
-              <a:buChar char=""/>
-            </a:pPr>
-            <a:r>
-              <a:rPr lang="de-DE" sz="2800" b="0" strike="noStrike" spc="-1">
-                <a:latin typeface="Arial"/>
-              </a:rPr>
-              <a:t>Zweite Gliederungsebene</a:t>
-            </a:r>
-          </a:p>
-          <a:p>
-            <a:pPr marL="1296000" lvl="2" indent="-288000">
-              <a:spcBef>
-                <a:spcPts val="850"/>
-              </a:spcBef>
-              <a:buClr>
-                <a:srgbClr val="000000"/>
-              </a:buClr>
-              <a:buSzPct val="45000"/>
-              <a:buFont typeface="Wingdings" charset="2"/>
-              <a:buChar char=""/>
-            </a:pPr>
-            <a:r>
-              <a:rPr lang="de-DE" sz="2400" b="0" strike="noStrike" spc="-1">
-                <a:latin typeface="Arial"/>
-              </a:rPr>
-              <a:t>Dritte Gliederungsebene</a:t>
-            </a:r>
-          </a:p>
-          <a:p>
-            <a:pPr marL="1728000" lvl="3" indent="-216000">
-              <a:spcBef>
-                <a:spcPts val="567"/>
-              </a:spcBef>
-              <a:buClr>
-                <a:srgbClr val="000000"/>
-              </a:buClr>
-              <a:buSzPct val="75000"/>
-              <a:buFont typeface="Symbol" charset="2"/>
-              <a:buChar char=""/>
-            </a:pPr>
-            <a:r>
-              <a:rPr lang="de-DE" sz="2000" b="0" strike="noStrike" spc="-1">
-                <a:latin typeface="Arial"/>
-              </a:rPr>
-              <a:t>Vierte Gliederungsebene</a:t>
-            </a:r>
-          </a:p>
-          <a:p>
-            <a:pPr marL="2160000" lvl="4" indent="-216000">
-              <a:spcBef>
-                <a:spcPts val="283"/>
-              </a:spcBef>
-              <a:buClr>
-                <a:srgbClr val="000000"/>
-              </a:buClr>
-              <a:buSzPct val="45000"/>
-              <a:buFont typeface="Wingdings" charset="2"/>
-              <a:buChar char=""/>
-            </a:pPr>
-            <a:r>
-              <a:rPr lang="de-DE" sz="2000" b="0" strike="noStrike" spc="-1">
-                <a:latin typeface="Arial"/>
-              </a:rPr>
-              <a:t>Fünfte Gliederungsebene</a:t>
-            </a:r>
-          </a:p>
-          <a:p>
-            <a:pPr marL="2592000" lvl="5" indent="-216000">
-              <a:spcBef>
-                <a:spcPts val="283"/>
-              </a:spcBef>
-              <a:buClr>
-                <a:srgbClr val="000000"/>
-              </a:buClr>
-              <a:buSzPct val="45000"/>
-              <a:buFont typeface="Wingdings" charset="2"/>
-              <a:buChar char=""/>
-            </a:pPr>
-            <a:r>
-              <a:rPr lang="de-DE" sz="2000" b="0" strike="noStrike" spc="-1">
-                <a:latin typeface="Arial"/>
-              </a:rPr>
-              <a:t>Sechste Gliederungsebene</a:t>
-            </a:r>
-          </a:p>
-          <a:p>
-            <a:pPr marL="3024000" lvl="6" indent="-216000">
-              <a:spcBef>
-                <a:spcPts val="283"/>
-              </a:spcBef>
-              <a:buClr>
-                <a:srgbClr val="000000"/>
-              </a:buClr>
-              <a:buSzPct val="45000"/>
-              <a:buFont typeface="Wingdings" charset="2"/>
-              <a:buChar char=""/>
-            </a:pPr>
-            <a:r>
-              <a:rPr lang="de-DE" sz="2000" b="0" strike="noStrike" spc="-1">
-                <a:latin typeface="Arial"/>
-              </a:rPr>
-              <a:t>Siebte Gliederungsebene</a:t>
-            </a:r>
-          </a:p>
-        </p:txBody>
-      </p:sp>
-    </p:spTree>
-    <p:extLst>
-      <p:ext uri="{BB962C8B-B14F-4D97-AF65-F5344CB8AC3E}">
-        <p14:creationId xmlns:p14="http://schemas.microsoft.com/office/powerpoint/2010/main" val="1414461311"/>
-      </p:ext>
-    </p:extLst>
-  </p:cSld>
-  <p:clrMap bg1="lt1" tx1="dk1" bg2="lt2" tx2="dk2" accent1="accent1" accent2="accent2" accent3="accent3" accent4="accent4" accent5="accent5" accent6="accent6" hlink="hlink" folHlink="folHlink"/>
-  <p:sldLayoutIdLst>
-    <p:sldLayoutId id="2147483661" r:id="rId1"/>
-    <p:sldLayoutId id="2147483662" r:id="rId2"/>
-    <p:sldLayoutId id="2147483663" r:id="rId3"/>
-    <p:sldLayoutId id="2147483664" r:id="rId4"/>
-    <p:sldLayoutId id="2147483665" r:id="rId5"/>
-    <p:sldLayoutId id="2147483666" r:id="rId6"/>
-    <p:sldLayoutId id="2147483667" r:id="rId7"/>
-    <p:sldLayoutId id="2147483668" r:id="rId8"/>
-    <p:sldLayoutId id="2147483669" r:id="rId9"/>
-    <p:sldLayoutId id="2147483670" r:id="rId10"/>
-    <p:sldLayoutId id="2147483671" r:id="rId11"/>
-    <p:sldLayoutId id="2147483672" r:id="rId12"/>
-  </p:sldLayoutIdLst>
   <p:txStyles>
     <p:titleStyle>
       <a:lvl1pPr algn="l" defTabSz="914400" rtl="0" eaLnBrk="1" latinLnBrk="0" hangingPunct="1">
@@ -6132,6 +4145,11 @@
 <file path=ppt/slides/slide2.xml><?xml version="1.0" encoding="utf-8"?>
 <p:sld xmlns:a="http://schemas.openxmlformats.org/drawingml/2006/main" xmlns:r="http://schemas.openxmlformats.org/officeDocument/2006/relationships" xmlns:p="http://schemas.openxmlformats.org/presentationml/2006/main">
   <p:cSld>
+    <p:bg>
+      <p:bgRef idx="1001">
+        <a:schemeClr val="bg1"/>
+      </p:bgRef>
+    </p:bg>
     <p:spTree>
       <p:nvGrpSpPr>
         <p:cNvPr id="1" name=""/>
@@ -6214,20 +4232,19 @@
                 <a:latin typeface="Calibri Light"/>
                 <a:ea typeface="DejaVu Sans"/>
               </a:rPr>
-              <a:t>	Data</a:t>
-            </a:r>
-            <a:endParaRPr kumimoji="0" lang="de-DE" sz="4400" b="0" i="0" u="none" strike="noStrike" kern="1200" cap="none" spc="-1" normalizeH="0" baseline="0" noProof="0" dirty="0">
-              <a:ln>
-                <a:noFill/>
-              </a:ln>
-              <a:solidFill>
-                <a:schemeClr val="bg1"/>
-              </a:solidFill>
-              <a:effectLst/>
-              <a:uLnTx/>
-              <a:uFillTx/>
-              <a:latin typeface="Arial"/>
-            </a:endParaRPr>
+              <a:t>	</a:t>
+            </a:r>
+            <a:r>
+              <a:rPr lang="de-DE" sz="4400" dirty="0">
+                <a:solidFill>
+                  <a:schemeClr val="bg1"/>
+                </a:solidFill>
+                <a:latin typeface="+mj-lt"/>
+                <a:ea typeface="+mj-ea"/>
+                <a:cs typeface="+mj-cs"/>
+              </a:rPr>
+              <a:t>Data</a:t>
+            </a:r>
           </a:p>
         </p:txBody>
       </p:sp>
@@ -6286,7 +4303,7 @@
               <a:defRPr/>
             </a:pPr>
             <a:r>
-              <a:rPr kumimoji="0" lang="de-DE" sz="2800" b="0" i="0" u="none" strike="noStrike" kern="1200" cap="none" spc="-1" normalizeH="0" baseline="0" noProof="0">
+              <a:rPr kumimoji="0" lang="de-DE" sz="2800" b="0" i="0" u="none" strike="noStrike" kern="1200" cap="none" spc="-1" normalizeH="0" baseline="0" noProof="0" dirty="0" err="1">
                 <a:ln>
                   <a:noFill/>
                 </a:ln>
@@ -6299,9 +4316,201 @@
                 <a:latin typeface="Calibri"/>
                 <a:ea typeface="Microsoft YaHei"/>
               </a:rPr>
-              <a:t>Peripheral blood mononuclear cells (PBMCs) from a healthy donor</a:t>
-            </a:r>
-            <a:endParaRPr kumimoji="0" lang="de-DE" sz="2800" b="0" i="0" u="none" strike="noStrike" kern="1200" cap="none" spc="-1" normalizeH="0" baseline="0" noProof="0">
+              <a:t>Peripheral</a:t>
+            </a:r>
+            <a:r>
+              <a:rPr kumimoji="0" lang="de-DE" sz="2800" b="0" i="0" u="none" strike="noStrike" kern="1200" cap="none" spc="-1" normalizeH="0" baseline="0" noProof="0" dirty="0">
+                <a:ln>
+                  <a:noFill/>
+                </a:ln>
+                <a:solidFill>
+                  <a:srgbClr val="000000"/>
+                </a:solidFill>
+                <a:effectLst/>
+                <a:uLnTx/>
+                <a:uFillTx/>
+                <a:latin typeface="Calibri"/>
+                <a:ea typeface="Microsoft YaHei"/>
+              </a:rPr>
+              <a:t> </a:t>
+            </a:r>
+            <a:r>
+              <a:rPr kumimoji="0" lang="de-DE" sz="2800" b="0" i="0" u="none" strike="noStrike" kern="1200" cap="none" spc="-1" normalizeH="0" baseline="0" noProof="0" dirty="0" err="1">
+                <a:ln>
+                  <a:noFill/>
+                </a:ln>
+                <a:solidFill>
+                  <a:srgbClr val="000000"/>
+                </a:solidFill>
+                <a:effectLst/>
+                <a:uLnTx/>
+                <a:uFillTx/>
+                <a:latin typeface="Calibri"/>
+                <a:ea typeface="Microsoft YaHei"/>
+              </a:rPr>
+              <a:t>blood</a:t>
+            </a:r>
+            <a:r>
+              <a:rPr kumimoji="0" lang="de-DE" sz="2800" b="0" i="0" u="none" strike="noStrike" kern="1200" cap="none" spc="-1" normalizeH="0" baseline="0" noProof="0" dirty="0">
+                <a:ln>
+                  <a:noFill/>
+                </a:ln>
+                <a:solidFill>
+                  <a:srgbClr val="000000"/>
+                </a:solidFill>
+                <a:effectLst/>
+                <a:uLnTx/>
+                <a:uFillTx/>
+                <a:latin typeface="Calibri"/>
+                <a:ea typeface="Microsoft YaHei"/>
+              </a:rPr>
+              <a:t> </a:t>
+            </a:r>
+            <a:r>
+              <a:rPr kumimoji="0" lang="de-DE" sz="2800" b="0" i="0" u="none" strike="noStrike" kern="1200" cap="none" spc="-1" normalizeH="0" baseline="0" noProof="0" dirty="0" err="1">
+                <a:ln>
+                  <a:noFill/>
+                </a:ln>
+                <a:solidFill>
+                  <a:srgbClr val="000000"/>
+                </a:solidFill>
+                <a:effectLst/>
+                <a:uLnTx/>
+                <a:uFillTx/>
+                <a:latin typeface="Calibri"/>
+                <a:ea typeface="Microsoft YaHei"/>
+              </a:rPr>
+              <a:t>mononuclear</a:t>
+            </a:r>
+            <a:r>
+              <a:rPr kumimoji="0" lang="de-DE" sz="2800" b="0" i="0" u="none" strike="noStrike" kern="1200" cap="none" spc="-1" normalizeH="0" baseline="0" noProof="0" dirty="0">
+                <a:ln>
+                  <a:noFill/>
+                </a:ln>
+                <a:solidFill>
+                  <a:srgbClr val="000000"/>
+                </a:solidFill>
+                <a:effectLst/>
+                <a:uLnTx/>
+                <a:uFillTx/>
+                <a:latin typeface="Calibri"/>
+                <a:ea typeface="Microsoft YaHei"/>
+              </a:rPr>
+              <a:t> </a:t>
+            </a:r>
+            <a:r>
+              <a:rPr kumimoji="0" lang="de-DE" sz="2800" b="0" i="0" u="none" strike="noStrike" kern="1200" cap="none" spc="-1" normalizeH="0" baseline="0" noProof="0" dirty="0" err="1">
+                <a:ln>
+                  <a:noFill/>
+                </a:ln>
+                <a:solidFill>
+                  <a:srgbClr val="000000"/>
+                </a:solidFill>
+                <a:effectLst/>
+                <a:uLnTx/>
+                <a:uFillTx/>
+                <a:latin typeface="Calibri"/>
+                <a:ea typeface="Microsoft YaHei"/>
+              </a:rPr>
+              <a:t>cells</a:t>
+            </a:r>
+            <a:r>
+              <a:rPr kumimoji="0" lang="de-DE" sz="2800" b="0" i="0" u="none" strike="noStrike" kern="1200" cap="none" spc="-1" normalizeH="0" baseline="0" noProof="0" dirty="0">
+                <a:ln>
+                  <a:noFill/>
+                </a:ln>
+                <a:solidFill>
+                  <a:srgbClr val="000000"/>
+                </a:solidFill>
+                <a:effectLst/>
+                <a:uLnTx/>
+                <a:uFillTx/>
+                <a:latin typeface="Calibri"/>
+                <a:ea typeface="Microsoft YaHei"/>
+              </a:rPr>
+              <a:t> (PBMCs) </a:t>
+            </a:r>
+            <a:r>
+              <a:rPr kumimoji="0" lang="de-DE" sz="2800" b="0" i="0" u="none" strike="noStrike" kern="1200" cap="none" spc="-1" normalizeH="0" baseline="0" noProof="0" dirty="0" err="1">
+                <a:ln>
+                  <a:noFill/>
+                </a:ln>
+                <a:solidFill>
+                  <a:srgbClr val="000000"/>
+                </a:solidFill>
+                <a:effectLst/>
+                <a:uLnTx/>
+                <a:uFillTx/>
+                <a:latin typeface="Calibri"/>
+                <a:ea typeface="Microsoft YaHei"/>
+              </a:rPr>
+              <a:t>from</a:t>
+            </a:r>
+            <a:r>
+              <a:rPr kumimoji="0" lang="de-DE" sz="2800" b="0" i="0" u="none" strike="noStrike" kern="1200" cap="none" spc="-1" normalizeH="0" baseline="0" noProof="0" dirty="0">
+                <a:ln>
+                  <a:noFill/>
+                </a:ln>
+                <a:solidFill>
+                  <a:srgbClr val="000000"/>
+                </a:solidFill>
+                <a:effectLst/>
+                <a:uLnTx/>
+                <a:uFillTx/>
+                <a:latin typeface="Calibri"/>
+                <a:ea typeface="Microsoft YaHei"/>
+              </a:rPr>
+              <a:t> a </a:t>
+            </a:r>
+            <a:r>
+              <a:rPr kumimoji="0" lang="de-DE" sz="2800" b="0" i="0" u="none" strike="noStrike" kern="1200" cap="none" spc="-1" normalizeH="0" baseline="0" noProof="0" dirty="0" err="1">
+                <a:ln>
+                  <a:noFill/>
+                </a:ln>
+                <a:solidFill>
+                  <a:srgbClr val="000000"/>
+                </a:solidFill>
+                <a:effectLst/>
+                <a:uLnTx/>
+                <a:uFillTx/>
+                <a:latin typeface="Calibri"/>
+                <a:ea typeface="Microsoft YaHei"/>
+              </a:rPr>
+              <a:t>healthy</a:t>
+            </a:r>
+            <a:r>
+              <a:rPr kumimoji="0" lang="de-DE" sz="2800" b="0" i="0" u="none" strike="noStrike" kern="1200" cap="none" spc="-1" normalizeH="0" baseline="0" noProof="0" dirty="0">
+                <a:ln>
+                  <a:noFill/>
+                </a:ln>
+                <a:solidFill>
+                  <a:srgbClr val="000000"/>
+                </a:solidFill>
+                <a:effectLst/>
+                <a:uLnTx/>
+                <a:uFillTx/>
+                <a:latin typeface="Calibri"/>
+                <a:ea typeface="Microsoft YaHei"/>
+              </a:rPr>
+              <a:t> </a:t>
+            </a:r>
+            <a:r>
+              <a:rPr kumimoji="0" lang="de-DE" sz="2800" b="0" i="0" u="none" strike="noStrike" kern="1200" cap="none" spc="-1" normalizeH="0" baseline="0" noProof="0" dirty="0" err="1">
+                <a:ln>
+                  <a:noFill/>
+                </a:ln>
+                <a:solidFill>
+                  <a:srgbClr val="000000"/>
+                </a:solidFill>
+                <a:effectLst/>
+                <a:uLnTx/>
+                <a:uFillTx/>
+                <a:latin typeface="Calibri"/>
+                <a:ea typeface="Microsoft YaHei"/>
+              </a:rPr>
+              <a:t>donor</a:t>
+            </a:r>
+            <a:endParaRPr kumimoji="0" lang="de-DE" sz="2800" b="0" i="0" u="none" strike="noStrike" kern="1200" cap="none" spc="-1" normalizeH="0" baseline="0" noProof="0" dirty="0">
               <a:ln>
                 <a:noFill/>
               </a:ln>
@@ -6335,7 +4544,7 @@
               <a:defRPr/>
             </a:pPr>
             <a:r>
-              <a:rPr kumimoji="0" lang="de-DE" sz="2800" b="0" i="0" u="none" strike="noStrike" kern="1200" cap="none" spc="-1" normalizeH="0" baseline="0" noProof="0">
+              <a:rPr kumimoji="0" lang="de-DE" sz="2800" b="0" i="0" u="none" strike="noStrike" kern="1200" cap="none" spc="-1" normalizeH="0" baseline="0" noProof="0" dirty="0">
                 <a:ln>
                   <a:noFill/>
                 </a:ln>
@@ -6348,9 +4557,281 @@
                 <a:latin typeface="Calibri"/>
                 <a:ea typeface="Microsoft YaHei"/>
               </a:rPr>
-              <a:t>PBMCs = peripheral blood cells with a round nucleus e. g. T-cells, B-cells, moncytes</a:t>
-            </a:r>
-            <a:endParaRPr kumimoji="0" lang="de-DE" sz="2800" b="0" i="0" u="none" strike="noStrike" kern="1200" cap="none" spc="-1" normalizeH="0" baseline="0" noProof="0">
+              <a:t>PBMCs = </a:t>
+            </a:r>
+            <a:r>
+              <a:rPr kumimoji="0" lang="de-DE" sz="2800" b="0" i="0" u="none" strike="noStrike" kern="1200" cap="none" spc="-1" normalizeH="0" baseline="0" noProof="0" dirty="0" err="1">
+                <a:ln>
+                  <a:noFill/>
+                </a:ln>
+                <a:solidFill>
+                  <a:srgbClr val="000000"/>
+                </a:solidFill>
+                <a:effectLst/>
+                <a:uLnTx/>
+                <a:uFillTx/>
+                <a:latin typeface="Calibri"/>
+                <a:ea typeface="Microsoft YaHei"/>
+              </a:rPr>
+              <a:t>peripheral</a:t>
+            </a:r>
+            <a:r>
+              <a:rPr kumimoji="0" lang="de-DE" sz="2800" b="0" i="0" u="none" strike="noStrike" kern="1200" cap="none" spc="-1" normalizeH="0" baseline="0" noProof="0" dirty="0">
+                <a:ln>
+                  <a:noFill/>
+                </a:ln>
+                <a:solidFill>
+                  <a:srgbClr val="000000"/>
+                </a:solidFill>
+                <a:effectLst/>
+                <a:uLnTx/>
+                <a:uFillTx/>
+                <a:latin typeface="Calibri"/>
+                <a:ea typeface="Microsoft YaHei"/>
+              </a:rPr>
+              <a:t> </a:t>
+            </a:r>
+            <a:r>
+              <a:rPr kumimoji="0" lang="de-DE" sz="2800" b="0" i="0" u="none" strike="noStrike" kern="1200" cap="none" spc="-1" normalizeH="0" baseline="0" noProof="0" dirty="0" err="1">
+                <a:ln>
+                  <a:noFill/>
+                </a:ln>
+                <a:solidFill>
+                  <a:srgbClr val="000000"/>
+                </a:solidFill>
+                <a:effectLst/>
+                <a:uLnTx/>
+                <a:uFillTx/>
+                <a:latin typeface="Calibri"/>
+                <a:ea typeface="Microsoft YaHei"/>
+              </a:rPr>
+              <a:t>blood</a:t>
+            </a:r>
+            <a:r>
+              <a:rPr kumimoji="0" lang="de-DE" sz="2800" b="0" i="0" u="none" strike="noStrike" kern="1200" cap="none" spc="-1" normalizeH="0" baseline="0" noProof="0" dirty="0">
+                <a:ln>
+                  <a:noFill/>
+                </a:ln>
+                <a:solidFill>
+                  <a:srgbClr val="000000"/>
+                </a:solidFill>
+                <a:effectLst/>
+                <a:uLnTx/>
+                <a:uFillTx/>
+                <a:latin typeface="Calibri"/>
+                <a:ea typeface="Microsoft YaHei"/>
+              </a:rPr>
+              <a:t> </a:t>
+            </a:r>
+            <a:r>
+              <a:rPr kumimoji="0" lang="de-DE" sz="2800" b="0" i="0" u="none" strike="noStrike" kern="1200" cap="none" spc="-1" normalizeH="0" baseline="0" noProof="0" dirty="0" err="1">
+                <a:ln>
+                  <a:noFill/>
+                </a:ln>
+                <a:solidFill>
+                  <a:srgbClr val="000000"/>
+                </a:solidFill>
+                <a:effectLst/>
+                <a:uLnTx/>
+                <a:uFillTx/>
+                <a:latin typeface="Calibri"/>
+                <a:ea typeface="Microsoft YaHei"/>
+              </a:rPr>
+              <a:t>cells</a:t>
+            </a:r>
+            <a:r>
+              <a:rPr kumimoji="0" lang="de-DE" sz="2800" b="0" i="0" u="none" strike="noStrike" kern="1200" cap="none" spc="-1" normalizeH="0" baseline="0" noProof="0" dirty="0">
+                <a:ln>
+                  <a:noFill/>
+                </a:ln>
+                <a:solidFill>
+                  <a:srgbClr val="000000"/>
+                </a:solidFill>
+                <a:effectLst/>
+                <a:uLnTx/>
+                <a:uFillTx/>
+                <a:latin typeface="Calibri"/>
+                <a:ea typeface="Microsoft YaHei"/>
+              </a:rPr>
+              <a:t> </a:t>
+            </a:r>
+            <a:r>
+              <a:rPr kumimoji="0" lang="de-DE" sz="2800" b="0" i="0" u="none" strike="noStrike" kern="1200" cap="none" spc="-1" normalizeH="0" baseline="0" noProof="0" dirty="0" err="1">
+                <a:ln>
+                  <a:noFill/>
+                </a:ln>
+                <a:solidFill>
+                  <a:srgbClr val="000000"/>
+                </a:solidFill>
+                <a:effectLst/>
+                <a:uLnTx/>
+                <a:uFillTx/>
+                <a:latin typeface="Calibri"/>
+                <a:ea typeface="Microsoft YaHei"/>
+              </a:rPr>
+              <a:t>with</a:t>
+            </a:r>
+            <a:r>
+              <a:rPr kumimoji="0" lang="de-DE" sz="2800" b="0" i="0" u="none" strike="noStrike" kern="1200" cap="none" spc="-1" normalizeH="0" baseline="0" noProof="0" dirty="0">
+                <a:ln>
+                  <a:noFill/>
+                </a:ln>
+                <a:solidFill>
+                  <a:srgbClr val="000000"/>
+                </a:solidFill>
+                <a:effectLst/>
+                <a:uLnTx/>
+                <a:uFillTx/>
+                <a:latin typeface="Calibri"/>
+                <a:ea typeface="Microsoft YaHei"/>
+              </a:rPr>
+              <a:t> a </a:t>
+            </a:r>
+            <a:r>
+              <a:rPr kumimoji="0" lang="de-DE" sz="2800" b="0" i="0" u="none" strike="noStrike" kern="1200" cap="none" spc="-1" normalizeH="0" baseline="0" noProof="0" dirty="0" err="1">
+                <a:ln>
+                  <a:noFill/>
+                </a:ln>
+                <a:solidFill>
+                  <a:srgbClr val="000000"/>
+                </a:solidFill>
+                <a:effectLst/>
+                <a:uLnTx/>
+                <a:uFillTx/>
+                <a:latin typeface="Calibri"/>
+                <a:ea typeface="Microsoft YaHei"/>
+              </a:rPr>
+              <a:t>round</a:t>
+            </a:r>
+            <a:r>
+              <a:rPr kumimoji="0" lang="de-DE" sz="2800" b="0" i="0" u="none" strike="noStrike" kern="1200" cap="none" spc="-1" normalizeH="0" baseline="0" noProof="0" dirty="0">
+                <a:ln>
+                  <a:noFill/>
+                </a:ln>
+                <a:solidFill>
+                  <a:srgbClr val="000000"/>
+                </a:solidFill>
+                <a:effectLst/>
+                <a:uLnTx/>
+                <a:uFillTx/>
+                <a:latin typeface="Calibri"/>
+                <a:ea typeface="Microsoft YaHei"/>
+              </a:rPr>
+              <a:t> </a:t>
+            </a:r>
+            <a:r>
+              <a:rPr kumimoji="0" lang="de-DE" sz="2800" b="0" i="0" u="none" strike="noStrike" kern="1200" cap="none" spc="-1" normalizeH="0" baseline="0" noProof="0" dirty="0" err="1">
+                <a:ln>
+                  <a:noFill/>
+                </a:ln>
+                <a:solidFill>
+                  <a:srgbClr val="000000"/>
+                </a:solidFill>
+                <a:effectLst/>
+                <a:uLnTx/>
+                <a:uFillTx/>
+                <a:latin typeface="Calibri"/>
+                <a:ea typeface="Microsoft YaHei"/>
+              </a:rPr>
+              <a:t>nucleus</a:t>
+            </a:r>
+            <a:r>
+              <a:rPr kumimoji="0" lang="de-DE" sz="2800" b="0" i="0" u="none" strike="noStrike" kern="1200" cap="none" spc="-1" normalizeH="0" baseline="0" noProof="0" dirty="0">
+                <a:ln>
+                  <a:noFill/>
+                </a:ln>
+                <a:solidFill>
+                  <a:srgbClr val="000000"/>
+                </a:solidFill>
+                <a:effectLst/>
+                <a:uLnTx/>
+                <a:uFillTx/>
+                <a:latin typeface="Calibri"/>
+                <a:ea typeface="Microsoft YaHei"/>
+              </a:rPr>
+              <a:t> e. g. T-</a:t>
+            </a:r>
+            <a:r>
+              <a:rPr kumimoji="0" lang="de-DE" sz="2800" b="0" i="0" u="none" strike="noStrike" kern="1200" cap="none" spc="-1" normalizeH="0" baseline="0" noProof="0" dirty="0" err="1">
+                <a:ln>
+                  <a:noFill/>
+                </a:ln>
+                <a:solidFill>
+                  <a:srgbClr val="000000"/>
+                </a:solidFill>
+                <a:effectLst/>
+                <a:uLnTx/>
+                <a:uFillTx/>
+                <a:latin typeface="Calibri"/>
+                <a:ea typeface="Microsoft YaHei"/>
+              </a:rPr>
+              <a:t>cells</a:t>
+            </a:r>
+            <a:r>
+              <a:rPr kumimoji="0" lang="de-DE" sz="2800" b="0" i="0" u="none" strike="noStrike" kern="1200" cap="none" spc="-1" normalizeH="0" baseline="0" noProof="0" dirty="0">
+                <a:ln>
+                  <a:noFill/>
+                </a:ln>
+                <a:solidFill>
+                  <a:srgbClr val="000000"/>
+                </a:solidFill>
+                <a:effectLst/>
+                <a:uLnTx/>
+                <a:uFillTx/>
+                <a:latin typeface="Calibri"/>
+                <a:ea typeface="Microsoft YaHei"/>
+              </a:rPr>
+              <a:t>, B-</a:t>
+            </a:r>
+            <a:r>
+              <a:rPr kumimoji="0" lang="de-DE" sz="2800" b="0" i="0" u="none" strike="noStrike" kern="1200" cap="none" spc="-1" normalizeH="0" baseline="0" noProof="0" dirty="0" err="1">
+                <a:ln>
+                  <a:noFill/>
+                </a:ln>
+                <a:solidFill>
+                  <a:srgbClr val="000000"/>
+                </a:solidFill>
+                <a:effectLst/>
+                <a:uLnTx/>
+                <a:uFillTx/>
+                <a:latin typeface="Calibri"/>
+                <a:ea typeface="Microsoft YaHei"/>
+              </a:rPr>
+              <a:t>cells</a:t>
+            </a:r>
+            <a:r>
+              <a:rPr kumimoji="0" lang="de-DE" sz="2800" b="0" i="0" u="none" strike="noStrike" kern="1200" cap="none" spc="-1" normalizeH="0" baseline="0" noProof="0" dirty="0">
+                <a:ln>
+                  <a:noFill/>
+                </a:ln>
+                <a:solidFill>
+                  <a:srgbClr val="000000"/>
+                </a:solidFill>
+                <a:effectLst/>
+                <a:uLnTx/>
+                <a:uFillTx/>
+                <a:latin typeface="Calibri"/>
+                <a:ea typeface="Microsoft YaHei"/>
+              </a:rPr>
+              <a:t>, </a:t>
+            </a:r>
+            <a:r>
+              <a:rPr kumimoji="0" lang="de-DE" sz="2800" b="0" i="0" u="none" strike="noStrike" kern="1200" cap="none" spc="-1" normalizeH="0" baseline="0" noProof="0" dirty="0" err="1">
+                <a:ln>
+                  <a:noFill/>
+                </a:ln>
+                <a:solidFill>
+                  <a:srgbClr val="000000"/>
+                </a:solidFill>
+                <a:effectLst/>
+                <a:uLnTx/>
+                <a:uFillTx/>
+                <a:latin typeface="Calibri"/>
+                <a:ea typeface="Microsoft YaHei"/>
+              </a:rPr>
+              <a:t>moncytes</a:t>
+            </a:r>
+            <a:endParaRPr kumimoji="0" lang="de-DE" sz="2800" b="0" i="0" u="none" strike="noStrike" kern="1200" cap="none" spc="-1" normalizeH="0" baseline="0" noProof="0" dirty="0">
               <a:ln>
                 <a:noFill/>
               </a:ln>
@@ -6384,7 +4865,7 @@
               <a:defRPr/>
             </a:pPr>
             <a:r>
-              <a:rPr kumimoji="0" lang="de-DE" sz="2800" b="0" i="0" u="none" strike="noStrike" kern="1200" cap="none" spc="-1" normalizeH="0" baseline="0" noProof="0">
+              <a:rPr kumimoji="0" lang="de-DE" sz="2800" b="0" i="0" u="none" strike="noStrike" kern="1200" cap="none" spc="-1" normalizeH="0" baseline="0" noProof="0" dirty="0">
                 <a:ln>
                   <a:noFill/>
                 </a:ln>
@@ -6397,9 +4878,313 @@
                 <a:latin typeface="Calibri"/>
                 <a:ea typeface="Microsoft YaHei"/>
               </a:rPr>
-              <a:t>Method: UMI marked mRNA (unique molecular identifier) → ratio in cells of molecules is preserved</a:t>
-            </a:r>
-            <a:endParaRPr kumimoji="0" lang="de-DE" sz="2800" b="0" i="0" u="none" strike="noStrike" kern="1200" cap="none" spc="-1" normalizeH="0" baseline="0" noProof="0">
+              <a:t>Method: UMI </a:t>
+            </a:r>
+            <a:r>
+              <a:rPr kumimoji="0" lang="de-DE" sz="2800" b="0" i="0" u="none" strike="noStrike" kern="1200" cap="none" spc="-1" normalizeH="0" baseline="0" noProof="0" dirty="0" err="1">
+                <a:ln>
+                  <a:noFill/>
+                </a:ln>
+                <a:solidFill>
+                  <a:srgbClr val="000000"/>
+                </a:solidFill>
+                <a:effectLst/>
+                <a:uLnTx/>
+                <a:uFillTx/>
+                <a:latin typeface="Calibri"/>
+                <a:ea typeface="Microsoft YaHei"/>
+              </a:rPr>
+              <a:t>marked</a:t>
+            </a:r>
+            <a:r>
+              <a:rPr kumimoji="0" lang="de-DE" sz="2800" b="0" i="0" u="none" strike="noStrike" kern="1200" cap="none" spc="-1" normalizeH="0" baseline="0" noProof="0" dirty="0">
+                <a:ln>
+                  <a:noFill/>
+                </a:ln>
+                <a:solidFill>
+                  <a:srgbClr val="000000"/>
+                </a:solidFill>
+                <a:effectLst/>
+                <a:uLnTx/>
+                <a:uFillTx/>
+                <a:latin typeface="Calibri"/>
+                <a:ea typeface="Microsoft YaHei"/>
+              </a:rPr>
+              <a:t> mRNA (</a:t>
+            </a:r>
+            <a:r>
+              <a:rPr kumimoji="0" lang="de-DE" sz="2800" b="0" i="0" u="none" strike="noStrike" kern="1200" cap="none" spc="-1" normalizeH="0" baseline="0" noProof="0" dirty="0" err="1">
+                <a:ln>
+                  <a:noFill/>
+                </a:ln>
+                <a:solidFill>
+                  <a:srgbClr val="000000"/>
+                </a:solidFill>
+                <a:effectLst/>
+                <a:uLnTx/>
+                <a:uFillTx/>
+                <a:latin typeface="Calibri"/>
+                <a:ea typeface="Microsoft YaHei"/>
+              </a:rPr>
+              <a:t>unique</a:t>
+            </a:r>
+            <a:r>
+              <a:rPr kumimoji="0" lang="de-DE" sz="2800" b="0" i="0" u="none" strike="noStrike" kern="1200" cap="none" spc="-1" normalizeH="0" baseline="0" noProof="0" dirty="0">
+                <a:ln>
+                  <a:noFill/>
+                </a:ln>
+                <a:solidFill>
+                  <a:srgbClr val="000000"/>
+                </a:solidFill>
+                <a:effectLst/>
+                <a:uLnTx/>
+                <a:uFillTx/>
+                <a:latin typeface="Calibri"/>
+                <a:ea typeface="Microsoft YaHei"/>
+              </a:rPr>
+              <a:t> </a:t>
+            </a:r>
+            <a:r>
+              <a:rPr kumimoji="0" lang="de-DE" sz="2800" b="0" i="0" u="none" strike="noStrike" kern="1200" cap="none" spc="-1" normalizeH="0" baseline="0" noProof="0" dirty="0" err="1">
+                <a:ln>
+                  <a:noFill/>
+                </a:ln>
+                <a:solidFill>
+                  <a:srgbClr val="000000"/>
+                </a:solidFill>
+                <a:effectLst/>
+                <a:uLnTx/>
+                <a:uFillTx/>
+                <a:latin typeface="Calibri"/>
+                <a:ea typeface="Microsoft YaHei"/>
+              </a:rPr>
+              <a:t>molecular</a:t>
+            </a:r>
+            <a:r>
+              <a:rPr kumimoji="0" lang="de-DE" sz="2800" b="0" i="0" u="none" strike="noStrike" kern="1200" cap="none" spc="-1" normalizeH="0" baseline="0" noProof="0" dirty="0">
+                <a:ln>
+                  <a:noFill/>
+                </a:ln>
+                <a:solidFill>
+                  <a:srgbClr val="000000"/>
+                </a:solidFill>
+                <a:effectLst/>
+                <a:uLnTx/>
+                <a:uFillTx/>
+                <a:latin typeface="Calibri"/>
+                <a:ea typeface="Microsoft YaHei"/>
+              </a:rPr>
+              <a:t> </a:t>
+            </a:r>
+            <a:r>
+              <a:rPr kumimoji="0" lang="de-DE" sz="2800" b="0" i="0" u="none" strike="noStrike" kern="1200" cap="none" spc="-1" normalizeH="0" baseline="0" noProof="0" dirty="0" err="1">
+                <a:ln>
+                  <a:noFill/>
+                </a:ln>
+                <a:solidFill>
+                  <a:srgbClr val="000000"/>
+                </a:solidFill>
+                <a:effectLst/>
+                <a:uLnTx/>
+                <a:uFillTx/>
+                <a:latin typeface="Calibri"/>
+                <a:ea typeface="Microsoft YaHei"/>
+              </a:rPr>
+              <a:t>identifier</a:t>
+            </a:r>
+            <a:r>
+              <a:rPr kumimoji="0" lang="de-DE" sz="2800" b="0" i="0" u="none" strike="noStrike" kern="1200" cap="none" spc="-1" normalizeH="0" baseline="0" noProof="0" dirty="0">
+                <a:ln>
+                  <a:noFill/>
+                </a:ln>
+                <a:solidFill>
+                  <a:srgbClr val="000000"/>
+                </a:solidFill>
+                <a:effectLst/>
+                <a:uLnTx/>
+                <a:uFillTx/>
+                <a:latin typeface="Calibri"/>
+                <a:ea typeface="Microsoft YaHei"/>
+              </a:rPr>
+              <a:t>) → </a:t>
+            </a:r>
+            <a:r>
+              <a:rPr kumimoji="0" lang="de-DE" sz="2800" b="0" i="0" u="none" strike="noStrike" kern="1200" cap="none" spc="-1" normalizeH="0" baseline="0" noProof="0" dirty="0" err="1">
+                <a:ln>
+                  <a:noFill/>
+                </a:ln>
+                <a:solidFill>
+                  <a:srgbClr val="000000"/>
+                </a:solidFill>
+                <a:effectLst/>
+                <a:uLnTx/>
+                <a:uFillTx/>
+                <a:latin typeface="Calibri"/>
+                <a:ea typeface="Microsoft YaHei"/>
+              </a:rPr>
+              <a:t>ratio</a:t>
+            </a:r>
+            <a:r>
+              <a:rPr kumimoji="0" lang="de-DE" sz="2800" b="0" i="0" u="none" strike="noStrike" kern="1200" cap="none" spc="-1" normalizeH="0" baseline="0" noProof="0" dirty="0">
+                <a:ln>
+                  <a:noFill/>
+                </a:ln>
+                <a:solidFill>
+                  <a:srgbClr val="000000"/>
+                </a:solidFill>
+                <a:effectLst/>
+                <a:uLnTx/>
+                <a:uFillTx/>
+                <a:latin typeface="Calibri"/>
+                <a:ea typeface="Microsoft YaHei"/>
+              </a:rPr>
+              <a:t> in </a:t>
+            </a:r>
+            <a:r>
+              <a:rPr kumimoji="0" lang="de-DE" sz="2800" b="0" i="0" u="none" strike="noStrike" kern="1200" cap="none" spc="-1" normalizeH="0" baseline="0" noProof="0" dirty="0" err="1">
+                <a:ln>
+                  <a:noFill/>
+                </a:ln>
+                <a:solidFill>
+                  <a:srgbClr val="000000"/>
+                </a:solidFill>
+                <a:effectLst/>
+                <a:uLnTx/>
+                <a:uFillTx/>
+                <a:latin typeface="Calibri"/>
+                <a:ea typeface="Microsoft YaHei"/>
+              </a:rPr>
+              <a:t>cells</a:t>
+            </a:r>
+            <a:r>
+              <a:rPr kumimoji="0" lang="de-DE" sz="2800" b="0" i="0" u="none" strike="noStrike" kern="1200" cap="none" spc="-1" normalizeH="0" baseline="0" noProof="0" dirty="0">
+                <a:ln>
+                  <a:noFill/>
+                </a:ln>
+                <a:solidFill>
+                  <a:srgbClr val="000000"/>
+                </a:solidFill>
+                <a:effectLst/>
+                <a:uLnTx/>
+                <a:uFillTx/>
+                <a:latin typeface="Calibri"/>
+                <a:ea typeface="Microsoft YaHei"/>
+              </a:rPr>
+              <a:t> </a:t>
+            </a:r>
+            <a:r>
+              <a:rPr kumimoji="0" lang="de-DE" sz="2800" b="0" i="0" u="none" strike="noStrike" kern="1200" cap="none" spc="-1" normalizeH="0" baseline="0" noProof="0" dirty="0" err="1">
+                <a:ln>
+                  <a:noFill/>
+                </a:ln>
+                <a:solidFill>
+                  <a:srgbClr val="000000"/>
+                </a:solidFill>
+                <a:effectLst/>
+                <a:uLnTx/>
+                <a:uFillTx/>
+                <a:latin typeface="Calibri"/>
+                <a:ea typeface="Microsoft YaHei"/>
+              </a:rPr>
+              <a:t>of</a:t>
+            </a:r>
+            <a:r>
+              <a:rPr kumimoji="0" lang="de-DE" sz="2800" b="0" i="0" u="none" strike="noStrike" kern="1200" cap="none" spc="-1" normalizeH="0" baseline="0" noProof="0" dirty="0">
+                <a:ln>
+                  <a:noFill/>
+                </a:ln>
+                <a:solidFill>
+                  <a:srgbClr val="000000"/>
+                </a:solidFill>
+                <a:effectLst/>
+                <a:uLnTx/>
+                <a:uFillTx/>
+                <a:latin typeface="Calibri"/>
+                <a:ea typeface="Microsoft YaHei"/>
+              </a:rPr>
+              <a:t> </a:t>
+            </a:r>
+            <a:r>
+              <a:rPr kumimoji="0" lang="de-DE" sz="2800" b="0" i="0" u="none" strike="noStrike" kern="1200" cap="none" spc="-1" normalizeH="0" baseline="0" noProof="0" dirty="0" err="1">
+                <a:ln>
+                  <a:noFill/>
+                </a:ln>
+                <a:solidFill>
+                  <a:srgbClr val="000000"/>
+                </a:solidFill>
+                <a:effectLst/>
+                <a:uLnTx/>
+                <a:uFillTx/>
+                <a:latin typeface="Calibri"/>
+                <a:ea typeface="Microsoft YaHei"/>
+              </a:rPr>
+              <a:t>molecules</a:t>
+            </a:r>
+            <a:r>
+              <a:rPr kumimoji="0" lang="de-DE" sz="2800" b="0" i="0" u="none" strike="noStrike" kern="1200" cap="none" spc="-1" normalizeH="0" baseline="0" noProof="0" dirty="0">
+                <a:ln>
+                  <a:noFill/>
+                </a:ln>
+                <a:solidFill>
+                  <a:srgbClr val="000000"/>
+                </a:solidFill>
+                <a:effectLst/>
+                <a:uLnTx/>
+                <a:uFillTx/>
+                <a:latin typeface="Calibri"/>
+                <a:ea typeface="Microsoft YaHei"/>
+              </a:rPr>
+              <a:t> </a:t>
+            </a:r>
+            <a:r>
+              <a:rPr kumimoji="0" lang="de-DE" sz="2800" b="0" i="0" u="none" strike="noStrike" kern="1200" cap="none" spc="-1" normalizeH="0" baseline="0" noProof="0" dirty="0" err="1">
+                <a:ln>
+                  <a:noFill/>
+                </a:ln>
+                <a:solidFill>
+                  <a:srgbClr val="000000"/>
+                </a:solidFill>
+                <a:effectLst/>
+                <a:uLnTx/>
+                <a:uFillTx/>
+                <a:latin typeface="Calibri"/>
+                <a:ea typeface="Microsoft YaHei"/>
+              </a:rPr>
+              <a:t>is</a:t>
+            </a:r>
+            <a:r>
+              <a:rPr kumimoji="0" lang="de-DE" sz="2800" b="0" i="0" u="none" strike="noStrike" kern="1200" cap="none" spc="-1" normalizeH="0" baseline="0" noProof="0" dirty="0">
+                <a:ln>
+                  <a:noFill/>
+                </a:ln>
+                <a:solidFill>
+                  <a:srgbClr val="000000"/>
+                </a:solidFill>
+                <a:effectLst/>
+                <a:uLnTx/>
+                <a:uFillTx/>
+                <a:latin typeface="Calibri"/>
+                <a:ea typeface="Microsoft YaHei"/>
+              </a:rPr>
+              <a:t> </a:t>
+            </a:r>
+            <a:r>
+              <a:rPr kumimoji="0" lang="de-DE" sz="2800" b="0" i="0" u="none" strike="noStrike" kern="1200" cap="none" spc="-1" normalizeH="0" baseline="0" noProof="0" dirty="0" err="1">
+                <a:ln>
+                  <a:noFill/>
+                </a:ln>
+                <a:solidFill>
+                  <a:srgbClr val="000000"/>
+                </a:solidFill>
+                <a:effectLst/>
+                <a:uLnTx/>
+                <a:uFillTx/>
+                <a:latin typeface="Calibri"/>
+                <a:ea typeface="Microsoft YaHei"/>
+              </a:rPr>
+              <a:t>preserved</a:t>
+            </a:r>
+            <a:endParaRPr kumimoji="0" lang="de-DE" sz="2800" b="0" i="0" u="none" strike="noStrike" kern="1200" cap="none" spc="-1" normalizeH="0" baseline="0" noProof="0" dirty="0">
               <a:ln>
                 <a:noFill/>
               </a:ln>
@@ -6433,7 +5218,7 @@
               <a:defRPr/>
             </a:pPr>
             <a:r>
-              <a:rPr kumimoji="0" lang="de-DE" sz="2800" b="0" i="0" u="none" strike="noStrike" kern="1200" cap="none" spc="-1" normalizeH="0" baseline="0" noProof="0">
+              <a:rPr kumimoji="0" lang="de-DE" sz="2800" b="0" i="0" u="none" strike="noStrike" kern="1200" cap="none" spc="-1" normalizeH="0" baseline="0" noProof="0" dirty="0">
                 <a:ln>
                   <a:noFill/>
                 </a:ln>
@@ -6446,9 +5231,137 @@
                 <a:latin typeface="Calibri"/>
                 <a:ea typeface="Microsoft YaHei"/>
               </a:rPr>
-              <a:t>2700 cells, 32738 genes (→ dimension reduction, nonlinear)</a:t>
-            </a:r>
-            <a:endParaRPr kumimoji="0" lang="de-DE" sz="2800" b="0" i="0" u="none" strike="noStrike" kern="1200" cap="none" spc="-1" normalizeH="0" baseline="0" noProof="0">
+              <a:t>2700 </a:t>
+            </a:r>
+            <a:r>
+              <a:rPr kumimoji="0" lang="de-DE" sz="2800" b="0" i="0" u="none" strike="noStrike" kern="1200" cap="none" spc="-1" normalizeH="0" baseline="0" noProof="0" dirty="0" err="1">
+                <a:ln>
+                  <a:noFill/>
+                </a:ln>
+                <a:solidFill>
+                  <a:srgbClr val="000000"/>
+                </a:solidFill>
+                <a:effectLst/>
+                <a:uLnTx/>
+                <a:uFillTx/>
+                <a:latin typeface="Calibri"/>
+                <a:ea typeface="Microsoft YaHei"/>
+              </a:rPr>
+              <a:t>cells</a:t>
+            </a:r>
+            <a:r>
+              <a:rPr kumimoji="0" lang="de-DE" sz="2800" b="0" i="0" u="none" strike="noStrike" kern="1200" cap="none" spc="-1" normalizeH="0" baseline="0" noProof="0" dirty="0">
+                <a:ln>
+                  <a:noFill/>
+                </a:ln>
+                <a:solidFill>
+                  <a:srgbClr val="000000"/>
+                </a:solidFill>
+                <a:effectLst/>
+                <a:uLnTx/>
+                <a:uFillTx/>
+                <a:latin typeface="Calibri"/>
+                <a:ea typeface="Microsoft YaHei"/>
+              </a:rPr>
+              <a:t>, 32738 genes (→ </a:t>
+            </a:r>
+            <a:r>
+              <a:rPr kumimoji="0" lang="de-DE" sz="2800" b="0" i="0" u="none" strike="noStrike" kern="1200" cap="none" spc="-1" normalizeH="0" baseline="0" noProof="0" dirty="0" err="1">
+                <a:ln>
+                  <a:noFill/>
+                </a:ln>
+                <a:solidFill>
+                  <a:srgbClr val="000000"/>
+                </a:solidFill>
+                <a:effectLst/>
+                <a:uLnTx/>
+                <a:uFillTx/>
+                <a:latin typeface="Calibri"/>
+                <a:ea typeface="Microsoft YaHei"/>
+              </a:rPr>
+              <a:t>dimension</a:t>
+            </a:r>
+            <a:r>
+              <a:rPr kumimoji="0" lang="de-DE" sz="2800" b="0" i="0" u="none" strike="noStrike" kern="1200" cap="none" spc="-1" normalizeH="0" baseline="0" noProof="0" dirty="0">
+                <a:ln>
+                  <a:noFill/>
+                </a:ln>
+                <a:solidFill>
+                  <a:srgbClr val="000000"/>
+                </a:solidFill>
+                <a:effectLst/>
+                <a:uLnTx/>
+                <a:uFillTx/>
+                <a:latin typeface="Calibri"/>
+                <a:ea typeface="Microsoft YaHei"/>
+              </a:rPr>
+              <a:t> </a:t>
+            </a:r>
+            <a:r>
+              <a:rPr kumimoji="0" lang="de-DE" sz="2800" b="0" i="0" u="none" strike="noStrike" kern="1200" cap="none" spc="-1" normalizeH="0" baseline="0" noProof="0" dirty="0" err="1">
+                <a:ln>
+                  <a:noFill/>
+                </a:ln>
+                <a:solidFill>
+                  <a:srgbClr val="000000"/>
+                </a:solidFill>
+                <a:effectLst/>
+                <a:uLnTx/>
+                <a:uFillTx/>
+                <a:latin typeface="Calibri"/>
+                <a:ea typeface="Microsoft YaHei"/>
+              </a:rPr>
+              <a:t>reduction</a:t>
+            </a:r>
+            <a:r>
+              <a:rPr kumimoji="0" lang="de-DE" sz="2800" b="0" i="0" u="none" strike="noStrike" kern="1200" cap="none" spc="-1" normalizeH="0" baseline="0" noProof="0" dirty="0">
+                <a:ln>
+                  <a:noFill/>
+                </a:ln>
+                <a:solidFill>
+                  <a:srgbClr val="000000"/>
+                </a:solidFill>
+                <a:effectLst/>
+                <a:uLnTx/>
+                <a:uFillTx/>
+                <a:latin typeface="Calibri"/>
+                <a:ea typeface="Microsoft YaHei"/>
+              </a:rPr>
+              <a:t>, </a:t>
+            </a:r>
+            <a:r>
+              <a:rPr kumimoji="0" lang="de-DE" sz="2800" b="0" i="0" u="none" strike="noStrike" kern="1200" cap="none" spc="-1" normalizeH="0" baseline="0" noProof="0" dirty="0" err="1">
+                <a:ln>
+                  <a:noFill/>
+                </a:ln>
+                <a:solidFill>
+                  <a:srgbClr val="000000"/>
+                </a:solidFill>
+                <a:effectLst/>
+                <a:uLnTx/>
+                <a:uFillTx/>
+                <a:latin typeface="Calibri"/>
+                <a:ea typeface="Microsoft YaHei"/>
+              </a:rPr>
+              <a:t>nonlinear</a:t>
+            </a:r>
+            <a:r>
+              <a:rPr kumimoji="0" lang="de-DE" sz="2800" b="0" i="0" u="none" strike="noStrike" kern="1200" cap="none" spc="-1" normalizeH="0" baseline="0" noProof="0" dirty="0">
+                <a:ln>
+                  <a:noFill/>
+                </a:ln>
+                <a:solidFill>
+                  <a:srgbClr val="000000"/>
+                </a:solidFill>
+                <a:effectLst/>
+                <a:uLnTx/>
+                <a:uFillTx/>
+                <a:latin typeface="Calibri"/>
+                <a:ea typeface="Microsoft YaHei"/>
+              </a:rPr>
+              <a:t>)</a:t>
+            </a:r>
+            <a:endParaRPr kumimoji="0" lang="de-DE" sz="2800" b="0" i="0" u="none" strike="noStrike" kern="1200" cap="none" spc="-1" normalizeH="0" baseline="0" noProof="0" dirty="0">
               <a:ln>
                 <a:noFill/>
               </a:ln>
@@ -6466,7 +5379,7 @@
     </p:spTree>
   </p:cSld>
   <p:clrMapOvr>
-    <a:masterClrMapping/>
+    <a:overrideClrMapping bg1="lt1" tx1="dk1" bg2="lt2" tx2="dk2" accent1="accent1" accent2="accent2" accent3="accent3" accent4="accent4" accent5="accent5" accent6="accent6" hlink="hlink" folHlink="folHlink"/>
   </p:clrMapOvr>
   <p:timing>
     <p:tnLst>
@@ -6505,6 +5418,153 @@
                                           <p:spTgt spid="120">
                                             <p:txEl>
                                               <p:pRg st="0" end="0"/>
+                                            </p:txEl>
+                                          </p:spTgt>
+                                        </p:tgtEl>
+                                        <p:attrNameLst>
+                                          <p:attrName>style.visibility</p:attrName>
+                                        </p:attrNameLst>
+                                      </p:cBhvr>
+                                      <p:to>
+                                        <p:strVal val="visible"/>
+                                      </p:to>
+                                    </p:set>
+                                  </p:childTnLst>
+                                </p:cTn>
+                              </p:par>
+                            </p:childTnLst>
+                          </p:cTn>
+                        </p:par>
+                      </p:childTnLst>
+                    </p:cTn>
+                  </p:par>
+                  <p:par>
+                    <p:cTn id="7" fill="hold">
+                      <p:stCondLst>
+                        <p:cond delay="indefinite"/>
+                      </p:stCondLst>
+                      <p:childTnLst>
+                        <p:par>
+                          <p:cTn id="8" fill="hold">
+                            <p:stCondLst>
+                              <p:cond delay="0"/>
+                            </p:stCondLst>
+                            <p:childTnLst>
+                              <p:par>
+                                <p:cTn id="9" presetID="1" presetClass="entr" presetSubtype="0" fill="hold" nodeType="clickEffect">
+                                  <p:stCondLst>
+                                    <p:cond delay="0"/>
+                                  </p:stCondLst>
+                                  <p:childTnLst>
+                                    <p:set>
+                                      <p:cBhvr>
+                                        <p:cTn id="10" dur="1" fill="hold">
+                                          <p:stCondLst>
+                                            <p:cond delay="0"/>
+                                          </p:stCondLst>
+                                        </p:cTn>
+                                        <p:tgtEl>
+                                          <p:spTgt spid="120">
+                                            <p:txEl>
+                                              <p:pRg st="1" end="1"/>
+                                            </p:txEl>
+                                          </p:spTgt>
+                                        </p:tgtEl>
+                                        <p:attrNameLst>
+                                          <p:attrName>style.visibility</p:attrName>
+                                        </p:attrNameLst>
+                                      </p:cBhvr>
+                                      <p:to>
+                                        <p:strVal val="visible"/>
+                                      </p:to>
+                                    </p:set>
+                                  </p:childTnLst>
+                                </p:cTn>
+                              </p:par>
+                            </p:childTnLst>
+                          </p:cTn>
+                        </p:par>
+                      </p:childTnLst>
+                    </p:cTn>
+                  </p:par>
+                  <p:par>
+                    <p:cTn id="11" fill="hold">
+                      <p:stCondLst>
+                        <p:cond delay="indefinite"/>
+                      </p:stCondLst>
+                      <p:childTnLst>
+                        <p:par>
+                          <p:cTn id="12" fill="hold">
+                            <p:stCondLst>
+                              <p:cond delay="0"/>
+                            </p:stCondLst>
+                            <p:childTnLst>
+                              <p:par>
+                                <p:cTn id="13" presetID="1" presetClass="entr" presetSubtype="0" fill="hold" nodeType="clickEffect">
+                                  <p:stCondLst>
+                                    <p:cond delay="0"/>
+                                  </p:stCondLst>
+                                  <p:childTnLst>
+                                    <p:set>
+                                      <p:cBhvr>
+                                        <p:cTn id="14" dur="1" fill="hold">
+                                          <p:stCondLst>
+                                            <p:cond delay="0"/>
+                                          </p:stCondLst>
+                                        </p:cTn>
+                                        <p:tgtEl>
+                                          <p:spTgt spid="120">
+                                            <p:txEl>
+                                              <p:pRg st="2" end="2"/>
+                                            </p:txEl>
+                                          </p:spTgt>
+                                        </p:tgtEl>
+                                        <p:attrNameLst>
+                                          <p:attrName>style.visibility</p:attrName>
+                                        </p:attrNameLst>
+                                      </p:cBhvr>
+                                      <p:to>
+                                        <p:strVal val="visible"/>
+                                      </p:to>
+                                    </p:set>
+                                  </p:childTnLst>
+                                </p:cTn>
+                              </p:par>
+                            </p:childTnLst>
+                          </p:cTn>
+                        </p:par>
+                      </p:childTnLst>
+                    </p:cTn>
+                  </p:par>
+                  <p:par>
+                    <p:cTn id="15" fill="hold">
+                      <p:stCondLst>
+                        <p:cond delay="indefinite"/>
+                      </p:stCondLst>
+                      <p:childTnLst>
+                        <p:par>
+                          <p:cTn id="16" fill="hold">
+                            <p:stCondLst>
+                              <p:cond delay="0"/>
+                            </p:stCondLst>
+                            <p:childTnLst>
+                              <p:par>
+                                <p:cTn id="17" presetID="1" presetClass="entr" presetSubtype="0" fill="hold" nodeType="clickEffect">
+                                  <p:stCondLst>
+                                    <p:cond delay="0"/>
+                                  </p:stCondLst>
+                                  <p:childTnLst>
+                                    <p:set>
+                                      <p:cBhvr>
+                                        <p:cTn id="18" dur="1" fill="hold">
+                                          <p:stCondLst>
+                                            <p:cond delay="0"/>
+                                          </p:stCondLst>
+                                        </p:cTn>
+                                        <p:tgtEl>
+                                          <p:spTgt spid="120">
+                                            <p:txEl>
+                                              <p:pRg st="3" end="3"/>
                                             </p:txEl>
                                           </p:spTgt>
                                         </p:tgtEl>
@@ -6582,13 +5642,13 @@
           <p:nvPr>
             <p:extLst>
               <p:ext uri="{D42A27DB-BD31-4B8C-83A1-F6EECF244321}">
-                <p14:modId xmlns:p14="http://schemas.microsoft.com/office/powerpoint/2010/main" val="2199527201"/>
+                <p14:modId xmlns:p14="http://schemas.microsoft.com/office/powerpoint/2010/main" val="3622813437"/>
               </p:ext>
             </p:extLst>
           </p:nvPr>
         </p:nvGraphicFramePr>
         <p:xfrm>
-          <a:off x="1855304" y="1205949"/>
+          <a:off x="2140226" y="1255643"/>
           <a:ext cx="7911548" cy="4346714"/>
         </p:xfrm>
         <a:graphic>
@@ -7013,7 +6073,7 @@
         </p:nvSpPr>
         <p:spPr>
           <a:xfrm>
-            <a:off x="1855304" y="5552663"/>
+            <a:off x="2070652" y="5602357"/>
             <a:ext cx="7911548" cy="338554"/>
           </a:xfrm>
           <a:prstGeom prst="rect">
@@ -7187,7 +6247,7 @@
         </p:nvSpPr>
         <p:spPr>
           <a:xfrm>
-            <a:off x="0" y="365125"/>
+            <a:off x="0" y="272361"/>
             <a:ext cx="12192000" cy="1325563"/>
           </a:xfrm>
           <a:solidFill>
@@ -7217,13 +6277,42 @@
           <a:p>
             <a:r>
               <a:rPr lang="de-DE" b="1" dirty="0"/>
-              <a:t>	Project </a:t>
-            </a:r>
-            <a:r>
-              <a:rPr lang="de-DE" b="1" dirty="0" err="1"/>
+              <a:t>	</a:t>
+            </a:r>
+            <a:r>
+              <a:rPr lang="de-DE" dirty="0">
+                <a:solidFill>
+                  <a:schemeClr val="bg1"/>
+                </a:solidFill>
+                <a:latin typeface="+mj-lt"/>
+                <a:ea typeface="+mj-ea"/>
+                <a:cs typeface="+mj-cs"/>
+              </a:rPr>
+              <a:t>Project</a:t>
+            </a:r>
+            <a:r>
+              <a:rPr lang="de-DE" b="1" dirty="0"/>
+              <a:t> </a:t>
+            </a:r>
+            <a:r>
+              <a:rPr lang="de-DE" dirty="0" err="1">
+                <a:solidFill>
+                  <a:schemeClr val="bg1"/>
+                </a:solidFill>
+                <a:latin typeface="+mj-lt"/>
+                <a:ea typeface="+mj-ea"/>
+                <a:cs typeface="+mj-cs"/>
+              </a:rPr>
               <a:t>schedule</a:t>
             </a:r>
-            <a:endParaRPr lang="de-DE" b="1" dirty="0"/>
+            <a:endParaRPr lang="de-DE" dirty="0">
+              <a:solidFill>
+                <a:schemeClr val="bg1"/>
+              </a:solidFill>
+              <a:latin typeface="+mj-lt"/>
+              <a:ea typeface="+mj-ea"/>
+              <a:cs typeface="+mj-cs"/>
+            </a:endParaRPr>
           </a:p>
         </p:txBody>
       </p:sp>
@@ -10462,17 +9551,25 @@
                   <a:schemeClr val="bg1"/>
                 </a:solidFill>
               </a:rPr>
-              <a:t>	Project </a:t>
-            </a:r>
-            <a:r>
-              <a:rPr lang="de-DE" b="1" dirty="0" err="1">
+              <a:t>	</a:t>
+            </a:r>
+            <a:r>
+              <a:rPr lang="de-DE" dirty="0">
                 <a:solidFill>
                   <a:schemeClr val="bg1"/>
                 </a:solidFill>
               </a:rPr>
+              <a:t>Project </a:t>
+            </a:r>
+            <a:r>
+              <a:rPr lang="de-DE" dirty="0" err="1">
+                <a:solidFill>
+                  <a:schemeClr val="bg1"/>
+                </a:solidFill>
+              </a:rPr>
               <a:t>schedule</a:t>
             </a:r>
-            <a:endParaRPr lang="de-DE" b="1" dirty="0">
+            <a:endParaRPr lang="de-DE" dirty="0">
               <a:solidFill>
                 <a:schemeClr val="bg1"/>
               </a:solidFill>
@@ -18348,7 +17445,7 @@
         </p:nvSpPr>
         <p:spPr>
           <a:xfrm>
-            <a:off x="0" y="320675"/>
+            <a:off x="0" y="280919"/>
             <a:ext cx="12192000" cy="1325563"/>
           </a:xfrm>
           <a:solidFill>
@@ -18365,18 +17462,26 @@
                   <a:schemeClr val="bg1"/>
                 </a:solidFill>
               </a:rPr>
-              <a:t>	A </a:t>
-            </a:r>
-            <a:r>
-              <a:rPr lang="de-DE" b="1" dirty="0" err="1">
+              <a:t>	</a:t>
+            </a:r>
+            <a:r>
+              <a:rPr lang="de-DE" dirty="0">
                 <a:solidFill>
                   <a:schemeClr val="bg1"/>
                 </a:solidFill>
               </a:rPr>
+              <a:t>A </a:t>
+            </a:r>
+            <a:r>
+              <a:rPr lang="de-DE" dirty="0" err="1">
+                <a:solidFill>
+                  <a:schemeClr val="bg1"/>
+                </a:solidFill>
+              </a:rPr>
               <a:t>few</a:t>
             </a:r>
             <a:r>
-              <a:rPr lang="de-DE" b="1" dirty="0">
+              <a:rPr lang="de-DE" dirty="0">
                 <a:solidFill>
                   <a:schemeClr val="bg1"/>
                 </a:solidFill>
@@ -18384,14 +17489,14 @@
               <a:t> </a:t>
             </a:r>
             <a:r>
-              <a:rPr lang="de-DE" b="1" dirty="0" err="1">
+              <a:rPr lang="de-DE" dirty="0" err="1">
                 <a:solidFill>
                   <a:schemeClr val="bg1"/>
                 </a:solidFill>
               </a:rPr>
               <a:t>questions</a:t>
             </a:r>
-            <a:endParaRPr lang="de-DE" b="1" dirty="0">
+            <a:endParaRPr lang="de-DE" dirty="0">
               <a:solidFill>
                 <a:schemeClr val="bg1"/>
               </a:solidFill>
@@ -18864,7 +17969,7 @@
         </p:nvSpPr>
         <p:spPr>
           <a:xfrm>
-            <a:off x="0" y="365125"/>
+            <a:off x="0" y="272361"/>
             <a:ext cx="12192000" cy="1325563"/>
           </a:xfrm>
           <a:solidFill>
@@ -18895,7 +18000,18 @@
                   <a:schemeClr val="bg1"/>
                 </a:solidFill>
               </a:rPr>
-              <a:t>	Goal</a:t>
+              <a:t>	</a:t>
+            </a:r>
+            <a:r>
+              <a:rPr lang="de-DE" dirty="0">
+                <a:solidFill>
+                  <a:schemeClr val="bg1"/>
+                </a:solidFill>
+                <a:latin typeface="+mj-lt"/>
+                <a:ea typeface="+mj-ea"/>
+                <a:cs typeface="+mj-cs"/>
+              </a:rPr>
+              <a:t>Goal</a:t>
             </a:r>
           </a:p>
         </p:txBody>
@@ -18953,7 +18069,7 @@
         </p:blipFill>
         <p:spPr>
           <a:xfrm>
-            <a:off x="436948" y="2141537"/>
+            <a:off x="538318" y="2101742"/>
             <a:ext cx="7832408" cy="4351338"/>
           </a:xfrm>
           <a:prstGeom prst="rect">
@@ -19050,7 +18166,7 @@
         </p:nvSpPr>
         <p:spPr>
           <a:xfrm>
-            <a:off x="0" y="207963"/>
+            <a:off x="0" y="274223"/>
             <a:ext cx="12192000" cy="1325563"/>
           </a:xfrm>
           <a:solidFill>
@@ -19067,7 +18183,15 @@
                   <a:schemeClr val="bg1"/>
                 </a:solidFill>
               </a:rPr>
-              <a:t>	Questions</a:t>
+              <a:t>	</a:t>
+            </a:r>
+            <a:r>
+              <a:rPr lang="de-DE" dirty="0">
+                <a:solidFill>
+                  <a:schemeClr val="bg1"/>
+                </a:solidFill>
+              </a:rPr>
+              <a:t>Questions</a:t>
             </a:r>
           </a:p>
         </p:txBody>
@@ -19090,7 +18214,7 @@
         </p:nvSpPr>
         <p:spPr>
           <a:xfrm>
-            <a:off x="838200" y="1690688"/>
+            <a:off x="838200" y="2005012"/>
             <a:ext cx="10515600" cy="4351338"/>
           </a:xfrm>
         </p:spPr>
@@ -20127,231 +19251,6 @@
 </file>
 
 <file path=ppt/theme/theme2.xml><?xml version="1.0" encoding="utf-8"?>
-<a:theme xmlns:a="http://schemas.openxmlformats.org/drawingml/2006/main" name="Office Theme">
-  <a:themeElements>
-    <a:clrScheme name="Office">
-      <a:dk1>
-        <a:sysClr val="windowText" lastClr="000000"/>
-      </a:dk1>
-      <a:lt1>
-        <a:sysClr val="window" lastClr="FFFFFF"/>
-      </a:lt1>
-      <a:dk2>
-        <a:srgbClr val="1F497D"/>
-      </a:dk2>
-      <a:lt2>
-        <a:srgbClr val="EEECE1"/>
-      </a:lt2>
-      <a:accent1>
-        <a:srgbClr val="4F81BD"/>
-      </a:accent1>
-      <a:accent2>
-        <a:srgbClr val="C0504D"/>
-      </a:accent2>
-      <a:accent3>
-        <a:srgbClr val="9BBB59"/>
-      </a:accent3>
-      <a:accent4>
-        <a:srgbClr val="8064A2"/>
-      </a:accent4>
-      <a:accent5>
-        <a:srgbClr val="4BACC6"/>
-      </a:accent5>
-      <a:accent6>
-        <a:srgbClr val="F79646"/>
-      </a:accent6>
-      <a:hlink>
-        <a:srgbClr val="0000FF"/>
-      </a:hlink>
-      <a:folHlink>
-        <a:srgbClr val="800080"/>
-      </a:folHlink>
-    </a:clrScheme>
-    <a:fontScheme name="Office">
-      <a:majorFont>
-        <a:latin typeface="Arial"/>
-        <a:ea typeface="DejaVu Sans"/>
-        <a:cs typeface="DejaVu Sans"/>
-      </a:majorFont>
-      <a:minorFont>
-        <a:latin typeface="Arial"/>
-        <a:ea typeface="DejaVu Sans"/>
-        <a:cs typeface="DejaVu Sans"/>
-      </a:minorFont>
-    </a:fontScheme>
-    <a:fmtScheme name="Office">
-      <a:fillStyleLst>
-        <a:solidFill>
-          <a:schemeClr val="phClr"/>
-        </a:solidFill>
-        <a:gradFill rotWithShape="1">
-          <a:gsLst>
-            <a:gs pos="0">
-              <a:schemeClr val="phClr">
-                <a:tint val="50000"/>
-                <a:satMod val="300000"/>
-              </a:schemeClr>
-            </a:gs>
-            <a:gs pos="35000">
-              <a:schemeClr val="phClr">
-                <a:tint val="37000"/>
-                <a:satMod val="300000"/>
-              </a:schemeClr>
-            </a:gs>
-            <a:gs pos="100000">
-              <a:schemeClr val="phClr">
-                <a:tint val="15000"/>
-                <a:satMod val="350000"/>
-              </a:schemeClr>
-            </a:gs>
-          </a:gsLst>
-          <a:lin ang="16200000" scaled="1"/>
-        </a:gradFill>
-        <a:gradFill rotWithShape="1">
-          <a:gsLst>
-            <a:gs pos="0">
-              <a:schemeClr val="phClr">
-                <a:shade val="51000"/>
-                <a:satMod val="130000"/>
-              </a:schemeClr>
-            </a:gs>
-            <a:gs pos="80000">
-              <a:schemeClr val="phClr">
-                <a:shade val="93000"/>
-                <a:satMod val="130000"/>
-              </a:schemeClr>
-            </a:gs>
-            <a:gs pos="100000">
-              <a:schemeClr val="phClr">
-                <a:shade val="94000"/>
-                <a:satMod val="135000"/>
-              </a:schemeClr>
-            </a:gs>
-          </a:gsLst>
-          <a:lin ang="16200000" scaled="0"/>
-        </a:gradFill>
-      </a:fillStyleLst>
-      <a:lnStyleLst>
-        <a:ln w="9525" cap="flat" cmpd="sng" algn="ctr">
-          <a:solidFill>
-            <a:schemeClr val="phClr">
-              <a:shade val="95000"/>
-              <a:satMod val="105000"/>
-            </a:schemeClr>
-          </a:solidFill>
-          <a:prstDash val="solid"/>
-        </a:ln>
-        <a:ln w="25400" cap="flat" cmpd="sng" algn="ctr">
-          <a:solidFill>
-            <a:schemeClr val="phClr"/>
-          </a:solidFill>
-          <a:prstDash val="solid"/>
-        </a:ln>
-        <a:ln w="38100" cap="flat" cmpd="sng" algn="ctr">
-          <a:solidFill>
-            <a:schemeClr val="phClr"/>
-          </a:solidFill>
-          <a:prstDash val="solid"/>
-        </a:ln>
-      </a:lnStyleLst>
-      <a:effectStyleLst>
-        <a:effectStyle>
-          <a:effectLst>
-            <a:outerShdw blurRad="40000" dist="20000" dir="5400000" rotWithShape="0">
-              <a:srgbClr val="000000">
-                <a:alpha val="38000"/>
-              </a:srgbClr>
-            </a:outerShdw>
-          </a:effectLst>
-        </a:effectStyle>
-        <a:effectStyle>
-          <a:effectLst>
-            <a:outerShdw blurRad="40000" dist="23000" dir="5400000" rotWithShape="0">
-              <a:srgbClr val="000000">
-                <a:alpha val="35000"/>
-              </a:srgbClr>
-            </a:outerShdw>
-          </a:effectLst>
-        </a:effectStyle>
-        <a:effectStyle>
-          <a:effectLst>
-            <a:outerShdw blurRad="40000" dist="23000" dir="5400000" rotWithShape="0">
-              <a:srgbClr val="000000">
-                <a:alpha val="35000"/>
-              </a:srgbClr>
-            </a:outerShdw>
-          </a:effectLst>
-          <a:scene3d>
-            <a:camera prst="orthographicFront">
-              <a:rot lat="0" lon="0" rev="0"/>
-            </a:camera>
-            <a:lightRig rig="threePt" dir="t">
-              <a:rot lat="0" lon="0" rev="1200000"/>
-            </a:lightRig>
-          </a:scene3d>
-          <a:sp3d>
-            <a:bevelT w="63500" h="25400"/>
-          </a:sp3d>
-        </a:effectStyle>
-      </a:effectStyleLst>
-      <a:bgFillStyleLst>
-        <a:solidFill>
-          <a:schemeClr val="phClr"/>
-        </a:solidFill>
-        <a:gradFill rotWithShape="1">
-          <a:gsLst>
-            <a:gs pos="0">
-              <a:schemeClr val="phClr">
-                <a:tint val="40000"/>
-                <a:satMod val="350000"/>
-              </a:schemeClr>
-            </a:gs>
-            <a:gs pos="40000">
-              <a:schemeClr val="phClr">
-                <a:tint val="45000"/>
-                <a:shade val="99000"/>
-                <a:satMod val="350000"/>
-              </a:schemeClr>
-            </a:gs>
-            <a:gs pos="100000">
-              <a:schemeClr val="phClr">
-                <a:shade val="20000"/>
-                <a:satMod val="255000"/>
-              </a:schemeClr>
-            </a:gs>
-          </a:gsLst>
-          <a:path path="circle">
-            <a:fillToRect l="50000" t="-80000" r="50000" b="180000"/>
-          </a:path>
-        </a:gradFill>
-        <a:gradFill rotWithShape="1">
-          <a:gsLst>
-            <a:gs pos="0">
-              <a:schemeClr val="phClr">
-                <a:tint val="80000"/>
-                <a:satMod val="300000"/>
-              </a:schemeClr>
-            </a:gs>
-            <a:gs pos="100000">
-              <a:schemeClr val="phClr">
-                <a:shade val="30000"/>
-                <a:satMod val="200000"/>
-              </a:schemeClr>
-            </a:gs>
-          </a:gsLst>
-          <a:path path="circle">
-            <a:fillToRect l="50000" t="50000" r="50000" b="50000"/>
-          </a:path>
-        </a:gradFill>
-      </a:bgFillStyleLst>
-    </a:fmtScheme>
-  </a:themeElements>
-  <a:objectDefaults/>
-  <a:extraClrSchemeLst/>
-</a:theme>
-</file>
-
-<file path=ppt/theme/theme3.xml><?xml version="1.0" encoding="utf-8"?>
 <a:theme xmlns:a="http://schemas.openxmlformats.org/drawingml/2006/main" name="Office">
   <a:themeElements>
     <a:clrScheme name="Office">
@@ -20644,4 +19543,47 @@
     </a:ext>
   </a:extLst>
 </a:theme>
+</file>
+
+<file path=ppt/theme/themeOverride1.xml><?xml version="1.0" encoding="utf-8"?>
+<a:themeOverride xmlns:a="http://schemas.openxmlformats.org/drawingml/2006/main">
+  <a:clrScheme name="Office">
+    <a:dk1>
+      <a:sysClr val="windowText" lastClr="000000"/>
+    </a:dk1>
+    <a:lt1>
+      <a:sysClr val="window" lastClr="FFFFFF"/>
+    </a:lt1>
+    <a:dk2>
+      <a:srgbClr val="44546A"/>
+    </a:dk2>
+    <a:lt2>
+      <a:srgbClr val="E7E6E6"/>
+    </a:lt2>
+    <a:accent1>
+      <a:srgbClr val="4472C4"/>
+    </a:accent1>
+    <a:accent2>
+      <a:srgbClr val="ED7D31"/>
+    </a:accent2>
+    <a:accent3>
+      <a:srgbClr val="A5A5A5"/>
+    </a:accent3>
+    <a:accent4>
+      <a:srgbClr val="FFC000"/>
+    </a:accent4>
+    <a:accent5>
+      <a:srgbClr val="5B9BD5"/>
+    </a:accent5>
+    <a:accent6>
+      <a:srgbClr val="70AD47"/>
+    </a:accent6>
+    <a:hlink>
+      <a:srgbClr val="0563C1"/>
+    </a:hlink>
+    <a:folHlink>
+      <a:srgbClr val="954F72"/>
+    </a:folHlink>
+  </a:clrScheme>
+</a:themeOverride>
 </file>
--- a/K-means clustering.pptx
+++ b/K-means clustering.pptx
@@ -7,6 +7,9 @@
     <p:sldMasterId id="2147483674" r:id="rId3"/>
     <p:sldMasterId id="2147483687" r:id="rId4"/>
   </p:sldMasterIdLst>
+  <p:notesMasterIdLst>
+    <p:notesMasterId r:id="rId18"/>
+  </p:notesMasterIdLst>
   <p:sldIdLst>
     <p:sldId id="256" r:id="rId5"/>
     <p:sldId id="257" r:id="rId6"/>
@@ -119,7 +122,445 @@
       </a:defRPr>
     </a:lvl9pPr>
   </p:defaultTextStyle>
+  <p:extLst>
+    <p:ext uri="{EFAFB233-063F-42B5-8137-9DF3F51BA10A}">
+      <p15:sldGuideLst xmlns:p15="http://schemas.microsoft.com/office/powerpoint/2012/main"/>
+    </p:ext>
+  </p:extLst>
 </p:presentation>
+</file>
+
+<file path=ppt/notesMasters/notesMaster1.xml><?xml version="1.0" encoding="utf-8"?>
+<p:notesMaster xmlns:a="http://schemas.openxmlformats.org/drawingml/2006/main" xmlns:r="http://schemas.openxmlformats.org/officeDocument/2006/relationships" xmlns:p="http://schemas.openxmlformats.org/presentationml/2006/main">
+  <p:cSld>
+    <p:bg>
+      <p:bgRef idx="1001">
+        <a:schemeClr val="bg1"/>
+      </p:bgRef>
+    </p:bg>
+    <p:spTree>
+      <p:nvGrpSpPr>
+        <p:cNvPr id="1" name=""/>
+        <p:cNvGrpSpPr/>
+        <p:nvPr/>
+      </p:nvGrpSpPr>
+      <p:grpSpPr>
+        <a:xfrm>
+          <a:off x="0" y="0"/>
+          <a:ext cx="0" cy="0"/>
+          <a:chOff x="0" y="0"/>
+          <a:chExt cx="0" cy="0"/>
+        </a:xfrm>
+      </p:grpSpPr>
+      <p:sp>
+        <p:nvSpPr>
+          <p:cNvPr id="2" name="Kopfzeilenplatzhalter 1"/>
+          <p:cNvSpPr>
+            <a:spLocks noGrp="1"/>
+          </p:cNvSpPr>
+          <p:nvPr>
+            <p:ph type="hdr" sz="quarter"/>
+          </p:nvPr>
+        </p:nvSpPr>
+        <p:spPr>
+          <a:xfrm>
+            <a:off x="0" y="0"/>
+            <a:ext cx="3276600" cy="536575"/>
+          </a:xfrm>
+          <a:prstGeom prst="rect">
+            <a:avLst/>
+          </a:prstGeom>
+        </p:spPr>
+        <p:txBody>
+          <a:bodyPr vert="horz" lIns="91440" tIns="45720" rIns="91440" bIns="45720" rtlCol="0"/>
+          <a:lstStyle>
+            <a:lvl1pPr algn="l">
+              <a:defRPr sz="1200"/>
+            </a:lvl1pPr>
+          </a:lstStyle>
+          <a:p>
+            <a:endParaRPr lang="de-DE"/>
+          </a:p>
+        </p:txBody>
+      </p:sp>
+      <p:sp>
+        <p:nvSpPr>
+          <p:cNvPr id="3" name="Datumsplatzhalter 2"/>
+          <p:cNvSpPr>
+            <a:spLocks noGrp="1"/>
+          </p:cNvSpPr>
+          <p:nvPr>
+            <p:ph type="dt" idx="1"/>
+          </p:nvPr>
+        </p:nvSpPr>
+        <p:spPr>
+          <a:xfrm>
+            <a:off x="4281488" y="0"/>
+            <a:ext cx="3276600" cy="536575"/>
+          </a:xfrm>
+          <a:prstGeom prst="rect">
+            <a:avLst/>
+          </a:prstGeom>
+        </p:spPr>
+        <p:txBody>
+          <a:bodyPr vert="horz" lIns="91440" tIns="45720" rIns="91440" bIns="45720" rtlCol="0"/>
+          <a:lstStyle>
+            <a:lvl1pPr algn="r">
+              <a:defRPr sz="1200"/>
+            </a:lvl1pPr>
+          </a:lstStyle>
+          <a:p>
+            <a:fld id="{D9C48F8D-9275-4AE5-B43E-20BB141F2AB4}" type="datetimeFigureOut">
+              <a:rPr lang="de-DE" smtClean="0"/>
+              <a:t>14.05.2019</a:t>
+            </a:fld>
+            <a:endParaRPr lang="de-DE"/>
+          </a:p>
+        </p:txBody>
+      </p:sp>
+      <p:sp>
+        <p:nvSpPr>
+          <p:cNvPr id="4" name="Folienbildplatzhalter 3"/>
+          <p:cNvSpPr>
+            <a:spLocks noGrp="1" noRot="1" noChangeAspect="1"/>
+          </p:cNvSpPr>
+          <p:nvPr>
+            <p:ph type="sldImg" idx="2"/>
+          </p:nvPr>
+        </p:nvSpPr>
+        <p:spPr>
+          <a:xfrm>
+            <a:off x="573088" y="1336675"/>
+            <a:ext cx="6413500" cy="3608388"/>
+          </a:xfrm>
+          <a:prstGeom prst="rect">
+            <a:avLst/>
+          </a:prstGeom>
+          <a:noFill/>
+          <a:ln w="12700">
+            <a:solidFill>
+              <a:prstClr val="black"/>
+            </a:solidFill>
+          </a:ln>
+        </p:spPr>
+        <p:txBody>
+          <a:bodyPr vert="horz" lIns="91440" tIns="45720" rIns="91440" bIns="45720" rtlCol="0" anchor="ctr"/>
+          <a:lstStyle/>
+          <a:p>
+            <a:endParaRPr lang="de-DE"/>
+          </a:p>
+        </p:txBody>
+      </p:sp>
+      <p:sp>
+        <p:nvSpPr>
+          <p:cNvPr id="5" name="Notizenplatzhalter 4"/>
+          <p:cNvSpPr>
+            <a:spLocks noGrp="1"/>
+          </p:cNvSpPr>
+          <p:nvPr>
+            <p:ph type="body" sz="quarter" idx="3"/>
+          </p:nvPr>
+        </p:nvSpPr>
+        <p:spPr>
+          <a:xfrm>
+            <a:off x="755650" y="5145088"/>
+            <a:ext cx="6048375" cy="4210050"/>
+          </a:xfrm>
+          <a:prstGeom prst="rect">
+            <a:avLst/>
+          </a:prstGeom>
+        </p:spPr>
+        <p:txBody>
+          <a:bodyPr vert="horz" lIns="91440" tIns="45720" rIns="91440" bIns="45720" rtlCol="0"/>
+          <a:lstStyle/>
+          <a:p>
+            <a:pPr lvl="0"/>
+            <a:r>
+              <a:rPr lang="de-DE"/>
+              <a:t>Mastertextformat bearbeiten</a:t>
+            </a:r>
+          </a:p>
+          <a:p>
+            <a:pPr lvl="1"/>
+            <a:r>
+              <a:rPr lang="de-DE"/>
+              <a:t>Zweite Ebene</a:t>
+            </a:r>
+          </a:p>
+          <a:p>
+            <a:pPr lvl="2"/>
+            <a:r>
+              <a:rPr lang="de-DE"/>
+              <a:t>Dritte Ebene</a:t>
+            </a:r>
+          </a:p>
+          <a:p>
+            <a:pPr lvl="3"/>
+            <a:r>
+              <a:rPr lang="de-DE"/>
+              <a:t>Vierte Ebene</a:t>
+            </a:r>
+          </a:p>
+          <a:p>
+            <a:pPr lvl="4"/>
+            <a:r>
+              <a:rPr lang="de-DE"/>
+              <a:t>Fünfte Ebene</a:t>
+            </a:r>
+          </a:p>
+        </p:txBody>
+      </p:sp>
+      <p:sp>
+        <p:nvSpPr>
+          <p:cNvPr id="6" name="Fußzeilenplatzhalter 5"/>
+          <p:cNvSpPr>
+            <a:spLocks noGrp="1"/>
+          </p:cNvSpPr>
+          <p:nvPr>
+            <p:ph type="ftr" sz="quarter" idx="4"/>
+          </p:nvPr>
+        </p:nvSpPr>
+        <p:spPr>
+          <a:xfrm>
+            <a:off x="0" y="10155238"/>
+            <a:ext cx="3276600" cy="536575"/>
+          </a:xfrm>
+          <a:prstGeom prst="rect">
+            <a:avLst/>
+          </a:prstGeom>
+        </p:spPr>
+        <p:txBody>
+          <a:bodyPr vert="horz" lIns="91440" tIns="45720" rIns="91440" bIns="45720" rtlCol="0" anchor="b"/>
+          <a:lstStyle>
+            <a:lvl1pPr algn="l">
+              <a:defRPr sz="1200"/>
+            </a:lvl1pPr>
+          </a:lstStyle>
+          <a:p>
+            <a:endParaRPr lang="de-DE"/>
+          </a:p>
+        </p:txBody>
+      </p:sp>
+      <p:sp>
+        <p:nvSpPr>
+          <p:cNvPr id="7" name="Foliennummernplatzhalter 6"/>
+          <p:cNvSpPr>
+            <a:spLocks noGrp="1"/>
+          </p:cNvSpPr>
+          <p:nvPr>
+            <p:ph type="sldNum" sz="quarter" idx="5"/>
+          </p:nvPr>
+        </p:nvSpPr>
+        <p:spPr>
+          <a:xfrm>
+            <a:off x="4281488" y="10155238"/>
+            <a:ext cx="3276600" cy="536575"/>
+          </a:xfrm>
+          <a:prstGeom prst="rect">
+            <a:avLst/>
+          </a:prstGeom>
+        </p:spPr>
+        <p:txBody>
+          <a:bodyPr vert="horz" lIns="91440" tIns="45720" rIns="91440" bIns="45720" rtlCol="0" anchor="b"/>
+          <a:lstStyle>
+            <a:lvl1pPr algn="r">
+              <a:defRPr sz="1200"/>
+            </a:lvl1pPr>
+          </a:lstStyle>
+          <a:p>
+            <a:fld id="{9F070E46-5A88-4BB7-A0D6-43BFEBDB2CB5}" type="slidenum">
+              <a:rPr lang="de-DE" smtClean="0"/>
+              <a:t>‹Nr.›</a:t>
+            </a:fld>
+            <a:endParaRPr lang="de-DE"/>
+          </a:p>
+        </p:txBody>
+      </p:sp>
+    </p:spTree>
+    <p:extLst>
+      <p:ext uri="{BB962C8B-B14F-4D97-AF65-F5344CB8AC3E}">
+        <p14:creationId xmlns:p14="http://schemas.microsoft.com/office/powerpoint/2010/main" val="2703063254"/>
+      </p:ext>
+    </p:extLst>
+  </p:cSld>
+  <p:clrMap bg1="lt1" tx1="dk1" bg2="lt2" tx2="dk2" accent1="accent1" accent2="accent2" accent3="accent3" accent4="accent4" accent5="accent5" accent6="accent6" hlink="hlink" folHlink="folHlink"/>
+  <p:notesStyle>
+    <a:lvl1pPr marL="0" algn="l" defTabSz="914400" rtl="0" eaLnBrk="1" latinLnBrk="0" hangingPunct="1">
+      <a:defRPr sz="1200" kern="1200">
+        <a:solidFill>
+          <a:schemeClr val="tx1"/>
+        </a:solidFill>
+        <a:latin typeface="+mn-lt"/>
+        <a:ea typeface="+mn-ea"/>
+        <a:cs typeface="+mn-cs"/>
+      </a:defRPr>
+    </a:lvl1pPr>
+    <a:lvl2pPr marL="457200" algn="l" defTabSz="914400" rtl="0" eaLnBrk="1" latinLnBrk="0" hangingPunct="1">
+      <a:defRPr sz="1200" kern="1200">
+        <a:solidFill>
+          <a:schemeClr val="tx1"/>
+        </a:solidFill>
+        <a:latin typeface="+mn-lt"/>
+        <a:ea typeface="+mn-ea"/>
+        <a:cs typeface="+mn-cs"/>
+      </a:defRPr>
+    </a:lvl2pPr>
+    <a:lvl3pPr marL="914400" algn="l" defTabSz="914400" rtl="0" eaLnBrk="1" latinLnBrk="0" hangingPunct="1">
+      <a:defRPr sz="1200" kern="1200">
+        <a:solidFill>
+          <a:schemeClr val="tx1"/>
+        </a:solidFill>
+        <a:latin typeface="+mn-lt"/>
+        <a:ea typeface="+mn-ea"/>
+        <a:cs typeface="+mn-cs"/>
+      </a:defRPr>
+    </a:lvl3pPr>
+    <a:lvl4pPr marL="1371600" algn="l" defTabSz="914400" rtl="0" eaLnBrk="1" latinLnBrk="0" hangingPunct="1">
+      <a:defRPr sz="1200" kern="1200">
+        <a:solidFill>
+          <a:schemeClr val="tx1"/>
+        </a:solidFill>
+        <a:latin typeface="+mn-lt"/>
+        <a:ea typeface="+mn-ea"/>
+        <a:cs typeface="+mn-cs"/>
+      </a:defRPr>
+    </a:lvl4pPr>
+    <a:lvl5pPr marL="1828800" algn="l" defTabSz="914400" rtl="0" eaLnBrk="1" latinLnBrk="0" hangingPunct="1">
+      <a:defRPr sz="1200" kern="1200">
+        <a:solidFill>
+          <a:schemeClr val="tx1"/>
+        </a:solidFill>
+        <a:latin typeface="+mn-lt"/>
+        <a:ea typeface="+mn-ea"/>
+        <a:cs typeface="+mn-cs"/>
+      </a:defRPr>
+    </a:lvl5pPr>
+    <a:lvl6pPr marL="2286000" algn="l" defTabSz="914400" rtl="0" eaLnBrk="1" latinLnBrk="0" hangingPunct="1">
+      <a:defRPr sz="1200" kern="1200">
+        <a:solidFill>
+          <a:schemeClr val="tx1"/>
+        </a:solidFill>
+        <a:latin typeface="+mn-lt"/>
+        <a:ea typeface="+mn-ea"/>
+        <a:cs typeface="+mn-cs"/>
+      </a:defRPr>
+    </a:lvl6pPr>
+    <a:lvl7pPr marL="2743200" algn="l" defTabSz="914400" rtl="0" eaLnBrk="1" latinLnBrk="0" hangingPunct="1">
+      <a:defRPr sz="1200" kern="1200">
+        <a:solidFill>
+          <a:schemeClr val="tx1"/>
+        </a:solidFill>
+        <a:latin typeface="+mn-lt"/>
+        <a:ea typeface="+mn-ea"/>
+        <a:cs typeface="+mn-cs"/>
+      </a:defRPr>
+    </a:lvl7pPr>
+    <a:lvl8pPr marL="3200400" algn="l" defTabSz="914400" rtl="0" eaLnBrk="1" latinLnBrk="0" hangingPunct="1">
+      <a:defRPr sz="1200" kern="1200">
+        <a:solidFill>
+          <a:schemeClr val="tx1"/>
+        </a:solidFill>
+        <a:latin typeface="+mn-lt"/>
+        <a:ea typeface="+mn-ea"/>
+        <a:cs typeface="+mn-cs"/>
+      </a:defRPr>
+    </a:lvl8pPr>
+    <a:lvl9pPr marL="3657600" algn="l" defTabSz="914400" rtl="0" eaLnBrk="1" latinLnBrk="0" hangingPunct="1">
+      <a:defRPr sz="1200" kern="1200">
+        <a:solidFill>
+          <a:schemeClr val="tx1"/>
+        </a:solidFill>
+        <a:latin typeface="+mn-lt"/>
+        <a:ea typeface="+mn-ea"/>
+        <a:cs typeface="+mn-cs"/>
+      </a:defRPr>
+    </a:lvl9pPr>
+  </p:notesStyle>
+</p:notesMaster>
+</file>
+
+<file path=ppt/notesSlides/notesSlide1.xml><?xml version="1.0" encoding="utf-8"?>
+<p:notes xmlns:a="http://schemas.openxmlformats.org/drawingml/2006/main" xmlns:r="http://schemas.openxmlformats.org/officeDocument/2006/relationships" xmlns:p="http://schemas.openxmlformats.org/presentationml/2006/main">
+  <p:cSld>
+    <p:spTree>
+      <p:nvGrpSpPr>
+        <p:cNvPr id="1" name=""/>
+        <p:cNvGrpSpPr/>
+        <p:nvPr/>
+      </p:nvGrpSpPr>
+      <p:grpSpPr>
+        <a:xfrm>
+          <a:off x="0" y="0"/>
+          <a:ext cx="0" cy="0"/>
+          <a:chOff x="0" y="0"/>
+          <a:chExt cx="0" cy="0"/>
+        </a:xfrm>
+      </p:grpSpPr>
+      <p:sp>
+        <p:nvSpPr>
+          <p:cNvPr id="2" name="Folienbildplatzhalter 1"/>
+          <p:cNvSpPr>
+            <a:spLocks noGrp="1" noRot="1" noChangeAspect="1"/>
+          </p:cNvSpPr>
+          <p:nvPr>
+            <p:ph type="sldImg"/>
+          </p:nvPr>
+        </p:nvSpPr>
+        <p:spPr/>
+      </p:sp>
+      <p:sp>
+        <p:nvSpPr>
+          <p:cNvPr id="3" name="Notizenplatzhalter 2"/>
+          <p:cNvSpPr>
+            <a:spLocks noGrp="1"/>
+          </p:cNvSpPr>
+          <p:nvPr>
+            <p:ph type="body" idx="1"/>
+          </p:nvPr>
+        </p:nvSpPr>
+        <p:spPr/>
+        <p:txBody>
+          <a:bodyPr/>
+          <a:lstStyle/>
+          <a:p>
+            <a:endParaRPr lang="de-DE" dirty="0"/>
+          </a:p>
+        </p:txBody>
+      </p:sp>
+      <p:sp>
+        <p:nvSpPr>
+          <p:cNvPr id="4" name="Foliennummernplatzhalter 3"/>
+          <p:cNvSpPr>
+            <a:spLocks noGrp="1"/>
+          </p:cNvSpPr>
+          <p:nvPr>
+            <p:ph type="sldNum" sz="quarter" idx="5"/>
+          </p:nvPr>
+        </p:nvSpPr>
+        <p:spPr/>
+        <p:txBody>
+          <a:bodyPr/>
+          <a:lstStyle/>
+          <a:p>
+            <a:fld id="{9F070E46-5A88-4BB7-A0D6-43BFEBDB2CB5}" type="slidenum">
+              <a:rPr lang="de-DE" smtClean="0"/>
+              <a:t>10</a:t>
+            </a:fld>
+            <a:endParaRPr lang="de-DE"/>
+          </a:p>
+        </p:txBody>
+      </p:sp>
+    </p:spTree>
+    <p:extLst>
+      <p:ext uri="{BB962C8B-B14F-4D97-AF65-F5344CB8AC3E}">
+        <p14:creationId xmlns:p14="http://schemas.microsoft.com/office/powerpoint/2010/main" val="1137783035"/>
+      </p:ext>
+    </p:extLst>
+  </p:cSld>
+  <p:clrMapOvr>
+    <a:masterClrMapping/>
+  </p:clrMapOvr>
+</p:notes>
 </file>
 
 <file path=ppt/slideLayouts/slideLayout1.xml><?xml version="1.0" encoding="utf-8"?>
@@ -9182,16 +9623,35 @@
               </a:lnSpc>
             </a:pPr>
             <a:r>
-              <a:rPr lang="de-DE" sz="2000" b="1" strike="noStrike" spc="-1">
-                <a:solidFill>
-                  <a:srgbClr val="C55A11"/>
+              <a:rPr lang="de-DE" sz="2000" b="1" strike="noStrike" spc="-1" dirty="0">
+                <a:solidFill>
+                  <a:schemeClr val="accent2">
+                    <a:lumMod val="75000"/>
+                  </a:schemeClr>
                 </a:solidFill>
                 <a:latin typeface="Calibri"/>
                 <a:ea typeface="DejaVu Sans"/>
               </a:rPr>
-              <a:t>1. week</a:t>
-            </a:r>
-            <a:endParaRPr lang="de-DE" sz="2000" b="0" strike="noStrike" spc="-1">
+              <a:t>1. </a:t>
+            </a:r>
+            <a:r>
+              <a:rPr lang="de-DE" sz="2000" b="1" strike="noStrike" spc="-1" dirty="0" err="1">
+                <a:solidFill>
+                  <a:schemeClr val="accent2">
+                    <a:lumMod val="75000"/>
+                  </a:schemeClr>
+                </a:solidFill>
+                <a:latin typeface="Calibri"/>
+                <a:ea typeface="DejaVu Sans"/>
+              </a:rPr>
+              <a:t>week</a:t>
+            </a:r>
+            <a:endParaRPr lang="de-DE" sz="2000" b="0" strike="noStrike" spc="-1" dirty="0">
+              <a:solidFill>
+                <a:schemeClr val="accent2">
+                  <a:lumMod val="75000"/>
+                </a:schemeClr>
+              </a:solidFill>
               <a:latin typeface="Arial"/>
             </a:endParaRPr>
           </a:p>
@@ -9544,10 +10004,7 @@
             <a:avLst/>
           </a:prstGeom>
           <a:solidFill>
-            <a:schemeClr val="accent6">
-              <a:lumMod val="60000"/>
-              <a:lumOff val="40000"/>
-            </a:schemeClr>
+            <a:srgbClr val="92D050"/>
           </a:solidFill>
           <a:ln>
             <a:noFill/>
@@ -9712,10 +10169,7 @@
             <a:avLst/>
           </a:prstGeom>
           <a:solidFill>
-            <a:schemeClr val="accent6">
-              <a:lumMod val="60000"/>
-              <a:lumOff val="40000"/>
-            </a:schemeClr>
+            <a:srgbClr val="92D050"/>
           </a:solidFill>
           <a:ln>
             <a:noFill/>
@@ -9787,9 +10241,7 @@
             <a:avLst/>
           </a:prstGeom>
           <a:solidFill>
-            <a:schemeClr val="accent4">
-              <a:lumMod val="75000"/>
-            </a:schemeClr>
+            <a:srgbClr val="99823A"/>
           </a:solidFill>
           <a:ln>
             <a:noFill/>
@@ -9953,9 +10405,7 @@
             <a:avLst/>
           </a:prstGeom>
           <a:solidFill>
-            <a:schemeClr val="accent4">
-              <a:lumMod val="75000"/>
-            </a:schemeClr>
+            <a:srgbClr val="99823A"/>
           </a:solidFill>
           <a:ln>
             <a:noFill/>
@@ -10998,16 +11448,29 @@
               </a:lnSpc>
             </a:pPr>
             <a:r>
-              <a:rPr lang="de-DE" sz="2000" b="1" strike="noStrike" spc="-1">
-                <a:solidFill>
-                  <a:srgbClr val="A9D18E"/>
+              <a:rPr lang="de-DE" sz="2000" b="1" strike="noStrike" spc="-1" dirty="0">
+                <a:solidFill>
+                  <a:srgbClr val="92D050"/>
                 </a:solidFill>
                 <a:latin typeface="Calibri"/>
                 <a:ea typeface="DejaVu Sans"/>
               </a:rPr>
-              <a:t>3. week</a:t>
-            </a:r>
-            <a:endParaRPr lang="de-DE" sz="2000" b="0" strike="noStrike" spc="-1">
+              <a:t>3. </a:t>
+            </a:r>
+            <a:r>
+              <a:rPr lang="de-DE" sz="2000" b="1" strike="noStrike" spc="-1" dirty="0" err="1">
+                <a:solidFill>
+                  <a:srgbClr val="92D050"/>
+                </a:solidFill>
+                <a:latin typeface="Calibri"/>
+                <a:ea typeface="DejaVu Sans"/>
+              </a:rPr>
+              <a:t>week</a:t>
+            </a:r>
+            <a:endParaRPr lang="de-DE" sz="2000" b="0" strike="noStrike" spc="-1" dirty="0">
+              <a:solidFill>
+                <a:srgbClr val="92D050"/>
+              </a:solidFill>
               <a:latin typeface="Arial"/>
             </a:endParaRPr>
           </a:p>
@@ -11110,16 +11573,35 @@
               </a:lnSpc>
             </a:pPr>
             <a:r>
-              <a:rPr lang="de-DE" sz="2000" b="1" strike="noStrike" spc="-1">
-                <a:solidFill>
-                  <a:srgbClr val="385623"/>
+              <a:rPr lang="de-DE" sz="2000" b="1" strike="noStrike" spc="-1" dirty="0">
+                <a:solidFill>
+                  <a:schemeClr val="accent6">
+                    <a:lumMod val="75000"/>
+                  </a:schemeClr>
                 </a:solidFill>
                 <a:latin typeface="Calibri"/>
                 <a:ea typeface="DejaVu Sans"/>
               </a:rPr>
-              <a:t>6. week</a:t>
-            </a:r>
-            <a:endParaRPr lang="de-DE" sz="2000" b="0" strike="noStrike" spc="-1">
+              <a:t>6. </a:t>
+            </a:r>
+            <a:r>
+              <a:rPr lang="de-DE" sz="2000" b="1" strike="noStrike" spc="-1" dirty="0" err="1">
+                <a:solidFill>
+                  <a:schemeClr val="accent6">
+                    <a:lumMod val="75000"/>
+                  </a:schemeClr>
+                </a:solidFill>
+                <a:latin typeface="Calibri"/>
+                <a:ea typeface="DejaVu Sans"/>
+              </a:rPr>
+              <a:t>week</a:t>
+            </a:r>
+            <a:endParaRPr lang="de-DE" sz="2000" b="0" strike="noStrike" spc="-1" dirty="0">
+              <a:solidFill>
+                <a:schemeClr val="accent6">
+                  <a:lumMod val="75000"/>
+                </a:schemeClr>
+              </a:solidFill>
               <a:latin typeface="Arial"/>
             </a:endParaRPr>
           </a:p>
@@ -11334,16 +11816,83 @@
               </a:lnSpc>
             </a:pPr>
             <a:r>
-              <a:rPr lang="de-DE" sz="1800" b="0" strike="noStrike" spc="-1">
-                <a:solidFill>
-                  <a:srgbClr val="C55A11"/>
+              <a:rPr lang="de-DE" sz="1800" b="0" strike="noStrike" spc="-1" dirty="0">
+                <a:solidFill>
+                  <a:schemeClr val="accent2">
+                    <a:lumMod val="75000"/>
+                  </a:schemeClr>
                 </a:solidFill>
                 <a:latin typeface="Calibri"/>
                 <a:ea typeface="DejaVu Sans"/>
               </a:rPr>
-              <a:t>Python, packages, basic knowledge</a:t>
-            </a:r>
-            <a:endParaRPr lang="de-DE" sz="1800" b="0" strike="noStrike" spc="-1">
+              <a:t>Python, </a:t>
+            </a:r>
+            <a:r>
+              <a:rPr lang="de-DE" sz="1800" b="0" strike="noStrike" spc="-1" dirty="0" err="1">
+                <a:solidFill>
+                  <a:schemeClr val="accent2">
+                    <a:lumMod val="75000"/>
+                  </a:schemeClr>
+                </a:solidFill>
+                <a:latin typeface="Calibri"/>
+                <a:ea typeface="DejaVu Sans"/>
+              </a:rPr>
+              <a:t>packages</a:t>
+            </a:r>
+            <a:r>
+              <a:rPr lang="de-DE" sz="1800" b="0" strike="noStrike" spc="-1" dirty="0">
+                <a:solidFill>
+                  <a:schemeClr val="accent2">
+                    <a:lumMod val="75000"/>
+                  </a:schemeClr>
+                </a:solidFill>
+                <a:latin typeface="Calibri"/>
+                <a:ea typeface="DejaVu Sans"/>
+              </a:rPr>
+              <a:t>, </a:t>
+            </a:r>
+            <a:r>
+              <a:rPr lang="de-DE" sz="1800" b="0" strike="noStrike" spc="-1" dirty="0" err="1">
+                <a:solidFill>
+                  <a:schemeClr val="accent2">
+                    <a:lumMod val="75000"/>
+                  </a:schemeClr>
+                </a:solidFill>
+                <a:latin typeface="Calibri"/>
+                <a:ea typeface="DejaVu Sans"/>
+              </a:rPr>
+              <a:t>basic</a:t>
+            </a:r>
+            <a:r>
+              <a:rPr lang="de-DE" sz="1800" b="0" strike="noStrike" spc="-1" dirty="0">
+                <a:solidFill>
+                  <a:schemeClr val="accent2">
+                    <a:lumMod val="75000"/>
+                  </a:schemeClr>
+                </a:solidFill>
+                <a:latin typeface="Calibri"/>
+                <a:ea typeface="DejaVu Sans"/>
+              </a:rPr>
+              <a:t> </a:t>
+            </a:r>
+            <a:r>
+              <a:rPr lang="de-DE" sz="1800" b="0" strike="noStrike" spc="-1" dirty="0" err="1">
+                <a:solidFill>
+                  <a:schemeClr val="accent2">
+                    <a:lumMod val="75000"/>
+                  </a:schemeClr>
+                </a:solidFill>
+                <a:latin typeface="Calibri"/>
+                <a:ea typeface="DejaVu Sans"/>
+              </a:rPr>
+              <a:t>knowledge</a:t>
+            </a:r>
+            <a:endParaRPr lang="de-DE" sz="1800" b="0" strike="noStrike" spc="-1" dirty="0">
+              <a:solidFill>
+                <a:schemeClr val="accent2">
+                  <a:lumMod val="75000"/>
+                </a:schemeClr>
+              </a:solidFill>
               <a:latin typeface="Arial"/>
             </a:endParaRPr>
           </a:p>
@@ -11466,16 +12015,29 @@
               </a:lnSpc>
             </a:pPr>
             <a:r>
-              <a:rPr lang="de-DE" sz="1800" b="0" strike="noStrike" spc="-1">
-                <a:solidFill>
-                  <a:srgbClr val="A9D18E"/>
+              <a:rPr lang="de-DE" sz="1800" b="0" strike="noStrike" spc="-1" dirty="0">
+                <a:solidFill>
+                  <a:srgbClr val="92D050"/>
                 </a:solidFill>
                 <a:latin typeface="Calibri"/>
                 <a:ea typeface="DejaVu Sans"/>
               </a:rPr>
-              <a:t>Mini-batch algorithm</a:t>
-            </a:r>
-            <a:endParaRPr lang="de-DE" sz="1800" b="0" strike="noStrike" spc="-1">
+              <a:t>Mini-batch </a:t>
+            </a:r>
+            <a:r>
+              <a:rPr lang="de-DE" sz="1800" b="0" strike="noStrike" spc="-1" dirty="0" err="1">
+                <a:solidFill>
+                  <a:srgbClr val="92D050"/>
+                </a:solidFill>
+                <a:latin typeface="Calibri"/>
+                <a:ea typeface="DejaVu Sans"/>
+              </a:rPr>
+              <a:t>algorithm</a:t>
+            </a:r>
+            <a:endParaRPr lang="de-DE" sz="1800" b="0" strike="noStrike" spc="-1" dirty="0">
+              <a:solidFill>
+                <a:srgbClr val="92D050"/>
+              </a:solidFill>
               <a:latin typeface="Arial"/>
             </a:endParaRPr>
           </a:p>
@@ -11522,16 +12084,49 @@
               </a:lnSpc>
             </a:pPr>
             <a:r>
-              <a:rPr lang="de-DE" sz="1800" b="0" strike="noStrike" spc="-1">
-                <a:solidFill>
-                  <a:srgbClr val="BF9000"/>
+              <a:rPr lang="de-DE" sz="1800" b="0" strike="noStrike" spc="-1" dirty="0">
+                <a:solidFill>
+                  <a:srgbClr val="99823A"/>
                 </a:solidFill>
                 <a:latin typeface="Calibri"/>
                 <a:ea typeface="DejaVu Sans"/>
               </a:rPr>
-              <a:t>K-means ++ algorithm</a:t>
-            </a:r>
-            <a:endParaRPr lang="de-DE" sz="1800" b="0" strike="noStrike" spc="-1">
+              <a:t>K-</a:t>
+            </a:r>
+            <a:r>
+              <a:rPr lang="de-DE" sz="1800" b="0" strike="noStrike" spc="-1" dirty="0" err="1">
+                <a:solidFill>
+                  <a:srgbClr val="99823A"/>
+                </a:solidFill>
+                <a:latin typeface="Calibri"/>
+                <a:ea typeface="DejaVu Sans"/>
+              </a:rPr>
+              <a:t>means</a:t>
+            </a:r>
+            <a:r>
+              <a:rPr lang="de-DE" sz="1800" b="0" strike="noStrike" spc="-1" dirty="0">
+                <a:solidFill>
+                  <a:srgbClr val="99823A"/>
+                </a:solidFill>
+                <a:latin typeface="Calibri"/>
+                <a:ea typeface="DejaVu Sans"/>
+              </a:rPr>
+              <a:t> ++ </a:t>
+            </a:r>
+            <a:r>
+              <a:rPr lang="de-DE" sz="1800" b="0" strike="noStrike" spc="-1" dirty="0" err="1">
+                <a:solidFill>
+                  <a:srgbClr val="99823A"/>
+                </a:solidFill>
+                <a:latin typeface="Calibri"/>
+                <a:ea typeface="DejaVu Sans"/>
+              </a:rPr>
+              <a:t>algorithm</a:t>
+            </a:r>
+            <a:endParaRPr lang="de-DE" sz="1800" b="0" strike="noStrike" spc="-1" dirty="0">
+              <a:solidFill>
+                <a:srgbClr val="99823A"/>
+              </a:solidFill>
               <a:latin typeface="Arial"/>
             </a:endParaRPr>
           </a:p>
@@ -11601,7 +12196,7 @@
         </p:nvSpPr>
         <p:spPr>
           <a:xfrm>
-            <a:off x="7079040" y="1949400"/>
+            <a:off x="7086600" y="2204640"/>
             <a:ext cx="2752560" cy="364320"/>
           </a:xfrm>
           <a:prstGeom prst="rect">
@@ -11634,16 +12229,47 @@
               </a:lnSpc>
             </a:pPr>
             <a:r>
-              <a:rPr lang="de-DE" sz="1800" b="0" strike="noStrike" spc="-1">
-                <a:solidFill>
-                  <a:srgbClr val="548235"/>
+              <a:rPr lang="de-DE" sz="1800" b="0" strike="noStrike" spc="-1" dirty="0">
+                <a:solidFill>
+                  <a:schemeClr val="accent6">
+                    <a:lumMod val="75000"/>
+                  </a:schemeClr>
                 </a:solidFill>
                 <a:latin typeface="Calibri"/>
                 <a:ea typeface="DejaVu Sans"/>
               </a:rPr>
-              <a:t>Dataset processing: PCA..</a:t>
-            </a:r>
-            <a:endParaRPr lang="de-DE" sz="1800" b="0" strike="noStrike" spc="-1">
+              <a:t>Dataset </a:t>
+            </a:r>
+            <a:r>
+              <a:rPr lang="de-DE" sz="1800" b="0" strike="noStrike" spc="-1" dirty="0" err="1">
+                <a:solidFill>
+                  <a:schemeClr val="accent6">
+                    <a:lumMod val="75000"/>
+                  </a:schemeClr>
+                </a:solidFill>
+                <a:latin typeface="Calibri"/>
+                <a:ea typeface="DejaVu Sans"/>
+              </a:rPr>
+              <a:t>processing</a:t>
+            </a:r>
+            <a:r>
+              <a:rPr lang="de-DE" sz="1800" b="0" strike="noStrike" spc="-1" dirty="0">
+                <a:solidFill>
+                  <a:schemeClr val="accent6">
+                    <a:lumMod val="75000"/>
+                  </a:schemeClr>
+                </a:solidFill>
+                <a:latin typeface="Calibri"/>
+                <a:ea typeface="DejaVu Sans"/>
+              </a:rPr>
+              <a:t>: PCA..</a:t>
+            </a:r>
+            <a:endParaRPr lang="de-DE" sz="1800" b="0" strike="noStrike" spc="-1" dirty="0">
+              <a:solidFill>
+                <a:schemeClr val="accent6">
+                  <a:lumMod val="75000"/>
+                </a:schemeClr>
+              </a:solidFill>
               <a:latin typeface="Arial"/>
             </a:endParaRPr>
           </a:p>
@@ -11657,7 +12283,7 @@
         </p:nvSpPr>
         <p:spPr>
           <a:xfrm>
-            <a:off x="8719200" y="5405400"/>
+            <a:off x="8718660" y="5436360"/>
             <a:ext cx="2619000" cy="638640"/>
           </a:xfrm>
           <a:prstGeom prst="rect">
@@ -28185,4 +28811,299 @@
   <a:objectDefaults/>
   <a:extraClrSchemeLst/>
 </a:theme>
+</file>
+
+<file path=ppt/theme/theme5.xml><?xml version="1.0" encoding="utf-8"?>
+<a:theme xmlns:a="http://schemas.openxmlformats.org/drawingml/2006/main" name="Office">
+  <a:themeElements>
+    <a:clrScheme name="Office">
+      <a:dk1>
+        <a:sysClr val="windowText" lastClr="000000"/>
+      </a:dk1>
+      <a:lt1>
+        <a:sysClr val="window" lastClr="FFFFFF"/>
+      </a:lt1>
+      <a:dk2>
+        <a:srgbClr val="44546A"/>
+      </a:dk2>
+      <a:lt2>
+        <a:srgbClr val="E7E6E6"/>
+      </a:lt2>
+      <a:accent1>
+        <a:srgbClr val="4472C4"/>
+      </a:accent1>
+      <a:accent2>
+        <a:srgbClr val="ED7D31"/>
+      </a:accent2>
+      <a:accent3>
+        <a:srgbClr val="A5A5A5"/>
+      </a:accent3>
+      <a:accent4>
+        <a:srgbClr val="FFC000"/>
+      </a:accent4>
+      <a:accent5>
+        <a:srgbClr val="5B9BD5"/>
+      </a:accent5>
+      <a:accent6>
+        <a:srgbClr val="70AD47"/>
+      </a:accent6>
+      <a:hlink>
+        <a:srgbClr val="0563C1"/>
+      </a:hlink>
+      <a:folHlink>
+        <a:srgbClr val="954F72"/>
+      </a:folHlink>
+    </a:clrScheme>
+    <a:fontScheme name="Office">
+      <a:majorFont>
+        <a:latin typeface="Calibri Light" panose="020F0302020204030204"/>
+        <a:ea typeface=""/>
+        <a:cs typeface=""/>
+        <a:font script="Jpan" typeface="游ゴシック Light"/>
+        <a:font script="Hang" typeface="맑은 고딕"/>
+        <a:font script="Hans" typeface="等线 Light"/>
+        <a:font script="Hant" typeface="新細明體"/>
+        <a:font script="Arab" typeface="Times New Roman"/>
+        <a:font script="Hebr" typeface="Times New Roman"/>
+        <a:font script="Thai" typeface="Angsana New"/>
+        <a:font script="Ethi" typeface="Nyala"/>
+        <a:font script="Beng" typeface="Vrinda"/>
+        <a:font script="Gujr" typeface="Shruti"/>
+        <a:font script="Khmr" typeface="MoolBoran"/>
+        <a:font script="Knda" typeface="Tunga"/>
+        <a:font script="Guru" typeface="Raavi"/>
+        <a:font script="Cans" typeface="Euphemia"/>
+        <a:font script="Cher" typeface="Plantagenet Cherokee"/>
+        <a:font script="Yiii" typeface="Microsoft Yi Baiti"/>
+        <a:font script="Tibt" typeface="Microsoft Himalaya"/>
+        <a:font script="Thaa" typeface="MV Boli"/>
+        <a:font script="Deva" typeface="Mangal"/>
+        <a:font script="Telu" typeface="Gautami"/>
+        <a:font script="Taml" typeface="Latha"/>
+        <a:font script="Syrc" typeface="Estrangelo Edessa"/>
+        <a:font script="Orya" typeface="Kalinga"/>
+        <a:font script="Mlym" typeface="Kartika"/>
+        <a:font script="Laoo" typeface="DokChampa"/>
+        <a:font script="Sinh" typeface="Iskoola Pota"/>
+        <a:font script="Mong" typeface="Mongolian Baiti"/>
+        <a:font script="Viet" typeface="Times New Roman"/>
+        <a:font script="Uigh" typeface="Microsoft Uighur"/>
+        <a:font script="Geor" typeface="Sylfaen"/>
+        <a:font script="Armn" typeface="Arial"/>
+        <a:font script="Bugi" typeface="Leelawadee UI"/>
+        <a:font script="Bopo" typeface="Microsoft JhengHei"/>
+        <a:font script="Java" typeface="Javanese Text"/>
+        <a:font script="Lisu" typeface="Segoe UI"/>
+        <a:font script="Mymr" typeface="Myanmar Text"/>
+        <a:font script="Nkoo" typeface="Ebrima"/>
+        <a:font script="Olck" typeface="Nirmala UI"/>
+        <a:font script="Osma" typeface="Ebrima"/>
+        <a:font script="Phag" typeface="Phagspa"/>
+        <a:font script="Syrn" typeface="Estrangelo Edessa"/>
+        <a:font script="Syrj" typeface="Estrangelo Edessa"/>
+        <a:font script="Syre" typeface="Estrangelo Edessa"/>
+        <a:font script="Sora" typeface="Nirmala UI"/>
+        <a:font script="Tale" typeface="Microsoft Tai Le"/>
+        <a:font script="Talu" typeface="Microsoft New Tai Lue"/>
+        <a:font script="Tfng" typeface="Ebrima"/>
+      </a:majorFont>
+      <a:minorFont>
+        <a:latin typeface="Calibri" panose="020F0502020204030204"/>
+        <a:ea typeface=""/>
+        <a:cs typeface=""/>
+        <a:font script="Jpan" typeface="游ゴシック"/>
+        <a:font script="Hang" typeface="맑은 고딕"/>
+        <a:font script="Hans" typeface="等线"/>
+        <a:font script="Hant" typeface="新細明體"/>
+        <a:font script="Arab" typeface="Arial"/>
+        <a:font script="Hebr" typeface="Arial"/>
+        <a:font script="Thai" typeface="Cordia New"/>
+        <a:font script="Ethi" typeface="Nyala"/>
+        <a:font script="Beng" typeface="Vrinda"/>
+        <a:font script="Gujr" typeface="Shruti"/>
+        <a:font script="Khmr" typeface="DaunPenh"/>
+        <a:font script="Knda" typeface="Tunga"/>
+        <a:font script="Guru" typeface="Raavi"/>
+        <a:font script="Cans" typeface="Euphemia"/>
+        <a:font script="Cher" typeface="Plantagenet Cherokee"/>
+        <a:font script="Yiii" typeface="Microsoft Yi Baiti"/>
+        <a:font script="Tibt" typeface="Microsoft Himalaya"/>
+        <a:font script="Thaa" typeface="MV Boli"/>
+        <a:font script="Deva" typeface="Mangal"/>
+        <a:font script="Telu" typeface="Gautami"/>
+        <a:font script="Taml" typeface="Latha"/>
+        <a:font script="Syrc" typeface="Estrangelo Edessa"/>
+        <a:font script="Orya" typeface="Kalinga"/>
+        <a:font script="Mlym" typeface="Kartika"/>
+        <a:font script="Laoo" typeface="DokChampa"/>
+        <a:font script="Sinh" typeface="Iskoola Pota"/>
+        <a:font script="Mong" typeface="Mongolian Baiti"/>
+        <a:font script="Viet" typeface="Arial"/>
+        <a:font script="Uigh" typeface="Microsoft Uighur"/>
+        <a:font script="Geor" typeface="Sylfaen"/>
+        <a:font script="Armn" typeface="Arial"/>
+        <a:font script="Bugi" typeface="Leelawadee UI"/>
+        <a:font script="Bopo" typeface="Microsoft JhengHei"/>
+        <a:font script="Java" typeface="Javanese Text"/>
+        <a:font script="Lisu" typeface="Segoe UI"/>
+        <a:font script="Mymr" typeface="Myanmar Text"/>
+        <a:font script="Nkoo" typeface="Ebrima"/>
+        <a:font script="Olck" typeface="Nirmala UI"/>
+        <a:font script="Osma" typeface="Ebrima"/>
+        <a:font script="Phag" typeface="Phagspa"/>
+        <a:font script="Syrn" typeface="Estrangelo Edessa"/>
+        <a:font script="Syrj" typeface="Estrangelo Edessa"/>
+        <a:font script="Syre" typeface="Estrangelo Edessa"/>
+        <a:font script="Sora" typeface="Nirmala UI"/>
+        <a:font script="Tale" typeface="Microsoft Tai Le"/>
+        <a:font script="Talu" typeface="Microsoft New Tai Lue"/>
+        <a:font script="Tfng" typeface="Ebrima"/>
+      </a:minorFont>
+    </a:fontScheme>
+    <a:fmtScheme name="Office">
+      <a:fillStyleLst>
+        <a:solidFill>
+          <a:schemeClr val="phClr"/>
+        </a:solidFill>
+        <a:gradFill rotWithShape="1">
+          <a:gsLst>
+            <a:gs pos="0">
+              <a:schemeClr val="phClr">
+                <a:lumMod val="110000"/>
+                <a:satMod val="105000"/>
+                <a:tint val="67000"/>
+              </a:schemeClr>
+            </a:gs>
+            <a:gs pos="50000">
+              <a:schemeClr val="phClr">
+                <a:lumMod val="105000"/>
+                <a:satMod val="103000"/>
+                <a:tint val="73000"/>
+              </a:schemeClr>
+            </a:gs>
+            <a:gs pos="100000">
+              <a:schemeClr val="phClr">
+                <a:lumMod val="105000"/>
+                <a:satMod val="109000"/>
+                <a:tint val="81000"/>
+              </a:schemeClr>
+            </a:gs>
+          </a:gsLst>
+          <a:lin ang="5400000" scaled="0"/>
+        </a:gradFill>
+        <a:gradFill rotWithShape="1">
+          <a:gsLst>
+            <a:gs pos="0">
+              <a:schemeClr val="phClr">
+                <a:satMod val="103000"/>
+                <a:lumMod val="102000"/>
+                <a:tint val="94000"/>
+              </a:schemeClr>
+            </a:gs>
+            <a:gs pos="50000">
+              <a:schemeClr val="phClr">
+                <a:satMod val="110000"/>
+                <a:lumMod val="100000"/>
+                <a:shade val="100000"/>
+              </a:schemeClr>
+            </a:gs>
+            <a:gs pos="100000">
+              <a:schemeClr val="phClr">
+                <a:lumMod val="99000"/>
+                <a:satMod val="120000"/>
+                <a:shade val="78000"/>
+              </a:schemeClr>
+            </a:gs>
+          </a:gsLst>
+          <a:lin ang="5400000" scaled="0"/>
+        </a:gradFill>
+      </a:fillStyleLst>
+      <a:lnStyleLst>
+        <a:ln w="6350" cap="flat" cmpd="sng" algn="ctr">
+          <a:solidFill>
+            <a:schemeClr val="phClr"/>
+          </a:solidFill>
+          <a:prstDash val="solid"/>
+          <a:miter lim="800000"/>
+        </a:ln>
+        <a:ln w="12700" cap="flat" cmpd="sng" algn="ctr">
+          <a:solidFill>
+            <a:schemeClr val="phClr"/>
+          </a:solidFill>
+          <a:prstDash val="solid"/>
+          <a:miter lim="800000"/>
+        </a:ln>
+        <a:ln w="19050" cap="flat" cmpd="sng" algn="ctr">
+          <a:solidFill>
+            <a:schemeClr val="phClr"/>
+          </a:solidFill>
+          <a:prstDash val="solid"/>
+          <a:miter lim="800000"/>
+        </a:ln>
+      </a:lnStyleLst>
+      <a:effectStyleLst>
+        <a:effectStyle>
+          <a:effectLst/>
+        </a:effectStyle>
+        <a:effectStyle>
+          <a:effectLst/>
+        </a:effectStyle>
+        <a:effectStyle>
+          <a:effectLst>
+            <a:outerShdw blurRad="57150" dist="19050" dir="5400000" algn="ctr" rotWithShape="0">
+              <a:srgbClr val="000000">
+                <a:alpha val="63000"/>
+              </a:srgbClr>
+            </a:outerShdw>
+          </a:effectLst>
+        </a:effectStyle>
+      </a:effectStyleLst>
+      <a:bgFillStyleLst>
+        <a:solidFill>
+          <a:schemeClr val="phClr"/>
+        </a:solidFill>
+        <a:solidFill>
+          <a:schemeClr val="phClr">
+            <a:tint val="95000"/>
+            <a:satMod val="170000"/>
+          </a:schemeClr>
+        </a:solidFill>
+        <a:gradFill rotWithShape="1">
+          <a:gsLst>
+            <a:gs pos="0">
+              <a:schemeClr val="phClr">
+                <a:tint val="93000"/>
+                <a:satMod val="150000"/>
+                <a:shade val="98000"/>
+                <a:lumMod val="102000"/>
+              </a:schemeClr>
+            </a:gs>
+            <a:gs pos="50000">
+              <a:schemeClr val="phClr">
+                <a:tint val="98000"/>
+                <a:satMod val="130000"/>
+                <a:shade val="90000"/>
+                <a:lumMod val="103000"/>
+              </a:schemeClr>
+            </a:gs>
+            <a:gs pos="100000">
+              <a:schemeClr val="phClr">
+                <a:shade val="63000"/>
+                <a:satMod val="120000"/>
+              </a:schemeClr>
+            </a:gs>
+          </a:gsLst>
+          <a:lin ang="5400000" scaled="0"/>
+        </a:gradFill>
+      </a:bgFillStyleLst>
+    </a:fmtScheme>
+  </a:themeElements>
+  <a:objectDefaults/>
+  <a:extraClrSchemeLst/>
+  <a:extLst>
+    <a:ext uri="{05A4C25C-085E-4340-85A3-A5531E510DB2}">
+      <thm15:themeFamily xmlns:thm15="http://schemas.microsoft.com/office/thememl/2012/main" name="Office Theme" id="{62F939B6-93AF-4DB8-9C6B-D6C7DFDC589F}" vid="{4A3C46E8-61CC-4603-A589-7422A47A8E4A}"/>
+    </a:ext>
+  </a:extLst>
+</a:theme>
 </file>
--- a/K-means clustering.pptx
+++ b/K-means clustering.pptx
@@ -70,19 +70,14 @@
         <p:txBody>
           <a:bodyPr lIns="0" rIns="0" tIns="0" bIns="0" anchor="ctr"/>
           <a:p>
+            <a:pPr algn="ctr"/>
             <a:r>
-              <a:rPr b="0" lang="de-DE" sz="1800" spc="-1" strike="noStrike">
-                <a:solidFill>
-                  <a:srgbClr val="000000"/>
-                </a:solidFill>
+              <a:rPr b="0" lang="de-DE" sz="4400" spc="-1" strike="noStrike">
                 <a:latin typeface="Arial"/>
               </a:rPr>
               <a:t>Folie mittels Klicken verschieben</a:t>
             </a:r>
-            <a:endParaRPr b="0" lang="de-DE" sz="1800" spc="-1" strike="noStrike">
-              <a:solidFill>
-                <a:srgbClr val="000000"/>
-              </a:solidFill>
+            <a:endParaRPr b="0" lang="de-DE" sz="4400" spc="-1" strike="noStrike">
               <a:latin typeface="Arial"/>
             </a:endParaRPr>
           </a:p>
@@ -148,7 +143,7 @@
               <a:rPr b="0" lang="de-DE" sz="1400" spc="-1" strike="noStrike">
                 <a:latin typeface="Times New Roman"/>
               </a:rPr>
-              <a:t>&lt;Kopfzeile&gt;</a:t>
+              <a:t> </a:t>
             </a:r>
             <a:endParaRPr b="0" lang="de-DE" sz="1400" spc="-1" strike="noStrike">
               <a:latin typeface="Times New Roman"/>
@@ -183,7 +178,7 @@
               <a:rPr b="0" lang="de-DE" sz="1400" spc="-1" strike="noStrike">
                 <a:latin typeface="Times New Roman"/>
               </a:rPr>
-              <a:t>&lt;Datum/Uhrzeit&gt;</a:t>
+              <a:t> </a:t>
             </a:r>
             <a:endParaRPr b="0" lang="de-DE" sz="1400" spc="-1" strike="noStrike">
               <a:latin typeface="Times New Roman"/>
@@ -217,7 +212,7 @@
               <a:rPr b="0" lang="de-DE" sz="1400" spc="-1" strike="noStrike">
                 <a:latin typeface="Times New Roman"/>
               </a:rPr>
-              <a:t>&lt;Fußzeile&gt;</a:t>
+              <a:t> </a:t>
             </a:r>
             <a:endParaRPr b="0" lang="de-DE" sz="1400" spc="-1" strike="noStrike">
               <a:latin typeface="Times New Roman"/>
@@ -248,11 +243,11 @@
           <a:bodyPr lIns="0" rIns="0" tIns="0" bIns="0" anchor="b"/>
           <a:p>
             <a:pPr algn="r"/>
-            <a:fld id="{6C1CEF0B-7FF9-4FBF-88B3-E381871C77E3}" type="slidenum">
+            <a:fld id="{78054768-11A9-4C4E-933D-19DD4C2F91BD}" type="slidenum">
               <a:rPr b="0" lang="de-DE" sz="1400" spc="-1" strike="noStrike">
                 <a:latin typeface="Times New Roman"/>
               </a:rPr>
-              <a:t>&lt;Foliennummer&gt;</a:t>
+              <a:t>1</a:t>
             </a:fld>
             <a:endParaRPr b="0" lang="de-DE" sz="1400" spc="-1" strike="noStrike">
               <a:latin typeface="Times New Roman"/>
@@ -296,7 +291,7 @@
         <p:spPr>
           <a:xfrm>
             <a:off x="573120" y="1336680"/>
-            <a:ext cx="6413040" cy="3607920"/>
+            <a:ext cx="6412680" cy="3607560"/>
           </a:xfrm>
           <a:prstGeom prst="rect">
             <a:avLst/>
@@ -316,14 +311,14 @@
         <p:spPr>
           <a:xfrm>
             <a:off x="755640" y="5145120"/>
-            <a:ext cx="6048000" cy="4209840"/>
+            <a:ext cx="6047640" cy="4209480"/>
           </a:xfrm>
           <a:prstGeom prst="rect">
             <a:avLst/>
           </a:prstGeom>
         </p:spPr>
         <p:txBody>
-          <a:bodyPr/>
+          <a:bodyPr lIns="0" rIns="0" tIns="0" bIns="0"/>
           <a:p>
             <a:endParaRPr b="0" lang="de-DE" sz="2000" spc="-1" strike="noStrike">
               <a:latin typeface="Arial"/>
@@ -333,14 +328,14 @@
       </p:sp>
       <p:sp>
         <p:nvSpPr>
-          <p:cNvPr id="292" name="TextShape 3"/>
-          <p:cNvSpPr txBox="1"/>
+          <p:cNvPr id="292" name="CustomShape 3"/>
+          <p:cNvSpPr/>
           <p:nvPr/>
         </p:nvSpPr>
         <p:spPr>
           <a:xfrm>
             <a:off x="4281480" y="10155240"/>
-            <a:ext cx="3276360" cy="536040"/>
+            <a:ext cx="3276000" cy="535680"/>
           </a:xfrm>
           <a:prstGeom prst="rect">
             <a:avLst/>
@@ -350,22 +345,28 @@
             <a:noFill/>
           </a:ln>
         </p:spPr>
+        <p:style>
+          <a:lnRef idx="0"/>
+          <a:fillRef idx="0"/>
+          <a:effectRef idx="0"/>
+          <a:fontRef idx="minor"/>
+        </p:style>
         <p:txBody>
-          <a:bodyPr anchor="b"/>
+          <a:bodyPr lIns="90000" rIns="90000" tIns="45000" bIns="45000" anchor="b"/>
           <a:p>
             <a:pPr algn="r">
               <a:lnSpc>
                 <a:spcPct val="100000"/>
               </a:lnSpc>
             </a:pPr>
-            <a:fld id="{0CD92A64-17FF-4DF0-A19A-8D288F1DC924}" type="slidenum">
+            <a:fld id="{2E4126BE-DE73-4646-BDFA-218D85EBC861}" type="slidenum">
               <a:rPr b="0" lang="de-DE" sz="1200" spc="-1" strike="noStrike">
                 <a:latin typeface="Times New Roman"/>
               </a:rPr>
               <a:t>&lt;Foliennummer&gt;</a:t>
             </a:fld>
             <a:endParaRPr b="0" lang="de-DE" sz="1200" spc="-1" strike="noStrike">
-              <a:latin typeface="Times New Roman"/>
+              <a:latin typeface="Arial"/>
             </a:endParaRPr>
           </a:p>
         </p:txBody>
@@ -436,10 +437,8 @@
         <p:txBody>
           <a:bodyPr lIns="0" rIns="0" tIns="0" bIns="0" anchor="ctr"/>
           <a:p>
-            <a:endParaRPr b="0" lang="de-DE" sz="1800" spc="-1" strike="noStrike">
-              <a:solidFill>
-                <a:srgbClr val="000000"/>
-              </a:solidFill>
+            <a:pPr algn="ctr"/>
+            <a:endParaRPr b="0" lang="de-DE" sz="4400" spc="-1" strike="noStrike">
               <a:latin typeface="Arial"/>
             </a:endParaRPr>
           </a:p>
@@ -469,10 +468,7 @@
             <a:normAutofit/>
           </a:bodyPr>
           <a:p>
-            <a:endParaRPr b="0" lang="de-DE" sz="2800" spc="-1" strike="noStrike">
-              <a:solidFill>
-                <a:srgbClr val="000000"/>
-              </a:solidFill>
+            <a:endParaRPr b="0" lang="de-DE" sz="3200" spc="-1" strike="noStrike">
               <a:latin typeface="Arial"/>
             </a:endParaRPr>
           </a:p>
@@ -502,10 +498,7 @@
             <a:normAutofit/>
           </a:bodyPr>
           <a:p>
-            <a:endParaRPr b="0" lang="de-DE" sz="2800" spc="-1" strike="noStrike">
-              <a:solidFill>
-                <a:srgbClr val="000000"/>
-              </a:solidFill>
+            <a:endParaRPr b="0" lang="de-DE" sz="3200" spc="-1" strike="noStrike">
               <a:latin typeface="Arial"/>
             </a:endParaRPr>
           </a:p>
@@ -555,10 +548,8 @@
         <p:txBody>
           <a:bodyPr lIns="0" rIns="0" tIns="0" bIns="0" anchor="ctr"/>
           <a:p>
-            <a:endParaRPr b="0" lang="de-DE" sz="1800" spc="-1" strike="noStrike">
-              <a:solidFill>
-                <a:srgbClr val="000000"/>
-              </a:solidFill>
+            <a:pPr algn="ctr"/>
+            <a:endParaRPr b="0" lang="de-DE" sz="4400" spc="-1" strike="noStrike">
               <a:latin typeface="Arial"/>
             </a:endParaRPr>
           </a:p>
@@ -588,10 +579,7 @@
             <a:normAutofit/>
           </a:bodyPr>
           <a:p>
-            <a:endParaRPr b="0" lang="de-DE" sz="2800" spc="-1" strike="noStrike">
-              <a:solidFill>
-                <a:srgbClr val="000000"/>
-              </a:solidFill>
+            <a:endParaRPr b="0" lang="de-DE" sz="3200" spc="-1" strike="noStrike">
               <a:latin typeface="Arial"/>
             </a:endParaRPr>
           </a:p>
@@ -621,10 +609,7 @@
             <a:normAutofit/>
           </a:bodyPr>
           <a:p>
-            <a:endParaRPr b="0" lang="de-DE" sz="2800" spc="-1" strike="noStrike">
-              <a:solidFill>
-                <a:srgbClr val="000000"/>
-              </a:solidFill>
+            <a:endParaRPr b="0" lang="de-DE" sz="3200" spc="-1" strike="noStrike">
               <a:latin typeface="Arial"/>
             </a:endParaRPr>
           </a:p>
@@ -654,10 +639,7 @@
             <a:normAutofit/>
           </a:bodyPr>
           <a:p>
-            <a:endParaRPr b="0" lang="de-DE" sz="2800" spc="-1" strike="noStrike">
-              <a:solidFill>
-                <a:srgbClr val="000000"/>
-              </a:solidFill>
+            <a:endParaRPr b="0" lang="de-DE" sz="3200" spc="-1" strike="noStrike">
               <a:latin typeface="Arial"/>
             </a:endParaRPr>
           </a:p>
@@ -687,10 +669,7 @@
             <a:normAutofit/>
           </a:bodyPr>
           <a:p>
-            <a:endParaRPr b="0" lang="de-DE" sz="2800" spc="-1" strike="noStrike">
-              <a:solidFill>
-                <a:srgbClr val="000000"/>
-              </a:solidFill>
+            <a:endParaRPr b="0" lang="de-DE" sz="3200" spc="-1" strike="noStrike">
               <a:latin typeface="Arial"/>
             </a:endParaRPr>
           </a:p>
@@ -740,10 +719,8 @@
         <p:txBody>
           <a:bodyPr lIns="0" rIns="0" tIns="0" bIns="0" anchor="ctr"/>
           <a:p>
-            <a:endParaRPr b="0" lang="de-DE" sz="1800" spc="-1" strike="noStrike">
-              <a:solidFill>
-                <a:srgbClr val="000000"/>
-              </a:solidFill>
+            <a:pPr algn="ctr"/>
+            <a:endParaRPr b="0" lang="de-DE" sz="4400" spc="-1" strike="noStrike">
               <a:latin typeface="Arial"/>
             </a:endParaRPr>
           </a:p>
@@ -773,10 +750,7 @@
             <a:normAutofit/>
           </a:bodyPr>
           <a:p>
-            <a:endParaRPr b="0" lang="de-DE" sz="2800" spc="-1" strike="noStrike">
-              <a:solidFill>
-                <a:srgbClr val="000000"/>
-              </a:solidFill>
+            <a:endParaRPr b="0" lang="de-DE" sz="3200" spc="-1" strike="noStrike">
               <a:latin typeface="Arial"/>
             </a:endParaRPr>
           </a:p>
@@ -806,10 +780,7 @@
             <a:normAutofit/>
           </a:bodyPr>
           <a:p>
-            <a:endParaRPr b="0" lang="de-DE" sz="2800" spc="-1" strike="noStrike">
-              <a:solidFill>
-                <a:srgbClr val="000000"/>
-              </a:solidFill>
+            <a:endParaRPr b="0" lang="de-DE" sz="3200" spc="-1" strike="noStrike">
               <a:latin typeface="Arial"/>
             </a:endParaRPr>
           </a:p>
@@ -839,10 +810,7 @@
             <a:normAutofit/>
           </a:bodyPr>
           <a:p>
-            <a:endParaRPr b="0" lang="de-DE" sz="2800" spc="-1" strike="noStrike">
-              <a:solidFill>
-                <a:srgbClr val="000000"/>
-              </a:solidFill>
+            <a:endParaRPr b="0" lang="de-DE" sz="3200" spc="-1" strike="noStrike">
               <a:latin typeface="Arial"/>
             </a:endParaRPr>
           </a:p>
@@ -872,10 +840,7 @@
             <a:normAutofit/>
           </a:bodyPr>
           <a:p>
-            <a:endParaRPr b="0" lang="de-DE" sz="2800" spc="-1" strike="noStrike">
-              <a:solidFill>
-                <a:srgbClr val="000000"/>
-              </a:solidFill>
+            <a:endParaRPr b="0" lang="de-DE" sz="3200" spc="-1" strike="noStrike">
               <a:latin typeface="Arial"/>
             </a:endParaRPr>
           </a:p>
@@ -905,10 +870,7 @@
             <a:normAutofit/>
           </a:bodyPr>
           <a:p>
-            <a:endParaRPr b="0" lang="de-DE" sz="2800" spc="-1" strike="noStrike">
-              <a:solidFill>
-                <a:srgbClr val="000000"/>
-              </a:solidFill>
+            <a:endParaRPr b="0" lang="de-DE" sz="3200" spc="-1" strike="noStrike">
               <a:latin typeface="Arial"/>
             </a:endParaRPr>
           </a:p>
@@ -938,10 +900,7 @@
             <a:normAutofit/>
           </a:bodyPr>
           <a:p>
-            <a:endParaRPr b="0" lang="de-DE" sz="2800" spc="-1" strike="noStrike">
-              <a:solidFill>
-                <a:srgbClr val="000000"/>
-              </a:solidFill>
+            <a:endParaRPr b="0" lang="de-DE" sz="3200" spc="-1" strike="noStrike">
               <a:latin typeface="Arial"/>
             </a:endParaRPr>
           </a:p>
@@ -1013,10 +972,8 @@
         <p:txBody>
           <a:bodyPr lIns="0" rIns="0" tIns="0" bIns="0" anchor="ctr"/>
           <a:p>
-            <a:endParaRPr b="0" lang="de-DE" sz="1800" spc="-1" strike="noStrike">
-              <a:solidFill>
-                <a:srgbClr val="000000"/>
-              </a:solidFill>
+            <a:pPr algn="ctr"/>
+            <a:endParaRPr b="0" lang="de-DE" sz="4400" spc="-1" strike="noStrike">
               <a:latin typeface="Arial"/>
             </a:endParaRPr>
           </a:p>
@@ -1095,10 +1052,8 @@
         <p:txBody>
           <a:bodyPr lIns="0" rIns="0" tIns="0" bIns="0" anchor="ctr"/>
           <a:p>
-            <a:endParaRPr b="0" lang="de-DE" sz="1800" spc="-1" strike="noStrike">
-              <a:solidFill>
-                <a:srgbClr val="000000"/>
-              </a:solidFill>
+            <a:pPr algn="ctr"/>
+            <a:endParaRPr b="0" lang="de-DE" sz="4400" spc="-1" strike="noStrike">
               <a:latin typeface="Arial"/>
             </a:endParaRPr>
           </a:p>
@@ -1128,10 +1083,7 @@
             <a:normAutofit/>
           </a:bodyPr>
           <a:p>
-            <a:endParaRPr b="0" lang="de-DE" sz="2800" spc="-1" strike="noStrike">
-              <a:solidFill>
-                <a:srgbClr val="000000"/>
-              </a:solidFill>
+            <a:endParaRPr b="0" lang="de-DE" sz="3200" spc="-1" strike="noStrike">
               <a:latin typeface="Arial"/>
             </a:endParaRPr>
           </a:p>
@@ -1181,10 +1133,8 @@
         <p:txBody>
           <a:bodyPr lIns="0" rIns="0" tIns="0" bIns="0" anchor="ctr"/>
           <a:p>
-            <a:endParaRPr b="0" lang="de-DE" sz="1800" spc="-1" strike="noStrike">
-              <a:solidFill>
-                <a:srgbClr val="000000"/>
-              </a:solidFill>
+            <a:pPr algn="ctr"/>
+            <a:endParaRPr b="0" lang="de-DE" sz="4400" spc="-1" strike="noStrike">
               <a:latin typeface="Arial"/>
             </a:endParaRPr>
           </a:p>
@@ -1214,10 +1164,7 @@
             <a:normAutofit/>
           </a:bodyPr>
           <a:p>
-            <a:endParaRPr b="0" lang="de-DE" sz="2800" spc="-1" strike="noStrike">
-              <a:solidFill>
-                <a:srgbClr val="000000"/>
-              </a:solidFill>
+            <a:endParaRPr b="0" lang="de-DE" sz="3200" spc="-1" strike="noStrike">
               <a:latin typeface="Arial"/>
             </a:endParaRPr>
           </a:p>
@@ -1247,10 +1194,7 @@
             <a:normAutofit/>
           </a:bodyPr>
           <a:p>
-            <a:endParaRPr b="0" lang="de-DE" sz="2800" spc="-1" strike="noStrike">
-              <a:solidFill>
-                <a:srgbClr val="000000"/>
-              </a:solidFill>
+            <a:endParaRPr b="0" lang="de-DE" sz="3200" spc="-1" strike="noStrike">
               <a:latin typeface="Arial"/>
             </a:endParaRPr>
           </a:p>
@@ -1300,10 +1244,8 @@
         <p:txBody>
           <a:bodyPr lIns="0" rIns="0" tIns="0" bIns="0" anchor="ctr"/>
           <a:p>
-            <a:endParaRPr b="0" lang="de-DE" sz="1800" spc="-1" strike="noStrike">
-              <a:solidFill>
-                <a:srgbClr val="000000"/>
-              </a:solidFill>
+            <a:pPr algn="ctr"/>
+            <a:endParaRPr b="0" lang="de-DE" sz="4400" spc="-1" strike="noStrike">
               <a:latin typeface="Arial"/>
             </a:endParaRPr>
           </a:p>
@@ -1404,10 +1346,8 @@
         <p:txBody>
           <a:bodyPr lIns="0" rIns="0" tIns="0" bIns="0" anchor="ctr"/>
           <a:p>
-            <a:endParaRPr b="0" lang="de-DE" sz="1800" spc="-1" strike="noStrike">
-              <a:solidFill>
-                <a:srgbClr val="000000"/>
-              </a:solidFill>
+            <a:pPr algn="ctr"/>
+            <a:endParaRPr b="0" lang="de-DE" sz="4400" spc="-1" strike="noStrike">
               <a:latin typeface="Arial"/>
             </a:endParaRPr>
           </a:p>
@@ -1437,10 +1377,7 @@
             <a:normAutofit/>
           </a:bodyPr>
           <a:p>
-            <a:endParaRPr b="0" lang="de-DE" sz="2800" spc="-1" strike="noStrike">
-              <a:solidFill>
-                <a:srgbClr val="000000"/>
-              </a:solidFill>
+            <a:endParaRPr b="0" lang="de-DE" sz="3200" spc="-1" strike="noStrike">
               <a:latin typeface="Arial"/>
             </a:endParaRPr>
           </a:p>
@@ -1470,10 +1407,7 @@
             <a:normAutofit/>
           </a:bodyPr>
           <a:p>
-            <a:endParaRPr b="0" lang="de-DE" sz="2800" spc="-1" strike="noStrike">
-              <a:solidFill>
-                <a:srgbClr val="000000"/>
-              </a:solidFill>
+            <a:endParaRPr b="0" lang="de-DE" sz="3200" spc="-1" strike="noStrike">
               <a:latin typeface="Arial"/>
             </a:endParaRPr>
           </a:p>
@@ -1503,10 +1437,7 @@
             <a:normAutofit/>
           </a:bodyPr>
           <a:p>
-            <a:endParaRPr b="0" lang="de-DE" sz="2800" spc="-1" strike="noStrike">
-              <a:solidFill>
-                <a:srgbClr val="000000"/>
-              </a:solidFill>
+            <a:endParaRPr b="0" lang="de-DE" sz="3200" spc="-1" strike="noStrike">
               <a:latin typeface="Arial"/>
             </a:endParaRPr>
           </a:p>
@@ -1556,10 +1487,8 @@
         <p:txBody>
           <a:bodyPr lIns="0" rIns="0" tIns="0" bIns="0" anchor="ctr"/>
           <a:p>
-            <a:endParaRPr b="0" lang="de-DE" sz="1800" spc="-1" strike="noStrike">
-              <a:solidFill>
-                <a:srgbClr val="000000"/>
-              </a:solidFill>
+            <a:pPr algn="ctr"/>
+            <a:endParaRPr b="0" lang="de-DE" sz="4400" spc="-1" strike="noStrike">
               <a:latin typeface="Arial"/>
             </a:endParaRPr>
           </a:p>
@@ -1638,10 +1567,8 @@
         <p:txBody>
           <a:bodyPr lIns="0" rIns="0" tIns="0" bIns="0" anchor="ctr"/>
           <a:p>
-            <a:endParaRPr b="0" lang="de-DE" sz="1800" spc="-1" strike="noStrike">
-              <a:solidFill>
-                <a:srgbClr val="000000"/>
-              </a:solidFill>
+            <a:pPr algn="ctr"/>
+            <a:endParaRPr b="0" lang="de-DE" sz="4400" spc="-1" strike="noStrike">
               <a:latin typeface="Arial"/>
             </a:endParaRPr>
           </a:p>
@@ -1671,10 +1598,7 @@
             <a:normAutofit/>
           </a:bodyPr>
           <a:p>
-            <a:endParaRPr b="0" lang="de-DE" sz="2800" spc="-1" strike="noStrike">
-              <a:solidFill>
-                <a:srgbClr val="000000"/>
-              </a:solidFill>
+            <a:endParaRPr b="0" lang="de-DE" sz="3200" spc="-1" strike="noStrike">
               <a:latin typeface="Arial"/>
             </a:endParaRPr>
           </a:p>
@@ -1704,10 +1628,7 @@
             <a:normAutofit/>
           </a:bodyPr>
           <a:p>
-            <a:endParaRPr b="0" lang="de-DE" sz="2800" spc="-1" strike="noStrike">
-              <a:solidFill>
-                <a:srgbClr val="000000"/>
-              </a:solidFill>
+            <a:endParaRPr b="0" lang="de-DE" sz="3200" spc="-1" strike="noStrike">
               <a:latin typeface="Arial"/>
             </a:endParaRPr>
           </a:p>
@@ -1737,10 +1658,7 @@
             <a:normAutofit/>
           </a:bodyPr>
           <a:p>
-            <a:endParaRPr b="0" lang="de-DE" sz="2800" spc="-1" strike="noStrike">
-              <a:solidFill>
-                <a:srgbClr val="000000"/>
-              </a:solidFill>
+            <a:endParaRPr b="0" lang="de-DE" sz="3200" spc="-1" strike="noStrike">
               <a:latin typeface="Arial"/>
             </a:endParaRPr>
           </a:p>
@@ -1790,10 +1708,8 @@
         <p:txBody>
           <a:bodyPr lIns="0" rIns="0" tIns="0" bIns="0" anchor="ctr"/>
           <a:p>
-            <a:endParaRPr b="0" lang="de-DE" sz="1800" spc="-1" strike="noStrike">
-              <a:solidFill>
-                <a:srgbClr val="000000"/>
-              </a:solidFill>
+            <a:pPr algn="ctr"/>
+            <a:endParaRPr b="0" lang="de-DE" sz="4400" spc="-1" strike="noStrike">
               <a:latin typeface="Arial"/>
             </a:endParaRPr>
           </a:p>
@@ -1823,10 +1739,7 @@
             <a:normAutofit/>
           </a:bodyPr>
           <a:p>
-            <a:endParaRPr b="0" lang="de-DE" sz="2800" spc="-1" strike="noStrike">
-              <a:solidFill>
-                <a:srgbClr val="000000"/>
-              </a:solidFill>
+            <a:endParaRPr b="0" lang="de-DE" sz="3200" spc="-1" strike="noStrike">
               <a:latin typeface="Arial"/>
             </a:endParaRPr>
           </a:p>
@@ -1856,10 +1769,7 @@
             <a:normAutofit/>
           </a:bodyPr>
           <a:p>
-            <a:endParaRPr b="0" lang="de-DE" sz="2800" spc="-1" strike="noStrike">
-              <a:solidFill>
-                <a:srgbClr val="000000"/>
-              </a:solidFill>
+            <a:endParaRPr b="0" lang="de-DE" sz="3200" spc="-1" strike="noStrike">
               <a:latin typeface="Arial"/>
             </a:endParaRPr>
           </a:p>
@@ -1889,10 +1799,7 @@
             <a:normAutofit/>
           </a:bodyPr>
           <a:p>
-            <a:endParaRPr b="0" lang="de-DE" sz="2800" spc="-1" strike="noStrike">
-              <a:solidFill>
-                <a:srgbClr val="000000"/>
-              </a:solidFill>
+            <a:endParaRPr b="0" lang="de-DE" sz="3200" spc="-1" strike="noStrike">
               <a:latin typeface="Arial"/>
             </a:endParaRPr>
           </a:p>
@@ -1942,10 +1849,8 @@
         <p:txBody>
           <a:bodyPr lIns="0" rIns="0" tIns="0" bIns="0" anchor="ctr"/>
           <a:p>
-            <a:endParaRPr b="0" lang="de-DE" sz="1800" spc="-1" strike="noStrike">
-              <a:solidFill>
-                <a:srgbClr val="000000"/>
-              </a:solidFill>
+            <a:pPr algn="ctr"/>
+            <a:endParaRPr b="0" lang="de-DE" sz="4400" spc="-1" strike="noStrike">
               <a:latin typeface="Arial"/>
             </a:endParaRPr>
           </a:p>
@@ -1975,10 +1880,7 @@
             <a:normAutofit/>
           </a:bodyPr>
           <a:p>
-            <a:endParaRPr b="0" lang="de-DE" sz="2800" spc="-1" strike="noStrike">
-              <a:solidFill>
-                <a:srgbClr val="000000"/>
-              </a:solidFill>
+            <a:endParaRPr b="0" lang="de-DE" sz="3200" spc="-1" strike="noStrike">
               <a:latin typeface="Arial"/>
             </a:endParaRPr>
           </a:p>
@@ -2008,10 +1910,7 @@
             <a:normAutofit/>
           </a:bodyPr>
           <a:p>
-            <a:endParaRPr b="0" lang="de-DE" sz="2800" spc="-1" strike="noStrike">
-              <a:solidFill>
-                <a:srgbClr val="000000"/>
-              </a:solidFill>
+            <a:endParaRPr b="0" lang="de-DE" sz="3200" spc="-1" strike="noStrike">
               <a:latin typeface="Arial"/>
             </a:endParaRPr>
           </a:p>
@@ -2061,10 +1960,8 @@
         <p:txBody>
           <a:bodyPr lIns="0" rIns="0" tIns="0" bIns="0" anchor="ctr"/>
           <a:p>
-            <a:endParaRPr b="0" lang="de-DE" sz="1800" spc="-1" strike="noStrike">
-              <a:solidFill>
-                <a:srgbClr val="000000"/>
-              </a:solidFill>
+            <a:pPr algn="ctr"/>
+            <a:endParaRPr b="0" lang="de-DE" sz="4400" spc="-1" strike="noStrike">
               <a:latin typeface="Arial"/>
             </a:endParaRPr>
           </a:p>
@@ -2094,10 +1991,7 @@
             <a:normAutofit/>
           </a:bodyPr>
           <a:p>
-            <a:endParaRPr b="0" lang="de-DE" sz="2800" spc="-1" strike="noStrike">
-              <a:solidFill>
-                <a:srgbClr val="000000"/>
-              </a:solidFill>
+            <a:endParaRPr b="0" lang="de-DE" sz="3200" spc="-1" strike="noStrike">
               <a:latin typeface="Arial"/>
             </a:endParaRPr>
           </a:p>
@@ -2127,10 +2021,7 @@
             <a:normAutofit/>
           </a:bodyPr>
           <a:p>
-            <a:endParaRPr b="0" lang="de-DE" sz="2800" spc="-1" strike="noStrike">
-              <a:solidFill>
-                <a:srgbClr val="000000"/>
-              </a:solidFill>
+            <a:endParaRPr b="0" lang="de-DE" sz="3200" spc="-1" strike="noStrike">
               <a:latin typeface="Arial"/>
             </a:endParaRPr>
           </a:p>
@@ -2160,10 +2051,7 @@
             <a:normAutofit/>
           </a:bodyPr>
           <a:p>
-            <a:endParaRPr b="0" lang="de-DE" sz="2800" spc="-1" strike="noStrike">
-              <a:solidFill>
-                <a:srgbClr val="000000"/>
-              </a:solidFill>
+            <a:endParaRPr b="0" lang="de-DE" sz="3200" spc="-1" strike="noStrike">
               <a:latin typeface="Arial"/>
             </a:endParaRPr>
           </a:p>
@@ -2193,10 +2081,7 @@
             <a:normAutofit/>
           </a:bodyPr>
           <a:p>
-            <a:endParaRPr b="0" lang="de-DE" sz="2800" spc="-1" strike="noStrike">
-              <a:solidFill>
-                <a:srgbClr val="000000"/>
-              </a:solidFill>
+            <a:endParaRPr b="0" lang="de-DE" sz="3200" spc="-1" strike="noStrike">
               <a:latin typeface="Arial"/>
             </a:endParaRPr>
           </a:p>
@@ -2246,10 +2131,8 @@
         <p:txBody>
           <a:bodyPr lIns="0" rIns="0" tIns="0" bIns="0" anchor="ctr"/>
           <a:p>
-            <a:endParaRPr b="0" lang="de-DE" sz="1800" spc="-1" strike="noStrike">
-              <a:solidFill>
-                <a:srgbClr val="000000"/>
-              </a:solidFill>
+            <a:pPr algn="ctr"/>
+            <a:endParaRPr b="0" lang="de-DE" sz="4400" spc="-1" strike="noStrike">
               <a:latin typeface="Arial"/>
             </a:endParaRPr>
           </a:p>
@@ -2279,10 +2162,7 @@
             <a:normAutofit/>
           </a:bodyPr>
           <a:p>
-            <a:endParaRPr b="0" lang="de-DE" sz="2800" spc="-1" strike="noStrike">
-              <a:solidFill>
-                <a:srgbClr val="000000"/>
-              </a:solidFill>
+            <a:endParaRPr b="0" lang="de-DE" sz="3200" spc="-1" strike="noStrike">
               <a:latin typeface="Arial"/>
             </a:endParaRPr>
           </a:p>
@@ -2312,10 +2192,7 @@
             <a:normAutofit/>
           </a:bodyPr>
           <a:p>
-            <a:endParaRPr b="0" lang="de-DE" sz="2800" spc="-1" strike="noStrike">
-              <a:solidFill>
-                <a:srgbClr val="000000"/>
-              </a:solidFill>
+            <a:endParaRPr b="0" lang="de-DE" sz="3200" spc="-1" strike="noStrike">
               <a:latin typeface="Arial"/>
             </a:endParaRPr>
           </a:p>
@@ -2345,10 +2222,7 @@
             <a:normAutofit/>
           </a:bodyPr>
           <a:p>
-            <a:endParaRPr b="0" lang="de-DE" sz="2800" spc="-1" strike="noStrike">
-              <a:solidFill>
-                <a:srgbClr val="000000"/>
-              </a:solidFill>
+            <a:endParaRPr b="0" lang="de-DE" sz="3200" spc="-1" strike="noStrike">
               <a:latin typeface="Arial"/>
             </a:endParaRPr>
           </a:p>
@@ -2378,10 +2252,7 @@
             <a:normAutofit/>
           </a:bodyPr>
           <a:p>
-            <a:endParaRPr b="0" lang="de-DE" sz="2800" spc="-1" strike="noStrike">
-              <a:solidFill>
-                <a:srgbClr val="000000"/>
-              </a:solidFill>
+            <a:endParaRPr b="0" lang="de-DE" sz="3200" spc="-1" strike="noStrike">
               <a:latin typeface="Arial"/>
             </a:endParaRPr>
           </a:p>
@@ -2411,10 +2282,7 @@
             <a:normAutofit/>
           </a:bodyPr>
           <a:p>
-            <a:endParaRPr b="0" lang="de-DE" sz="2800" spc="-1" strike="noStrike">
-              <a:solidFill>
-                <a:srgbClr val="000000"/>
-              </a:solidFill>
+            <a:endParaRPr b="0" lang="de-DE" sz="3200" spc="-1" strike="noStrike">
               <a:latin typeface="Arial"/>
             </a:endParaRPr>
           </a:p>
@@ -2444,10 +2312,7 @@
             <a:normAutofit/>
           </a:bodyPr>
           <a:p>
-            <a:endParaRPr b="0" lang="de-DE" sz="2800" spc="-1" strike="noStrike">
-              <a:solidFill>
-                <a:srgbClr val="000000"/>
-              </a:solidFill>
+            <a:endParaRPr b="0" lang="de-DE" sz="3200" spc="-1" strike="noStrike">
               <a:latin typeface="Arial"/>
             </a:endParaRPr>
           </a:p>
@@ -2519,10 +2384,8 @@
         <p:txBody>
           <a:bodyPr lIns="0" rIns="0" tIns="0" bIns="0" anchor="ctr"/>
           <a:p>
-            <a:endParaRPr b="0" lang="de-DE" sz="1800" spc="-1" strike="noStrike">
-              <a:solidFill>
-                <a:srgbClr val="000000"/>
-              </a:solidFill>
+            <a:pPr algn="ctr"/>
+            <a:endParaRPr b="0" lang="de-DE" sz="4400" spc="-1" strike="noStrike">
               <a:latin typeface="Arial"/>
             </a:endParaRPr>
           </a:p>
@@ -2601,10 +2464,8 @@
         <p:txBody>
           <a:bodyPr lIns="0" rIns="0" tIns="0" bIns="0" anchor="ctr"/>
           <a:p>
-            <a:endParaRPr b="0" lang="de-DE" sz="1800" spc="-1" strike="noStrike">
-              <a:solidFill>
-                <a:srgbClr val="000000"/>
-              </a:solidFill>
+            <a:pPr algn="ctr"/>
+            <a:endParaRPr b="0" lang="de-DE" sz="4400" spc="-1" strike="noStrike">
               <a:latin typeface="Arial"/>
             </a:endParaRPr>
           </a:p>
@@ -2634,10 +2495,7 @@
             <a:normAutofit/>
           </a:bodyPr>
           <a:p>
-            <a:endParaRPr b="0" lang="de-DE" sz="2800" spc="-1" strike="noStrike">
-              <a:solidFill>
-                <a:srgbClr val="000000"/>
-              </a:solidFill>
+            <a:endParaRPr b="0" lang="de-DE" sz="3200" spc="-1" strike="noStrike">
               <a:latin typeface="Arial"/>
             </a:endParaRPr>
           </a:p>
@@ -2687,10 +2545,8 @@
         <p:txBody>
           <a:bodyPr lIns="0" rIns="0" tIns="0" bIns="0" anchor="ctr"/>
           <a:p>
-            <a:endParaRPr b="0" lang="de-DE" sz="1800" spc="-1" strike="noStrike">
-              <a:solidFill>
-                <a:srgbClr val="000000"/>
-              </a:solidFill>
+            <a:pPr algn="ctr"/>
+            <a:endParaRPr b="0" lang="de-DE" sz="4400" spc="-1" strike="noStrike">
               <a:latin typeface="Arial"/>
             </a:endParaRPr>
           </a:p>
@@ -2720,10 +2576,7 @@
             <a:normAutofit/>
           </a:bodyPr>
           <a:p>
-            <a:endParaRPr b="0" lang="de-DE" sz="2800" spc="-1" strike="noStrike">
-              <a:solidFill>
-                <a:srgbClr val="000000"/>
-              </a:solidFill>
+            <a:endParaRPr b="0" lang="de-DE" sz="3200" spc="-1" strike="noStrike">
               <a:latin typeface="Arial"/>
             </a:endParaRPr>
           </a:p>
@@ -2753,10 +2606,7 @@
             <a:normAutofit/>
           </a:bodyPr>
           <a:p>
-            <a:endParaRPr b="0" lang="de-DE" sz="2800" spc="-1" strike="noStrike">
-              <a:solidFill>
-                <a:srgbClr val="000000"/>
-              </a:solidFill>
+            <a:endParaRPr b="0" lang="de-DE" sz="3200" spc="-1" strike="noStrike">
               <a:latin typeface="Arial"/>
             </a:endParaRPr>
           </a:p>
@@ -2806,10 +2656,8 @@
         <p:txBody>
           <a:bodyPr lIns="0" rIns="0" tIns="0" bIns="0" anchor="ctr"/>
           <a:p>
-            <a:endParaRPr b="0" lang="de-DE" sz="1800" spc="-1" strike="noStrike">
-              <a:solidFill>
-                <a:srgbClr val="000000"/>
-              </a:solidFill>
+            <a:pPr algn="ctr"/>
+            <a:endParaRPr b="0" lang="de-DE" sz="4400" spc="-1" strike="noStrike">
               <a:latin typeface="Arial"/>
             </a:endParaRPr>
           </a:p>
@@ -2859,10 +2707,8 @@
         <p:txBody>
           <a:bodyPr lIns="0" rIns="0" tIns="0" bIns="0" anchor="ctr"/>
           <a:p>
-            <a:endParaRPr b="0" lang="de-DE" sz="1800" spc="-1" strike="noStrike">
-              <a:solidFill>
-                <a:srgbClr val="000000"/>
-              </a:solidFill>
+            <a:pPr algn="ctr"/>
+            <a:endParaRPr b="0" lang="de-DE" sz="4400" spc="-1" strike="noStrike">
               <a:latin typeface="Arial"/>
             </a:endParaRPr>
           </a:p>
@@ -2892,10 +2738,7 @@
             <a:normAutofit/>
           </a:bodyPr>
           <a:p>
-            <a:endParaRPr b="0" lang="de-DE" sz="2800" spc="-1" strike="noStrike">
-              <a:solidFill>
-                <a:srgbClr val="000000"/>
-              </a:solidFill>
+            <a:endParaRPr b="0" lang="de-DE" sz="3200" spc="-1" strike="noStrike">
               <a:latin typeface="Arial"/>
             </a:endParaRPr>
           </a:p>
@@ -2996,10 +2839,8 @@
         <p:txBody>
           <a:bodyPr lIns="0" rIns="0" tIns="0" bIns="0" anchor="ctr"/>
           <a:p>
-            <a:endParaRPr b="0" lang="de-DE" sz="1800" spc="-1" strike="noStrike">
-              <a:solidFill>
-                <a:srgbClr val="000000"/>
-              </a:solidFill>
+            <a:pPr algn="ctr"/>
+            <a:endParaRPr b="0" lang="de-DE" sz="4400" spc="-1" strike="noStrike">
               <a:latin typeface="Arial"/>
             </a:endParaRPr>
           </a:p>
@@ -3029,10 +2870,7 @@
             <a:normAutofit/>
           </a:bodyPr>
           <a:p>
-            <a:endParaRPr b="0" lang="de-DE" sz="2800" spc="-1" strike="noStrike">
-              <a:solidFill>
-                <a:srgbClr val="000000"/>
-              </a:solidFill>
+            <a:endParaRPr b="0" lang="de-DE" sz="3200" spc="-1" strike="noStrike">
               <a:latin typeface="Arial"/>
             </a:endParaRPr>
           </a:p>
@@ -3062,10 +2900,7 @@
             <a:normAutofit/>
           </a:bodyPr>
           <a:p>
-            <a:endParaRPr b="0" lang="de-DE" sz="2800" spc="-1" strike="noStrike">
-              <a:solidFill>
-                <a:srgbClr val="000000"/>
-              </a:solidFill>
+            <a:endParaRPr b="0" lang="de-DE" sz="3200" spc="-1" strike="noStrike">
               <a:latin typeface="Arial"/>
             </a:endParaRPr>
           </a:p>
@@ -3095,10 +2930,7 @@
             <a:normAutofit/>
           </a:bodyPr>
           <a:p>
-            <a:endParaRPr b="0" lang="de-DE" sz="2800" spc="-1" strike="noStrike">
-              <a:solidFill>
-                <a:srgbClr val="000000"/>
-              </a:solidFill>
+            <a:endParaRPr b="0" lang="de-DE" sz="3200" spc="-1" strike="noStrike">
               <a:latin typeface="Arial"/>
             </a:endParaRPr>
           </a:p>
@@ -3148,10 +2980,8 @@
         <p:txBody>
           <a:bodyPr lIns="0" rIns="0" tIns="0" bIns="0" anchor="ctr"/>
           <a:p>
-            <a:endParaRPr b="0" lang="de-DE" sz="1800" spc="-1" strike="noStrike">
-              <a:solidFill>
-                <a:srgbClr val="000000"/>
-              </a:solidFill>
+            <a:pPr algn="ctr"/>
+            <a:endParaRPr b="0" lang="de-DE" sz="4400" spc="-1" strike="noStrike">
               <a:latin typeface="Arial"/>
             </a:endParaRPr>
           </a:p>
@@ -3181,10 +3011,7 @@
             <a:normAutofit/>
           </a:bodyPr>
           <a:p>
-            <a:endParaRPr b="0" lang="de-DE" sz="2800" spc="-1" strike="noStrike">
-              <a:solidFill>
-                <a:srgbClr val="000000"/>
-              </a:solidFill>
+            <a:endParaRPr b="0" lang="de-DE" sz="3200" spc="-1" strike="noStrike">
               <a:latin typeface="Arial"/>
             </a:endParaRPr>
           </a:p>
@@ -3214,10 +3041,7 @@
             <a:normAutofit/>
           </a:bodyPr>
           <a:p>
-            <a:endParaRPr b="0" lang="de-DE" sz="2800" spc="-1" strike="noStrike">
-              <a:solidFill>
-                <a:srgbClr val="000000"/>
-              </a:solidFill>
+            <a:endParaRPr b="0" lang="de-DE" sz="3200" spc="-1" strike="noStrike">
               <a:latin typeface="Arial"/>
             </a:endParaRPr>
           </a:p>
@@ -3247,10 +3071,7 @@
             <a:normAutofit/>
           </a:bodyPr>
           <a:p>
-            <a:endParaRPr b="0" lang="de-DE" sz="2800" spc="-1" strike="noStrike">
-              <a:solidFill>
-                <a:srgbClr val="000000"/>
-              </a:solidFill>
+            <a:endParaRPr b="0" lang="de-DE" sz="3200" spc="-1" strike="noStrike">
               <a:latin typeface="Arial"/>
             </a:endParaRPr>
           </a:p>
@@ -3300,10 +3121,8 @@
         <p:txBody>
           <a:bodyPr lIns="0" rIns="0" tIns="0" bIns="0" anchor="ctr"/>
           <a:p>
-            <a:endParaRPr b="0" lang="de-DE" sz="1800" spc="-1" strike="noStrike">
-              <a:solidFill>
-                <a:srgbClr val="000000"/>
-              </a:solidFill>
+            <a:pPr algn="ctr"/>
+            <a:endParaRPr b="0" lang="de-DE" sz="4400" spc="-1" strike="noStrike">
               <a:latin typeface="Arial"/>
             </a:endParaRPr>
           </a:p>
@@ -3333,10 +3152,7 @@
             <a:normAutofit/>
           </a:bodyPr>
           <a:p>
-            <a:endParaRPr b="0" lang="de-DE" sz="2800" spc="-1" strike="noStrike">
-              <a:solidFill>
-                <a:srgbClr val="000000"/>
-              </a:solidFill>
+            <a:endParaRPr b="0" lang="de-DE" sz="3200" spc="-1" strike="noStrike">
               <a:latin typeface="Arial"/>
             </a:endParaRPr>
           </a:p>
@@ -3366,10 +3182,7 @@
             <a:normAutofit/>
           </a:bodyPr>
           <a:p>
-            <a:endParaRPr b="0" lang="de-DE" sz="2800" spc="-1" strike="noStrike">
-              <a:solidFill>
-                <a:srgbClr val="000000"/>
-              </a:solidFill>
+            <a:endParaRPr b="0" lang="de-DE" sz="3200" spc="-1" strike="noStrike">
               <a:latin typeface="Arial"/>
             </a:endParaRPr>
           </a:p>
@@ -3399,10 +3212,7 @@
             <a:normAutofit/>
           </a:bodyPr>
           <a:p>
-            <a:endParaRPr b="0" lang="de-DE" sz="2800" spc="-1" strike="noStrike">
-              <a:solidFill>
-                <a:srgbClr val="000000"/>
-              </a:solidFill>
+            <a:endParaRPr b="0" lang="de-DE" sz="3200" spc="-1" strike="noStrike">
               <a:latin typeface="Arial"/>
             </a:endParaRPr>
           </a:p>
@@ -3452,10 +3262,8 @@
         <p:txBody>
           <a:bodyPr lIns="0" rIns="0" tIns="0" bIns="0" anchor="ctr"/>
           <a:p>
-            <a:endParaRPr b="0" lang="de-DE" sz="1800" spc="-1" strike="noStrike">
-              <a:solidFill>
-                <a:srgbClr val="000000"/>
-              </a:solidFill>
+            <a:pPr algn="ctr"/>
+            <a:endParaRPr b="0" lang="de-DE" sz="4400" spc="-1" strike="noStrike">
               <a:latin typeface="Arial"/>
             </a:endParaRPr>
           </a:p>
@@ -3485,10 +3293,7 @@
             <a:normAutofit/>
           </a:bodyPr>
           <a:p>
-            <a:endParaRPr b="0" lang="de-DE" sz="2800" spc="-1" strike="noStrike">
-              <a:solidFill>
-                <a:srgbClr val="000000"/>
-              </a:solidFill>
+            <a:endParaRPr b="0" lang="de-DE" sz="3200" spc="-1" strike="noStrike">
               <a:latin typeface="Arial"/>
             </a:endParaRPr>
           </a:p>
@@ -3518,10 +3323,7 @@
             <a:normAutofit/>
           </a:bodyPr>
           <a:p>
-            <a:endParaRPr b="0" lang="de-DE" sz="2800" spc="-1" strike="noStrike">
-              <a:solidFill>
-                <a:srgbClr val="000000"/>
-              </a:solidFill>
+            <a:endParaRPr b="0" lang="de-DE" sz="3200" spc="-1" strike="noStrike">
               <a:latin typeface="Arial"/>
             </a:endParaRPr>
           </a:p>
@@ -3571,10 +3373,8 @@
         <p:txBody>
           <a:bodyPr lIns="0" rIns="0" tIns="0" bIns="0" anchor="ctr"/>
           <a:p>
-            <a:endParaRPr b="0" lang="de-DE" sz="1800" spc="-1" strike="noStrike">
-              <a:solidFill>
-                <a:srgbClr val="000000"/>
-              </a:solidFill>
+            <a:pPr algn="ctr"/>
+            <a:endParaRPr b="0" lang="de-DE" sz="4400" spc="-1" strike="noStrike">
               <a:latin typeface="Arial"/>
             </a:endParaRPr>
           </a:p>
@@ -3604,10 +3404,7 @@
             <a:normAutofit/>
           </a:bodyPr>
           <a:p>
-            <a:endParaRPr b="0" lang="de-DE" sz="2800" spc="-1" strike="noStrike">
-              <a:solidFill>
-                <a:srgbClr val="000000"/>
-              </a:solidFill>
+            <a:endParaRPr b="0" lang="de-DE" sz="3200" spc="-1" strike="noStrike">
               <a:latin typeface="Arial"/>
             </a:endParaRPr>
           </a:p>
@@ -3637,10 +3434,7 @@
             <a:normAutofit/>
           </a:bodyPr>
           <a:p>
-            <a:endParaRPr b="0" lang="de-DE" sz="2800" spc="-1" strike="noStrike">
-              <a:solidFill>
-                <a:srgbClr val="000000"/>
-              </a:solidFill>
+            <a:endParaRPr b="0" lang="de-DE" sz="3200" spc="-1" strike="noStrike">
               <a:latin typeface="Arial"/>
             </a:endParaRPr>
           </a:p>
@@ -3670,10 +3464,7 @@
             <a:normAutofit/>
           </a:bodyPr>
           <a:p>
-            <a:endParaRPr b="0" lang="de-DE" sz="2800" spc="-1" strike="noStrike">
-              <a:solidFill>
-                <a:srgbClr val="000000"/>
-              </a:solidFill>
+            <a:endParaRPr b="0" lang="de-DE" sz="3200" spc="-1" strike="noStrike">
               <a:latin typeface="Arial"/>
             </a:endParaRPr>
           </a:p>
@@ -3703,10 +3494,7 @@
             <a:normAutofit/>
           </a:bodyPr>
           <a:p>
-            <a:endParaRPr b="0" lang="de-DE" sz="2800" spc="-1" strike="noStrike">
-              <a:solidFill>
-                <a:srgbClr val="000000"/>
-              </a:solidFill>
+            <a:endParaRPr b="0" lang="de-DE" sz="3200" spc="-1" strike="noStrike">
               <a:latin typeface="Arial"/>
             </a:endParaRPr>
           </a:p>
@@ -3756,10 +3544,8 @@
         <p:txBody>
           <a:bodyPr lIns="0" rIns="0" tIns="0" bIns="0" anchor="ctr"/>
           <a:p>
-            <a:endParaRPr b="0" lang="de-DE" sz="1800" spc="-1" strike="noStrike">
-              <a:solidFill>
-                <a:srgbClr val="000000"/>
-              </a:solidFill>
+            <a:pPr algn="ctr"/>
+            <a:endParaRPr b="0" lang="de-DE" sz="4400" spc="-1" strike="noStrike">
               <a:latin typeface="Arial"/>
             </a:endParaRPr>
           </a:p>
@@ -3789,10 +3575,7 @@
             <a:normAutofit/>
           </a:bodyPr>
           <a:p>
-            <a:endParaRPr b="0" lang="de-DE" sz="2800" spc="-1" strike="noStrike">
-              <a:solidFill>
-                <a:srgbClr val="000000"/>
-              </a:solidFill>
+            <a:endParaRPr b="0" lang="de-DE" sz="3200" spc="-1" strike="noStrike">
               <a:latin typeface="Arial"/>
             </a:endParaRPr>
           </a:p>
@@ -3822,10 +3605,7 @@
             <a:normAutofit/>
           </a:bodyPr>
           <a:p>
-            <a:endParaRPr b="0" lang="de-DE" sz="2800" spc="-1" strike="noStrike">
-              <a:solidFill>
-                <a:srgbClr val="000000"/>
-              </a:solidFill>
+            <a:endParaRPr b="0" lang="de-DE" sz="3200" spc="-1" strike="noStrike">
               <a:latin typeface="Arial"/>
             </a:endParaRPr>
           </a:p>
@@ -3855,10 +3635,7 @@
             <a:normAutofit/>
           </a:bodyPr>
           <a:p>
-            <a:endParaRPr b="0" lang="de-DE" sz="2800" spc="-1" strike="noStrike">
-              <a:solidFill>
-                <a:srgbClr val="000000"/>
-              </a:solidFill>
+            <a:endParaRPr b="0" lang="de-DE" sz="3200" spc="-1" strike="noStrike">
               <a:latin typeface="Arial"/>
             </a:endParaRPr>
           </a:p>
@@ -3888,10 +3665,7 @@
             <a:normAutofit/>
           </a:bodyPr>
           <a:p>
-            <a:endParaRPr b="0" lang="de-DE" sz="2800" spc="-1" strike="noStrike">
-              <a:solidFill>
-                <a:srgbClr val="000000"/>
-              </a:solidFill>
+            <a:endParaRPr b="0" lang="de-DE" sz="3200" spc="-1" strike="noStrike">
               <a:latin typeface="Arial"/>
             </a:endParaRPr>
           </a:p>
@@ -3921,10 +3695,7 @@
             <a:normAutofit/>
           </a:bodyPr>
           <a:p>
-            <a:endParaRPr b="0" lang="de-DE" sz="2800" spc="-1" strike="noStrike">
-              <a:solidFill>
-                <a:srgbClr val="000000"/>
-              </a:solidFill>
+            <a:endParaRPr b="0" lang="de-DE" sz="3200" spc="-1" strike="noStrike">
               <a:latin typeface="Arial"/>
             </a:endParaRPr>
           </a:p>
@@ -3954,10 +3725,7 @@
             <a:normAutofit/>
           </a:bodyPr>
           <a:p>
-            <a:endParaRPr b="0" lang="de-DE" sz="2800" spc="-1" strike="noStrike">
-              <a:solidFill>
-                <a:srgbClr val="000000"/>
-              </a:solidFill>
+            <a:endParaRPr b="0" lang="de-DE" sz="3200" spc="-1" strike="noStrike">
               <a:latin typeface="Arial"/>
             </a:endParaRPr>
           </a:p>
@@ -4029,10 +3797,8 @@
         <p:txBody>
           <a:bodyPr lIns="0" rIns="0" tIns="0" bIns="0" anchor="ctr"/>
           <a:p>
-            <a:endParaRPr b="0" lang="de-DE" sz="1800" spc="-1" strike="noStrike">
-              <a:solidFill>
-                <a:srgbClr val="000000"/>
-              </a:solidFill>
+            <a:pPr algn="ctr"/>
+            <a:endParaRPr b="0" lang="de-DE" sz="4400" spc="-1" strike="noStrike">
               <a:latin typeface="Arial"/>
             </a:endParaRPr>
           </a:p>
@@ -4111,10 +3877,8 @@
         <p:txBody>
           <a:bodyPr lIns="0" rIns="0" tIns="0" bIns="0" anchor="ctr"/>
           <a:p>
-            <a:endParaRPr b="0" lang="de-DE" sz="1800" spc="-1" strike="noStrike">
-              <a:solidFill>
-                <a:srgbClr val="000000"/>
-              </a:solidFill>
+            <a:pPr algn="ctr"/>
+            <a:endParaRPr b="0" lang="de-DE" sz="4400" spc="-1" strike="noStrike">
               <a:latin typeface="Arial"/>
             </a:endParaRPr>
           </a:p>
@@ -4144,10 +3908,7 @@
             <a:normAutofit/>
           </a:bodyPr>
           <a:p>
-            <a:endParaRPr b="0" lang="de-DE" sz="2800" spc="-1" strike="noStrike">
-              <a:solidFill>
-                <a:srgbClr val="000000"/>
-              </a:solidFill>
+            <a:endParaRPr b="0" lang="de-DE" sz="3200" spc="-1" strike="noStrike">
               <a:latin typeface="Arial"/>
             </a:endParaRPr>
           </a:p>
@@ -4197,10 +3958,8 @@
         <p:txBody>
           <a:bodyPr lIns="0" rIns="0" tIns="0" bIns="0" anchor="ctr"/>
           <a:p>
-            <a:endParaRPr b="0" lang="de-DE" sz="1800" spc="-1" strike="noStrike">
-              <a:solidFill>
-                <a:srgbClr val="000000"/>
-              </a:solidFill>
+            <a:pPr algn="ctr"/>
+            <a:endParaRPr b="0" lang="de-DE" sz="4400" spc="-1" strike="noStrike">
               <a:latin typeface="Arial"/>
             </a:endParaRPr>
           </a:p>
@@ -4230,10 +3989,7 @@
             <a:normAutofit/>
           </a:bodyPr>
           <a:p>
-            <a:endParaRPr b="0" lang="de-DE" sz="2800" spc="-1" strike="noStrike">
-              <a:solidFill>
-                <a:srgbClr val="000000"/>
-              </a:solidFill>
+            <a:endParaRPr b="0" lang="de-DE" sz="3200" spc="-1" strike="noStrike">
               <a:latin typeface="Arial"/>
             </a:endParaRPr>
           </a:p>
@@ -4263,10 +4019,7 @@
             <a:normAutofit/>
           </a:bodyPr>
           <a:p>
-            <a:endParaRPr b="0" lang="de-DE" sz="2800" spc="-1" strike="noStrike">
-              <a:solidFill>
-                <a:srgbClr val="000000"/>
-              </a:solidFill>
+            <a:endParaRPr b="0" lang="de-DE" sz="3200" spc="-1" strike="noStrike">
               <a:latin typeface="Arial"/>
             </a:endParaRPr>
           </a:p>
@@ -4316,10 +4069,8 @@
         <p:txBody>
           <a:bodyPr lIns="0" rIns="0" tIns="0" bIns="0" anchor="ctr"/>
           <a:p>
-            <a:endParaRPr b="0" lang="de-DE" sz="1800" spc="-1" strike="noStrike">
-              <a:solidFill>
-                <a:srgbClr val="000000"/>
-              </a:solidFill>
+            <a:pPr algn="ctr"/>
+            <a:endParaRPr b="0" lang="de-DE" sz="4400" spc="-1" strike="noStrike">
               <a:latin typeface="Arial"/>
             </a:endParaRPr>
           </a:p>
@@ -4349,10 +4100,7 @@
             <a:normAutofit/>
           </a:bodyPr>
           <a:p>
-            <a:endParaRPr b="0" lang="de-DE" sz="2800" spc="-1" strike="noStrike">
-              <a:solidFill>
-                <a:srgbClr val="000000"/>
-              </a:solidFill>
+            <a:endParaRPr b="0" lang="de-DE" sz="3200" spc="-1" strike="noStrike">
               <a:latin typeface="Arial"/>
             </a:endParaRPr>
           </a:p>
@@ -4382,10 +4130,7 @@
             <a:normAutofit/>
           </a:bodyPr>
           <a:p>
-            <a:endParaRPr b="0" lang="de-DE" sz="2800" spc="-1" strike="noStrike">
-              <a:solidFill>
-                <a:srgbClr val="000000"/>
-              </a:solidFill>
+            <a:endParaRPr b="0" lang="de-DE" sz="3200" spc="-1" strike="noStrike">
               <a:latin typeface="Arial"/>
             </a:endParaRPr>
           </a:p>
@@ -4435,10 +4180,8 @@
         <p:txBody>
           <a:bodyPr lIns="0" rIns="0" tIns="0" bIns="0" anchor="ctr"/>
           <a:p>
-            <a:endParaRPr b="0" lang="de-DE" sz="1800" spc="-1" strike="noStrike">
-              <a:solidFill>
-                <a:srgbClr val="000000"/>
-              </a:solidFill>
+            <a:pPr algn="ctr"/>
+            <a:endParaRPr b="0" lang="de-DE" sz="4400" spc="-1" strike="noStrike">
               <a:latin typeface="Arial"/>
             </a:endParaRPr>
           </a:p>
@@ -4539,10 +4282,8 @@
         <p:txBody>
           <a:bodyPr lIns="0" rIns="0" tIns="0" bIns="0" anchor="ctr"/>
           <a:p>
-            <a:endParaRPr b="0" lang="de-DE" sz="1800" spc="-1" strike="noStrike">
-              <a:solidFill>
-                <a:srgbClr val="000000"/>
-              </a:solidFill>
+            <a:pPr algn="ctr"/>
+            <a:endParaRPr b="0" lang="de-DE" sz="4400" spc="-1" strike="noStrike">
               <a:latin typeface="Arial"/>
             </a:endParaRPr>
           </a:p>
@@ -4572,10 +4313,7 @@
             <a:normAutofit/>
           </a:bodyPr>
           <a:p>
-            <a:endParaRPr b="0" lang="de-DE" sz="2800" spc="-1" strike="noStrike">
-              <a:solidFill>
-                <a:srgbClr val="000000"/>
-              </a:solidFill>
+            <a:endParaRPr b="0" lang="de-DE" sz="3200" spc="-1" strike="noStrike">
               <a:latin typeface="Arial"/>
             </a:endParaRPr>
           </a:p>
@@ -4605,10 +4343,7 @@
             <a:normAutofit/>
           </a:bodyPr>
           <a:p>
-            <a:endParaRPr b="0" lang="de-DE" sz="2800" spc="-1" strike="noStrike">
-              <a:solidFill>
-                <a:srgbClr val="000000"/>
-              </a:solidFill>
+            <a:endParaRPr b="0" lang="de-DE" sz="3200" spc="-1" strike="noStrike">
               <a:latin typeface="Arial"/>
             </a:endParaRPr>
           </a:p>
@@ -4638,10 +4373,7 @@
             <a:normAutofit/>
           </a:bodyPr>
           <a:p>
-            <a:endParaRPr b="0" lang="de-DE" sz="2800" spc="-1" strike="noStrike">
-              <a:solidFill>
-                <a:srgbClr val="000000"/>
-              </a:solidFill>
+            <a:endParaRPr b="0" lang="de-DE" sz="3200" spc="-1" strike="noStrike">
               <a:latin typeface="Arial"/>
             </a:endParaRPr>
           </a:p>
@@ -4691,10 +4423,8 @@
         <p:txBody>
           <a:bodyPr lIns="0" rIns="0" tIns="0" bIns="0" anchor="ctr"/>
           <a:p>
-            <a:endParaRPr b="0" lang="de-DE" sz="1800" spc="-1" strike="noStrike">
-              <a:solidFill>
-                <a:srgbClr val="000000"/>
-              </a:solidFill>
+            <a:pPr algn="ctr"/>
+            <a:endParaRPr b="0" lang="de-DE" sz="4400" spc="-1" strike="noStrike">
               <a:latin typeface="Arial"/>
             </a:endParaRPr>
           </a:p>
@@ -4724,10 +4454,7 @@
             <a:normAutofit/>
           </a:bodyPr>
           <a:p>
-            <a:endParaRPr b="0" lang="de-DE" sz="2800" spc="-1" strike="noStrike">
-              <a:solidFill>
-                <a:srgbClr val="000000"/>
-              </a:solidFill>
+            <a:endParaRPr b="0" lang="de-DE" sz="3200" spc="-1" strike="noStrike">
               <a:latin typeface="Arial"/>
             </a:endParaRPr>
           </a:p>
@@ -4757,10 +4484,7 @@
             <a:normAutofit/>
           </a:bodyPr>
           <a:p>
-            <a:endParaRPr b="0" lang="de-DE" sz="2800" spc="-1" strike="noStrike">
-              <a:solidFill>
-                <a:srgbClr val="000000"/>
-              </a:solidFill>
+            <a:endParaRPr b="0" lang="de-DE" sz="3200" spc="-1" strike="noStrike">
               <a:latin typeface="Arial"/>
             </a:endParaRPr>
           </a:p>
@@ -4790,10 +4514,7 @@
             <a:normAutofit/>
           </a:bodyPr>
           <a:p>
-            <a:endParaRPr b="0" lang="de-DE" sz="2800" spc="-1" strike="noStrike">
-              <a:solidFill>
-                <a:srgbClr val="000000"/>
-              </a:solidFill>
+            <a:endParaRPr b="0" lang="de-DE" sz="3200" spc="-1" strike="noStrike">
               <a:latin typeface="Arial"/>
             </a:endParaRPr>
           </a:p>
@@ -4843,10 +4564,8 @@
         <p:txBody>
           <a:bodyPr lIns="0" rIns="0" tIns="0" bIns="0" anchor="ctr"/>
           <a:p>
-            <a:endParaRPr b="0" lang="de-DE" sz="1800" spc="-1" strike="noStrike">
-              <a:solidFill>
-                <a:srgbClr val="000000"/>
-              </a:solidFill>
+            <a:pPr algn="ctr"/>
+            <a:endParaRPr b="0" lang="de-DE" sz="4400" spc="-1" strike="noStrike">
               <a:latin typeface="Arial"/>
             </a:endParaRPr>
           </a:p>
@@ -4876,10 +4595,7 @@
             <a:normAutofit/>
           </a:bodyPr>
           <a:p>
-            <a:endParaRPr b="0" lang="de-DE" sz="2800" spc="-1" strike="noStrike">
-              <a:solidFill>
-                <a:srgbClr val="000000"/>
-              </a:solidFill>
+            <a:endParaRPr b="0" lang="de-DE" sz="3200" spc="-1" strike="noStrike">
               <a:latin typeface="Arial"/>
             </a:endParaRPr>
           </a:p>
@@ -4909,10 +4625,7 @@
             <a:normAutofit/>
           </a:bodyPr>
           <a:p>
-            <a:endParaRPr b="0" lang="de-DE" sz="2800" spc="-1" strike="noStrike">
-              <a:solidFill>
-                <a:srgbClr val="000000"/>
-              </a:solidFill>
+            <a:endParaRPr b="0" lang="de-DE" sz="3200" spc="-1" strike="noStrike">
               <a:latin typeface="Arial"/>
             </a:endParaRPr>
           </a:p>
@@ -4942,10 +4655,7 @@
             <a:normAutofit/>
           </a:bodyPr>
           <a:p>
-            <a:endParaRPr b="0" lang="de-DE" sz="2800" spc="-1" strike="noStrike">
-              <a:solidFill>
-                <a:srgbClr val="000000"/>
-              </a:solidFill>
+            <a:endParaRPr b="0" lang="de-DE" sz="3200" spc="-1" strike="noStrike">
               <a:latin typeface="Arial"/>
             </a:endParaRPr>
           </a:p>
@@ -4995,10 +4705,8 @@
         <p:txBody>
           <a:bodyPr lIns="0" rIns="0" tIns="0" bIns="0" anchor="ctr"/>
           <a:p>
-            <a:endParaRPr b="0" lang="de-DE" sz="1800" spc="-1" strike="noStrike">
-              <a:solidFill>
-                <a:srgbClr val="000000"/>
-              </a:solidFill>
+            <a:pPr algn="ctr"/>
+            <a:endParaRPr b="0" lang="de-DE" sz="4400" spc="-1" strike="noStrike">
               <a:latin typeface="Arial"/>
             </a:endParaRPr>
           </a:p>
@@ -5028,10 +4736,7 @@
             <a:normAutofit/>
           </a:bodyPr>
           <a:p>
-            <a:endParaRPr b="0" lang="de-DE" sz="2800" spc="-1" strike="noStrike">
-              <a:solidFill>
-                <a:srgbClr val="000000"/>
-              </a:solidFill>
+            <a:endParaRPr b="0" lang="de-DE" sz="3200" spc="-1" strike="noStrike">
               <a:latin typeface="Arial"/>
             </a:endParaRPr>
           </a:p>
@@ -5061,10 +4766,7 @@
             <a:normAutofit/>
           </a:bodyPr>
           <a:p>
-            <a:endParaRPr b="0" lang="de-DE" sz="2800" spc="-1" strike="noStrike">
-              <a:solidFill>
-                <a:srgbClr val="000000"/>
-              </a:solidFill>
+            <a:endParaRPr b="0" lang="de-DE" sz="3200" spc="-1" strike="noStrike">
               <a:latin typeface="Arial"/>
             </a:endParaRPr>
           </a:p>
@@ -5114,10 +4816,8 @@
         <p:txBody>
           <a:bodyPr lIns="0" rIns="0" tIns="0" bIns="0" anchor="ctr"/>
           <a:p>
-            <a:endParaRPr b="0" lang="de-DE" sz="1800" spc="-1" strike="noStrike">
-              <a:solidFill>
-                <a:srgbClr val="000000"/>
-              </a:solidFill>
+            <a:pPr algn="ctr"/>
+            <a:endParaRPr b="0" lang="de-DE" sz="4400" spc="-1" strike="noStrike">
               <a:latin typeface="Arial"/>
             </a:endParaRPr>
           </a:p>
@@ -5147,10 +4847,7 @@
             <a:normAutofit/>
           </a:bodyPr>
           <a:p>
-            <a:endParaRPr b="0" lang="de-DE" sz="2800" spc="-1" strike="noStrike">
-              <a:solidFill>
-                <a:srgbClr val="000000"/>
-              </a:solidFill>
+            <a:endParaRPr b="0" lang="de-DE" sz="3200" spc="-1" strike="noStrike">
               <a:latin typeface="Arial"/>
             </a:endParaRPr>
           </a:p>
@@ -5180,10 +4877,7 @@
             <a:normAutofit/>
           </a:bodyPr>
           <a:p>
-            <a:endParaRPr b="0" lang="de-DE" sz="2800" spc="-1" strike="noStrike">
-              <a:solidFill>
-                <a:srgbClr val="000000"/>
-              </a:solidFill>
+            <a:endParaRPr b="0" lang="de-DE" sz="3200" spc="-1" strike="noStrike">
               <a:latin typeface="Arial"/>
             </a:endParaRPr>
           </a:p>
@@ -5213,10 +4907,7 @@
             <a:normAutofit/>
           </a:bodyPr>
           <a:p>
-            <a:endParaRPr b="0" lang="de-DE" sz="2800" spc="-1" strike="noStrike">
-              <a:solidFill>
-                <a:srgbClr val="000000"/>
-              </a:solidFill>
+            <a:endParaRPr b="0" lang="de-DE" sz="3200" spc="-1" strike="noStrike">
               <a:latin typeface="Arial"/>
             </a:endParaRPr>
           </a:p>
@@ -5246,10 +4937,7 @@
             <a:normAutofit/>
           </a:bodyPr>
           <a:p>
-            <a:endParaRPr b="0" lang="de-DE" sz="2800" spc="-1" strike="noStrike">
-              <a:solidFill>
-                <a:srgbClr val="000000"/>
-              </a:solidFill>
+            <a:endParaRPr b="0" lang="de-DE" sz="3200" spc="-1" strike="noStrike">
               <a:latin typeface="Arial"/>
             </a:endParaRPr>
           </a:p>
@@ -5299,10 +4987,8 @@
         <p:txBody>
           <a:bodyPr lIns="0" rIns="0" tIns="0" bIns="0" anchor="ctr"/>
           <a:p>
-            <a:endParaRPr b="0" lang="de-DE" sz="1800" spc="-1" strike="noStrike">
-              <a:solidFill>
-                <a:srgbClr val="000000"/>
-              </a:solidFill>
+            <a:pPr algn="ctr"/>
+            <a:endParaRPr b="0" lang="de-DE" sz="4400" spc="-1" strike="noStrike">
               <a:latin typeface="Arial"/>
             </a:endParaRPr>
           </a:p>
@@ -5332,10 +5018,7 @@
             <a:normAutofit/>
           </a:bodyPr>
           <a:p>
-            <a:endParaRPr b="0" lang="de-DE" sz="2800" spc="-1" strike="noStrike">
-              <a:solidFill>
-                <a:srgbClr val="000000"/>
-              </a:solidFill>
+            <a:endParaRPr b="0" lang="de-DE" sz="3200" spc="-1" strike="noStrike">
               <a:latin typeface="Arial"/>
             </a:endParaRPr>
           </a:p>
@@ -5365,10 +5048,7 @@
             <a:normAutofit/>
           </a:bodyPr>
           <a:p>
-            <a:endParaRPr b="0" lang="de-DE" sz="2800" spc="-1" strike="noStrike">
-              <a:solidFill>
-                <a:srgbClr val="000000"/>
-              </a:solidFill>
+            <a:endParaRPr b="0" lang="de-DE" sz="3200" spc="-1" strike="noStrike">
               <a:latin typeface="Arial"/>
             </a:endParaRPr>
           </a:p>
@@ -5398,10 +5078,7 @@
             <a:normAutofit/>
           </a:bodyPr>
           <a:p>
-            <a:endParaRPr b="0" lang="de-DE" sz="2800" spc="-1" strike="noStrike">
-              <a:solidFill>
-                <a:srgbClr val="000000"/>
-              </a:solidFill>
+            <a:endParaRPr b="0" lang="de-DE" sz="3200" spc="-1" strike="noStrike">
               <a:latin typeface="Arial"/>
             </a:endParaRPr>
           </a:p>
@@ -5431,10 +5108,7 @@
             <a:normAutofit/>
           </a:bodyPr>
           <a:p>
-            <a:endParaRPr b="0" lang="de-DE" sz="2800" spc="-1" strike="noStrike">
-              <a:solidFill>
-                <a:srgbClr val="000000"/>
-              </a:solidFill>
+            <a:endParaRPr b="0" lang="de-DE" sz="3200" spc="-1" strike="noStrike">
               <a:latin typeface="Arial"/>
             </a:endParaRPr>
           </a:p>
@@ -5464,10 +5138,7 @@
             <a:normAutofit/>
           </a:bodyPr>
           <a:p>
-            <a:endParaRPr b="0" lang="de-DE" sz="2800" spc="-1" strike="noStrike">
-              <a:solidFill>
-                <a:srgbClr val="000000"/>
-              </a:solidFill>
+            <a:endParaRPr b="0" lang="de-DE" sz="3200" spc="-1" strike="noStrike">
               <a:latin typeface="Arial"/>
             </a:endParaRPr>
           </a:p>
@@ -5497,10 +5168,7 @@
             <a:normAutofit/>
           </a:bodyPr>
           <a:p>
-            <a:endParaRPr b="0" lang="de-DE" sz="2800" spc="-1" strike="noStrike">
-              <a:solidFill>
-                <a:srgbClr val="000000"/>
-              </a:solidFill>
+            <a:endParaRPr b="0" lang="de-DE" sz="3200" spc="-1" strike="noStrike">
               <a:latin typeface="Arial"/>
             </a:endParaRPr>
           </a:p>
@@ -5550,10 +5218,8 @@
         <p:txBody>
           <a:bodyPr lIns="0" rIns="0" tIns="0" bIns="0" anchor="ctr"/>
           <a:p>
-            <a:endParaRPr b="0" lang="de-DE" sz="1800" spc="-1" strike="noStrike">
-              <a:solidFill>
-                <a:srgbClr val="000000"/>
-              </a:solidFill>
+            <a:pPr algn="ctr"/>
+            <a:endParaRPr b="0" lang="de-DE" sz="4400" spc="-1" strike="noStrike">
               <a:latin typeface="Arial"/>
             </a:endParaRPr>
           </a:p>
@@ -5654,10 +5320,8 @@
         <p:txBody>
           <a:bodyPr lIns="0" rIns="0" tIns="0" bIns="0" anchor="ctr"/>
           <a:p>
-            <a:endParaRPr b="0" lang="de-DE" sz="1800" spc="-1" strike="noStrike">
-              <a:solidFill>
-                <a:srgbClr val="000000"/>
-              </a:solidFill>
+            <a:pPr algn="ctr"/>
+            <a:endParaRPr b="0" lang="de-DE" sz="4400" spc="-1" strike="noStrike">
               <a:latin typeface="Arial"/>
             </a:endParaRPr>
           </a:p>
@@ -5687,10 +5351,7 @@
             <a:normAutofit/>
           </a:bodyPr>
           <a:p>
-            <a:endParaRPr b="0" lang="de-DE" sz="2800" spc="-1" strike="noStrike">
-              <a:solidFill>
-                <a:srgbClr val="000000"/>
-              </a:solidFill>
+            <a:endParaRPr b="0" lang="de-DE" sz="3200" spc="-1" strike="noStrike">
               <a:latin typeface="Arial"/>
             </a:endParaRPr>
           </a:p>
@@ -5720,10 +5381,7 @@
             <a:normAutofit/>
           </a:bodyPr>
           <a:p>
-            <a:endParaRPr b="0" lang="de-DE" sz="2800" spc="-1" strike="noStrike">
-              <a:solidFill>
-                <a:srgbClr val="000000"/>
-              </a:solidFill>
+            <a:endParaRPr b="0" lang="de-DE" sz="3200" spc="-1" strike="noStrike">
               <a:latin typeface="Arial"/>
             </a:endParaRPr>
           </a:p>
@@ -5753,10 +5411,7 @@
             <a:normAutofit/>
           </a:bodyPr>
           <a:p>
-            <a:endParaRPr b="0" lang="de-DE" sz="2800" spc="-1" strike="noStrike">
-              <a:solidFill>
-                <a:srgbClr val="000000"/>
-              </a:solidFill>
+            <a:endParaRPr b="0" lang="de-DE" sz="3200" spc="-1" strike="noStrike">
               <a:latin typeface="Arial"/>
             </a:endParaRPr>
           </a:p>
@@ -5806,10 +5461,8 @@
         <p:txBody>
           <a:bodyPr lIns="0" rIns="0" tIns="0" bIns="0" anchor="ctr"/>
           <a:p>
-            <a:endParaRPr b="0" lang="de-DE" sz="1800" spc="-1" strike="noStrike">
-              <a:solidFill>
-                <a:srgbClr val="000000"/>
-              </a:solidFill>
+            <a:pPr algn="ctr"/>
+            <a:endParaRPr b="0" lang="de-DE" sz="4400" spc="-1" strike="noStrike">
               <a:latin typeface="Arial"/>
             </a:endParaRPr>
           </a:p>
@@ -5839,10 +5492,7 @@
             <a:normAutofit/>
           </a:bodyPr>
           <a:p>
-            <a:endParaRPr b="0" lang="de-DE" sz="2800" spc="-1" strike="noStrike">
-              <a:solidFill>
-                <a:srgbClr val="000000"/>
-              </a:solidFill>
+            <a:endParaRPr b="0" lang="de-DE" sz="3200" spc="-1" strike="noStrike">
               <a:latin typeface="Arial"/>
             </a:endParaRPr>
           </a:p>
@@ -5872,10 +5522,7 @@
             <a:normAutofit/>
           </a:bodyPr>
           <a:p>
-            <a:endParaRPr b="0" lang="de-DE" sz="2800" spc="-1" strike="noStrike">
-              <a:solidFill>
-                <a:srgbClr val="000000"/>
-              </a:solidFill>
+            <a:endParaRPr b="0" lang="de-DE" sz="3200" spc="-1" strike="noStrike">
               <a:latin typeface="Arial"/>
             </a:endParaRPr>
           </a:p>
@@ -5905,10 +5552,7 @@
             <a:normAutofit/>
           </a:bodyPr>
           <a:p>
-            <a:endParaRPr b="0" lang="de-DE" sz="2800" spc="-1" strike="noStrike">
-              <a:solidFill>
-                <a:srgbClr val="000000"/>
-              </a:solidFill>
+            <a:endParaRPr b="0" lang="de-DE" sz="3200" spc="-1" strike="noStrike">
               <a:latin typeface="Arial"/>
             </a:endParaRPr>
           </a:p>
@@ -5958,10 +5602,8 @@
         <p:txBody>
           <a:bodyPr lIns="0" rIns="0" tIns="0" bIns="0" anchor="ctr"/>
           <a:p>
-            <a:endParaRPr b="0" lang="de-DE" sz="1800" spc="-1" strike="noStrike">
-              <a:solidFill>
-                <a:srgbClr val="000000"/>
-              </a:solidFill>
+            <a:pPr algn="ctr"/>
+            <a:endParaRPr b="0" lang="de-DE" sz="4400" spc="-1" strike="noStrike">
               <a:latin typeface="Arial"/>
             </a:endParaRPr>
           </a:p>
@@ -5991,10 +5633,7 @@
             <a:normAutofit/>
           </a:bodyPr>
           <a:p>
-            <a:endParaRPr b="0" lang="de-DE" sz="2800" spc="-1" strike="noStrike">
-              <a:solidFill>
-                <a:srgbClr val="000000"/>
-              </a:solidFill>
+            <a:endParaRPr b="0" lang="de-DE" sz="3200" spc="-1" strike="noStrike">
               <a:latin typeface="Arial"/>
             </a:endParaRPr>
           </a:p>
@@ -6024,10 +5663,7 @@
             <a:normAutofit/>
           </a:bodyPr>
           <a:p>
-            <a:endParaRPr b="0" lang="de-DE" sz="2800" spc="-1" strike="noStrike">
-              <a:solidFill>
-                <a:srgbClr val="000000"/>
-              </a:solidFill>
+            <a:endParaRPr b="0" lang="de-DE" sz="3200" spc="-1" strike="noStrike">
               <a:latin typeface="Arial"/>
             </a:endParaRPr>
           </a:p>
@@ -6057,10 +5693,7 @@
             <a:normAutofit/>
           </a:bodyPr>
           <a:p>
-            <a:endParaRPr b="0" lang="de-DE" sz="2800" spc="-1" strike="noStrike">
-              <a:solidFill>
-                <a:srgbClr val="000000"/>
-              </a:solidFill>
+            <a:endParaRPr b="0" lang="de-DE" sz="3200" spc="-1" strike="noStrike">
               <a:latin typeface="Arial"/>
             </a:endParaRPr>
           </a:p>
@@ -6108,7 +5741,7 @@
         <p:spPr>
           <a:xfrm>
             <a:off x="609480" y="273600"/>
-            <a:ext cx="10972080" cy="1144440"/>
+            <a:ext cx="10972440" cy="1144800"/>
           </a:xfrm>
           <a:prstGeom prst="rect">
             <a:avLst/>
@@ -6117,19 +5750,14 @@
         <p:txBody>
           <a:bodyPr lIns="0" rIns="0" tIns="0" bIns="0" anchor="ctr"/>
           <a:p>
+            <a:pPr algn="ctr"/>
             <a:r>
               <a:rPr b="0" lang="de-DE" sz="4400" spc="-1" strike="noStrike">
-                <a:solidFill>
-                  <a:srgbClr val="000000"/>
-                </a:solidFill>
                 <a:latin typeface="Arial"/>
               </a:rPr>
               <a:t>Format des Titeltextes durch Klicken bearbeiten</a:t>
             </a:r>
             <a:endParaRPr b="0" lang="de-DE" sz="4400" spc="-1" strike="noStrike">
-              <a:solidFill>
-                <a:srgbClr val="000000"/>
-              </a:solidFill>
               <a:latin typeface="Arial"/>
             </a:endParaRPr>
           </a:p>
@@ -6148,7 +5776,7 @@
         <p:spPr>
           <a:xfrm>
             <a:off x="609480" y="1604520"/>
-            <a:ext cx="10972080" cy="3976920"/>
+            <a:ext cx="10972440" cy="3977280"/>
           </a:xfrm>
           <a:prstGeom prst="rect">
             <a:avLst/>
@@ -6171,18 +5799,12 @@
               <a:buChar char=""/>
             </a:pPr>
             <a:r>
-              <a:rPr b="0" lang="de-DE" sz="2800" spc="-1" strike="noStrike">
-                <a:solidFill>
-                  <a:srgbClr val="000000"/>
-                </a:solidFill>
+              <a:rPr b="0" lang="de-DE" sz="3200" spc="-1" strike="noStrike">
                 <a:latin typeface="Arial"/>
               </a:rPr>
               <a:t>Format des Gliederungstextes durch Klicken bearbeiten</a:t>
             </a:r>
-            <a:endParaRPr b="0" lang="de-DE" sz="2800" spc="-1" strike="noStrike">
-              <a:solidFill>
-                <a:srgbClr val="000000"/>
-              </a:solidFill>
+            <a:endParaRPr b="0" lang="de-DE" sz="3200" spc="-1" strike="noStrike">
               <a:latin typeface="Arial"/>
             </a:endParaRPr>
           </a:p>
@@ -6200,17 +5822,11 @@
             </a:pPr>
             <a:r>
               <a:rPr b="0" lang="de-DE" sz="2800" spc="-1" strike="noStrike">
-                <a:solidFill>
-                  <a:srgbClr val="000000"/>
-                </a:solidFill>
                 <a:latin typeface="Arial"/>
               </a:rPr>
               <a:t>Zweite Gliederungsebene</a:t>
             </a:r>
             <a:endParaRPr b="0" lang="de-DE" sz="2800" spc="-1" strike="noStrike">
-              <a:solidFill>
-                <a:srgbClr val="000000"/>
-              </a:solidFill>
               <a:latin typeface="Arial"/>
             </a:endParaRPr>
           </a:p>
@@ -6227,18 +5843,12 @@
               <a:buChar char=""/>
             </a:pPr>
             <a:r>
-              <a:rPr b="0" lang="de-DE" sz="2800" spc="-1" strike="noStrike">
-                <a:solidFill>
-                  <a:srgbClr val="000000"/>
-                </a:solidFill>
+              <a:rPr b="0" lang="de-DE" sz="2400" spc="-1" strike="noStrike">
                 <a:latin typeface="Arial"/>
               </a:rPr>
               <a:t>Dritte Gliederungsebene</a:t>
             </a:r>
-            <a:endParaRPr b="0" lang="de-DE" sz="2800" spc="-1" strike="noStrike">
-              <a:solidFill>
-                <a:srgbClr val="000000"/>
-              </a:solidFill>
+            <a:endParaRPr b="0" lang="de-DE" sz="2400" spc="-1" strike="noStrike">
               <a:latin typeface="Arial"/>
             </a:endParaRPr>
           </a:p>
@@ -6255,18 +5865,12 @@
               <a:buChar char=""/>
             </a:pPr>
             <a:r>
-              <a:rPr b="0" lang="de-DE" sz="2800" spc="-1" strike="noStrike">
-                <a:solidFill>
-                  <a:srgbClr val="000000"/>
-                </a:solidFill>
+              <a:rPr b="0" lang="de-DE" sz="2000" spc="-1" strike="noStrike">
                 <a:latin typeface="Arial"/>
               </a:rPr>
               <a:t>Vierte Gliederungsebene</a:t>
             </a:r>
-            <a:endParaRPr b="0" lang="de-DE" sz="2800" spc="-1" strike="noStrike">
-              <a:solidFill>
-                <a:srgbClr val="000000"/>
-              </a:solidFill>
+            <a:endParaRPr b="0" lang="de-DE" sz="2000" spc="-1" strike="noStrike">
               <a:latin typeface="Arial"/>
             </a:endParaRPr>
           </a:p>
@@ -6283,18 +5887,12 @@
               <a:buChar char=""/>
             </a:pPr>
             <a:r>
-              <a:rPr b="0" lang="de-DE" sz="2800" spc="-1" strike="noStrike">
-                <a:solidFill>
-                  <a:srgbClr val="000000"/>
-                </a:solidFill>
+              <a:rPr b="0" lang="de-DE" sz="2000" spc="-1" strike="noStrike">
                 <a:latin typeface="Arial"/>
               </a:rPr>
               <a:t>Fünfte Gliederungsebene</a:t>
             </a:r>
-            <a:endParaRPr b="0" lang="de-DE" sz="2800" spc="-1" strike="noStrike">
-              <a:solidFill>
-                <a:srgbClr val="000000"/>
-              </a:solidFill>
+            <a:endParaRPr b="0" lang="de-DE" sz="2000" spc="-1" strike="noStrike">
               <a:latin typeface="Arial"/>
             </a:endParaRPr>
           </a:p>
@@ -6311,18 +5909,12 @@
               <a:buChar char=""/>
             </a:pPr>
             <a:r>
-              <a:rPr b="0" lang="de-DE" sz="2800" spc="-1" strike="noStrike">
-                <a:solidFill>
-                  <a:srgbClr val="000000"/>
-                </a:solidFill>
+              <a:rPr b="0" lang="de-DE" sz="2000" spc="-1" strike="noStrike">
                 <a:latin typeface="Arial"/>
               </a:rPr>
               <a:t>Sechste Gliederungsebene</a:t>
             </a:r>
-            <a:endParaRPr b="0" lang="de-DE" sz="2800" spc="-1" strike="noStrike">
-              <a:solidFill>
-                <a:srgbClr val="000000"/>
-              </a:solidFill>
+            <a:endParaRPr b="0" lang="de-DE" sz="2000" spc="-1" strike="noStrike">
               <a:latin typeface="Arial"/>
             </a:endParaRPr>
           </a:p>
@@ -6339,18 +5931,12 @@
               <a:buChar char=""/>
             </a:pPr>
             <a:r>
-              <a:rPr b="0" lang="de-DE" sz="2800" spc="-1" strike="noStrike">
-                <a:solidFill>
-                  <a:srgbClr val="000000"/>
-                </a:solidFill>
+              <a:rPr b="0" lang="de-DE" sz="2000" spc="-1" strike="noStrike">
                 <a:latin typeface="Arial"/>
               </a:rPr>
               <a:t>Siebte Gliederungsebene</a:t>
             </a:r>
-            <a:endParaRPr b="0" lang="de-DE" sz="2800" spc="-1" strike="noStrike">
-              <a:solidFill>
-                <a:srgbClr val="000000"/>
-              </a:solidFill>
+            <a:endParaRPr b="0" lang="de-DE" sz="2000" spc="-1" strike="noStrike">
               <a:latin typeface="Arial"/>
             </a:endParaRPr>
           </a:p>
@@ -6422,19 +6008,14 @@
         <p:txBody>
           <a:bodyPr lIns="0" rIns="0" tIns="0" bIns="0" anchor="ctr"/>
           <a:p>
+            <a:pPr algn="ctr"/>
             <a:r>
-              <a:rPr b="0" lang="de-DE" sz="1800" spc="-1" strike="noStrike">
-                <a:solidFill>
-                  <a:srgbClr val="000000"/>
-                </a:solidFill>
+              <a:rPr b="0" lang="de-DE" sz="4400" spc="-1" strike="noStrike">
                 <a:latin typeface="Arial"/>
               </a:rPr>
               <a:t>Format des Titeltextes durch Klicken bearbeiten</a:t>
             </a:r>
-            <a:endParaRPr b="0" lang="de-DE" sz="1800" spc="-1" strike="noStrike">
-              <a:solidFill>
-                <a:srgbClr val="000000"/>
-              </a:solidFill>
+            <a:endParaRPr b="0" lang="de-DE" sz="4400" spc="-1" strike="noStrike">
               <a:latin typeface="Arial"/>
             </a:endParaRPr>
           </a:p>
@@ -6476,18 +6057,12 @@
               <a:buChar char=""/>
             </a:pPr>
             <a:r>
-              <a:rPr b="0" lang="de-DE" sz="2800" spc="-1" strike="noStrike">
-                <a:solidFill>
-                  <a:srgbClr val="000000"/>
-                </a:solidFill>
+              <a:rPr b="0" lang="de-DE" sz="3200" spc="-1" strike="noStrike">
                 <a:latin typeface="Arial"/>
               </a:rPr>
               <a:t>Format des Gliederungstextes durch Klicken bearbeiten</a:t>
             </a:r>
-            <a:endParaRPr b="0" lang="de-DE" sz="2800" spc="-1" strike="noStrike">
-              <a:solidFill>
-                <a:srgbClr val="000000"/>
-              </a:solidFill>
+            <a:endParaRPr b="0" lang="de-DE" sz="3200" spc="-1" strike="noStrike">
               <a:latin typeface="Arial"/>
             </a:endParaRPr>
           </a:p>
@@ -6504,18 +6079,12 @@
               <a:buChar char=""/>
             </a:pPr>
             <a:r>
-              <a:rPr b="0" lang="de-DE" sz="2000" spc="-1" strike="noStrike">
-                <a:solidFill>
-                  <a:srgbClr val="000000"/>
-                </a:solidFill>
+              <a:rPr b="0" lang="de-DE" sz="2800" spc="-1" strike="noStrike">
                 <a:latin typeface="Arial"/>
               </a:rPr>
               <a:t>Zweite Gliederungsebene</a:t>
             </a:r>
-            <a:endParaRPr b="0" lang="de-DE" sz="2000" spc="-1" strike="noStrike">
-              <a:solidFill>
-                <a:srgbClr val="000000"/>
-              </a:solidFill>
+            <a:endParaRPr b="0" lang="de-DE" sz="2800" spc="-1" strike="noStrike">
               <a:latin typeface="Arial"/>
             </a:endParaRPr>
           </a:p>
@@ -6532,18 +6101,12 @@
               <a:buChar char=""/>
             </a:pPr>
             <a:r>
-              <a:rPr b="0" lang="de-DE" sz="1800" spc="-1" strike="noStrike">
-                <a:solidFill>
-                  <a:srgbClr val="000000"/>
-                </a:solidFill>
+              <a:rPr b="0" lang="de-DE" sz="2400" spc="-1" strike="noStrike">
                 <a:latin typeface="Arial"/>
               </a:rPr>
               <a:t>Dritte Gliederungsebene</a:t>
             </a:r>
-            <a:endParaRPr b="0" lang="de-DE" sz="1800" spc="-1" strike="noStrike">
-              <a:solidFill>
-                <a:srgbClr val="000000"/>
-              </a:solidFill>
+            <a:endParaRPr b="0" lang="de-DE" sz="2400" spc="-1" strike="noStrike">
               <a:latin typeface="Arial"/>
             </a:endParaRPr>
           </a:p>
@@ -6560,18 +6123,12 @@
               <a:buChar char=""/>
             </a:pPr>
             <a:r>
-              <a:rPr b="0" lang="de-DE" sz="1800" spc="-1" strike="noStrike">
-                <a:solidFill>
-                  <a:srgbClr val="000000"/>
-                </a:solidFill>
+              <a:rPr b="0" lang="de-DE" sz="2000" spc="-1" strike="noStrike">
                 <a:latin typeface="Arial"/>
               </a:rPr>
               <a:t>Vierte Gliederungsebene</a:t>
             </a:r>
-            <a:endParaRPr b="0" lang="de-DE" sz="1800" spc="-1" strike="noStrike">
-              <a:solidFill>
-                <a:srgbClr val="000000"/>
-              </a:solidFill>
+            <a:endParaRPr b="0" lang="de-DE" sz="2000" spc="-1" strike="noStrike">
               <a:latin typeface="Arial"/>
             </a:endParaRPr>
           </a:p>
@@ -6589,17 +6146,11 @@
             </a:pPr>
             <a:r>
               <a:rPr b="0" lang="de-DE" sz="2000" spc="-1" strike="noStrike">
-                <a:solidFill>
-                  <a:srgbClr val="000000"/>
-                </a:solidFill>
                 <a:latin typeface="Arial"/>
               </a:rPr>
               <a:t>Fünfte Gliederungsebene</a:t>
             </a:r>
             <a:endParaRPr b="0" lang="de-DE" sz="2000" spc="-1" strike="noStrike">
-              <a:solidFill>
-                <a:srgbClr val="000000"/>
-              </a:solidFill>
               <a:latin typeface="Arial"/>
             </a:endParaRPr>
           </a:p>
@@ -6617,17 +6168,11 @@
             </a:pPr>
             <a:r>
               <a:rPr b="0" lang="de-DE" sz="2000" spc="-1" strike="noStrike">
-                <a:solidFill>
-                  <a:srgbClr val="000000"/>
-                </a:solidFill>
                 <a:latin typeface="Arial"/>
               </a:rPr>
               <a:t>Sechste Gliederungsebene</a:t>
             </a:r>
             <a:endParaRPr b="0" lang="de-DE" sz="2000" spc="-1" strike="noStrike">
-              <a:solidFill>
-                <a:srgbClr val="000000"/>
-              </a:solidFill>
               <a:latin typeface="Arial"/>
             </a:endParaRPr>
           </a:p>
@@ -6645,17 +6190,11 @@
             </a:pPr>
             <a:r>
               <a:rPr b="0" lang="de-DE" sz="2000" spc="-1" strike="noStrike">
-                <a:solidFill>
-                  <a:srgbClr val="000000"/>
-                </a:solidFill>
                 <a:latin typeface="Arial"/>
               </a:rPr>
               <a:t>Siebte Gliederungsebene</a:t>
             </a:r>
             <a:endParaRPr b="0" lang="de-DE" sz="2000" spc="-1" strike="noStrike">
-              <a:solidFill>
-                <a:srgbClr val="000000"/>
-              </a:solidFill>
               <a:latin typeface="Arial"/>
             </a:endParaRPr>
           </a:p>
@@ -6727,19 +6266,14 @@
         <p:txBody>
           <a:bodyPr lIns="0" rIns="0" tIns="0" bIns="0" anchor="ctr"/>
           <a:p>
+            <a:pPr algn="ctr"/>
             <a:r>
-              <a:rPr b="0" lang="de-DE" sz="1800" spc="-1" strike="noStrike">
-                <a:solidFill>
-                  <a:srgbClr val="000000"/>
-                </a:solidFill>
+              <a:rPr b="0" lang="de-DE" sz="4400" spc="-1" strike="noStrike">
                 <a:latin typeface="Arial"/>
               </a:rPr>
               <a:t>Format des Titeltextes durch Klicken bearbeiten</a:t>
             </a:r>
-            <a:endParaRPr b="0" lang="de-DE" sz="1800" spc="-1" strike="noStrike">
-              <a:solidFill>
-                <a:srgbClr val="000000"/>
-              </a:solidFill>
+            <a:endParaRPr b="0" lang="de-DE" sz="4400" spc="-1" strike="noStrike">
               <a:latin typeface="Arial"/>
             </a:endParaRPr>
           </a:p>
@@ -6781,18 +6315,12 @@
               <a:buChar char=""/>
             </a:pPr>
             <a:r>
-              <a:rPr b="0" lang="de-DE" sz="2800" spc="-1" strike="noStrike">
-                <a:solidFill>
-                  <a:srgbClr val="000000"/>
-                </a:solidFill>
+              <a:rPr b="0" lang="de-DE" sz="3200" spc="-1" strike="noStrike">
                 <a:latin typeface="Arial"/>
               </a:rPr>
               <a:t>Format des Gliederungstextes durch Klicken bearbeiten</a:t>
             </a:r>
-            <a:endParaRPr b="0" lang="de-DE" sz="2800" spc="-1" strike="noStrike">
-              <a:solidFill>
-                <a:srgbClr val="000000"/>
-              </a:solidFill>
+            <a:endParaRPr b="0" lang="de-DE" sz="3200" spc="-1" strike="noStrike">
               <a:latin typeface="Arial"/>
             </a:endParaRPr>
           </a:p>
@@ -6809,18 +6337,12 @@
               <a:buChar char=""/>
             </a:pPr>
             <a:r>
-              <a:rPr b="0" lang="de-DE" sz="2000" spc="-1" strike="noStrike">
-                <a:solidFill>
-                  <a:srgbClr val="000000"/>
-                </a:solidFill>
+              <a:rPr b="0" lang="de-DE" sz="2800" spc="-1" strike="noStrike">
                 <a:latin typeface="Arial"/>
               </a:rPr>
               <a:t>Zweite Gliederungsebene</a:t>
             </a:r>
-            <a:endParaRPr b="0" lang="de-DE" sz="2000" spc="-1" strike="noStrike">
-              <a:solidFill>
-                <a:srgbClr val="000000"/>
-              </a:solidFill>
+            <a:endParaRPr b="0" lang="de-DE" sz="2800" spc="-1" strike="noStrike">
               <a:latin typeface="Arial"/>
             </a:endParaRPr>
           </a:p>
@@ -6837,18 +6359,12 @@
               <a:buChar char=""/>
             </a:pPr>
             <a:r>
-              <a:rPr b="0" lang="de-DE" sz="1800" spc="-1" strike="noStrike">
-                <a:solidFill>
-                  <a:srgbClr val="000000"/>
-                </a:solidFill>
+              <a:rPr b="0" lang="de-DE" sz="2400" spc="-1" strike="noStrike">
                 <a:latin typeface="Arial"/>
               </a:rPr>
               <a:t>Dritte Gliederungsebene</a:t>
             </a:r>
-            <a:endParaRPr b="0" lang="de-DE" sz="1800" spc="-1" strike="noStrike">
-              <a:solidFill>
-                <a:srgbClr val="000000"/>
-              </a:solidFill>
+            <a:endParaRPr b="0" lang="de-DE" sz="2400" spc="-1" strike="noStrike">
               <a:latin typeface="Arial"/>
             </a:endParaRPr>
           </a:p>
@@ -6865,18 +6381,12 @@
               <a:buChar char=""/>
             </a:pPr>
             <a:r>
-              <a:rPr b="0" lang="de-DE" sz="1800" spc="-1" strike="noStrike">
-                <a:solidFill>
-                  <a:srgbClr val="000000"/>
-                </a:solidFill>
+              <a:rPr b="0" lang="de-DE" sz="2000" spc="-1" strike="noStrike">
                 <a:latin typeface="Arial"/>
               </a:rPr>
               <a:t>Vierte Gliederungsebene</a:t>
             </a:r>
-            <a:endParaRPr b="0" lang="de-DE" sz="1800" spc="-1" strike="noStrike">
-              <a:solidFill>
-                <a:srgbClr val="000000"/>
-              </a:solidFill>
+            <a:endParaRPr b="0" lang="de-DE" sz="2000" spc="-1" strike="noStrike">
               <a:latin typeface="Arial"/>
             </a:endParaRPr>
           </a:p>
@@ -6894,17 +6404,11 @@
             </a:pPr>
             <a:r>
               <a:rPr b="0" lang="de-DE" sz="2000" spc="-1" strike="noStrike">
-                <a:solidFill>
-                  <a:srgbClr val="000000"/>
-                </a:solidFill>
                 <a:latin typeface="Arial"/>
               </a:rPr>
               <a:t>Fünfte Gliederungsebene</a:t>
             </a:r>
             <a:endParaRPr b="0" lang="de-DE" sz="2000" spc="-1" strike="noStrike">
-              <a:solidFill>
-                <a:srgbClr val="000000"/>
-              </a:solidFill>
               <a:latin typeface="Arial"/>
             </a:endParaRPr>
           </a:p>
@@ -6922,17 +6426,11 @@
             </a:pPr>
             <a:r>
               <a:rPr b="0" lang="de-DE" sz="2000" spc="-1" strike="noStrike">
-                <a:solidFill>
-                  <a:srgbClr val="000000"/>
-                </a:solidFill>
                 <a:latin typeface="Arial"/>
               </a:rPr>
               <a:t>Sechste Gliederungsebene</a:t>
             </a:r>
             <a:endParaRPr b="0" lang="de-DE" sz="2000" spc="-1" strike="noStrike">
-              <a:solidFill>
-                <a:srgbClr val="000000"/>
-              </a:solidFill>
               <a:latin typeface="Arial"/>
             </a:endParaRPr>
           </a:p>
@@ -6950,17 +6448,11 @@
             </a:pPr>
             <a:r>
               <a:rPr b="0" lang="de-DE" sz="2000" spc="-1" strike="noStrike">
-                <a:solidFill>
-                  <a:srgbClr val="000000"/>
-                </a:solidFill>
                 <a:latin typeface="Arial"/>
               </a:rPr>
               <a:t>Siebte Gliederungsebene</a:t>
             </a:r>
             <a:endParaRPr b="0" lang="de-DE" sz="2000" spc="-1" strike="noStrike">
-              <a:solidFill>
-                <a:srgbClr val="000000"/>
-              </a:solidFill>
               <a:latin typeface="Arial"/>
             </a:endParaRPr>
           </a:p>
@@ -7032,19 +6524,14 @@
         <p:txBody>
           <a:bodyPr lIns="0" rIns="0" tIns="0" bIns="0" anchor="ctr"/>
           <a:p>
+            <a:pPr algn="ctr"/>
             <a:r>
-              <a:rPr b="0" lang="de-DE" sz="1800" spc="-1" strike="noStrike">
-                <a:solidFill>
-                  <a:srgbClr val="000000"/>
-                </a:solidFill>
+              <a:rPr b="0" lang="de-DE" sz="4400" spc="-1" strike="noStrike">
                 <a:latin typeface="Arial"/>
               </a:rPr>
               <a:t>Format des Titeltextes durch Klicken bearbeiten</a:t>
             </a:r>
-            <a:endParaRPr b="0" lang="de-DE" sz="1800" spc="-1" strike="noStrike">
-              <a:solidFill>
-                <a:srgbClr val="000000"/>
-              </a:solidFill>
+            <a:endParaRPr b="0" lang="de-DE" sz="4400" spc="-1" strike="noStrike">
               <a:latin typeface="Arial"/>
             </a:endParaRPr>
           </a:p>
@@ -7086,18 +6573,12 @@
               <a:buChar char=""/>
             </a:pPr>
             <a:r>
-              <a:rPr b="0" lang="de-DE" sz="2800" spc="-1" strike="noStrike">
-                <a:solidFill>
-                  <a:srgbClr val="000000"/>
-                </a:solidFill>
+              <a:rPr b="0" lang="de-DE" sz="3200" spc="-1" strike="noStrike">
                 <a:latin typeface="Arial"/>
               </a:rPr>
               <a:t>Format des Gliederungstextes durch Klicken bearbeiten</a:t>
             </a:r>
-            <a:endParaRPr b="0" lang="de-DE" sz="2800" spc="-1" strike="noStrike">
-              <a:solidFill>
-                <a:srgbClr val="000000"/>
-              </a:solidFill>
+            <a:endParaRPr b="0" lang="de-DE" sz="3200" spc="-1" strike="noStrike">
               <a:latin typeface="Arial"/>
             </a:endParaRPr>
           </a:p>
@@ -7114,18 +6595,12 @@
               <a:buChar char=""/>
             </a:pPr>
             <a:r>
-              <a:rPr b="0" lang="de-DE" sz="2000" spc="-1" strike="noStrike">
-                <a:solidFill>
-                  <a:srgbClr val="000000"/>
-                </a:solidFill>
+              <a:rPr b="0" lang="de-DE" sz="2800" spc="-1" strike="noStrike">
                 <a:latin typeface="Arial"/>
               </a:rPr>
               <a:t>Zweite Gliederungsebene</a:t>
             </a:r>
-            <a:endParaRPr b="0" lang="de-DE" sz="2000" spc="-1" strike="noStrike">
-              <a:solidFill>
-                <a:srgbClr val="000000"/>
-              </a:solidFill>
+            <a:endParaRPr b="0" lang="de-DE" sz="2800" spc="-1" strike="noStrike">
               <a:latin typeface="Arial"/>
             </a:endParaRPr>
           </a:p>
@@ -7142,18 +6617,12 @@
               <a:buChar char=""/>
             </a:pPr>
             <a:r>
-              <a:rPr b="0" lang="de-DE" sz="1800" spc="-1" strike="noStrike">
-                <a:solidFill>
-                  <a:srgbClr val="000000"/>
-                </a:solidFill>
+              <a:rPr b="0" lang="de-DE" sz="2400" spc="-1" strike="noStrike">
                 <a:latin typeface="Arial"/>
               </a:rPr>
               <a:t>Dritte Gliederungsebene</a:t>
             </a:r>
-            <a:endParaRPr b="0" lang="de-DE" sz="1800" spc="-1" strike="noStrike">
-              <a:solidFill>
-                <a:srgbClr val="000000"/>
-              </a:solidFill>
+            <a:endParaRPr b="0" lang="de-DE" sz="2400" spc="-1" strike="noStrike">
               <a:latin typeface="Arial"/>
             </a:endParaRPr>
           </a:p>
@@ -7170,18 +6639,12 @@
               <a:buChar char=""/>
             </a:pPr>
             <a:r>
-              <a:rPr b="0" lang="de-DE" sz="1800" spc="-1" strike="noStrike">
-                <a:solidFill>
-                  <a:srgbClr val="000000"/>
-                </a:solidFill>
+              <a:rPr b="0" lang="de-DE" sz="2000" spc="-1" strike="noStrike">
                 <a:latin typeface="Arial"/>
               </a:rPr>
               <a:t>Vierte Gliederungsebene</a:t>
             </a:r>
-            <a:endParaRPr b="0" lang="de-DE" sz="1800" spc="-1" strike="noStrike">
-              <a:solidFill>
-                <a:srgbClr val="000000"/>
-              </a:solidFill>
+            <a:endParaRPr b="0" lang="de-DE" sz="2000" spc="-1" strike="noStrike">
               <a:latin typeface="Arial"/>
             </a:endParaRPr>
           </a:p>
@@ -7199,17 +6662,11 @@
             </a:pPr>
             <a:r>
               <a:rPr b="0" lang="de-DE" sz="2000" spc="-1" strike="noStrike">
-                <a:solidFill>
-                  <a:srgbClr val="000000"/>
-                </a:solidFill>
                 <a:latin typeface="Arial"/>
               </a:rPr>
               <a:t>Fünfte Gliederungsebene</a:t>
             </a:r>
             <a:endParaRPr b="0" lang="de-DE" sz="2000" spc="-1" strike="noStrike">
-              <a:solidFill>
-                <a:srgbClr val="000000"/>
-              </a:solidFill>
               <a:latin typeface="Arial"/>
             </a:endParaRPr>
           </a:p>
@@ -7227,17 +6684,11 @@
             </a:pPr>
             <a:r>
               <a:rPr b="0" lang="de-DE" sz="2000" spc="-1" strike="noStrike">
-                <a:solidFill>
-                  <a:srgbClr val="000000"/>
-                </a:solidFill>
                 <a:latin typeface="Arial"/>
               </a:rPr>
               <a:t>Sechste Gliederungsebene</a:t>
             </a:r>
             <a:endParaRPr b="0" lang="de-DE" sz="2000" spc="-1" strike="noStrike">
-              <a:solidFill>
-                <a:srgbClr val="000000"/>
-              </a:solidFill>
               <a:latin typeface="Arial"/>
             </a:endParaRPr>
           </a:p>
@@ -7255,17 +6706,11 @@
             </a:pPr>
             <a:r>
               <a:rPr b="0" lang="de-DE" sz="2000" spc="-1" strike="noStrike">
-                <a:solidFill>
-                  <a:srgbClr val="000000"/>
-                </a:solidFill>
                 <a:latin typeface="Arial"/>
               </a:rPr>
               <a:t>Siebte Gliederungsebene</a:t>
             </a:r>
             <a:endParaRPr b="0" lang="de-DE" sz="2000" spc="-1" strike="noStrike">
-              <a:solidFill>
-                <a:srgbClr val="000000"/>
-              </a:solidFill>
               <a:latin typeface="Arial"/>
             </a:endParaRPr>
           </a:p>
@@ -7324,7 +6769,7 @@
         <p:spPr>
           <a:xfrm>
             <a:off x="0" y="0"/>
-            <a:ext cx="5467320" cy="6856920"/>
+            <a:ext cx="5466960" cy="6856560"/>
           </a:xfrm>
           <a:prstGeom prst="rect">
             <a:avLst/>
@@ -7360,7 +6805,7 @@
         <p:spPr>
           <a:xfrm>
             <a:off x="634320" y="803880"/>
-            <a:ext cx="4207680" cy="3033720"/>
+            <a:ext cx="4207320" cy="3033360"/>
           </a:xfrm>
           <a:prstGeom prst="rect">
             <a:avLst/>
@@ -7411,7 +6856,7 @@
         <p:spPr>
           <a:xfrm>
             <a:off x="639000" y="4013280"/>
-            <a:ext cx="4203000" cy="2204640"/>
+            <a:ext cx="4202640" cy="2204280"/>
           </a:xfrm>
           <a:prstGeom prst="rect">
             <a:avLst/>
@@ -7539,7 +6984,7 @@
         <p:spPr>
           <a:xfrm>
             <a:off x="6233400" y="640080"/>
-            <a:ext cx="5183640" cy="5577840"/>
+            <a:ext cx="5183280" cy="5577480"/>
           </a:xfrm>
           <a:prstGeom prst="rect">
             <a:avLst/>
@@ -7558,7 +7003,7 @@
         <p:spPr>
           <a:xfrm>
             <a:off x="8610480" y="6356520"/>
-            <a:ext cx="2742120" cy="363960"/>
+            <a:ext cx="2741760" cy="363600"/>
           </a:xfrm>
           <a:prstGeom prst="rect">
             <a:avLst/>
@@ -7582,7 +7027,7 @@
                 <a:spcPct val="100000"/>
               </a:lnSpc>
             </a:pPr>
-            <a:fld id="{CA2452CF-10CF-449A-8069-10175964741A}" type="slidenum">
+            <a:fld id="{80D6D20C-7949-483A-B475-C1298E2D391A}" type="slidenum">
               <a:rPr b="0" lang="de-DE" sz="1200" spc="-1" strike="noStrike">
                 <a:solidFill>
                   <a:srgbClr val="8b8b8b"/>
@@ -7590,7 +7035,7 @@
                 <a:latin typeface="Calibri"/>
                 <a:ea typeface="DejaVu Sans"/>
               </a:rPr>
-              <a:t>&lt;Foliennummer&gt;</a:t>
+              <a:t>1</a:t>
             </a:fld>
             <a:endParaRPr b="0" lang="de-DE" sz="1200" spc="-1" strike="noStrike">
               <a:latin typeface="Arial"/>
@@ -7607,7 +7052,7 @@
         <p:spPr>
           <a:xfrm>
             <a:off x="6233400" y="5825880"/>
-            <a:ext cx="4610880" cy="272160"/>
+            <a:ext cx="4610520" cy="271800"/>
           </a:xfrm>
           <a:prstGeom prst="rect">
             <a:avLst/>
@@ -8569,7 +8014,7 @@
         <p:spPr>
           <a:xfrm>
             <a:off x="745200" y="237240"/>
-            <a:ext cx="10514520" cy="4524480"/>
+            <a:ext cx="10514160" cy="4524120"/>
           </a:xfrm>
           <a:prstGeom prst="rect">
             <a:avLst/>
@@ -8588,7 +8033,7 @@
         <p:txBody>
           <a:bodyPr lIns="90000" rIns="90000" tIns="45000" bIns="45000"/>
           <a:p>
-            <a:pPr marL="228600" indent="-227520">
+            <a:pPr marL="228600" indent="-227160">
               <a:lnSpc>
                 <a:spcPct val="90000"/>
               </a:lnSpc>
@@ -8681,7 +8126,7 @@
             </a:endParaRPr>
           </a:p>
           <a:p>
-            <a:pPr marL="228600" indent="-227520">
+            <a:pPr marL="228600" indent="-227160">
               <a:lnSpc>
                 <a:spcPct val="90000"/>
               </a:lnSpc>
@@ -8760,7 +8205,7 @@
         <p:spPr>
           <a:xfrm>
             <a:off x="2194200" y="3583080"/>
-            <a:ext cx="7337880" cy="3233520"/>
+            <a:ext cx="7337520" cy="3233160"/>
           </a:xfrm>
           <a:prstGeom prst="rect">
             <a:avLst/>
@@ -8779,7 +8224,7 @@
         <p:spPr>
           <a:xfrm>
             <a:off x="8610480" y="6356520"/>
-            <a:ext cx="2742120" cy="363960"/>
+            <a:ext cx="2741760" cy="363600"/>
           </a:xfrm>
           <a:prstGeom prst="rect">
             <a:avLst/>
@@ -8803,7 +8248,7 @@
                 <a:spcPct val="100000"/>
               </a:lnSpc>
             </a:pPr>
-            <a:fld id="{BE1A48B0-C294-4278-8043-016CC161D699}" type="slidenum">
+            <a:fld id="{14A22603-9FDA-4A13-91E3-F37B352CBE46}" type="slidenum">
               <a:rPr b="0" lang="de-DE" sz="1200" spc="-1" strike="noStrike">
                 <a:solidFill>
                   <a:srgbClr val="8b8b8b"/>
@@ -8811,7 +8256,7 @@
                 <a:latin typeface="Calibri"/>
                 <a:ea typeface="DejaVu Sans"/>
               </a:rPr>
-              <a:t>&lt;Foliennummer&gt;</a:t>
+              <a:t>1</a:t>
             </a:fld>
             <a:endParaRPr b="0" lang="de-DE" sz="1200" spc="-1" strike="noStrike">
               <a:latin typeface="Arial"/>
@@ -9099,7 +8544,7 @@
         <p:spPr>
           <a:xfrm>
             <a:off x="0" y="284400"/>
-            <a:ext cx="12191040" cy="1324440"/>
+            <a:ext cx="12190680" cy="1324080"/>
           </a:xfrm>
           <a:prstGeom prst="rect">
             <a:avLst/>
@@ -9196,7 +8641,7 @@
         <p:spPr>
           <a:xfrm>
             <a:off x="950400" y="3893400"/>
-            <a:ext cx="202320" cy="205200"/>
+            <a:ext cx="201960" cy="204840"/>
           </a:xfrm>
           <a:prstGeom prst="ellipse">
             <a:avLst/>
@@ -9234,7 +8679,7 @@
         <p:spPr>
           <a:xfrm>
             <a:off x="827280" y="3764520"/>
-            <a:ext cx="448920" cy="450000"/>
+            <a:ext cx="448560" cy="449640"/>
           </a:xfrm>
           <a:prstGeom prst="donut">
             <a:avLst>
@@ -9280,7 +8725,7 @@
         <p:spPr>
           <a:xfrm>
             <a:off x="766800" y="3703680"/>
-            <a:ext cx="569520" cy="572040"/>
+            <a:ext cx="569160" cy="571680"/>
           </a:xfrm>
           <a:prstGeom prst="donut">
             <a:avLst>
@@ -9362,7 +8807,7 @@
         <p:spPr>
           <a:xfrm>
             <a:off x="965880" y="5137920"/>
-            <a:ext cx="171720" cy="151560"/>
+            <a:ext cx="171360" cy="151200"/>
           </a:xfrm>
           <a:prstGeom prst="ellipse">
             <a:avLst/>
@@ -9400,7 +8845,7 @@
         <p:spPr>
           <a:xfrm>
             <a:off x="575280" y="3324600"/>
-            <a:ext cx="1522800" cy="394560"/>
+            <a:ext cx="1522440" cy="394200"/>
           </a:xfrm>
           <a:prstGeom prst="rect">
             <a:avLst/>
@@ -9485,7 +8930,7 @@
         <p:spPr>
           <a:xfrm>
             <a:off x="2439360" y="3886920"/>
-            <a:ext cx="202320" cy="205200"/>
+            <a:ext cx="201960" cy="204840"/>
           </a:xfrm>
           <a:prstGeom prst="ellipse">
             <a:avLst/>
@@ -9523,7 +8968,7 @@
         <p:spPr>
           <a:xfrm>
             <a:off x="2316600" y="3764520"/>
-            <a:ext cx="448920" cy="450000"/>
+            <a:ext cx="448560" cy="449640"/>
           </a:xfrm>
           <a:prstGeom prst="donut">
             <a:avLst>
@@ -9569,7 +9014,7 @@
         <p:spPr>
           <a:xfrm>
             <a:off x="2256120" y="3703680"/>
-            <a:ext cx="569520" cy="572040"/>
+            <a:ext cx="569160" cy="571680"/>
           </a:xfrm>
           <a:prstGeom prst="donut">
             <a:avLst>
@@ -9651,7 +9096,7 @@
         <p:spPr>
           <a:xfrm>
             <a:off x="2453400" y="2702160"/>
-            <a:ext cx="171720" cy="151560"/>
+            <a:ext cx="171360" cy="151200"/>
           </a:xfrm>
           <a:prstGeom prst="ellipse">
             <a:avLst/>
@@ -9689,7 +9134,7 @@
         <p:spPr>
           <a:xfrm>
             <a:off x="2063520" y="4273920"/>
-            <a:ext cx="1522800" cy="394560"/>
+            <a:ext cx="1522440" cy="394200"/>
           </a:xfrm>
           <a:prstGeom prst="rect">
             <a:avLst/>
@@ -9774,7 +9219,7 @@
         <p:spPr>
           <a:xfrm>
             <a:off x="3929040" y="3875040"/>
-            <a:ext cx="202320" cy="205200"/>
+            <a:ext cx="201960" cy="204840"/>
           </a:xfrm>
           <a:prstGeom prst="ellipse">
             <a:avLst/>
@@ -9810,7 +9255,7 @@
         <p:spPr>
           <a:xfrm>
             <a:off x="3805920" y="3747600"/>
-            <a:ext cx="448920" cy="450000"/>
+            <a:ext cx="448560" cy="449640"/>
           </a:xfrm>
           <a:prstGeom prst="donut">
             <a:avLst>
@@ -9857,7 +9302,7 @@
         <p:spPr>
           <a:xfrm>
             <a:off x="3745800" y="3686760"/>
-            <a:ext cx="569520" cy="572040"/>
+            <a:ext cx="569160" cy="571680"/>
           </a:xfrm>
           <a:prstGeom prst="donut">
             <a:avLst>
@@ -9939,7 +9384,7 @@
         <p:spPr>
           <a:xfrm>
             <a:off x="3944520" y="5121000"/>
-            <a:ext cx="171720" cy="151560"/>
+            <a:ext cx="171360" cy="151200"/>
           </a:xfrm>
           <a:prstGeom prst="ellipse">
             <a:avLst/>
@@ -10011,7 +9456,7 @@
         <p:spPr>
           <a:xfrm>
             <a:off x="5418720" y="3893400"/>
-            <a:ext cx="202320" cy="205200"/>
+            <a:ext cx="201960" cy="204840"/>
           </a:xfrm>
           <a:prstGeom prst="ellipse">
             <a:avLst/>
@@ -10047,7 +9492,7 @@
         <p:spPr>
           <a:xfrm>
             <a:off x="5295600" y="3764520"/>
-            <a:ext cx="448920" cy="450000"/>
+            <a:ext cx="448560" cy="449640"/>
           </a:xfrm>
           <a:prstGeom prst="donut">
             <a:avLst>
@@ -10093,7 +9538,7 @@
         <p:spPr>
           <a:xfrm>
             <a:off x="5235120" y="3703680"/>
-            <a:ext cx="569520" cy="572040"/>
+            <a:ext cx="569160" cy="571680"/>
           </a:xfrm>
           <a:prstGeom prst="donut">
             <a:avLst>
@@ -10175,7 +9620,7 @@
         <p:spPr>
           <a:xfrm>
             <a:off x="5437440" y="2716560"/>
-            <a:ext cx="171720" cy="151560"/>
+            <a:ext cx="171360" cy="151200"/>
           </a:xfrm>
           <a:prstGeom prst="ellipse">
             <a:avLst/>
@@ -10247,7 +9692,7 @@
         <p:spPr>
           <a:xfrm>
             <a:off x="6907320" y="3893400"/>
-            <a:ext cx="202320" cy="205200"/>
+            <a:ext cx="201960" cy="204840"/>
           </a:xfrm>
           <a:prstGeom prst="ellipse">
             <a:avLst/>
@@ -10283,7 +9728,7 @@
         <p:spPr>
           <a:xfrm>
             <a:off x="6784200" y="3764520"/>
-            <a:ext cx="448920" cy="450000"/>
+            <a:ext cx="448560" cy="449640"/>
           </a:xfrm>
           <a:prstGeom prst="donut">
             <a:avLst>
@@ -10327,7 +9772,7 @@
         <p:spPr>
           <a:xfrm>
             <a:off x="6724080" y="3703680"/>
-            <a:ext cx="569520" cy="572040"/>
+            <a:ext cx="569160" cy="571680"/>
           </a:xfrm>
           <a:prstGeom prst="donut">
             <a:avLst>
@@ -10409,7 +9854,7 @@
         <p:spPr>
           <a:xfrm>
             <a:off x="6922800" y="5137920"/>
-            <a:ext cx="171720" cy="151560"/>
+            <a:ext cx="171360" cy="151200"/>
           </a:xfrm>
           <a:prstGeom prst="ellipse">
             <a:avLst/>
@@ -10481,7 +9926,7 @@
         <p:spPr>
           <a:xfrm>
             <a:off x="8380440" y="3893400"/>
-            <a:ext cx="202320" cy="205200"/>
+            <a:ext cx="201960" cy="204840"/>
           </a:xfrm>
           <a:prstGeom prst="ellipse">
             <a:avLst/>
@@ -10519,7 +9964,7 @@
         <p:spPr>
           <a:xfrm>
             <a:off x="8257320" y="3764520"/>
-            <a:ext cx="448920" cy="450000"/>
+            <a:ext cx="448560" cy="449640"/>
           </a:xfrm>
           <a:prstGeom prst="donut">
             <a:avLst>
@@ -10565,7 +10010,7 @@
         <p:spPr>
           <a:xfrm>
             <a:off x="8196840" y="3703680"/>
-            <a:ext cx="569520" cy="572040"/>
+            <a:ext cx="569160" cy="571680"/>
           </a:xfrm>
           <a:prstGeom prst="donut">
             <a:avLst>
@@ -10647,7 +10092,7 @@
         <p:spPr>
           <a:xfrm>
             <a:off x="8396280" y="2702160"/>
-            <a:ext cx="171720" cy="151560"/>
+            <a:ext cx="171360" cy="151200"/>
           </a:xfrm>
           <a:prstGeom prst="ellipse">
             <a:avLst/>
@@ -10685,7 +10130,7 @@
         <p:spPr>
           <a:xfrm>
             <a:off x="9927360" y="3893400"/>
-            <a:ext cx="202320" cy="205200"/>
+            <a:ext cx="201960" cy="204840"/>
           </a:xfrm>
           <a:prstGeom prst="ellipse">
             <a:avLst/>
@@ -10721,7 +10166,7 @@
         <p:spPr>
           <a:xfrm>
             <a:off x="9803880" y="3764520"/>
-            <a:ext cx="448920" cy="450000"/>
+            <a:ext cx="448560" cy="449640"/>
           </a:xfrm>
           <a:prstGeom prst="donut">
             <a:avLst>
@@ -10765,7 +10210,7 @@
         <p:spPr>
           <a:xfrm>
             <a:off x="9743760" y="3703680"/>
-            <a:ext cx="569520" cy="572040"/>
+            <a:ext cx="569160" cy="571680"/>
           </a:xfrm>
           <a:prstGeom prst="donut">
             <a:avLst>
@@ -10847,7 +10292,7 @@
         <p:spPr>
           <a:xfrm>
             <a:off x="9942840" y="5137920"/>
-            <a:ext cx="171720" cy="151560"/>
+            <a:ext cx="171360" cy="151200"/>
           </a:xfrm>
           <a:prstGeom prst="ellipse">
             <a:avLst/>
@@ -10919,7 +10364,7 @@
         <p:spPr>
           <a:xfrm>
             <a:off x="11473920" y="3893400"/>
-            <a:ext cx="202320" cy="205200"/>
+            <a:ext cx="201960" cy="204840"/>
           </a:xfrm>
           <a:prstGeom prst="ellipse">
             <a:avLst/>
@@ -10958,7 +10403,7 @@
         <p:spPr>
           <a:xfrm>
             <a:off x="11350800" y="3764520"/>
-            <a:ext cx="448920" cy="450000"/>
+            <a:ext cx="448560" cy="449640"/>
           </a:xfrm>
           <a:prstGeom prst="donut">
             <a:avLst>
@@ -10999,7 +10444,7 @@
         <p:spPr>
           <a:xfrm>
             <a:off x="11290320" y="3703680"/>
-            <a:ext cx="569520" cy="572040"/>
+            <a:ext cx="569160" cy="571680"/>
           </a:xfrm>
           <a:prstGeom prst="donut">
             <a:avLst>
@@ -11081,7 +10526,7 @@
         <p:spPr>
           <a:xfrm>
             <a:off x="11482920" y="2716560"/>
-            <a:ext cx="171720" cy="151560"/>
+            <a:ext cx="171360" cy="151200"/>
           </a:xfrm>
           <a:prstGeom prst="ellipse">
             <a:avLst/>
@@ -11192,7 +10637,7 @@
         <p:spPr>
           <a:xfrm>
             <a:off x="3554280" y="3299760"/>
-            <a:ext cx="1522800" cy="394560"/>
+            <a:ext cx="1522440" cy="394200"/>
           </a:xfrm>
           <a:prstGeom prst="rect">
             <a:avLst/>
@@ -11241,7 +10686,7 @@
         <p:spPr>
           <a:xfrm>
             <a:off x="5046480" y="4281840"/>
-            <a:ext cx="1522800" cy="394560"/>
+            <a:ext cx="1522440" cy="394200"/>
           </a:xfrm>
           <a:prstGeom prst="rect">
             <a:avLst/>
@@ -11290,7 +10735,7 @@
         <p:spPr>
           <a:xfrm>
             <a:off x="8004240" y="4280040"/>
-            <a:ext cx="1522800" cy="394560"/>
+            <a:ext cx="1522440" cy="394200"/>
           </a:xfrm>
           <a:prstGeom prst="rect">
             <a:avLst/>
@@ -11339,7 +10784,7 @@
         <p:spPr>
           <a:xfrm>
             <a:off x="9561960" y="3332880"/>
-            <a:ext cx="1522800" cy="394560"/>
+            <a:ext cx="1522440" cy="394200"/>
           </a:xfrm>
           <a:prstGeom prst="rect">
             <a:avLst/>
@@ -11388,7 +10833,7 @@
         <p:spPr>
           <a:xfrm>
             <a:off x="6529680" y="3336840"/>
-            <a:ext cx="1522800" cy="394560"/>
+            <a:ext cx="1522440" cy="394200"/>
           </a:xfrm>
           <a:prstGeom prst="rect">
             <a:avLst/>
@@ -11437,7 +10882,7 @@
         <p:spPr>
           <a:xfrm>
             <a:off x="11099160" y="4281840"/>
-            <a:ext cx="1522800" cy="394560"/>
+            <a:ext cx="1522440" cy="394200"/>
           </a:xfrm>
           <a:prstGeom prst="rect">
             <a:avLst/>
@@ -11486,7 +10931,7 @@
         <p:spPr>
           <a:xfrm>
             <a:off x="86040" y="5388120"/>
-            <a:ext cx="1932840" cy="638280"/>
+            <a:ext cx="1932480" cy="637920"/>
           </a:xfrm>
           <a:prstGeom prst="rect">
             <a:avLst/>
@@ -11535,7 +10980,7 @@
         <p:spPr>
           <a:xfrm>
             <a:off x="1156680" y="1645920"/>
-            <a:ext cx="2752200" cy="912600"/>
+            <a:ext cx="2751840" cy="912240"/>
           </a:xfrm>
           <a:prstGeom prst="rect">
             <a:avLst/>
@@ -11604,7 +11049,7 @@
         <p:spPr>
           <a:xfrm>
             <a:off x="2833200" y="5355360"/>
-            <a:ext cx="2387520" cy="363960"/>
+            <a:ext cx="2387160" cy="363600"/>
           </a:xfrm>
           <a:prstGeom prst="rect">
             <a:avLst/>
@@ -11653,7 +11098,7 @@
         <p:spPr>
           <a:xfrm>
             <a:off x="4140360" y="2208960"/>
-            <a:ext cx="2752200" cy="363960"/>
+            <a:ext cx="2751840" cy="363600"/>
           </a:xfrm>
           <a:prstGeom prst="rect">
             <a:avLst/>
@@ -11702,7 +11147,7 @@
         <p:spPr>
           <a:xfrm>
             <a:off x="5783040" y="5400000"/>
-            <a:ext cx="2450160" cy="638280"/>
+            <a:ext cx="2449800" cy="637920"/>
           </a:xfrm>
           <a:prstGeom prst="rect">
             <a:avLst/>
@@ -11751,7 +11196,7 @@
         <p:spPr>
           <a:xfrm>
             <a:off x="7086600" y="2204640"/>
-            <a:ext cx="2752200" cy="363960"/>
+            <a:ext cx="2751840" cy="363600"/>
           </a:xfrm>
           <a:prstGeom prst="rect">
             <a:avLst/>
@@ -11800,7 +11245,7 @@
         <p:spPr>
           <a:xfrm>
             <a:off x="8718840" y="5436360"/>
-            <a:ext cx="2618640" cy="638280"/>
+            <a:ext cx="2618280" cy="637920"/>
           </a:xfrm>
           <a:prstGeom prst="rect">
             <a:avLst/>
@@ -11869,7 +11314,7 @@
         <p:spPr>
           <a:xfrm>
             <a:off x="9610560" y="1934640"/>
-            <a:ext cx="2752200" cy="638280"/>
+            <a:ext cx="2751840" cy="637920"/>
           </a:xfrm>
           <a:prstGeom prst="rect">
             <a:avLst/>
@@ -11938,7 +11383,7 @@
         <p:spPr>
           <a:xfrm>
             <a:off x="8610480" y="6356520"/>
-            <a:ext cx="2742120" cy="363960"/>
+            <a:ext cx="2741760" cy="363600"/>
           </a:xfrm>
           <a:prstGeom prst="rect">
             <a:avLst/>
@@ -11962,7 +11407,7 @@
                 <a:spcPct val="100000"/>
               </a:lnSpc>
             </a:pPr>
-            <a:fld id="{802E7A8B-A5DC-43F8-A3A2-AFB897849E76}" type="slidenum">
+            <a:fld id="{AB31F912-8363-49EF-A542-38471A557384}" type="slidenum">
               <a:rPr b="0" lang="de-DE" sz="1200" spc="-1" strike="noStrike">
                 <a:solidFill>
                   <a:srgbClr val="8b8b8b"/>
@@ -15770,7 +15215,7 @@
         <p:spPr>
           <a:xfrm>
             <a:off x="0" y="280800"/>
-            <a:ext cx="12191040" cy="1324440"/>
+            <a:ext cx="12190680" cy="1324080"/>
           </a:xfrm>
           <a:prstGeom prst="rect">
             <a:avLst/>
@@ -15831,7 +15276,7 @@
         <p:spPr>
           <a:xfrm>
             <a:off x="838080" y="1825560"/>
-            <a:ext cx="10514520" cy="4350240"/>
+            <a:ext cx="10514160" cy="4349880"/>
           </a:xfrm>
           <a:prstGeom prst="rect">
             <a:avLst/>
@@ -15850,7 +15295,7 @@
         <p:txBody>
           <a:bodyPr lIns="90000" rIns="90000" tIns="45000" bIns="45000"/>
           <a:p>
-            <a:pPr marL="228600" indent="-227520">
+            <a:pPr marL="228600" indent="-227160">
               <a:lnSpc>
                 <a:spcPct val="150000"/>
               </a:lnSpc>
@@ -15878,7 +15323,7 @@
             </a:endParaRPr>
           </a:p>
           <a:p>
-            <a:pPr marL="228600" indent="-227520">
+            <a:pPr marL="228600" indent="-227160">
               <a:lnSpc>
                 <a:spcPct val="150000"/>
               </a:lnSpc>
@@ -15906,7 +15351,7 @@
             </a:endParaRPr>
           </a:p>
           <a:p>
-            <a:pPr marL="228600" indent="-227520">
+            <a:pPr marL="228600" indent="-227160">
               <a:lnSpc>
                 <a:spcPct val="150000"/>
               </a:lnSpc>
@@ -15983,7 +15428,7 @@
         <p:spPr>
           <a:xfrm>
             <a:off x="8610480" y="6356520"/>
-            <a:ext cx="2742120" cy="363960"/>
+            <a:ext cx="2741760" cy="363600"/>
           </a:xfrm>
           <a:prstGeom prst="rect">
             <a:avLst/>
@@ -16007,7 +15452,7 @@
                 <a:spcPct val="100000"/>
               </a:lnSpc>
             </a:pPr>
-            <a:fld id="{5B30AEDC-1CEF-45B6-A379-B40C8882F8F1}" type="slidenum">
+            <a:fld id="{C50349F1-30CC-42F8-91A9-C8EADDC04E1E}" type="slidenum">
               <a:rPr b="0" lang="de-DE" sz="1200" spc="-1" strike="noStrike">
                 <a:solidFill>
                   <a:srgbClr val="8b8b8b"/>
@@ -16231,7 +15676,7 @@
         <p:spPr>
           <a:xfrm>
             <a:off x="0" y="272520"/>
-            <a:ext cx="12191040" cy="1324440"/>
+            <a:ext cx="12190680" cy="1324080"/>
           </a:xfrm>
           <a:prstGeom prst="rect">
             <a:avLst/>
@@ -16295,7 +15740,7 @@
         <p:spPr>
           <a:xfrm>
             <a:off x="8610480" y="6356520"/>
-            <a:ext cx="2742120" cy="363960"/>
+            <a:ext cx="2741760" cy="363600"/>
           </a:xfrm>
           <a:prstGeom prst="rect">
             <a:avLst/>
@@ -16319,7 +15764,7 @@
                 <a:spcPct val="100000"/>
               </a:lnSpc>
             </a:pPr>
-            <a:fld id="{A3C7A7C9-F455-4397-B006-8A5D162A4F6D}" type="slidenum">
+            <a:fld id="{27DB4097-56BD-4C6C-8A84-1BC3875BBF01}" type="slidenum">
               <a:rPr b="0" lang="de-DE" sz="1200" spc="-1" strike="noStrike">
                 <a:solidFill>
                   <a:srgbClr val="8b8b8b"/>
@@ -16348,7 +15793,7 @@
         <p:spPr>
           <a:xfrm>
             <a:off x="658440" y="2005920"/>
-            <a:ext cx="7831440" cy="4350240"/>
+            <a:ext cx="7831080" cy="4349880"/>
           </a:xfrm>
           <a:prstGeom prst="rect">
             <a:avLst/>
@@ -16367,7 +15812,7 @@
         <p:spPr>
           <a:xfrm>
             <a:off x="839160" y="6252120"/>
-            <a:ext cx="8268120" cy="333000"/>
+            <a:ext cx="8267760" cy="332640"/>
           </a:xfrm>
           <a:prstGeom prst="rect">
             <a:avLst/>
@@ -16465,7 +15910,7 @@
         <p:spPr>
           <a:xfrm>
             <a:off x="0" y="274320"/>
-            <a:ext cx="12191040" cy="1324440"/>
+            <a:ext cx="12190680" cy="1324080"/>
           </a:xfrm>
           <a:prstGeom prst="rect">
             <a:avLst/>
@@ -16526,7 +15971,7 @@
         <p:spPr>
           <a:xfrm>
             <a:off x="838080" y="2004840"/>
-            <a:ext cx="10514520" cy="4350240"/>
+            <a:ext cx="10514160" cy="4349880"/>
           </a:xfrm>
           <a:prstGeom prst="rect">
             <a:avLst/>
@@ -16545,7 +15990,7 @@
         <p:txBody>
           <a:bodyPr lIns="90000" rIns="90000" tIns="45000" bIns="45000"/>
           <a:p>
-            <a:pPr marL="228600" indent="-227520">
+            <a:pPr marL="228600" indent="-227160">
               <a:lnSpc>
                 <a:spcPct val="90000"/>
               </a:lnSpc>
@@ -16626,7 +16071,7 @@
             </a:endParaRPr>
           </a:p>
           <a:p>
-            <a:pPr marL="228600" indent="-227520">
+            <a:pPr marL="228600" indent="-227160">
               <a:lnSpc>
                 <a:spcPct val="150000"/>
               </a:lnSpc>
@@ -16654,7 +16099,7 @@
             </a:endParaRPr>
           </a:p>
           <a:p>
-            <a:pPr marL="228600" indent="-227520">
+            <a:pPr marL="228600" indent="-227160">
               <a:lnSpc>
                 <a:spcPct val="150000"/>
               </a:lnSpc>
@@ -16682,7 +16127,7 @@
             </a:endParaRPr>
           </a:p>
           <a:p>
-            <a:pPr marL="228600" indent="-227520">
+            <a:pPr marL="228600" indent="-227160">
               <a:lnSpc>
                 <a:spcPct val="150000"/>
               </a:lnSpc>
@@ -16720,7 +16165,7 @@
         <p:spPr>
           <a:xfrm>
             <a:off x="8610480" y="6356520"/>
-            <a:ext cx="2742120" cy="363960"/>
+            <a:ext cx="2741760" cy="363600"/>
           </a:xfrm>
           <a:prstGeom prst="rect">
             <a:avLst/>
@@ -16744,7 +16189,7 @@
                 <a:spcPct val="100000"/>
               </a:lnSpc>
             </a:pPr>
-            <a:fld id="{E48C0593-A2D5-4DFC-A0AB-C7D54D8885C2}" type="slidenum">
+            <a:fld id="{56F4593E-FCAD-4A49-8FFC-ADE4DA128761}" type="slidenum">
               <a:rPr b="0" lang="de-DE" sz="1200" spc="-1" strike="noStrike">
                 <a:solidFill>
                   <a:srgbClr val="8b8b8b"/>
@@ -17048,7 +16493,7 @@
         <p:spPr>
           <a:xfrm>
             <a:off x="1097280" y="1845720"/>
-            <a:ext cx="2533320" cy="4022640"/>
+            <a:ext cx="2532960" cy="4022280"/>
           </a:xfrm>
           <a:prstGeom prst="rect">
             <a:avLst/>
@@ -17069,7 +16514,7 @@
             <a:normAutofit/>
           </a:bodyPr>
           <a:p>
-            <a:pPr marL="457200" indent="-456480">
+            <a:pPr marL="457200" indent="-456120">
               <a:lnSpc>
                 <a:spcPct val="90000"/>
               </a:lnSpc>
@@ -17097,7 +16542,7 @@
             </a:endParaRPr>
           </a:p>
           <a:p>
-            <a:pPr marL="457200" indent="-456480">
+            <a:pPr marL="457200" indent="-456120">
               <a:lnSpc>
                 <a:spcPct val="90000"/>
               </a:lnSpc>
@@ -17125,7 +16570,7 @@
             </a:endParaRPr>
           </a:p>
           <a:p>
-            <a:pPr marL="457200" indent="-456480">
+            <a:pPr marL="457200" indent="-456120">
               <a:lnSpc>
                 <a:spcPct val="90000"/>
               </a:lnSpc>
@@ -17163,7 +16608,7 @@
         <p:spPr>
           <a:xfrm>
             <a:off x="0" y="3857400"/>
-            <a:ext cx="12191400" cy="1887840"/>
+            <a:ext cx="12191040" cy="1887480"/>
           </a:xfrm>
           <a:prstGeom prst="rect">
             <a:avLst/>
@@ -17242,7 +16687,7 @@
         <p:spPr>
           <a:xfrm>
             <a:off x="0" y="244080"/>
-            <a:ext cx="12191040" cy="1323360"/>
+            <a:ext cx="12190680" cy="1323000"/>
           </a:xfrm>
           <a:prstGeom prst="rect">
             <a:avLst/>
@@ -17348,7 +16793,7 @@
         <p:spPr>
           <a:xfrm>
             <a:off x="838080" y="1825560"/>
-            <a:ext cx="8122320" cy="4350600"/>
+            <a:ext cx="8121960" cy="4350240"/>
           </a:xfrm>
           <a:prstGeom prst="rect">
             <a:avLst/>
@@ -17367,7 +16812,7 @@
         <p:txBody>
           <a:bodyPr lIns="0" rIns="0" tIns="0" bIns="0"/>
           <a:p>
-            <a:pPr lvl="1" marL="685800" indent="-227880">
+            <a:pPr lvl="1" marL="685800" indent="-227520">
               <a:lnSpc>
                 <a:spcPct val="90000"/>
               </a:lnSpc>
@@ -17415,7 +16860,7 @@
             </a:endParaRPr>
           </a:p>
           <a:p>
-            <a:pPr marL="514440" indent="-513720">
+            <a:pPr marL="514440" indent="-513360">
               <a:lnSpc>
                 <a:spcPct val="90000"/>
               </a:lnSpc>
@@ -17463,7 +16908,7 @@
             </a:endParaRPr>
           </a:p>
           <a:p>
-            <a:pPr marL="514440" indent="-513720">
+            <a:pPr marL="514440" indent="-513360">
               <a:lnSpc>
                 <a:spcPct val="90000"/>
               </a:lnSpc>
@@ -17521,7 +16966,7 @@
             </a:endParaRPr>
           </a:p>
           <a:p>
-            <a:pPr marL="514440" indent="-513720">
+            <a:pPr marL="514440" indent="-513360">
               <a:lnSpc>
                 <a:spcPct val="90000"/>
               </a:lnSpc>
@@ -17559,7 +17004,7 @@
             </a:endParaRPr>
           </a:p>
           <a:p>
-            <a:pPr marL="514440" indent="-513720">
+            <a:pPr marL="514440" indent="-513360">
               <a:lnSpc>
                 <a:spcPct val="90000"/>
               </a:lnSpc>
@@ -17607,7 +17052,7 @@
             </a:endParaRPr>
           </a:p>
           <a:p>
-            <a:pPr marL="514440" indent="-513720">
+            <a:pPr marL="514440" indent="-513360">
               <a:lnSpc>
                 <a:spcPct val="90000"/>
               </a:lnSpc>
@@ -17681,7 +17126,7 @@
         <p:spPr>
           <a:xfrm>
             <a:off x="8736120" y="2715120"/>
-            <a:ext cx="877680" cy="2653200"/>
+            <a:ext cx="877320" cy="2652840"/>
           </a:xfrm>
           <a:prstGeom prst="rightBrace">
             <a:avLst>
@@ -17719,7 +17164,7 @@
         <p:spPr>
           <a:xfrm>
             <a:off x="9662400" y="3105720"/>
-            <a:ext cx="2059920" cy="638640"/>
+            <a:ext cx="2059560" cy="638280"/>
           </a:xfrm>
           <a:prstGeom prst="rect">
             <a:avLst/>
@@ -17767,13 +17212,13 @@
         </p:nvPicPr>
         <p:blipFill>
           <a:blip r:embed="rId1"/>
-          <a:srcRect l="50399" t="28851" r="21453" b="41150"/>
+          <a:srcRect l="50404" t="28851" r="21453" b="41150"/>
           <a:stretch/>
         </p:blipFill>
         <p:spPr>
           <a:xfrm>
             <a:off x="10130400" y="3768840"/>
-            <a:ext cx="1124280" cy="798840"/>
+            <a:ext cx="1123920" cy="798480"/>
           </a:xfrm>
           <a:prstGeom prst="rect">
             <a:avLst/>
@@ -17792,7 +17237,7 @@
         <p:spPr>
           <a:xfrm>
             <a:off x="0" y="244080"/>
-            <a:ext cx="12191040" cy="1323360"/>
+            <a:ext cx="12190680" cy="1323000"/>
           </a:xfrm>
           <a:prstGeom prst="rect">
             <a:avLst/>
@@ -17908,7 +17353,7 @@
         <p:spPr>
           <a:xfrm>
             <a:off x="158400" y="1737360"/>
-            <a:ext cx="6515640" cy="4350600"/>
+            <a:ext cx="6515280" cy="4350240"/>
           </a:xfrm>
           <a:prstGeom prst="rect">
             <a:avLst/>
@@ -17929,7 +17374,7 @@
             <a:normAutofit/>
           </a:bodyPr>
           <a:p>
-            <a:pPr marL="514440" indent="-513720">
+            <a:pPr marL="514440" indent="-513360">
               <a:lnSpc>
                 <a:spcPct val="90000"/>
               </a:lnSpc>
@@ -17957,7 +17402,7 @@
             </a:endParaRPr>
           </a:p>
           <a:p>
-            <a:pPr marL="514440" indent="-513720">
+            <a:pPr marL="514440" indent="-513360">
               <a:lnSpc>
                 <a:spcPct val="90000"/>
               </a:lnSpc>
@@ -17985,7 +17430,7 @@
             </a:endParaRPr>
           </a:p>
           <a:p>
-            <a:pPr marL="514440" indent="-513720">
+            <a:pPr marL="514440" indent="-513360">
               <a:lnSpc>
                 <a:spcPct val="90000"/>
               </a:lnSpc>
@@ -18013,7 +17458,7 @@
             </a:endParaRPr>
           </a:p>
           <a:p>
-            <a:pPr marL="514440" indent="-513720">
+            <a:pPr marL="514440" indent="-513360">
               <a:lnSpc>
                 <a:spcPct val="90000"/>
               </a:lnSpc>
@@ -18068,7 +17513,7 @@
         <p:spPr>
           <a:xfrm>
             <a:off x="6856560" y="1520280"/>
-            <a:ext cx="5176440" cy="3726720"/>
+            <a:ext cx="5176080" cy="3726360"/>
           </a:xfrm>
           <a:prstGeom prst="rect">
             <a:avLst/>
@@ -18087,7 +17532,7 @@
         <p:spPr>
           <a:xfrm>
             <a:off x="1949400" y="5248080"/>
-            <a:ext cx="7869960" cy="1308960"/>
+            <a:ext cx="7869600" cy="1308600"/>
           </a:xfrm>
           <a:prstGeom prst="rect">
             <a:avLst/>
@@ -18156,7 +17601,7 @@
         <p:spPr>
           <a:xfrm>
             <a:off x="0" y="244080"/>
-            <a:ext cx="12191040" cy="1323360"/>
+            <a:ext cx="12190680" cy="1323000"/>
           </a:xfrm>
           <a:prstGeom prst="rect">
             <a:avLst/>
@@ -18272,7 +17717,7 @@
         <p:spPr>
           <a:xfrm>
             <a:off x="609840" y="1943640"/>
-            <a:ext cx="10971720" cy="3976560"/>
+            <a:ext cx="10971360" cy="3976200"/>
           </a:xfrm>
           <a:prstGeom prst="rect">
             <a:avLst/>
@@ -18293,7 +17738,7 @@
             <a:normAutofit/>
           </a:bodyPr>
           <a:p>
-            <a:pPr marL="514440" indent="-513720">
+            <a:pPr marL="514440" indent="-513360">
               <a:lnSpc>
                 <a:spcPct val="90000"/>
               </a:lnSpc>
@@ -18321,7 +17766,7 @@
             </a:endParaRPr>
           </a:p>
           <a:p>
-            <a:pPr marL="514440" indent="-513720">
+            <a:pPr marL="514440" indent="-513360">
               <a:lnSpc>
                 <a:spcPct val="90000"/>
               </a:lnSpc>
@@ -18349,7 +17794,7 @@
             </a:endParaRPr>
           </a:p>
           <a:p>
-            <a:pPr marL="514440" indent="-513720">
+            <a:pPr marL="514440" indent="-513360">
               <a:lnSpc>
                 <a:spcPct val="90000"/>
               </a:lnSpc>
@@ -18377,7 +17822,7 @@
             </a:endParaRPr>
           </a:p>
           <a:p>
-            <a:pPr marL="514440" indent="-513720">
+            <a:pPr marL="514440" indent="-513360">
               <a:lnSpc>
                 <a:spcPct val="90000"/>
               </a:lnSpc>
@@ -18415,7 +17860,7 @@
         <p:spPr>
           <a:xfrm>
             <a:off x="0" y="272520"/>
-            <a:ext cx="12191040" cy="1324440"/>
+            <a:ext cx="12190680" cy="1324080"/>
           </a:xfrm>
           <a:prstGeom prst="rect">
             <a:avLst/>
@@ -18552,7 +17997,7 @@
         <p:spPr>
           <a:xfrm>
             <a:off x="574200" y="1842480"/>
-            <a:ext cx="10513440" cy="4349160"/>
+            <a:ext cx="10513080" cy="4348800"/>
           </a:xfrm>
           <a:prstGeom prst="rect">
             <a:avLst/>
@@ -18571,7 +18016,7 @@
         <p:txBody>
           <a:bodyPr lIns="90000" rIns="90000" tIns="45000" bIns="45000"/>
           <a:p>
-            <a:pPr marL="228600" indent="-226440">
+            <a:pPr marL="228600" indent="-226080">
               <a:lnSpc>
                 <a:spcPct val="150000"/>
               </a:lnSpc>
@@ -18596,7 +18041,7 @@
             </a:endParaRPr>
           </a:p>
           <a:p>
-            <a:pPr marL="228600" indent="-226440">
+            <a:pPr marL="228600" indent="-226080">
               <a:lnSpc>
                 <a:spcPct val="150000"/>
               </a:lnSpc>
@@ -18621,7 +18066,7 @@
             </a:endParaRPr>
           </a:p>
           <a:p>
-            <a:pPr marL="228600" indent="-226440">
+            <a:pPr marL="228600" indent="-226080">
               <a:lnSpc>
                 <a:spcPct val="150000"/>
               </a:lnSpc>
@@ -18646,7 +18091,7 @@
             </a:endParaRPr>
           </a:p>
           <a:p>
-            <a:pPr marL="228600" indent="-226440">
+            <a:pPr marL="228600" indent="-226080">
               <a:lnSpc>
                 <a:spcPct val="90000"/>
               </a:lnSpc>
@@ -18684,7 +18129,7 @@
         <p:spPr>
           <a:xfrm>
             <a:off x="0" y="272520"/>
-            <a:ext cx="12191040" cy="1324440"/>
+            <a:ext cx="12190680" cy="1324080"/>
           </a:xfrm>
           <a:prstGeom prst="rect">
             <a:avLst/>
@@ -19000,7 +18445,7 @@
         <p:spPr>
           <a:xfrm>
             <a:off x="574200" y="1842480"/>
-            <a:ext cx="10513440" cy="4349160"/>
+            <a:ext cx="10513080" cy="4348800"/>
           </a:xfrm>
           <a:prstGeom prst="rect">
             <a:avLst/>
@@ -19019,7 +18464,7 @@
         <p:txBody>
           <a:bodyPr lIns="90000" rIns="90000" tIns="45000" bIns="45000"/>
           <a:p>
-            <a:pPr marL="228600" indent="-226440">
+            <a:pPr marL="228600" indent="-226080">
               <a:lnSpc>
                 <a:spcPct val="150000"/>
               </a:lnSpc>
@@ -19044,67 +18489,47 @@
             </a:endParaRPr>
           </a:p>
           <a:p>
-            <a:pPr marL="228600" indent="-226440">
+            <a:pPr>
               <a:lnSpc>
                 <a:spcPct val="150000"/>
               </a:lnSpc>
-              <a:buClr>
-                <a:srgbClr val="000000"/>
-              </a:buClr>
-              <a:buFont typeface="Arial"/>
-              <a:buChar char="•"/>
             </a:pPr>
             <a:endParaRPr b="0" lang="de-DE" sz="2800" spc="-1" strike="noStrike">
               <a:latin typeface="Arial"/>
             </a:endParaRPr>
           </a:p>
           <a:p>
-            <a:pPr marL="228600" indent="-226440">
+            <a:pPr>
               <a:lnSpc>
                 <a:spcPct val="150000"/>
               </a:lnSpc>
-              <a:buClr>
-                <a:srgbClr val="000000"/>
-              </a:buClr>
-              <a:buFont typeface="Arial"/>
-              <a:buChar char="•"/>
             </a:pPr>
             <a:endParaRPr b="0" lang="de-DE" sz="2800" spc="-1" strike="noStrike">
               <a:latin typeface="Arial"/>
             </a:endParaRPr>
           </a:p>
           <a:p>
-            <a:pPr marL="228600" indent="-226440">
+            <a:pPr>
               <a:lnSpc>
                 <a:spcPct val="150000"/>
               </a:lnSpc>
-              <a:buClr>
-                <a:srgbClr val="000000"/>
-              </a:buClr>
-              <a:buFont typeface="Arial"/>
-              <a:buChar char="•"/>
             </a:pPr>
             <a:endParaRPr b="0" lang="de-DE" sz="2800" spc="-1" strike="noStrike">
               <a:latin typeface="Arial"/>
             </a:endParaRPr>
           </a:p>
           <a:p>
-            <a:pPr marL="228600" indent="-226440">
+            <a:pPr>
               <a:lnSpc>
                 <a:spcPct val="150000"/>
               </a:lnSpc>
-              <a:buClr>
-                <a:srgbClr val="000000"/>
-              </a:buClr>
-              <a:buFont typeface="Arial"/>
-              <a:buChar char="•"/>
             </a:pPr>
             <a:endParaRPr b="0" lang="de-DE" sz="2800" spc="-1" strike="noStrike">
               <a:latin typeface="Arial"/>
             </a:endParaRPr>
           </a:p>
           <a:p>
-            <a:pPr marL="228600" indent="-226440">
+            <a:pPr marL="228600" indent="-226080">
               <a:lnSpc>
                 <a:spcPct val="150000"/>
               </a:lnSpc>
@@ -19122,7 +18547,7 @@
                 <a:latin typeface="Calibri"/>
                 <a:ea typeface="Microsoft YaHei"/>
               </a:rPr>
-              <a:t>PCA (Principal Component Reduction) or t-SNE or UMAP to reduce number of dimension without losing to much information</a:t>
+              <a:t>PCA (Principal Component Analysis) or t-SNE or UMAP to reduce number of dimensions without losing to much information</a:t>
             </a:r>
             <a:endParaRPr b="0" lang="de-DE" sz="2800" spc="-1" strike="noStrike">
               <a:latin typeface="Arial"/>
@@ -19139,7 +18564,7 @@
         <p:spPr>
           <a:xfrm>
             <a:off x="0" y="272520"/>
-            <a:ext cx="12191040" cy="1324440"/>
+            <a:ext cx="12190680" cy="1324080"/>
           </a:xfrm>
           <a:prstGeom prst="rect">
             <a:avLst/>
@@ -19204,7 +18629,7 @@
         <p:spPr>
           <a:xfrm>
             <a:off x="794520" y="2777040"/>
-            <a:ext cx="7629480" cy="2190960"/>
+            <a:ext cx="7629120" cy="2190600"/>
           </a:xfrm>
           <a:prstGeom prst="rect">
             <a:avLst/>
@@ -20464,7 +19889,7 @@
         <p:spPr>
           <a:xfrm>
             <a:off x="8610480" y="6356520"/>
-            <a:ext cx="2742120" cy="363960"/>
+            <a:ext cx="2741760" cy="363600"/>
           </a:xfrm>
           <a:prstGeom prst="rect">
             <a:avLst/>
@@ -20488,7 +19913,7 @@
                 <a:spcPct val="100000"/>
               </a:lnSpc>
             </a:pPr>
-            <a:fld id="{23FF4073-C6CA-484C-9379-8E08F23F3B79}" type="slidenum">
+            <a:fld id="{431C5215-E406-4048-B2B8-C1D20BD8D654}" type="slidenum">
               <a:rPr b="0" lang="de-DE" sz="1200" spc="-1" strike="noStrike">
                 <a:solidFill>
                   <a:srgbClr val="8b8b8b"/>
@@ -20496,7 +19921,7 @@
                 <a:latin typeface="Calibri"/>
                 <a:ea typeface="DejaVu Sans"/>
               </a:rPr>
-              <a:t>&lt;Foliennummer&gt;</a:t>
+              <a:t>1</a:t>
             </a:fld>
             <a:endParaRPr b="0" lang="de-DE" sz="1200" spc="-1" strike="noStrike">
               <a:latin typeface="Arial"/>
@@ -20513,7 +19938,7 @@
         <p:spPr>
           <a:xfrm>
             <a:off x="2070720" y="5602320"/>
-            <a:ext cx="7910640" cy="333000"/>
+            <a:ext cx="7910280" cy="332640"/>
           </a:xfrm>
           <a:prstGeom prst="rect">
             <a:avLst/>
@@ -20562,7 +19987,7 @@
         <p:spPr>
           <a:xfrm>
             <a:off x="1800000" y="1800000"/>
-            <a:ext cx="215280" cy="2087280"/>
+            <a:ext cx="214920" cy="2086920"/>
           </a:xfrm>
           <a:custGeom>
             <a:avLst/>
@@ -20626,7 +20051,7 @@
         <p:spPr>
           <a:xfrm>
             <a:off x="288000" y="2664000"/>
-            <a:ext cx="1655280" cy="601560"/>
+            <a:ext cx="1654920" cy="601200"/>
           </a:xfrm>
           <a:prstGeom prst="rect">
             <a:avLst/>
@@ -20675,13 +20100,13 @@
         <p:spPr>
           <a:xfrm>
             <a:off x="1800000" y="3960000"/>
-            <a:ext cx="216000" cy="720000"/>
+            <a:ext cx="215640" cy="719640"/>
           </a:xfrm>
           <a:custGeom>
             <a:avLst/>
             <a:gdLst/>
             <a:ahLst/>
-            <a:rect l="0" t="0" r="r" b="b"/>
+            <a:rect l="l" t="t" r="r" b="b"/>
             <a:pathLst>
               <a:path w="602" h="2002">
                 <a:moveTo>
@@ -20732,14 +20157,14 @@
       </p:sp>
       <p:sp>
         <p:nvSpPr>
-          <p:cNvPr id="190" name="TextShape 7"/>
-          <p:cNvSpPr txBox="1"/>
+          <p:cNvPr id="190" name="CustomShape 7"/>
+          <p:cNvSpPr/>
           <p:nvPr/>
         </p:nvSpPr>
         <p:spPr>
           <a:xfrm>
             <a:off x="432000" y="4176000"/>
-            <a:ext cx="1296000" cy="346320"/>
+            <a:ext cx="1295640" cy="345960"/>
           </a:xfrm>
           <a:prstGeom prst="rect">
             <a:avLst/>
@@ -20749,9 +20174,20 @@
             <a:noFill/>
           </a:ln>
         </p:spPr>
+        <p:style>
+          <a:lnRef idx="0"/>
+          <a:fillRef idx="0"/>
+          <a:effectRef idx="0"/>
+          <a:fontRef idx="minor"/>
+        </p:style>
         <p:txBody>
           <a:bodyPr lIns="90000" rIns="90000" tIns="45000" bIns="45000"/>
           <a:p>
+            <a:pPr>
+              <a:lnSpc>
+                <a:spcPct val="100000"/>
+              </a:lnSpc>
+            </a:pPr>
             <a:r>
               <a:rPr b="0" lang="de-DE" sz="1800" spc="-1" strike="noStrike">
                 <a:latin typeface="Arial"/>
@@ -20858,7 +20294,7 @@
         <p:spPr>
           <a:xfrm>
             <a:off x="950400" y="3893400"/>
-            <a:ext cx="202320" cy="205200"/>
+            <a:ext cx="201960" cy="204840"/>
           </a:xfrm>
           <a:prstGeom prst="ellipse">
             <a:avLst/>
@@ -20896,7 +20332,7 @@
         <p:spPr>
           <a:xfrm>
             <a:off x="0" y="272520"/>
-            <a:ext cx="12191040" cy="1324440"/>
+            <a:ext cx="12190680" cy="1324080"/>
           </a:xfrm>
           <a:prstGeom prst="rect">
             <a:avLst/>
@@ -20977,7 +20413,7 @@
         <p:spPr>
           <a:xfrm>
             <a:off x="827280" y="3764520"/>
-            <a:ext cx="448920" cy="450000"/>
+            <a:ext cx="448560" cy="449640"/>
           </a:xfrm>
           <a:prstGeom prst="donut">
             <a:avLst>
@@ -21023,7 +20459,7 @@
         <p:spPr>
           <a:xfrm>
             <a:off x="766800" y="3703680"/>
-            <a:ext cx="569520" cy="572040"/>
+            <a:ext cx="569160" cy="571680"/>
           </a:xfrm>
           <a:prstGeom prst="donut">
             <a:avLst>
@@ -21105,7 +20541,7 @@
         <p:spPr>
           <a:xfrm>
             <a:off x="965880" y="5137920"/>
-            <a:ext cx="171720" cy="151560"/>
+            <a:ext cx="171360" cy="151200"/>
           </a:xfrm>
           <a:prstGeom prst="ellipse">
             <a:avLst/>
@@ -21143,7 +20579,7 @@
         <p:spPr>
           <a:xfrm>
             <a:off x="575280" y="3324600"/>
-            <a:ext cx="1522800" cy="394560"/>
+            <a:ext cx="1522440" cy="394200"/>
           </a:xfrm>
           <a:prstGeom prst="rect">
             <a:avLst/>
@@ -21228,7 +20664,7 @@
         <p:spPr>
           <a:xfrm>
             <a:off x="2439360" y="3886920"/>
-            <a:ext cx="202320" cy="205200"/>
+            <a:ext cx="201960" cy="204840"/>
           </a:xfrm>
           <a:prstGeom prst="ellipse">
             <a:avLst/>
@@ -21266,7 +20702,7 @@
         <p:spPr>
           <a:xfrm>
             <a:off x="2316600" y="3764520"/>
-            <a:ext cx="448920" cy="450000"/>
+            <a:ext cx="448560" cy="449640"/>
           </a:xfrm>
           <a:prstGeom prst="donut">
             <a:avLst>
@@ -21312,7 +20748,7 @@
         <p:spPr>
           <a:xfrm>
             <a:off x="2256120" y="3703680"/>
-            <a:ext cx="569520" cy="572040"/>
+            <a:ext cx="569160" cy="571680"/>
           </a:xfrm>
           <a:prstGeom prst="donut">
             <a:avLst>
@@ -21394,7 +20830,7 @@
         <p:spPr>
           <a:xfrm>
             <a:off x="2453400" y="2702160"/>
-            <a:ext cx="171720" cy="151560"/>
+            <a:ext cx="171360" cy="151200"/>
           </a:xfrm>
           <a:prstGeom prst="ellipse">
             <a:avLst/>
@@ -21432,7 +20868,7 @@
         <p:spPr>
           <a:xfrm>
             <a:off x="2063520" y="4273920"/>
-            <a:ext cx="1522800" cy="394560"/>
+            <a:ext cx="1522440" cy="394200"/>
           </a:xfrm>
           <a:prstGeom prst="rect">
             <a:avLst/>
@@ -21481,7 +20917,7 @@
         <p:spPr>
           <a:xfrm>
             <a:off x="84960" y="5424840"/>
-            <a:ext cx="1932840" cy="638280"/>
+            <a:ext cx="1932480" cy="637920"/>
           </a:xfrm>
           <a:prstGeom prst="rect">
             <a:avLst/>
@@ -21530,7 +20966,7 @@
         <p:spPr>
           <a:xfrm>
             <a:off x="1163160" y="1760760"/>
-            <a:ext cx="2752200" cy="912600"/>
+            <a:ext cx="2751840" cy="912240"/>
           </a:xfrm>
           <a:prstGeom prst="rect">
             <a:avLst/>
@@ -21599,7 +21035,7 @@
         <p:spPr>
           <a:xfrm>
             <a:off x="8610480" y="6356520"/>
-            <a:ext cx="2742120" cy="363960"/>
+            <a:ext cx="2741760" cy="363600"/>
           </a:xfrm>
           <a:prstGeom prst="rect">
             <a:avLst/>
@@ -21623,7 +21059,7 @@
                 <a:spcPct val="100000"/>
               </a:lnSpc>
             </a:pPr>
-            <a:fld id="{8F8FDB66-B9B2-4B91-B474-D7FD4FC220BF}" type="slidenum">
+            <a:fld id="{49B73881-FC5E-4ED8-9D2F-70CCB3EE3224}" type="slidenum">
               <a:rPr b="0" lang="de-DE" sz="1200" spc="-1" strike="noStrike">
                 <a:solidFill>
                   <a:srgbClr val="8b8b8b"/>
@@ -21631,7 +21067,7 @@
                 <a:latin typeface="Calibri"/>
                 <a:ea typeface="DejaVu Sans"/>
               </a:rPr>
-              <a:t>&lt;Foliennummer&gt;</a:t>
+              <a:t>1</a:t>
             </a:fld>
             <a:endParaRPr b="0" lang="de-DE" sz="1200" spc="-1" strike="noStrike">
               <a:latin typeface="Arial"/>

--- a/K-means clustering.pptx
+++ b/K-means clustering.pptx
@@ -122,6 +122,11 @@
       </a:defRPr>
     </a:lvl9pPr>
   </p:defaultTextStyle>
+  <p:extLst>
+    <p:ext uri="{EFAFB233-063F-42B5-8137-9DF3F51BA10A}">
+      <p15:sldGuideLst xmlns:p15="http://schemas.microsoft.com/office/powerpoint/2012/main"/>
+    </p:ext>
+  </p:extLst>
 </p:presentation>
 </file>
 
@@ -19674,137 +19679,6 @@
               <a:buAutoNum type="arabicPeriod"/>
             </a:pPr>
             <a:r>
-              <a:rPr lang="de-DE" sz="2800" b="0" strike="noStrike" spc="-1" dirty="0">
-                <a:solidFill>
-                  <a:srgbClr val="000000"/>
-                </a:solidFill>
-                <a:latin typeface="Arial"/>
-                <a:ea typeface="DejaVu Sans"/>
-              </a:rPr>
-              <a:t>Find </a:t>
-            </a:r>
-            <a:r>
-              <a:rPr lang="de-DE" sz="2800" b="1" strike="noStrike" spc="-1" dirty="0">
-                <a:solidFill>
-                  <a:srgbClr val="C55A11"/>
-                </a:solidFill>
-                <a:latin typeface="Arial"/>
-                <a:ea typeface="DejaVu Sans"/>
-              </a:rPr>
-              <a:t>minimal </a:t>
-            </a:r>
-            <a:r>
-              <a:rPr lang="de-DE" sz="2800" b="1" strike="noStrike" spc="-1" dirty="0" err="1">
-                <a:solidFill>
-                  <a:srgbClr val="C55A11"/>
-                </a:solidFill>
-                <a:latin typeface="Arial"/>
-                <a:ea typeface="DejaVu Sans"/>
-              </a:rPr>
-              <a:t>Euclidian</a:t>
-            </a:r>
-            <a:r>
-              <a:rPr lang="de-DE" sz="2800" b="0" strike="noStrike" spc="-1" dirty="0">
-                <a:solidFill>
-                  <a:srgbClr val="C55A11"/>
-                </a:solidFill>
-                <a:latin typeface="Arial"/>
-                <a:ea typeface="DejaVu Sans"/>
-              </a:rPr>
-              <a:t> </a:t>
-            </a:r>
-            <a:r>
-              <a:rPr lang="de-DE" sz="2800" b="0" strike="noStrike" spc="-1" dirty="0" err="1">
-                <a:solidFill>
-                  <a:srgbClr val="000000"/>
-                </a:solidFill>
-                <a:latin typeface="Arial"/>
-                <a:ea typeface="DejaVu Sans"/>
-              </a:rPr>
-              <a:t>distance</a:t>
-            </a:r>
-            <a:r>
-              <a:rPr lang="de-DE" sz="2800" b="0" strike="noStrike" spc="-1" dirty="0">
-                <a:solidFill>
-                  <a:srgbClr val="000000"/>
-                </a:solidFill>
-                <a:latin typeface="Arial"/>
-                <a:ea typeface="DejaVu Sans"/>
-              </a:rPr>
-              <a:t> </a:t>
-            </a:r>
-            <a:r>
-              <a:rPr lang="de-DE" sz="2800" b="0" strike="noStrike" spc="-1" dirty="0" err="1">
-                <a:solidFill>
-                  <a:srgbClr val="000000"/>
-                </a:solidFill>
-                <a:latin typeface="Arial"/>
-                <a:ea typeface="DejaVu Sans"/>
-              </a:rPr>
-              <a:t>between</a:t>
-            </a:r>
-            <a:r>
-              <a:rPr lang="de-DE" sz="2800" b="0" strike="noStrike" spc="-1" dirty="0">
-                <a:solidFill>
-                  <a:srgbClr val="000000"/>
-                </a:solidFill>
-                <a:latin typeface="Arial"/>
-                <a:ea typeface="DejaVu Sans"/>
-              </a:rPr>
-              <a:t> </a:t>
-            </a:r>
-            <a:r>
-              <a:rPr lang="de-DE" sz="2800" b="0" strike="noStrike" spc="-1" dirty="0" err="1">
-                <a:solidFill>
-                  <a:srgbClr val="000000"/>
-                </a:solidFill>
-                <a:latin typeface="Arial"/>
-                <a:ea typeface="DejaVu Sans"/>
-              </a:rPr>
-              <a:t>object</a:t>
-            </a:r>
-            <a:r>
-              <a:rPr lang="de-DE" sz="2800" b="0" strike="noStrike" spc="-1" dirty="0">
-                <a:solidFill>
-                  <a:srgbClr val="000000"/>
-                </a:solidFill>
-                <a:latin typeface="Arial"/>
-                <a:ea typeface="DejaVu Sans"/>
-              </a:rPr>
-              <a:t> and </a:t>
-            </a:r>
-            <a:r>
-              <a:rPr lang="de-DE" sz="2800" b="0" strike="noStrike" spc="-1" dirty="0" err="1">
-                <a:solidFill>
-                  <a:srgbClr val="000000"/>
-                </a:solidFill>
-                <a:latin typeface="Arial"/>
-                <a:ea typeface="DejaVu Sans"/>
-              </a:rPr>
-              <a:t>centroid</a:t>
-            </a:r>
-            <a:endParaRPr lang="de-DE" sz="2800" b="0" strike="noStrike" spc="-1" dirty="0">
-              <a:solidFill>
-                <a:srgbClr val="000000"/>
-              </a:solidFill>
-              <a:latin typeface="Arial"/>
-            </a:endParaRPr>
-          </a:p>
-          <a:p>
-            <a:pPr marL="514440" indent="-514080">
-              <a:lnSpc>
-                <a:spcPct val="90000"/>
-              </a:lnSpc>
-              <a:spcBef>
-                <a:spcPts val="1001"/>
-              </a:spcBef>
-              <a:buClr>
-                <a:srgbClr val="000000"/>
-              </a:buClr>
-              <a:buFont typeface="Arial"/>
-              <a:buAutoNum type="arabicPeriod"/>
-            </a:pPr>
-            <a:r>
               <a:rPr lang="de-DE" sz="2800" b="0" strike="noStrike" spc="-1" dirty="0" err="1">
                 <a:solidFill>
                   <a:srgbClr val="000000"/>
@@ -20276,7 +20150,7 @@
         <p:spPr>
           <a:xfrm>
             <a:off x="8696610" y="3148740"/>
-            <a:ext cx="848880" cy="2503800"/>
+            <a:ext cx="848880" cy="1651500"/>
           </a:xfrm>
           <a:prstGeom prst="rightBrace">
             <a:avLst>
@@ -20613,7 +20487,7 @@
         </p:nvSpPr>
         <p:spPr>
           <a:xfrm>
-            <a:off x="158399" y="1737360"/>
+            <a:off x="380468" y="1961846"/>
             <a:ext cx="6595097" cy="4350960"/>
           </a:xfrm>
           <a:prstGeom prst="rect">
@@ -21137,6 +21011,15 @@
                 <a:srgbClr val="000000"/>
               </a:buClr>
             </a:pPr>
+            <a:r>
+              <a:rPr lang="tr-TR" sz="2800" b="0" strike="noStrike" spc="-1" dirty="0">
+                <a:solidFill>
+                  <a:srgbClr val="000000"/>
+                </a:solidFill>
+                <a:latin typeface="Arial"/>
+              </a:rPr>
+              <a:t>	</a:t>
+            </a:r>
             <a:r>
               <a:rPr lang="tr-TR" sz="2800" b="0" strike="noStrike" spc="-1" dirty="0" err="1">
                 <a:solidFill>
@@ -21639,7 +21522,7 @@
         </p:blipFill>
         <p:spPr>
           <a:xfrm>
-            <a:off x="4447594" y="3131486"/>
+            <a:off x="4695872" y="3429000"/>
             <a:ext cx="2357434" cy="1005840"/>
           </a:xfrm>
           <a:prstGeom prst="rect">
@@ -21838,8 +21721,8 @@
         </p:nvSpPr>
         <p:spPr>
           <a:xfrm>
-            <a:off x="609840" y="1943640"/>
-            <a:ext cx="10972080" cy="3976920"/>
+            <a:off x="794691" y="1879960"/>
+            <a:ext cx="10972080" cy="523220"/>
           </a:xfrm>
           <a:prstGeom prst="rect">
             <a:avLst/>
@@ -21867,14 +21750,14 @@
               </a:buClr>
             </a:pPr>
             <a:r>
-              <a:rPr lang="tr-TR" sz="2800" b="0" strike="noStrike" spc="-1" dirty="0">
+              <a:rPr lang="tr-TR" sz="2800" b="1" strike="noStrike" spc="-1" dirty="0">
                 <a:latin typeface="Arial"/>
                 <a:ea typeface="DejaVu Sans"/>
               </a:rPr>
               <a:t>Mini-</a:t>
             </a:r>
             <a:r>
-              <a:rPr lang="tr-TR" sz="2800" b="0" strike="noStrike" spc="-1" dirty="0" err="1">
+              <a:rPr lang="tr-TR" sz="2800" b="1" strike="noStrike" spc="-1" dirty="0" err="1">
                 <a:latin typeface="Arial"/>
                 <a:ea typeface="DejaVu Sans"/>
               </a:rPr>
@@ -22005,722 +21888,8 @@
                 <a:latin typeface="Arial"/>
                 <a:ea typeface="DejaVu Sans"/>
               </a:rPr>
-              <a:t> data.</a:t>
-            </a:r>
-          </a:p>
-          <a:p>
-            <a:pPr marL="360">
-              <a:lnSpc>
-                <a:spcPct val="90000"/>
-              </a:lnSpc>
-              <a:spcBef>
-                <a:spcPts val="1001"/>
-              </a:spcBef>
-              <a:buClr>
-                <a:srgbClr val="000000"/>
-              </a:buClr>
-            </a:pPr>
-            <a:endParaRPr lang="tr-TR" sz="2800" b="0" strike="noStrike" spc="-1" dirty="0">
-              <a:solidFill>
-                <a:srgbClr val="000000"/>
-              </a:solidFill>
-              <a:latin typeface="Arial"/>
-              <a:ea typeface="DejaVu Sans"/>
-            </a:endParaRPr>
-          </a:p>
-          <a:p>
-            <a:pPr marL="514440" indent="-514080">
-              <a:lnSpc>
-                <a:spcPct val="90000"/>
-              </a:lnSpc>
-              <a:spcBef>
-                <a:spcPts val="1001"/>
-              </a:spcBef>
-              <a:buClr>
-                <a:srgbClr val="000000"/>
-              </a:buClr>
-              <a:buFont typeface="Arial"/>
-              <a:buAutoNum type="arabicPeriod"/>
-            </a:pPr>
-            <a:r>
-              <a:rPr lang="de-DE" sz="2800" b="0" strike="noStrike" spc="-1" dirty="0" err="1">
-                <a:solidFill>
-                  <a:srgbClr val="000000"/>
-                </a:solidFill>
-                <a:latin typeface="Arial"/>
-                <a:ea typeface="DejaVu Sans"/>
-              </a:rPr>
-              <a:t>Centroids</a:t>
-            </a:r>
-            <a:r>
-              <a:rPr lang="de-DE" sz="2800" b="0" strike="noStrike" spc="-1" dirty="0">
-                <a:solidFill>
-                  <a:srgbClr val="000000"/>
-                </a:solidFill>
-                <a:latin typeface="Arial"/>
-                <a:ea typeface="DejaVu Sans"/>
-              </a:rPr>
-              <a:t> </a:t>
-            </a:r>
-            <a:r>
-              <a:rPr lang="de-DE" sz="2800" b="0" strike="noStrike" spc="-1" dirty="0" err="1">
-                <a:solidFill>
-                  <a:srgbClr val="000000"/>
-                </a:solidFill>
-                <a:latin typeface="Arial"/>
-                <a:ea typeface="DejaVu Sans"/>
-              </a:rPr>
-              <a:t>placed</a:t>
-            </a:r>
-            <a:r>
-              <a:rPr lang="de-DE" sz="2800" b="0" strike="noStrike" spc="-1" dirty="0">
-                <a:solidFill>
-                  <a:srgbClr val="000000"/>
-                </a:solidFill>
-                <a:latin typeface="Arial"/>
-                <a:ea typeface="DejaVu Sans"/>
-              </a:rPr>
-              <a:t> </a:t>
-            </a:r>
-            <a:r>
-              <a:rPr lang="de-DE" sz="2800" b="0" strike="noStrike" spc="-1" dirty="0" err="1">
-                <a:solidFill>
-                  <a:srgbClr val="000000"/>
-                </a:solidFill>
-                <a:latin typeface="Arial"/>
-                <a:ea typeface="DejaVu Sans"/>
-              </a:rPr>
-              <a:t>into</a:t>
-            </a:r>
-            <a:r>
-              <a:rPr lang="de-DE" sz="2800" b="0" strike="noStrike" spc="-1" dirty="0">
-                <a:solidFill>
-                  <a:srgbClr val="000000"/>
-                </a:solidFill>
-                <a:latin typeface="Arial"/>
-                <a:ea typeface="DejaVu Sans"/>
-              </a:rPr>
-              <a:t> </a:t>
-            </a:r>
-            <a:r>
-              <a:rPr lang="de-DE" sz="2800" b="0" strike="noStrike" spc="-1" dirty="0" err="1">
-                <a:solidFill>
-                  <a:srgbClr val="000000"/>
-                </a:solidFill>
-                <a:latin typeface="Arial"/>
-                <a:ea typeface="DejaVu Sans"/>
-              </a:rPr>
-              <a:t>data</a:t>
-            </a:r>
-            <a:r>
-              <a:rPr lang="de-DE" sz="2800" b="0" strike="noStrike" spc="-1" dirty="0">
-                <a:solidFill>
-                  <a:srgbClr val="000000"/>
-                </a:solidFill>
-                <a:latin typeface="Arial"/>
-                <a:ea typeface="DejaVu Sans"/>
-              </a:rPr>
-              <a:t> </a:t>
-            </a:r>
-            <a:r>
-              <a:rPr lang="de-DE" sz="2800" b="0" strike="noStrike" spc="-1" dirty="0" err="1">
-                <a:solidFill>
-                  <a:srgbClr val="000000"/>
-                </a:solidFill>
-                <a:latin typeface="Arial"/>
-                <a:ea typeface="DejaVu Sans"/>
-              </a:rPr>
-              <a:t>with</a:t>
-            </a:r>
-            <a:r>
-              <a:rPr lang="de-DE" sz="2800" b="0" strike="noStrike" spc="-1" dirty="0">
-                <a:solidFill>
-                  <a:srgbClr val="000000"/>
-                </a:solidFill>
-                <a:latin typeface="Arial"/>
-                <a:ea typeface="DejaVu Sans"/>
-              </a:rPr>
-              <a:t> a </a:t>
-            </a:r>
-            <a:r>
-              <a:rPr lang="de-DE" sz="2800" b="0" strike="noStrike" spc="-1" dirty="0" err="1">
-                <a:solidFill>
-                  <a:srgbClr val="000000"/>
-                </a:solidFill>
-                <a:latin typeface="Arial"/>
-                <a:ea typeface="DejaVu Sans"/>
-              </a:rPr>
-              <a:t>decided</a:t>
-            </a:r>
-            <a:r>
-              <a:rPr lang="de-DE" sz="2800" b="0" strike="noStrike" spc="-1" dirty="0">
-                <a:solidFill>
-                  <a:srgbClr val="000000"/>
-                </a:solidFill>
-                <a:latin typeface="Arial"/>
-                <a:ea typeface="DejaVu Sans"/>
-              </a:rPr>
-              <a:t> </a:t>
-            </a:r>
-            <a:r>
-              <a:rPr lang="de-DE" sz="2800" b="0" strike="noStrike" spc="-1" dirty="0" err="1">
-                <a:solidFill>
-                  <a:srgbClr val="000000"/>
-                </a:solidFill>
-                <a:latin typeface="Arial"/>
-                <a:ea typeface="DejaVu Sans"/>
-              </a:rPr>
-              <a:t>amount</a:t>
-            </a:r>
-            <a:r>
-              <a:rPr lang="de-DE" sz="2800" b="0" strike="noStrike" spc="-1" dirty="0">
-                <a:solidFill>
-                  <a:srgbClr val="000000"/>
-                </a:solidFill>
-                <a:latin typeface="Arial"/>
-                <a:ea typeface="DejaVu Sans"/>
-              </a:rPr>
-              <a:t> </a:t>
-            </a:r>
-            <a:r>
-              <a:rPr lang="de-DE" sz="2800" b="0" strike="noStrike" spc="-1" dirty="0" err="1">
-                <a:solidFill>
-                  <a:srgbClr val="000000"/>
-                </a:solidFill>
-                <a:latin typeface="Arial"/>
-                <a:ea typeface="DejaVu Sans"/>
-              </a:rPr>
-              <a:t>of</a:t>
-            </a:r>
-            <a:r>
-              <a:rPr lang="de-DE" sz="2800" b="0" strike="noStrike" spc="-1" dirty="0">
-                <a:solidFill>
-                  <a:srgbClr val="000000"/>
-                </a:solidFill>
-                <a:latin typeface="Arial"/>
-                <a:ea typeface="DejaVu Sans"/>
-              </a:rPr>
-              <a:t> batch-</a:t>
-            </a:r>
-            <a:r>
-              <a:rPr lang="de-DE" sz="2800" b="0" strike="noStrike" spc="-1" dirty="0" err="1">
-                <a:solidFill>
-                  <a:srgbClr val="000000"/>
-                </a:solidFill>
-                <a:latin typeface="Arial"/>
-                <a:ea typeface="DejaVu Sans"/>
-              </a:rPr>
-              <a:t>growth</a:t>
-            </a:r>
-            <a:endParaRPr lang="de-DE" sz="2800" b="0" strike="noStrike" spc="-1" dirty="0">
-              <a:solidFill>
-                <a:srgbClr val="000000"/>
-              </a:solidFill>
-              <a:latin typeface="Arial"/>
-            </a:endParaRPr>
-          </a:p>
-          <a:p>
-            <a:pPr marL="514440" indent="-514080">
-              <a:lnSpc>
-                <a:spcPct val="90000"/>
-              </a:lnSpc>
-              <a:spcBef>
-                <a:spcPts val="1001"/>
-              </a:spcBef>
-              <a:buClr>
-                <a:srgbClr val="000000"/>
-              </a:buClr>
-              <a:buFont typeface="Arial"/>
-              <a:buAutoNum type="arabicPeriod"/>
-            </a:pPr>
-            <a:r>
-              <a:rPr lang="de-DE" sz="2800" b="0" strike="noStrike" spc="-1" dirty="0" err="1">
-                <a:solidFill>
-                  <a:srgbClr val="000000"/>
-                </a:solidFill>
-                <a:latin typeface="Arial"/>
-                <a:ea typeface="DejaVu Sans"/>
-              </a:rPr>
-              <a:t>Centroid</a:t>
-            </a:r>
-            <a:r>
-              <a:rPr lang="de-DE" sz="2800" b="0" strike="noStrike" spc="-1" dirty="0">
-                <a:solidFill>
-                  <a:srgbClr val="000000"/>
-                </a:solidFill>
-                <a:latin typeface="Arial"/>
-                <a:ea typeface="DejaVu Sans"/>
-              </a:rPr>
-              <a:t> </a:t>
-            </a:r>
-            <a:r>
-              <a:rPr lang="tr-TR" sz="2800" b="0" strike="noStrike" spc="-1" dirty="0" err="1">
-                <a:solidFill>
-                  <a:srgbClr val="000000"/>
-                </a:solidFill>
-                <a:latin typeface="Arial"/>
-                <a:ea typeface="DejaVu Sans"/>
-              </a:rPr>
-              <a:t>update</a:t>
-            </a:r>
-            <a:r>
-              <a:rPr lang="de-DE" sz="2800" b="0" strike="noStrike" spc="-1" dirty="0">
-                <a:solidFill>
-                  <a:srgbClr val="000000"/>
-                </a:solidFill>
-                <a:latin typeface="Arial"/>
-                <a:ea typeface="DejaVu Sans"/>
-              </a:rPr>
-              <a:t> per-sample</a:t>
-            </a:r>
-            <a:r>
-              <a:rPr lang="tr-TR" sz="2800" b="0" strike="noStrike" spc="-1" dirty="0">
-                <a:solidFill>
-                  <a:srgbClr val="000000"/>
-                </a:solidFill>
-                <a:latin typeface="Arial"/>
-                <a:ea typeface="DejaVu Sans"/>
-              </a:rPr>
-              <a:t>, </a:t>
-            </a:r>
-            <a:r>
-              <a:rPr lang="tr-TR" sz="2800" b="0" strike="noStrike" spc="-1" dirty="0" err="1">
-                <a:solidFill>
-                  <a:srgbClr val="000000"/>
-                </a:solidFill>
-                <a:latin typeface="Arial"/>
-                <a:ea typeface="DejaVu Sans"/>
-              </a:rPr>
-              <a:t>using</a:t>
-            </a:r>
-            <a:r>
-              <a:rPr lang="tr-TR" sz="2800" b="0" strike="noStrike" spc="-1" dirty="0">
-                <a:solidFill>
-                  <a:srgbClr val="000000"/>
-                </a:solidFill>
-                <a:latin typeface="Arial"/>
-                <a:ea typeface="DejaVu Sans"/>
-              </a:rPr>
-              <a:t> </a:t>
-            </a:r>
-            <a:r>
-              <a:rPr lang="tr-TR" sz="2800" b="0" strike="noStrike" spc="-1" dirty="0" err="1">
-                <a:solidFill>
-                  <a:srgbClr val="000000"/>
-                </a:solidFill>
-                <a:latin typeface="Arial"/>
-                <a:ea typeface="DejaVu Sans"/>
-              </a:rPr>
-              <a:t>streaming</a:t>
-            </a:r>
-            <a:r>
-              <a:rPr lang="tr-TR" sz="2800" b="0" strike="noStrike" spc="-1" dirty="0">
-                <a:solidFill>
-                  <a:srgbClr val="000000"/>
-                </a:solidFill>
-                <a:latin typeface="Arial"/>
-                <a:ea typeface="DejaVu Sans"/>
-              </a:rPr>
-              <a:t> </a:t>
-            </a:r>
-            <a:r>
-              <a:rPr lang="tr-TR" sz="2800" b="0" strike="noStrike" spc="-1" dirty="0" err="1">
-                <a:solidFill>
-                  <a:srgbClr val="000000"/>
-                </a:solidFill>
-                <a:latin typeface="Arial"/>
-                <a:ea typeface="DejaVu Sans"/>
-              </a:rPr>
-              <a:t>average</a:t>
-            </a:r>
-            <a:endParaRPr lang="de-DE" sz="2800" b="0" strike="noStrike" spc="-1" dirty="0">
-              <a:solidFill>
-                <a:srgbClr val="000000"/>
-              </a:solidFill>
-              <a:latin typeface="Arial"/>
-            </a:endParaRPr>
-          </a:p>
-          <a:p>
-            <a:pPr marL="514440" indent="-514080">
-              <a:lnSpc>
-                <a:spcPct val="90000"/>
-              </a:lnSpc>
-              <a:spcBef>
-                <a:spcPts val="1001"/>
-              </a:spcBef>
-              <a:buClr>
-                <a:srgbClr val="000000"/>
-              </a:buClr>
-              <a:buFont typeface="Arial"/>
-              <a:buAutoNum type="arabicPeriod"/>
-            </a:pPr>
-            <a:r>
-              <a:rPr lang="de-DE" sz="2800" b="0" strike="noStrike" spc="-1" dirty="0" err="1">
-                <a:solidFill>
-                  <a:srgbClr val="000000"/>
-                </a:solidFill>
-                <a:latin typeface="Arial"/>
-                <a:ea typeface="DejaVu Sans"/>
-              </a:rPr>
-              <a:t>Arrange</a:t>
-            </a:r>
-            <a:r>
-              <a:rPr lang="de-DE" sz="2800" b="0" strike="noStrike" spc="-1" dirty="0">
-                <a:solidFill>
-                  <a:srgbClr val="000000"/>
-                </a:solidFill>
-                <a:latin typeface="Arial"/>
-                <a:ea typeface="DejaVu Sans"/>
-              </a:rPr>
-              <a:t> </a:t>
-            </a:r>
-            <a:r>
-              <a:rPr lang="de-DE" sz="2800" b="0" strike="noStrike" spc="-1" dirty="0" err="1">
-                <a:solidFill>
-                  <a:srgbClr val="000000"/>
-                </a:solidFill>
-                <a:latin typeface="Arial"/>
-                <a:ea typeface="DejaVu Sans"/>
-              </a:rPr>
-              <a:t>centroid</a:t>
-            </a:r>
-            <a:r>
-              <a:rPr lang="de-DE" sz="2800" b="0" strike="noStrike" spc="-1" dirty="0">
-                <a:solidFill>
-                  <a:srgbClr val="000000"/>
-                </a:solidFill>
-                <a:latin typeface="Arial"/>
-                <a:ea typeface="DejaVu Sans"/>
-              </a:rPr>
-              <a:t> </a:t>
-            </a:r>
-            <a:r>
-              <a:rPr lang="de-DE" sz="2800" b="0" strike="noStrike" spc="-1" dirty="0" err="1">
-                <a:solidFill>
-                  <a:srgbClr val="000000"/>
-                </a:solidFill>
-                <a:latin typeface="Arial"/>
-                <a:ea typeface="DejaVu Sans"/>
-              </a:rPr>
-              <a:t>according</a:t>
-            </a:r>
-            <a:r>
-              <a:rPr lang="de-DE" sz="2800" b="0" strike="noStrike" spc="-1" dirty="0">
-                <a:solidFill>
-                  <a:srgbClr val="000000"/>
-                </a:solidFill>
-                <a:latin typeface="Arial"/>
-                <a:ea typeface="DejaVu Sans"/>
-              </a:rPr>
-              <a:t> </a:t>
-            </a:r>
-            <a:r>
-              <a:rPr lang="de-DE" sz="2800" b="0" strike="noStrike" spc="-1" dirty="0" err="1">
-                <a:solidFill>
-                  <a:srgbClr val="000000"/>
-                </a:solidFill>
-                <a:latin typeface="Arial"/>
-                <a:ea typeface="DejaVu Sans"/>
-              </a:rPr>
-              <a:t>to</a:t>
-            </a:r>
-            <a:r>
-              <a:rPr lang="de-DE" sz="2800" b="0" strike="noStrike" spc="-1" dirty="0">
-                <a:solidFill>
-                  <a:srgbClr val="000000"/>
-                </a:solidFill>
-                <a:latin typeface="Arial"/>
-                <a:ea typeface="DejaVu Sans"/>
-              </a:rPr>
-              <a:t> </a:t>
-            </a:r>
-            <a:r>
-              <a:rPr lang="de-DE" sz="2800" b="0" strike="noStrike" spc="-1" dirty="0" err="1">
-                <a:solidFill>
-                  <a:srgbClr val="000000"/>
-                </a:solidFill>
-                <a:latin typeface="Arial"/>
-                <a:ea typeface="DejaVu Sans"/>
-              </a:rPr>
-              <a:t>the</a:t>
-            </a:r>
-            <a:r>
-              <a:rPr lang="de-DE" sz="2800" b="0" strike="noStrike" spc="-1" dirty="0">
-                <a:solidFill>
-                  <a:srgbClr val="000000"/>
-                </a:solidFill>
-                <a:latin typeface="Arial"/>
-                <a:ea typeface="DejaVu Sans"/>
-              </a:rPr>
-              <a:t> minimal </a:t>
-            </a:r>
-            <a:r>
-              <a:rPr lang="tr-TR" sz="2800" b="0" strike="noStrike" spc="-1" dirty="0">
-                <a:solidFill>
-                  <a:srgbClr val="000000"/>
-                </a:solidFill>
-                <a:latin typeface="Arial"/>
-                <a:ea typeface="DejaVu Sans"/>
-              </a:rPr>
-              <a:t>e</a:t>
-            </a:r>
-            <a:r>
-              <a:rPr lang="de-DE" sz="2800" b="0" strike="noStrike" spc="-1" dirty="0" err="1">
-                <a:solidFill>
-                  <a:srgbClr val="000000"/>
-                </a:solidFill>
-                <a:latin typeface="Arial"/>
-                <a:ea typeface="DejaVu Sans"/>
-              </a:rPr>
-              <a:t>uclidian</a:t>
-            </a:r>
-            <a:r>
-              <a:rPr lang="de-DE" sz="2800" b="0" strike="noStrike" spc="-1" dirty="0">
-                <a:solidFill>
-                  <a:srgbClr val="000000"/>
-                </a:solidFill>
-                <a:latin typeface="Arial"/>
-                <a:ea typeface="DejaVu Sans"/>
-              </a:rPr>
-              <a:t> median</a:t>
-            </a:r>
-            <a:r>
-              <a:rPr lang="tr-TR" sz="2800" b="0" strike="noStrike" spc="-1" dirty="0">
-                <a:solidFill>
-                  <a:srgbClr val="000000"/>
-                </a:solidFill>
-                <a:latin typeface="Arial"/>
-                <a:ea typeface="DejaVu Sans"/>
-              </a:rPr>
-              <a:t> </a:t>
-            </a:r>
-            <a:r>
-              <a:rPr lang="tr-TR" sz="2800" b="0" strike="noStrike" spc="-1" dirty="0" err="1">
-                <a:solidFill>
-                  <a:srgbClr val="000000"/>
-                </a:solidFill>
-                <a:latin typeface="Arial"/>
-                <a:ea typeface="DejaVu Sans"/>
-              </a:rPr>
-              <a:t>distance</a:t>
-            </a:r>
-            <a:r>
-              <a:rPr lang="de-DE" sz="2800" b="0" strike="noStrike" spc="-1" dirty="0">
-                <a:solidFill>
-                  <a:srgbClr val="000000"/>
-                </a:solidFill>
-                <a:latin typeface="Arial"/>
-                <a:ea typeface="DejaVu Sans"/>
-              </a:rPr>
-              <a:t> </a:t>
-            </a:r>
-            <a:r>
-              <a:rPr lang="de-DE" sz="2800" b="0" strike="noStrike" spc="-1" dirty="0" err="1">
-                <a:solidFill>
-                  <a:srgbClr val="000000"/>
-                </a:solidFill>
-                <a:latin typeface="Arial"/>
-                <a:ea typeface="DejaVu Sans"/>
-              </a:rPr>
-              <a:t>of</a:t>
-            </a:r>
-            <a:r>
-              <a:rPr lang="de-DE" sz="2800" b="0" strike="noStrike" spc="-1" dirty="0">
-                <a:solidFill>
-                  <a:srgbClr val="000000"/>
-                </a:solidFill>
-                <a:latin typeface="Arial"/>
-                <a:ea typeface="DejaVu Sans"/>
-              </a:rPr>
-              <a:t> </a:t>
-            </a:r>
-            <a:r>
-              <a:rPr lang="de-DE" sz="2800" b="0" strike="noStrike" spc="-1" dirty="0" err="1">
-                <a:solidFill>
-                  <a:srgbClr val="000000"/>
-                </a:solidFill>
-                <a:latin typeface="Arial"/>
-                <a:ea typeface="DejaVu Sans"/>
-              </a:rPr>
-              <a:t>first</a:t>
-            </a:r>
-            <a:r>
-              <a:rPr lang="de-DE" sz="2800" b="0" strike="noStrike" spc="-1" dirty="0">
-                <a:solidFill>
-                  <a:srgbClr val="000000"/>
-                </a:solidFill>
-                <a:latin typeface="Arial"/>
-                <a:ea typeface="DejaVu Sans"/>
-              </a:rPr>
-              <a:t> sample</a:t>
-            </a:r>
-            <a:endParaRPr lang="de-DE" sz="2800" b="0" strike="noStrike" spc="-1" dirty="0">
-              <a:solidFill>
-                <a:srgbClr val="000000"/>
-              </a:solidFill>
-              <a:latin typeface="Arial"/>
-            </a:endParaRPr>
-          </a:p>
-          <a:p>
-            <a:pPr marL="514440" indent="-514080">
-              <a:lnSpc>
-                <a:spcPct val="90000"/>
-              </a:lnSpc>
-              <a:spcBef>
-                <a:spcPts val="1001"/>
-              </a:spcBef>
-              <a:buClr>
-                <a:srgbClr val="000000"/>
-              </a:buClr>
-              <a:buFont typeface="Arial"/>
-              <a:buAutoNum type="arabicPeriod"/>
-            </a:pPr>
-            <a:r>
-              <a:rPr lang="de-DE" sz="2800" b="0" strike="noStrike" spc="-1" dirty="0" err="1">
-                <a:solidFill>
-                  <a:srgbClr val="000000"/>
-                </a:solidFill>
-                <a:latin typeface="Arial"/>
-                <a:ea typeface="DejaVu Sans"/>
-              </a:rPr>
-              <a:t>than</a:t>
-            </a:r>
-            <a:r>
-              <a:rPr lang="de-DE" sz="2800" b="0" strike="noStrike" spc="-1" dirty="0">
-                <a:solidFill>
-                  <a:srgbClr val="000000"/>
-                </a:solidFill>
-                <a:latin typeface="Arial"/>
-                <a:ea typeface="DejaVu Sans"/>
-              </a:rPr>
-              <a:t> </a:t>
-            </a:r>
-            <a:r>
-              <a:rPr lang="de-DE" sz="2800" b="0" strike="noStrike" spc="-1" dirty="0" err="1">
-                <a:solidFill>
-                  <a:srgbClr val="000000"/>
-                </a:solidFill>
-                <a:latin typeface="Arial"/>
-                <a:ea typeface="DejaVu Sans"/>
-              </a:rPr>
-              <a:t>the</a:t>
-            </a:r>
-            <a:r>
-              <a:rPr lang="de-DE" sz="2800" b="0" strike="noStrike" spc="-1" dirty="0">
-                <a:solidFill>
-                  <a:srgbClr val="000000"/>
-                </a:solidFill>
-                <a:latin typeface="Arial"/>
-                <a:ea typeface="DejaVu Sans"/>
-              </a:rPr>
-              <a:t> median </a:t>
-            </a:r>
-            <a:r>
-              <a:rPr lang="de-DE" sz="2800" b="0" strike="noStrike" spc="-1" dirty="0" err="1">
-                <a:solidFill>
-                  <a:srgbClr val="000000"/>
-                </a:solidFill>
-                <a:latin typeface="Arial"/>
-                <a:ea typeface="DejaVu Sans"/>
-              </a:rPr>
-              <a:t>distance</a:t>
-            </a:r>
-            <a:r>
-              <a:rPr lang="de-DE" sz="2800" b="0" strike="noStrike" spc="-1" dirty="0">
-                <a:solidFill>
-                  <a:srgbClr val="000000"/>
-                </a:solidFill>
-                <a:latin typeface="Arial"/>
-                <a:ea typeface="DejaVu Sans"/>
-              </a:rPr>
-              <a:t> </a:t>
-            </a:r>
-            <a:r>
-              <a:rPr lang="de-DE" sz="2800" b="0" strike="noStrike" spc="-1" dirty="0" err="1">
-                <a:solidFill>
-                  <a:srgbClr val="000000"/>
-                </a:solidFill>
-                <a:latin typeface="Arial"/>
-                <a:ea typeface="DejaVu Sans"/>
-              </a:rPr>
-              <a:t>of</a:t>
-            </a:r>
-            <a:r>
-              <a:rPr lang="de-DE" sz="2800" b="0" strike="noStrike" spc="-1" dirty="0">
-                <a:solidFill>
-                  <a:srgbClr val="000000"/>
-                </a:solidFill>
-                <a:latin typeface="Arial"/>
-                <a:ea typeface="DejaVu Sans"/>
-              </a:rPr>
-              <a:t> </a:t>
-            </a:r>
-            <a:r>
-              <a:rPr lang="de-DE" sz="2800" b="0" strike="noStrike" spc="-1" dirty="0" err="1">
-                <a:solidFill>
-                  <a:srgbClr val="000000"/>
-                </a:solidFill>
-                <a:latin typeface="Arial"/>
-                <a:ea typeface="DejaVu Sans"/>
-              </a:rPr>
-              <a:t>the</a:t>
-            </a:r>
-            <a:r>
-              <a:rPr lang="de-DE" sz="2800" b="0" strike="noStrike" spc="-1" dirty="0">
-                <a:solidFill>
-                  <a:srgbClr val="000000"/>
-                </a:solidFill>
-                <a:latin typeface="Arial"/>
-                <a:ea typeface="DejaVu Sans"/>
-              </a:rPr>
-              <a:t> </a:t>
-            </a:r>
-            <a:r>
-              <a:rPr lang="de-DE" sz="2800" b="0" strike="noStrike" spc="-1" dirty="0" err="1">
-                <a:solidFill>
-                  <a:srgbClr val="000000"/>
-                </a:solidFill>
-                <a:latin typeface="Arial"/>
-                <a:ea typeface="DejaVu Sans"/>
-              </a:rPr>
-              <a:t>first</a:t>
-            </a:r>
-            <a:r>
-              <a:rPr lang="de-DE" sz="2800" b="0" strike="noStrike" spc="-1" dirty="0">
-                <a:solidFill>
-                  <a:srgbClr val="000000"/>
-                </a:solidFill>
-                <a:latin typeface="Arial"/>
-                <a:ea typeface="DejaVu Sans"/>
-              </a:rPr>
-              <a:t> and </a:t>
-            </a:r>
-            <a:r>
-              <a:rPr lang="de-DE" sz="2800" b="0" strike="noStrike" spc="-1" dirty="0" err="1">
-                <a:solidFill>
-                  <a:srgbClr val="000000"/>
-                </a:solidFill>
-                <a:latin typeface="Arial"/>
-                <a:ea typeface="DejaVu Sans"/>
-              </a:rPr>
-              <a:t>second</a:t>
-            </a:r>
-            <a:r>
-              <a:rPr lang="de-DE" sz="2800" b="0" strike="noStrike" spc="-1" dirty="0">
-                <a:solidFill>
-                  <a:srgbClr val="000000"/>
-                </a:solidFill>
-                <a:latin typeface="Arial"/>
-                <a:ea typeface="DejaVu Sans"/>
-              </a:rPr>
-              <a:t> sample… </a:t>
-            </a:r>
-            <a:endParaRPr lang="de-DE" sz="2800" b="0" strike="noStrike" spc="-1" dirty="0">
-              <a:solidFill>
-                <a:srgbClr val="000000"/>
-              </a:solidFill>
-              <a:latin typeface="Arial"/>
-            </a:endParaRPr>
+              <a:t> data</a:t>
+            </a:r>
           </a:p>
         </p:txBody>
       </p:sp>
@@ -22989,6 +22158,493 @@
               </a:rPr>
               <a:t>!</a:t>
             </a:r>
+          </a:p>
+        </p:txBody>
+      </p:sp>
+      <p:sp>
+        <p:nvSpPr>
+          <p:cNvPr id="9" name="Alt Başlık 2">
+            <a:extLst>
+              <a:ext uri="{FF2B5EF4-FFF2-40B4-BE49-F238E27FC236}">
+                <a16:creationId xmlns:a16="http://schemas.microsoft.com/office/drawing/2014/main" id="{3428CA69-4EFE-4929-8455-8EC920A447B7}"/>
+              </a:ext>
+            </a:extLst>
+          </p:cNvPr>
+          <p:cNvSpPr txBox="1">
+            <a:spLocks/>
+          </p:cNvSpPr>
+          <p:nvPr/>
+        </p:nvSpPr>
+        <p:spPr>
+          <a:xfrm>
+            <a:off x="702145" y="2598793"/>
+            <a:ext cx="10972440" cy="3977280"/>
+          </a:xfrm>
+          <a:prstGeom prst="rect">
+            <a:avLst/>
+          </a:prstGeom>
+        </p:spPr>
+        <p:txBody>
+          <a:bodyPr/>
+          <a:lstStyle>
+            <a:lvl1pPr marL="228600" indent="-228600" algn="l" defTabSz="914400" rtl="0" eaLnBrk="1" latinLnBrk="0" hangingPunct="1">
+              <a:lnSpc>
+                <a:spcPct val="90000"/>
+              </a:lnSpc>
+              <a:spcBef>
+                <a:spcPts val="1000"/>
+              </a:spcBef>
+              <a:buFont typeface="Arial" panose="020B0604020202020204" pitchFamily="34" charset="0"/>
+              <a:buChar char="•"/>
+              <a:defRPr sz="2800" kern="1200">
+                <a:solidFill>
+                  <a:schemeClr val="tx1"/>
+                </a:solidFill>
+                <a:latin typeface="+mn-lt"/>
+                <a:ea typeface="+mn-ea"/>
+                <a:cs typeface="+mn-cs"/>
+              </a:defRPr>
+            </a:lvl1pPr>
+            <a:lvl2pPr marL="685800" indent="-228600" algn="l" defTabSz="914400" rtl="0" eaLnBrk="1" latinLnBrk="0" hangingPunct="1">
+              <a:lnSpc>
+                <a:spcPct val="90000"/>
+              </a:lnSpc>
+              <a:spcBef>
+                <a:spcPts val="500"/>
+              </a:spcBef>
+              <a:buFont typeface="Arial" panose="020B0604020202020204" pitchFamily="34" charset="0"/>
+              <a:buChar char="•"/>
+              <a:defRPr sz="2400" kern="1200">
+                <a:solidFill>
+                  <a:schemeClr val="tx1"/>
+                </a:solidFill>
+                <a:latin typeface="+mn-lt"/>
+                <a:ea typeface="+mn-ea"/>
+                <a:cs typeface="+mn-cs"/>
+              </a:defRPr>
+            </a:lvl2pPr>
+            <a:lvl3pPr marL="1143000" indent="-228600" algn="l" defTabSz="914400" rtl="0" eaLnBrk="1" latinLnBrk="0" hangingPunct="1">
+              <a:lnSpc>
+                <a:spcPct val="90000"/>
+              </a:lnSpc>
+              <a:spcBef>
+                <a:spcPts val="500"/>
+              </a:spcBef>
+              <a:buFont typeface="Arial" panose="020B0604020202020204" pitchFamily="34" charset="0"/>
+              <a:buChar char="•"/>
+              <a:defRPr sz="2000" kern="1200">
+                <a:solidFill>
+                  <a:schemeClr val="tx1"/>
+                </a:solidFill>
+                <a:latin typeface="+mn-lt"/>
+                <a:ea typeface="+mn-ea"/>
+                <a:cs typeface="+mn-cs"/>
+              </a:defRPr>
+            </a:lvl3pPr>
+            <a:lvl4pPr marL="1600200" indent="-228600" algn="l" defTabSz="914400" rtl="0" eaLnBrk="1" latinLnBrk="0" hangingPunct="1">
+              <a:lnSpc>
+                <a:spcPct val="90000"/>
+              </a:lnSpc>
+              <a:spcBef>
+                <a:spcPts val="500"/>
+              </a:spcBef>
+              <a:buFont typeface="Arial" panose="020B0604020202020204" pitchFamily="34" charset="0"/>
+              <a:buChar char="•"/>
+              <a:defRPr sz="1800" kern="1200">
+                <a:solidFill>
+                  <a:schemeClr val="tx1"/>
+                </a:solidFill>
+                <a:latin typeface="+mn-lt"/>
+                <a:ea typeface="+mn-ea"/>
+                <a:cs typeface="+mn-cs"/>
+              </a:defRPr>
+            </a:lvl4pPr>
+            <a:lvl5pPr marL="2057400" indent="-228600" algn="l" defTabSz="914400" rtl="0" eaLnBrk="1" latinLnBrk="0" hangingPunct="1">
+              <a:lnSpc>
+                <a:spcPct val="90000"/>
+              </a:lnSpc>
+              <a:spcBef>
+                <a:spcPts val="500"/>
+              </a:spcBef>
+              <a:buFont typeface="Arial" panose="020B0604020202020204" pitchFamily="34" charset="0"/>
+              <a:buChar char="•"/>
+              <a:defRPr sz="1800" kern="1200">
+                <a:solidFill>
+                  <a:schemeClr val="tx1"/>
+                </a:solidFill>
+                <a:latin typeface="+mn-lt"/>
+                <a:ea typeface="+mn-ea"/>
+                <a:cs typeface="+mn-cs"/>
+              </a:defRPr>
+            </a:lvl5pPr>
+            <a:lvl6pPr marL="2514600" indent="-228600" algn="l" defTabSz="914400" rtl="0" eaLnBrk="1" latinLnBrk="0" hangingPunct="1">
+              <a:lnSpc>
+                <a:spcPct val="90000"/>
+              </a:lnSpc>
+              <a:spcBef>
+                <a:spcPts val="500"/>
+              </a:spcBef>
+              <a:buFont typeface="Arial" panose="020B0604020202020204" pitchFamily="34" charset="0"/>
+              <a:buChar char="•"/>
+              <a:defRPr sz="1800" kern="1200">
+                <a:solidFill>
+                  <a:schemeClr val="tx1"/>
+                </a:solidFill>
+                <a:latin typeface="+mn-lt"/>
+                <a:ea typeface="+mn-ea"/>
+                <a:cs typeface="+mn-cs"/>
+              </a:defRPr>
+            </a:lvl6pPr>
+            <a:lvl7pPr marL="2971800" indent="-228600" algn="l" defTabSz="914400" rtl="0" eaLnBrk="1" latinLnBrk="0" hangingPunct="1">
+              <a:lnSpc>
+                <a:spcPct val="90000"/>
+              </a:lnSpc>
+              <a:spcBef>
+                <a:spcPts val="500"/>
+              </a:spcBef>
+              <a:buFont typeface="Arial" panose="020B0604020202020204" pitchFamily="34" charset="0"/>
+              <a:buChar char="•"/>
+              <a:defRPr sz="1800" kern="1200">
+                <a:solidFill>
+                  <a:schemeClr val="tx1"/>
+                </a:solidFill>
+                <a:latin typeface="+mn-lt"/>
+                <a:ea typeface="+mn-ea"/>
+                <a:cs typeface="+mn-cs"/>
+              </a:defRPr>
+            </a:lvl7pPr>
+            <a:lvl8pPr marL="3429000" indent="-228600" algn="l" defTabSz="914400" rtl="0" eaLnBrk="1" latinLnBrk="0" hangingPunct="1">
+              <a:lnSpc>
+                <a:spcPct val="90000"/>
+              </a:lnSpc>
+              <a:spcBef>
+                <a:spcPts val="500"/>
+              </a:spcBef>
+              <a:buFont typeface="Arial" panose="020B0604020202020204" pitchFamily="34" charset="0"/>
+              <a:buChar char="•"/>
+              <a:defRPr sz="1800" kern="1200">
+                <a:solidFill>
+                  <a:schemeClr val="tx1"/>
+                </a:solidFill>
+                <a:latin typeface="+mn-lt"/>
+                <a:ea typeface="+mn-ea"/>
+                <a:cs typeface="+mn-cs"/>
+              </a:defRPr>
+            </a:lvl8pPr>
+            <a:lvl9pPr marL="3886200" indent="-228600" algn="l" defTabSz="914400" rtl="0" eaLnBrk="1" latinLnBrk="0" hangingPunct="1">
+              <a:lnSpc>
+                <a:spcPct val="90000"/>
+              </a:lnSpc>
+              <a:spcBef>
+                <a:spcPts val="500"/>
+              </a:spcBef>
+              <a:buFont typeface="Arial" panose="020B0604020202020204" pitchFamily="34" charset="0"/>
+              <a:buChar char="•"/>
+              <a:defRPr sz="1800" kern="1200">
+                <a:solidFill>
+                  <a:schemeClr val="tx1"/>
+                </a:solidFill>
+                <a:latin typeface="+mn-lt"/>
+                <a:ea typeface="+mn-ea"/>
+                <a:cs typeface="+mn-cs"/>
+              </a:defRPr>
+            </a:lvl9pPr>
+          </a:lstStyle>
+          <a:p>
+            <a:r>
+              <a:rPr lang="tr-TR" dirty="0" err="1"/>
+              <a:t>Observing</a:t>
+            </a:r>
+            <a:r>
+              <a:rPr lang="tr-TR" dirty="0"/>
+              <a:t> a model of data, </a:t>
+            </a:r>
+            <a:r>
+              <a:rPr lang="tr-TR" dirty="0">
+                <a:solidFill>
+                  <a:srgbClr val="C00000"/>
+                </a:solidFill>
+              </a:rPr>
+              <a:t>not </a:t>
+            </a:r>
+            <a:r>
+              <a:rPr lang="tr-TR" dirty="0" err="1">
+                <a:solidFill>
+                  <a:srgbClr val="C00000"/>
+                </a:solidFill>
+              </a:rPr>
+              <a:t>the</a:t>
+            </a:r>
+            <a:r>
+              <a:rPr lang="tr-TR" dirty="0">
+                <a:solidFill>
+                  <a:srgbClr val="C00000"/>
+                </a:solidFill>
+              </a:rPr>
+              <a:t> </a:t>
+            </a:r>
+            <a:r>
+              <a:rPr lang="tr-TR" dirty="0" err="1">
+                <a:solidFill>
+                  <a:srgbClr val="C00000"/>
+                </a:solidFill>
+              </a:rPr>
+              <a:t>whole</a:t>
+            </a:r>
+            <a:r>
+              <a:rPr lang="tr-TR" dirty="0">
+                <a:solidFill>
+                  <a:srgbClr val="C00000"/>
+                </a:solidFill>
+              </a:rPr>
+              <a:t> </a:t>
+            </a:r>
+            <a:r>
+              <a:rPr lang="tr-TR" dirty="0"/>
+              <a:t>data</a:t>
+            </a:r>
+          </a:p>
+          <a:p>
+            <a:r>
+              <a:rPr lang="tr-TR" dirty="0" err="1"/>
+              <a:t>Choose</a:t>
+            </a:r>
+            <a:r>
+              <a:rPr lang="tr-TR" dirty="0"/>
+              <a:t> an </a:t>
+            </a:r>
+            <a:r>
+              <a:rPr lang="tr-TR" dirty="0" err="1"/>
+              <a:t>initial</a:t>
+            </a:r>
+            <a:r>
+              <a:rPr lang="tr-TR" dirty="0"/>
+              <a:t> mini-</a:t>
+            </a:r>
+            <a:r>
+              <a:rPr lang="tr-TR" dirty="0" err="1"/>
+              <a:t>batch</a:t>
+            </a:r>
+            <a:r>
+              <a:rPr lang="tr-TR" dirty="0"/>
+              <a:t>, </a:t>
+            </a:r>
+            <a:r>
+              <a:rPr lang="tr-TR" dirty="0" err="1"/>
+              <a:t>cluster</a:t>
+            </a:r>
+            <a:r>
+              <a:rPr lang="tr-TR" dirty="0"/>
+              <a:t> it </a:t>
+            </a:r>
+            <a:r>
+              <a:rPr lang="tr-TR" dirty="0" err="1"/>
+              <a:t>with</a:t>
+            </a:r>
+            <a:r>
+              <a:rPr lang="tr-TR" dirty="0"/>
+              <a:t> k-</a:t>
+            </a:r>
+            <a:r>
+              <a:rPr lang="tr-TR" dirty="0" err="1"/>
+              <a:t>means</a:t>
+            </a:r>
+            <a:r>
+              <a:rPr lang="tr-TR" dirty="0"/>
+              <a:t> </a:t>
+            </a:r>
+            <a:r>
+              <a:rPr lang="tr-TR" dirty="0" err="1"/>
+              <a:t>algorithm</a:t>
+            </a:r>
+            <a:endParaRPr lang="tr-TR" dirty="0"/>
+          </a:p>
+          <a:p>
+            <a:r>
+              <a:rPr lang="tr-TR" dirty="0" err="1"/>
+              <a:t>Add</a:t>
+            </a:r>
+            <a:r>
+              <a:rPr lang="tr-TR" dirty="0"/>
+              <a:t> a </a:t>
+            </a:r>
+            <a:r>
+              <a:rPr lang="tr-TR" dirty="0" err="1"/>
+              <a:t>second</a:t>
+            </a:r>
+            <a:r>
+              <a:rPr lang="tr-TR" dirty="0"/>
+              <a:t> mini-</a:t>
+            </a:r>
+            <a:r>
+              <a:rPr lang="tr-TR" dirty="0" err="1"/>
+              <a:t>batch</a:t>
+            </a:r>
+            <a:r>
+              <a:rPr lang="tr-TR" dirty="0"/>
+              <a:t> </a:t>
+            </a:r>
+            <a:r>
+              <a:rPr lang="tr-TR" dirty="0" err="1"/>
+              <a:t>to</a:t>
+            </a:r>
+            <a:r>
+              <a:rPr lang="tr-TR" dirty="0"/>
+              <a:t> </a:t>
+            </a:r>
+            <a:r>
+              <a:rPr lang="tr-TR" dirty="0" err="1"/>
+              <a:t>the</a:t>
+            </a:r>
+            <a:r>
+              <a:rPr lang="tr-TR" dirty="0"/>
+              <a:t> </a:t>
+            </a:r>
+            <a:r>
+              <a:rPr lang="tr-TR" dirty="0" err="1"/>
+              <a:t>first</a:t>
+            </a:r>
+            <a:r>
+              <a:rPr lang="tr-TR" dirty="0"/>
+              <a:t> </a:t>
+            </a:r>
+            <a:r>
+              <a:rPr lang="tr-TR" dirty="0" err="1"/>
+              <a:t>one</a:t>
+            </a:r>
+            <a:r>
+              <a:rPr lang="tr-TR" dirty="0"/>
+              <a:t> </a:t>
+            </a:r>
+            <a:r>
+              <a:rPr lang="tr-TR" dirty="0" err="1"/>
+              <a:t>and</a:t>
+            </a:r>
+            <a:r>
+              <a:rPr lang="tr-TR" dirty="0"/>
+              <a:t> </a:t>
+            </a:r>
+            <a:r>
+              <a:rPr lang="tr-TR" dirty="0" err="1"/>
+              <a:t>update</a:t>
+            </a:r>
+            <a:r>
+              <a:rPr lang="tr-TR" dirty="0"/>
+              <a:t> </a:t>
+            </a:r>
+            <a:r>
+              <a:rPr lang="tr-TR" dirty="0" err="1"/>
+              <a:t>centroids</a:t>
+            </a:r>
+            <a:endParaRPr lang="tr-TR" dirty="0"/>
+          </a:p>
+          <a:p>
+            <a:r>
+              <a:rPr lang="tr-TR" dirty="0" err="1"/>
+              <a:t>Convergence</a:t>
+            </a:r>
+            <a:r>
+              <a:rPr lang="tr-TR" dirty="0"/>
+              <a:t> </a:t>
+            </a:r>
+            <a:r>
+              <a:rPr lang="tr-TR" dirty="0" err="1"/>
+              <a:t>before</a:t>
+            </a:r>
+            <a:r>
+              <a:rPr lang="tr-TR" dirty="0"/>
+              <a:t> </a:t>
+            </a:r>
+            <a:r>
+              <a:rPr lang="tr-TR" dirty="0" err="1"/>
+              <a:t>the</a:t>
+            </a:r>
+            <a:r>
+              <a:rPr lang="tr-TR" dirty="0"/>
+              <a:t> </a:t>
+            </a:r>
+            <a:r>
+              <a:rPr lang="tr-TR" dirty="0" err="1"/>
+              <a:t>whole</a:t>
+            </a:r>
+            <a:r>
+              <a:rPr lang="tr-TR" dirty="0"/>
+              <a:t> data can be </a:t>
+            </a:r>
+            <a:r>
+              <a:rPr lang="tr-TR" dirty="0" err="1"/>
+              <a:t>analyzed</a:t>
+            </a:r>
+            <a:endParaRPr lang="tr-TR" dirty="0"/>
+          </a:p>
+          <a:p>
+            <a:r>
+              <a:rPr lang="tr-TR" dirty="0" err="1"/>
+              <a:t>Use</a:t>
+            </a:r>
+            <a:r>
+              <a:rPr lang="tr-TR" dirty="0"/>
+              <a:t> </a:t>
+            </a:r>
+            <a:r>
+              <a:rPr lang="tr-TR" dirty="0" err="1"/>
+              <a:t>the</a:t>
+            </a:r>
+            <a:r>
+              <a:rPr lang="tr-TR" dirty="0"/>
+              <a:t> </a:t>
+            </a:r>
+            <a:r>
+              <a:rPr lang="tr-TR" dirty="0" err="1"/>
+              <a:t>positions</a:t>
+            </a:r>
+            <a:r>
+              <a:rPr lang="tr-TR" dirty="0"/>
+              <a:t> of </a:t>
+            </a:r>
+            <a:r>
+              <a:rPr lang="tr-TR" dirty="0" err="1"/>
+              <a:t>the</a:t>
+            </a:r>
+            <a:r>
+              <a:rPr lang="tr-TR" dirty="0"/>
+              <a:t> </a:t>
+            </a:r>
+            <a:r>
+              <a:rPr lang="tr-TR" dirty="0" err="1"/>
+              <a:t>centroids</a:t>
+            </a:r>
+            <a:r>
+              <a:rPr lang="tr-TR" dirty="0"/>
+              <a:t> </a:t>
+            </a:r>
+            <a:r>
+              <a:rPr lang="tr-TR" dirty="0" err="1"/>
+              <a:t>for</a:t>
+            </a:r>
+            <a:r>
+              <a:rPr lang="tr-TR" dirty="0"/>
+              <a:t> </a:t>
+            </a:r>
+            <a:r>
+              <a:rPr lang="tr-TR" dirty="0" err="1"/>
+              <a:t>the</a:t>
+            </a:r>
+            <a:r>
+              <a:rPr lang="tr-TR" dirty="0"/>
+              <a:t> </a:t>
+            </a:r>
+            <a:r>
+              <a:rPr lang="tr-TR" dirty="0" err="1"/>
+              <a:t>whole</a:t>
+            </a:r>
+            <a:r>
+              <a:rPr lang="tr-TR" dirty="0"/>
+              <a:t> data</a:t>
+            </a:r>
+          </a:p>
+          <a:p>
+            <a:endParaRPr lang="tr-TR" dirty="0"/>
           </a:p>
         </p:txBody>
       </p:sp>

--- a/K-means clustering.pptx
+++ b/K-means clustering.pptx
@@ -2352,7 +2352,7 @@
               <a:rPr lang="de-DE" sz="1400" b="0" strike="noStrike" spc="-1">
                 <a:latin typeface="Times New Roman"/>
               </a:rPr>
-              <a:t>‹#›</a:t>
+              <a:t>‹Nr.›</a:t>
             </a:fld>
             <a:endParaRPr lang="de-DE" sz="1400" b="0" strike="noStrike" spc="-1">
               <a:latin typeface="Times New Roman"/>
@@ -9127,7 +9127,7 @@
         </p:nvGraphicFramePr>
         <p:xfrm>
           <a:off x="1014120" y="837360"/>
-          <a:ext cx="9977760" cy="1853640"/>
+          <a:ext cx="9978120" cy="1854000"/>
         </p:xfrm>
         <a:graphic>
           <a:graphicData uri="http://schemas.openxmlformats.org/drawingml/2006/table">
@@ -23315,16 +23315,176 @@
               <a:buChar char="•"/>
             </a:pPr>
             <a:r>
-              <a:rPr lang="de-DE" sz="2800" b="0" strike="noStrike" spc="-1">
+              <a:rPr lang="de-DE" sz="2800" b="0" strike="noStrike" spc="-1" dirty="0">
                 <a:solidFill>
                   <a:srgbClr val="000000"/>
                 </a:solidFill>
                 <a:latin typeface="Calibri"/>
                 <a:ea typeface="Microsoft YaHei"/>
               </a:rPr>
-              <a:t>Data cleanup: eliminate genes that are expressed in less than 3 cells </a:t>
-            </a:r>
-            <a:endParaRPr lang="de-DE" sz="2800" b="0" strike="noStrike" spc="-1">
+              <a:t>Data </a:t>
+            </a:r>
+            <a:r>
+              <a:rPr lang="de-DE" sz="2800" b="0" strike="noStrike" spc="-1" dirty="0" err="1">
+                <a:solidFill>
+                  <a:srgbClr val="000000"/>
+                </a:solidFill>
+                <a:latin typeface="Calibri"/>
+                <a:ea typeface="Microsoft YaHei"/>
+              </a:rPr>
+              <a:t>cleanup</a:t>
+            </a:r>
+            <a:r>
+              <a:rPr lang="de-DE" sz="2800" b="0" strike="noStrike" spc="-1" dirty="0">
+                <a:solidFill>
+                  <a:srgbClr val="000000"/>
+                </a:solidFill>
+                <a:latin typeface="Calibri"/>
+                <a:ea typeface="Microsoft YaHei"/>
+              </a:rPr>
+              <a:t>: </a:t>
+            </a:r>
+            <a:r>
+              <a:rPr lang="de-DE" sz="2800" b="0" strike="noStrike" spc="-1" dirty="0" err="1">
+                <a:solidFill>
+                  <a:srgbClr val="000000"/>
+                </a:solidFill>
+                <a:latin typeface="Calibri"/>
+                <a:ea typeface="Microsoft YaHei"/>
+              </a:rPr>
+              <a:t>eliminate</a:t>
+            </a:r>
+            <a:r>
+              <a:rPr lang="de-DE" sz="2800" b="0" strike="noStrike" spc="-1" dirty="0">
+                <a:solidFill>
+                  <a:srgbClr val="000000"/>
+                </a:solidFill>
+                <a:latin typeface="Calibri"/>
+                <a:ea typeface="Microsoft YaHei"/>
+              </a:rPr>
+              <a:t> genes </a:t>
+            </a:r>
+            <a:r>
+              <a:rPr lang="de-DE" sz="2800" b="0" strike="noStrike" spc="-1" dirty="0" err="1">
+                <a:solidFill>
+                  <a:srgbClr val="000000"/>
+                </a:solidFill>
+                <a:latin typeface="Calibri"/>
+                <a:ea typeface="Microsoft YaHei"/>
+              </a:rPr>
+              <a:t>that</a:t>
+            </a:r>
+            <a:r>
+              <a:rPr lang="de-DE" sz="2800" b="0" strike="noStrike" spc="-1" dirty="0">
+                <a:solidFill>
+                  <a:srgbClr val="000000"/>
+                </a:solidFill>
+                <a:latin typeface="Calibri"/>
+                <a:ea typeface="Microsoft YaHei"/>
+              </a:rPr>
+              <a:t> </a:t>
+            </a:r>
+            <a:r>
+              <a:rPr lang="de-DE" sz="2800" b="0" strike="noStrike" spc="-1" dirty="0" err="1">
+                <a:solidFill>
+                  <a:srgbClr val="000000"/>
+                </a:solidFill>
+                <a:latin typeface="Calibri"/>
+                <a:ea typeface="Microsoft YaHei"/>
+              </a:rPr>
+              <a:t>are</a:t>
+            </a:r>
+            <a:r>
+              <a:rPr lang="de-DE" sz="2800" b="0" strike="noStrike" spc="-1" dirty="0">
+                <a:solidFill>
+                  <a:srgbClr val="000000"/>
+                </a:solidFill>
+                <a:latin typeface="Calibri"/>
+                <a:ea typeface="Microsoft YaHei"/>
+              </a:rPr>
+              <a:t> </a:t>
+            </a:r>
+            <a:r>
+              <a:rPr lang="de-DE" sz="2800" b="0" strike="noStrike" spc="-1" dirty="0" err="1">
+                <a:solidFill>
+                  <a:srgbClr val="000000"/>
+                </a:solidFill>
+                <a:latin typeface="Calibri"/>
+                <a:ea typeface="Microsoft YaHei"/>
+              </a:rPr>
+              <a:t>expressed</a:t>
+            </a:r>
+            <a:r>
+              <a:rPr lang="de-DE" sz="2800" b="0" strike="noStrike" spc="-1" dirty="0">
+                <a:solidFill>
+                  <a:srgbClr val="000000"/>
+                </a:solidFill>
+                <a:latin typeface="Calibri"/>
+                <a:ea typeface="Microsoft YaHei"/>
+              </a:rPr>
+              <a:t> in </a:t>
+            </a:r>
+            <a:r>
+              <a:rPr lang="de-DE" sz="2800" b="0" strike="noStrike" spc="-1" dirty="0" err="1">
+                <a:solidFill>
+                  <a:srgbClr val="000000"/>
+                </a:solidFill>
+                <a:latin typeface="Calibri"/>
+                <a:ea typeface="Microsoft YaHei"/>
+              </a:rPr>
+              <a:t>less</a:t>
+            </a:r>
+            <a:r>
+              <a:rPr lang="de-DE" sz="2800" b="0" strike="noStrike" spc="-1" dirty="0">
+                <a:solidFill>
+                  <a:srgbClr val="000000"/>
+                </a:solidFill>
+                <a:latin typeface="Calibri"/>
+                <a:ea typeface="Microsoft YaHei"/>
+              </a:rPr>
+              <a:t> </a:t>
+            </a:r>
+            <a:r>
+              <a:rPr lang="de-DE" sz="2800" b="0" strike="noStrike" spc="-1" dirty="0" err="1">
+                <a:solidFill>
+                  <a:srgbClr val="000000"/>
+                </a:solidFill>
+                <a:latin typeface="Calibri"/>
+                <a:ea typeface="Microsoft YaHei"/>
+              </a:rPr>
+              <a:t>than</a:t>
+            </a:r>
+            <a:r>
+              <a:rPr lang="de-DE" sz="2800" b="0" strike="noStrike" spc="-1" dirty="0">
+                <a:solidFill>
+                  <a:srgbClr val="000000"/>
+                </a:solidFill>
+                <a:latin typeface="Calibri"/>
+                <a:ea typeface="Microsoft YaHei"/>
+              </a:rPr>
+              <a:t> 3 </a:t>
+            </a:r>
+            <a:r>
+              <a:rPr lang="de-DE" sz="2800" b="0" strike="noStrike" spc="-1" dirty="0" err="1">
+                <a:solidFill>
+                  <a:srgbClr val="000000"/>
+                </a:solidFill>
+                <a:latin typeface="Calibri"/>
+                <a:ea typeface="Microsoft YaHei"/>
+              </a:rPr>
+              <a:t>cells</a:t>
+            </a:r>
+            <a:r>
+              <a:rPr lang="de-DE" sz="2800" b="0" strike="noStrike" spc="-1" dirty="0">
+                <a:solidFill>
+                  <a:srgbClr val="000000"/>
+                </a:solidFill>
+                <a:latin typeface="Calibri"/>
+                <a:ea typeface="Microsoft YaHei"/>
+              </a:rPr>
+              <a:t> </a:t>
+            </a:r>
+            <a:endParaRPr lang="de-DE" sz="2800" b="0" strike="noStrike" spc="-1" dirty="0">
               <a:latin typeface="Arial"/>
             </a:endParaRPr>
           </a:p>
@@ -23339,7 +23499,7 @@
               <a:buFont typeface="Arial"/>
               <a:buChar char="•"/>
             </a:pPr>
-            <a:endParaRPr lang="de-DE" sz="2800" b="0" strike="noStrike" spc="-1">
+            <a:endParaRPr lang="de-DE" sz="2800" b="0" strike="noStrike" spc="-1" dirty="0">
               <a:latin typeface="Arial"/>
             </a:endParaRPr>
           </a:p>
@@ -23354,7 +23514,7 @@
               <a:buFont typeface="Arial"/>
               <a:buChar char="•"/>
             </a:pPr>
-            <a:endParaRPr lang="de-DE" sz="2800" b="0" strike="noStrike" spc="-1">
+            <a:endParaRPr lang="de-DE" sz="2800" b="0" strike="noStrike" spc="-1" dirty="0">
               <a:latin typeface="Arial"/>
             </a:endParaRPr>
           </a:p>
@@ -23369,7 +23529,7 @@
               <a:buFont typeface="Arial"/>
               <a:buChar char="•"/>
             </a:pPr>
-            <a:endParaRPr lang="de-DE" sz="2800" b="0" strike="noStrike" spc="-1">
+            <a:endParaRPr lang="de-DE" sz="2800" b="0" strike="noStrike" spc="-1" dirty="0">
               <a:latin typeface="Arial"/>
             </a:endParaRPr>
           </a:p>
@@ -23384,7 +23544,7 @@
               <a:buFont typeface="Arial"/>
               <a:buChar char="•"/>
             </a:pPr>
-            <a:endParaRPr lang="de-DE" sz="2800" b="0" strike="noStrike" spc="-1">
+            <a:endParaRPr lang="de-DE" sz="2800" b="0" strike="noStrike" spc="-1" dirty="0">
               <a:latin typeface="Arial"/>
             </a:endParaRPr>
           </a:p>
@@ -23400,16 +23560,306 @@
               <a:buChar char="•"/>
             </a:pPr>
             <a:r>
-              <a:rPr lang="de-DE" sz="2800" b="0" strike="noStrike" spc="-1">
+              <a:rPr lang="de-DE" sz="2800" b="0" strike="noStrike" spc="-1" dirty="0">
                 <a:solidFill>
                   <a:srgbClr val="000000"/>
                 </a:solidFill>
                 <a:latin typeface="Calibri"/>
                 <a:ea typeface="Microsoft YaHei"/>
               </a:rPr>
-              <a:t>PCA (Principal Component Reduction) or t-SNE or UMAP to reduce number of dimension without losing to much information</a:t>
-            </a:r>
-            <a:endParaRPr lang="de-DE" sz="2800" b="0" strike="noStrike" spc="-1">
+              <a:t>PCA (</a:t>
+            </a:r>
+            <a:r>
+              <a:rPr lang="de-DE" sz="2800" b="0" strike="noStrike" spc="-1" dirty="0" err="1">
+                <a:solidFill>
+                  <a:srgbClr val="000000"/>
+                </a:solidFill>
+                <a:latin typeface="Calibri"/>
+                <a:ea typeface="Microsoft YaHei"/>
+              </a:rPr>
+              <a:t>Principal</a:t>
+            </a:r>
+            <a:r>
+              <a:rPr lang="de-DE" sz="2800" b="0" strike="noStrike" spc="-1" dirty="0">
+                <a:solidFill>
+                  <a:srgbClr val="000000"/>
+                </a:solidFill>
+                <a:latin typeface="Calibri"/>
+                <a:ea typeface="Microsoft YaHei"/>
+              </a:rPr>
+              <a:t> </a:t>
+            </a:r>
+            <a:r>
+              <a:rPr lang="de-DE" sz="2800" b="0" strike="noStrike" spc="-1" dirty="0" err="1">
+                <a:solidFill>
+                  <a:srgbClr val="000000"/>
+                </a:solidFill>
+                <a:latin typeface="Calibri"/>
+                <a:ea typeface="Microsoft YaHei"/>
+              </a:rPr>
+              <a:t>Component</a:t>
+            </a:r>
+            <a:r>
+              <a:rPr lang="de-DE" sz="2800" b="0" strike="noStrike" spc="-1" dirty="0">
+                <a:solidFill>
+                  <a:srgbClr val="000000"/>
+                </a:solidFill>
+                <a:latin typeface="Calibri"/>
+                <a:ea typeface="Microsoft YaHei"/>
+              </a:rPr>
+              <a:t> </a:t>
+            </a:r>
+            <a:r>
+              <a:rPr lang="de-DE" sz="2800" b="0" strike="noStrike" spc="-1" dirty="0" err="1">
+                <a:solidFill>
+                  <a:srgbClr val="000000"/>
+                </a:solidFill>
+                <a:latin typeface="Calibri"/>
+                <a:ea typeface="Microsoft YaHei"/>
+              </a:rPr>
+              <a:t>Reduction</a:t>
+            </a:r>
+            <a:r>
+              <a:rPr lang="de-DE" sz="2800" b="0" strike="noStrike" spc="-1" dirty="0">
+                <a:solidFill>
+                  <a:srgbClr val="000000"/>
+                </a:solidFill>
+                <a:latin typeface="Calibri"/>
+                <a:ea typeface="Microsoft YaHei"/>
+              </a:rPr>
+              <a:t>) </a:t>
+            </a:r>
+            <a:r>
+              <a:rPr lang="de-DE" sz="2800" b="0" strike="noStrike" spc="-1" dirty="0" err="1">
+                <a:solidFill>
+                  <a:srgbClr val="000000"/>
+                </a:solidFill>
+                <a:latin typeface="Calibri"/>
+                <a:ea typeface="Microsoft YaHei"/>
+              </a:rPr>
+              <a:t>or</a:t>
+            </a:r>
+            <a:r>
+              <a:rPr lang="de-DE" sz="2800" b="0" strike="noStrike" spc="-1" dirty="0">
+                <a:solidFill>
+                  <a:srgbClr val="000000"/>
+                </a:solidFill>
+                <a:latin typeface="Calibri"/>
+                <a:ea typeface="Microsoft YaHei"/>
+              </a:rPr>
+              <a:t> t-SNE </a:t>
+            </a:r>
+            <a:r>
+              <a:rPr lang="de-DE" sz="2800" b="0" strike="noStrike" spc="-1" dirty="0" err="1">
+                <a:solidFill>
+                  <a:srgbClr val="000000"/>
+                </a:solidFill>
+                <a:latin typeface="Calibri"/>
+                <a:ea typeface="Microsoft YaHei"/>
+              </a:rPr>
+              <a:t>or</a:t>
+            </a:r>
+            <a:r>
+              <a:rPr lang="de-DE" sz="2800" b="0" strike="noStrike" spc="-1" dirty="0">
+                <a:solidFill>
+                  <a:srgbClr val="000000"/>
+                </a:solidFill>
+                <a:latin typeface="Calibri"/>
+                <a:ea typeface="Microsoft YaHei"/>
+              </a:rPr>
+              <a:t> UMAP </a:t>
+            </a:r>
+            <a:r>
+              <a:rPr lang="de-DE" sz="2800" b="0" strike="noStrike" spc="-1" dirty="0" err="1">
+                <a:solidFill>
+                  <a:srgbClr val="000000"/>
+                </a:solidFill>
+                <a:latin typeface="Calibri"/>
+                <a:ea typeface="Microsoft YaHei"/>
+              </a:rPr>
+              <a:t>to</a:t>
+            </a:r>
+            <a:r>
+              <a:rPr lang="de-DE" sz="2800" b="0" strike="noStrike" spc="-1" dirty="0">
+                <a:solidFill>
+                  <a:srgbClr val="000000"/>
+                </a:solidFill>
+                <a:latin typeface="Calibri"/>
+                <a:ea typeface="Microsoft YaHei"/>
+              </a:rPr>
+              <a:t> </a:t>
+            </a:r>
+            <a:r>
+              <a:rPr lang="de-DE" sz="2800" b="0" strike="noStrike" spc="-1" dirty="0" err="1">
+                <a:solidFill>
+                  <a:srgbClr val="000000"/>
+                </a:solidFill>
+                <a:latin typeface="Calibri"/>
+                <a:ea typeface="Microsoft YaHei"/>
+              </a:rPr>
+              <a:t>reduce</a:t>
+            </a:r>
+            <a:r>
+              <a:rPr lang="de-DE" sz="2800" b="0" strike="noStrike" spc="-1" dirty="0">
+                <a:solidFill>
+                  <a:srgbClr val="000000"/>
+                </a:solidFill>
+                <a:latin typeface="Calibri"/>
+                <a:ea typeface="Microsoft YaHei"/>
+              </a:rPr>
+              <a:t> </a:t>
+            </a:r>
+            <a:r>
+              <a:rPr lang="de-DE" sz="2800" b="0" strike="noStrike" spc="-1" dirty="0" err="1">
+                <a:solidFill>
+                  <a:srgbClr val="000000"/>
+                </a:solidFill>
+                <a:latin typeface="Calibri"/>
+                <a:ea typeface="Microsoft YaHei"/>
+              </a:rPr>
+              <a:t>number</a:t>
+            </a:r>
+            <a:r>
+              <a:rPr lang="de-DE" sz="2800" b="0" strike="noStrike" spc="-1" dirty="0">
+                <a:solidFill>
+                  <a:srgbClr val="000000"/>
+                </a:solidFill>
+                <a:latin typeface="Calibri"/>
+                <a:ea typeface="Microsoft YaHei"/>
+              </a:rPr>
+              <a:t> </a:t>
+            </a:r>
+            <a:r>
+              <a:rPr lang="de-DE" sz="2800" b="0" strike="noStrike" spc="-1" dirty="0" err="1">
+                <a:solidFill>
+                  <a:srgbClr val="000000"/>
+                </a:solidFill>
+                <a:latin typeface="Calibri"/>
+                <a:ea typeface="Microsoft YaHei"/>
+              </a:rPr>
+              <a:t>of</a:t>
+            </a:r>
+            <a:r>
+              <a:rPr lang="de-DE" sz="2800" b="0" strike="noStrike" spc="-1" dirty="0">
+                <a:solidFill>
+                  <a:srgbClr val="000000"/>
+                </a:solidFill>
+                <a:latin typeface="Calibri"/>
+                <a:ea typeface="Microsoft YaHei"/>
+              </a:rPr>
+              <a:t> </a:t>
+            </a:r>
+            <a:r>
+              <a:rPr lang="de-DE" sz="2800" b="0" strike="noStrike" spc="-1" dirty="0" err="1">
+                <a:solidFill>
+                  <a:srgbClr val="000000"/>
+                </a:solidFill>
+                <a:latin typeface="Calibri"/>
+                <a:ea typeface="Microsoft YaHei"/>
+              </a:rPr>
+              <a:t>dimension</a:t>
+            </a:r>
+            <a:r>
+              <a:rPr lang="de-DE" sz="2800" b="0" strike="noStrike" spc="-1" dirty="0">
+                <a:solidFill>
+                  <a:srgbClr val="000000"/>
+                </a:solidFill>
+                <a:latin typeface="Calibri"/>
+                <a:ea typeface="Microsoft YaHei"/>
+              </a:rPr>
+              <a:t> </a:t>
+            </a:r>
+            <a:r>
+              <a:rPr lang="de-DE" sz="2800" b="0" strike="noStrike" spc="-1" dirty="0" err="1">
+                <a:solidFill>
+                  <a:srgbClr val="000000"/>
+                </a:solidFill>
+                <a:latin typeface="Calibri"/>
+                <a:ea typeface="Microsoft YaHei"/>
+              </a:rPr>
+              <a:t>without</a:t>
+            </a:r>
+            <a:r>
+              <a:rPr lang="de-DE" sz="2800" b="0" strike="noStrike" spc="-1" dirty="0">
+                <a:solidFill>
+                  <a:srgbClr val="000000"/>
+                </a:solidFill>
+                <a:latin typeface="Calibri"/>
+                <a:ea typeface="Microsoft YaHei"/>
+              </a:rPr>
+              <a:t> </a:t>
+            </a:r>
+            <a:r>
+              <a:rPr lang="de-DE" sz="2800" b="0" strike="noStrike" spc="-1" dirty="0" err="1">
+                <a:solidFill>
+                  <a:srgbClr val="000000"/>
+                </a:solidFill>
+                <a:latin typeface="Calibri"/>
+                <a:ea typeface="Microsoft YaHei"/>
+              </a:rPr>
+              <a:t>losing</a:t>
+            </a:r>
+            <a:r>
+              <a:rPr lang="de-DE" sz="2800" b="0" strike="noStrike" spc="-1" dirty="0">
+                <a:solidFill>
+                  <a:srgbClr val="000000"/>
+                </a:solidFill>
+                <a:latin typeface="Calibri"/>
+                <a:ea typeface="Microsoft YaHei"/>
+              </a:rPr>
+              <a:t> </a:t>
+            </a:r>
+            <a:r>
+              <a:rPr lang="de-DE" sz="2800" b="0" strike="noStrike" spc="-1" dirty="0" err="1">
+                <a:solidFill>
+                  <a:srgbClr val="000000"/>
+                </a:solidFill>
+                <a:latin typeface="Calibri"/>
+                <a:ea typeface="Microsoft YaHei"/>
+              </a:rPr>
+              <a:t>to</a:t>
+            </a:r>
+            <a:r>
+              <a:rPr lang="de-DE" sz="2800" b="0" strike="noStrike" spc="-1" dirty="0">
+                <a:solidFill>
+                  <a:srgbClr val="000000"/>
+                </a:solidFill>
+                <a:latin typeface="Calibri"/>
+                <a:ea typeface="Microsoft YaHei"/>
+              </a:rPr>
+              <a:t> </a:t>
+            </a:r>
+            <a:r>
+              <a:rPr lang="de-DE" sz="2800" b="0" strike="noStrike" spc="-1" dirty="0" err="1">
+                <a:solidFill>
+                  <a:srgbClr val="000000"/>
+                </a:solidFill>
+                <a:latin typeface="Calibri"/>
+                <a:ea typeface="Microsoft YaHei"/>
+              </a:rPr>
+              <a:t>much</a:t>
+            </a:r>
+            <a:r>
+              <a:rPr lang="de-DE" sz="2800" b="0" strike="noStrike" spc="-1" dirty="0">
+                <a:solidFill>
+                  <a:srgbClr val="000000"/>
+                </a:solidFill>
+                <a:latin typeface="Calibri"/>
+                <a:ea typeface="Microsoft YaHei"/>
+              </a:rPr>
+              <a:t> </a:t>
+            </a:r>
+            <a:r>
+              <a:rPr lang="de-DE" sz="2800" b="0" strike="noStrike" spc="-1" dirty="0" err="1">
+                <a:solidFill>
+                  <a:srgbClr val="000000"/>
+                </a:solidFill>
+                <a:latin typeface="Calibri"/>
+                <a:ea typeface="Microsoft YaHei"/>
+              </a:rPr>
+              <a:t>information</a:t>
+            </a:r>
+            <a:endParaRPr lang="de-DE" sz="2800" b="0" strike="noStrike" spc="-1" dirty="0">
               <a:latin typeface="Arial"/>
             </a:endParaRPr>
           </a:p>
@@ -23581,7 +24031,7 @@
                             </p:stCondLst>
                             <p:childTnLst>
                               <p:par>
-                                <p:cTn id="9" presetID="1" presetClass="entr" fill="hold" nodeType="clickEffect">
+                                <p:cTn id="9" presetID="1" presetClass="entr" presetSubtype="0" fill="hold" nodeType="clickEffect">
                                   <p:stCondLst>
                                     <p:cond delay="0"/>
                                   </p:stCondLst>
@@ -23594,11 +24044,7 @@
                                           </p:stCondLst>
                                         </p:cTn>
                                         <p:tgtEl>
-                                          <p:spTgt spid="181">
-                                            <p:txEl>
-                                              <p:pRg st="1" end="1"/>
-                                            </p:txEl>
-                                          </p:spTgt>
+                                          <p:spTgt spid="183"/>
                                         </p:tgtEl>
                                         <p:attrNameLst>
                                           <p:attrName>style.visibility</p:attrName>
@@ -23630,7 +24076,7 @@
                             </p:stCondLst>
                             <p:childTnLst>
                               <p:par>
-                                <p:cTn id="13" presetID="1" presetClass="entr" fill="hold" nodeType="clickEffect">
+                                <p:cTn id="13" presetID="1" presetClass="entr" presetSubtype="0" fill="hold" nodeType="clickEffect">
                                   <p:stCondLst>
                                     <p:cond delay="0"/>
                                   </p:stCondLst>
@@ -23645,7 +24091,7 @@
                                         <p:tgtEl>
                                           <p:spTgt spid="181">
                                             <p:txEl>
-                                              <p:pRg st="2" end="2"/>
+                                              <p:pRg st="5" end="5"/>
                                             </p:txEl>
                                           </p:spTgt>
                                         </p:tgtEl>
@@ -23716,7 +24162,7 @@
         </p:nvGraphicFramePr>
         <p:xfrm>
           <a:off x="2140200" y="1255680"/>
-          <a:ext cx="7911000" cy="4345920"/>
+          <a:ext cx="7911360" cy="4346280"/>
         </p:xfrm>
         <a:graphic>
           <a:graphicData uri="http://schemas.openxmlformats.org/drawingml/2006/table">
